--- a/pp8.pptx
+++ b/pp8.pptx
@@ -5,52 +5,50 @@
     <p:sldMasterId id="2147483648" r:id="rId1"/>
   </p:sldMasterIdLst>
   <p:notesMasterIdLst>
-    <p:notesMasterId r:id="rId45"/>
+    <p:notesMasterId r:id="rId43"/>
   </p:notesMasterIdLst>
   <p:sldIdLst>
     <p:sldId id="259" r:id="rId2"/>
     <p:sldId id="285" r:id="rId3"/>
-    <p:sldId id="260" r:id="rId4"/>
-    <p:sldId id="261" r:id="rId5"/>
-    <p:sldId id="262" r:id="rId6"/>
-    <p:sldId id="263" r:id="rId7"/>
-    <p:sldId id="264" r:id="rId8"/>
-    <p:sldId id="288" r:id="rId9"/>
-    <p:sldId id="265" r:id="rId10"/>
-    <p:sldId id="301" r:id="rId11"/>
-    <p:sldId id="300" r:id="rId12"/>
+    <p:sldId id="261" r:id="rId4"/>
+    <p:sldId id="319" r:id="rId5"/>
+    <p:sldId id="263" r:id="rId6"/>
+    <p:sldId id="264" r:id="rId7"/>
+    <p:sldId id="322" r:id="rId8"/>
+    <p:sldId id="323" r:id="rId9"/>
+    <p:sldId id="321" r:id="rId10"/>
+    <p:sldId id="288" r:id="rId11"/>
+    <p:sldId id="320" r:id="rId12"/>
     <p:sldId id="299" r:id="rId13"/>
-    <p:sldId id="298" r:id="rId14"/>
-    <p:sldId id="297" r:id="rId15"/>
-    <p:sldId id="302" r:id="rId16"/>
-    <p:sldId id="268" r:id="rId17"/>
-    <p:sldId id="290" r:id="rId18"/>
-    <p:sldId id="294" r:id="rId19"/>
-    <p:sldId id="296" r:id="rId20"/>
-    <p:sldId id="292" r:id="rId21"/>
-    <p:sldId id="303" r:id="rId22"/>
-    <p:sldId id="270" r:id="rId23"/>
-    <p:sldId id="271" r:id="rId24"/>
-    <p:sldId id="272" r:id="rId25"/>
-    <p:sldId id="273" r:id="rId26"/>
-    <p:sldId id="274" r:id="rId27"/>
-    <p:sldId id="310" r:id="rId28"/>
-    <p:sldId id="312" r:id="rId29"/>
-    <p:sldId id="311" r:id="rId30"/>
-    <p:sldId id="314" r:id="rId31"/>
-    <p:sldId id="313" r:id="rId32"/>
-    <p:sldId id="276" r:id="rId33"/>
-    <p:sldId id="315" r:id="rId34"/>
-    <p:sldId id="277" r:id="rId35"/>
-    <p:sldId id="305" r:id="rId36"/>
-    <p:sldId id="278" r:id="rId37"/>
-    <p:sldId id="306" r:id="rId38"/>
-    <p:sldId id="279" r:id="rId39"/>
-    <p:sldId id="280" r:id="rId40"/>
-    <p:sldId id="281" r:id="rId41"/>
-    <p:sldId id="282" r:id="rId42"/>
-    <p:sldId id="283" r:id="rId43"/>
-    <p:sldId id="284" r:id="rId44"/>
+    <p:sldId id="297" r:id="rId14"/>
+    <p:sldId id="290" r:id="rId15"/>
+    <p:sldId id="294" r:id="rId16"/>
+    <p:sldId id="296" r:id="rId17"/>
+    <p:sldId id="292" r:id="rId18"/>
+    <p:sldId id="270" r:id="rId19"/>
+    <p:sldId id="271" r:id="rId20"/>
+    <p:sldId id="272" r:id="rId21"/>
+    <p:sldId id="274" r:id="rId22"/>
+    <p:sldId id="310" r:id="rId23"/>
+    <p:sldId id="312" r:id="rId24"/>
+    <p:sldId id="311" r:id="rId25"/>
+    <p:sldId id="314" r:id="rId26"/>
+    <p:sldId id="277" r:id="rId27"/>
+    <p:sldId id="305" r:id="rId28"/>
+    <p:sldId id="278" r:id="rId29"/>
+    <p:sldId id="306" r:id="rId30"/>
+    <p:sldId id="279" r:id="rId31"/>
+    <p:sldId id="316" r:id="rId32"/>
+    <p:sldId id="328" r:id="rId33"/>
+    <p:sldId id="327" r:id="rId34"/>
+    <p:sldId id="281" r:id="rId35"/>
+    <p:sldId id="282" r:id="rId36"/>
+    <p:sldId id="326" r:id="rId37"/>
+    <p:sldId id="283" r:id="rId38"/>
+    <p:sldId id="284" r:id="rId39"/>
+    <p:sldId id="324" r:id="rId40"/>
+    <p:sldId id="276" r:id="rId41"/>
+    <p:sldId id="302" r:id="rId42"/>
   </p:sldIdLst>
   <p:sldSz cx="12192000" cy="6858000"/>
   <p:notesSz cx="6858000" cy="9144000"/>
@@ -156,20 +154,17 @@
           <p14:sldIdLst>
             <p14:sldId id="259"/>
             <p14:sldId id="285"/>
-            <p14:sldId id="260"/>
             <p14:sldId id="261"/>
-            <p14:sldId id="262"/>
+            <p14:sldId id="319"/>
             <p14:sldId id="263"/>
             <p14:sldId id="264"/>
+            <p14:sldId id="322"/>
+            <p14:sldId id="323"/>
+            <p14:sldId id="321"/>
             <p14:sldId id="288"/>
-            <p14:sldId id="265"/>
-            <p14:sldId id="301"/>
-            <p14:sldId id="300"/>
+            <p14:sldId id="320"/>
             <p14:sldId id="299"/>
-            <p14:sldId id="298"/>
             <p14:sldId id="297"/>
-            <p14:sldId id="302"/>
-            <p14:sldId id="268"/>
             <p14:sldId id="290"/>
             <p14:sldId id="294"/>
             <p14:sldId id="296"/>
@@ -178,11 +173,9 @@
         </p14:section>
         <p14:section name="variants" id="{0EB42657-5C3E-4FC3-B71B-7B9D58D2413B}">
           <p14:sldIdLst>
-            <p14:sldId id="303"/>
             <p14:sldId id="270"/>
             <p14:sldId id="271"/>
             <p14:sldId id="272"/>
-            <p14:sldId id="273"/>
             <p14:sldId id="274"/>
           </p14:sldIdLst>
         </p14:section>
@@ -192,27 +185,30 @@
             <p14:sldId id="312"/>
             <p14:sldId id="311"/>
             <p14:sldId id="314"/>
-            <p14:sldId id="313"/>
-            <p14:sldId id="276"/>
-            <p14:sldId id="315"/>
             <p14:sldId id="277"/>
             <p14:sldId id="305"/>
             <p14:sldId id="278"/>
             <p14:sldId id="306"/>
             <p14:sldId id="279"/>
+            <p14:sldId id="316"/>
+            <p14:sldId id="328"/>
           </p14:sldIdLst>
         </p14:section>
         <p14:section name="Future" id="{3CEF7372-6435-4237-8044-370E96AE0564}">
           <p14:sldIdLst>
-            <p14:sldId id="280"/>
+            <p14:sldId id="327"/>
             <p14:sldId id="281"/>
             <p14:sldId id="282"/>
+            <p14:sldId id="326"/>
           </p14:sldIdLst>
         </p14:section>
         <p14:section name="Anhang" id="{7B6C4666-9541-415C-AFAA-195DBCE20305}">
           <p14:sldIdLst>
             <p14:sldId id="283"/>
             <p14:sldId id="284"/>
+            <p14:sldId id="324"/>
+            <p14:sldId id="276"/>
+            <p14:sldId id="302"/>
           </p14:sldIdLst>
         </p14:section>
       </p14:sectionLst>
@@ -3762,15 +3758,34 @@
           <a:lstStyle/>
           <a:p>
             <a:r>
+              <a:rPr lang="en-GB" dirty="0" smtClean="0"/>
+              <a:t>P8: Exploring </a:t>
+            </a:r>
+            <a:r>
               <a:rPr lang="en-GB" dirty="0"/>
-              <a:t>Exploring the Fourier Transform for </a:t>
+              <a:t>the Fourier Transform for </a:t>
             </a:r>
             <a:br>
               <a:rPr lang="en-GB" dirty="0"/>
             </a:br>
             <a:r>
               <a:rPr lang="en-GB" dirty="0"/>
-              <a:t>Compressed Sensing Reconstructions in the MeerKAT era</a:t>
+              <a:t>Compressed Sensing Reconstructions </a:t>
+            </a:r>
+            <a:r>
+              <a:rPr lang="en-GB" dirty="0" smtClean="0"/>
+              <a:t/>
+            </a:r>
+            <a:br>
+              <a:rPr lang="en-GB" dirty="0" smtClean="0"/>
+            </a:br>
+            <a:r>
+              <a:rPr lang="en-GB" dirty="0" smtClean="0"/>
+              <a:t>in </a:t>
+            </a:r>
+            <a:r>
+              <a:rPr lang="en-GB" dirty="0"/>
+              <a:t>the MeerKAT era</a:t>
             </a:r>
             <a:endParaRPr lang="de-CH" dirty="0"/>
           </a:p>
@@ -3813,36 +3828,6 @@
           <a:chExt cx="0" cy="0"/>
         </a:xfrm>
       </p:grpSpPr>
-      <p:pic>
-        <p:nvPicPr>
-          <p:cNvPr id="5" name="Grafik 4"/>
-          <p:cNvPicPr>
-            <a:picLocks noChangeAspect="1"/>
-          </p:cNvPicPr>
-          <p:nvPr/>
-        </p:nvPicPr>
-        <p:blipFill>
-          <a:blip r:embed="rId2">
-            <a:extLst>
-              <a:ext uri="{28A0092B-C50C-407E-A947-70E740481C1C}">
-                <a14:useLocalDpi xmlns:a14="http://schemas.microsoft.com/office/drawing/2010/main" val="0"/>
-              </a:ext>
-            </a:extLst>
-          </a:blip>
-          <a:stretch>
-            <a:fillRect/>
-          </a:stretch>
-        </p:blipFill>
-        <p:spPr>
-          <a:xfrm>
-            <a:off x="838200" y="1841103"/>
-            <a:ext cx="4171950" cy="895350"/>
-          </a:xfrm>
-          <a:prstGeom prst="rect">
-            <a:avLst/>
-          </a:prstGeom>
-        </p:spPr>
-      </p:pic>
       <p:sp>
         <p:nvSpPr>
           <p:cNvPr id="2" name="Titel 1"/>
@@ -3860,7 +3845,7 @@
           <a:p>
             <a:r>
               <a:rPr lang="en-GB" dirty="0" smtClean="0"/>
-              <a:t>CLEAN</a:t>
+              <a:t>CLEAN and the non-uniform FFT</a:t>
             </a:r>
             <a:endParaRPr lang="en-GB" dirty="0"/>
           </a:p>
@@ -3881,14 +3866,14 @@
           <a:bodyPr/>
           <a:lstStyle/>
           <a:p>
-            <a:endParaRPr lang="en-GB" dirty="0"/>
+            <a:endParaRPr lang="en-GB"/>
           </a:p>
         </p:txBody>
       </p:sp>
     </p:spTree>
     <p:extLst>
       <p:ext uri="{BB962C8B-B14F-4D97-AF65-F5344CB8AC3E}">
-        <p14:creationId xmlns:p14="http://schemas.microsoft.com/office/powerpoint/2010/main" val="2425015058"/>
+        <p14:creationId xmlns:p14="http://schemas.microsoft.com/office/powerpoint/2010/main" val="2550307493"/>
       </p:ext>
     </p:extLst>
   </p:cSld>
@@ -3945,6 +3930,47 @@
           </a:prstGeom>
         </p:spPr>
       </p:pic>
+      <p:sp>
+        <p:nvSpPr>
+          <p:cNvPr id="2" name="Titel 1"/>
+          <p:cNvSpPr>
+            <a:spLocks noGrp="1"/>
+          </p:cNvSpPr>
+          <p:nvPr>
+            <p:ph type="title"/>
+          </p:nvPr>
+        </p:nvSpPr>
+        <p:spPr/>
+        <p:txBody>
+          <a:bodyPr/>
+          <a:lstStyle/>
+          <a:p>
+            <a:r>
+              <a:rPr lang="en-GB" dirty="0"/>
+              <a:t>CLEAN and the non-uniform FFT</a:t>
+            </a:r>
+          </a:p>
+        </p:txBody>
+      </p:sp>
+      <p:sp>
+        <p:nvSpPr>
+          <p:cNvPr id="3" name="Inhaltsplatzhalter 2"/>
+          <p:cNvSpPr>
+            <a:spLocks noGrp="1"/>
+          </p:cNvSpPr>
+          <p:nvPr>
+            <p:ph idx="1"/>
+          </p:nvPr>
+        </p:nvSpPr>
+        <p:spPr/>
+        <p:txBody>
+          <a:bodyPr/>
+          <a:lstStyle/>
+          <a:p>
+            <a:endParaRPr lang="en-GB" dirty="0"/>
+          </a:p>
+        </p:txBody>
+      </p:sp>
       <p:pic>
         <p:nvPicPr>
           <p:cNvPr id="6" name="Grafik 5"/>
@@ -3954,7 +3980,7 @@
           <p:nvPr/>
         </p:nvPicPr>
         <p:blipFill>
-          <a:blip r:embed="rId3">
+          <a:blip r:embed="rId3" cstate="print">
             <a:extLst>
               <a:ext uri="{28A0092B-C50C-407E-A947-70E740481C1C}">
                 <a14:useLocalDpi xmlns:a14="http://schemas.microsoft.com/office/drawing/2010/main" val="0"/>
@@ -3967,32 +3993,69 @@
         </p:blipFill>
         <p:spPr>
           <a:xfrm>
-            <a:off x="838200" y="2886869"/>
-            <a:ext cx="10963275" cy="1114425"/>
+            <a:off x="640012" y="2976452"/>
+            <a:ext cx="3686504" cy="3686504"/>
           </a:xfrm>
           <a:prstGeom prst="rect">
             <a:avLst/>
           </a:prstGeom>
         </p:spPr>
       </p:pic>
-      <p:sp>
-        <p:nvSpPr>
-          <p:cNvPr id="2" name="Titel 1"/>
-          <p:cNvSpPr>
-            <a:spLocks noGrp="1"/>
-          </p:cNvSpPr>
-          <p:nvPr>
-            <p:ph type="title"/>
-          </p:nvPr>
-        </p:nvSpPr>
-        <p:spPr/>
-        <p:txBody>
-          <a:bodyPr/>
+      <p:pic>
+        <p:nvPicPr>
+          <p:cNvPr id="7" name="Grafik 6"/>
+          <p:cNvPicPr>
+            <a:picLocks noChangeAspect="1"/>
+          </p:cNvPicPr>
+          <p:nvPr/>
+        </p:nvPicPr>
+        <p:blipFill>
+          <a:blip r:embed="rId4" cstate="print">
+            <a:extLst>
+              <a:ext uri="{28A0092B-C50C-407E-A947-70E740481C1C}">
+                <a14:useLocalDpi xmlns:a14="http://schemas.microsoft.com/office/drawing/2010/main" val="0"/>
+              </a:ext>
+            </a:extLst>
+          </a:blip>
+          <a:stretch>
+            <a:fillRect/>
+          </a:stretch>
+        </p:blipFill>
+        <p:spPr>
+          <a:xfrm>
+            <a:off x="7986739" y="3005356"/>
+            <a:ext cx="3657600" cy="3657600"/>
+          </a:xfrm>
+          <a:prstGeom prst="rect">
+            <a:avLst/>
+          </a:prstGeom>
+        </p:spPr>
+      </p:pic>
+      <p:sp>
+        <p:nvSpPr>
+          <p:cNvPr id="8" name="Textfeld 7"/>
+          <p:cNvSpPr txBox="1"/>
+          <p:nvPr/>
+        </p:nvSpPr>
+        <p:spPr>
+          <a:xfrm>
+            <a:off x="1443324" y="2753222"/>
+            <a:ext cx="2249205" cy="369332"/>
+          </a:xfrm>
+          <a:prstGeom prst="rect">
+            <a:avLst/>
+          </a:prstGeom>
+          <a:noFill/>
+        </p:spPr>
+        <p:txBody>
+          <a:bodyPr wrap="none" rtlCol="0">
+            <a:spAutoFit/>
+          </a:bodyPr>
           <a:lstStyle/>
           <a:p>
             <a:r>
               <a:rPr lang="en-GB" dirty="0" smtClean="0"/>
-              <a:t>CLEAN</a:t>
+              <a:t>Point Spread Function</a:t>
             </a:r>
             <a:endParaRPr lang="en-GB" dirty="0"/>
           </a:p>
@@ -4000,27 +4063,98 @@
       </p:sp>
       <p:sp>
         <p:nvSpPr>
-          <p:cNvPr id="3" name="Inhaltsplatzhalter 2"/>
-          <p:cNvSpPr>
-            <a:spLocks noGrp="1"/>
-          </p:cNvSpPr>
-          <p:nvPr>
-            <p:ph idx="1"/>
-          </p:nvPr>
-        </p:nvSpPr>
-        <p:spPr/>
-        <p:txBody>
-          <a:bodyPr/>
-          <a:lstStyle/>
-          <a:p>
-            <a:endParaRPr lang="en-GB"/>
+          <p:cNvPr id="9" name="Textfeld 8"/>
+          <p:cNvSpPr txBox="1"/>
+          <p:nvPr/>
+        </p:nvSpPr>
+        <p:spPr>
+          <a:xfrm>
+            <a:off x="9102067" y="2771158"/>
+            <a:ext cx="1598002" cy="369332"/>
+          </a:xfrm>
+          <a:prstGeom prst="rect">
+            <a:avLst/>
+          </a:prstGeom>
+          <a:noFill/>
+        </p:spPr>
+        <p:txBody>
+          <a:bodyPr wrap="none" rtlCol="0">
+            <a:spAutoFit/>
+          </a:bodyPr>
+          <a:lstStyle/>
+          <a:p>
+            <a:r>
+              <a:rPr lang="en-GB" dirty="0" smtClean="0"/>
+              <a:t>Reconstruction</a:t>
+            </a:r>
+            <a:endParaRPr lang="en-GB" dirty="0"/>
+          </a:p>
+        </p:txBody>
+      </p:sp>
+      <p:pic>
+        <p:nvPicPr>
+          <p:cNvPr id="10" name="Grafik 9"/>
+          <p:cNvPicPr>
+            <a:picLocks noChangeAspect="1"/>
+          </p:cNvPicPr>
+          <p:nvPr/>
+        </p:nvPicPr>
+        <p:blipFill>
+          <a:blip r:embed="rId5" cstate="print">
+            <a:extLst>
+              <a:ext uri="{28A0092B-C50C-407E-A947-70E740481C1C}">
+                <a14:useLocalDpi xmlns:a14="http://schemas.microsoft.com/office/drawing/2010/main" val="0"/>
+              </a:ext>
+            </a:extLst>
+          </a:blip>
+          <a:stretch>
+            <a:fillRect/>
+          </a:stretch>
+        </p:blipFill>
+        <p:spPr>
+          <a:xfrm>
+            <a:off x="4326516" y="3005356"/>
+            <a:ext cx="3657600" cy="3657600"/>
+          </a:xfrm>
+          <a:prstGeom prst="rect">
+            <a:avLst/>
+          </a:prstGeom>
+        </p:spPr>
+      </p:pic>
+      <p:sp>
+        <p:nvSpPr>
+          <p:cNvPr id="11" name="Textfeld 10"/>
+          <p:cNvSpPr txBox="1"/>
+          <p:nvPr/>
+        </p:nvSpPr>
+        <p:spPr>
+          <a:xfrm>
+            <a:off x="5375294" y="2748075"/>
+            <a:ext cx="1560043" cy="415498"/>
+          </a:xfrm>
+          <a:prstGeom prst="rect">
+            <a:avLst/>
+          </a:prstGeom>
+          <a:noFill/>
+        </p:spPr>
+        <p:txBody>
+          <a:bodyPr wrap="none" rtlCol="0">
+            <a:spAutoFit/>
+          </a:bodyPr>
+          <a:lstStyle/>
+          <a:p>
+            <a:r>
+              <a:rPr lang="en-GB" dirty="0" smtClean="0"/>
+              <a:t>Dirty Image</a:t>
+            </a:r>
+            <a:endParaRPr lang="en-GB" dirty="0"/>
           </a:p>
         </p:txBody>
       </p:sp>
     </p:spTree>
     <p:extLst>
       <p:ext uri="{BB962C8B-B14F-4D97-AF65-F5344CB8AC3E}">
-        <p14:creationId xmlns:p14="http://schemas.microsoft.com/office/powerpoint/2010/main" val="2513851826"/>
+        <p14:creationId xmlns:p14="http://schemas.microsoft.com/office/powerpoint/2010/main" val="3196744590"/>
       </p:ext>
     </p:extLst>
   </p:cSld>
@@ -4123,10 +4257,9 @@
           <a:lstStyle/>
           <a:p>
             <a:r>
-              <a:rPr lang="en-GB" dirty="0" smtClean="0"/>
-              <a:t>CLEAN</a:t>
-            </a:r>
-            <a:endParaRPr lang="en-GB" dirty="0"/>
+              <a:rPr lang="en-GB" dirty="0"/>
+              <a:t>CLEAN and the non-uniform FFT</a:t>
+            </a:r>
           </a:p>
         </p:txBody>
       </p:sp>
@@ -4163,7 +4296,7 @@
         </p:blipFill>
         <p:spPr>
           <a:xfrm>
-            <a:off x="1523999" y="4149725"/>
+            <a:off x="705851" y="4149725"/>
             <a:ext cx="9591675" cy="1047750"/>
           </a:xfrm>
         </p:spPr>
@@ -4198,6 +4331,51 @@
           <a:chExt cx="0" cy="0"/>
         </a:xfrm>
       </p:grpSpPr>
+      <p:sp>
+        <p:nvSpPr>
+          <p:cNvPr id="4" name="Rechteck 3"/>
+          <p:cNvSpPr/>
+          <p:nvPr/>
+        </p:nvSpPr>
+        <p:spPr>
+          <a:xfrm>
+            <a:off x="3302128" y="1841103"/>
+            <a:ext cx="1219200" cy="771271"/>
+          </a:xfrm>
+          <a:prstGeom prst="rect">
+            <a:avLst/>
+          </a:prstGeom>
+          <a:solidFill>
+            <a:schemeClr val="accent2">
+              <a:lumMod val="75000"/>
+            </a:schemeClr>
+          </a:solidFill>
+        </p:spPr>
+        <p:style>
+          <a:lnRef idx="2">
+            <a:schemeClr val="accent1">
+              <a:shade val="50000"/>
+            </a:schemeClr>
+          </a:lnRef>
+          <a:fillRef idx="1">
+            <a:schemeClr val="accent1"/>
+          </a:fillRef>
+          <a:effectRef idx="0">
+            <a:schemeClr val="accent1"/>
+          </a:effectRef>
+          <a:fontRef idx="minor">
+            <a:schemeClr val="lt1"/>
+          </a:fontRef>
+        </p:style>
+        <p:txBody>
+          <a:bodyPr rtlCol="0" anchor="ctr"/>
+          <a:lstStyle/>
+          <a:p>
+            <a:pPr algn="ctr"/>
+            <a:endParaRPr lang="en-GB"/>
+          </a:p>
+        </p:txBody>
+      </p:sp>
       <p:pic>
         <p:nvPicPr>
           <p:cNvPr id="5" name="Grafik 4"/>
@@ -4228,6 +4406,51 @@
           </a:prstGeom>
         </p:spPr>
       </p:pic>
+      <p:sp>
+        <p:nvSpPr>
+          <p:cNvPr id="7" name="Rechteck 6"/>
+          <p:cNvSpPr/>
+          <p:nvPr/>
+        </p:nvSpPr>
+        <p:spPr>
+          <a:xfrm>
+            <a:off x="7485888" y="3021806"/>
+            <a:ext cx="1511808" cy="771271"/>
+          </a:xfrm>
+          <a:prstGeom prst="rect">
+            <a:avLst/>
+          </a:prstGeom>
+          <a:solidFill>
+            <a:schemeClr val="accent2">
+              <a:lumMod val="75000"/>
+            </a:schemeClr>
+          </a:solidFill>
+        </p:spPr>
+        <p:style>
+          <a:lnRef idx="2">
+            <a:schemeClr val="accent1">
+              <a:shade val="50000"/>
+            </a:schemeClr>
+          </a:lnRef>
+          <a:fillRef idx="1">
+            <a:schemeClr val="accent1"/>
+          </a:fillRef>
+          <a:effectRef idx="0">
+            <a:schemeClr val="accent1"/>
+          </a:effectRef>
+          <a:fontRef idx="minor">
+            <a:schemeClr val="lt1"/>
+          </a:fontRef>
+        </p:style>
+        <p:txBody>
+          <a:bodyPr rtlCol="0" anchor="ctr"/>
+          <a:lstStyle/>
+          <a:p>
+            <a:pPr algn="ctr"/>
+            <a:endParaRPr lang="en-GB"/>
+          </a:p>
+        </p:txBody>
+      </p:sp>
       <p:pic>
         <p:nvPicPr>
           <p:cNvPr id="6" name="Grafik 5"/>
@@ -4274,17 +4497,16 @@
           <a:lstStyle/>
           <a:p>
             <a:r>
-              <a:rPr lang="en-GB" dirty="0" smtClean="0"/>
-              <a:t>CLEAN</a:t>
-            </a:r>
-            <a:endParaRPr lang="en-GB" dirty="0"/>
+              <a:rPr lang="en-GB" dirty="0"/>
+              <a:t>CLEAN and the non-uniform FFT</a:t>
+            </a:r>
           </a:p>
         </p:txBody>
       </p:sp>
     </p:spTree>
     <p:extLst>
       <p:ext uri="{BB962C8B-B14F-4D97-AF65-F5344CB8AC3E}">
-        <p14:creationId xmlns:p14="http://schemas.microsoft.com/office/powerpoint/2010/main" val="3258025482"/>
+        <p14:creationId xmlns:p14="http://schemas.microsoft.com/office/powerpoint/2010/main" val="853479234"/>
       </p:ext>
     </p:extLst>
   </p:cSld>
@@ -4313,181 +4535,50 @@
       </p:grpSpPr>
       <p:sp>
         <p:nvSpPr>
-          <p:cNvPr id="7" name="Rechteck 6"/>
-          <p:cNvSpPr/>
-          <p:nvPr/>
-        </p:nvSpPr>
-        <p:spPr>
-          <a:xfrm>
-            <a:off x="7485888" y="3021806"/>
-            <a:ext cx="1511808" cy="771271"/>
-          </a:xfrm>
-          <a:prstGeom prst="rect">
-            <a:avLst/>
-          </a:prstGeom>
-          <a:solidFill>
-            <a:schemeClr val="accent2">
-              <a:lumMod val="75000"/>
-            </a:schemeClr>
-          </a:solidFill>
-        </p:spPr>
-        <p:style>
-          <a:lnRef idx="2">
-            <a:schemeClr val="accent1">
-              <a:shade val="50000"/>
-            </a:schemeClr>
-          </a:lnRef>
-          <a:fillRef idx="1">
-            <a:schemeClr val="accent1"/>
-          </a:fillRef>
-          <a:effectRef idx="0">
-            <a:schemeClr val="accent1"/>
-          </a:effectRef>
-          <a:fontRef idx="minor">
-            <a:schemeClr val="lt1"/>
-          </a:fontRef>
-        </p:style>
-        <p:txBody>
-          <a:bodyPr rtlCol="0" anchor="ctr"/>
-          <a:lstStyle/>
-          <a:p>
-            <a:pPr algn="ctr"/>
+          <p:cNvPr id="2" name="Titel 1"/>
+          <p:cNvSpPr>
+            <a:spLocks noGrp="1"/>
+          </p:cNvSpPr>
+          <p:nvPr>
+            <p:ph type="title"/>
+          </p:nvPr>
+        </p:nvSpPr>
+        <p:spPr/>
+        <p:txBody>
+          <a:bodyPr/>
+          <a:lstStyle/>
+          <a:p>
+            <a:r>
+              <a:rPr lang="en-GB" dirty="0" smtClean="0"/>
+              <a:t>Compressed Sensing</a:t>
+            </a:r>
+            <a:endParaRPr lang="en-GB" dirty="0"/>
+          </a:p>
+        </p:txBody>
+      </p:sp>
+      <p:sp>
+        <p:nvSpPr>
+          <p:cNvPr id="3" name="Inhaltsplatzhalter 2"/>
+          <p:cNvSpPr>
+            <a:spLocks noGrp="1"/>
+          </p:cNvSpPr>
+          <p:nvPr>
+            <p:ph idx="1"/>
+          </p:nvPr>
+        </p:nvSpPr>
+        <p:spPr/>
+        <p:txBody>
+          <a:bodyPr/>
+          <a:lstStyle/>
+          <a:p>
             <a:endParaRPr lang="en-GB"/>
           </a:p>
         </p:txBody>
       </p:sp>
-      <p:pic>
-        <p:nvPicPr>
-          <p:cNvPr id="6" name="Grafik 5"/>
-          <p:cNvPicPr>
-            <a:picLocks noChangeAspect="1"/>
-          </p:cNvPicPr>
-          <p:nvPr/>
-        </p:nvPicPr>
-        <p:blipFill>
-          <a:blip r:embed="rId2">
-            <a:extLst>
-              <a:ext uri="{28A0092B-C50C-407E-A947-70E740481C1C}">
-                <a14:useLocalDpi xmlns:a14="http://schemas.microsoft.com/office/drawing/2010/main" val="0"/>
-              </a:ext>
-            </a:extLst>
-          </a:blip>
-          <a:stretch>
-            <a:fillRect/>
-          </a:stretch>
-        </p:blipFill>
-        <p:spPr>
-          <a:xfrm>
-            <a:off x="838200" y="2886869"/>
-            <a:ext cx="10963275" cy="1114425"/>
-          </a:xfrm>
-          <a:prstGeom prst="rect">
-            <a:avLst/>
-          </a:prstGeom>
-        </p:spPr>
-      </p:pic>
-      <p:sp>
-        <p:nvSpPr>
-          <p:cNvPr id="4" name="Rechteck 3"/>
-          <p:cNvSpPr/>
-          <p:nvPr/>
-        </p:nvSpPr>
-        <p:spPr>
-          <a:xfrm>
-            <a:off x="3302128" y="1841103"/>
-            <a:ext cx="1219200" cy="771271"/>
-          </a:xfrm>
-          <a:prstGeom prst="rect">
-            <a:avLst/>
-          </a:prstGeom>
-          <a:solidFill>
-            <a:schemeClr val="accent2">
-              <a:lumMod val="75000"/>
-            </a:schemeClr>
-          </a:solidFill>
-        </p:spPr>
-        <p:style>
-          <a:lnRef idx="2">
-            <a:schemeClr val="accent1">
-              <a:shade val="50000"/>
-            </a:schemeClr>
-          </a:lnRef>
-          <a:fillRef idx="1">
-            <a:schemeClr val="accent1"/>
-          </a:fillRef>
-          <a:effectRef idx="0">
-            <a:schemeClr val="accent1"/>
-          </a:effectRef>
-          <a:fontRef idx="minor">
-            <a:schemeClr val="lt1"/>
-          </a:fontRef>
-        </p:style>
-        <p:txBody>
-          <a:bodyPr rtlCol="0" anchor="ctr"/>
-          <a:lstStyle/>
-          <a:p>
-            <a:pPr algn="ctr"/>
-            <a:endParaRPr lang="en-GB"/>
-          </a:p>
-        </p:txBody>
-      </p:sp>
-      <p:sp>
-        <p:nvSpPr>
-          <p:cNvPr id="2" name="Titel 1"/>
-          <p:cNvSpPr>
-            <a:spLocks noGrp="1"/>
-          </p:cNvSpPr>
-          <p:nvPr>
-            <p:ph type="title"/>
-          </p:nvPr>
-        </p:nvSpPr>
-        <p:spPr/>
-        <p:txBody>
-          <a:bodyPr/>
-          <a:lstStyle/>
-          <a:p>
-            <a:r>
-              <a:rPr lang="en-GB" dirty="0" smtClean="0"/>
-              <a:t>CLEAN</a:t>
-            </a:r>
-            <a:endParaRPr lang="en-GB" dirty="0"/>
-          </a:p>
-        </p:txBody>
-      </p:sp>
-      <p:pic>
-        <p:nvPicPr>
-          <p:cNvPr id="5" name="Grafik 4"/>
-          <p:cNvPicPr>
-            <a:picLocks noChangeAspect="1"/>
-          </p:cNvPicPr>
-          <p:nvPr/>
-        </p:nvPicPr>
-        <p:blipFill>
-          <a:blip r:embed="rId3">
-            <a:extLst>
-              <a:ext uri="{28A0092B-C50C-407E-A947-70E740481C1C}">
-                <a14:useLocalDpi xmlns:a14="http://schemas.microsoft.com/office/drawing/2010/main" val="0"/>
-              </a:ext>
-            </a:extLst>
-          </a:blip>
-          <a:stretch>
-            <a:fillRect/>
-          </a:stretch>
-        </p:blipFill>
-        <p:spPr>
-          <a:xfrm>
-            <a:off x="838200" y="1841103"/>
-            <a:ext cx="4171950" cy="895350"/>
-          </a:xfrm>
-          <a:prstGeom prst="rect">
-            <a:avLst/>
-          </a:prstGeom>
-        </p:spPr>
-      </p:pic>
     </p:spTree>
     <p:extLst>
       <p:ext uri="{BB962C8B-B14F-4D97-AF65-F5344CB8AC3E}">
-        <p14:creationId xmlns:p14="http://schemas.microsoft.com/office/powerpoint/2010/main" val="853479234"/>
+        <p14:creationId xmlns:p14="http://schemas.microsoft.com/office/powerpoint/2010/main" val="2111302720"/>
       </p:ext>
     </p:extLst>
   </p:cSld>
@@ -4516,52 +4607,30 @@
       </p:grpSpPr>
       <p:sp>
         <p:nvSpPr>
-          <p:cNvPr id="7" name="Rechteck 6"/>
-          <p:cNvSpPr/>
-          <p:nvPr/>
-        </p:nvSpPr>
-        <p:spPr>
-          <a:xfrm>
-            <a:off x="7485888" y="3021806"/>
-            <a:ext cx="1511808" cy="771271"/>
-          </a:xfrm>
-          <a:prstGeom prst="rect">
-            <a:avLst/>
-          </a:prstGeom>
-          <a:solidFill>
-            <a:schemeClr val="accent2">
-              <a:lumMod val="75000"/>
-            </a:schemeClr>
-          </a:solidFill>
-        </p:spPr>
-        <p:style>
-          <a:lnRef idx="2">
-            <a:schemeClr val="accent1">
-              <a:shade val="50000"/>
-            </a:schemeClr>
-          </a:lnRef>
-          <a:fillRef idx="1">
-            <a:schemeClr val="accent1"/>
-          </a:fillRef>
-          <a:effectRef idx="0">
-            <a:schemeClr val="accent1"/>
-          </a:effectRef>
-          <a:fontRef idx="minor">
-            <a:schemeClr val="lt1"/>
-          </a:fontRef>
-        </p:style>
-        <p:txBody>
-          <a:bodyPr rtlCol="0" anchor="ctr"/>
-          <a:lstStyle/>
-          <a:p>
-            <a:pPr algn="ctr"/>
-            <a:endParaRPr lang="en-GB"/>
+          <p:cNvPr id="2" name="Titel 1"/>
+          <p:cNvSpPr>
+            <a:spLocks noGrp="1"/>
+          </p:cNvSpPr>
+          <p:nvPr>
+            <p:ph type="title"/>
+          </p:nvPr>
+        </p:nvSpPr>
+        <p:spPr/>
+        <p:txBody>
+          <a:bodyPr/>
+          <a:lstStyle/>
+          <a:p>
+            <a:r>
+              <a:rPr lang="en-GB" dirty="0" smtClean="0"/>
+              <a:t>Compressed Sensing (approx.)</a:t>
+            </a:r>
+            <a:endParaRPr lang="en-GB" dirty="0"/>
           </a:p>
         </p:txBody>
       </p:sp>
       <p:pic>
         <p:nvPicPr>
-          <p:cNvPr id="6" name="Grafik 5"/>
+          <p:cNvPr id="9" name="Inhaltsplatzhalter 6"/>
           <p:cNvPicPr>
             <a:picLocks noChangeAspect="1"/>
           </p:cNvPicPr>
@@ -4581,85 +4650,17 @@
         </p:blipFill>
         <p:spPr>
           <a:xfrm>
-            <a:off x="838200" y="2886869"/>
-            <a:ext cx="10963275" cy="1114425"/>
+            <a:off x="1218818" y="1573736"/>
+            <a:ext cx="4962525" cy="904875"/>
           </a:xfrm>
           <a:prstGeom prst="rect">
             <a:avLst/>
           </a:prstGeom>
         </p:spPr>
       </p:pic>
-      <p:sp>
-        <p:nvSpPr>
-          <p:cNvPr id="4" name="Rechteck 3"/>
-          <p:cNvSpPr/>
-          <p:nvPr/>
-        </p:nvSpPr>
-        <p:spPr>
-          <a:xfrm>
-            <a:off x="3302128" y="1841103"/>
-            <a:ext cx="1219200" cy="771271"/>
-          </a:xfrm>
-          <a:prstGeom prst="rect">
-            <a:avLst/>
-          </a:prstGeom>
-          <a:solidFill>
-            <a:schemeClr val="accent2">
-              <a:lumMod val="75000"/>
-            </a:schemeClr>
-          </a:solidFill>
-        </p:spPr>
-        <p:style>
-          <a:lnRef idx="2">
-            <a:schemeClr val="accent1">
-              <a:shade val="50000"/>
-            </a:schemeClr>
-          </a:lnRef>
-          <a:fillRef idx="1">
-            <a:schemeClr val="accent1"/>
-          </a:fillRef>
-          <a:effectRef idx="0">
-            <a:schemeClr val="accent1"/>
-          </a:effectRef>
-          <a:fontRef idx="minor">
-            <a:schemeClr val="lt1"/>
-          </a:fontRef>
-        </p:style>
-        <p:txBody>
-          <a:bodyPr rtlCol="0" anchor="ctr"/>
-          <a:lstStyle/>
-          <a:p>
-            <a:pPr algn="ctr"/>
-            <a:endParaRPr lang="en-GB"/>
-          </a:p>
-        </p:txBody>
-      </p:sp>
-      <p:sp>
-        <p:nvSpPr>
-          <p:cNvPr id="2" name="Titel 1"/>
-          <p:cNvSpPr>
-            <a:spLocks noGrp="1"/>
-          </p:cNvSpPr>
-          <p:nvPr>
-            <p:ph type="title"/>
-          </p:nvPr>
-        </p:nvSpPr>
-        <p:spPr/>
-        <p:txBody>
-          <a:bodyPr/>
-          <a:lstStyle/>
-          <a:p>
-            <a:r>
-              <a:rPr lang="en-GB" dirty="0" smtClean="0"/>
-              <a:t>CLEAN</a:t>
-            </a:r>
-            <a:endParaRPr lang="en-GB" dirty="0"/>
-          </a:p>
-        </p:txBody>
-      </p:sp>
       <p:pic>
         <p:nvPicPr>
-          <p:cNvPr id="5" name="Grafik 4"/>
+          <p:cNvPr id="11" name="Grafik 10"/>
           <p:cNvPicPr>
             <a:picLocks noChangeAspect="1"/>
           </p:cNvPicPr>
@@ -4679,7 +4680,85 @@
         </p:blipFill>
         <p:spPr>
           <a:xfrm>
-            <a:off x="838200" y="1841103"/>
+            <a:off x="1218818" y="4299703"/>
+            <a:ext cx="4467225" cy="866775"/>
+          </a:xfrm>
+          <a:prstGeom prst="rect">
+            <a:avLst/>
+          </a:prstGeom>
+        </p:spPr>
+      </p:pic>
+      <p:pic>
+        <p:nvPicPr>
+          <p:cNvPr id="6" name="Inhaltsplatzhalter 5"/>
+          <p:cNvPicPr>
+            <a:picLocks noChangeAspect="1"/>
+          </p:cNvPicPr>
+          <p:nvPr/>
+        </p:nvPicPr>
+        <p:blipFill>
+          <a:blip r:embed="rId4">
+            <a:extLst>
+              <a:ext uri="{BEBA8EAE-BF5A-486C-A8C5-ECC9F3942E4B}">
+                <a14:imgProps xmlns:a14="http://schemas.microsoft.com/office/drawing/2010/main">
+                  <a14:imgLayer r:embed="rId5">
+                    <a14:imgEffect>
+                      <a14:brightnessContrast contrast="-100000"/>
+                    </a14:imgEffect>
+                  </a14:imgLayer>
+                </a14:imgProps>
+              </a:ext>
+              <a:ext uri="{28A0092B-C50C-407E-A947-70E740481C1C}">
+                <a14:useLocalDpi xmlns:a14="http://schemas.microsoft.com/office/drawing/2010/main" val="0"/>
+              </a:ext>
+            </a:extLst>
+          </a:blip>
+          <a:stretch>
+            <a:fillRect/>
+          </a:stretch>
+        </p:blipFill>
+        <p:spPr>
+          <a:xfrm>
+            <a:off x="8787003" y="3357563"/>
+            <a:ext cx="647700" cy="66675"/>
+          </a:xfrm>
+          <a:prstGeom prst="rect">
+            <a:avLst/>
+          </a:prstGeom>
+        </p:spPr>
+      </p:pic>
+      <p:pic>
+        <p:nvPicPr>
+          <p:cNvPr id="7" name="Grafik 6"/>
+          <p:cNvPicPr>
+            <a:picLocks noChangeAspect="1"/>
+          </p:cNvPicPr>
+          <p:nvPr/>
+        </p:nvPicPr>
+        <p:blipFill>
+          <a:blip r:embed="rId6">
+            <a:extLst>
+              <a:ext uri="{BEBA8EAE-BF5A-486C-A8C5-ECC9F3942E4B}">
+                <a14:imgProps xmlns:a14="http://schemas.microsoft.com/office/drawing/2010/main">
+                  <a14:imgLayer r:embed="rId7">
+                    <a14:imgEffect>
+                      <a14:brightnessContrast contrast="-100000"/>
+                    </a14:imgEffect>
+                  </a14:imgLayer>
+                </a14:imgProps>
+              </a:ext>
+              <a:ext uri="{28A0092B-C50C-407E-A947-70E740481C1C}">
+                <a14:useLocalDpi xmlns:a14="http://schemas.microsoft.com/office/drawing/2010/main" val="0"/>
+              </a:ext>
+            </a:extLst>
+          </a:blip>
+          <a:stretch>
+            <a:fillRect/>
+          </a:stretch>
+        </p:blipFill>
+        <p:spPr>
+          <a:xfrm>
+            <a:off x="7124891" y="1690688"/>
             <a:ext cx="4171950" cy="895350"/>
           </a:xfrm>
           <a:prstGeom prst="rect">
@@ -4696,7 +4775,46 @@
           <p:nvPr/>
         </p:nvPicPr>
         <p:blipFill>
-          <a:blip r:embed="rId4">
+          <a:blip r:embed="rId8">
+            <a:extLst>
+              <a:ext uri="{BEBA8EAE-BF5A-486C-A8C5-ECC9F3942E4B}">
+                <a14:imgProps xmlns:a14="http://schemas.microsoft.com/office/drawing/2010/main">
+                  <a14:imgLayer r:embed="rId9">
+                    <a14:imgEffect>
+                      <a14:brightnessContrast contrast="-100000"/>
+                    </a14:imgEffect>
+                  </a14:imgLayer>
+                </a14:imgProps>
+              </a:ext>
+              <a:ext uri="{28A0092B-C50C-407E-A947-70E740481C1C}">
+                <a14:useLocalDpi xmlns:a14="http://schemas.microsoft.com/office/drawing/2010/main" val="0"/>
+              </a:ext>
+            </a:extLst>
+          </a:blip>
+          <a:stretch>
+            <a:fillRect/>
+          </a:stretch>
+        </p:blipFill>
+        <p:spPr>
+          <a:xfrm>
+            <a:off x="7201091" y="4195763"/>
+            <a:ext cx="4467225" cy="866775"/>
+          </a:xfrm>
+          <a:prstGeom prst="rect">
+            <a:avLst/>
+          </a:prstGeom>
+        </p:spPr>
+      </p:pic>
+      <p:pic>
+        <p:nvPicPr>
+          <p:cNvPr id="12" name="Inhaltsplatzhalter 5"/>
+          <p:cNvPicPr>
+            <a:picLocks noChangeAspect="1"/>
+          </p:cNvPicPr>
+          <p:nvPr/>
+        </p:nvPicPr>
+        <p:blipFill>
+          <a:blip r:embed="rId10">
             <a:extLst>
               <a:ext uri="{28A0092B-C50C-407E-A947-70E740481C1C}">
                 <a14:useLocalDpi xmlns:a14="http://schemas.microsoft.com/office/drawing/2010/main" val="0"/>
@@ -4709,8 +4827,8 @@
         </p:blipFill>
         <p:spPr>
           <a:xfrm>
-            <a:off x="838200" y="4330700"/>
-            <a:ext cx="4467225" cy="866775"/>
+            <a:off x="3376230" y="3355819"/>
+            <a:ext cx="647700" cy="66675"/>
           </a:xfrm>
           <a:prstGeom prst="rect">
             <a:avLst/>
@@ -4720,7 +4838,7 @@
     </p:spTree>
     <p:extLst>
       <p:ext uri="{BB962C8B-B14F-4D97-AF65-F5344CB8AC3E}">
-        <p14:creationId xmlns:p14="http://schemas.microsoft.com/office/powerpoint/2010/main" val="2601163829"/>
+        <p14:creationId xmlns:p14="http://schemas.microsoft.com/office/powerpoint/2010/main" val="1138021922"/>
       </p:ext>
     </p:extLst>
   </p:cSld>
@@ -4749,52 +4867,30 @@
       </p:grpSpPr>
       <p:sp>
         <p:nvSpPr>
-          <p:cNvPr id="7" name="Rechteck 6"/>
-          <p:cNvSpPr/>
-          <p:nvPr/>
-        </p:nvSpPr>
-        <p:spPr>
-          <a:xfrm>
-            <a:off x="7485888" y="3021806"/>
-            <a:ext cx="1511808" cy="771271"/>
-          </a:xfrm>
-          <a:prstGeom prst="rect">
-            <a:avLst/>
-          </a:prstGeom>
-          <a:solidFill>
-            <a:schemeClr val="accent2">
-              <a:lumMod val="75000"/>
-            </a:schemeClr>
-          </a:solidFill>
-        </p:spPr>
-        <p:style>
-          <a:lnRef idx="2">
-            <a:schemeClr val="accent1">
-              <a:shade val="50000"/>
-            </a:schemeClr>
-          </a:lnRef>
-          <a:fillRef idx="1">
-            <a:schemeClr val="accent1"/>
-          </a:fillRef>
-          <a:effectRef idx="0">
-            <a:schemeClr val="accent1"/>
-          </a:effectRef>
-          <a:fontRef idx="minor">
-            <a:schemeClr val="lt1"/>
-          </a:fontRef>
-        </p:style>
-        <p:txBody>
-          <a:bodyPr rtlCol="0" anchor="ctr"/>
-          <a:lstStyle/>
-          <a:p>
-            <a:pPr algn="ctr"/>
-            <a:endParaRPr lang="en-GB"/>
+          <p:cNvPr id="2" name="Titel 1"/>
+          <p:cNvSpPr>
+            <a:spLocks noGrp="1"/>
+          </p:cNvSpPr>
+          <p:nvPr>
+            <p:ph type="title"/>
+          </p:nvPr>
+        </p:nvSpPr>
+        <p:spPr/>
+        <p:txBody>
+          <a:bodyPr/>
+          <a:lstStyle/>
+          <a:p>
+            <a:r>
+              <a:rPr lang="en-GB" dirty="0" smtClean="0"/>
+              <a:t>Compressed Sensing (approx.)</a:t>
+            </a:r>
+            <a:endParaRPr lang="en-GB" dirty="0"/>
           </a:p>
         </p:txBody>
       </p:sp>
       <p:pic>
         <p:nvPicPr>
-          <p:cNvPr id="6" name="Grafik 5"/>
+          <p:cNvPr id="9" name="Inhaltsplatzhalter 6"/>
           <p:cNvPicPr>
             <a:picLocks noChangeAspect="1"/>
           </p:cNvPicPr>
@@ -4814,24 +4910,339 @@
         </p:blipFill>
         <p:spPr>
           <a:xfrm>
-            <a:off x="838200" y="2886869"/>
-            <a:ext cx="10963275" cy="1114425"/>
+            <a:off x="1218818" y="1573736"/>
+            <a:ext cx="4962525" cy="904875"/>
           </a:xfrm>
           <a:prstGeom prst="rect">
             <a:avLst/>
           </a:prstGeom>
         </p:spPr>
       </p:pic>
-      <p:sp>
-        <p:nvSpPr>
-          <p:cNvPr id="4" name="Rechteck 3"/>
+      <p:pic>
+        <p:nvPicPr>
+          <p:cNvPr id="11" name="Grafik 10"/>
+          <p:cNvPicPr>
+            <a:picLocks noChangeAspect="1"/>
+          </p:cNvPicPr>
+          <p:nvPr/>
+        </p:nvPicPr>
+        <p:blipFill>
+          <a:blip r:embed="rId3">
+            <a:extLst>
+              <a:ext uri="{28A0092B-C50C-407E-A947-70E740481C1C}">
+                <a14:useLocalDpi xmlns:a14="http://schemas.microsoft.com/office/drawing/2010/main" val="0"/>
+              </a:ext>
+            </a:extLst>
+          </a:blip>
+          <a:stretch>
+            <a:fillRect/>
+          </a:stretch>
+        </p:blipFill>
+        <p:spPr>
+          <a:xfrm>
+            <a:off x="1218818" y="4299703"/>
+            <a:ext cx="4467225" cy="866775"/>
+          </a:xfrm>
+          <a:prstGeom prst="rect">
+            <a:avLst/>
+          </a:prstGeom>
+        </p:spPr>
+      </p:pic>
+      <p:pic>
+        <p:nvPicPr>
+          <p:cNvPr id="7" name="Grafik 6"/>
+          <p:cNvPicPr>
+            <a:picLocks noChangeAspect="1"/>
+          </p:cNvPicPr>
+          <p:nvPr/>
+        </p:nvPicPr>
+        <p:blipFill>
+          <a:blip r:embed="rId4">
+            <a:extLst>
+              <a:ext uri="{BEBA8EAE-BF5A-486C-A8C5-ECC9F3942E4B}">
+                <a14:imgProps xmlns:a14="http://schemas.microsoft.com/office/drawing/2010/main">
+                  <a14:imgLayer r:embed="rId5">
+                    <a14:imgEffect>
+                      <a14:brightnessContrast contrast="-100000"/>
+                    </a14:imgEffect>
+                  </a14:imgLayer>
+                </a14:imgProps>
+              </a:ext>
+              <a:ext uri="{28A0092B-C50C-407E-A947-70E740481C1C}">
+                <a14:useLocalDpi xmlns:a14="http://schemas.microsoft.com/office/drawing/2010/main" val="0"/>
+              </a:ext>
+            </a:extLst>
+          </a:blip>
+          <a:stretch>
+            <a:fillRect/>
+          </a:stretch>
+        </p:blipFill>
+        <p:spPr>
+          <a:xfrm>
+            <a:off x="7124891" y="1690688"/>
+            <a:ext cx="4171950" cy="895350"/>
+          </a:xfrm>
+          <a:prstGeom prst="rect">
+            <a:avLst/>
+          </a:prstGeom>
+        </p:spPr>
+      </p:pic>
+      <p:pic>
+        <p:nvPicPr>
+          <p:cNvPr id="8" name="Grafik 7"/>
+          <p:cNvPicPr>
+            <a:picLocks noChangeAspect="1"/>
+          </p:cNvPicPr>
+          <p:nvPr/>
+        </p:nvPicPr>
+        <p:blipFill>
+          <a:blip r:embed="rId6">
+            <a:extLst>
+              <a:ext uri="{BEBA8EAE-BF5A-486C-A8C5-ECC9F3942E4B}">
+                <a14:imgProps xmlns:a14="http://schemas.microsoft.com/office/drawing/2010/main">
+                  <a14:imgLayer r:embed="rId7">
+                    <a14:imgEffect>
+                      <a14:brightnessContrast contrast="-100000"/>
+                    </a14:imgEffect>
+                  </a14:imgLayer>
+                </a14:imgProps>
+              </a:ext>
+              <a:ext uri="{28A0092B-C50C-407E-A947-70E740481C1C}">
+                <a14:useLocalDpi xmlns:a14="http://schemas.microsoft.com/office/drawing/2010/main" val="0"/>
+              </a:ext>
+            </a:extLst>
+          </a:blip>
+          <a:stretch>
+            <a:fillRect/>
+          </a:stretch>
+        </p:blipFill>
+        <p:spPr>
+          <a:xfrm>
+            <a:off x="7201091" y="4195763"/>
+            <a:ext cx="4467225" cy="866775"/>
+          </a:xfrm>
+          <a:prstGeom prst="rect">
+            <a:avLst/>
+          </a:prstGeom>
+        </p:spPr>
+      </p:pic>
+      <p:pic>
+        <p:nvPicPr>
+          <p:cNvPr id="13" name="Inhaltsplatzhalter 9"/>
+          <p:cNvPicPr>
+            <a:picLocks noGrp="1" noChangeAspect="1"/>
+          </p:cNvPicPr>
+          <p:nvPr>
+            <p:ph idx="1"/>
+          </p:nvPr>
+        </p:nvPicPr>
+        <p:blipFill>
+          <a:blip r:embed="rId8">
+            <a:extLst>
+              <a:ext uri="{28A0092B-C50C-407E-A947-70E740481C1C}">
+                <a14:useLocalDpi xmlns:a14="http://schemas.microsoft.com/office/drawing/2010/main" val="0"/>
+              </a:ext>
+            </a:extLst>
+          </a:blip>
+          <a:stretch>
+            <a:fillRect/>
+          </a:stretch>
+        </p:blipFill>
+        <p:spPr>
+          <a:xfrm>
+            <a:off x="1218818" y="3021242"/>
+            <a:ext cx="8524875" cy="981075"/>
+          </a:xfrm>
+          <a:prstGeom prst="rect">
+            <a:avLst/>
+          </a:prstGeom>
+        </p:spPr>
+      </p:pic>
+    </p:spTree>
+    <p:extLst>
+      <p:ext uri="{BB962C8B-B14F-4D97-AF65-F5344CB8AC3E}">
+        <p14:creationId xmlns:p14="http://schemas.microsoft.com/office/powerpoint/2010/main" val="896485693"/>
+      </p:ext>
+    </p:extLst>
+  </p:cSld>
+  <p:clrMapOvr>
+    <a:masterClrMapping/>
+  </p:clrMapOvr>
+</p:sld>
+</file>
+
+<file path=ppt/slides/slide17.xml><?xml version="1.0" encoding="utf-8"?>
+<p:sld xmlns:a="http://schemas.openxmlformats.org/drawingml/2006/main" xmlns:r="http://schemas.openxmlformats.org/officeDocument/2006/relationships" xmlns:p="http://schemas.openxmlformats.org/presentationml/2006/main">
+  <p:cSld>
+    <p:spTree>
+      <p:nvGrpSpPr>
+        <p:cNvPr id="1" name=""/>
+        <p:cNvGrpSpPr/>
+        <p:nvPr/>
+      </p:nvGrpSpPr>
+      <p:grpSpPr>
+        <a:xfrm>
+          <a:off x="0" y="0"/>
+          <a:ext cx="0" cy="0"/>
+          <a:chOff x="0" y="0"/>
+          <a:chExt cx="0" cy="0"/>
+        </a:xfrm>
+      </p:grpSpPr>
+      <p:sp>
+        <p:nvSpPr>
+          <p:cNvPr id="2" name="Titel 1"/>
+          <p:cNvSpPr>
+            <a:spLocks noGrp="1"/>
+          </p:cNvSpPr>
+          <p:nvPr>
+            <p:ph type="title"/>
+          </p:nvPr>
+        </p:nvSpPr>
+        <p:spPr/>
+        <p:txBody>
+          <a:bodyPr/>
+          <a:lstStyle/>
+          <a:p>
+            <a:r>
+              <a:rPr lang="en-GB" dirty="0" smtClean="0"/>
+              <a:t>Compressed Sensing (approx.)</a:t>
+            </a:r>
+            <a:endParaRPr lang="en-GB" dirty="0"/>
+          </a:p>
+        </p:txBody>
+      </p:sp>
+      <p:pic>
+        <p:nvPicPr>
+          <p:cNvPr id="9" name="Inhaltsplatzhalter 6"/>
+          <p:cNvPicPr>
+            <a:picLocks noChangeAspect="1"/>
+          </p:cNvPicPr>
+          <p:nvPr/>
+        </p:nvPicPr>
+        <p:blipFill>
+          <a:blip r:embed="rId2">
+            <a:extLst>
+              <a:ext uri="{28A0092B-C50C-407E-A947-70E740481C1C}">
+                <a14:useLocalDpi xmlns:a14="http://schemas.microsoft.com/office/drawing/2010/main" val="0"/>
+              </a:ext>
+            </a:extLst>
+          </a:blip>
+          <a:stretch>
+            <a:fillRect/>
+          </a:stretch>
+        </p:blipFill>
+        <p:spPr>
+          <a:xfrm>
+            <a:off x="1218818" y="1573736"/>
+            <a:ext cx="4962525" cy="904875"/>
+          </a:xfrm>
+          <a:prstGeom prst="rect">
+            <a:avLst/>
+          </a:prstGeom>
+        </p:spPr>
+      </p:pic>
+      <p:pic>
+        <p:nvPicPr>
+          <p:cNvPr id="10" name="Inhaltsplatzhalter 9"/>
+          <p:cNvPicPr>
+            <a:picLocks noGrp="1" noChangeAspect="1"/>
+          </p:cNvPicPr>
+          <p:nvPr>
+            <p:ph idx="1"/>
+          </p:nvPr>
+        </p:nvPicPr>
+        <p:blipFill>
+          <a:blip r:embed="rId3">
+            <a:extLst>
+              <a:ext uri="{28A0092B-C50C-407E-A947-70E740481C1C}">
+                <a14:useLocalDpi xmlns:a14="http://schemas.microsoft.com/office/drawing/2010/main" val="0"/>
+              </a:ext>
+            </a:extLst>
+          </a:blip>
+          <a:stretch>
+            <a:fillRect/>
+          </a:stretch>
+        </p:blipFill>
+        <p:spPr>
+          <a:xfrm>
+            <a:off x="1218818" y="3021242"/>
+            <a:ext cx="8524875" cy="981075"/>
+          </a:xfrm>
+          <a:prstGeom prst="rect">
+            <a:avLst/>
+          </a:prstGeom>
+        </p:spPr>
+      </p:pic>
+      <p:pic>
+        <p:nvPicPr>
+          <p:cNvPr id="11" name="Grafik 10"/>
+          <p:cNvPicPr>
+            <a:picLocks noChangeAspect="1"/>
+          </p:cNvPicPr>
+          <p:nvPr/>
+        </p:nvPicPr>
+        <p:blipFill>
+          <a:blip r:embed="rId4">
+            <a:extLst>
+              <a:ext uri="{28A0092B-C50C-407E-A947-70E740481C1C}">
+                <a14:useLocalDpi xmlns:a14="http://schemas.microsoft.com/office/drawing/2010/main" val="0"/>
+              </a:ext>
+            </a:extLst>
+          </a:blip>
+          <a:stretch>
+            <a:fillRect/>
+          </a:stretch>
+        </p:blipFill>
+        <p:spPr>
+          <a:xfrm>
+            <a:off x="1218818" y="4299703"/>
+            <a:ext cx="4467225" cy="866775"/>
+          </a:xfrm>
+          <a:prstGeom prst="rect">
+            <a:avLst/>
+          </a:prstGeom>
+        </p:spPr>
+      </p:pic>
+    </p:spTree>
+    <p:extLst>
+      <p:ext uri="{BB962C8B-B14F-4D97-AF65-F5344CB8AC3E}">
+        <p14:creationId xmlns:p14="http://schemas.microsoft.com/office/powerpoint/2010/main" val="2934984503"/>
+      </p:ext>
+    </p:extLst>
+  </p:cSld>
+  <p:clrMapOvr>
+    <a:masterClrMapping/>
+  </p:clrMapOvr>
+</p:sld>
+</file>
+
+<file path=ppt/slides/slide18.xml><?xml version="1.0" encoding="utf-8"?>
+<p:sld xmlns:a="http://schemas.openxmlformats.org/drawingml/2006/main" xmlns:r="http://schemas.openxmlformats.org/officeDocument/2006/relationships" xmlns:p="http://schemas.openxmlformats.org/presentationml/2006/main">
+  <p:cSld>
+    <p:spTree>
+      <p:nvGrpSpPr>
+        <p:cNvPr id="1" name=""/>
+        <p:cNvGrpSpPr/>
+        <p:nvPr/>
+      </p:nvGrpSpPr>
+      <p:grpSpPr>
+        <a:xfrm>
+          <a:off x="0" y="0"/>
+          <a:ext cx="0" cy="0"/>
+          <a:chOff x="0" y="0"/>
+          <a:chExt cx="0" cy="0"/>
+        </a:xfrm>
+      </p:grpSpPr>
+      <p:sp>
+        <p:nvSpPr>
+          <p:cNvPr id="6" name="Rechteck 5"/>
           <p:cNvSpPr/>
           <p:nvPr/>
         </p:nvSpPr>
         <p:spPr>
           <a:xfrm>
-            <a:off x="3302128" y="1841103"/>
-            <a:ext cx="1219200" cy="771271"/>
+            <a:off x="5763125" y="4090737"/>
+            <a:ext cx="478717" cy="681828"/>
           </a:xfrm>
           <a:prstGeom prst="rect">
             <a:avLst/>
@@ -4884,12 +5295,1341 @@
           <a:p>
             <a:r>
               <a:rPr lang="en-GB" dirty="0" smtClean="0"/>
-              <a:t>CLEAN</a:t>
+              <a:t>Replacing the non-uniform FFT</a:t>
             </a:r>
             <a:endParaRPr lang="en-GB" dirty="0"/>
           </a:p>
         </p:txBody>
       </p:sp>
+      <p:sp>
+        <p:nvSpPr>
+          <p:cNvPr id="3" name="Inhaltsplatzhalter 2"/>
+          <p:cNvSpPr>
+            <a:spLocks noGrp="1"/>
+          </p:cNvSpPr>
+          <p:nvPr>
+            <p:ph idx="1"/>
+          </p:nvPr>
+        </p:nvSpPr>
+        <p:spPr/>
+        <p:txBody>
+          <a:bodyPr/>
+          <a:lstStyle/>
+          <a:p>
+            <a:r>
+              <a:rPr lang="en-GB" dirty="0" smtClean="0"/>
+              <a:t>Projection on a uniform </a:t>
+            </a:r>
+            <a:r>
+              <a:rPr lang="en-GB" dirty="0" smtClean="0"/>
+              <a:t>Grid</a:t>
+            </a:r>
+          </a:p>
+          <a:p>
+            <a:r>
+              <a:rPr lang="en-GB" dirty="0" smtClean="0"/>
+              <a:t>Direct </a:t>
+            </a:r>
+            <a:r>
+              <a:rPr lang="en-GB" dirty="0" smtClean="0"/>
+              <a:t>Fourier Transform</a:t>
+            </a:r>
+            <a:endParaRPr lang="en-GB" dirty="0"/>
+          </a:p>
+        </p:txBody>
+      </p:sp>
+      <p:pic>
+        <p:nvPicPr>
+          <p:cNvPr id="5" name="Inhaltsplatzhalter 5"/>
+          <p:cNvPicPr>
+            <a:picLocks noChangeAspect="1"/>
+          </p:cNvPicPr>
+          <p:nvPr/>
+        </p:nvPicPr>
+        <p:blipFill>
+          <a:blip r:embed="rId2">
+            <a:extLst>
+              <a:ext uri="{28A0092B-C50C-407E-A947-70E740481C1C}">
+                <a14:useLocalDpi xmlns:a14="http://schemas.microsoft.com/office/drawing/2010/main" val="0"/>
+              </a:ext>
+            </a:extLst>
+          </a:blip>
+          <a:stretch>
+            <a:fillRect/>
+          </a:stretch>
+        </p:blipFill>
+        <p:spPr>
+          <a:xfrm>
+            <a:off x="1080029" y="4001294"/>
+            <a:ext cx="9591675" cy="1047750"/>
+          </a:xfrm>
+          <a:prstGeom prst="rect">
+            <a:avLst/>
+          </a:prstGeom>
+        </p:spPr>
+      </p:pic>
+    </p:spTree>
+    <p:extLst>
+      <p:ext uri="{BB962C8B-B14F-4D97-AF65-F5344CB8AC3E}">
+        <p14:creationId xmlns:p14="http://schemas.microsoft.com/office/powerpoint/2010/main" val="3969978562"/>
+      </p:ext>
+    </p:extLst>
+  </p:cSld>
+  <p:clrMapOvr>
+    <a:masterClrMapping/>
+  </p:clrMapOvr>
+</p:sld>
+</file>
+
+<file path=ppt/slides/slide19.xml><?xml version="1.0" encoding="utf-8"?>
+<p:sld xmlns:a="http://schemas.openxmlformats.org/drawingml/2006/main" xmlns:r="http://schemas.openxmlformats.org/officeDocument/2006/relationships" xmlns:p="http://schemas.openxmlformats.org/presentationml/2006/main">
+  <p:cSld>
+    <p:spTree>
+      <p:nvGrpSpPr>
+        <p:cNvPr id="1" name=""/>
+        <p:cNvGrpSpPr/>
+        <p:nvPr/>
+      </p:nvGrpSpPr>
+      <p:grpSpPr>
+        <a:xfrm>
+          <a:off x="0" y="0"/>
+          <a:ext cx="0" cy="0"/>
+          <a:chOff x="0" y="0"/>
+          <a:chExt cx="0" cy="0"/>
+        </a:xfrm>
+      </p:grpSpPr>
+      <p:sp>
+        <p:nvSpPr>
+          <p:cNvPr id="2" name="Titel 1"/>
+          <p:cNvSpPr>
+            <a:spLocks noGrp="1"/>
+          </p:cNvSpPr>
+          <p:nvPr>
+            <p:ph type="title"/>
+          </p:nvPr>
+        </p:nvSpPr>
+        <p:spPr/>
+        <p:txBody>
+          <a:bodyPr/>
+          <a:lstStyle/>
+          <a:p>
+            <a:r>
+              <a:rPr lang="en-GB" dirty="0" smtClean="0"/>
+              <a:t>Projection on a uniform Grid</a:t>
+            </a:r>
+            <a:endParaRPr lang="en-GB" dirty="0"/>
+          </a:p>
+        </p:txBody>
+      </p:sp>
+      <p:sp>
+        <p:nvSpPr>
+          <p:cNvPr id="3" name="Inhaltsplatzhalter 2"/>
+          <p:cNvSpPr>
+            <a:spLocks noGrp="1"/>
+          </p:cNvSpPr>
+          <p:nvPr>
+            <p:ph idx="1"/>
+          </p:nvPr>
+        </p:nvSpPr>
+        <p:spPr/>
+        <p:txBody>
+          <a:bodyPr/>
+          <a:lstStyle/>
+          <a:p>
+            <a:endParaRPr lang="en-GB"/>
+          </a:p>
+        </p:txBody>
+      </p:sp>
+    </p:spTree>
+    <p:extLst>
+      <p:ext uri="{BB962C8B-B14F-4D97-AF65-F5344CB8AC3E}">
+        <p14:creationId xmlns:p14="http://schemas.microsoft.com/office/powerpoint/2010/main" val="2853737820"/>
+      </p:ext>
+    </p:extLst>
+  </p:cSld>
+  <p:clrMapOvr>
+    <a:masterClrMapping/>
+  </p:clrMapOvr>
+</p:sld>
+</file>
+
+<file path=ppt/slides/slide2.xml><?xml version="1.0" encoding="utf-8"?>
+<p:sld xmlns:a="http://schemas.openxmlformats.org/drawingml/2006/main" xmlns:r="http://schemas.openxmlformats.org/officeDocument/2006/relationships" xmlns:p="http://schemas.openxmlformats.org/presentationml/2006/main">
+  <p:cSld>
+    <p:spTree>
+      <p:nvGrpSpPr>
+        <p:cNvPr id="1" name=""/>
+        <p:cNvGrpSpPr/>
+        <p:nvPr/>
+      </p:nvGrpSpPr>
+      <p:grpSpPr>
+        <a:xfrm>
+          <a:off x="0" y="0"/>
+          <a:ext cx="0" cy="0"/>
+          <a:chOff x="0" y="0"/>
+          <a:chExt cx="0" cy="0"/>
+        </a:xfrm>
+      </p:grpSpPr>
+      <p:pic>
+        <p:nvPicPr>
+          <p:cNvPr id="5" name="Inhaltsplatzhalter 4"/>
+          <p:cNvPicPr>
+            <a:picLocks noGrp="1" noChangeAspect="1"/>
+          </p:cNvPicPr>
+          <p:nvPr>
+            <p:ph idx="1"/>
+          </p:nvPr>
+        </p:nvPicPr>
+        <p:blipFill>
+          <a:blip r:embed="rId2" cstate="print">
+            <a:extLst>
+              <a:ext uri="{28A0092B-C50C-407E-A947-70E740481C1C}">
+                <a14:useLocalDpi xmlns:a14="http://schemas.microsoft.com/office/drawing/2010/main" val="0"/>
+              </a:ext>
+            </a:extLst>
+          </a:blip>
+          <a:stretch>
+            <a:fillRect/>
+          </a:stretch>
+        </p:blipFill>
+        <p:spPr>
+          <a:xfrm>
+            <a:off x="5391900" y="1118937"/>
+            <a:ext cx="5649077" cy="5649077"/>
+          </a:xfrm>
+        </p:spPr>
+      </p:pic>
+      <p:sp>
+        <p:nvSpPr>
+          <p:cNvPr id="2" name="Titel 1"/>
+          <p:cNvSpPr>
+            <a:spLocks noGrp="1"/>
+          </p:cNvSpPr>
+          <p:nvPr>
+            <p:ph type="title"/>
+          </p:nvPr>
+        </p:nvSpPr>
+        <p:spPr/>
+        <p:txBody>
+          <a:bodyPr/>
+          <a:lstStyle/>
+          <a:p>
+            <a:r>
+              <a:rPr lang="en-GB" dirty="0" smtClean="0"/>
+              <a:t> Radio Interferometers</a:t>
+            </a:r>
+            <a:endParaRPr lang="en-GB" dirty="0"/>
+          </a:p>
+        </p:txBody>
+      </p:sp>
+      <p:pic>
+        <p:nvPicPr>
+          <p:cNvPr id="6" name="Grafik 5"/>
+          <p:cNvPicPr>
+            <a:picLocks noChangeAspect="1"/>
+          </p:cNvPicPr>
+          <p:nvPr/>
+        </p:nvPicPr>
+        <p:blipFill rotWithShape="1">
+          <a:blip r:embed="rId3" cstate="print">
+            <a:extLst>
+              <a:ext uri="{28A0092B-C50C-407E-A947-70E740481C1C}">
+                <a14:useLocalDpi xmlns:a14="http://schemas.microsoft.com/office/drawing/2010/main" val="0"/>
+              </a:ext>
+            </a:extLst>
+          </a:blip>
+          <a:srcRect l="19272" t="9824" r="18139" b="4737"/>
+          <a:stretch/>
+        </p:blipFill>
+        <p:spPr>
+          <a:xfrm>
+            <a:off x="613021" y="1871908"/>
+            <a:ext cx="4644779" cy="4212748"/>
+          </a:xfrm>
+          <a:prstGeom prst="rect">
+            <a:avLst/>
+          </a:prstGeom>
+        </p:spPr>
+      </p:pic>
+    </p:spTree>
+    <p:extLst>
+      <p:ext uri="{BB962C8B-B14F-4D97-AF65-F5344CB8AC3E}">
+        <p14:creationId xmlns:p14="http://schemas.microsoft.com/office/powerpoint/2010/main" val="709558783"/>
+      </p:ext>
+    </p:extLst>
+  </p:cSld>
+  <p:clrMapOvr>
+    <a:masterClrMapping/>
+  </p:clrMapOvr>
+</p:sld>
+</file>
+
+<file path=ppt/slides/slide20.xml><?xml version="1.0" encoding="utf-8"?>
+<p:sld xmlns:a="http://schemas.openxmlformats.org/drawingml/2006/main" xmlns:r="http://schemas.openxmlformats.org/officeDocument/2006/relationships" xmlns:p="http://schemas.openxmlformats.org/presentationml/2006/main">
+  <p:cSld>
+    <p:spTree>
+      <p:nvGrpSpPr>
+        <p:cNvPr id="1" name=""/>
+        <p:cNvGrpSpPr/>
+        <p:nvPr/>
+      </p:nvGrpSpPr>
+      <p:grpSpPr>
+        <a:xfrm>
+          <a:off x="0" y="0"/>
+          <a:ext cx="0" cy="0"/>
+          <a:chOff x="0" y="0"/>
+          <a:chExt cx="0" cy="0"/>
+        </a:xfrm>
+      </p:grpSpPr>
+      <p:sp>
+        <p:nvSpPr>
+          <p:cNvPr id="2" name="Titel 1"/>
+          <p:cNvSpPr>
+            <a:spLocks noGrp="1"/>
+          </p:cNvSpPr>
+          <p:nvPr>
+            <p:ph type="title"/>
+          </p:nvPr>
+        </p:nvSpPr>
+        <p:spPr/>
+        <p:txBody>
+          <a:bodyPr/>
+          <a:lstStyle/>
+          <a:p>
+            <a:r>
+              <a:rPr lang="en-GB" dirty="0" smtClean="0"/>
+              <a:t>Projection on a uniform Grid</a:t>
+            </a:r>
+            <a:endParaRPr lang="en-GB" dirty="0"/>
+          </a:p>
+        </p:txBody>
+      </p:sp>
+      <p:pic>
+        <p:nvPicPr>
+          <p:cNvPr id="4" name="Inhaltsplatzhalter 3"/>
+          <p:cNvPicPr>
+            <a:picLocks noGrp="1" noChangeAspect="1"/>
+          </p:cNvPicPr>
+          <p:nvPr>
+            <p:ph idx="1"/>
+          </p:nvPr>
+        </p:nvPicPr>
+        <p:blipFill>
+          <a:blip r:embed="rId2">
+            <a:extLst>
+              <a:ext uri="{28A0092B-C50C-407E-A947-70E740481C1C}">
+                <a14:useLocalDpi xmlns:a14="http://schemas.microsoft.com/office/drawing/2010/main" val="0"/>
+              </a:ext>
+            </a:extLst>
+          </a:blip>
+          <a:stretch>
+            <a:fillRect/>
+          </a:stretch>
+        </p:blipFill>
+        <p:spPr>
+          <a:xfrm>
+            <a:off x="1214437" y="2924969"/>
+            <a:ext cx="9763125" cy="1238250"/>
+          </a:xfrm>
+        </p:spPr>
+      </p:pic>
+    </p:spTree>
+    <p:extLst>
+      <p:ext uri="{BB962C8B-B14F-4D97-AF65-F5344CB8AC3E}">
+        <p14:creationId xmlns:p14="http://schemas.microsoft.com/office/powerpoint/2010/main" val="4258980289"/>
+      </p:ext>
+    </p:extLst>
+  </p:cSld>
+  <p:clrMapOvr>
+    <a:masterClrMapping/>
+  </p:clrMapOvr>
+</p:sld>
+</file>
+
+<file path=ppt/slides/slide21.xml><?xml version="1.0" encoding="utf-8"?>
+<p:sld xmlns:a="http://schemas.openxmlformats.org/drawingml/2006/main" xmlns:r="http://schemas.openxmlformats.org/officeDocument/2006/relationships" xmlns:p="http://schemas.openxmlformats.org/presentationml/2006/main">
+  <p:cSld>
+    <p:spTree>
+      <p:nvGrpSpPr>
+        <p:cNvPr id="1" name=""/>
+        <p:cNvGrpSpPr/>
+        <p:nvPr/>
+      </p:nvGrpSpPr>
+      <p:grpSpPr>
+        <a:xfrm>
+          <a:off x="0" y="0"/>
+          <a:ext cx="0" cy="0"/>
+          <a:chOff x="0" y="0"/>
+          <a:chExt cx="0" cy="0"/>
+        </a:xfrm>
+      </p:grpSpPr>
+      <p:sp>
+        <p:nvSpPr>
+          <p:cNvPr id="2" name="Titel 1"/>
+          <p:cNvSpPr>
+            <a:spLocks noGrp="1"/>
+          </p:cNvSpPr>
+          <p:nvPr>
+            <p:ph type="title"/>
+          </p:nvPr>
+        </p:nvSpPr>
+        <p:spPr/>
+        <p:txBody>
+          <a:bodyPr/>
+          <a:lstStyle/>
+          <a:p>
+            <a:r>
+              <a:rPr lang="en-GB" dirty="0" smtClean="0"/>
+              <a:t>Direct Fourier Transform</a:t>
+            </a:r>
+            <a:endParaRPr lang="en-GB" dirty="0"/>
+          </a:p>
+        </p:txBody>
+      </p:sp>
+      <p:pic>
+        <p:nvPicPr>
+          <p:cNvPr id="4" name="Inhaltsplatzhalter 5"/>
+          <p:cNvPicPr>
+            <a:picLocks noGrp="1" noChangeAspect="1"/>
+          </p:cNvPicPr>
+          <p:nvPr>
+            <p:ph idx="1"/>
+          </p:nvPr>
+        </p:nvPicPr>
+        <p:blipFill>
+          <a:blip r:embed="rId2">
+            <a:extLst>
+              <a:ext uri="{28A0092B-C50C-407E-A947-70E740481C1C}">
+                <a14:useLocalDpi xmlns:a14="http://schemas.microsoft.com/office/drawing/2010/main" val="0"/>
+              </a:ext>
+            </a:extLst>
+          </a:blip>
+          <a:stretch>
+            <a:fillRect/>
+          </a:stretch>
+        </p:blipFill>
+        <p:spPr>
+          <a:xfrm>
+            <a:off x="1300162" y="2660555"/>
+            <a:ext cx="9591675" cy="1047750"/>
+          </a:xfrm>
+          <a:prstGeom prst="rect">
+            <a:avLst/>
+          </a:prstGeom>
+        </p:spPr>
+      </p:pic>
+    </p:spTree>
+    <p:extLst>
+      <p:ext uri="{BB962C8B-B14F-4D97-AF65-F5344CB8AC3E}">
+        <p14:creationId xmlns:p14="http://schemas.microsoft.com/office/powerpoint/2010/main" val="1457049329"/>
+      </p:ext>
+    </p:extLst>
+  </p:cSld>
+  <p:clrMapOvr>
+    <a:masterClrMapping/>
+  </p:clrMapOvr>
+</p:sld>
+</file>
+
+<file path=ppt/slides/slide22.xml><?xml version="1.0" encoding="utf-8"?>
+<p:sld xmlns:a="http://schemas.openxmlformats.org/drawingml/2006/main" xmlns:r="http://schemas.openxmlformats.org/officeDocument/2006/relationships" xmlns:p="http://schemas.openxmlformats.org/presentationml/2006/main">
+  <p:cSld>
+    <p:spTree>
+      <p:nvGrpSpPr>
+        <p:cNvPr id="1" name=""/>
+        <p:cNvGrpSpPr/>
+        <p:nvPr/>
+      </p:nvGrpSpPr>
+      <p:grpSpPr>
+        <a:xfrm>
+          <a:off x="0" y="0"/>
+          <a:ext cx="0" cy="0"/>
+          <a:chOff x="0" y="0"/>
+          <a:chExt cx="0" cy="0"/>
+        </a:xfrm>
+      </p:grpSpPr>
+      <p:sp>
+        <p:nvSpPr>
+          <p:cNvPr id="2" name="Titel 1"/>
+          <p:cNvSpPr>
+            <a:spLocks noGrp="1"/>
+          </p:cNvSpPr>
+          <p:nvPr>
+            <p:ph type="title"/>
+          </p:nvPr>
+        </p:nvSpPr>
+        <p:spPr/>
+        <p:txBody>
+          <a:bodyPr/>
+          <a:lstStyle/>
+          <a:p>
+            <a:r>
+              <a:rPr lang="en-GB" dirty="0"/>
+              <a:t>Direct Fourier Transform and </a:t>
+            </a:r>
+            <a:br>
+              <a:rPr lang="en-GB" dirty="0"/>
+            </a:br>
+            <a:r>
+              <a:rPr lang="en-GB" dirty="0"/>
+              <a:t>Coordinate Descent</a:t>
+            </a:r>
+          </a:p>
+        </p:txBody>
+      </p:sp>
+      <p:sp>
+        <p:nvSpPr>
+          <p:cNvPr id="3" name="Inhaltsplatzhalter 2"/>
+          <p:cNvSpPr>
+            <a:spLocks noGrp="1"/>
+          </p:cNvSpPr>
+          <p:nvPr>
+            <p:ph idx="1"/>
+          </p:nvPr>
+        </p:nvSpPr>
+        <p:spPr/>
+        <p:txBody>
+          <a:bodyPr/>
+          <a:lstStyle/>
+          <a:p>
+            <a:endParaRPr lang="en-GB"/>
+          </a:p>
+        </p:txBody>
+      </p:sp>
+    </p:spTree>
+    <p:extLst>
+      <p:ext uri="{BB962C8B-B14F-4D97-AF65-F5344CB8AC3E}">
+        <p14:creationId xmlns:p14="http://schemas.microsoft.com/office/powerpoint/2010/main" val="1281340886"/>
+      </p:ext>
+    </p:extLst>
+  </p:cSld>
+  <p:clrMapOvr>
+    <a:masterClrMapping/>
+  </p:clrMapOvr>
+</p:sld>
+</file>
+
+<file path=ppt/slides/slide23.xml><?xml version="1.0" encoding="utf-8"?>
+<p:sld xmlns:a="http://schemas.openxmlformats.org/drawingml/2006/main" xmlns:r="http://schemas.openxmlformats.org/officeDocument/2006/relationships" xmlns:p="http://schemas.openxmlformats.org/presentationml/2006/main">
+  <p:cSld>
+    <p:spTree>
+      <p:nvGrpSpPr>
+        <p:cNvPr id="1" name=""/>
+        <p:cNvGrpSpPr/>
+        <p:nvPr/>
+      </p:nvGrpSpPr>
+      <p:grpSpPr>
+        <a:xfrm>
+          <a:off x="0" y="0"/>
+          <a:ext cx="0" cy="0"/>
+          <a:chOff x="0" y="0"/>
+          <a:chExt cx="0" cy="0"/>
+        </a:xfrm>
+      </p:grpSpPr>
+      <p:sp>
+        <p:nvSpPr>
+          <p:cNvPr id="2" name="Titel 1"/>
+          <p:cNvSpPr>
+            <a:spLocks noGrp="1"/>
+          </p:cNvSpPr>
+          <p:nvPr>
+            <p:ph type="title"/>
+          </p:nvPr>
+        </p:nvSpPr>
+        <p:spPr/>
+        <p:txBody>
+          <a:bodyPr/>
+          <a:lstStyle/>
+          <a:p>
+            <a:r>
+              <a:rPr lang="en-GB" dirty="0" smtClean="0"/>
+              <a:t>Direct Fourier Transform and </a:t>
+            </a:r>
+            <a:br>
+              <a:rPr lang="en-GB" dirty="0" smtClean="0"/>
+            </a:br>
+            <a:r>
+              <a:rPr lang="en-GB" dirty="0" smtClean="0"/>
+              <a:t>Coordinate Descent</a:t>
+            </a:r>
+            <a:endParaRPr lang="en-GB" dirty="0"/>
+          </a:p>
+        </p:txBody>
+      </p:sp>
+      <p:sp>
+        <p:nvSpPr>
+          <p:cNvPr id="3" name="Inhaltsplatzhalter 2"/>
+          <p:cNvSpPr>
+            <a:spLocks noGrp="1"/>
+          </p:cNvSpPr>
+          <p:nvPr>
+            <p:ph idx="1"/>
+          </p:nvPr>
+        </p:nvSpPr>
+        <p:spPr/>
+        <p:txBody>
+          <a:bodyPr/>
+          <a:lstStyle/>
+          <a:p>
+            <a:endParaRPr lang="en-GB"/>
+          </a:p>
+        </p:txBody>
+      </p:sp>
+      <p:pic>
+        <p:nvPicPr>
+          <p:cNvPr id="5" name="Inhaltsplatzhalter 4"/>
+          <p:cNvPicPr>
+            <a:picLocks noChangeAspect="1"/>
+          </p:cNvPicPr>
+          <p:nvPr/>
+        </p:nvPicPr>
+        <p:blipFill>
+          <a:blip r:embed="rId2">
+            <a:extLst>
+              <a:ext uri="{28A0092B-C50C-407E-A947-70E740481C1C}">
+                <a14:useLocalDpi xmlns:a14="http://schemas.microsoft.com/office/drawing/2010/main" val="0"/>
+              </a:ext>
+            </a:extLst>
+          </a:blip>
+          <a:stretch>
+            <a:fillRect/>
+          </a:stretch>
+        </p:blipFill>
+        <p:spPr>
+          <a:xfrm>
+            <a:off x="838200" y="1834600"/>
+            <a:ext cx="8629650" cy="1047750"/>
+          </a:xfrm>
+          <a:prstGeom prst="rect">
+            <a:avLst/>
+          </a:prstGeom>
+        </p:spPr>
+      </p:pic>
+    </p:spTree>
+    <p:extLst>
+      <p:ext uri="{BB962C8B-B14F-4D97-AF65-F5344CB8AC3E}">
+        <p14:creationId xmlns:p14="http://schemas.microsoft.com/office/powerpoint/2010/main" val="2213773147"/>
+      </p:ext>
+    </p:extLst>
+  </p:cSld>
+  <p:clrMapOvr>
+    <a:masterClrMapping/>
+  </p:clrMapOvr>
+</p:sld>
+</file>
+
+<file path=ppt/slides/slide24.xml><?xml version="1.0" encoding="utf-8"?>
+<p:sld xmlns:a="http://schemas.openxmlformats.org/drawingml/2006/main" xmlns:r="http://schemas.openxmlformats.org/officeDocument/2006/relationships" xmlns:p="http://schemas.openxmlformats.org/presentationml/2006/main">
+  <p:cSld>
+    <p:spTree>
+      <p:nvGrpSpPr>
+        <p:cNvPr id="1" name=""/>
+        <p:cNvGrpSpPr/>
+        <p:nvPr/>
+      </p:nvGrpSpPr>
+      <p:grpSpPr>
+        <a:xfrm>
+          <a:off x="0" y="0"/>
+          <a:ext cx="0" cy="0"/>
+          <a:chOff x="0" y="0"/>
+          <a:chExt cx="0" cy="0"/>
+        </a:xfrm>
+      </p:grpSpPr>
+      <p:sp>
+        <p:nvSpPr>
+          <p:cNvPr id="2" name="Titel 1"/>
+          <p:cNvSpPr>
+            <a:spLocks noGrp="1"/>
+          </p:cNvSpPr>
+          <p:nvPr>
+            <p:ph type="title"/>
+          </p:nvPr>
+        </p:nvSpPr>
+        <p:spPr/>
+        <p:txBody>
+          <a:bodyPr/>
+          <a:lstStyle/>
+          <a:p>
+            <a:r>
+              <a:rPr lang="en-GB" dirty="0" smtClean="0"/>
+              <a:t>Direct Fourier Transform and </a:t>
+            </a:r>
+            <a:br>
+              <a:rPr lang="en-GB" dirty="0" smtClean="0"/>
+            </a:br>
+            <a:r>
+              <a:rPr lang="en-GB" dirty="0" smtClean="0"/>
+              <a:t>Coordinate Descent</a:t>
+            </a:r>
+            <a:endParaRPr lang="en-GB" dirty="0"/>
+          </a:p>
+        </p:txBody>
+      </p:sp>
+      <p:sp>
+        <p:nvSpPr>
+          <p:cNvPr id="3" name="Inhaltsplatzhalter 2"/>
+          <p:cNvSpPr>
+            <a:spLocks noGrp="1"/>
+          </p:cNvSpPr>
+          <p:nvPr>
+            <p:ph idx="1"/>
+          </p:nvPr>
+        </p:nvSpPr>
+        <p:spPr/>
+        <p:txBody>
+          <a:bodyPr/>
+          <a:lstStyle/>
+          <a:p>
+            <a:endParaRPr lang="en-GB"/>
+          </a:p>
+        </p:txBody>
+      </p:sp>
+      <p:pic>
+        <p:nvPicPr>
+          <p:cNvPr id="5" name="Inhaltsplatzhalter 4"/>
+          <p:cNvPicPr>
+            <a:picLocks noChangeAspect="1"/>
+          </p:cNvPicPr>
+          <p:nvPr/>
+        </p:nvPicPr>
+        <p:blipFill>
+          <a:blip r:embed="rId2">
+            <a:extLst>
+              <a:ext uri="{28A0092B-C50C-407E-A947-70E740481C1C}">
+                <a14:useLocalDpi xmlns:a14="http://schemas.microsoft.com/office/drawing/2010/main" val="0"/>
+              </a:ext>
+            </a:extLst>
+          </a:blip>
+          <a:stretch>
+            <a:fillRect/>
+          </a:stretch>
+        </p:blipFill>
+        <p:spPr>
+          <a:xfrm>
+            <a:off x="838200" y="1834600"/>
+            <a:ext cx="8629650" cy="1047750"/>
+          </a:xfrm>
+          <a:prstGeom prst="rect">
+            <a:avLst/>
+          </a:prstGeom>
+        </p:spPr>
+      </p:pic>
+      <p:pic>
+        <p:nvPicPr>
+          <p:cNvPr id="6" name="Grafik 5"/>
+          <p:cNvPicPr>
+            <a:picLocks noChangeAspect="1"/>
+          </p:cNvPicPr>
+          <p:nvPr/>
+        </p:nvPicPr>
+        <p:blipFill>
+          <a:blip r:embed="rId3" cstate="print">
+            <a:extLst>
+              <a:ext uri="{28A0092B-C50C-407E-A947-70E740481C1C}">
+                <a14:useLocalDpi xmlns:a14="http://schemas.microsoft.com/office/drawing/2010/main" val="0"/>
+              </a:ext>
+            </a:extLst>
+          </a:blip>
+          <a:stretch>
+            <a:fillRect/>
+          </a:stretch>
+        </p:blipFill>
+        <p:spPr>
+          <a:xfrm>
+            <a:off x="4481499" y="3200400"/>
+            <a:ext cx="3657600" cy="3657600"/>
+          </a:xfrm>
+          <a:prstGeom prst="rect">
+            <a:avLst/>
+          </a:prstGeom>
+        </p:spPr>
+      </p:pic>
+      <p:sp>
+        <p:nvSpPr>
+          <p:cNvPr id="7" name="Textfeld 6"/>
+          <p:cNvSpPr txBox="1"/>
+          <p:nvPr/>
+        </p:nvSpPr>
+        <p:spPr>
+          <a:xfrm>
+            <a:off x="5396642" y="2925183"/>
+            <a:ext cx="1560043" cy="415498"/>
+          </a:xfrm>
+          <a:prstGeom prst="rect">
+            <a:avLst/>
+          </a:prstGeom>
+          <a:noFill/>
+        </p:spPr>
+        <p:txBody>
+          <a:bodyPr wrap="none" rtlCol="0">
+            <a:spAutoFit/>
+          </a:bodyPr>
+          <a:lstStyle/>
+          <a:p>
+            <a:r>
+              <a:rPr lang="en-GB" dirty="0" smtClean="0"/>
+              <a:t>Dirty Image</a:t>
+            </a:r>
+            <a:endParaRPr lang="en-GB" dirty="0"/>
+          </a:p>
+        </p:txBody>
+      </p:sp>
+    </p:spTree>
+    <p:extLst>
+      <p:ext uri="{BB962C8B-B14F-4D97-AF65-F5344CB8AC3E}">
+        <p14:creationId xmlns:p14="http://schemas.microsoft.com/office/powerpoint/2010/main" val="1892083147"/>
+      </p:ext>
+    </p:extLst>
+  </p:cSld>
+  <p:clrMapOvr>
+    <a:masterClrMapping/>
+  </p:clrMapOvr>
+</p:sld>
+</file>
+
+<file path=ppt/slides/slide25.xml><?xml version="1.0" encoding="utf-8"?>
+<p:sld xmlns:a="http://schemas.openxmlformats.org/drawingml/2006/main" xmlns:r="http://schemas.openxmlformats.org/officeDocument/2006/relationships" xmlns:p="http://schemas.openxmlformats.org/presentationml/2006/main">
+  <p:cSld>
+    <p:spTree>
+      <p:nvGrpSpPr>
+        <p:cNvPr id="1" name=""/>
+        <p:cNvGrpSpPr/>
+        <p:nvPr/>
+      </p:nvGrpSpPr>
+      <p:grpSpPr>
+        <a:xfrm>
+          <a:off x="0" y="0"/>
+          <a:ext cx="0" cy="0"/>
+          <a:chOff x="0" y="0"/>
+          <a:chExt cx="0" cy="0"/>
+        </a:xfrm>
+      </p:grpSpPr>
+      <p:sp>
+        <p:nvSpPr>
+          <p:cNvPr id="2" name="Titel 1"/>
+          <p:cNvSpPr>
+            <a:spLocks noGrp="1"/>
+          </p:cNvSpPr>
+          <p:nvPr>
+            <p:ph type="title"/>
+          </p:nvPr>
+        </p:nvSpPr>
+        <p:spPr/>
+        <p:txBody>
+          <a:bodyPr/>
+          <a:lstStyle/>
+          <a:p>
+            <a:r>
+              <a:rPr lang="en-GB" dirty="0" smtClean="0"/>
+              <a:t>Direct Fourier Transform and </a:t>
+            </a:r>
+            <a:br>
+              <a:rPr lang="en-GB" dirty="0" smtClean="0"/>
+            </a:br>
+            <a:r>
+              <a:rPr lang="en-GB" dirty="0" smtClean="0"/>
+              <a:t>Coordinate Descent</a:t>
+            </a:r>
+            <a:endParaRPr lang="en-GB" dirty="0"/>
+          </a:p>
+        </p:txBody>
+      </p:sp>
+      <p:pic>
+        <p:nvPicPr>
+          <p:cNvPr id="5" name="Inhaltsplatzhalter 4"/>
+          <p:cNvPicPr>
+            <a:picLocks noChangeAspect="1"/>
+          </p:cNvPicPr>
+          <p:nvPr/>
+        </p:nvPicPr>
+        <p:blipFill>
+          <a:blip r:embed="rId2">
+            <a:extLst>
+              <a:ext uri="{BEBA8EAE-BF5A-486C-A8C5-ECC9F3942E4B}">
+                <a14:imgProps xmlns:a14="http://schemas.microsoft.com/office/drawing/2010/main">
+                  <a14:imgLayer r:embed="rId3">
+                    <a14:imgEffect>
+                      <a14:brightnessContrast contrast="-100000"/>
+                    </a14:imgEffect>
+                  </a14:imgLayer>
+                </a14:imgProps>
+              </a:ext>
+              <a:ext uri="{28A0092B-C50C-407E-A947-70E740481C1C}">
+                <a14:useLocalDpi xmlns:a14="http://schemas.microsoft.com/office/drawing/2010/main" val="0"/>
+              </a:ext>
+            </a:extLst>
+          </a:blip>
+          <a:stretch>
+            <a:fillRect/>
+          </a:stretch>
+        </p:blipFill>
+        <p:spPr>
+          <a:xfrm>
+            <a:off x="838200" y="1834600"/>
+            <a:ext cx="8629650" cy="1047750"/>
+          </a:xfrm>
+          <a:prstGeom prst="rect">
+            <a:avLst/>
+          </a:prstGeom>
+        </p:spPr>
+      </p:pic>
+      <p:sp>
+        <p:nvSpPr>
+          <p:cNvPr id="3" name="Inhaltsplatzhalter 2"/>
+          <p:cNvSpPr>
+            <a:spLocks noGrp="1"/>
+          </p:cNvSpPr>
+          <p:nvPr>
+            <p:ph idx="1"/>
+          </p:nvPr>
+        </p:nvSpPr>
+        <p:spPr/>
+        <p:txBody>
+          <a:bodyPr/>
+          <a:lstStyle/>
+          <a:p>
+            <a:endParaRPr lang="en-GB" dirty="0"/>
+          </a:p>
+        </p:txBody>
+      </p:sp>
+      <p:pic>
+        <p:nvPicPr>
+          <p:cNvPr id="6" name="Grafik 5"/>
+          <p:cNvPicPr>
+            <a:picLocks noChangeAspect="1"/>
+          </p:cNvPicPr>
+          <p:nvPr/>
+        </p:nvPicPr>
+        <p:blipFill>
+          <a:blip r:embed="rId4">
+            <a:extLst>
+              <a:ext uri="{28A0092B-C50C-407E-A947-70E740481C1C}">
+                <a14:useLocalDpi xmlns:a14="http://schemas.microsoft.com/office/drawing/2010/main" val="0"/>
+              </a:ext>
+            </a:extLst>
+          </a:blip>
+          <a:stretch>
+            <a:fillRect/>
+          </a:stretch>
+        </p:blipFill>
+        <p:spPr>
+          <a:xfrm>
+            <a:off x="838200" y="3171307"/>
+            <a:ext cx="2486025" cy="333375"/>
+          </a:xfrm>
+          <a:prstGeom prst="rect">
+            <a:avLst/>
+          </a:prstGeom>
+        </p:spPr>
+      </p:pic>
+      <p:pic>
+        <p:nvPicPr>
+          <p:cNvPr id="7" name="Inhaltsplatzhalter 3"/>
+          <p:cNvPicPr>
+            <a:picLocks noChangeAspect="1"/>
+          </p:cNvPicPr>
+          <p:nvPr/>
+        </p:nvPicPr>
+        <p:blipFill>
+          <a:blip r:embed="rId5">
+            <a:extLst>
+              <a:ext uri="{28A0092B-C50C-407E-A947-70E740481C1C}">
+                <a14:useLocalDpi xmlns:a14="http://schemas.microsoft.com/office/drawing/2010/main" val="0"/>
+              </a:ext>
+            </a:extLst>
+          </a:blip>
+          <a:stretch>
+            <a:fillRect/>
+          </a:stretch>
+        </p:blipFill>
+        <p:spPr>
+          <a:xfrm>
+            <a:off x="838200" y="3793639"/>
+            <a:ext cx="9153525" cy="1047750"/>
+          </a:xfrm>
+          <a:prstGeom prst="rect">
+            <a:avLst/>
+          </a:prstGeom>
+        </p:spPr>
+      </p:pic>
+    </p:spTree>
+    <p:extLst>
+      <p:ext uri="{BB962C8B-B14F-4D97-AF65-F5344CB8AC3E}">
+        <p14:creationId xmlns:p14="http://schemas.microsoft.com/office/powerpoint/2010/main" val="2861344659"/>
+      </p:ext>
+    </p:extLst>
+  </p:cSld>
+  <p:clrMapOvr>
+    <a:masterClrMapping/>
+  </p:clrMapOvr>
+</p:sld>
+</file>
+
+<file path=ppt/slides/slide26.xml><?xml version="1.0" encoding="utf-8"?>
+<p:sld xmlns:a="http://schemas.openxmlformats.org/drawingml/2006/main" xmlns:r="http://schemas.openxmlformats.org/officeDocument/2006/relationships" xmlns:p="http://schemas.openxmlformats.org/presentationml/2006/main">
+  <p:cSld>
+    <p:spTree>
+      <p:nvGrpSpPr>
+        <p:cNvPr id="1" name=""/>
+        <p:cNvGrpSpPr/>
+        <p:nvPr/>
+      </p:nvGrpSpPr>
+      <p:grpSpPr>
+        <a:xfrm>
+          <a:off x="0" y="0"/>
+          <a:ext cx="0" cy="0"/>
+          <a:chOff x="0" y="0"/>
+          <a:chExt cx="0" cy="0"/>
+        </a:xfrm>
+      </p:grpSpPr>
+      <p:sp>
+        <p:nvSpPr>
+          <p:cNvPr id="2" name="Titel 1"/>
+          <p:cNvSpPr>
+            <a:spLocks noGrp="1"/>
+          </p:cNvSpPr>
+          <p:nvPr>
+            <p:ph type="title"/>
+          </p:nvPr>
+        </p:nvSpPr>
+        <p:spPr/>
+        <p:txBody>
+          <a:bodyPr/>
+          <a:lstStyle/>
+          <a:p>
+            <a:r>
+              <a:rPr lang="en-GB" dirty="0" smtClean="0"/>
+              <a:t>Simulated results</a:t>
+            </a:r>
+            <a:endParaRPr lang="en-GB" dirty="0"/>
+          </a:p>
+        </p:txBody>
+      </p:sp>
+      <p:sp>
+        <p:nvSpPr>
+          <p:cNvPr id="3" name="Inhaltsplatzhalter 2"/>
+          <p:cNvSpPr>
+            <a:spLocks noGrp="1"/>
+          </p:cNvSpPr>
+          <p:nvPr>
+            <p:ph idx="1"/>
+          </p:nvPr>
+        </p:nvSpPr>
+        <p:spPr/>
+        <p:txBody>
+          <a:bodyPr/>
+          <a:lstStyle/>
+          <a:p>
+            <a:endParaRPr lang="en-GB"/>
+          </a:p>
+        </p:txBody>
+      </p:sp>
+    </p:spTree>
+    <p:extLst>
+      <p:ext uri="{BB962C8B-B14F-4D97-AF65-F5344CB8AC3E}">
+        <p14:creationId xmlns:p14="http://schemas.microsoft.com/office/powerpoint/2010/main" val="4065287532"/>
+      </p:ext>
+    </p:extLst>
+  </p:cSld>
+  <p:clrMapOvr>
+    <a:masterClrMapping/>
+  </p:clrMapOvr>
+</p:sld>
+</file>
+
+<file path=ppt/slides/slide27.xml><?xml version="1.0" encoding="utf-8"?>
+<p:sld xmlns:a="http://schemas.openxmlformats.org/drawingml/2006/main" xmlns:r="http://schemas.openxmlformats.org/officeDocument/2006/relationships" xmlns:p="http://schemas.openxmlformats.org/presentationml/2006/main">
+  <p:cSld>
+    <p:spTree>
+      <p:nvGrpSpPr>
+        <p:cNvPr id="1" name=""/>
+        <p:cNvGrpSpPr/>
+        <p:nvPr/>
+      </p:nvGrpSpPr>
+      <p:grpSpPr>
+        <a:xfrm>
+          <a:off x="0" y="0"/>
+          <a:ext cx="0" cy="0"/>
+          <a:chOff x="0" y="0"/>
+          <a:chExt cx="0" cy="0"/>
+        </a:xfrm>
+      </p:grpSpPr>
+      <p:sp>
+        <p:nvSpPr>
+          <p:cNvPr id="2" name="Titel 1"/>
+          <p:cNvSpPr>
+            <a:spLocks noGrp="1"/>
+          </p:cNvSpPr>
+          <p:nvPr>
+            <p:ph type="title"/>
+          </p:nvPr>
+        </p:nvSpPr>
+        <p:spPr/>
+        <p:txBody>
+          <a:bodyPr/>
+          <a:lstStyle/>
+          <a:p>
+            <a:r>
+              <a:rPr lang="en-GB" dirty="0" smtClean="0"/>
+              <a:t>Simulated results</a:t>
+            </a:r>
+            <a:endParaRPr lang="en-GB" dirty="0"/>
+          </a:p>
+        </p:txBody>
+      </p:sp>
+      <p:pic>
+        <p:nvPicPr>
+          <p:cNvPr id="5" name="Grafik 4"/>
+          <p:cNvPicPr>
+            <a:picLocks noChangeAspect="1"/>
+          </p:cNvPicPr>
+          <p:nvPr/>
+        </p:nvPicPr>
+        <p:blipFill>
+          <a:blip r:embed="rId2" cstate="print">
+            <a:extLst>
+              <a:ext uri="{28A0092B-C50C-407E-A947-70E740481C1C}">
+                <a14:useLocalDpi xmlns:a14="http://schemas.microsoft.com/office/drawing/2010/main" val="0"/>
+              </a:ext>
+            </a:extLst>
+          </a:blip>
+          <a:stretch>
+            <a:fillRect/>
+          </a:stretch>
+        </p:blipFill>
+        <p:spPr>
+          <a:xfrm>
+            <a:off x="503339" y="1329543"/>
+            <a:ext cx="5425294" cy="5425294"/>
+          </a:xfrm>
+          <a:prstGeom prst="rect">
+            <a:avLst/>
+          </a:prstGeom>
+        </p:spPr>
+      </p:pic>
+      <p:pic>
+        <p:nvPicPr>
+          <p:cNvPr id="6" name="Grafik 5"/>
+          <p:cNvPicPr>
+            <a:picLocks noChangeAspect="1"/>
+          </p:cNvPicPr>
+          <p:nvPr/>
+        </p:nvPicPr>
+        <p:blipFill>
+          <a:blip r:embed="rId3" cstate="print">
+            <a:extLst>
+              <a:ext uri="{28A0092B-C50C-407E-A947-70E740481C1C}">
+                <a14:useLocalDpi xmlns:a14="http://schemas.microsoft.com/office/drawing/2010/main" val="0"/>
+              </a:ext>
+            </a:extLst>
+          </a:blip>
+          <a:stretch>
+            <a:fillRect/>
+          </a:stretch>
+        </p:blipFill>
+        <p:spPr>
+          <a:xfrm>
+            <a:off x="5928633" y="1329670"/>
+            <a:ext cx="5425167" cy="5425167"/>
+          </a:xfrm>
+          <a:prstGeom prst="rect">
+            <a:avLst/>
+          </a:prstGeom>
+        </p:spPr>
+      </p:pic>
+    </p:spTree>
+    <p:extLst>
+      <p:ext uri="{BB962C8B-B14F-4D97-AF65-F5344CB8AC3E}">
+        <p14:creationId xmlns:p14="http://schemas.microsoft.com/office/powerpoint/2010/main" val="98619472"/>
+      </p:ext>
+    </p:extLst>
+  </p:cSld>
+  <p:clrMapOvr>
+    <a:masterClrMapping/>
+  </p:clrMapOvr>
+</p:sld>
+</file>
+
+<file path=ppt/slides/slide28.xml><?xml version="1.0" encoding="utf-8"?>
+<p:sld xmlns:a="http://schemas.openxmlformats.org/drawingml/2006/main" xmlns:r="http://schemas.openxmlformats.org/officeDocument/2006/relationships" xmlns:p="http://schemas.openxmlformats.org/presentationml/2006/main">
+  <p:cSld>
+    <p:spTree>
+      <p:nvGrpSpPr>
+        <p:cNvPr id="1" name=""/>
+        <p:cNvGrpSpPr/>
+        <p:nvPr/>
+      </p:nvGrpSpPr>
+      <p:grpSpPr>
+        <a:xfrm>
+          <a:off x="0" y="0"/>
+          <a:ext cx="0" cy="0"/>
+          <a:chOff x="0" y="0"/>
+          <a:chExt cx="0" cy="0"/>
+        </a:xfrm>
+      </p:grpSpPr>
+      <p:sp>
+        <p:nvSpPr>
+          <p:cNvPr id="2" name="Titel 1"/>
+          <p:cNvSpPr>
+            <a:spLocks noGrp="1"/>
+          </p:cNvSpPr>
+          <p:nvPr>
+            <p:ph type="title"/>
+          </p:nvPr>
+        </p:nvSpPr>
+        <p:spPr/>
+        <p:txBody>
+          <a:bodyPr/>
+          <a:lstStyle/>
+          <a:p>
+            <a:r>
+              <a:rPr lang="en-GB" dirty="0" smtClean="0"/>
+              <a:t>Simulated results</a:t>
+            </a:r>
+            <a:endParaRPr lang="en-GB" dirty="0"/>
+          </a:p>
+        </p:txBody>
+      </p:sp>
+      <p:pic>
+        <p:nvPicPr>
+          <p:cNvPr id="4" name="Inhaltsplatzhalter 3"/>
+          <p:cNvPicPr>
+            <a:picLocks noGrp="1" noChangeAspect="1"/>
+          </p:cNvPicPr>
+          <p:nvPr>
+            <p:ph idx="1"/>
+          </p:nvPr>
+        </p:nvPicPr>
+        <p:blipFill>
+          <a:blip r:embed="rId2" cstate="print">
+            <a:extLst>
+              <a:ext uri="{28A0092B-C50C-407E-A947-70E740481C1C}">
+                <a14:useLocalDpi xmlns:a14="http://schemas.microsoft.com/office/drawing/2010/main" val="0"/>
+              </a:ext>
+            </a:extLst>
+          </a:blip>
+          <a:stretch>
+            <a:fillRect/>
+          </a:stretch>
+        </p:blipFill>
+        <p:spPr>
+          <a:xfrm>
+            <a:off x="604434" y="1428579"/>
+            <a:ext cx="10600841" cy="5300419"/>
+          </a:xfrm>
+        </p:spPr>
+      </p:pic>
+      <p:pic>
+        <p:nvPicPr>
+          <p:cNvPr id="6" name="Inhaltsplatzhalter 3"/>
+          <p:cNvPicPr>
+            <a:picLocks noChangeAspect="1"/>
+          </p:cNvPicPr>
+          <p:nvPr/>
+        </p:nvPicPr>
+        <p:blipFill rotWithShape="1">
+          <a:blip r:embed="rId3" cstate="print">
+            <a:extLst>
+              <a:ext uri="{28A0092B-C50C-407E-A947-70E740481C1C}">
+                <a14:useLocalDpi xmlns:a14="http://schemas.microsoft.com/office/drawing/2010/main" val="0"/>
+              </a:ext>
+            </a:extLst>
+          </a:blip>
+          <a:srcRect l="9520" t="12232" r="19004" b="16761"/>
+          <a:stretch/>
+        </p:blipFill>
+        <p:spPr>
+          <a:xfrm>
+            <a:off x="9179084" y="0"/>
+            <a:ext cx="3012916" cy="2993180"/>
+          </a:xfrm>
+          <a:prstGeom prst="rect">
+            <a:avLst/>
+          </a:prstGeom>
+        </p:spPr>
+      </p:pic>
+    </p:spTree>
+    <p:extLst>
+      <p:ext uri="{BB962C8B-B14F-4D97-AF65-F5344CB8AC3E}">
+        <p14:creationId xmlns:p14="http://schemas.microsoft.com/office/powerpoint/2010/main" val="2006460899"/>
+      </p:ext>
+    </p:extLst>
+  </p:cSld>
+  <p:clrMapOvr>
+    <a:masterClrMapping/>
+  </p:clrMapOvr>
+</p:sld>
+</file>
+
+<file path=ppt/slides/slide29.xml><?xml version="1.0" encoding="utf-8"?>
+<p:sld xmlns:a="http://schemas.openxmlformats.org/drawingml/2006/main" xmlns:r="http://schemas.openxmlformats.org/officeDocument/2006/relationships" xmlns:p="http://schemas.openxmlformats.org/presentationml/2006/main">
+  <p:cSld>
+    <p:spTree>
+      <p:nvGrpSpPr>
+        <p:cNvPr id="1" name=""/>
+        <p:cNvGrpSpPr/>
+        <p:nvPr/>
+      </p:nvGrpSpPr>
+      <p:grpSpPr>
+        <a:xfrm>
+          <a:off x="0" y="0"/>
+          <a:ext cx="0" cy="0"/>
+          <a:chOff x="0" y="0"/>
+          <a:chExt cx="0" cy="0"/>
+        </a:xfrm>
+      </p:grpSpPr>
+      <p:sp>
+        <p:nvSpPr>
+          <p:cNvPr id="2" name="Titel 1"/>
+          <p:cNvSpPr>
+            <a:spLocks noGrp="1"/>
+          </p:cNvSpPr>
+          <p:nvPr>
+            <p:ph type="title"/>
+          </p:nvPr>
+        </p:nvSpPr>
+        <p:spPr/>
+        <p:txBody>
+          <a:bodyPr/>
+          <a:lstStyle/>
+          <a:p>
+            <a:r>
+              <a:rPr lang="en-GB" dirty="0" smtClean="0"/>
+              <a:t>Super Resolution (but)</a:t>
+            </a:r>
+            <a:endParaRPr lang="en-GB" dirty="0"/>
+          </a:p>
+        </p:txBody>
+      </p:sp>
+      <p:pic>
+        <p:nvPicPr>
+          <p:cNvPr id="4" name="Inhaltsplatzhalter 3"/>
+          <p:cNvPicPr>
+            <a:picLocks noGrp="1" noChangeAspect="1"/>
+          </p:cNvPicPr>
+          <p:nvPr>
+            <p:ph idx="1"/>
+          </p:nvPr>
+        </p:nvPicPr>
+        <p:blipFill>
+          <a:blip r:embed="rId2">
+            <a:extLst>
+              <a:ext uri="{28A0092B-C50C-407E-A947-70E740481C1C}">
+                <a14:useLocalDpi xmlns:a14="http://schemas.microsoft.com/office/drawing/2010/main" val="0"/>
+              </a:ext>
+            </a:extLst>
+          </a:blip>
+          <a:stretch>
+            <a:fillRect/>
+          </a:stretch>
+        </p:blipFill>
+        <p:spPr>
+          <a:xfrm>
+            <a:off x="3562404" y="2223389"/>
+            <a:ext cx="2797064" cy="2797064"/>
+          </a:xfrm>
+        </p:spPr>
+      </p:pic>
       <p:pic>
         <p:nvPicPr>
           <p:cNvPr id="5" name="Grafik 4"/>
@@ -4912,8 +6652,8 @@
         </p:blipFill>
         <p:spPr>
           <a:xfrm>
-            <a:off x="838200" y="1841103"/>
-            <a:ext cx="4171950" cy="895350"/>
+            <a:off x="722011" y="2223389"/>
+            <a:ext cx="2797064" cy="2797064"/>
           </a:xfrm>
           <a:prstGeom prst="rect">
             <a:avLst/>
@@ -4922,7 +6662,7 @@
       </p:pic>
       <p:pic>
         <p:nvPicPr>
-          <p:cNvPr id="8" name="Grafik 7"/>
+          <p:cNvPr id="6" name="Grafik 5"/>
           <p:cNvPicPr>
             <a:picLocks noChangeAspect="1"/>
           </p:cNvPicPr>
@@ -4942,17 +6682,1868 @@
         </p:blipFill>
         <p:spPr>
           <a:xfrm>
-            <a:off x="838200" y="4330700"/>
-            <a:ext cx="4467225" cy="866775"/>
+            <a:off x="6402797" y="2223389"/>
+            <a:ext cx="2797064" cy="2797064"/>
           </a:xfrm>
           <a:prstGeom prst="rect">
             <a:avLst/>
           </a:prstGeom>
         </p:spPr>
       </p:pic>
-      <p:sp>
-        <p:nvSpPr>
-          <p:cNvPr id="11" name="Freihandform 10"/>
+      <p:pic>
+        <p:nvPicPr>
+          <p:cNvPr id="7" name="Grafik 6"/>
+          <p:cNvPicPr>
+            <a:picLocks noChangeAspect="1"/>
+          </p:cNvPicPr>
+          <p:nvPr/>
+        </p:nvPicPr>
+        <p:blipFill>
+          <a:blip r:embed="rId5">
+            <a:extLst>
+              <a:ext uri="{28A0092B-C50C-407E-A947-70E740481C1C}">
+                <a14:useLocalDpi xmlns:a14="http://schemas.microsoft.com/office/drawing/2010/main" val="0"/>
+              </a:ext>
+            </a:extLst>
+          </a:blip>
+          <a:stretch>
+            <a:fillRect/>
+          </a:stretch>
+        </p:blipFill>
+        <p:spPr>
+          <a:xfrm>
+            <a:off x="9243190" y="2223389"/>
+            <a:ext cx="2797064" cy="2797064"/>
+          </a:xfrm>
+          <a:prstGeom prst="rect">
+            <a:avLst/>
+          </a:prstGeom>
+        </p:spPr>
+      </p:pic>
+    </p:spTree>
+    <p:extLst>
+      <p:ext uri="{BB962C8B-B14F-4D97-AF65-F5344CB8AC3E}">
+        <p14:creationId xmlns:p14="http://schemas.microsoft.com/office/powerpoint/2010/main" val="714275184"/>
+      </p:ext>
+    </p:extLst>
+  </p:cSld>
+  <p:clrMapOvr>
+    <a:masterClrMapping/>
+  </p:clrMapOvr>
+</p:sld>
+</file>
+
+<file path=ppt/slides/slide3.xml><?xml version="1.0" encoding="utf-8"?>
+<p:sld xmlns:a="http://schemas.openxmlformats.org/drawingml/2006/main" xmlns:r="http://schemas.openxmlformats.org/officeDocument/2006/relationships" xmlns:p="http://schemas.openxmlformats.org/presentationml/2006/main">
+  <p:cSld>
+    <p:spTree>
+      <p:nvGrpSpPr>
+        <p:cNvPr id="1" name=""/>
+        <p:cNvGrpSpPr/>
+        <p:nvPr/>
+      </p:nvGrpSpPr>
+      <p:grpSpPr>
+        <a:xfrm>
+          <a:off x="0" y="0"/>
+          <a:ext cx="0" cy="0"/>
+          <a:chOff x="0" y="0"/>
+          <a:chExt cx="0" cy="0"/>
+        </a:xfrm>
+      </p:grpSpPr>
+      <p:sp>
+        <p:nvSpPr>
+          <p:cNvPr id="2" name="Titel 1"/>
+          <p:cNvSpPr>
+            <a:spLocks noGrp="1"/>
+          </p:cNvSpPr>
+          <p:nvPr>
+            <p:ph type="title"/>
+          </p:nvPr>
+        </p:nvSpPr>
+        <p:spPr/>
+        <p:txBody>
+          <a:bodyPr/>
+          <a:lstStyle/>
+          <a:p>
+            <a:r>
+              <a:rPr lang="en-GB" dirty="0" smtClean="0"/>
+              <a:t>The MeerKAT era</a:t>
+            </a:r>
+            <a:endParaRPr lang="en-GB" dirty="0"/>
+          </a:p>
+        </p:txBody>
+      </p:sp>
+      <p:sp>
+        <p:nvSpPr>
+          <p:cNvPr id="3" name="Inhaltsplatzhalter 2"/>
+          <p:cNvSpPr>
+            <a:spLocks noGrp="1"/>
+          </p:cNvSpPr>
+          <p:nvPr>
+            <p:ph idx="1"/>
+          </p:nvPr>
+        </p:nvSpPr>
+        <p:spPr/>
+        <p:txBody>
+          <a:bodyPr/>
+          <a:lstStyle/>
+          <a:p>
+            <a:r>
+              <a:rPr lang="en-GB" dirty="0" smtClean="0"/>
+              <a:t>4000 Million+ Visibility Measurements</a:t>
+            </a:r>
+          </a:p>
+          <a:p>
+            <a:r>
+              <a:rPr lang="en-GB" dirty="0" smtClean="0"/>
+              <a:t>60 Million+ </a:t>
+            </a:r>
+            <a:r>
+              <a:rPr lang="en-GB" dirty="0"/>
+              <a:t>Pixels</a:t>
+            </a:r>
+          </a:p>
+          <a:p>
+            <a:endParaRPr lang="en-GB" dirty="0"/>
+          </a:p>
+        </p:txBody>
+      </p:sp>
+    </p:spTree>
+    <p:extLst>
+      <p:ext uri="{BB962C8B-B14F-4D97-AF65-F5344CB8AC3E}">
+        <p14:creationId xmlns:p14="http://schemas.microsoft.com/office/powerpoint/2010/main" val="967722166"/>
+      </p:ext>
+    </p:extLst>
+  </p:cSld>
+  <p:clrMapOvr>
+    <a:masterClrMapping/>
+  </p:clrMapOvr>
+</p:sld>
+</file>
+
+<file path=ppt/slides/slide30.xml><?xml version="1.0" encoding="utf-8"?>
+<p:sld xmlns:a="http://schemas.openxmlformats.org/drawingml/2006/main" xmlns:r="http://schemas.openxmlformats.org/officeDocument/2006/relationships" xmlns:p="http://schemas.openxmlformats.org/presentationml/2006/main">
+  <p:cSld>
+    <p:spTree>
+      <p:nvGrpSpPr>
+        <p:cNvPr id="1" name=""/>
+        <p:cNvGrpSpPr/>
+        <p:nvPr/>
+      </p:nvGrpSpPr>
+      <p:grpSpPr>
+        <a:xfrm>
+          <a:off x="0" y="0"/>
+          <a:ext cx="0" cy="0"/>
+          <a:chOff x="0" y="0"/>
+          <a:chExt cx="0" cy="0"/>
+        </a:xfrm>
+      </p:grpSpPr>
+      <p:sp>
+        <p:nvSpPr>
+          <p:cNvPr id="2" name="Titel 1"/>
+          <p:cNvSpPr>
+            <a:spLocks noGrp="1"/>
+          </p:cNvSpPr>
+          <p:nvPr>
+            <p:ph type="title"/>
+          </p:nvPr>
+        </p:nvSpPr>
+        <p:spPr/>
+        <p:txBody>
+          <a:bodyPr/>
+          <a:lstStyle/>
+          <a:p>
+            <a:r>
+              <a:rPr lang="en-GB" dirty="0" smtClean="0"/>
+              <a:t>Coordinate Descent for MeerKAT?</a:t>
+            </a:r>
+            <a:endParaRPr lang="en-GB" dirty="0"/>
+          </a:p>
+        </p:txBody>
+      </p:sp>
+    </p:spTree>
+    <p:extLst>
+      <p:ext uri="{BB962C8B-B14F-4D97-AF65-F5344CB8AC3E}">
+        <p14:creationId xmlns:p14="http://schemas.microsoft.com/office/powerpoint/2010/main" val="2851100580"/>
+      </p:ext>
+    </p:extLst>
+  </p:cSld>
+  <p:clrMapOvr>
+    <a:masterClrMapping/>
+  </p:clrMapOvr>
+</p:sld>
+</file>
+
+<file path=ppt/slides/slide31.xml><?xml version="1.0" encoding="utf-8"?>
+<p:sld xmlns:a="http://schemas.openxmlformats.org/drawingml/2006/main" xmlns:r="http://schemas.openxmlformats.org/officeDocument/2006/relationships" xmlns:p="http://schemas.openxmlformats.org/presentationml/2006/main">
+  <p:cSld>
+    <p:spTree>
+      <p:nvGrpSpPr>
+        <p:cNvPr id="1" name=""/>
+        <p:cNvGrpSpPr/>
+        <p:nvPr/>
+      </p:nvGrpSpPr>
+      <p:grpSpPr>
+        <a:xfrm>
+          <a:off x="0" y="0"/>
+          <a:ext cx="0" cy="0"/>
+          <a:chOff x="0" y="0"/>
+          <a:chExt cx="0" cy="0"/>
+        </a:xfrm>
+      </p:grpSpPr>
+      <p:sp>
+        <p:nvSpPr>
+          <p:cNvPr id="17" name="Rechteck 16"/>
+          <p:cNvSpPr/>
+          <p:nvPr/>
+        </p:nvSpPr>
+        <p:spPr>
+          <a:xfrm>
+            <a:off x="6633275" y="2774197"/>
+            <a:ext cx="511444" cy="650928"/>
+          </a:xfrm>
+          <a:prstGeom prst="rect">
+            <a:avLst/>
+          </a:prstGeom>
+          <a:solidFill>
+            <a:schemeClr val="accent2">
+              <a:lumMod val="75000"/>
+            </a:schemeClr>
+          </a:solidFill>
+        </p:spPr>
+        <p:style>
+          <a:lnRef idx="2">
+            <a:schemeClr val="accent1">
+              <a:shade val="50000"/>
+            </a:schemeClr>
+          </a:lnRef>
+          <a:fillRef idx="1">
+            <a:schemeClr val="accent1"/>
+          </a:fillRef>
+          <a:effectRef idx="0">
+            <a:schemeClr val="accent1"/>
+          </a:effectRef>
+          <a:fontRef idx="minor">
+            <a:schemeClr val="lt1"/>
+          </a:fontRef>
+        </p:style>
+        <p:txBody>
+          <a:bodyPr rtlCol="0" anchor="ctr"/>
+          <a:lstStyle/>
+          <a:p>
+            <a:pPr algn="ctr"/>
+            <a:endParaRPr lang="en-GB"/>
+          </a:p>
+        </p:txBody>
+      </p:sp>
+      <p:sp>
+        <p:nvSpPr>
+          <p:cNvPr id="2" name="Titel 1"/>
+          <p:cNvSpPr>
+            <a:spLocks noGrp="1"/>
+          </p:cNvSpPr>
+          <p:nvPr>
+            <p:ph type="title"/>
+          </p:nvPr>
+        </p:nvSpPr>
+        <p:spPr/>
+        <p:txBody>
+          <a:bodyPr/>
+          <a:lstStyle/>
+          <a:p>
+            <a:r>
+              <a:rPr lang="en-GB" dirty="0"/>
+              <a:t>Coordinate Descent for MeerKAT?</a:t>
+            </a:r>
+          </a:p>
+        </p:txBody>
+      </p:sp>
+      <p:pic>
+        <p:nvPicPr>
+          <p:cNvPr id="3" name="Inhaltsplatzhalter 3"/>
+          <p:cNvPicPr>
+            <a:picLocks noChangeAspect="1"/>
+          </p:cNvPicPr>
+          <p:nvPr/>
+        </p:nvPicPr>
+        <p:blipFill>
+          <a:blip r:embed="rId2">
+            <a:extLst>
+              <a:ext uri="{28A0092B-C50C-407E-A947-70E740481C1C}">
+                <a14:useLocalDpi xmlns:a14="http://schemas.microsoft.com/office/drawing/2010/main" val="0"/>
+              </a:ext>
+            </a:extLst>
+          </a:blip>
+          <a:stretch>
+            <a:fillRect/>
+          </a:stretch>
+        </p:blipFill>
+        <p:spPr>
+          <a:xfrm>
+            <a:off x="1519237" y="2650639"/>
+            <a:ext cx="9153525" cy="1047750"/>
+          </a:xfrm>
+          <a:prstGeom prst="rect">
+            <a:avLst/>
+          </a:prstGeom>
+        </p:spPr>
+      </p:pic>
+      <p:sp>
+        <p:nvSpPr>
+          <p:cNvPr id="4" name="Textfeld 3"/>
+          <p:cNvSpPr txBox="1"/>
+          <p:nvPr/>
+        </p:nvSpPr>
+        <p:spPr>
+          <a:xfrm>
+            <a:off x="7916014" y="1507882"/>
+            <a:ext cx="1422312" cy="646331"/>
+          </a:xfrm>
+          <a:prstGeom prst="rect">
+            <a:avLst/>
+          </a:prstGeom>
+          <a:noFill/>
+        </p:spPr>
+        <p:txBody>
+          <a:bodyPr wrap="none" rtlCol="0">
+            <a:spAutoFit/>
+          </a:bodyPr>
+          <a:lstStyle/>
+          <a:p>
+            <a:pPr algn="ctr"/>
+            <a:r>
+              <a:rPr lang="en-GB" sz="3600" dirty="0" smtClean="0"/>
+              <a:t>Sparse</a:t>
+            </a:r>
+          </a:p>
+        </p:txBody>
+      </p:sp>
+      <p:cxnSp>
+        <p:nvCxnSpPr>
+          <p:cNvPr id="5" name="Gerade Verbindung mit Pfeil 4"/>
+          <p:cNvCxnSpPr>
+            <a:stCxn id="4" idx="2"/>
+          </p:cNvCxnSpPr>
+          <p:nvPr/>
+        </p:nvCxnSpPr>
+        <p:spPr>
+          <a:xfrm>
+            <a:off x="8627170" y="2154213"/>
+            <a:ext cx="1193760" cy="679232"/>
+          </a:xfrm>
+          <a:prstGeom prst="straightConnector1">
+            <a:avLst/>
+          </a:prstGeom>
+          <a:ln w="85725">
+            <a:tailEnd type="triangle"/>
+          </a:ln>
+        </p:spPr>
+        <p:style>
+          <a:lnRef idx="1">
+            <a:schemeClr val="accent1"/>
+          </a:lnRef>
+          <a:fillRef idx="0">
+            <a:schemeClr val="accent1"/>
+          </a:fillRef>
+          <a:effectRef idx="0">
+            <a:schemeClr val="accent1"/>
+          </a:effectRef>
+          <a:fontRef idx="minor">
+            <a:schemeClr val="tx1"/>
+          </a:fontRef>
+        </p:style>
+      </p:cxnSp>
+      <p:cxnSp>
+        <p:nvCxnSpPr>
+          <p:cNvPr id="6" name="Gerade Verbindung mit Pfeil 5"/>
+          <p:cNvCxnSpPr>
+            <a:stCxn id="4" idx="2"/>
+          </p:cNvCxnSpPr>
+          <p:nvPr/>
+        </p:nvCxnSpPr>
+        <p:spPr>
+          <a:xfrm flipH="1">
+            <a:off x="7433410" y="2154213"/>
+            <a:ext cx="1193760" cy="679232"/>
+          </a:xfrm>
+          <a:prstGeom prst="straightConnector1">
+            <a:avLst/>
+          </a:prstGeom>
+          <a:ln w="85725">
+            <a:tailEnd type="triangle"/>
+          </a:ln>
+        </p:spPr>
+        <p:style>
+          <a:lnRef idx="1">
+            <a:schemeClr val="accent1"/>
+          </a:lnRef>
+          <a:fillRef idx="0">
+            <a:schemeClr val="accent1"/>
+          </a:fillRef>
+          <a:effectRef idx="0">
+            <a:schemeClr val="accent1"/>
+          </a:effectRef>
+          <a:fontRef idx="minor">
+            <a:schemeClr val="tx1"/>
+          </a:fontRef>
+        </p:style>
+      </p:cxnSp>
+      <p:sp>
+        <p:nvSpPr>
+          <p:cNvPr id="19" name="Textfeld 18"/>
+          <p:cNvSpPr txBox="1"/>
+          <p:nvPr/>
+        </p:nvSpPr>
+        <p:spPr>
+          <a:xfrm>
+            <a:off x="3804834" y="4473674"/>
+            <a:ext cx="6168325" cy="369332"/>
+          </a:xfrm>
+          <a:prstGeom prst="rect">
+            <a:avLst/>
+          </a:prstGeom>
+          <a:noFill/>
+        </p:spPr>
+        <p:txBody>
+          <a:bodyPr wrap="square" rtlCol="0">
+            <a:spAutoFit/>
+          </a:bodyPr>
+          <a:lstStyle/>
+          <a:p>
+            <a:r>
+              <a:rPr lang="en-GB" dirty="0" smtClean="0"/>
+              <a:t>Coordinate Descent: Columns * sparse * iterations</a:t>
+            </a:r>
+            <a:endParaRPr lang="en-GB" dirty="0"/>
+          </a:p>
+        </p:txBody>
+      </p:sp>
+    </p:spTree>
+    <p:extLst>
+      <p:ext uri="{BB962C8B-B14F-4D97-AF65-F5344CB8AC3E}">
+        <p14:creationId xmlns:p14="http://schemas.microsoft.com/office/powerpoint/2010/main" val="1415059283"/>
+      </p:ext>
+    </p:extLst>
+  </p:cSld>
+  <p:clrMapOvr>
+    <a:masterClrMapping/>
+  </p:clrMapOvr>
+</p:sld>
+</file>
+
+<file path=ppt/slides/slide32.xml><?xml version="1.0" encoding="utf-8"?>
+<p:sld xmlns:a="http://schemas.openxmlformats.org/drawingml/2006/main" xmlns:r="http://schemas.openxmlformats.org/officeDocument/2006/relationships" xmlns:p="http://schemas.openxmlformats.org/presentationml/2006/main">
+  <p:cSld>
+    <p:spTree>
+      <p:nvGrpSpPr>
+        <p:cNvPr id="1" name=""/>
+        <p:cNvGrpSpPr/>
+        <p:nvPr/>
+      </p:nvGrpSpPr>
+      <p:grpSpPr>
+        <a:xfrm>
+          <a:off x="0" y="0"/>
+          <a:ext cx="0" cy="0"/>
+          <a:chOff x="0" y="0"/>
+          <a:chExt cx="0" cy="0"/>
+        </a:xfrm>
+      </p:grpSpPr>
+      <p:sp>
+        <p:nvSpPr>
+          <p:cNvPr id="17" name="Rechteck 16"/>
+          <p:cNvSpPr/>
+          <p:nvPr/>
+        </p:nvSpPr>
+        <p:spPr>
+          <a:xfrm>
+            <a:off x="6633275" y="2774197"/>
+            <a:ext cx="511444" cy="650928"/>
+          </a:xfrm>
+          <a:prstGeom prst="rect">
+            <a:avLst/>
+          </a:prstGeom>
+          <a:solidFill>
+            <a:schemeClr val="accent2">
+              <a:lumMod val="75000"/>
+            </a:schemeClr>
+          </a:solidFill>
+        </p:spPr>
+        <p:style>
+          <a:lnRef idx="2">
+            <a:schemeClr val="accent1">
+              <a:shade val="50000"/>
+            </a:schemeClr>
+          </a:lnRef>
+          <a:fillRef idx="1">
+            <a:schemeClr val="accent1"/>
+          </a:fillRef>
+          <a:effectRef idx="0">
+            <a:schemeClr val="accent1"/>
+          </a:effectRef>
+          <a:fontRef idx="minor">
+            <a:schemeClr val="lt1"/>
+          </a:fontRef>
+        </p:style>
+        <p:txBody>
+          <a:bodyPr rtlCol="0" anchor="ctr"/>
+          <a:lstStyle/>
+          <a:p>
+            <a:pPr algn="ctr"/>
+            <a:endParaRPr lang="en-GB"/>
+          </a:p>
+        </p:txBody>
+      </p:sp>
+      <p:sp>
+        <p:nvSpPr>
+          <p:cNvPr id="2" name="Titel 1"/>
+          <p:cNvSpPr>
+            <a:spLocks noGrp="1"/>
+          </p:cNvSpPr>
+          <p:nvPr>
+            <p:ph type="title"/>
+          </p:nvPr>
+        </p:nvSpPr>
+        <p:spPr/>
+        <p:txBody>
+          <a:bodyPr/>
+          <a:lstStyle/>
+          <a:p>
+            <a:r>
+              <a:rPr lang="en-GB" dirty="0"/>
+              <a:t>Coordinate Descent for MeerKAT?</a:t>
+            </a:r>
+          </a:p>
+        </p:txBody>
+      </p:sp>
+      <p:pic>
+        <p:nvPicPr>
+          <p:cNvPr id="3" name="Inhaltsplatzhalter 3"/>
+          <p:cNvPicPr>
+            <a:picLocks noChangeAspect="1"/>
+          </p:cNvPicPr>
+          <p:nvPr/>
+        </p:nvPicPr>
+        <p:blipFill>
+          <a:blip r:embed="rId2">
+            <a:extLst>
+              <a:ext uri="{28A0092B-C50C-407E-A947-70E740481C1C}">
+                <a14:useLocalDpi xmlns:a14="http://schemas.microsoft.com/office/drawing/2010/main" val="0"/>
+              </a:ext>
+            </a:extLst>
+          </a:blip>
+          <a:stretch>
+            <a:fillRect/>
+          </a:stretch>
+        </p:blipFill>
+        <p:spPr>
+          <a:xfrm>
+            <a:off x="1519237" y="2650639"/>
+            <a:ext cx="9153525" cy="1047750"/>
+          </a:xfrm>
+          <a:prstGeom prst="rect">
+            <a:avLst/>
+          </a:prstGeom>
+        </p:spPr>
+      </p:pic>
+      <p:sp>
+        <p:nvSpPr>
+          <p:cNvPr id="4" name="Textfeld 3"/>
+          <p:cNvSpPr txBox="1"/>
+          <p:nvPr/>
+        </p:nvSpPr>
+        <p:spPr>
+          <a:xfrm>
+            <a:off x="7916014" y="1507882"/>
+            <a:ext cx="1422312" cy="646331"/>
+          </a:xfrm>
+          <a:prstGeom prst="rect">
+            <a:avLst/>
+          </a:prstGeom>
+          <a:noFill/>
+        </p:spPr>
+        <p:txBody>
+          <a:bodyPr wrap="none" rtlCol="0">
+            <a:spAutoFit/>
+          </a:bodyPr>
+          <a:lstStyle/>
+          <a:p>
+            <a:pPr algn="ctr"/>
+            <a:r>
+              <a:rPr lang="en-GB" sz="3600" dirty="0" smtClean="0"/>
+              <a:t>Sparse</a:t>
+            </a:r>
+          </a:p>
+        </p:txBody>
+      </p:sp>
+      <p:cxnSp>
+        <p:nvCxnSpPr>
+          <p:cNvPr id="5" name="Gerade Verbindung mit Pfeil 4"/>
+          <p:cNvCxnSpPr>
+            <a:stCxn id="4" idx="2"/>
+          </p:cNvCxnSpPr>
+          <p:nvPr/>
+        </p:nvCxnSpPr>
+        <p:spPr>
+          <a:xfrm>
+            <a:off x="8627170" y="2154213"/>
+            <a:ext cx="1193760" cy="679232"/>
+          </a:xfrm>
+          <a:prstGeom prst="straightConnector1">
+            <a:avLst/>
+          </a:prstGeom>
+          <a:ln w="85725">
+            <a:tailEnd type="triangle"/>
+          </a:ln>
+        </p:spPr>
+        <p:style>
+          <a:lnRef idx="1">
+            <a:schemeClr val="accent1"/>
+          </a:lnRef>
+          <a:fillRef idx="0">
+            <a:schemeClr val="accent1"/>
+          </a:fillRef>
+          <a:effectRef idx="0">
+            <a:schemeClr val="accent1"/>
+          </a:effectRef>
+          <a:fontRef idx="minor">
+            <a:schemeClr val="tx1"/>
+          </a:fontRef>
+        </p:style>
+      </p:cxnSp>
+      <p:cxnSp>
+        <p:nvCxnSpPr>
+          <p:cNvPr id="6" name="Gerade Verbindung mit Pfeil 5"/>
+          <p:cNvCxnSpPr>
+            <a:stCxn id="4" idx="2"/>
+          </p:cNvCxnSpPr>
+          <p:nvPr/>
+        </p:nvCxnSpPr>
+        <p:spPr>
+          <a:xfrm flipH="1">
+            <a:off x="7433410" y="2154213"/>
+            <a:ext cx="1193760" cy="679232"/>
+          </a:xfrm>
+          <a:prstGeom prst="straightConnector1">
+            <a:avLst/>
+          </a:prstGeom>
+          <a:ln w="85725">
+            <a:tailEnd type="triangle"/>
+          </a:ln>
+        </p:spPr>
+        <p:style>
+          <a:lnRef idx="1">
+            <a:schemeClr val="accent1"/>
+          </a:lnRef>
+          <a:fillRef idx="0">
+            <a:schemeClr val="accent1"/>
+          </a:fillRef>
+          <a:effectRef idx="0">
+            <a:schemeClr val="accent1"/>
+          </a:effectRef>
+          <a:fontRef idx="minor">
+            <a:schemeClr val="tx1"/>
+          </a:fontRef>
+        </p:style>
+      </p:cxnSp>
+      <p:sp>
+        <p:nvSpPr>
+          <p:cNvPr id="19" name="Textfeld 18"/>
+          <p:cNvSpPr txBox="1"/>
+          <p:nvPr/>
+        </p:nvSpPr>
+        <p:spPr>
+          <a:xfrm>
+            <a:off x="3804834" y="4473674"/>
+            <a:ext cx="6168325" cy="369332"/>
+          </a:xfrm>
+          <a:prstGeom prst="rect">
+            <a:avLst/>
+          </a:prstGeom>
+          <a:noFill/>
+        </p:spPr>
+        <p:txBody>
+          <a:bodyPr wrap="square" rtlCol="0">
+            <a:spAutoFit/>
+          </a:bodyPr>
+          <a:lstStyle/>
+          <a:p>
+            <a:r>
+              <a:rPr lang="en-GB" dirty="0" smtClean="0"/>
+              <a:t>Coordinate Descent: </a:t>
+            </a:r>
+            <a:r>
+              <a:rPr lang="en-GB" dirty="0" err="1" smtClean="0"/>
+              <a:t>nr</a:t>
+            </a:r>
+            <a:r>
+              <a:rPr lang="en-GB" smtClean="0"/>
+              <a:t> rows </a:t>
+            </a:r>
+            <a:r>
+              <a:rPr lang="en-GB" dirty="0" smtClean="0"/>
+              <a:t>* sparse * iterations</a:t>
+            </a:r>
+            <a:endParaRPr lang="en-GB" dirty="0"/>
+          </a:p>
+        </p:txBody>
+      </p:sp>
+    </p:spTree>
+    <p:extLst>
+      <p:ext uri="{BB962C8B-B14F-4D97-AF65-F5344CB8AC3E}">
+        <p14:creationId xmlns:p14="http://schemas.microsoft.com/office/powerpoint/2010/main" val="1654686280"/>
+      </p:ext>
+    </p:extLst>
+  </p:cSld>
+  <p:clrMapOvr>
+    <a:masterClrMapping/>
+  </p:clrMapOvr>
+</p:sld>
+</file>
+
+<file path=ppt/slides/slide33.xml><?xml version="1.0" encoding="utf-8"?>
+<p:sld xmlns:a="http://schemas.openxmlformats.org/drawingml/2006/main" xmlns:r="http://schemas.openxmlformats.org/officeDocument/2006/relationships" xmlns:p="http://schemas.openxmlformats.org/presentationml/2006/main">
+  <p:cSld>
+    <p:spTree>
+      <p:nvGrpSpPr>
+        <p:cNvPr id="1" name=""/>
+        <p:cNvGrpSpPr/>
+        <p:nvPr/>
+      </p:nvGrpSpPr>
+      <p:grpSpPr>
+        <a:xfrm>
+          <a:off x="0" y="0"/>
+          <a:ext cx="0" cy="0"/>
+          <a:chOff x="0" y="0"/>
+          <a:chExt cx="0" cy="0"/>
+        </a:xfrm>
+      </p:grpSpPr>
+      <p:pic>
+        <p:nvPicPr>
+          <p:cNvPr id="5" name="Inhaltsplatzhalter 4"/>
+          <p:cNvPicPr>
+            <a:picLocks noGrp="1" noChangeAspect="1"/>
+          </p:cNvPicPr>
+          <p:nvPr>
+            <p:ph idx="1"/>
+          </p:nvPr>
+        </p:nvPicPr>
+        <p:blipFill>
+          <a:blip r:embed="rId2" cstate="print">
+            <a:extLst>
+              <a:ext uri="{28A0092B-C50C-407E-A947-70E740481C1C}">
+                <a14:useLocalDpi xmlns:a14="http://schemas.microsoft.com/office/drawing/2010/main" val="0"/>
+              </a:ext>
+            </a:extLst>
+          </a:blip>
+          <a:stretch>
+            <a:fillRect/>
+          </a:stretch>
+        </p:blipFill>
+        <p:spPr>
+          <a:xfrm>
+            <a:off x="5391900" y="1118937"/>
+            <a:ext cx="5649077" cy="5649077"/>
+          </a:xfrm>
+        </p:spPr>
+      </p:pic>
+      <p:sp>
+        <p:nvSpPr>
+          <p:cNvPr id="2" name="Titel 1"/>
+          <p:cNvSpPr>
+            <a:spLocks noGrp="1"/>
+          </p:cNvSpPr>
+          <p:nvPr>
+            <p:ph type="title"/>
+          </p:nvPr>
+        </p:nvSpPr>
+        <p:spPr/>
+        <p:txBody>
+          <a:bodyPr/>
+          <a:lstStyle/>
+          <a:p>
+            <a:r>
+              <a:rPr lang="en-GB" dirty="0" smtClean="0"/>
+              <a:t>Redundancy and Noise</a:t>
+            </a:r>
+            <a:endParaRPr lang="en-GB" dirty="0"/>
+          </a:p>
+        </p:txBody>
+      </p:sp>
+      <p:pic>
+        <p:nvPicPr>
+          <p:cNvPr id="6" name="Grafik 5"/>
+          <p:cNvPicPr>
+            <a:picLocks noChangeAspect="1"/>
+          </p:cNvPicPr>
+          <p:nvPr/>
+        </p:nvPicPr>
+        <p:blipFill rotWithShape="1">
+          <a:blip r:embed="rId3" cstate="print">
+            <a:extLst>
+              <a:ext uri="{28A0092B-C50C-407E-A947-70E740481C1C}">
+                <a14:useLocalDpi xmlns:a14="http://schemas.microsoft.com/office/drawing/2010/main" val="0"/>
+              </a:ext>
+            </a:extLst>
+          </a:blip>
+          <a:srcRect l="19272" t="9824" r="18139" b="4737"/>
+          <a:stretch/>
+        </p:blipFill>
+        <p:spPr>
+          <a:xfrm>
+            <a:off x="613021" y="1871908"/>
+            <a:ext cx="4644779" cy="4212748"/>
+          </a:xfrm>
+          <a:prstGeom prst="rect">
+            <a:avLst/>
+          </a:prstGeom>
+        </p:spPr>
+      </p:pic>
+    </p:spTree>
+    <p:extLst>
+      <p:ext uri="{BB962C8B-B14F-4D97-AF65-F5344CB8AC3E}">
+        <p14:creationId xmlns:p14="http://schemas.microsoft.com/office/powerpoint/2010/main" val="3004362158"/>
+      </p:ext>
+    </p:extLst>
+  </p:cSld>
+  <p:clrMapOvr>
+    <a:masterClrMapping/>
+  </p:clrMapOvr>
+</p:sld>
+</file>
+
+<file path=ppt/slides/slide34.xml><?xml version="1.0" encoding="utf-8"?>
+<p:sld xmlns:a="http://schemas.openxmlformats.org/drawingml/2006/main" xmlns:r="http://schemas.openxmlformats.org/officeDocument/2006/relationships" xmlns:p="http://schemas.openxmlformats.org/presentationml/2006/main">
+  <p:cSld>
+    <p:spTree>
+      <p:nvGrpSpPr>
+        <p:cNvPr id="1" name=""/>
+        <p:cNvGrpSpPr/>
+        <p:nvPr/>
+      </p:nvGrpSpPr>
+      <p:grpSpPr>
+        <a:xfrm>
+          <a:off x="0" y="0"/>
+          <a:ext cx="0" cy="0"/>
+          <a:chOff x="0" y="0"/>
+          <a:chExt cx="0" cy="0"/>
+        </a:xfrm>
+      </p:grpSpPr>
+      <p:sp>
+        <p:nvSpPr>
+          <p:cNvPr id="2" name="Titel 1"/>
+          <p:cNvSpPr>
+            <a:spLocks noGrp="1"/>
+          </p:cNvSpPr>
+          <p:nvPr>
+            <p:ph type="title"/>
+          </p:nvPr>
+        </p:nvSpPr>
+        <p:spPr/>
+        <p:txBody>
+          <a:bodyPr/>
+          <a:lstStyle/>
+          <a:p>
+            <a:r>
+              <a:rPr lang="en-GB" dirty="0" smtClean="0"/>
+              <a:t>Future</a:t>
+            </a:r>
+            <a:endParaRPr lang="en-GB" dirty="0"/>
+          </a:p>
+        </p:txBody>
+      </p:sp>
+      <p:sp>
+        <p:nvSpPr>
+          <p:cNvPr id="3" name="Inhaltsplatzhalter 2"/>
+          <p:cNvSpPr>
+            <a:spLocks noGrp="1"/>
+          </p:cNvSpPr>
+          <p:nvPr>
+            <p:ph idx="1"/>
+          </p:nvPr>
+        </p:nvSpPr>
+        <p:spPr/>
+        <p:txBody>
+          <a:bodyPr/>
+          <a:lstStyle/>
+          <a:p>
+            <a:endParaRPr lang="en-GB"/>
+          </a:p>
+        </p:txBody>
+      </p:sp>
+    </p:spTree>
+    <p:extLst>
+      <p:ext uri="{BB962C8B-B14F-4D97-AF65-F5344CB8AC3E}">
+        <p14:creationId xmlns:p14="http://schemas.microsoft.com/office/powerpoint/2010/main" val="1485467411"/>
+      </p:ext>
+    </p:extLst>
+  </p:cSld>
+  <p:clrMapOvr>
+    <a:masterClrMapping/>
+  </p:clrMapOvr>
+</p:sld>
+</file>
+
+<file path=ppt/slides/slide35.xml><?xml version="1.0" encoding="utf-8"?>
+<p:sld xmlns:a="http://schemas.openxmlformats.org/drawingml/2006/main" xmlns:r="http://schemas.openxmlformats.org/officeDocument/2006/relationships" xmlns:p="http://schemas.openxmlformats.org/presentationml/2006/main">
+  <p:cSld>
+    <p:spTree>
+      <p:nvGrpSpPr>
+        <p:cNvPr id="1" name=""/>
+        <p:cNvGrpSpPr/>
+        <p:nvPr/>
+      </p:nvGrpSpPr>
+      <p:grpSpPr>
+        <a:xfrm>
+          <a:off x="0" y="0"/>
+          <a:ext cx="0" cy="0"/>
+          <a:chOff x="0" y="0"/>
+          <a:chExt cx="0" cy="0"/>
+        </a:xfrm>
+      </p:grpSpPr>
+      <p:sp>
+        <p:nvSpPr>
+          <p:cNvPr id="2" name="Titel 1"/>
+          <p:cNvSpPr>
+            <a:spLocks noGrp="1"/>
+          </p:cNvSpPr>
+          <p:nvPr>
+            <p:ph type="title"/>
+          </p:nvPr>
+        </p:nvSpPr>
+        <p:spPr/>
+        <p:txBody>
+          <a:bodyPr/>
+          <a:lstStyle/>
+          <a:p>
+            <a:r>
+              <a:rPr lang="en-GB" dirty="0" smtClean="0"/>
+              <a:t>Future</a:t>
+            </a:r>
+            <a:endParaRPr lang="en-GB" dirty="0"/>
+          </a:p>
+        </p:txBody>
+      </p:sp>
+      <p:sp>
+        <p:nvSpPr>
+          <p:cNvPr id="3" name="Inhaltsplatzhalter 2"/>
+          <p:cNvSpPr>
+            <a:spLocks noGrp="1"/>
+          </p:cNvSpPr>
+          <p:nvPr>
+            <p:ph idx="1"/>
+          </p:nvPr>
+        </p:nvSpPr>
+        <p:spPr/>
+        <p:txBody>
+          <a:bodyPr/>
+          <a:lstStyle/>
+          <a:p>
+            <a:endParaRPr lang="en-GB"/>
+          </a:p>
+        </p:txBody>
+      </p:sp>
+    </p:spTree>
+    <p:extLst>
+      <p:ext uri="{BB962C8B-B14F-4D97-AF65-F5344CB8AC3E}">
+        <p14:creationId xmlns:p14="http://schemas.microsoft.com/office/powerpoint/2010/main" val="522897449"/>
+      </p:ext>
+    </p:extLst>
+  </p:cSld>
+  <p:clrMapOvr>
+    <a:masterClrMapping/>
+  </p:clrMapOvr>
+</p:sld>
+</file>
+
+<file path=ppt/slides/slide36.xml><?xml version="1.0" encoding="utf-8"?>
+<p:sld xmlns:a="http://schemas.openxmlformats.org/drawingml/2006/main" xmlns:r="http://schemas.openxmlformats.org/officeDocument/2006/relationships" xmlns:p="http://schemas.openxmlformats.org/presentationml/2006/main">
+  <p:cSld>
+    <p:spTree>
+      <p:nvGrpSpPr>
+        <p:cNvPr id="1" name=""/>
+        <p:cNvGrpSpPr/>
+        <p:nvPr/>
+      </p:nvGrpSpPr>
+      <p:grpSpPr>
+        <a:xfrm>
+          <a:off x="0" y="0"/>
+          <a:ext cx="0" cy="0"/>
+          <a:chOff x="0" y="0"/>
+          <a:chExt cx="0" cy="0"/>
+        </a:xfrm>
+      </p:grpSpPr>
+      <p:sp>
+        <p:nvSpPr>
+          <p:cNvPr id="2" name="Titel 1"/>
+          <p:cNvSpPr>
+            <a:spLocks noGrp="1"/>
+          </p:cNvSpPr>
+          <p:nvPr>
+            <p:ph type="title"/>
+          </p:nvPr>
+        </p:nvSpPr>
+        <p:spPr/>
+        <p:txBody>
+          <a:bodyPr/>
+          <a:lstStyle/>
+          <a:p>
+            <a:r>
+              <a:rPr lang="en-GB" dirty="0" smtClean="0"/>
+              <a:t>Future</a:t>
+            </a:r>
+            <a:endParaRPr lang="en-GB" dirty="0"/>
+          </a:p>
+        </p:txBody>
+      </p:sp>
+      <p:sp>
+        <p:nvSpPr>
+          <p:cNvPr id="3" name="Inhaltsplatzhalter 2"/>
+          <p:cNvSpPr>
+            <a:spLocks noGrp="1"/>
+          </p:cNvSpPr>
+          <p:nvPr>
+            <p:ph idx="1"/>
+          </p:nvPr>
+        </p:nvSpPr>
+        <p:spPr/>
+        <p:txBody>
+          <a:bodyPr/>
+          <a:lstStyle/>
+          <a:p>
+            <a:endParaRPr lang="en-GB"/>
+          </a:p>
+        </p:txBody>
+      </p:sp>
+    </p:spTree>
+    <p:extLst>
+      <p:ext uri="{BB962C8B-B14F-4D97-AF65-F5344CB8AC3E}">
+        <p14:creationId xmlns:p14="http://schemas.microsoft.com/office/powerpoint/2010/main" val="537581457"/>
+      </p:ext>
+    </p:extLst>
+  </p:cSld>
+  <p:clrMapOvr>
+    <a:masterClrMapping/>
+  </p:clrMapOvr>
+</p:sld>
+</file>
+
+<file path=ppt/slides/slide37.xml><?xml version="1.0" encoding="utf-8"?>
+<p:sld xmlns:a="http://schemas.openxmlformats.org/drawingml/2006/main" xmlns:r="http://schemas.openxmlformats.org/officeDocument/2006/relationships" xmlns:p="http://schemas.openxmlformats.org/presentationml/2006/main">
+  <p:cSld>
+    <p:spTree>
+      <p:nvGrpSpPr>
+        <p:cNvPr id="1" name=""/>
+        <p:cNvGrpSpPr/>
+        <p:nvPr/>
+      </p:nvGrpSpPr>
+      <p:grpSpPr>
+        <a:xfrm>
+          <a:off x="0" y="0"/>
+          <a:ext cx="0" cy="0"/>
+          <a:chOff x="0" y="0"/>
+          <a:chExt cx="0" cy="0"/>
+        </a:xfrm>
+      </p:grpSpPr>
+      <p:sp>
+        <p:nvSpPr>
+          <p:cNvPr id="2" name="Titel 1"/>
+          <p:cNvSpPr>
+            <a:spLocks noGrp="1"/>
+          </p:cNvSpPr>
+          <p:nvPr>
+            <p:ph type="title"/>
+          </p:nvPr>
+        </p:nvSpPr>
+        <p:spPr/>
+        <p:txBody>
+          <a:bodyPr/>
+          <a:lstStyle/>
+          <a:p>
+            <a:r>
+              <a:rPr lang="en-GB" dirty="0" smtClean="0"/>
+              <a:t>Wide Field of View</a:t>
+            </a:r>
+            <a:endParaRPr lang="en-GB" dirty="0"/>
+          </a:p>
+        </p:txBody>
+      </p:sp>
+      <p:pic>
+        <p:nvPicPr>
+          <p:cNvPr id="4" name="Inhaltsplatzhalter 3"/>
+          <p:cNvPicPr>
+            <a:picLocks noGrp="1" noChangeAspect="1"/>
+          </p:cNvPicPr>
+          <p:nvPr>
+            <p:ph idx="1"/>
+          </p:nvPr>
+        </p:nvPicPr>
+        <p:blipFill>
+          <a:blip r:embed="rId2" cstate="print">
+            <a:extLst>
+              <a:ext uri="{28A0092B-C50C-407E-A947-70E740481C1C}">
+                <a14:useLocalDpi xmlns:a14="http://schemas.microsoft.com/office/drawing/2010/main" val="0"/>
+              </a:ext>
+            </a:extLst>
+          </a:blip>
+          <a:stretch>
+            <a:fillRect/>
+          </a:stretch>
+        </p:blipFill>
+        <p:spPr>
+          <a:xfrm>
+            <a:off x="6079067" y="1581679"/>
+            <a:ext cx="4392600" cy="4351338"/>
+          </a:xfrm>
+        </p:spPr>
+      </p:pic>
+      <p:pic>
+        <p:nvPicPr>
+          <p:cNvPr id="5" name="Grafik 4"/>
+          <p:cNvPicPr>
+            <a:picLocks noChangeAspect="1"/>
+          </p:cNvPicPr>
+          <p:nvPr/>
+        </p:nvPicPr>
+        <p:blipFill>
+          <a:blip r:embed="rId3" cstate="print">
+            <a:extLst>
+              <a:ext uri="{28A0092B-C50C-407E-A947-70E740481C1C}">
+                <a14:useLocalDpi xmlns:a14="http://schemas.microsoft.com/office/drawing/2010/main" val="0"/>
+              </a:ext>
+            </a:extLst>
+          </a:blip>
+          <a:stretch>
+            <a:fillRect/>
+          </a:stretch>
+        </p:blipFill>
+        <p:spPr>
+          <a:xfrm>
+            <a:off x="1261533" y="1581679"/>
+            <a:ext cx="4377267" cy="4392361"/>
+          </a:xfrm>
+          <a:prstGeom prst="rect">
+            <a:avLst/>
+          </a:prstGeom>
+        </p:spPr>
+      </p:pic>
+      <p:sp>
+        <p:nvSpPr>
+          <p:cNvPr id="6" name="Textfeld 5"/>
+          <p:cNvSpPr txBox="1"/>
+          <p:nvPr/>
+        </p:nvSpPr>
+        <p:spPr>
+          <a:xfrm>
+            <a:off x="1983762" y="5974040"/>
+            <a:ext cx="3271473" cy="523220"/>
+          </a:xfrm>
+          <a:prstGeom prst="rect">
+            <a:avLst/>
+          </a:prstGeom>
+          <a:noFill/>
+        </p:spPr>
+        <p:txBody>
+          <a:bodyPr wrap="none" rtlCol="0">
+            <a:spAutoFit/>
+          </a:bodyPr>
+          <a:lstStyle/>
+          <a:p>
+            <a:r>
+              <a:rPr lang="en-GB" sz="2800" dirty="0" smtClean="0"/>
+              <a:t>2D Fourier Transform</a:t>
+            </a:r>
+            <a:endParaRPr lang="en-GB" sz="2800" dirty="0"/>
+          </a:p>
+        </p:txBody>
+      </p:sp>
+      <p:sp>
+        <p:nvSpPr>
+          <p:cNvPr id="7" name="Textfeld 6"/>
+          <p:cNvSpPr txBox="1"/>
+          <p:nvPr/>
+        </p:nvSpPr>
+        <p:spPr>
+          <a:xfrm>
+            <a:off x="7147630" y="5974040"/>
+            <a:ext cx="2837956" cy="523220"/>
+          </a:xfrm>
+          <a:prstGeom prst="rect">
+            <a:avLst/>
+          </a:prstGeom>
+          <a:noFill/>
+        </p:spPr>
+        <p:txBody>
+          <a:bodyPr wrap="none" rtlCol="0">
+            <a:spAutoFit/>
+          </a:bodyPr>
+          <a:lstStyle/>
+          <a:p>
+            <a:r>
+              <a:rPr lang="en-GB" sz="2800" dirty="0" smtClean="0"/>
+              <a:t>With w-correction</a:t>
+            </a:r>
+            <a:endParaRPr lang="en-GB" sz="2800" dirty="0"/>
+          </a:p>
+        </p:txBody>
+      </p:sp>
+    </p:spTree>
+    <p:extLst>
+      <p:ext uri="{BB962C8B-B14F-4D97-AF65-F5344CB8AC3E}">
+        <p14:creationId xmlns:p14="http://schemas.microsoft.com/office/powerpoint/2010/main" val="405049423"/>
+      </p:ext>
+    </p:extLst>
+  </p:cSld>
+  <p:clrMapOvr>
+    <a:masterClrMapping/>
+  </p:clrMapOvr>
+</p:sld>
+</file>
+
+<file path=ppt/slides/slide38.xml><?xml version="1.0" encoding="utf-8"?>
+<p:sld xmlns:a="http://schemas.openxmlformats.org/drawingml/2006/main" xmlns:r="http://schemas.openxmlformats.org/officeDocument/2006/relationships" xmlns:p="http://schemas.openxmlformats.org/presentationml/2006/main">
+  <p:cSld>
+    <p:spTree>
+      <p:nvGrpSpPr>
+        <p:cNvPr id="1" name=""/>
+        <p:cNvGrpSpPr/>
+        <p:nvPr/>
+      </p:nvGrpSpPr>
+      <p:grpSpPr>
+        <a:xfrm>
+          <a:off x="0" y="0"/>
+          <a:ext cx="0" cy="0"/>
+          <a:chOff x="0" y="0"/>
+          <a:chExt cx="0" cy="0"/>
+        </a:xfrm>
+      </p:grpSpPr>
+      <p:sp>
+        <p:nvSpPr>
+          <p:cNvPr id="2" name="Titel 1"/>
+          <p:cNvSpPr>
+            <a:spLocks noGrp="1"/>
+          </p:cNvSpPr>
+          <p:nvPr>
+            <p:ph type="title"/>
+          </p:nvPr>
+        </p:nvSpPr>
+        <p:spPr/>
+        <p:txBody>
+          <a:bodyPr/>
+          <a:lstStyle/>
+          <a:p>
+            <a:r>
+              <a:rPr lang="en-GB" dirty="0" smtClean="0"/>
+              <a:t>Wide Field of View</a:t>
+            </a:r>
+            <a:endParaRPr lang="en-GB" dirty="0"/>
+          </a:p>
+        </p:txBody>
+      </p:sp>
+      <p:pic>
+        <p:nvPicPr>
+          <p:cNvPr id="10" name="Grafik 9"/>
+          <p:cNvPicPr>
+            <a:picLocks noChangeAspect="1"/>
+          </p:cNvPicPr>
+          <p:nvPr/>
+        </p:nvPicPr>
+        <p:blipFill>
+          <a:blip r:embed="rId2">
+            <a:extLst>
+              <a:ext uri="{28A0092B-C50C-407E-A947-70E740481C1C}">
+                <a14:useLocalDpi xmlns:a14="http://schemas.microsoft.com/office/drawing/2010/main" val="0"/>
+              </a:ext>
+            </a:extLst>
+          </a:blip>
+          <a:stretch>
+            <a:fillRect/>
+          </a:stretch>
+        </p:blipFill>
+        <p:spPr>
+          <a:xfrm>
+            <a:off x="2484966" y="2180798"/>
+            <a:ext cx="7222067" cy="1025068"/>
+          </a:xfrm>
+          <a:prstGeom prst="rect">
+            <a:avLst/>
+          </a:prstGeom>
+        </p:spPr>
+      </p:pic>
+      <p:pic>
+        <p:nvPicPr>
+          <p:cNvPr id="12" name="Inhaltsplatzhalter 11"/>
+          <p:cNvPicPr>
+            <a:picLocks noGrp="1" noChangeAspect="1"/>
+          </p:cNvPicPr>
+          <p:nvPr>
+            <p:ph idx="1"/>
+          </p:nvPr>
+        </p:nvPicPr>
+        <p:blipFill>
+          <a:blip r:embed="rId3">
+            <a:extLst>
+              <a:ext uri="{28A0092B-C50C-407E-A947-70E740481C1C}">
+                <a14:useLocalDpi xmlns:a14="http://schemas.microsoft.com/office/drawing/2010/main" val="0"/>
+              </a:ext>
+            </a:extLst>
+          </a:blip>
+          <a:stretch>
+            <a:fillRect/>
+          </a:stretch>
+        </p:blipFill>
+        <p:spPr>
+          <a:xfrm>
+            <a:off x="747712" y="3695977"/>
+            <a:ext cx="10515600" cy="915433"/>
+          </a:xfrm>
+        </p:spPr>
+      </p:pic>
+    </p:spTree>
+    <p:extLst>
+      <p:ext uri="{BB962C8B-B14F-4D97-AF65-F5344CB8AC3E}">
+        <p14:creationId xmlns:p14="http://schemas.microsoft.com/office/powerpoint/2010/main" val="2316829888"/>
+      </p:ext>
+    </p:extLst>
+  </p:cSld>
+  <p:clrMapOvr>
+    <a:masterClrMapping/>
+  </p:clrMapOvr>
+</p:sld>
+</file>
+
+<file path=ppt/slides/slide39.xml><?xml version="1.0" encoding="utf-8"?>
+<p:sld xmlns:a="http://schemas.openxmlformats.org/drawingml/2006/main" xmlns:r="http://schemas.openxmlformats.org/officeDocument/2006/relationships" xmlns:p="http://schemas.openxmlformats.org/presentationml/2006/main">
+  <p:cSld>
+    <p:spTree>
+      <p:nvGrpSpPr>
+        <p:cNvPr id="1" name=""/>
+        <p:cNvGrpSpPr/>
+        <p:nvPr/>
+      </p:nvGrpSpPr>
+      <p:grpSpPr>
+        <a:xfrm>
+          <a:off x="0" y="0"/>
+          <a:ext cx="0" cy="0"/>
+          <a:chOff x="0" y="0"/>
+          <a:chExt cx="0" cy="0"/>
+        </a:xfrm>
+      </p:grpSpPr>
+      <p:sp>
+        <p:nvSpPr>
+          <p:cNvPr id="2" name="Titel 1"/>
+          <p:cNvSpPr>
+            <a:spLocks noGrp="1"/>
+          </p:cNvSpPr>
+          <p:nvPr>
+            <p:ph type="title"/>
+          </p:nvPr>
+        </p:nvSpPr>
+        <p:spPr/>
+        <p:txBody>
+          <a:bodyPr/>
+          <a:lstStyle/>
+          <a:p>
+            <a:r>
+              <a:rPr lang="en-GB" dirty="0" smtClean="0"/>
+              <a:t>Calibration</a:t>
+            </a:r>
+            <a:endParaRPr lang="en-GB" dirty="0"/>
+          </a:p>
+        </p:txBody>
+      </p:sp>
+      <p:pic>
+        <p:nvPicPr>
+          <p:cNvPr id="6" name="Inhaltsplatzhalter 3"/>
+          <p:cNvPicPr>
+            <a:picLocks noChangeAspect="1"/>
+          </p:cNvPicPr>
+          <p:nvPr/>
+        </p:nvPicPr>
+        <p:blipFill>
+          <a:blip r:embed="rId2">
+            <a:extLst>
+              <a:ext uri="{28A0092B-C50C-407E-A947-70E740481C1C}">
+                <a14:useLocalDpi xmlns:a14="http://schemas.microsoft.com/office/drawing/2010/main" val="0"/>
+              </a:ext>
+            </a:extLst>
+          </a:blip>
+          <a:stretch>
+            <a:fillRect/>
+          </a:stretch>
+        </p:blipFill>
+        <p:spPr>
+          <a:xfrm>
+            <a:off x="1214436" y="3561039"/>
+            <a:ext cx="9763125" cy="1238250"/>
+          </a:xfrm>
+          <a:prstGeom prst="rect">
+            <a:avLst/>
+          </a:prstGeom>
+        </p:spPr>
+      </p:pic>
+      <p:pic>
+        <p:nvPicPr>
+          <p:cNvPr id="7" name="Inhaltsplatzhalter 5"/>
+          <p:cNvPicPr>
+            <a:picLocks noGrp="1" noChangeAspect="1"/>
+          </p:cNvPicPr>
+          <p:nvPr>
+            <p:ph idx="1"/>
+          </p:nvPr>
+        </p:nvPicPr>
+        <p:blipFill>
+          <a:blip r:embed="rId3">
+            <a:extLst>
+              <a:ext uri="{28A0092B-C50C-407E-A947-70E740481C1C}">
+                <a14:useLocalDpi xmlns:a14="http://schemas.microsoft.com/office/drawing/2010/main" val="0"/>
+              </a:ext>
+            </a:extLst>
+          </a:blip>
+          <a:stretch>
+            <a:fillRect/>
+          </a:stretch>
+        </p:blipFill>
+        <p:spPr>
+          <a:xfrm>
+            <a:off x="1083185" y="2272470"/>
+            <a:ext cx="9591675" cy="1047750"/>
+          </a:xfrm>
+        </p:spPr>
+      </p:pic>
+    </p:spTree>
+    <p:extLst>
+      <p:ext uri="{BB962C8B-B14F-4D97-AF65-F5344CB8AC3E}">
+        <p14:creationId xmlns:p14="http://schemas.microsoft.com/office/powerpoint/2010/main" val="1106582319"/>
+      </p:ext>
+    </p:extLst>
+  </p:cSld>
+  <p:clrMapOvr>
+    <a:masterClrMapping/>
+  </p:clrMapOvr>
+</p:sld>
+</file>
+
+<file path=ppt/slides/slide4.xml><?xml version="1.0" encoding="utf-8"?>
+<p:sld xmlns:a="http://schemas.openxmlformats.org/drawingml/2006/main" xmlns:r="http://schemas.openxmlformats.org/officeDocument/2006/relationships" xmlns:p="http://schemas.openxmlformats.org/presentationml/2006/main">
+  <p:cSld>
+    <p:spTree>
+      <p:nvGrpSpPr>
+        <p:cNvPr id="1" name=""/>
+        <p:cNvGrpSpPr/>
+        <p:nvPr/>
+      </p:nvGrpSpPr>
+      <p:grpSpPr>
+        <a:xfrm>
+          <a:off x="0" y="0"/>
+          <a:ext cx="0" cy="0"/>
+          <a:chOff x="0" y="0"/>
+          <a:chExt cx="0" cy="0"/>
+        </a:xfrm>
+      </p:grpSpPr>
+      <p:sp>
+        <p:nvSpPr>
+          <p:cNvPr id="2" name="Titel 1"/>
+          <p:cNvSpPr>
+            <a:spLocks noGrp="1"/>
+          </p:cNvSpPr>
+          <p:nvPr>
+            <p:ph type="title"/>
+          </p:nvPr>
+        </p:nvSpPr>
+        <p:spPr/>
+        <p:txBody>
+          <a:bodyPr/>
+          <a:lstStyle/>
+          <a:p>
+            <a:r>
+              <a:rPr lang="en-GB" dirty="0" smtClean="0"/>
+              <a:t>Why Compressed Sensing</a:t>
+            </a:r>
+            <a:endParaRPr lang="en-GB" dirty="0"/>
+          </a:p>
+        </p:txBody>
+      </p:sp>
+      <p:sp>
+        <p:nvSpPr>
+          <p:cNvPr id="3" name="Inhaltsplatzhalter 2"/>
+          <p:cNvSpPr>
+            <a:spLocks noGrp="1"/>
+          </p:cNvSpPr>
+          <p:nvPr>
+            <p:ph idx="1"/>
+          </p:nvPr>
+        </p:nvSpPr>
+        <p:spPr/>
+        <p:txBody>
+          <a:bodyPr/>
+          <a:lstStyle/>
+          <a:p>
+            <a:endParaRPr lang="en-GB"/>
+          </a:p>
+        </p:txBody>
+      </p:sp>
+    </p:spTree>
+    <p:extLst>
+      <p:ext uri="{BB962C8B-B14F-4D97-AF65-F5344CB8AC3E}">
+        <p14:creationId xmlns:p14="http://schemas.microsoft.com/office/powerpoint/2010/main" val="1631230836"/>
+      </p:ext>
+    </p:extLst>
+  </p:cSld>
+  <p:clrMapOvr>
+    <a:masterClrMapping/>
+  </p:clrMapOvr>
+</p:sld>
+</file>
+
+<file path=ppt/slides/slide40.xml><?xml version="1.0" encoding="utf-8"?>
+<p:sld xmlns:a="http://schemas.openxmlformats.org/drawingml/2006/main" xmlns:r="http://schemas.openxmlformats.org/officeDocument/2006/relationships" xmlns:p="http://schemas.openxmlformats.org/presentationml/2006/main">
+  <p:cSld>
+    <p:spTree>
+      <p:nvGrpSpPr>
+        <p:cNvPr id="1" name=""/>
+        <p:cNvGrpSpPr/>
+        <p:nvPr/>
+      </p:nvGrpSpPr>
+      <p:grpSpPr>
+        <a:xfrm>
+          <a:off x="0" y="0"/>
+          <a:ext cx="0" cy="0"/>
+          <a:chOff x="0" y="0"/>
+          <a:chExt cx="0" cy="0"/>
+        </a:xfrm>
+      </p:grpSpPr>
+      <p:sp>
+        <p:nvSpPr>
+          <p:cNvPr id="2" name="Titel 1"/>
+          <p:cNvSpPr>
+            <a:spLocks noGrp="1"/>
+          </p:cNvSpPr>
+          <p:nvPr>
+            <p:ph type="title"/>
+          </p:nvPr>
+        </p:nvSpPr>
+        <p:spPr/>
+        <p:txBody>
+          <a:bodyPr/>
+          <a:lstStyle/>
+          <a:p>
+            <a:r>
+              <a:rPr lang="en-GB" dirty="0" smtClean="0"/>
+              <a:t>Starlet</a:t>
+            </a:r>
+            <a:endParaRPr lang="en-GB" dirty="0"/>
+          </a:p>
+        </p:txBody>
+      </p:sp>
+      <p:pic>
+        <p:nvPicPr>
+          <p:cNvPr id="4" name="Inhaltsplatzhalter 3"/>
+          <p:cNvPicPr>
+            <a:picLocks noGrp="1" noChangeAspect="1"/>
+          </p:cNvPicPr>
+          <p:nvPr>
+            <p:ph idx="1"/>
+          </p:nvPr>
+        </p:nvPicPr>
+        <p:blipFill>
+          <a:blip r:embed="rId2">
+            <a:extLst>
+              <a:ext uri="{28A0092B-C50C-407E-A947-70E740481C1C}">
+                <a14:useLocalDpi xmlns:a14="http://schemas.microsoft.com/office/drawing/2010/main" val="0"/>
+              </a:ext>
+            </a:extLst>
+          </a:blip>
+          <a:stretch>
+            <a:fillRect/>
+          </a:stretch>
+        </p:blipFill>
+        <p:spPr>
+          <a:xfrm>
+            <a:off x="3490548" y="1964931"/>
+            <a:ext cx="5344535" cy="3986417"/>
+          </a:xfrm>
+        </p:spPr>
+      </p:pic>
+    </p:spTree>
+    <p:extLst>
+      <p:ext uri="{BB962C8B-B14F-4D97-AF65-F5344CB8AC3E}">
+        <p14:creationId xmlns:p14="http://schemas.microsoft.com/office/powerpoint/2010/main" val="3175454009"/>
+      </p:ext>
+    </p:extLst>
+  </p:cSld>
+  <p:clrMapOvr>
+    <a:masterClrMapping/>
+  </p:clrMapOvr>
+</p:sld>
+</file>
+
+<file path=ppt/slides/slide41.xml><?xml version="1.0" encoding="utf-8"?>
+<p:sld xmlns:a="http://schemas.openxmlformats.org/drawingml/2006/main" xmlns:r="http://schemas.openxmlformats.org/officeDocument/2006/relationships" xmlns:p="http://schemas.openxmlformats.org/presentationml/2006/main">
+  <p:cSld>
+    <p:spTree>
+      <p:nvGrpSpPr>
+        <p:cNvPr id="1" name=""/>
+        <p:cNvGrpSpPr/>
+        <p:nvPr/>
+      </p:nvGrpSpPr>
+      <p:grpSpPr>
+        <a:xfrm>
+          <a:off x="0" y="0"/>
+          <a:ext cx="0" cy="0"/>
+          <a:chOff x="0" y="0"/>
+          <a:chExt cx="0" cy="0"/>
+        </a:xfrm>
+      </p:grpSpPr>
+      <p:sp>
+        <p:nvSpPr>
+          <p:cNvPr id="9" name="Rechteck 8"/>
+          <p:cNvSpPr/>
+          <p:nvPr/>
+        </p:nvSpPr>
+        <p:spPr>
+          <a:xfrm>
+            <a:off x="4427621" y="4283242"/>
+            <a:ext cx="529389" cy="757990"/>
+          </a:xfrm>
+          <a:prstGeom prst="rect">
+            <a:avLst/>
+          </a:prstGeom>
+          <a:solidFill>
+            <a:schemeClr val="accent2">
+              <a:lumMod val="75000"/>
+            </a:schemeClr>
+          </a:solidFill>
+        </p:spPr>
+        <p:style>
+          <a:lnRef idx="2">
+            <a:schemeClr val="accent1">
+              <a:shade val="50000"/>
+            </a:schemeClr>
+          </a:lnRef>
+          <a:fillRef idx="1">
+            <a:schemeClr val="accent1"/>
+          </a:fillRef>
+          <a:effectRef idx="0">
+            <a:schemeClr val="accent1"/>
+          </a:effectRef>
+          <a:fontRef idx="minor">
+            <a:schemeClr val="lt1"/>
+          </a:fontRef>
+        </p:style>
+        <p:txBody>
+          <a:bodyPr rtlCol="0" anchor="ctr"/>
+          <a:lstStyle/>
+          <a:p>
+            <a:pPr algn="ctr"/>
+            <a:endParaRPr lang="en-GB"/>
+          </a:p>
+        </p:txBody>
+      </p:sp>
+      <p:pic>
+        <p:nvPicPr>
+          <p:cNvPr id="8" name="Grafik 7"/>
+          <p:cNvPicPr>
+            <a:picLocks noChangeAspect="1"/>
+          </p:cNvPicPr>
+          <p:nvPr/>
+        </p:nvPicPr>
+        <p:blipFill>
+          <a:blip r:embed="rId2">
+            <a:extLst>
+              <a:ext uri="{28A0092B-C50C-407E-A947-70E740481C1C}">
+                <a14:useLocalDpi xmlns:a14="http://schemas.microsoft.com/office/drawing/2010/main" val="0"/>
+              </a:ext>
+            </a:extLst>
+          </a:blip>
+          <a:stretch>
+            <a:fillRect/>
+          </a:stretch>
+        </p:blipFill>
+        <p:spPr>
+          <a:xfrm>
+            <a:off x="838200" y="4330700"/>
+            <a:ext cx="4467225" cy="866775"/>
+          </a:xfrm>
+          <a:prstGeom prst="rect">
+            <a:avLst/>
+          </a:prstGeom>
+        </p:spPr>
+      </p:pic>
+      <p:sp>
+        <p:nvSpPr>
+          <p:cNvPr id="7" name="Rechteck 6"/>
+          <p:cNvSpPr/>
+          <p:nvPr/>
+        </p:nvSpPr>
+        <p:spPr>
+          <a:xfrm>
+            <a:off x="7485888" y="3021806"/>
+            <a:ext cx="1511808" cy="771271"/>
+          </a:xfrm>
+          <a:prstGeom prst="rect">
+            <a:avLst/>
+          </a:prstGeom>
+          <a:solidFill>
+            <a:schemeClr val="accent2">
+              <a:lumMod val="75000"/>
+            </a:schemeClr>
+          </a:solidFill>
+        </p:spPr>
+        <p:style>
+          <a:lnRef idx="2">
+            <a:schemeClr val="accent1">
+              <a:shade val="50000"/>
+            </a:schemeClr>
+          </a:lnRef>
+          <a:fillRef idx="1">
+            <a:schemeClr val="accent1"/>
+          </a:fillRef>
+          <a:effectRef idx="0">
+            <a:schemeClr val="accent1"/>
+          </a:effectRef>
+          <a:fontRef idx="minor">
+            <a:schemeClr val="lt1"/>
+          </a:fontRef>
+        </p:style>
+        <p:txBody>
+          <a:bodyPr rtlCol="0" anchor="ctr"/>
+          <a:lstStyle/>
+          <a:p>
+            <a:pPr algn="ctr"/>
+            <a:endParaRPr lang="en-GB"/>
+          </a:p>
+        </p:txBody>
+      </p:sp>
+      <p:pic>
+        <p:nvPicPr>
+          <p:cNvPr id="6" name="Grafik 5"/>
+          <p:cNvPicPr>
+            <a:picLocks noChangeAspect="1"/>
+          </p:cNvPicPr>
+          <p:nvPr/>
+        </p:nvPicPr>
+        <p:blipFill>
+          <a:blip r:embed="rId3">
+            <a:extLst>
+              <a:ext uri="{28A0092B-C50C-407E-A947-70E740481C1C}">
+                <a14:useLocalDpi xmlns:a14="http://schemas.microsoft.com/office/drawing/2010/main" val="0"/>
+              </a:ext>
+            </a:extLst>
+          </a:blip>
+          <a:stretch>
+            <a:fillRect/>
+          </a:stretch>
+        </p:blipFill>
+        <p:spPr>
+          <a:xfrm>
+            <a:off x="838200" y="2886869"/>
+            <a:ext cx="10963275" cy="1114425"/>
+          </a:xfrm>
+          <a:prstGeom prst="rect">
+            <a:avLst/>
+          </a:prstGeom>
+        </p:spPr>
+      </p:pic>
+      <p:sp>
+        <p:nvSpPr>
+          <p:cNvPr id="4" name="Rechteck 3"/>
+          <p:cNvSpPr/>
+          <p:nvPr/>
+        </p:nvSpPr>
+        <p:spPr>
+          <a:xfrm>
+            <a:off x="3302128" y="1841103"/>
+            <a:ext cx="1219200" cy="771271"/>
+          </a:xfrm>
+          <a:prstGeom prst="rect">
+            <a:avLst/>
+          </a:prstGeom>
+          <a:solidFill>
+            <a:schemeClr val="accent2">
+              <a:lumMod val="75000"/>
+            </a:schemeClr>
+          </a:solidFill>
+        </p:spPr>
+        <p:style>
+          <a:lnRef idx="2">
+            <a:schemeClr val="accent1">
+              <a:shade val="50000"/>
+            </a:schemeClr>
+          </a:lnRef>
+          <a:fillRef idx="1">
+            <a:schemeClr val="accent1"/>
+          </a:fillRef>
+          <a:effectRef idx="0">
+            <a:schemeClr val="accent1"/>
+          </a:effectRef>
+          <a:fontRef idx="minor">
+            <a:schemeClr val="lt1"/>
+          </a:fontRef>
+        </p:style>
+        <p:txBody>
+          <a:bodyPr rtlCol="0" anchor="ctr"/>
+          <a:lstStyle/>
+          <a:p>
+            <a:pPr algn="ctr"/>
+            <a:endParaRPr lang="en-GB"/>
+          </a:p>
+        </p:txBody>
+      </p:sp>
+      <p:sp>
+        <p:nvSpPr>
+          <p:cNvPr id="2" name="Titel 1"/>
+          <p:cNvSpPr>
+            <a:spLocks noGrp="1"/>
+          </p:cNvSpPr>
+          <p:nvPr>
+            <p:ph type="title"/>
+          </p:nvPr>
+        </p:nvSpPr>
+        <p:spPr/>
+        <p:txBody>
+          <a:bodyPr/>
+          <a:lstStyle/>
+          <a:p>
+            <a:r>
+              <a:rPr lang="en-GB" dirty="0"/>
+              <a:t>CLEAN and the non-uniform FFT</a:t>
+            </a:r>
+          </a:p>
+        </p:txBody>
+      </p:sp>
+      <p:pic>
+        <p:nvPicPr>
+          <p:cNvPr id="5" name="Grafik 4"/>
+          <p:cNvPicPr>
+            <a:picLocks noChangeAspect="1"/>
+          </p:cNvPicPr>
+          <p:nvPr/>
+        </p:nvPicPr>
+        <p:blipFill>
+          <a:blip r:embed="rId4">
+            <a:extLst>
+              <a:ext uri="{28A0092B-C50C-407E-A947-70E740481C1C}">
+                <a14:useLocalDpi xmlns:a14="http://schemas.microsoft.com/office/drawing/2010/main" val="0"/>
+              </a:ext>
+            </a:extLst>
+          </a:blip>
+          <a:stretch>
+            <a:fillRect/>
+          </a:stretch>
+        </p:blipFill>
+        <p:spPr>
+          <a:xfrm>
+            <a:off x="838200" y="1841103"/>
+            <a:ext cx="4171950" cy="895350"/>
+          </a:xfrm>
+          <a:prstGeom prst="rect">
+            <a:avLst/>
+          </a:prstGeom>
+        </p:spPr>
+      </p:pic>
+      <p:sp>
+        <p:nvSpPr>
+          <p:cNvPr id="10" name="Freihandform 9"/>
           <p:cNvSpPr/>
           <p:nvPr/>
         </p:nvSpPr>
@@ -5075,3319 +8666,7 @@
     </p:spTree>
     <p:extLst>
       <p:ext uri="{BB962C8B-B14F-4D97-AF65-F5344CB8AC3E}">
-        <p14:creationId xmlns:p14="http://schemas.microsoft.com/office/powerpoint/2010/main" val="243269243"/>
-      </p:ext>
-    </p:extLst>
-  </p:cSld>
-  <p:clrMapOvr>
-    <a:masterClrMapping/>
-  </p:clrMapOvr>
-</p:sld>
-</file>
-
-<file path=ppt/slides/slide17.xml><?xml version="1.0" encoding="utf-8"?>
-<p:sld xmlns:a="http://schemas.openxmlformats.org/drawingml/2006/main" xmlns:r="http://schemas.openxmlformats.org/officeDocument/2006/relationships" xmlns:p="http://schemas.openxmlformats.org/presentationml/2006/main">
-  <p:cSld>
-    <p:spTree>
-      <p:nvGrpSpPr>
-        <p:cNvPr id="1" name=""/>
-        <p:cNvGrpSpPr/>
-        <p:nvPr/>
-      </p:nvGrpSpPr>
-      <p:grpSpPr>
-        <a:xfrm>
-          <a:off x="0" y="0"/>
-          <a:ext cx="0" cy="0"/>
-          <a:chOff x="0" y="0"/>
-          <a:chExt cx="0" cy="0"/>
-        </a:xfrm>
-      </p:grpSpPr>
-      <p:sp>
-        <p:nvSpPr>
-          <p:cNvPr id="2" name="Titel 1"/>
-          <p:cNvSpPr>
-            <a:spLocks noGrp="1"/>
-          </p:cNvSpPr>
-          <p:nvPr>
-            <p:ph type="title"/>
-          </p:nvPr>
-        </p:nvSpPr>
-        <p:spPr/>
-        <p:txBody>
-          <a:bodyPr/>
-          <a:lstStyle/>
-          <a:p>
-            <a:r>
-              <a:rPr lang="en-GB" dirty="0" smtClean="0"/>
-              <a:t>Compressed Sensing</a:t>
-            </a:r>
-            <a:endParaRPr lang="en-GB" dirty="0"/>
-          </a:p>
-        </p:txBody>
-      </p:sp>
-      <p:sp>
-        <p:nvSpPr>
-          <p:cNvPr id="3" name="Inhaltsplatzhalter 2"/>
-          <p:cNvSpPr>
-            <a:spLocks noGrp="1"/>
-          </p:cNvSpPr>
-          <p:nvPr>
-            <p:ph idx="1"/>
-          </p:nvPr>
-        </p:nvSpPr>
-        <p:spPr/>
-        <p:txBody>
-          <a:bodyPr/>
-          <a:lstStyle/>
-          <a:p>
-            <a:endParaRPr lang="en-GB"/>
-          </a:p>
-        </p:txBody>
-      </p:sp>
-    </p:spTree>
-    <p:extLst>
-      <p:ext uri="{BB962C8B-B14F-4D97-AF65-F5344CB8AC3E}">
-        <p14:creationId xmlns:p14="http://schemas.microsoft.com/office/powerpoint/2010/main" val="2111302720"/>
-      </p:ext>
-    </p:extLst>
-  </p:cSld>
-  <p:clrMapOvr>
-    <a:masterClrMapping/>
-  </p:clrMapOvr>
-</p:sld>
-</file>
-
-<file path=ppt/slides/slide18.xml><?xml version="1.0" encoding="utf-8"?>
-<p:sld xmlns:a="http://schemas.openxmlformats.org/drawingml/2006/main" xmlns:r="http://schemas.openxmlformats.org/officeDocument/2006/relationships" xmlns:p="http://schemas.openxmlformats.org/presentationml/2006/main">
-  <p:cSld>
-    <p:spTree>
-      <p:nvGrpSpPr>
-        <p:cNvPr id="1" name=""/>
-        <p:cNvGrpSpPr/>
-        <p:nvPr/>
-      </p:nvGrpSpPr>
-      <p:grpSpPr>
-        <a:xfrm>
-          <a:off x="0" y="0"/>
-          <a:ext cx="0" cy="0"/>
-          <a:chOff x="0" y="0"/>
-          <a:chExt cx="0" cy="0"/>
-        </a:xfrm>
-      </p:grpSpPr>
-      <p:sp>
-        <p:nvSpPr>
-          <p:cNvPr id="2" name="Titel 1"/>
-          <p:cNvSpPr>
-            <a:spLocks noGrp="1"/>
-          </p:cNvSpPr>
-          <p:nvPr>
-            <p:ph type="title"/>
-          </p:nvPr>
-        </p:nvSpPr>
-        <p:spPr/>
-        <p:txBody>
-          <a:bodyPr/>
-          <a:lstStyle/>
-          <a:p>
-            <a:r>
-              <a:rPr lang="en-GB" dirty="0" smtClean="0"/>
-              <a:t>Compressed Sensing (approx.)</a:t>
-            </a:r>
-            <a:endParaRPr lang="en-GB" dirty="0"/>
-          </a:p>
-        </p:txBody>
-      </p:sp>
-      <p:pic>
-        <p:nvPicPr>
-          <p:cNvPr id="9" name="Inhaltsplatzhalter 6"/>
-          <p:cNvPicPr>
-            <a:picLocks noChangeAspect="1"/>
-          </p:cNvPicPr>
-          <p:nvPr/>
-        </p:nvPicPr>
-        <p:blipFill>
-          <a:blip r:embed="rId2">
-            <a:extLst>
-              <a:ext uri="{28A0092B-C50C-407E-A947-70E740481C1C}">
-                <a14:useLocalDpi xmlns:a14="http://schemas.microsoft.com/office/drawing/2010/main" val="0"/>
-              </a:ext>
-            </a:extLst>
-          </a:blip>
-          <a:stretch>
-            <a:fillRect/>
-          </a:stretch>
-        </p:blipFill>
-        <p:spPr>
-          <a:xfrm>
-            <a:off x="1218818" y="1573736"/>
-            <a:ext cx="4962525" cy="904875"/>
-          </a:xfrm>
-          <a:prstGeom prst="rect">
-            <a:avLst/>
-          </a:prstGeom>
-        </p:spPr>
-      </p:pic>
-      <p:pic>
-        <p:nvPicPr>
-          <p:cNvPr id="11" name="Grafik 10"/>
-          <p:cNvPicPr>
-            <a:picLocks noChangeAspect="1"/>
-          </p:cNvPicPr>
-          <p:nvPr/>
-        </p:nvPicPr>
-        <p:blipFill>
-          <a:blip r:embed="rId3">
-            <a:extLst>
-              <a:ext uri="{28A0092B-C50C-407E-A947-70E740481C1C}">
-                <a14:useLocalDpi xmlns:a14="http://schemas.microsoft.com/office/drawing/2010/main" val="0"/>
-              </a:ext>
-            </a:extLst>
-          </a:blip>
-          <a:stretch>
-            <a:fillRect/>
-          </a:stretch>
-        </p:blipFill>
-        <p:spPr>
-          <a:xfrm>
-            <a:off x="1218818" y="4299703"/>
-            <a:ext cx="4467225" cy="866775"/>
-          </a:xfrm>
-          <a:prstGeom prst="rect">
-            <a:avLst/>
-          </a:prstGeom>
-        </p:spPr>
-      </p:pic>
-      <p:pic>
-        <p:nvPicPr>
-          <p:cNvPr id="6" name="Inhaltsplatzhalter 5"/>
-          <p:cNvPicPr>
-            <a:picLocks noChangeAspect="1"/>
-          </p:cNvPicPr>
-          <p:nvPr/>
-        </p:nvPicPr>
-        <p:blipFill>
-          <a:blip r:embed="rId4">
-            <a:extLst>
-              <a:ext uri="{BEBA8EAE-BF5A-486C-A8C5-ECC9F3942E4B}">
-                <a14:imgProps xmlns:a14="http://schemas.microsoft.com/office/drawing/2010/main">
-                  <a14:imgLayer r:embed="rId5">
-                    <a14:imgEffect>
-                      <a14:brightnessContrast contrast="-100000"/>
-                    </a14:imgEffect>
-                  </a14:imgLayer>
-                </a14:imgProps>
-              </a:ext>
-              <a:ext uri="{28A0092B-C50C-407E-A947-70E740481C1C}">
-                <a14:useLocalDpi xmlns:a14="http://schemas.microsoft.com/office/drawing/2010/main" val="0"/>
-              </a:ext>
-            </a:extLst>
-          </a:blip>
-          <a:stretch>
-            <a:fillRect/>
-          </a:stretch>
-        </p:blipFill>
-        <p:spPr>
-          <a:xfrm>
-            <a:off x="8787003" y="3357563"/>
-            <a:ext cx="647700" cy="66675"/>
-          </a:xfrm>
-          <a:prstGeom prst="rect">
-            <a:avLst/>
-          </a:prstGeom>
-        </p:spPr>
-      </p:pic>
-      <p:pic>
-        <p:nvPicPr>
-          <p:cNvPr id="7" name="Grafik 6"/>
-          <p:cNvPicPr>
-            <a:picLocks noChangeAspect="1"/>
-          </p:cNvPicPr>
-          <p:nvPr/>
-        </p:nvPicPr>
-        <p:blipFill>
-          <a:blip r:embed="rId6">
-            <a:extLst>
-              <a:ext uri="{BEBA8EAE-BF5A-486C-A8C5-ECC9F3942E4B}">
-                <a14:imgProps xmlns:a14="http://schemas.microsoft.com/office/drawing/2010/main">
-                  <a14:imgLayer r:embed="rId7">
-                    <a14:imgEffect>
-                      <a14:brightnessContrast contrast="-100000"/>
-                    </a14:imgEffect>
-                  </a14:imgLayer>
-                </a14:imgProps>
-              </a:ext>
-              <a:ext uri="{28A0092B-C50C-407E-A947-70E740481C1C}">
-                <a14:useLocalDpi xmlns:a14="http://schemas.microsoft.com/office/drawing/2010/main" val="0"/>
-              </a:ext>
-            </a:extLst>
-          </a:blip>
-          <a:stretch>
-            <a:fillRect/>
-          </a:stretch>
-        </p:blipFill>
-        <p:spPr>
-          <a:xfrm>
-            <a:off x="7124891" y="1690688"/>
-            <a:ext cx="4171950" cy="895350"/>
-          </a:xfrm>
-          <a:prstGeom prst="rect">
-            <a:avLst/>
-          </a:prstGeom>
-        </p:spPr>
-      </p:pic>
-      <p:pic>
-        <p:nvPicPr>
-          <p:cNvPr id="8" name="Grafik 7"/>
-          <p:cNvPicPr>
-            <a:picLocks noChangeAspect="1"/>
-          </p:cNvPicPr>
-          <p:nvPr/>
-        </p:nvPicPr>
-        <p:blipFill>
-          <a:blip r:embed="rId8">
-            <a:extLst>
-              <a:ext uri="{BEBA8EAE-BF5A-486C-A8C5-ECC9F3942E4B}">
-                <a14:imgProps xmlns:a14="http://schemas.microsoft.com/office/drawing/2010/main">
-                  <a14:imgLayer r:embed="rId9">
-                    <a14:imgEffect>
-                      <a14:brightnessContrast contrast="-100000"/>
-                    </a14:imgEffect>
-                  </a14:imgLayer>
-                </a14:imgProps>
-              </a:ext>
-              <a:ext uri="{28A0092B-C50C-407E-A947-70E740481C1C}">
-                <a14:useLocalDpi xmlns:a14="http://schemas.microsoft.com/office/drawing/2010/main" val="0"/>
-              </a:ext>
-            </a:extLst>
-          </a:blip>
-          <a:stretch>
-            <a:fillRect/>
-          </a:stretch>
-        </p:blipFill>
-        <p:spPr>
-          <a:xfrm>
-            <a:off x="7201091" y="4195763"/>
-            <a:ext cx="4467225" cy="866775"/>
-          </a:xfrm>
-          <a:prstGeom prst="rect">
-            <a:avLst/>
-          </a:prstGeom>
-        </p:spPr>
-      </p:pic>
-      <p:pic>
-        <p:nvPicPr>
-          <p:cNvPr id="12" name="Inhaltsplatzhalter 5"/>
-          <p:cNvPicPr>
-            <a:picLocks noChangeAspect="1"/>
-          </p:cNvPicPr>
-          <p:nvPr/>
-        </p:nvPicPr>
-        <p:blipFill>
-          <a:blip r:embed="rId10">
-            <a:extLst>
-              <a:ext uri="{28A0092B-C50C-407E-A947-70E740481C1C}">
-                <a14:useLocalDpi xmlns:a14="http://schemas.microsoft.com/office/drawing/2010/main" val="0"/>
-              </a:ext>
-            </a:extLst>
-          </a:blip>
-          <a:stretch>
-            <a:fillRect/>
-          </a:stretch>
-        </p:blipFill>
-        <p:spPr>
-          <a:xfrm>
-            <a:off x="3376230" y="3355819"/>
-            <a:ext cx="647700" cy="66675"/>
-          </a:xfrm>
-          <a:prstGeom prst="rect">
-            <a:avLst/>
-          </a:prstGeom>
-        </p:spPr>
-      </p:pic>
-    </p:spTree>
-    <p:extLst>
-      <p:ext uri="{BB962C8B-B14F-4D97-AF65-F5344CB8AC3E}">
-        <p14:creationId xmlns:p14="http://schemas.microsoft.com/office/powerpoint/2010/main" val="1138021922"/>
-      </p:ext>
-    </p:extLst>
-  </p:cSld>
-  <p:clrMapOvr>
-    <a:masterClrMapping/>
-  </p:clrMapOvr>
-</p:sld>
-</file>
-
-<file path=ppt/slides/slide19.xml><?xml version="1.0" encoding="utf-8"?>
-<p:sld xmlns:a="http://schemas.openxmlformats.org/drawingml/2006/main" xmlns:r="http://schemas.openxmlformats.org/officeDocument/2006/relationships" xmlns:p="http://schemas.openxmlformats.org/presentationml/2006/main">
-  <p:cSld>
-    <p:spTree>
-      <p:nvGrpSpPr>
-        <p:cNvPr id="1" name=""/>
-        <p:cNvGrpSpPr/>
-        <p:nvPr/>
-      </p:nvGrpSpPr>
-      <p:grpSpPr>
-        <a:xfrm>
-          <a:off x="0" y="0"/>
-          <a:ext cx="0" cy="0"/>
-          <a:chOff x="0" y="0"/>
-          <a:chExt cx="0" cy="0"/>
-        </a:xfrm>
-      </p:grpSpPr>
-      <p:sp>
-        <p:nvSpPr>
-          <p:cNvPr id="2" name="Titel 1"/>
-          <p:cNvSpPr>
-            <a:spLocks noGrp="1"/>
-          </p:cNvSpPr>
-          <p:nvPr>
-            <p:ph type="title"/>
-          </p:nvPr>
-        </p:nvSpPr>
-        <p:spPr/>
-        <p:txBody>
-          <a:bodyPr/>
-          <a:lstStyle/>
-          <a:p>
-            <a:r>
-              <a:rPr lang="en-GB" dirty="0" smtClean="0"/>
-              <a:t>Compressed Sensing (approx.)</a:t>
-            </a:r>
-            <a:endParaRPr lang="en-GB" dirty="0"/>
-          </a:p>
-        </p:txBody>
-      </p:sp>
-      <p:pic>
-        <p:nvPicPr>
-          <p:cNvPr id="9" name="Inhaltsplatzhalter 6"/>
-          <p:cNvPicPr>
-            <a:picLocks noChangeAspect="1"/>
-          </p:cNvPicPr>
-          <p:nvPr/>
-        </p:nvPicPr>
-        <p:blipFill>
-          <a:blip r:embed="rId2">
-            <a:extLst>
-              <a:ext uri="{28A0092B-C50C-407E-A947-70E740481C1C}">
-                <a14:useLocalDpi xmlns:a14="http://schemas.microsoft.com/office/drawing/2010/main" val="0"/>
-              </a:ext>
-            </a:extLst>
-          </a:blip>
-          <a:stretch>
-            <a:fillRect/>
-          </a:stretch>
-        </p:blipFill>
-        <p:spPr>
-          <a:xfrm>
-            <a:off x="1218818" y="1573736"/>
-            <a:ext cx="4962525" cy="904875"/>
-          </a:xfrm>
-          <a:prstGeom prst="rect">
-            <a:avLst/>
-          </a:prstGeom>
-        </p:spPr>
-      </p:pic>
-      <p:pic>
-        <p:nvPicPr>
-          <p:cNvPr id="11" name="Grafik 10"/>
-          <p:cNvPicPr>
-            <a:picLocks noChangeAspect="1"/>
-          </p:cNvPicPr>
-          <p:nvPr/>
-        </p:nvPicPr>
-        <p:blipFill>
-          <a:blip r:embed="rId3">
-            <a:extLst>
-              <a:ext uri="{28A0092B-C50C-407E-A947-70E740481C1C}">
-                <a14:useLocalDpi xmlns:a14="http://schemas.microsoft.com/office/drawing/2010/main" val="0"/>
-              </a:ext>
-            </a:extLst>
-          </a:blip>
-          <a:stretch>
-            <a:fillRect/>
-          </a:stretch>
-        </p:blipFill>
-        <p:spPr>
-          <a:xfrm>
-            <a:off x="1218818" y="4299703"/>
-            <a:ext cx="4467225" cy="866775"/>
-          </a:xfrm>
-          <a:prstGeom prst="rect">
-            <a:avLst/>
-          </a:prstGeom>
-        </p:spPr>
-      </p:pic>
-      <p:pic>
-        <p:nvPicPr>
-          <p:cNvPr id="7" name="Grafik 6"/>
-          <p:cNvPicPr>
-            <a:picLocks noChangeAspect="1"/>
-          </p:cNvPicPr>
-          <p:nvPr/>
-        </p:nvPicPr>
-        <p:blipFill>
-          <a:blip r:embed="rId4">
-            <a:extLst>
-              <a:ext uri="{BEBA8EAE-BF5A-486C-A8C5-ECC9F3942E4B}">
-                <a14:imgProps xmlns:a14="http://schemas.microsoft.com/office/drawing/2010/main">
-                  <a14:imgLayer r:embed="rId5">
-                    <a14:imgEffect>
-                      <a14:brightnessContrast contrast="-100000"/>
-                    </a14:imgEffect>
-                  </a14:imgLayer>
-                </a14:imgProps>
-              </a:ext>
-              <a:ext uri="{28A0092B-C50C-407E-A947-70E740481C1C}">
-                <a14:useLocalDpi xmlns:a14="http://schemas.microsoft.com/office/drawing/2010/main" val="0"/>
-              </a:ext>
-            </a:extLst>
-          </a:blip>
-          <a:stretch>
-            <a:fillRect/>
-          </a:stretch>
-        </p:blipFill>
-        <p:spPr>
-          <a:xfrm>
-            <a:off x="7124891" y="1690688"/>
-            <a:ext cx="4171950" cy="895350"/>
-          </a:xfrm>
-          <a:prstGeom prst="rect">
-            <a:avLst/>
-          </a:prstGeom>
-        </p:spPr>
-      </p:pic>
-      <p:pic>
-        <p:nvPicPr>
-          <p:cNvPr id="8" name="Grafik 7"/>
-          <p:cNvPicPr>
-            <a:picLocks noChangeAspect="1"/>
-          </p:cNvPicPr>
-          <p:nvPr/>
-        </p:nvPicPr>
-        <p:blipFill>
-          <a:blip r:embed="rId6">
-            <a:extLst>
-              <a:ext uri="{BEBA8EAE-BF5A-486C-A8C5-ECC9F3942E4B}">
-                <a14:imgProps xmlns:a14="http://schemas.microsoft.com/office/drawing/2010/main">
-                  <a14:imgLayer r:embed="rId7">
-                    <a14:imgEffect>
-                      <a14:brightnessContrast contrast="-100000"/>
-                    </a14:imgEffect>
-                  </a14:imgLayer>
-                </a14:imgProps>
-              </a:ext>
-              <a:ext uri="{28A0092B-C50C-407E-A947-70E740481C1C}">
-                <a14:useLocalDpi xmlns:a14="http://schemas.microsoft.com/office/drawing/2010/main" val="0"/>
-              </a:ext>
-            </a:extLst>
-          </a:blip>
-          <a:stretch>
-            <a:fillRect/>
-          </a:stretch>
-        </p:blipFill>
-        <p:spPr>
-          <a:xfrm>
-            <a:off x="7201091" y="4195763"/>
-            <a:ext cx="4467225" cy="866775"/>
-          </a:xfrm>
-          <a:prstGeom prst="rect">
-            <a:avLst/>
-          </a:prstGeom>
-        </p:spPr>
-      </p:pic>
-      <p:pic>
-        <p:nvPicPr>
-          <p:cNvPr id="13" name="Inhaltsplatzhalter 9"/>
-          <p:cNvPicPr>
-            <a:picLocks noGrp="1" noChangeAspect="1"/>
-          </p:cNvPicPr>
-          <p:nvPr>
-            <p:ph idx="1"/>
-          </p:nvPr>
-        </p:nvPicPr>
-        <p:blipFill>
-          <a:blip r:embed="rId8">
-            <a:extLst>
-              <a:ext uri="{28A0092B-C50C-407E-A947-70E740481C1C}">
-                <a14:useLocalDpi xmlns:a14="http://schemas.microsoft.com/office/drawing/2010/main" val="0"/>
-              </a:ext>
-            </a:extLst>
-          </a:blip>
-          <a:stretch>
-            <a:fillRect/>
-          </a:stretch>
-        </p:blipFill>
-        <p:spPr>
-          <a:xfrm>
-            <a:off x="1218818" y="3021242"/>
-            <a:ext cx="8524875" cy="981075"/>
-          </a:xfrm>
-          <a:prstGeom prst="rect">
-            <a:avLst/>
-          </a:prstGeom>
-        </p:spPr>
-      </p:pic>
-    </p:spTree>
-    <p:extLst>
-      <p:ext uri="{BB962C8B-B14F-4D97-AF65-F5344CB8AC3E}">
-        <p14:creationId xmlns:p14="http://schemas.microsoft.com/office/powerpoint/2010/main" val="896485693"/>
-      </p:ext>
-    </p:extLst>
-  </p:cSld>
-  <p:clrMapOvr>
-    <a:masterClrMapping/>
-  </p:clrMapOvr>
-</p:sld>
-</file>
-
-<file path=ppt/slides/slide2.xml><?xml version="1.0" encoding="utf-8"?>
-<p:sld xmlns:a="http://schemas.openxmlformats.org/drawingml/2006/main" xmlns:r="http://schemas.openxmlformats.org/officeDocument/2006/relationships" xmlns:p="http://schemas.openxmlformats.org/presentationml/2006/main">
-  <p:cSld>
-    <p:spTree>
-      <p:nvGrpSpPr>
-        <p:cNvPr id="1" name=""/>
-        <p:cNvGrpSpPr/>
-        <p:nvPr/>
-      </p:nvGrpSpPr>
-      <p:grpSpPr>
-        <a:xfrm>
-          <a:off x="0" y="0"/>
-          <a:ext cx="0" cy="0"/>
-          <a:chOff x="0" y="0"/>
-          <a:chExt cx="0" cy="0"/>
-        </a:xfrm>
-      </p:grpSpPr>
-      <p:sp>
-        <p:nvSpPr>
-          <p:cNvPr id="2" name="Titel 1"/>
-          <p:cNvSpPr>
-            <a:spLocks noGrp="1"/>
-          </p:cNvSpPr>
-          <p:nvPr>
-            <p:ph type="title"/>
-          </p:nvPr>
-        </p:nvSpPr>
-        <p:spPr/>
-        <p:txBody>
-          <a:bodyPr/>
-          <a:lstStyle/>
-          <a:p>
-            <a:r>
-              <a:rPr lang="en-GB" dirty="0" smtClean="0"/>
-              <a:t>Fourier Transform</a:t>
-            </a:r>
-            <a:endParaRPr lang="en-GB" dirty="0"/>
-          </a:p>
-        </p:txBody>
-      </p:sp>
-      <p:pic>
-        <p:nvPicPr>
-          <p:cNvPr id="4" name="Inhaltsplatzhalter 3"/>
-          <p:cNvPicPr>
-            <a:picLocks noGrp="1" noChangeAspect="1"/>
-          </p:cNvPicPr>
-          <p:nvPr>
-            <p:ph idx="1"/>
-          </p:nvPr>
-        </p:nvPicPr>
-        <p:blipFill>
-          <a:blip r:embed="rId2" cstate="print">
-            <a:extLst>
-              <a:ext uri="{28A0092B-C50C-407E-A947-70E740481C1C}">
-                <a14:useLocalDpi xmlns:a14="http://schemas.microsoft.com/office/drawing/2010/main" val="0"/>
-              </a:ext>
-            </a:extLst>
-          </a:blip>
-          <a:stretch>
-            <a:fillRect/>
-          </a:stretch>
-        </p:blipFill>
-        <p:spPr>
-          <a:xfrm>
-            <a:off x="6398837" y="1690688"/>
-            <a:ext cx="4351338" cy="4351338"/>
-          </a:xfrm>
-          <a:prstGeom prst="rect">
-            <a:avLst/>
-          </a:prstGeom>
-        </p:spPr>
-      </p:pic>
-    </p:spTree>
-    <p:extLst>
-      <p:ext uri="{BB962C8B-B14F-4D97-AF65-F5344CB8AC3E}">
-        <p14:creationId xmlns:p14="http://schemas.microsoft.com/office/powerpoint/2010/main" val="709558783"/>
-      </p:ext>
-    </p:extLst>
-  </p:cSld>
-  <p:clrMapOvr>
-    <a:masterClrMapping/>
-  </p:clrMapOvr>
-</p:sld>
-</file>
-
-<file path=ppt/slides/slide20.xml><?xml version="1.0" encoding="utf-8"?>
-<p:sld xmlns:a="http://schemas.openxmlformats.org/drawingml/2006/main" xmlns:r="http://schemas.openxmlformats.org/officeDocument/2006/relationships" xmlns:p="http://schemas.openxmlformats.org/presentationml/2006/main">
-  <p:cSld>
-    <p:spTree>
-      <p:nvGrpSpPr>
-        <p:cNvPr id="1" name=""/>
-        <p:cNvGrpSpPr/>
-        <p:nvPr/>
-      </p:nvGrpSpPr>
-      <p:grpSpPr>
-        <a:xfrm>
-          <a:off x="0" y="0"/>
-          <a:ext cx="0" cy="0"/>
-          <a:chOff x="0" y="0"/>
-          <a:chExt cx="0" cy="0"/>
-        </a:xfrm>
-      </p:grpSpPr>
-      <p:sp>
-        <p:nvSpPr>
-          <p:cNvPr id="2" name="Titel 1"/>
-          <p:cNvSpPr>
-            <a:spLocks noGrp="1"/>
-          </p:cNvSpPr>
-          <p:nvPr>
-            <p:ph type="title"/>
-          </p:nvPr>
-        </p:nvSpPr>
-        <p:spPr/>
-        <p:txBody>
-          <a:bodyPr/>
-          <a:lstStyle/>
-          <a:p>
-            <a:r>
-              <a:rPr lang="en-GB" dirty="0" smtClean="0"/>
-              <a:t>Compressed Sensing (approx.)</a:t>
-            </a:r>
-            <a:endParaRPr lang="en-GB" dirty="0"/>
-          </a:p>
-        </p:txBody>
-      </p:sp>
-      <p:pic>
-        <p:nvPicPr>
-          <p:cNvPr id="9" name="Inhaltsplatzhalter 6"/>
-          <p:cNvPicPr>
-            <a:picLocks noChangeAspect="1"/>
-          </p:cNvPicPr>
-          <p:nvPr/>
-        </p:nvPicPr>
-        <p:blipFill>
-          <a:blip r:embed="rId2">
-            <a:extLst>
-              <a:ext uri="{28A0092B-C50C-407E-A947-70E740481C1C}">
-                <a14:useLocalDpi xmlns:a14="http://schemas.microsoft.com/office/drawing/2010/main" val="0"/>
-              </a:ext>
-            </a:extLst>
-          </a:blip>
-          <a:stretch>
-            <a:fillRect/>
-          </a:stretch>
-        </p:blipFill>
-        <p:spPr>
-          <a:xfrm>
-            <a:off x="1218818" y="1573736"/>
-            <a:ext cx="4962525" cy="904875"/>
-          </a:xfrm>
-          <a:prstGeom prst="rect">
-            <a:avLst/>
-          </a:prstGeom>
-        </p:spPr>
-      </p:pic>
-      <p:pic>
-        <p:nvPicPr>
-          <p:cNvPr id="10" name="Inhaltsplatzhalter 9"/>
-          <p:cNvPicPr>
-            <a:picLocks noGrp="1" noChangeAspect="1"/>
-          </p:cNvPicPr>
-          <p:nvPr>
-            <p:ph idx="1"/>
-          </p:nvPr>
-        </p:nvPicPr>
-        <p:blipFill>
-          <a:blip r:embed="rId3">
-            <a:extLst>
-              <a:ext uri="{28A0092B-C50C-407E-A947-70E740481C1C}">
-                <a14:useLocalDpi xmlns:a14="http://schemas.microsoft.com/office/drawing/2010/main" val="0"/>
-              </a:ext>
-            </a:extLst>
-          </a:blip>
-          <a:stretch>
-            <a:fillRect/>
-          </a:stretch>
-        </p:blipFill>
-        <p:spPr>
-          <a:xfrm>
-            <a:off x="1218818" y="3021242"/>
-            <a:ext cx="8524875" cy="981075"/>
-          </a:xfrm>
-          <a:prstGeom prst="rect">
-            <a:avLst/>
-          </a:prstGeom>
-        </p:spPr>
-      </p:pic>
-      <p:pic>
-        <p:nvPicPr>
-          <p:cNvPr id="11" name="Grafik 10"/>
-          <p:cNvPicPr>
-            <a:picLocks noChangeAspect="1"/>
-          </p:cNvPicPr>
-          <p:nvPr/>
-        </p:nvPicPr>
-        <p:blipFill>
-          <a:blip r:embed="rId4">
-            <a:extLst>
-              <a:ext uri="{28A0092B-C50C-407E-A947-70E740481C1C}">
-                <a14:useLocalDpi xmlns:a14="http://schemas.microsoft.com/office/drawing/2010/main" val="0"/>
-              </a:ext>
-            </a:extLst>
-          </a:blip>
-          <a:stretch>
-            <a:fillRect/>
-          </a:stretch>
-        </p:blipFill>
-        <p:spPr>
-          <a:xfrm>
-            <a:off x="1218818" y="4299703"/>
-            <a:ext cx="4467225" cy="866775"/>
-          </a:xfrm>
-          <a:prstGeom prst="rect">
-            <a:avLst/>
-          </a:prstGeom>
-        </p:spPr>
-      </p:pic>
-    </p:spTree>
-    <p:extLst>
-      <p:ext uri="{BB962C8B-B14F-4D97-AF65-F5344CB8AC3E}">
-        <p14:creationId xmlns:p14="http://schemas.microsoft.com/office/powerpoint/2010/main" val="2934984503"/>
-      </p:ext>
-    </p:extLst>
-  </p:cSld>
-  <p:clrMapOvr>
-    <a:masterClrMapping/>
-  </p:clrMapOvr>
-</p:sld>
-</file>
-
-<file path=ppt/slides/slide21.xml><?xml version="1.0" encoding="utf-8"?>
-<p:sld xmlns:a="http://schemas.openxmlformats.org/drawingml/2006/main" xmlns:r="http://schemas.openxmlformats.org/officeDocument/2006/relationships" xmlns:p="http://schemas.openxmlformats.org/presentationml/2006/main">
-  <p:cSld>
-    <p:spTree>
-      <p:nvGrpSpPr>
-        <p:cNvPr id="1" name=""/>
-        <p:cNvGrpSpPr/>
-        <p:nvPr/>
-      </p:nvGrpSpPr>
-      <p:grpSpPr>
-        <a:xfrm>
-          <a:off x="0" y="0"/>
-          <a:ext cx="0" cy="0"/>
-          <a:chOff x="0" y="0"/>
-          <a:chExt cx="0" cy="0"/>
-        </a:xfrm>
-      </p:grpSpPr>
-      <p:sp>
-        <p:nvSpPr>
-          <p:cNvPr id="2" name="Titel 1"/>
-          <p:cNvSpPr>
-            <a:spLocks noGrp="1"/>
-          </p:cNvSpPr>
-          <p:nvPr>
-            <p:ph type="title"/>
-          </p:nvPr>
-        </p:nvSpPr>
-        <p:spPr/>
-        <p:txBody>
-          <a:bodyPr/>
-          <a:lstStyle/>
-          <a:p>
-            <a:r>
-              <a:rPr lang="en-GB" dirty="0" smtClean="0"/>
-              <a:t>Replacing the non-uniform FFT</a:t>
-            </a:r>
-            <a:endParaRPr lang="en-GB" dirty="0"/>
-          </a:p>
-        </p:txBody>
-      </p:sp>
-      <p:sp>
-        <p:nvSpPr>
-          <p:cNvPr id="3" name="Inhaltsplatzhalter 2"/>
-          <p:cNvSpPr>
-            <a:spLocks noGrp="1"/>
-          </p:cNvSpPr>
-          <p:nvPr>
-            <p:ph idx="1"/>
-          </p:nvPr>
-        </p:nvSpPr>
-        <p:spPr/>
-        <p:txBody>
-          <a:bodyPr/>
-          <a:lstStyle/>
-          <a:p>
-            <a:endParaRPr lang="en-GB" dirty="0"/>
-          </a:p>
-        </p:txBody>
-      </p:sp>
-    </p:spTree>
-    <p:extLst>
-      <p:ext uri="{BB962C8B-B14F-4D97-AF65-F5344CB8AC3E}">
-        <p14:creationId xmlns:p14="http://schemas.microsoft.com/office/powerpoint/2010/main" val="2792769079"/>
-      </p:ext>
-    </p:extLst>
-  </p:cSld>
-  <p:clrMapOvr>
-    <a:masterClrMapping/>
-  </p:clrMapOvr>
-</p:sld>
-</file>
-
-<file path=ppt/slides/slide22.xml><?xml version="1.0" encoding="utf-8"?>
-<p:sld xmlns:a="http://schemas.openxmlformats.org/drawingml/2006/main" xmlns:r="http://schemas.openxmlformats.org/officeDocument/2006/relationships" xmlns:p="http://schemas.openxmlformats.org/presentationml/2006/main">
-  <p:cSld>
-    <p:spTree>
-      <p:nvGrpSpPr>
-        <p:cNvPr id="1" name=""/>
-        <p:cNvGrpSpPr/>
-        <p:nvPr/>
-      </p:nvGrpSpPr>
-      <p:grpSpPr>
-        <a:xfrm>
-          <a:off x="0" y="0"/>
-          <a:ext cx="0" cy="0"/>
-          <a:chOff x="0" y="0"/>
-          <a:chExt cx="0" cy="0"/>
-        </a:xfrm>
-      </p:grpSpPr>
-      <p:sp>
-        <p:nvSpPr>
-          <p:cNvPr id="2" name="Titel 1"/>
-          <p:cNvSpPr>
-            <a:spLocks noGrp="1"/>
-          </p:cNvSpPr>
-          <p:nvPr>
-            <p:ph type="title"/>
-          </p:nvPr>
-        </p:nvSpPr>
-        <p:spPr/>
-        <p:txBody>
-          <a:bodyPr/>
-          <a:lstStyle/>
-          <a:p>
-            <a:r>
-              <a:rPr lang="en-GB" dirty="0" smtClean="0"/>
-              <a:t>Replacing the non-uniform FFT</a:t>
-            </a:r>
-            <a:endParaRPr lang="en-GB" dirty="0"/>
-          </a:p>
-        </p:txBody>
-      </p:sp>
-      <p:sp>
-        <p:nvSpPr>
-          <p:cNvPr id="3" name="Inhaltsplatzhalter 2"/>
-          <p:cNvSpPr>
-            <a:spLocks noGrp="1"/>
-          </p:cNvSpPr>
-          <p:nvPr>
-            <p:ph idx="1"/>
-          </p:nvPr>
-        </p:nvSpPr>
-        <p:spPr/>
-        <p:txBody>
-          <a:bodyPr/>
-          <a:lstStyle/>
-          <a:p>
-            <a:r>
-              <a:rPr lang="en-GB" dirty="0" smtClean="0"/>
-              <a:t>Projection on a uniform Grid</a:t>
-            </a:r>
-          </a:p>
-          <a:p>
-            <a:r>
-              <a:rPr lang="en-GB" dirty="0" smtClean="0"/>
-              <a:t>Spherical Wave Harmonics</a:t>
-            </a:r>
-          </a:p>
-          <a:p>
-            <a:r>
-              <a:rPr lang="en-GB" dirty="0" smtClean="0"/>
-              <a:t>Direct Fourier Transform</a:t>
-            </a:r>
-            <a:endParaRPr lang="en-GB" dirty="0"/>
-          </a:p>
-        </p:txBody>
-      </p:sp>
-      <p:pic>
-        <p:nvPicPr>
-          <p:cNvPr id="5" name="Inhaltsplatzhalter 5"/>
-          <p:cNvPicPr>
-            <a:picLocks noChangeAspect="1"/>
-          </p:cNvPicPr>
-          <p:nvPr/>
-        </p:nvPicPr>
-        <p:blipFill>
-          <a:blip r:embed="rId2">
-            <a:extLst>
-              <a:ext uri="{28A0092B-C50C-407E-A947-70E740481C1C}">
-                <a14:useLocalDpi xmlns:a14="http://schemas.microsoft.com/office/drawing/2010/main" val="0"/>
-              </a:ext>
-            </a:extLst>
-          </a:blip>
-          <a:stretch>
-            <a:fillRect/>
-          </a:stretch>
-        </p:blipFill>
-        <p:spPr>
-          <a:xfrm>
-            <a:off x="1080029" y="4001294"/>
-            <a:ext cx="9591675" cy="1047750"/>
-          </a:xfrm>
-          <a:prstGeom prst="rect">
-            <a:avLst/>
-          </a:prstGeom>
-        </p:spPr>
-      </p:pic>
-    </p:spTree>
-    <p:extLst>
-      <p:ext uri="{BB962C8B-B14F-4D97-AF65-F5344CB8AC3E}">
-        <p14:creationId xmlns:p14="http://schemas.microsoft.com/office/powerpoint/2010/main" val="3969978562"/>
-      </p:ext>
-    </p:extLst>
-  </p:cSld>
-  <p:clrMapOvr>
-    <a:masterClrMapping/>
-  </p:clrMapOvr>
-</p:sld>
-</file>
-
-<file path=ppt/slides/slide23.xml><?xml version="1.0" encoding="utf-8"?>
-<p:sld xmlns:a="http://schemas.openxmlformats.org/drawingml/2006/main" xmlns:r="http://schemas.openxmlformats.org/officeDocument/2006/relationships" xmlns:p="http://schemas.openxmlformats.org/presentationml/2006/main">
-  <p:cSld>
-    <p:spTree>
-      <p:nvGrpSpPr>
-        <p:cNvPr id="1" name=""/>
-        <p:cNvGrpSpPr/>
-        <p:nvPr/>
-      </p:nvGrpSpPr>
-      <p:grpSpPr>
-        <a:xfrm>
-          <a:off x="0" y="0"/>
-          <a:ext cx="0" cy="0"/>
-          <a:chOff x="0" y="0"/>
-          <a:chExt cx="0" cy="0"/>
-        </a:xfrm>
-      </p:grpSpPr>
-      <p:sp>
-        <p:nvSpPr>
-          <p:cNvPr id="2" name="Titel 1"/>
-          <p:cNvSpPr>
-            <a:spLocks noGrp="1"/>
-          </p:cNvSpPr>
-          <p:nvPr>
-            <p:ph type="title"/>
-          </p:nvPr>
-        </p:nvSpPr>
-        <p:spPr/>
-        <p:txBody>
-          <a:bodyPr/>
-          <a:lstStyle/>
-          <a:p>
-            <a:r>
-              <a:rPr lang="en-GB" dirty="0" smtClean="0"/>
-              <a:t>Projection on a uniform Grid</a:t>
-            </a:r>
-            <a:endParaRPr lang="en-GB" dirty="0"/>
-          </a:p>
-        </p:txBody>
-      </p:sp>
-      <p:sp>
-        <p:nvSpPr>
-          <p:cNvPr id="3" name="Inhaltsplatzhalter 2"/>
-          <p:cNvSpPr>
-            <a:spLocks noGrp="1"/>
-          </p:cNvSpPr>
-          <p:nvPr>
-            <p:ph idx="1"/>
-          </p:nvPr>
-        </p:nvSpPr>
-        <p:spPr/>
-        <p:txBody>
-          <a:bodyPr/>
-          <a:lstStyle/>
-          <a:p>
-            <a:endParaRPr lang="en-GB"/>
-          </a:p>
-        </p:txBody>
-      </p:sp>
-    </p:spTree>
-    <p:extLst>
-      <p:ext uri="{BB962C8B-B14F-4D97-AF65-F5344CB8AC3E}">
-        <p14:creationId xmlns:p14="http://schemas.microsoft.com/office/powerpoint/2010/main" val="2853737820"/>
-      </p:ext>
-    </p:extLst>
-  </p:cSld>
-  <p:clrMapOvr>
-    <a:masterClrMapping/>
-  </p:clrMapOvr>
-</p:sld>
-</file>
-
-<file path=ppt/slides/slide24.xml><?xml version="1.0" encoding="utf-8"?>
-<p:sld xmlns:a="http://schemas.openxmlformats.org/drawingml/2006/main" xmlns:r="http://schemas.openxmlformats.org/officeDocument/2006/relationships" xmlns:p="http://schemas.openxmlformats.org/presentationml/2006/main">
-  <p:cSld>
-    <p:spTree>
-      <p:nvGrpSpPr>
-        <p:cNvPr id="1" name=""/>
-        <p:cNvGrpSpPr/>
-        <p:nvPr/>
-      </p:nvGrpSpPr>
-      <p:grpSpPr>
-        <a:xfrm>
-          <a:off x="0" y="0"/>
-          <a:ext cx="0" cy="0"/>
-          <a:chOff x="0" y="0"/>
-          <a:chExt cx="0" cy="0"/>
-        </a:xfrm>
-      </p:grpSpPr>
-      <p:sp>
-        <p:nvSpPr>
-          <p:cNvPr id="2" name="Titel 1"/>
-          <p:cNvSpPr>
-            <a:spLocks noGrp="1"/>
-          </p:cNvSpPr>
-          <p:nvPr>
-            <p:ph type="title"/>
-          </p:nvPr>
-        </p:nvSpPr>
-        <p:spPr/>
-        <p:txBody>
-          <a:bodyPr/>
-          <a:lstStyle/>
-          <a:p>
-            <a:r>
-              <a:rPr lang="en-GB" dirty="0" smtClean="0"/>
-              <a:t>Projection on a uniform Grid</a:t>
-            </a:r>
-            <a:endParaRPr lang="en-GB" dirty="0"/>
-          </a:p>
-        </p:txBody>
-      </p:sp>
-      <p:pic>
-        <p:nvPicPr>
-          <p:cNvPr id="4" name="Inhaltsplatzhalter 3"/>
-          <p:cNvPicPr>
-            <a:picLocks noGrp="1" noChangeAspect="1"/>
-          </p:cNvPicPr>
-          <p:nvPr>
-            <p:ph idx="1"/>
-          </p:nvPr>
-        </p:nvPicPr>
-        <p:blipFill>
-          <a:blip r:embed="rId2">
-            <a:extLst>
-              <a:ext uri="{28A0092B-C50C-407E-A947-70E740481C1C}">
-                <a14:useLocalDpi xmlns:a14="http://schemas.microsoft.com/office/drawing/2010/main" val="0"/>
-              </a:ext>
-            </a:extLst>
-          </a:blip>
-          <a:stretch>
-            <a:fillRect/>
-          </a:stretch>
-        </p:blipFill>
-        <p:spPr>
-          <a:xfrm>
-            <a:off x="1214437" y="2924969"/>
-            <a:ext cx="9763125" cy="1238250"/>
-          </a:xfrm>
-        </p:spPr>
-      </p:pic>
-    </p:spTree>
-    <p:extLst>
-      <p:ext uri="{BB962C8B-B14F-4D97-AF65-F5344CB8AC3E}">
-        <p14:creationId xmlns:p14="http://schemas.microsoft.com/office/powerpoint/2010/main" val="4258980289"/>
-      </p:ext>
-    </p:extLst>
-  </p:cSld>
-  <p:clrMapOvr>
-    <a:masterClrMapping/>
-  </p:clrMapOvr>
-</p:sld>
-</file>
-
-<file path=ppt/slides/slide25.xml><?xml version="1.0" encoding="utf-8"?>
-<p:sld xmlns:a="http://schemas.openxmlformats.org/drawingml/2006/main" xmlns:r="http://schemas.openxmlformats.org/officeDocument/2006/relationships" xmlns:p="http://schemas.openxmlformats.org/presentationml/2006/main">
-  <p:cSld>
-    <p:spTree>
-      <p:nvGrpSpPr>
-        <p:cNvPr id="1" name=""/>
-        <p:cNvGrpSpPr/>
-        <p:nvPr/>
-      </p:nvGrpSpPr>
-      <p:grpSpPr>
-        <a:xfrm>
-          <a:off x="0" y="0"/>
-          <a:ext cx="0" cy="0"/>
-          <a:chOff x="0" y="0"/>
-          <a:chExt cx="0" cy="0"/>
-        </a:xfrm>
-      </p:grpSpPr>
-      <p:sp>
-        <p:nvSpPr>
-          <p:cNvPr id="2" name="Titel 1"/>
-          <p:cNvSpPr>
-            <a:spLocks noGrp="1"/>
-          </p:cNvSpPr>
-          <p:nvPr>
-            <p:ph type="title"/>
-          </p:nvPr>
-        </p:nvSpPr>
-        <p:spPr/>
-        <p:txBody>
-          <a:bodyPr/>
-          <a:lstStyle/>
-          <a:p>
-            <a:r>
-              <a:rPr lang="en-GB" dirty="0" smtClean="0"/>
-              <a:t>Spherical Wave Harmonics</a:t>
-            </a:r>
-            <a:endParaRPr lang="en-GB" dirty="0"/>
-          </a:p>
-        </p:txBody>
-      </p:sp>
-      <p:sp>
-        <p:nvSpPr>
-          <p:cNvPr id="3" name="Inhaltsplatzhalter 2"/>
-          <p:cNvSpPr>
-            <a:spLocks noGrp="1"/>
-          </p:cNvSpPr>
-          <p:nvPr>
-            <p:ph idx="1"/>
-          </p:nvPr>
-        </p:nvSpPr>
-        <p:spPr/>
-        <p:txBody>
-          <a:bodyPr/>
-          <a:lstStyle/>
-          <a:p>
-            <a:r>
-              <a:rPr lang="en-GB" sz="9600" dirty="0"/>
-              <a:t>?</a:t>
-            </a:r>
-            <a:endParaRPr lang="en-GB" dirty="0"/>
-          </a:p>
-        </p:txBody>
-      </p:sp>
-    </p:spTree>
-    <p:extLst>
-      <p:ext uri="{BB962C8B-B14F-4D97-AF65-F5344CB8AC3E}">
-        <p14:creationId xmlns:p14="http://schemas.microsoft.com/office/powerpoint/2010/main" val="3202201063"/>
-      </p:ext>
-    </p:extLst>
-  </p:cSld>
-  <p:clrMapOvr>
-    <a:masterClrMapping/>
-  </p:clrMapOvr>
-</p:sld>
-</file>
-
-<file path=ppt/slides/slide26.xml><?xml version="1.0" encoding="utf-8"?>
-<p:sld xmlns:a="http://schemas.openxmlformats.org/drawingml/2006/main" xmlns:r="http://schemas.openxmlformats.org/officeDocument/2006/relationships" xmlns:p="http://schemas.openxmlformats.org/presentationml/2006/main">
-  <p:cSld>
-    <p:spTree>
-      <p:nvGrpSpPr>
-        <p:cNvPr id="1" name=""/>
-        <p:cNvGrpSpPr/>
-        <p:nvPr/>
-      </p:nvGrpSpPr>
-      <p:grpSpPr>
-        <a:xfrm>
-          <a:off x="0" y="0"/>
-          <a:ext cx="0" cy="0"/>
-          <a:chOff x="0" y="0"/>
-          <a:chExt cx="0" cy="0"/>
-        </a:xfrm>
-      </p:grpSpPr>
-      <p:sp>
-        <p:nvSpPr>
-          <p:cNvPr id="2" name="Titel 1"/>
-          <p:cNvSpPr>
-            <a:spLocks noGrp="1"/>
-          </p:cNvSpPr>
-          <p:nvPr>
-            <p:ph type="title"/>
-          </p:nvPr>
-        </p:nvSpPr>
-        <p:spPr/>
-        <p:txBody>
-          <a:bodyPr/>
-          <a:lstStyle/>
-          <a:p>
-            <a:r>
-              <a:rPr lang="en-GB" dirty="0" smtClean="0"/>
-              <a:t>Direct Fourier Transform</a:t>
-            </a:r>
-            <a:endParaRPr lang="en-GB" dirty="0"/>
-          </a:p>
-        </p:txBody>
-      </p:sp>
-      <p:pic>
-        <p:nvPicPr>
-          <p:cNvPr id="4" name="Inhaltsplatzhalter 5"/>
-          <p:cNvPicPr>
-            <a:picLocks noGrp="1" noChangeAspect="1"/>
-          </p:cNvPicPr>
-          <p:nvPr>
-            <p:ph idx="1"/>
-          </p:nvPr>
-        </p:nvPicPr>
-        <p:blipFill>
-          <a:blip r:embed="rId2">
-            <a:extLst>
-              <a:ext uri="{28A0092B-C50C-407E-A947-70E740481C1C}">
-                <a14:useLocalDpi xmlns:a14="http://schemas.microsoft.com/office/drawing/2010/main" val="0"/>
-              </a:ext>
-            </a:extLst>
-          </a:blip>
-          <a:stretch>
-            <a:fillRect/>
-          </a:stretch>
-        </p:blipFill>
-        <p:spPr>
-          <a:xfrm>
-            <a:off x="1300162" y="2660555"/>
-            <a:ext cx="9591675" cy="1047750"/>
-          </a:xfrm>
-          <a:prstGeom prst="rect">
-            <a:avLst/>
-          </a:prstGeom>
-        </p:spPr>
-      </p:pic>
-    </p:spTree>
-    <p:extLst>
-      <p:ext uri="{BB962C8B-B14F-4D97-AF65-F5344CB8AC3E}">
-        <p14:creationId xmlns:p14="http://schemas.microsoft.com/office/powerpoint/2010/main" val="1457049329"/>
-      </p:ext>
-    </p:extLst>
-  </p:cSld>
-  <p:clrMapOvr>
-    <a:masterClrMapping/>
-  </p:clrMapOvr>
-</p:sld>
-</file>
-
-<file path=ppt/slides/slide27.xml><?xml version="1.0" encoding="utf-8"?>
-<p:sld xmlns:a="http://schemas.openxmlformats.org/drawingml/2006/main" xmlns:r="http://schemas.openxmlformats.org/officeDocument/2006/relationships" xmlns:p="http://schemas.openxmlformats.org/presentationml/2006/main">
-  <p:cSld>
-    <p:spTree>
-      <p:nvGrpSpPr>
-        <p:cNvPr id="1" name=""/>
-        <p:cNvGrpSpPr/>
-        <p:nvPr/>
-      </p:nvGrpSpPr>
-      <p:grpSpPr>
-        <a:xfrm>
-          <a:off x="0" y="0"/>
-          <a:ext cx="0" cy="0"/>
-          <a:chOff x="0" y="0"/>
-          <a:chExt cx="0" cy="0"/>
-        </a:xfrm>
-      </p:grpSpPr>
-      <p:sp>
-        <p:nvSpPr>
-          <p:cNvPr id="2" name="Titel 1"/>
-          <p:cNvSpPr>
-            <a:spLocks noGrp="1"/>
-          </p:cNvSpPr>
-          <p:nvPr>
-            <p:ph type="title"/>
-          </p:nvPr>
-        </p:nvSpPr>
-        <p:spPr/>
-        <p:txBody>
-          <a:bodyPr/>
-          <a:lstStyle/>
-          <a:p>
-            <a:r>
-              <a:rPr lang="en-GB" dirty="0"/>
-              <a:t>Direct Fourier Transform and </a:t>
-            </a:r>
-            <a:br>
-              <a:rPr lang="en-GB" dirty="0"/>
-            </a:br>
-            <a:r>
-              <a:rPr lang="en-GB" dirty="0"/>
-              <a:t>Coordinate Descent</a:t>
-            </a:r>
-          </a:p>
-        </p:txBody>
-      </p:sp>
-      <p:sp>
-        <p:nvSpPr>
-          <p:cNvPr id="3" name="Inhaltsplatzhalter 2"/>
-          <p:cNvSpPr>
-            <a:spLocks noGrp="1"/>
-          </p:cNvSpPr>
-          <p:nvPr>
-            <p:ph idx="1"/>
-          </p:nvPr>
-        </p:nvSpPr>
-        <p:spPr/>
-        <p:txBody>
-          <a:bodyPr/>
-          <a:lstStyle/>
-          <a:p>
-            <a:endParaRPr lang="en-GB"/>
-          </a:p>
-        </p:txBody>
-      </p:sp>
-    </p:spTree>
-    <p:extLst>
-      <p:ext uri="{BB962C8B-B14F-4D97-AF65-F5344CB8AC3E}">
-        <p14:creationId xmlns:p14="http://schemas.microsoft.com/office/powerpoint/2010/main" val="1281340886"/>
-      </p:ext>
-    </p:extLst>
-  </p:cSld>
-  <p:clrMapOvr>
-    <a:masterClrMapping/>
-  </p:clrMapOvr>
-</p:sld>
-</file>
-
-<file path=ppt/slides/slide28.xml><?xml version="1.0" encoding="utf-8"?>
-<p:sld xmlns:a="http://schemas.openxmlformats.org/drawingml/2006/main" xmlns:r="http://schemas.openxmlformats.org/officeDocument/2006/relationships" xmlns:p="http://schemas.openxmlformats.org/presentationml/2006/main">
-  <p:cSld>
-    <p:spTree>
-      <p:nvGrpSpPr>
-        <p:cNvPr id="1" name=""/>
-        <p:cNvGrpSpPr/>
-        <p:nvPr/>
-      </p:nvGrpSpPr>
-      <p:grpSpPr>
-        <a:xfrm>
-          <a:off x="0" y="0"/>
-          <a:ext cx="0" cy="0"/>
-          <a:chOff x="0" y="0"/>
-          <a:chExt cx="0" cy="0"/>
-        </a:xfrm>
-      </p:grpSpPr>
-      <p:sp>
-        <p:nvSpPr>
-          <p:cNvPr id="2" name="Titel 1"/>
-          <p:cNvSpPr>
-            <a:spLocks noGrp="1"/>
-          </p:cNvSpPr>
-          <p:nvPr>
-            <p:ph type="title"/>
-          </p:nvPr>
-        </p:nvSpPr>
-        <p:spPr/>
-        <p:txBody>
-          <a:bodyPr/>
-          <a:lstStyle/>
-          <a:p>
-            <a:r>
-              <a:rPr lang="en-GB" dirty="0" smtClean="0"/>
-              <a:t>Direct Fourier </a:t>
-            </a:r>
-            <a:r>
-              <a:rPr lang="en-GB" dirty="0" smtClean="0"/>
-              <a:t>Transform and </a:t>
-            </a:r>
-            <a:br>
-              <a:rPr lang="en-GB" dirty="0" smtClean="0"/>
-            </a:br>
-            <a:r>
-              <a:rPr lang="en-GB" dirty="0" smtClean="0"/>
-              <a:t>Coordinate Descent</a:t>
-            </a:r>
-            <a:endParaRPr lang="en-GB" dirty="0"/>
-          </a:p>
-        </p:txBody>
-      </p:sp>
-      <p:sp>
-        <p:nvSpPr>
-          <p:cNvPr id="3" name="Inhaltsplatzhalter 2"/>
-          <p:cNvSpPr>
-            <a:spLocks noGrp="1"/>
-          </p:cNvSpPr>
-          <p:nvPr>
-            <p:ph idx="1"/>
-          </p:nvPr>
-        </p:nvSpPr>
-        <p:spPr/>
-        <p:txBody>
-          <a:bodyPr/>
-          <a:lstStyle/>
-          <a:p>
-            <a:endParaRPr lang="en-GB"/>
-          </a:p>
-        </p:txBody>
-      </p:sp>
-      <p:pic>
-        <p:nvPicPr>
-          <p:cNvPr id="5" name="Inhaltsplatzhalter 4"/>
-          <p:cNvPicPr>
-            <a:picLocks noChangeAspect="1"/>
-          </p:cNvPicPr>
-          <p:nvPr/>
-        </p:nvPicPr>
-        <p:blipFill>
-          <a:blip r:embed="rId2">
-            <a:extLst>
-              <a:ext uri="{28A0092B-C50C-407E-A947-70E740481C1C}">
-                <a14:useLocalDpi xmlns:a14="http://schemas.microsoft.com/office/drawing/2010/main" val="0"/>
-              </a:ext>
-            </a:extLst>
-          </a:blip>
-          <a:stretch>
-            <a:fillRect/>
-          </a:stretch>
-        </p:blipFill>
-        <p:spPr>
-          <a:xfrm>
-            <a:off x="838200" y="1834600"/>
-            <a:ext cx="8629650" cy="1047750"/>
-          </a:xfrm>
-          <a:prstGeom prst="rect">
-            <a:avLst/>
-          </a:prstGeom>
-        </p:spPr>
-      </p:pic>
-    </p:spTree>
-    <p:extLst>
-      <p:ext uri="{BB962C8B-B14F-4D97-AF65-F5344CB8AC3E}">
-        <p14:creationId xmlns:p14="http://schemas.microsoft.com/office/powerpoint/2010/main" val="2213773147"/>
-      </p:ext>
-    </p:extLst>
-  </p:cSld>
-  <p:clrMapOvr>
-    <a:masterClrMapping/>
-  </p:clrMapOvr>
-</p:sld>
-</file>
-
-<file path=ppt/slides/slide29.xml><?xml version="1.0" encoding="utf-8"?>
-<p:sld xmlns:a="http://schemas.openxmlformats.org/drawingml/2006/main" xmlns:r="http://schemas.openxmlformats.org/officeDocument/2006/relationships" xmlns:p="http://schemas.openxmlformats.org/presentationml/2006/main">
-  <p:cSld>
-    <p:spTree>
-      <p:nvGrpSpPr>
-        <p:cNvPr id="1" name=""/>
-        <p:cNvGrpSpPr/>
-        <p:nvPr/>
-      </p:nvGrpSpPr>
-      <p:grpSpPr>
-        <a:xfrm>
-          <a:off x="0" y="0"/>
-          <a:ext cx="0" cy="0"/>
-          <a:chOff x="0" y="0"/>
-          <a:chExt cx="0" cy="0"/>
-        </a:xfrm>
-      </p:grpSpPr>
-      <p:sp>
-        <p:nvSpPr>
-          <p:cNvPr id="2" name="Titel 1"/>
-          <p:cNvSpPr>
-            <a:spLocks noGrp="1"/>
-          </p:cNvSpPr>
-          <p:nvPr>
-            <p:ph type="title"/>
-          </p:nvPr>
-        </p:nvSpPr>
-        <p:spPr/>
-        <p:txBody>
-          <a:bodyPr/>
-          <a:lstStyle/>
-          <a:p>
-            <a:r>
-              <a:rPr lang="en-GB" dirty="0" smtClean="0"/>
-              <a:t>Direct Fourier </a:t>
-            </a:r>
-            <a:r>
-              <a:rPr lang="en-GB" dirty="0" smtClean="0"/>
-              <a:t>Transform and </a:t>
-            </a:r>
-            <a:br>
-              <a:rPr lang="en-GB" dirty="0" smtClean="0"/>
-            </a:br>
-            <a:r>
-              <a:rPr lang="en-GB" dirty="0" smtClean="0"/>
-              <a:t>Coordinate Descent</a:t>
-            </a:r>
-            <a:endParaRPr lang="en-GB" dirty="0"/>
-          </a:p>
-        </p:txBody>
-      </p:sp>
-      <p:sp>
-        <p:nvSpPr>
-          <p:cNvPr id="3" name="Inhaltsplatzhalter 2"/>
-          <p:cNvSpPr>
-            <a:spLocks noGrp="1"/>
-          </p:cNvSpPr>
-          <p:nvPr>
-            <p:ph idx="1"/>
-          </p:nvPr>
-        </p:nvSpPr>
-        <p:spPr/>
-        <p:txBody>
-          <a:bodyPr/>
-          <a:lstStyle/>
-          <a:p>
-            <a:endParaRPr lang="en-GB"/>
-          </a:p>
-        </p:txBody>
-      </p:sp>
-      <p:pic>
-        <p:nvPicPr>
-          <p:cNvPr id="5" name="Inhaltsplatzhalter 4"/>
-          <p:cNvPicPr>
-            <a:picLocks noChangeAspect="1"/>
-          </p:cNvPicPr>
-          <p:nvPr/>
-        </p:nvPicPr>
-        <p:blipFill>
-          <a:blip r:embed="rId2">
-            <a:extLst>
-              <a:ext uri="{28A0092B-C50C-407E-A947-70E740481C1C}">
-                <a14:useLocalDpi xmlns:a14="http://schemas.microsoft.com/office/drawing/2010/main" val="0"/>
-              </a:ext>
-            </a:extLst>
-          </a:blip>
-          <a:stretch>
-            <a:fillRect/>
-          </a:stretch>
-        </p:blipFill>
-        <p:spPr>
-          <a:xfrm>
-            <a:off x="838200" y="1834600"/>
-            <a:ext cx="8629650" cy="1047750"/>
-          </a:xfrm>
-          <a:prstGeom prst="rect">
-            <a:avLst/>
-          </a:prstGeom>
-        </p:spPr>
-      </p:pic>
-      <p:pic>
-        <p:nvPicPr>
-          <p:cNvPr id="6" name="Grafik 5"/>
-          <p:cNvPicPr>
-            <a:picLocks noChangeAspect="1"/>
-          </p:cNvPicPr>
-          <p:nvPr/>
-        </p:nvPicPr>
-        <p:blipFill>
-          <a:blip r:embed="rId3" cstate="print">
-            <a:extLst>
-              <a:ext uri="{28A0092B-C50C-407E-A947-70E740481C1C}">
-                <a14:useLocalDpi xmlns:a14="http://schemas.microsoft.com/office/drawing/2010/main" val="0"/>
-              </a:ext>
-            </a:extLst>
-          </a:blip>
-          <a:stretch>
-            <a:fillRect/>
-          </a:stretch>
-        </p:blipFill>
-        <p:spPr>
-          <a:xfrm>
-            <a:off x="4481499" y="3200400"/>
-            <a:ext cx="3657600" cy="3657600"/>
-          </a:xfrm>
-          <a:prstGeom prst="rect">
-            <a:avLst/>
-          </a:prstGeom>
-        </p:spPr>
-      </p:pic>
-      <p:sp>
-        <p:nvSpPr>
-          <p:cNvPr id="7" name="Textfeld 6"/>
-          <p:cNvSpPr txBox="1"/>
-          <p:nvPr/>
-        </p:nvSpPr>
-        <p:spPr>
-          <a:xfrm>
-            <a:off x="5396642" y="2925183"/>
-            <a:ext cx="1560043" cy="415498"/>
-          </a:xfrm>
-          <a:prstGeom prst="rect">
-            <a:avLst/>
-          </a:prstGeom>
-          <a:noFill/>
-        </p:spPr>
-        <p:txBody>
-          <a:bodyPr wrap="none" rtlCol="0">
-            <a:spAutoFit/>
-          </a:bodyPr>
-          <a:lstStyle/>
-          <a:p>
-            <a:r>
-              <a:rPr lang="en-GB" dirty="0" smtClean="0"/>
-              <a:t>Dirty Image</a:t>
-            </a:r>
-            <a:endParaRPr lang="en-GB" dirty="0"/>
-          </a:p>
-        </p:txBody>
-      </p:sp>
-    </p:spTree>
-    <p:extLst>
-      <p:ext uri="{BB962C8B-B14F-4D97-AF65-F5344CB8AC3E}">
-        <p14:creationId xmlns:p14="http://schemas.microsoft.com/office/powerpoint/2010/main" val="1892083147"/>
-      </p:ext>
-    </p:extLst>
-  </p:cSld>
-  <p:clrMapOvr>
-    <a:masterClrMapping/>
-  </p:clrMapOvr>
-</p:sld>
-</file>
-
-<file path=ppt/slides/slide3.xml><?xml version="1.0" encoding="utf-8"?>
-<p:sld xmlns:a="http://schemas.openxmlformats.org/drawingml/2006/main" xmlns:r="http://schemas.openxmlformats.org/officeDocument/2006/relationships" xmlns:p="http://schemas.openxmlformats.org/presentationml/2006/main">
-  <p:cSld>
-    <p:spTree>
-      <p:nvGrpSpPr>
-        <p:cNvPr id="1" name=""/>
-        <p:cNvGrpSpPr/>
-        <p:nvPr/>
-      </p:nvGrpSpPr>
-      <p:grpSpPr>
-        <a:xfrm>
-          <a:off x="0" y="0"/>
-          <a:ext cx="0" cy="0"/>
-          <a:chOff x="0" y="0"/>
-          <a:chExt cx="0" cy="0"/>
-        </a:xfrm>
-      </p:grpSpPr>
-      <p:sp>
-        <p:nvSpPr>
-          <p:cNvPr id="2" name="Titel 1"/>
-          <p:cNvSpPr>
-            <a:spLocks noGrp="1"/>
-          </p:cNvSpPr>
-          <p:nvPr>
-            <p:ph type="title"/>
-          </p:nvPr>
-        </p:nvSpPr>
-        <p:spPr/>
-        <p:txBody>
-          <a:bodyPr/>
-          <a:lstStyle/>
-          <a:p>
-            <a:r>
-              <a:rPr lang="en-GB" dirty="0" smtClean="0"/>
-              <a:t>Compressed Sensing</a:t>
-            </a:r>
-            <a:endParaRPr lang="en-GB" dirty="0"/>
-          </a:p>
-        </p:txBody>
-      </p:sp>
-      <p:sp>
-        <p:nvSpPr>
-          <p:cNvPr id="3" name="Inhaltsplatzhalter 2"/>
-          <p:cNvSpPr>
-            <a:spLocks noGrp="1"/>
-          </p:cNvSpPr>
-          <p:nvPr>
-            <p:ph idx="1"/>
-          </p:nvPr>
-        </p:nvSpPr>
-        <p:spPr/>
-        <p:txBody>
-          <a:bodyPr/>
-          <a:lstStyle/>
-          <a:p>
-            <a:endParaRPr lang="en-GB"/>
-          </a:p>
-        </p:txBody>
-      </p:sp>
-    </p:spTree>
-    <p:extLst>
-      <p:ext uri="{BB962C8B-B14F-4D97-AF65-F5344CB8AC3E}">
-        <p14:creationId xmlns:p14="http://schemas.microsoft.com/office/powerpoint/2010/main" val="43903793"/>
-      </p:ext>
-    </p:extLst>
-  </p:cSld>
-  <p:clrMapOvr>
-    <a:masterClrMapping/>
-  </p:clrMapOvr>
-</p:sld>
-</file>
-
-<file path=ppt/slides/slide30.xml><?xml version="1.0" encoding="utf-8"?>
-<p:sld xmlns:a="http://schemas.openxmlformats.org/drawingml/2006/main" xmlns:r="http://schemas.openxmlformats.org/officeDocument/2006/relationships" xmlns:p="http://schemas.openxmlformats.org/presentationml/2006/main">
-  <p:cSld>
-    <p:spTree>
-      <p:nvGrpSpPr>
-        <p:cNvPr id="1" name=""/>
-        <p:cNvGrpSpPr/>
-        <p:nvPr/>
-      </p:nvGrpSpPr>
-      <p:grpSpPr>
-        <a:xfrm>
-          <a:off x="0" y="0"/>
-          <a:ext cx="0" cy="0"/>
-          <a:chOff x="0" y="0"/>
-          <a:chExt cx="0" cy="0"/>
-        </a:xfrm>
-      </p:grpSpPr>
-      <p:sp>
-        <p:nvSpPr>
-          <p:cNvPr id="2" name="Titel 1"/>
-          <p:cNvSpPr>
-            <a:spLocks noGrp="1"/>
-          </p:cNvSpPr>
-          <p:nvPr>
-            <p:ph type="title"/>
-          </p:nvPr>
-        </p:nvSpPr>
-        <p:spPr/>
-        <p:txBody>
-          <a:bodyPr/>
-          <a:lstStyle/>
-          <a:p>
-            <a:r>
-              <a:rPr lang="en-GB" dirty="0" smtClean="0"/>
-              <a:t>Direct Fourier </a:t>
-            </a:r>
-            <a:r>
-              <a:rPr lang="en-GB" dirty="0" smtClean="0"/>
-              <a:t>Transform and </a:t>
-            </a:r>
-            <a:br>
-              <a:rPr lang="en-GB" dirty="0" smtClean="0"/>
-            </a:br>
-            <a:r>
-              <a:rPr lang="en-GB" dirty="0" smtClean="0"/>
-              <a:t>Coordinate Descent</a:t>
-            </a:r>
-            <a:endParaRPr lang="en-GB" dirty="0"/>
-          </a:p>
-        </p:txBody>
-      </p:sp>
-      <p:pic>
-        <p:nvPicPr>
-          <p:cNvPr id="5" name="Inhaltsplatzhalter 4"/>
-          <p:cNvPicPr>
-            <a:picLocks noChangeAspect="1"/>
-          </p:cNvPicPr>
-          <p:nvPr/>
-        </p:nvPicPr>
-        <p:blipFill>
-          <a:blip r:embed="rId2">
-            <a:extLst>
-              <a:ext uri="{BEBA8EAE-BF5A-486C-A8C5-ECC9F3942E4B}">
-                <a14:imgProps xmlns:a14="http://schemas.microsoft.com/office/drawing/2010/main">
-                  <a14:imgLayer r:embed="rId3">
-                    <a14:imgEffect>
-                      <a14:brightnessContrast contrast="-100000"/>
-                    </a14:imgEffect>
-                  </a14:imgLayer>
-                </a14:imgProps>
-              </a:ext>
-              <a:ext uri="{28A0092B-C50C-407E-A947-70E740481C1C}">
-                <a14:useLocalDpi xmlns:a14="http://schemas.microsoft.com/office/drawing/2010/main" val="0"/>
-              </a:ext>
-            </a:extLst>
-          </a:blip>
-          <a:stretch>
-            <a:fillRect/>
-          </a:stretch>
-        </p:blipFill>
-        <p:spPr>
-          <a:xfrm>
-            <a:off x="838200" y="1834600"/>
-            <a:ext cx="8629650" cy="1047750"/>
-          </a:xfrm>
-          <a:prstGeom prst="rect">
-            <a:avLst/>
-          </a:prstGeom>
-        </p:spPr>
-      </p:pic>
-      <p:pic>
-        <p:nvPicPr>
-          <p:cNvPr id="8" name="Inhaltsplatzhalter 3"/>
-          <p:cNvPicPr>
-            <a:picLocks noGrp="1" noChangeAspect="1"/>
-          </p:cNvPicPr>
-          <p:nvPr>
-            <p:ph idx="1"/>
-          </p:nvPr>
-        </p:nvPicPr>
-        <p:blipFill>
-          <a:blip r:embed="rId4">
-            <a:extLst>
-              <a:ext uri="{28A0092B-C50C-407E-A947-70E740481C1C}">
-                <a14:useLocalDpi xmlns:a14="http://schemas.microsoft.com/office/drawing/2010/main" val="0"/>
-              </a:ext>
-            </a:extLst>
-          </a:blip>
-          <a:stretch>
-            <a:fillRect/>
-          </a:stretch>
-        </p:blipFill>
-        <p:spPr>
-          <a:xfrm>
-            <a:off x="838200" y="3134856"/>
-            <a:ext cx="9153525" cy="1047750"/>
-          </a:xfrm>
-        </p:spPr>
-      </p:pic>
-    </p:spTree>
-    <p:extLst>
-      <p:ext uri="{BB962C8B-B14F-4D97-AF65-F5344CB8AC3E}">
-        <p14:creationId xmlns:p14="http://schemas.microsoft.com/office/powerpoint/2010/main" val="2861344659"/>
-      </p:ext>
-    </p:extLst>
-  </p:cSld>
-  <p:clrMapOvr>
-    <a:masterClrMapping/>
-  </p:clrMapOvr>
-</p:sld>
-</file>
-
-<file path=ppt/slides/slide31.xml><?xml version="1.0" encoding="utf-8"?>
-<p:sld xmlns:a="http://schemas.openxmlformats.org/drawingml/2006/main" xmlns:r="http://schemas.openxmlformats.org/officeDocument/2006/relationships" xmlns:p="http://schemas.openxmlformats.org/presentationml/2006/main">
-  <p:cSld>
-    <p:spTree>
-      <p:nvGrpSpPr>
-        <p:cNvPr id="1" name=""/>
-        <p:cNvGrpSpPr/>
-        <p:nvPr/>
-      </p:nvGrpSpPr>
-      <p:grpSpPr>
-        <a:xfrm>
-          <a:off x="0" y="0"/>
-          <a:ext cx="0" cy="0"/>
-          <a:chOff x="0" y="0"/>
-          <a:chExt cx="0" cy="0"/>
-        </a:xfrm>
-      </p:grpSpPr>
-      <p:sp>
-        <p:nvSpPr>
-          <p:cNvPr id="2" name="Titel 1"/>
-          <p:cNvSpPr>
-            <a:spLocks noGrp="1"/>
-          </p:cNvSpPr>
-          <p:nvPr>
-            <p:ph type="title"/>
-          </p:nvPr>
-        </p:nvSpPr>
-        <p:spPr/>
-        <p:txBody>
-          <a:bodyPr/>
-          <a:lstStyle/>
-          <a:p>
-            <a:r>
-              <a:rPr lang="en-GB" dirty="0" smtClean="0"/>
-              <a:t>Direct Fourier </a:t>
-            </a:r>
-            <a:r>
-              <a:rPr lang="en-GB" dirty="0" smtClean="0"/>
-              <a:t>Transform and </a:t>
-            </a:r>
-            <a:br>
-              <a:rPr lang="en-GB" dirty="0" smtClean="0"/>
-            </a:br>
-            <a:r>
-              <a:rPr lang="en-GB" dirty="0" smtClean="0"/>
-              <a:t>Coordinate Descent</a:t>
-            </a:r>
-            <a:endParaRPr lang="en-GB" dirty="0"/>
-          </a:p>
-        </p:txBody>
-      </p:sp>
-      <p:pic>
-        <p:nvPicPr>
-          <p:cNvPr id="5" name="Inhaltsplatzhalter 4"/>
-          <p:cNvPicPr>
-            <a:picLocks noChangeAspect="1"/>
-          </p:cNvPicPr>
-          <p:nvPr/>
-        </p:nvPicPr>
-        <p:blipFill>
-          <a:blip r:embed="rId2">
-            <a:extLst>
-              <a:ext uri="{BEBA8EAE-BF5A-486C-A8C5-ECC9F3942E4B}">
-                <a14:imgProps xmlns:a14="http://schemas.microsoft.com/office/drawing/2010/main">
-                  <a14:imgLayer r:embed="rId3">
-                    <a14:imgEffect>
-                      <a14:brightnessContrast contrast="-100000"/>
-                    </a14:imgEffect>
-                  </a14:imgLayer>
-                </a14:imgProps>
-              </a:ext>
-              <a:ext uri="{28A0092B-C50C-407E-A947-70E740481C1C}">
-                <a14:useLocalDpi xmlns:a14="http://schemas.microsoft.com/office/drawing/2010/main" val="0"/>
-              </a:ext>
-            </a:extLst>
-          </a:blip>
-          <a:stretch>
-            <a:fillRect/>
-          </a:stretch>
-        </p:blipFill>
-        <p:spPr>
-          <a:xfrm>
-            <a:off x="838200" y="1834600"/>
-            <a:ext cx="8629650" cy="1047750"/>
-          </a:xfrm>
-          <a:prstGeom prst="rect">
-            <a:avLst/>
-          </a:prstGeom>
-        </p:spPr>
-      </p:pic>
-      <p:pic>
-        <p:nvPicPr>
-          <p:cNvPr id="8" name="Inhaltsplatzhalter 3"/>
-          <p:cNvPicPr>
-            <a:picLocks noGrp="1" noChangeAspect="1"/>
-          </p:cNvPicPr>
-          <p:nvPr>
-            <p:ph idx="1"/>
-          </p:nvPr>
-        </p:nvPicPr>
-        <p:blipFill>
-          <a:blip r:embed="rId4">
-            <a:extLst>
-              <a:ext uri="{28A0092B-C50C-407E-A947-70E740481C1C}">
-                <a14:useLocalDpi xmlns:a14="http://schemas.microsoft.com/office/drawing/2010/main" val="0"/>
-              </a:ext>
-            </a:extLst>
-          </a:blip>
-          <a:stretch>
-            <a:fillRect/>
-          </a:stretch>
-        </p:blipFill>
-        <p:spPr>
-          <a:xfrm>
-            <a:off x="838200" y="3134856"/>
-            <a:ext cx="9153525" cy="1047750"/>
-          </a:xfrm>
-        </p:spPr>
-      </p:pic>
-      <p:pic>
-        <p:nvPicPr>
-          <p:cNvPr id="10" name="Grafik 9"/>
-          <p:cNvPicPr>
-            <a:picLocks noChangeAspect="1"/>
-          </p:cNvPicPr>
-          <p:nvPr/>
-        </p:nvPicPr>
-        <p:blipFill>
-          <a:blip r:embed="rId5">
-            <a:extLst>
-              <a:ext uri="{28A0092B-C50C-407E-A947-70E740481C1C}">
-                <a14:useLocalDpi xmlns:a14="http://schemas.microsoft.com/office/drawing/2010/main" val="0"/>
-              </a:ext>
-            </a:extLst>
-          </a:blip>
-          <a:stretch>
-            <a:fillRect/>
-          </a:stretch>
-        </p:blipFill>
-        <p:spPr>
-          <a:xfrm>
-            <a:off x="838200" y="4765648"/>
-            <a:ext cx="2486025" cy="333375"/>
-          </a:xfrm>
-          <a:prstGeom prst="rect">
-            <a:avLst/>
-          </a:prstGeom>
-        </p:spPr>
-      </p:pic>
-    </p:spTree>
-    <p:extLst>
-      <p:ext uri="{BB962C8B-B14F-4D97-AF65-F5344CB8AC3E}">
-        <p14:creationId xmlns:p14="http://schemas.microsoft.com/office/powerpoint/2010/main" val="271325977"/>
-      </p:ext>
-    </p:extLst>
-  </p:cSld>
-  <p:clrMapOvr>
-    <a:masterClrMapping/>
-  </p:clrMapOvr>
-</p:sld>
-</file>
-
-<file path=ppt/slides/slide32.xml><?xml version="1.0" encoding="utf-8"?>
-<p:sld xmlns:a="http://schemas.openxmlformats.org/drawingml/2006/main" xmlns:r="http://schemas.openxmlformats.org/officeDocument/2006/relationships" xmlns:p="http://schemas.openxmlformats.org/presentationml/2006/main">
-  <p:cSld>
-    <p:spTree>
-      <p:nvGrpSpPr>
-        <p:cNvPr id="1" name=""/>
-        <p:cNvGrpSpPr/>
-        <p:nvPr/>
-      </p:nvGrpSpPr>
-      <p:grpSpPr>
-        <a:xfrm>
-          <a:off x="0" y="0"/>
-          <a:ext cx="0" cy="0"/>
-          <a:chOff x="0" y="0"/>
-          <a:chExt cx="0" cy="0"/>
-        </a:xfrm>
-      </p:grpSpPr>
-      <p:sp>
-        <p:nvSpPr>
-          <p:cNvPr id="2" name="Titel 1"/>
-          <p:cNvSpPr>
-            <a:spLocks noGrp="1"/>
-          </p:cNvSpPr>
-          <p:nvPr>
-            <p:ph type="title"/>
-          </p:nvPr>
-        </p:nvSpPr>
-        <p:spPr/>
-        <p:txBody>
-          <a:bodyPr/>
-          <a:lstStyle/>
-          <a:p>
-            <a:r>
-              <a:rPr lang="en-GB" dirty="0" smtClean="0"/>
-              <a:t>Starlet transform</a:t>
-            </a:r>
-            <a:endParaRPr lang="en-GB" dirty="0"/>
-          </a:p>
-        </p:txBody>
-      </p:sp>
-      <p:pic>
-        <p:nvPicPr>
-          <p:cNvPr id="4" name="Inhaltsplatzhalter 3"/>
-          <p:cNvPicPr>
-            <a:picLocks noGrp="1" noChangeAspect="1"/>
-          </p:cNvPicPr>
-          <p:nvPr>
-            <p:ph idx="1"/>
-          </p:nvPr>
-        </p:nvPicPr>
-        <p:blipFill>
-          <a:blip r:embed="rId2">
-            <a:extLst>
-              <a:ext uri="{28A0092B-C50C-407E-A947-70E740481C1C}">
-                <a14:useLocalDpi xmlns:a14="http://schemas.microsoft.com/office/drawing/2010/main" val="0"/>
-              </a:ext>
-            </a:extLst>
-          </a:blip>
-          <a:stretch>
-            <a:fillRect/>
-          </a:stretch>
-        </p:blipFill>
-        <p:spPr>
-          <a:xfrm>
-            <a:off x="3490548" y="1964931"/>
-            <a:ext cx="5344535" cy="3986417"/>
-          </a:xfrm>
-        </p:spPr>
-      </p:pic>
-    </p:spTree>
-    <p:extLst>
-      <p:ext uri="{BB962C8B-B14F-4D97-AF65-F5344CB8AC3E}">
-        <p14:creationId xmlns:p14="http://schemas.microsoft.com/office/powerpoint/2010/main" val="3175454009"/>
-      </p:ext>
-    </p:extLst>
-  </p:cSld>
-  <p:clrMapOvr>
-    <a:masterClrMapping/>
-  </p:clrMapOvr>
-</p:sld>
-</file>
-
-<file path=ppt/slides/slide33.xml><?xml version="1.0" encoding="utf-8"?>
-<p:sld xmlns:a="http://schemas.openxmlformats.org/drawingml/2006/main" xmlns:r="http://schemas.openxmlformats.org/officeDocument/2006/relationships" xmlns:p="http://schemas.openxmlformats.org/presentationml/2006/main">
-  <p:cSld>
-    <p:spTree>
-      <p:nvGrpSpPr>
-        <p:cNvPr id="1" name=""/>
-        <p:cNvGrpSpPr/>
-        <p:nvPr/>
-      </p:nvGrpSpPr>
-      <p:grpSpPr>
-        <a:xfrm>
-          <a:off x="0" y="0"/>
-          <a:ext cx="0" cy="0"/>
-          <a:chOff x="0" y="0"/>
-          <a:chExt cx="0" cy="0"/>
-        </a:xfrm>
-      </p:grpSpPr>
-      <p:sp>
-        <p:nvSpPr>
-          <p:cNvPr id="2" name="Titel 1"/>
-          <p:cNvSpPr>
-            <a:spLocks noGrp="1"/>
-          </p:cNvSpPr>
-          <p:nvPr>
-            <p:ph type="title"/>
-          </p:nvPr>
-        </p:nvSpPr>
-        <p:spPr/>
-        <p:txBody>
-          <a:bodyPr/>
-          <a:lstStyle/>
-          <a:p>
-            <a:r>
-              <a:rPr lang="en-GB" dirty="0" smtClean="0"/>
-              <a:t>Starlet transform</a:t>
-            </a:r>
-            <a:endParaRPr lang="en-GB" dirty="0"/>
-          </a:p>
-        </p:txBody>
-      </p:sp>
-      <p:sp>
-        <p:nvSpPr>
-          <p:cNvPr id="3" name="Inhaltsplatzhalter 2"/>
-          <p:cNvSpPr>
-            <a:spLocks noGrp="1"/>
-          </p:cNvSpPr>
-          <p:nvPr>
-            <p:ph idx="1"/>
-          </p:nvPr>
-        </p:nvSpPr>
-        <p:spPr/>
-        <p:txBody>
-          <a:bodyPr/>
-          <a:lstStyle/>
-          <a:p>
-            <a:endParaRPr lang="en-GB"/>
-          </a:p>
-        </p:txBody>
-      </p:sp>
-    </p:spTree>
-    <p:extLst>
-      <p:ext uri="{BB962C8B-B14F-4D97-AF65-F5344CB8AC3E}">
-        <p14:creationId xmlns:p14="http://schemas.microsoft.com/office/powerpoint/2010/main" val="1542040194"/>
-      </p:ext>
-    </p:extLst>
-  </p:cSld>
-  <p:clrMapOvr>
-    <a:masterClrMapping/>
-  </p:clrMapOvr>
-</p:sld>
-</file>
-
-<file path=ppt/slides/slide34.xml><?xml version="1.0" encoding="utf-8"?>
-<p:sld xmlns:a="http://schemas.openxmlformats.org/drawingml/2006/main" xmlns:r="http://schemas.openxmlformats.org/officeDocument/2006/relationships" xmlns:p="http://schemas.openxmlformats.org/presentationml/2006/main">
-  <p:cSld>
-    <p:spTree>
-      <p:nvGrpSpPr>
-        <p:cNvPr id="1" name=""/>
-        <p:cNvGrpSpPr/>
-        <p:nvPr/>
-      </p:nvGrpSpPr>
-      <p:grpSpPr>
-        <a:xfrm>
-          <a:off x="0" y="0"/>
-          <a:ext cx="0" cy="0"/>
-          <a:chOff x="0" y="0"/>
-          <a:chExt cx="0" cy="0"/>
-        </a:xfrm>
-      </p:grpSpPr>
-      <p:sp>
-        <p:nvSpPr>
-          <p:cNvPr id="2" name="Titel 1"/>
-          <p:cNvSpPr>
-            <a:spLocks noGrp="1"/>
-          </p:cNvSpPr>
-          <p:nvPr>
-            <p:ph type="title"/>
-          </p:nvPr>
-        </p:nvSpPr>
-        <p:spPr/>
-        <p:txBody>
-          <a:bodyPr/>
-          <a:lstStyle/>
-          <a:p>
-            <a:r>
-              <a:rPr lang="en-GB" dirty="0" smtClean="0"/>
-              <a:t>Simulated results</a:t>
-            </a:r>
-            <a:endParaRPr lang="en-GB" dirty="0"/>
-          </a:p>
-        </p:txBody>
-      </p:sp>
-      <p:sp>
-        <p:nvSpPr>
-          <p:cNvPr id="3" name="Inhaltsplatzhalter 2"/>
-          <p:cNvSpPr>
-            <a:spLocks noGrp="1"/>
-          </p:cNvSpPr>
-          <p:nvPr>
-            <p:ph idx="1"/>
-          </p:nvPr>
-        </p:nvSpPr>
-        <p:spPr/>
-        <p:txBody>
-          <a:bodyPr/>
-          <a:lstStyle/>
-          <a:p>
-            <a:endParaRPr lang="en-GB"/>
-          </a:p>
-        </p:txBody>
-      </p:sp>
-    </p:spTree>
-    <p:extLst>
-      <p:ext uri="{BB962C8B-B14F-4D97-AF65-F5344CB8AC3E}">
-        <p14:creationId xmlns:p14="http://schemas.microsoft.com/office/powerpoint/2010/main" val="4065287532"/>
-      </p:ext>
-    </p:extLst>
-  </p:cSld>
-  <p:clrMapOvr>
-    <a:masterClrMapping/>
-  </p:clrMapOvr>
-</p:sld>
-</file>
-
-<file path=ppt/slides/slide35.xml><?xml version="1.0" encoding="utf-8"?>
-<p:sld xmlns:a="http://schemas.openxmlformats.org/drawingml/2006/main" xmlns:r="http://schemas.openxmlformats.org/officeDocument/2006/relationships" xmlns:p="http://schemas.openxmlformats.org/presentationml/2006/main">
-  <p:cSld>
-    <p:spTree>
-      <p:nvGrpSpPr>
-        <p:cNvPr id="1" name=""/>
-        <p:cNvGrpSpPr/>
-        <p:nvPr/>
-      </p:nvGrpSpPr>
-      <p:grpSpPr>
-        <a:xfrm>
-          <a:off x="0" y="0"/>
-          <a:ext cx="0" cy="0"/>
-          <a:chOff x="0" y="0"/>
-          <a:chExt cx="0" cy="0"/>
-        </a:xfrm>
-      </p:grpSpPr>
-      <p:sp>
-        <p:nvSpPr>
-          <p:cNvPr id="2" name="Titel 1"/>
-          <p:cNvSpPr>
-            <a:spLocks noGrp="1"/>
-          </p:cNvSpPr>
-          <p:nvPr>
-            <p:ph type="title"/>
-          </p:nvPr>
-        </p:nvSpPr>
-        <p:spPr/>
-        <p:txBody>
-          <a:bodyPr/>
-          <a:lstStyle/>
-          <a:p>
-            <a:r>
-              <a:rPr lang="en-GB" dirty="0" smtClean="0"/>
-              <a:t>Simulated results</a:t>
-            </a:r>
-            <a:endParaRPr lang="en-GB" dirty="0"/>
-          </a:p>
-        </p:txBody>
-      </p:sp>
-      <p:pic>
-        <p:nvPicPr>
-          <p:cNvPr id="5" name="Grafik 4"/>
-          <p:cNvPicPr>
-            <a:picLocks noChangeAspect="1"/>
-          </p:cNvPicPr>
-          <p:nvPr/>
-        </p:nvPicPr>
-        <p:blipFill>
-          <a:blip r:embed="rId2" cstate="print">
-            <a:extLst>
-              <a:ext uri="{28A0092B-C50C-407E-A947-70E740481C1C}">
-                <a14:useLocalDpi xmlns:a14="http://schemas.microsoft.com/office/drawing/2010/main" val="0"/>
-              </a:ext>
-            </a:extLst>
-          </a:blip>
-          <a:stretch>
-            <a:fillRect/>
-          </a:stretch>
-        </p:blipFill>
-        <p:spPr>
-          <a:xfrm>
-            <a:off x="503339" y="1329543"/>
-            <a:ext cx="5425294" cy="5425294"/>
-          </a:xfrm>
-          <a:prstGeom prst="rect">
-            <a:avLst/>
-          </a:prstGeom>
-        </p:spPr>
-      </p:pic>
-      <p:pic>
-        <p:nvPicPr>
-          <p:cNvPr id="6" name="Grafik 5"/>
-          <p:cNvPicPr>
-            <a:picLocks noChangeAspect="1"/>
-          </p:cNvPicPr>
-          <p:nvPr/>
-        </p:nvPicPr>
-        <p:blipFill>
-          <a:blip r:embed="rId3" cstate="print">
-            <a:extLst>
-              <a:ext uri="{28A0092B-C50C-407E-A947-70E740481C1C}">
-                <a14:useLocalDpi xmlns:a14="http://schemas.microsoft.com/office/drawing/2010/main" val="0"/>
-              </a:ext>
-            </a:extLst>
-          </a:blip>
-          <a:stretch>
-            <a:fillRect/>
-          </a:stretch>
-        </p:blipFill>
-        <p:spPr>
-          <a:xfrm>
-            <a:off x="5928633" y="1329670"/>
-            <a:ext cx="5425167" cy="5425167"/>
-          </a:xfrm>
-          <a:prstGeom prst="rect">
-            <a:avLst/>
-          </a:prstGeom>
-        </p:spPr>
-      </p:pic>
-    </p:spTree>
-    <p:extLst>
-      <p:ext uri="{BB962C8B-B14F-4D97-AF65-F5344CB8AC3E}">
-        <p14:creationId xmlns:p14="http://schemas.microsoft.com/office/powerpoint/2010/main" val="98619472"/>
-      </p:ext>
-    </p:extLst>
-  </p:cSld>
-  <p:clrMapOvr>
-    <a:masterClrMapping/>
-  </p:clrMapOvr>
-</p:sld>
-</file>
-
-<file path=ppt/slides/slide36.xml><?xml version="1.0" encoding="utf-8"?>
-<p:sld xmlns:a="http://schemas.openxmlformats.org/drawingml/2006/main" xmlns:r="http://schemas.openxmlformats.org/officeDocument/2006/relationships" xmlns:p="http://schemas.openxmlformats.org/presentationml/2006/main">
-  <p:cSld>
-    <p:spTree>
-      <p:nvGrpSpPr>
-        <p:cNvPr id="1" name=""/>
-        <p:cNvGrpSpPr/>
-        <p:nvPr/>
-      </p:nvGrpSpPr>
-      <p:grpSpPr>
-        <a:xfrm>
-          <a:off x="0" y="0"/>
-          <a:ext cx="0" cy="0"/>
-          <a:chOff x="0" y="0"/>
-          <a:chExt cx="0" cy="0"/>
-        </a:xfrm>
-      </p:grpSpPr>
-      <p:sp>
-        <p:nvSpPr>
-          <p:cNvPr id="2" name="Titel 1"/>
-          <p:cNvSpPr>
-            <a:spLocks noGrp="1"/>
-          </p:cNvSpPr>
-          <p:nvPr>
-            <p:ph type="title"/>
-          </p:nvPr>
-        </p:nvSpPr>
-        <p:spPr/>
-        <p:txBody>
-          <a:bodyPr/>
-          <a:lstStyle/>
-          <a:p>
-            <a:r>
-              <a:rPr lang="en-GB" dirty="0" smtClean="0"/>
-              <a:t>Simulated </a:t>
-            </a:r>
-            <a:r>
-              <a:rPr lang="en-GB" dirty="0" smtClean="0"/>
-              <a:t>results</a:t>
-            </a:r>
-            <a:endParaRPr lang="en-GB" dirty="0"/>
-          </a:p>
-        </p:txBody>
-      </p:sp>
-      <p:pic>
-        <p:nvPicPr>
-          <p:cNvPr id="4" name="Inhaltsplatzhalter 3"/>
-          <p:cNvPicPr>
-            <a:picLocks noGrp="1" noChangeAspect="1"/>
-          </p:cNvPicPr>
-          <p:nvPr>
-            <p:ph idx="1"/>
-          </p:nvPr>
-        </p:nvPicPr>
-        <p:blipFill>
-          <a:blip r:embed="rId2" cstate="print">
-            <a:extLst>
-              <a:ext uri="{28A0092B-C50C-407E-A947-70E740481C1C}">
-                <a14:useLocalDpi xmlns:a14="http://schemas.microsoft.com/office/drawing/2010/main" val="0"/>
-              </a:ext>
-            </a:extLst>
-          </a:blip>
-          <a:stretch>
-            <a:fillRect/>
-          </a:stretch>
-        </p:blipFill>
-        <p:spPr>
-          <a:xfrm>
-            <a:off x="604434" y="1428579"/>
-            <a:ext cx="10600841" cy="5300419"/>
-          </a:xfrm>
-        </p:spPr>
-      </p:pic>
-      <p:pic>
-        <p:nvPicPr>
-          <p:cNvPr id="6" name="Inhaltsplatzhalter 3"/>
-          <p:cNvPicPr>
-            <a:picLocks noChangeAspect="1"/>
-          </p:cNvPicPr>
-          <p:nvPr/>
-        </p:nvPicPr>
-        <p:blipFill rotWithShape="1">
-          <a:blip r:embed="rId3" cstate="print">
-            <a:extLst>
-              <a:ext uri="{28A0092B-C50C-407E-A947-70E740481C1C}">
-                <a14:useLocalDpi xmlns:a14="http://schemas.microsoft.com/office/drawing/2010/main" val="0"/>
-              </a:ext>
-            </a:extLst>
-          </a:blip>
-          <a:srcRect l="9520" t="12232" r="19004" b="16761"/>
-          <a:stretch/>
-        </p:blipFill>
-        <p:spPr>
-          <a:xfrm>
-            <a:off x="9179084" y="0"/>
-            <a:ext cx="3012916" cy="2993180"/>
-          </a:xfrm>
-          <a:prstGeom prst="rect">
-            <a:avLst/>
-          </a:prstGeom>
-        </p:spPr>
-      </p:pic>
-    </p:spTree>
-    <p:extLst>
-      <p:ext uri="{BB962C8B-B14F-4D97-AF65-F5344CB8AC3E}">
-        <p14:creationId xmlns:p14="http://schemas.microsoft.com/office/powerpoint/2010/main" val="2006460899"/>
-      </p:ext>
-    </p:extLst>
-  </p:cSld>
-  <p:clrMapOvr>
-    <a:masterClrMapping/>
-  </p:clrMapOvr>
-</p:sld>
-</file>
-
-<file path=ppt/slides/slide37.xml><?xml version="1.0" encoding="utf-8"?>
-<p:sld xmlns:a="http://schemas.openxmlformats.org/drawingml/2006/main" xmlns:r="http://schemas.openxmlformats.org/officeDocument/2006/relationships" xmlns:p="http://schemas.openxmlformats.org/presentationml/2006/main">
-  <p:cSld>
-    <p:spTree>
-      <p:nvGrpSpPr>
-        <p:cNvPr id="1" name=""/>
-        <p:cNvGrpSpPr/>
-        <p:nvPr/>
-      </p:nvGrpSpPr>
-      <p:grpSpPr>
-        <a:xfrm>
-          <a:off x="0" y="0"/>
-          <a:ext cx="0" cy="0"/>
-          <a:chOff x="0" y="0"/>
-          <a:chExt cx="0" cy="0"/>
-        </a:xfrm>
-      </p:grpSpPr>
-      <p:sp>
-        <p:nvSpPr>
-          <p:cNvPr id="2" name="Titel 1"/>
-          <p:cNvSpPr>
-            <a:spLocks noGrp="1"/>
-          </p:cNvSpPr>
-          <p:nvPr>
-            <p:ph type="title"/>
-          </p:nvPr>
-        </p:nvSpPr>
-        <p:spPr/>
-        <p:txBody>
-          <a:bodyPr/>
-          <a:lstStyle/>
-          <a:p>
-            <a:r>
-              <a:rPr lang="en-GB" dirty="0" smtClean="0"/>
-              <a:t>Super Resolution (but)</a:t>
-            </a:r>
-            <a:endParaRPr lang="en-GB" dirty="0"/>
-          </a:p>
-        </p:txBody>
-      </p:sp>
-      <p:pic>
-        <p:nvPicPr>
-          <p:cNvPr id="4" name="Inhaltsplatzhalter 3"/>
-          <p:cNvPicPr>
-            <a:picLocks noGrp="1" noChangeAspect="1"/>
-          </p:cNvPicPr>
-          <p:nvPr>
-            <p:ph idx="1"/>
-          </p:nvPr>
-        </p:nvPicPr>
-        <p:blipFill>
-          <a:blip r:embed="rId2">
-            <a:extLst>
-              <a:ext uri="{28A0092B-C50C-407E-A947-70E740481C1C}">
-                <a14:useLocalDpi xmlns:a14="http://schemas.microsoft.com/office/drawing/2010/main" val="0"/>
-              </a:ext>
-            </a:extLst>
-          </a:blip>
-          <a:stretch>
-            <a:fillRect/>
-          </a:stretch>
-        </p:blipFill>
-        <p:spPr>
-          <a:xfrm>
-            <a:off x="3562404" y="2223389"/>
-            <a:ext cx="2797064" cy="2797064"/>
-          </a:xfrm>
-        </p:spPr>
-      </p:pic>
-      <p:pic>
-        <p:nvPicPr>
-          <p:cNvPr id="5" name="Grafik 4"/>
-          <p:cNvPicPr>
-            <a:picLocks noChangeAspect="1"/>
-          </p:cNvPicPr>
-          <p:nvPr/>
-        </p:nvPicPr>
-        <p:blipFill>
-          <a:blip r:embed="rId3">
-            <a:extLst>
-              <a:ext uri="{28A0092B-C50C-407E-A947-70E740481C1C}">
-                <a14:useLocalDpi xmlns:a14="http://schemas.microsoft.com/office/drawing/2010/main" val="0"/>
-              </a:ext>
-            </a:extLst>
-          </a:blip>
-          <a:stretch>
-            <a:fillRect/>
-          </a:stretch>
-        </p:blipFill>
-        <p:spPr>
-          <a:xfrm>
-            <a:off x="722011" y="2223389"/>
-            <a:ext cx="2797064" cy="2797064"/>
-          </a:xfrm>
-          <a:prstGeom prst="rect">
-            <a:avLst/>
-          </a:prstGeom>
-        </p:spPr>
-      </p:pic>
-      <p:pic>
-        <p:nvPicPr>
-          <p:cNvPr id="6" name="Grafik 5"/>
-          <p:cNvPicPr>
-            <a:picLocks noChangeAspect="1"/>
-          </p:cNvPicPr>
-          <p:nvPr/>
-        </p:nvPicPr>
-        <p:blipFill>
-          <a:blip r:embed="rId4">
-            <a:extLst>
-              <a:ext uri="{28A0092B-C50C-407E-A947-70E740481C1C}">
-                <a14:useLocalDpi xmlns:a14="http://schemas.microsoft.com/office/drawing/2010/main" val="0"/>
-              </a:ext>
-            </a:extLst>
-          </a:blip>
-          <a:stretch>
-            <a:fillRect/>
-          </a:stretch>
-        </p:blipFill>
-        <p:spPr>
-          <a:xfrm>
-            <a:off x="6402797" y="2223389"/>
-            <a:ext cx="2797064" cy="2797064"/>
-          </a:xfrm>
-          <a:prstGeom prst="rect">
-            <a:avLst/>
-          </a:prstGeom>
-        </p:spPr>
-      </p:pic>
-      <p:pic>
-        <p:nvPicPr>
-          <p:cNvPr id="7" name="Grafik 6"/>
-          <p:cNvPicPr>
-            <a:picLocks noChangeAspect="1"/>
-          </p:cNvPicPr>
-          <p:nvPr/>
-        </p:nvPicPr>
-        <p:blipFill>
-          <a:blip r:embed="rId5">
-            <a:extLst>
-              <a:ext uri="{28A0092B-C50C-407E-A947-70E740481C1C}">
-                <a14:useLocalDpi xmlns:a14="http://schemas.microsoft.com/office/drawing/2010/main" val="0"/>
-              </a:ext>
-            </a:extLst>
-          </a:blip>
-          <a:stretch>
-            <a:fillRect/>
-          </a:stretch>
-        </p:blipFill>
-        <p:spPr>
-          <a:xfrm>
-            <a:off x="9243190" y="2223389"/>
-            <a:ext cx="2797064" cy="2797064"/>
-          </a:xfrm>
-          <a:prstGeom prst="rect">
-            <a:avLst/>
-          </a:prstGeom>
-        </p:spPr>
-      </p:pic>
-    </p:spTree>
-    <p:extLst>
-      <p:ext uri="{BB962C8B-B14F-4D97-AF65-F5344CB8AC3E}">
-        <p14:creationId xmlns:p14="http://schemas.microsoft.com/office/powerpoint/2010/main" val="714275184"/>
-      </p:ext>
-    </p:extLst>
-  </p:cSld>
-  <p:clrMapOvr>
-    <a:masterClrMapping/>
-  </p:clrMapOvr>
-</p:sld>
-</file>
-
-<file path=ppt/slides/slide38.xml><?xml version="1.0" encoding="utf-8"?>
-<p:sld xmlns:a="http://schemas.openxmlformats.org/drawingml/2006/main" xmlns:r="http://schemas.openxmlformats.org/officeDocument/2006/relationships" xmlns:p="http://schemas.openxmlformats.org/presentationml/2006/main">
-  <p:cSld>
-    <p:spTree>
-      <p:nvGrpSpPr>
-        <p:cNvPr id="1" name=""/>
-        <p:cNvGrpSpPr/>
-        <p:nvPr/>
-      </p:nvGrpSpPr>
-      <p:grpSpPr>
-        <a:xfrm>
-          <a:off x="0" y="0"/>
-          <a:ext cx="0" cy="0"/>
-          <a:chOff x="0" y="0"/>
-          <a:chExt cx="0" cy="0"/>
-        </a:xfrm>
-      </p:grpSpPr>
-      <p:sp>
-        <p:nvSpPr>
-          <p:cNvPr id="2" name="Titel 1"/>
-          <p:cNvSpPr>
-            <a:spLocks noGrp="1"/>
-          </p:cNvSpPr>
-          <p:nvPr>
-            <p:ph type="title"/>
-          </p:nvPr>
-        </p:nvSpPr>
-        <p:spPr/>
-        <p:txBody>
-          <a:bodyPr/>
-          <a:lstStyle/>
-          <a:p>
-            <a:r>
-              <a:rPr lang="en-GB" dirty="0" smtClean="0"/>
-              <a:t>Scalability</a:t>
-            </a:r>
-            <a:endParaRPr lang="en-GB" dirty="0"/>
-          </a:p>
-        </p:txBody>
-      </p:sp>
-      <p:sp>
-        <p:nvSpPr>
-          <p:cNvPr id="3" name="Inhaltsplatzhalter 2"/>
-          <p:cNvSpPr>
-            <a:spLocks noGrp="1"/>
-          </p:cNvSpPr>
-          <p:nvPr>
-            <p:ph idx="1"/>
-          </p:nvPr>
-        </p:nvSpPr>
-        <p:spPr/>
-        <p:txBody>
-          <a:bodyPr>
-            <a:normAutofit/>
-          </a:bodyPr>
-          <a:lstStyle/>
-          <a:p>
-            <a:r>
-              <a:rPr lang="en-GB" sz="15000" dirty="0" smtClean="0"/>
-              <a:t>??</a:t>
-            </a:r>
-            <a:endParaRPr lang="en-GB" sz="15000" dirty="0"/>
-          </a:p>
-        </p:txBody>
-      </p:sp>
-    </p:spTree>
-    <p:extLst>
-      <p:ext uri="{BB962C8B-B14F-4D97-AF65-F5344CB8AC3E}">
-        <p14:creationId xmlns:p14="http://schemas.microsoft.com/office/powerpoint/2010/main" val="2851100580"/>
-      </p:ext>
-    </p:extLst>
-  </p:cSld>
-  <p:clrMapOvr>
-    <a:masterClrMapping/>
-  </p:clrMapOvr>
-</p:sld>
-</file>
-
-<file path=ppt/slides/slide39.xml><?xml version="1.0" encoding="utf-8"?>
-<p:sld xmlns:a="http://schemas.openxmlformats.org/drawingml/2006/main" xmlns:r="http://schemas.openxmlformats.org/officeDocument/2006/relationships" xmlns:p="http://schemas.openxmlformats.org/presentationml/2006/main">
-  <p:cSld>
-    <p:spTree>
-      <p:nvGrpSpPr>
-        <p:cNvPr id="1" name=""/>
-        <p:cNvGrpSpPr/>
-        <p:nvPr/>
-      </p:nvGrpSpPr>
-      <p:grpSpPr>
-        <a:xfrm>
-          <a:off x="0" y="0"/>
-          <a:ext cx="0" cy="0"/>
-          <a:chOff x="0" y="0"/>
-          <a:chExt cx="0" cy="0"/>
-        </a:xfrm>
-      </p:grpSpPr>
-      <p:sp>
-        <p:nvSpPr>
-          <p:cNvPr id="2" name="Titel 1"/>
-          <p:cNvSpPr>
-            <a:spLocks noGrp="1"/>
-          </p:cNvSpPr>
-          <p:nvPr>
-            <p:ph type="title"/>
-          </p:nvPr>
-        </p:nvSpPr>
-        <p:spPr/>
-        <p:txBody>
-          <a:bodyPr/>
-          <a:lstStyle/>
-          <a:p>
-            <a:r>
-              <a:rPr lang="en-GB" dirty="0" smtClean="0"/>
-              <a:t>Redundancy</a:t>
-            </a:r>
-            <a:endParaRPr lang="en-GB" dirty="0"/>
-          </a:p>
-        </p:txBody>
-      </p:sp>
-      <p:sp>
-        <p:nvSpPr>
-          <p:cNvPr id="3" name="Inhaltsplatzhalter 2"/>
-          <p:cNvSpPr>
-            <a:spLocks noGrp="1"/>
-          </p:cNvSpPr>
-          <p:nvPr>
-            <p:ph idx="1"/>
-          </p:nvPr>
-        </p:nvSpPr>
-        <p:spPr/>
-        <p:txBody>
-          <a:bodyPr/>
-          <a:lstStyle/>
-          <a:p>
-            <a:endParaRPr lang="en-GB"/>
-          </a:p>
-        </p:txBody>
-      </p:sp>
-    </p:spTree>
-    <p:extLst>
-      <p:ext uri="{BB962C8B-B14F-4D97-AF65-F5344CB8AC3E}">
-        <p14:creationId xmlns:p14="http://schemas.microsoft.com/office/powerpoint/2010/main" val="3680306457"/>
-      </p:ext>
-    </p:extLst>
-  </p:cSld>
-  <p:clrMapOvr>
-    <a:masterClrMapping/>
-  </p:clrMapOvr>
-</p:sld>
-</file>
-
-<file path=ppt/slides/slide4.xml><?xml version="1.0" encoding="utf-8"?>
-<p:sld xmlns:a="http://schemas.openxmlformats.org/drawingml/2006/main" xmlns:r="http://schemas.openxmlformats.org/officeDocument/2006/relationships" xmlns:p="http://schemas.openxmlformats.org/presentationml/2006/main">
-  <p:cSld>
-    <p:spTree>
-      <p:nvGrpSpPr>
-        <p:cNvPr id="1" name=""/>
-        <p:cNvGrpSpPr/>
-        <p:nvPr/>
-      </p:nvGrpSpPr>
-      <p:grpSpPr>
-        <a:xfrm>
-          <a:off x="0" y="0"/>
-          <a:ext cx="0" cy="0"/>
-          <a:chOff x="0" y="0"/>
-          <a:chExt cx="0" cy="0"/>
-        </a:xfrm>
-      </p:grpSpPr>
-      <p:sp>
-        <p:nvSpPr>
-          <p:cNvPr id="2" name="Titel 1"/>
-          <p:cNvSpPr>
-            <a:spLocks noGrp="1"/>
-          </p:cNvSpPr>
-          <p:nvPr>
-            <p:ph type="title"/>
-          </p:nvPr>
-        </p:nvSpPr>
-        <p:spPr/>
-        <p:txBody>
-          <a:bodyPr/>
-          <a:lstStyle/>
-          <a:p>
-            <a:r>
-              <a:rPr lang="en-GB" dirty="0" smtClean="0"/>
-              <a:t>MeerKAT era</a:t>
-            </a:r>
-            <a:endParaRPr lang="en-GB" dirty="0"/>
-          </a:p>
-        </p:txBody>
-      </p:sp>
-      <p:sp>
-        <p:nvSpPr>
-          <p:cNvPr id="3" name="Inhaltsplatzhalter 2"/>
-          <p:cNvSpPr>
-            <a:spLocks noGrp="1"/>
-          </p:cNvSpPr>
-          <p:nvPr>
-            <p:ph idx="1"/>
-          </p:nvPr>
-        </p:nvSpPr>
-        <p:spPr/>
-        <p:txBody>
-          <a:bodyPr/>
-          <a:lstStyle/>
-          <a:p>
-            <a:r>
-              <a:rPr lang="en-GB" dirty="0" smtClean="0"/>
-              <a:t>4000 Million+ Visibility Measurements</a:t>
-            </a:r>
-          </a:p>
-          <a:p>
-            <a:r>
-              <a:rPr lang="en-GB" dirty="0" smtClean="0"/>
-              <a:t>60 Million+ </a:t>
-            </a:r>
-            <a:r>
-              <a:rPr lang="en-GB" dirty="0"/>
-              <a:t>Pixels</a:t>
-            </a:r>
-          </a:p>
-          <a:p>
-            <a:endParaRPr lang="en-GB" dirty="0"/>
-          </a:p>
-        </p:txBody>
-      </p:sp>
-    </p:spTree>
-    <p:extLst>
-      <p:ext uri="{BB962C8B-B14F-4D97-AF65-F5344CB8AC3E}">
-        <p14:creationId xmlns:p14="http://schemas.microsoft.com/office/powerpoint/2010/main" val="967722166"/>
-      </p:ext>
-    </p:extLst>
-  </p:cSld>
-  <p:clrMapOvr>
-    <a:masterClrMapping/>
-  </p:clrMapOvr>
-</p:sld>
-</file>
-
-<file path=ppt/slides/slide40.xml><?xml version="1.0" encoding="utf-8"?>
-<p:sld xmlns:a="http://schemas.openxmlformats.org/drawingml/2006/main" xmlns:r="http://schemas.openxmlformats.org/officeDocument/2006/relationships" xmlns:p="http://schemas.openxmlformats.org/presentationml/2006/main">
-  <p:cSld>
-    <p:spTree>
-      <p:nvGrpSpPr>
-        <p:cNvPr id="1" name=""/>
-        <p:cNvGrpSpPr/>
-        <p:nvPr/>
-      </p:nvGrpSpPr>
-      <p:grpSpPr>
-        <a:xfrm>
-          <a:off x="0" y="0"/>
-          <a:ext cx="0" cy="0"/>
-          <a:chOff x="0" y="0"/>
-          <a:chExt cx="0" cy="0"/>
-        </a:xfrm>
-      </p:grpSpPr>
-      <p:sp>
-        <p:nvSpPr>
-          <p:cNvPr id="2" name="Titel 1"/>
-          <p:cNvSpPr>
-            <a:spLocks noGrp="1"/>
-          </p:cNvSpPr>
-          <p:nvPr>
-            <p:ph type="title"/>
-          </p:nvPr>
-        </p:nvSpPr>
-        <p:spPr/>
-        <p:txBody>
-          <a:bodyPr/>
-          <a:lstStyle/>
-          <a:p>
-            <a:r>
-              <a:rPr lang="en-GB" dirty="0" smtClean="0"/>
-              <a:t>Future</a:t>
-            </a:r>
-            <a:endParaRPr lang="en-GB" dirty="0"/>
-          </a:p>
-        </p:txBody>
-      </p:sp>
-      <p:sp>
-        <p:nvSpPr>
-          <p:cNvPr id="3" name="Inhaltsplatzhalter 2"/>
-          <p:cNvSpPr>
-            <a:spLocks noGrp="1"/>
-          </p:cNvSpPr>
-          <p:nvPr>
-            <p:ph idx="1"/>
-          </p:nvPr>
-        </p:nvSpPr>
-        <p:spPr/>
-        <p:txBody>
-          <a:bodyPr/>
-          <a:lstStyle/>
-          <a:p>
-            <a:endParaRPr lang="en-GB"/>
-          </a:p>
-        </p:txBody>
-      </p:sp>
-    </p:spTree>
-    <p:extLst>
-      <p:ext uri="{BB962C8B-B14F-4D97-AF65-F5344CB8AC3E}">
-        <p14:creationId xmlns:p14="http://schemas.microsoft.com/office/powerpoint/2010/main" val="1485467411"/>
-      </p:ext>
-    </p:extLst>
-  </p:cSld>
-  <p:clrMapOvr>
-    <a:masterClrMapping/>
-  </p:clrMapOvr>
-</p:sld>
-</file>
-
-<file path=ppt/slides/slide41.xml><?xml version="1.0" encoding="utf-8"?>
-<p:sld xmlns:a="http://schemas.openxmlformats.org/drawingml/2006/main" xmlns:r="http://schemas.openxmlformats.org/officeDocument/2006/relationships" xmlns:p="http://schemas.openxmlformats.org/presentationml/2006/main">
-  <p:cSld>
-    <p:spTree>
-      <p:nvGrpSpPr>
-        <p:cNvPr id="1" name=""/>
-        <p:cNvGrpSpPr/>
-        <p:nvPr/>
-      </p:nvGrpSpPr>
-      <p:grpSpPr>
-        <a:xfrm>
-          <a:off x="0" y="0"/>
-          <a:ext cx="0" cy="0"/>
-          <a:chOff x="0" y="0"/>
-          <a:chExt cx="0" cy="0"/>
-        </a:xfrm>
-      </p:grpSpPr>
-      <p:sp>
-        <p:nvSpPr>
-          <p:cNvPr id="2" name="Titel 1"/>
-          <p:cNvSpPr>
-            <a:spLocks noGrp="1"/>
-          </p:cNvSpPr>
-          <p:nvPr>
-            <p:ph type="title"/>
-          </p:nvPr>
-        </p:nvSpPr>
-        <p:spPr/>
-        <p:txBody>
-          <a:bodyPr/>
-          <a:lstStyle/>
-          <a:p>
-            <a:r>
-              <a:rPr lang="en-GB" dirty="0" smtClean="0"/>
-              <a:t>Future</a:t>
-            </a:r>
-            <a:endParaRPr lang="en-GB" dirty="0"/>
-          </a:p>
-        </p:txBody>
-      </p:sp>
-      <p:sp>
-        <p:nvSpPr>
-          <p:cNvPr id="3" name="Inhaltsplatzhalter 2"/>
-          <p:cNvSpPr>
-            <a:spLocks noGrp="1"/>
-          </p:cNvSpPr>
-          <p:nvPr>
-            <p:ph idx="1"/>
-          </p:nvPr>
-        </p:nvSpPr>
-        <p:spPr/>
-        <p:txBody>
-          <a:bodyPr/>
-          <a:lstStyle/>
-          <a:p>
-            <a:endParaRPr lang="en-GB"/>
-          </a:p>
-        </p:txBody>
-      </p:sp>
-    </p:spTree>
-    <p:extLst>
-      <p:ext uri="{BB962C8B-B14F-4D97-AF65-F5344CB8AC3E}">
-        <p14:creationId xmlns:p14="http://schemas.microsoft.com/office/powerpoint/2010/main" val="522897449"/>
-      </p:ext>
-    </p:extLst>
-  </p:cSld>
-  <p:clrMapOvr>
-    <a:masterClrMapping/>
-  </p:clrMapOvr>
-</p:sld>
-</file>
-
-<file path=ppt/slides/slide42.xml><?xml version="1.0" encoding="utf-8"?>
-<p:sld xmlns:a="http://schemas.openxmlformats.org/drawingml/2006/main" xmlns:r="http://schemas.openxmlformats.org/officeDocument/2006/relationships" xmlns:p="http://schemas.openxmlformats.org/presentationml/2006/main">
-  <p:cSld>
-    <p:spTree>
-      <p:nvGrpSpPr>
-        <p:cNvPr id="1" name=""/>
-        <p:cNvGrpSpPr/>
-        <p:nvPr/>
-      </p:nvGrpSpPr>
-      <p:grpSpPr>
-        <a:xfrm>
-          <a:off x="0" y="0"/>
-          <a:ext cx="0" cy="0"/>
-          <a:chOff x="0" y="0"/>
-          <a:chExt cx="0" cy="0"/>
-        </a:xfrm>
-      </p:grpSpPr>
-      <p:sp>
-        <p:nvSpPr>
-          <p:cNvPr id="2" name="Titel 1"/>
-          <p:cNvSpPr>
-            <a:spLocks noGrp="1"/>
-          </p:cNvSpPr>
-          <p:nvPr>
-            <p:ph type="title"/>
-          </p:nvPr>
-        </p:nvSpPr>
-        <p:spPr/>
-        <p:txBody>
-          <a:bodyPr/>
-          <a:lstStyle/>
-          <a:p>
-            <a:r>
-              <a:rPr lang="en-GB" dirty="0" smtClean="0"/>
-              <a:t>Wide Field of View</a:t>
-            </a:r>
-            <a:endParaRPr lang="en-GB" dirty="0"/>
-          </a:p>
-        </p:txBody>
-      </p:sp>
-      <p:pic>
-        <p:nvPicPr>
-          <p:cNvPr id="4" name="Inhaltsplatzhalter 3"/>
-          <p:cNvPicPr>
-            <a:picLocks noGrp="1" noChangeAspect="1"/>
-          </p:cNvPicPr>
-          <p:nvPr>
-            <p:ph idx="1"/>
-          </p:nvPr>
-        </p:nvPicPr>
-        <p:blipFill>
-          <a:blip r:embed="rId2" cstate="print">
-            <a:extLst>
-              <a:ext uri="{28A0092B-C50C-407E-A947-70E740481C1C}">
-                <a14:useLocalDpi xmlns:a14="http://schemas.microsoft.com/office/drawing/2010/main" val="0"/>
-              </a:ext>
-            </a:extLst>
-          </a:blip>
-          <a:stretch>
-            <a:fillRect/>
-          </a:stretch>
-        </p:blipFill>
-        <p:spPr>
-          <a:xfrm>
-            <a:off x="6079067" y="1581679"/>
-            <a:ext cx="4392600" cy="4351338"/>
-          </a:xfrm>
-        </p:spPr>
-      </p:pic>
-      <p:pic>
-        <p:nvPicPr>
-          <p:cNvPr id="5" name="Grafik 4"/>
-          <p:cNvPicPr>
-            <a:picLocks noChangeAspect="1"/>
-          </p:cNvPicPr>
-          <p:nvPr/>
-        </p:nvPicPr>
-        <p:blipFill>
-          <a:blip r:embed="rId3" cstate="print">
-            <a:extLst>
-              <a:ext uri="{28A0092B-C50C-407E-A947-70E740481C1C}">
-                <a14:useLocalDpi xmlns:a14="http://schemas.microsoft.com/office/drawing/2010/main" val="0"/>
-              </a:ext>
-            </a:extLst>
-          </a:blip>
-          <a:stretch>
-            <a:fillRect/>
-          </a:stretch>
-        </p:blipFill>
-        <p:spPr>
-          <a:xfrm>
-            <a:off x="1261533" y="1581679"/>
-            <a:ext cx="4377267" cy="4392361"/>
-          </a:xfrm>
-          <a:prstGeom prst="rect">
-            <a:avLst/>
-          </a:prstGeom>
-        </p:spPr>
-      </p:pic>
-      <p:sp>
-        <p:nvSpPr>
-          <p:cNvPr id="6" name="Textfeld 5"/>
-          <p:cNvSpPr txBox="1"/>
-          <p:nvPr/>
-        </p:nvSpPr>
-        <p:spPr>
-          <a:xfrm>
-            <a:off x="1983762" y="5974040"/>
-            <a:ext cx="3271473" cy="523220"/>
-          </a:xfrm>
-          <a:prstGeom prst="rect">
-            <a:avLst/>
-          </a:prstGeom>
-          <a:noFill/>
-        </p:spPr>
-        <p:txBody>
-          <a:bodyPr wrap="none" rtlCol="0">
-            <a:spAutoFit/>
-          </a:bodyPr>
-          <a:lstStyle/>
-          <a:p>
-            <a:r>
-              <a:rPr lang="en-GB" sz="2800" dirty="0" smtClean="0"/>
-              <a:t>2D Fourier Transform</a:t>
-            </a:r>
-            <a:endParaRPr lang="en-GB" sz="2800" dirty="0"/>
-          </a:p>
-        </p:txBody>
-      </p:sp>
-      <p:sp>
-        <p:nvSpPr>
-          <p:cNvPr id="7" name="Textfeld 6"/>
-          <p:cNvSpPr txBox="1"/>
-          <p:nvPr/>
-        </p:nvSpPr>
-        <p:spPr>
-          <a:xfrm>
-            <a:off x="7147630" y="5974040"/>
-            <a:ext cx="2837956" cy="523220"/>
-          </a:xfrm>
-          <a:prstGeom prst="rect">
-            <a:avLst/>
-          </a:prstGeom>
-          <a:noFill/>
-        </p:spPr>
-        <p:txBody>
-          <a:bodyPr wrap="none" rtlCol="0">
-            <a:spAutoFit/>
-          </a:bodyPr>
-          <a:lstStyle/>
-          <a:p>
-            <a:r>
-              <a:rPr lang="en-GB" sz="2800" dirty="0" smtClean="0"/>
-              <a:t>With w-correction</a:t>
-            </a:r>
-            <a:endParaRPr lang="en-GB" sz="2800" dirty="0"/>
-          </a:p>
-        </p:txBody>
-      </p:sp>
-    </p:spTree>
-    <p:extLst>
-      <p:ext uri="{BB962C8B-B14F-4D97-AF65-F5344CB8AC3E}">
-        <p14:creationId xmlns:p14="http://schemas.microsoft.com/office/powerpoint/2010/main" val="405049423"/>
-      </p:ext>
-    </p:extLst>
-  </p:cSld>
-  <p:clrMapOvr>
-    <a:masterClrMapping/>
-  </p:clrMapOvr>
-</p:sld>
-</file>
-
-<file path=ppt/slides/slide43.xml><?xml version="1.0" encoding="utf-8"?>
-<p:sld xmlns:a="http://schemas.openxmlformats.org/drawingml/2006/main" xmlns:r="http://schemas.openxmlformats.org/officeDocument/2006/relationships" xmlns:p="http://schemas.openxmlformats.org/presentationml/2006/main">
-  <p:cSld>
-    <p:spTree>
-      <p:nvGrpSpPr>
-        <p:cNvPr id="1" name=""/>
-        <p:cNvGrpSpPr/>
-        <p:nvPr/>
-      </p:nvGrpSpPr>
-      <p:grpSpPr>
-        <a:xfrm>
-          <a:off x="0" y="0"/>
-          <a:ext cx="0" cy="0"/>
-          <a:chOff x="0" y="0"/>
-          <a:chExt cx="0" cy="0"/>
-        </a:xfrm>
-      </p:grpSpPr>
-      <p:sp>
-        <p:nvSpPr>
-          <p:cNvPr id="2" name="Titel 1"/>
-          <p:cNvSpPr>
-            <a:spLocks noGrp="1"/>
-          </p:cNvSpPr>
-          <p:nvPr>
-            <p:ph type="title"/>
-          </p:nvPr>
-        </p:nvSpPr>
-        <p:spPr/>
-        <p:txBody>
-          <a:bodyPr/>
-          <a:lstStyle/>
-          <a:p>
-            <a:r>
-              <a:rPr lang="en-GB" dirty="0" smtClean="0"/>
-              <a:t>Wide Field of View</a:t>
-            </a:r>
-            <a:endParaRPr lang="en-GB" dirty="0"/>
-          </a:p>
-        </p:txBody>
-      </p:sp>
-      <p:pic>
-        <p:nvPicPr>
-          <p:cNvPr id="10" name="Grafik 9"/>
-          <p:cNvPicPr>
-            <a:picLocks noChangeAspect="1"/>
-          </p:cNvPicPr>
-          <p:nvPr/>
-        </p:nvPicPr>
-        <p:blipFill>
-          <a:blip r:embed="rId2">
-            <a:extLst>
-              <a:ext uri="{28A0092B-C50C-407E-A947-70E740481C1C}">
-                <a14:useLocalDpi xmlns:a14="http://schemas.microsoft.com/office/drawing/2010/main" val="0"/>
-              </a:ext>
-            </a:extLst>
-          </a:blip>
-          <a:stretch>
-            <a:fillRect/>
-          </a:stretch>
-        </p:blipFill>
-        <p:spPr>
-          <a:xfrm>
-            <a:off x="2484966" y="2180798"/>
-            <a:ext cx="7222067" cy="1025068"/>
-          </a:xfrm>
-          <a:prstGeom prst="rect">
-            <a:avLst/>
-          </a:prstGeom>
-        </p:spPr>
-      </p:pic>
-      <p:pic>
-        <p:nvPicPr>
-          <p:cNvPr id="12" name="Inhaltsplatzhalter 11"/>
-          <p:cNvPicPr>
-            <a:picLocks noGrp="1" noChangeAspect="1"/>
-          </p:cNvPicPr>
-          <p:nvPr>
-            <p:ph idx="1"/>
-          </p:nvPr>
-        </p:nvPicPr>
-        <p:blipFill>
-          <a:blip r:embed="rId3">
-            <a:extLst>
-              <a:ext uri="{28A0092B-C50C-407E-A947-70E740481C1C}">
-                <a14:useLocalDpi xmlns:a14="http://schemas.microsoft.com/office/drawing/2010/main" val="0"/>
-              </a:ext>
-            </a:extLst>
-          </a:blip>
-          <a:stretch>
-            <a:fillRect/>
-          </a:stretch>
-        </p:blipFill>
-        <p:spPr>
-          <a:xfrm>
-            <a:off x="747712" y="3695977"/>
-            <a:ext cx="10515600" cy="915433"/>
-          </a:xfrm>
-        </p:spPr>
-      </p:pic>
-    </p:spTree>
-    <p:extLst>
-      <p:ext uri="{BB962C8B-B14F-4D97-AF65-F5344CB8AC3E}">
-        <p14:creationId xmlns:p14="http://schemas.microsoft.com/office/powerpoint/2010/main" val="2316829888"/>
+        <p14:creationId xmlns:p14="http://schemas.microsoft.com/office/powerpoint/2010/main" val="2601163829"/>
       </p:ext>
     </p:extLst>
   </p:cSld>
@@ -8430,104 +8709,9 @@
           <a:lstStyle/>
           <a:p>
             <a:r>
-              <a:rPr lang="en-GB" dirty="0" smtClean="0"/>
-              <a:t>(Constrained) </a:t>
-            </a:r>
-            <a:r>
-              <a:rPr lang="en-GB" dirty="0" smtClean="0"/>
-              <a:t>Optimization Problem</a:t>
-            </a:r>
-            <a:endParaRPr lang="en-GB" dirty="0"/>
-          </a:p>
-        </p:txBody>
-      </p:sp>
-      <p:pic>
-        <p:nvPicPr>
-          <p:cNvPr id="6" name="Inhaltsplatzhalter 5"/>
-          <p:cNvPicPr>
-            <a:picLocks noGrp="1" noChangeAspect="1"/>
-          </p:cNvPicPr>
-          <p:nvPr>
-            <p:ph idx="1"/>
-          </p:nvPr>
-        </p:nvPicPr>
-        <p:blipFill>
-          <a:blip r:embed="rId2">
-            <a:extLst>
-              <a:ext uri="{28A0092B-C50C-407E-A947-70E740481C1C}">
-                <a14:useLocalDpi xmlns:a14="http://schemas.microsoft.com/office/drawing/2010/main" val="0"/>
-              </a:ext>
-            </a:extLst>
-          </a:blip>
-          <a:stretch>
-            <a:fillRect/>
-          </a:stretch>
-        </p:blipFill>
-        <p:spPr>
-          <a:xfrm>
-            <a:off x="1300162" y="2766219"/>
-            <a:ext cx="9591675" cy="1047750"/>
-          </a:xfrm>
-        </p:spPr>
-      </p:pic>
-    </p:spTree>
-    <p:extLst>
-      <p:ext uri="{BB962C8B-B14F-4D97-AF65-F5344CB8AC3E}">
-        <p14:creationId xmlns:p14="http://schemas.microsoft.com/office/powerpoint/2010/main" val="2652844078"/>
-      </p:ext>
-    </p:extLst>
-  </p:cSld>
-  <p:clrMapOvr>
-    <a:masterClrMapping/>
-  </p:clrMapOvr>
-</p:sld>
-</file>
-
-<file path=ppt/slides/slide6.xml><?xml version="1.0" encoding="utf-8"?>
-<p:sld xmlns:a="http://schemas.openxmlformats.org/drawingml/2006/main" xmlns:r="http://schemas.openxmlformats.org/officeDocument/2006/relationships" xmlns:p="http://schemas.openxmlformats.org/presentationml/2006/main">
-  <p:cSld>
-    <p:spTree>
-      <p:nvGrpSpPr>
-        <p:cNvPr id="1" name=""/>
-        <p:cNvGrpSpPr/>
-        <p:nvPr/>
-      </p:nvGrpSpPr>
-      <p:grpSpPr>
-        <a:xfrm>
-          <a:off x="0" y="0"/>
-          <a:ext cx="0" cy="0"/>
-          <a:chOff x="0" y="0"/>
-          <a:chExt cx="0" cy="0"/>
-        </a:xfrm>
-      </p:grpSpPr>
-      <p:sp>
-        <p:nvSpPr>
-          <p:cNvPr id="2" name="Titel 1"/>
-          <p:cNvSpPr>
-            <a:spLocks noGrp="1"/>
-          </p:cNvSpPr>
-          <p:nvPr>
-            <p:ph type="title"/>
-          </p:nvPr>
-        </p:nvSpPr>
-        <p:spPr/>
-        <p:txBody>
-          <a:bodyPr/>
-          <a:lstStyle/>
-          <a:p>
-            <a:r>
-              <a:rPr lang="en-GB" dirty="0" smtClean="0"/>
-              <a:t>(Constrained) </a:t>
-            </a:r>
-            <a:r>
               <a:rPr lang="en-GB" dirty="0"/>
-              <a:t>Optimization </a:t>
-            </a:r>
-            <a:r>
-              <a:rPr lang="en-GB" dirty="0" smtClean="0"/>
-              <a:t>Problem</a:t>
-            </a:r>
-            <a:endParaRPr lang="en-GB" dirty="0"/>
+              <a:t>Reconstruction Problem</a:t>
+            </a:r>
           </a:p>
         </p:txBody>
       </p:sp>
@@ -8739,7 +8923,7 @@
 </p:sld>
 </file>
 
-<file path=ppt/slides/slide7.xml><?xml version="1.0" encoding="utf-8"?>
+<file path=ppt/slides/slide6.xml><?xml version="1.0" encoding="utf-8"?>
 <p:sld xmlns:a="http://schemas.openxmlformats.org/drawingml/2006/main" xmlns:r="http://schemas.openxmlformats.org/officeDocument/2006/relationships" xmlns:p="http://schemas.openxmlformats.org/presentationml/2006/main">
   <p:cSld>
     <p:spTree>
@@ -8817,18 +9001,9 @@
           <a:lstStyle/>
           <a:p>
             <a:r>
-              <a:rPr lang="en-GB" dirty="0" smtClean="0"/>
-              <a:t>(Constrained) </a:t>
-            </a:r>
-            <a:r>
               <a:rPr lang="en-GB" dirty="0"/>
-              <a:t>Optimization </a:t>
-            </a:r>
-            <a:r>
-              <a:rPr lang="en-GB" dirty="0" smtClean="0"/>
-              <a:t>Problem</a:t>
-            </a:r>
-            <a:endParaRPr lang="en-GB" dirty="0"/>
+              <a:t>Reconstruction Problem</a:t>
+            </a:r>
           </a:p>
         </p:txBody>
       </p:sp>
@@ -9040,6 +9215,117 @@
 </p:sld>
 </file>
 
+<file path=ppt/slides/slide7.xml><?xml version="1.0" encoding="utf-8"?>
+<p:sld xmlns:a="http://schemas.openxmlformats.org/drawingml/2006/main" xmlns:r="http://schemas.openxmlformats.org/officeDocument/2006/relationships" xmlns:p="http://schemas.openxmlformats.org/presentationml/2006/main">
+  <p:cSld>
+    <p:spTree>
+      <p:nvGrpSpPr>
+        <p:cNvPr id="1" name=""/>
+        <p:cNvGrpSpPr/>
+        <p:nvPr/>
+      </p:nvGrpSpPr>
+      <p:grpSpPr>
+        <a:xfrm>
+          <a:off x="0" y="0"/>
+          <a:ext cx="0" cy="0"/>
+          <a:chOff x="0" y="0"/>
+          <a:chExt cx="0" cy="0"/>
+        </a:xfrm>
+      </p:grpSpPr>
+      <p:pic>
+        <p:nvPicPr>
+          <p:cNvPr id="5" name="Inhaltsplatzhalter 4"/>
+          <p:cNvPicPr>
+            <a:picLocks noGrp="1" noChangeAspect="1"/>
+          </p:cNvPicPr>
+          <p:nvPr>
+            <p:ph idx="1"/>
+          </p:nvPr>
+        </p:nvPicPr>
+        <p:blipFill>
+          <a:blip r:embed="rId2" cstate="print">
+            <a:extLst>
+              <a:ext uri="{28A0092B-C50C-407E-A947-70E740481C1C}">
+                <a14:useLocalDpi xmlns:a14="http://schemas.microsoft.com/office/drawing/2010/main" val="0"/>
+              </a:ext>
+            </a:extLst>
+          </a:blip>
+          <a:stretch>
+            <a:fillRect/>
+          </a:stretch>
+        </p:blipFill>
+        <p:spPr>
+          <a:xfrm>
+            <a:off x="5391900" y="1118937"/>
+            <a:ext cx="5649077" cy="5649077"/>
+          </a:xfrm>
+        </p:spPr>
+      </p:pic>
+      <p:sp>
+        <p:nvSpPr>
+          <p:cNvPr id="2" name="Titel 1"/>
+          <p:cNvSpPr>
+            <a:spLocks noGrp="1"/>
+          </p:cNvSpPr>
+          <p:nvPr>
+            <p:ph type="title"/>
+          </p:nvPr>
+        </p:nvSpPr>
+        <p:spPr/>
+        <p:txBody>
+          <a:bodyPr/>
+          <a:lstStyle/>
+          <a:p>
+            <a:r>
+              <a:rPr lang="en-GB" dirty="0" smtClean="0"/>
+              <a:t>Redundancy and Noise</a:t>
+            </a:r>
+            <a:endParaRPr lang="en-GB" dirty="0"/>
+          </a:p>
+        </p:txBody>
+      </p:sp>
+      <p:pic>
+        <p:nvPicPr>
+          <p:cNvPr id="6" name="Grafik 5"/>
+          <p:cNvPicPr>
+            <a:picLocks noChangeAspect="1"/>
+          </p:cNvPicPr>
+          <p:nvPr/>
+        </p:nvPicPr>
+        <p:blipFill rotWithShape="1">
+          <a:blip r:embed="rId3" cstate="print">
+            <a:extLst>
+              <a:ext uri="{28A0092B-C50C-407E-A947-70E740481C1C}">
+                <a14:useLocalDpi xmlns:a14="http://schemas.microsoft.com/office/drawing/2010/main" val="0"/>
+              </a:ext>
+            </a:extLst>
+          </a:blip>
+          <a:srcRect l="19272" t="9824" r="18139" b="4737"/>
+          <a:stretch/>
+        </p:blipFill>
+        <p:spPr>
+          <a:xfrm>
+            <a:off x="613021" y="1871908"/>
+            <a:ext cx="4644779" cy="4212748"/>
+          </a:xfrm>
+          <a:prstGeom prst="rect">
+            <a:avLst/>
+          </a:prstGeom>
+        </p:spPr>
+      </p:pic>
+    </p:spTree>
+    <p:extLst>
+      <p:ext uri="{BB962C8B-B14F-4D97-AF65-F5344CB8AC3E}">
+        <p14:creationId xmlns:p14="http://schemas.microsoft.com/office/powerpoint/2010/main" val="1528309351"/>
+      </p:ext>
+    </p:extLst>
+  </p:cSld>
+  <p:clrMapOvr>
+    <a:masterClrMapping/>
+  </p:clrMapOvr>
+</p:sld>
+</file>
+
 <file path=ppt/slides/slide8.xml><?xml version="1.0" encoding="utf-8"?>
 <p:sld xmlns:a="http://schemas.openxmlformats.org/drawingml/2006/main" xmlns:r="http://schemas.openxmlformats.org/officeDocument/2006/relationships" xmlns:p="http://schemas.openxmlformats.org/presentationml/2006/main">
   <p:cSld>
@@ -9059,6 +9345,51 @@
       </p:grpSpPr>
       <p:sp>
         <p:nvSpPr>
+          <p:cNvPr id="13" name="Rechteck 12"/>
+          <p:cNvSpPr/>
+          <p:nvPr/>
+        </p:nvSpPr>
+        <p:spPr>
+          <a:xfrm>
+            <a:off x="5962650" y="2766219"/>
+            <a:ext cx="514350" cy="834231"/>
+          </a:xfrm>
+          <a:prstGeom prst="rect">
+            <a:avLst/>
+          </a:prstGeom>
+          <a:solidFill>
+            <a:schemeClr val="accent2">
+              <a:lumMod val="75000"/>
+            </a:schemeClr>
+          </a:solidFill>
+        </p:spPr>
+        <p:style>
+          <a:lnRef idx="2">
+            <a:schemeClr val="accent1">
+              <a:shade val="50000"/>
+            </a:schemeClr>
+          </a:lnRef>
+          <a:fillRef idx="1">
+            <a:schemeClr val="accent1"/>
+          </a:fillRef>
+          <a:effectRef idx="0">
+            <a:schemeClr val="accent1"/>
+          </a:effectRef>
+          <a:fontRef idx="minor">
+            <a:schemeClr val="lt1"/>
+          </a:fontRef>
+        </p:style>
+        <p:txBody>
+          <a:bodyPr rtlCol="0" anchor="ctr"/>
+          <a:lstStyle/>
+          <a:p>
+            <a:pPr algn="ctr"/>
+            <a:endParaRPr lang="en-GB"/>
+          </a:p>
+        </p:txBody>
+      </p:sp>
+      <p:sp>
+        <p:nvSpPr>
           <p:cNvPr id="2" name="Titel 1"/>
           <p:cNvSpPr>
             <a:spLocks noGrp="1"/>
@@ -9073,36 +9404,45 @@
           <a:lstStyle/>
           <a:p>
             <a:r>
-              <a:rPr lang="en-GB" dirty="0" smtClean="0"/>
-              <a:t>CLEAN</a:t>
-            </a:r>
-            <a:endParaRPr lang="en-GB" dirty="0"/>
-          </a:p>
-        </p:txBody>
-      </p:sp>
-      <p:sp>
-        <p:nvSpPr>
-          <p:cNvPr id="3" name="Inhaltsplatzhalter 2"/>
-          <p:cNvSpPr>
-            <a:spLocks noGrp="1"/>
-          </p:cNvSpPr>
+              <a:rPr lang="en-GB" dirty="0"/>
+              <a:t>Reconstruction Problem</a:t>
+            </a:r>
+          </a:p>
+        </p:txBody>
+      </p:sp>
+      <p:pic>
+        <p:nvPicPr>
+          <p:cNvPr id="6" name="Inhaltsplatzhalter 5"/>
+          <p:cNvPicPr>
+            <a:picLocks noGrp="1" noChangeAspect="1"/>
+          </p:cNvPicPr>
           <p:nvPr>
             <p:ph idx="1"/>
           </p:nvPr>
-        </p:nvSpPr>
-        <p:spPr/>
-        <p:txBody>
-          <a:bodyPr/>
-          <a:lstStyle/>
-          <a:p>
-            <a:endParaRPr lang="en-GB"/>
-          </a:p>
-        </p:txBody>
-      </p:sp>
+        </p:nvPicPr>
+        <p:blipFill>
+          <a:blip r:embed="rId2">
+            <a:extLst>
+              <a:ext uri="{28A0092B-C50C-407E-A947-70E740481C1C}">
+                <a14:useLocalDpi xmlns:a14="http://schemas.microsoft.com/office/drawing/2010/main" val="0"/>
+              </a:ext>
+            </a:extLst>
+          </a:blip>
+          <a:stretch>
+            <a:fillRect/>
+          </a:stretch>
+        </p:blipFill>
+        <p:spPr>
+          <a:xfrm>
+            <a:off x="1300162" y="2766219"/>
+            <a:ext cx="9591675" cy="1047750"/>
+          </a:xfrm>
+        </p:spPr>
+      </p:pic>
     </p:spTree>
     <p:extLst>
       <p:ext uri="{BB962C8B-B14F-4D97-AF65-F5344CB8AC3E}">
-        <p14:creationId xmlns:p14="http://schemas.microsoft.com/office/powerpoint/2010/main" val="2550307493"/>
+        <p14:creationId xmlns:p14="http://schemas.microsoft.com/office/powerpoint/2010/main" val="3415768081"/>
       </p:ext>
     </p:extLst>
   </p:cSld>
@@ -9129,58 +9469,189 @@
           <a:chExt cx="0" cy="0"/>
         </a:xfrm>
       </p:grpSpPr>
-      <p:sp>
-        <p:nvSpPr>
-          <p:cNvPr id="2" name="Titel 1"/>
-          <p:cNvSpPr>
-            <a:spLocks noGrp="1"/>
-          </p:cNvSpPr>
-          <p:nvPr>
-            <p:ph type="title"/>
-          </p:nvPr>
-        </p:nvSpPr>
-        <p:spPr/>
-        <p:txBody>
-          <a:bodyPr/>
-          <a:lstStyle/>
-          <a:p>
-            <a:r>
-              <a:rPr lang="en-GB" dirty="0" smtClean="0"/>
-              <a:t>CLEAN</a:t>
-            </a:r>
-            <a:endParaRPr lang="en-GB" dirty="0"/>
-          </a:p>
-        </p:txBody>
-      </p:sp>
-      <p:sp>
-        <p:nvSpPr>
-          <p:cNvPr id="3" name="Inhaltsplatzhalter 2"/>
-          <p:cNvSpPr>
-            <a:spLocks noGrp="1"/>
-          </p:cNvSpPr>
-          <p:nvPr>
-            <p:ph idx="1"/>
-          </p:nvPr>
-        </p:nvSpPr>
-        <p:spPr/>
-        <p:txBody>
-          <a:bodyPr/>
-          <a:lstStyle/>
-          <a:p>
-            <a:endParaRPr lang="en-GB"/>
-          </a:p>
-        </p:txBody>
-      </p:sp>
       <p:pic>
         <p:nvPicPr>
-          <p:cNvPr id="5" name="Grafik 4"/>
+          <p:cNvPr id="6" name="Inhaltsplatzhalter 5"/>
+          <p:cNvPicPr>
+            <a:picLocks noGrp="1" noChangeAspect="1"/>
+          </p:cNvPicPr>
+          <p:nvPr>
+            <p:ph idx="1"/>
+          </p:nvPr>
+        </p:nvPicPr>
+        <p:blipFill>
+          <a:blip r:embed="rId2">
+            <a:extLst>
+              <a:ext uri="{BEBA8EAE-BF5A-486C-A8C5-ECC9F3942E4B}">
+                <a14:imgProps xmlns:a14="http://schemas.microsoft.com/office/drawing/2010/main">
+                  <a14:imgLayer r:embed="rId3">
+                    <a14:imgEffect>
+                      <a14:brightnessContrast contrast="-100000"/>
+                    </a14:imgEffect>
+                  </a14:imgLayer>
+                </a14:imgProps>
+              </a:ext>
+              <a:ext uri="{28A0092B-C50C-407E-A947-70E740481C1C}">
+                <a14:useLocalDpi xmlns:a14="http://schemas.microsoft.com/office/drawing/2010/main" val="0"/>
+              </a:ext>
+            </a:extLst>
+          </a:blip>
+          <a:stretch>
+            <a:fillRect/>
+          </a:stretch>
+        </p:blipFill>
+        <p:spPr>
+          <a:xfrm>
+            <a:off x="1300162" y="2766219"/>
+            <a:ext cx="9591675" cy="1047750"/>
+          </a:xfrm>
+        </p:spPr>
+      </p:pic>
+      <p:sp>
+        <p:nvSpPr>
+          <p:cNvPr id="2" name="Titel 1"/>
+          <p:cNvSpPr>
+            <a:spLocks noGrp="1"/>
+          </p:cNvSpPr>
+          <p:nvPr>
+            <p:ph type="title"/>
+          </p:nvPr>
+        </p:nvSpPr>
+        <p:spPr/>
+        <p:txBody>
+          <a:bodyPr/>
+          <a:lstStyle/>
+          <a:p>
+            <a:r>
+              <a:rPr lang="en-GB" dirty="0"/>
+              <a:t>Reconstruction </a:t>
+            </a:r>
+            <a:r>
+              <a:rPr lang="en-GB" dirty="0" smtClean="0"/>
+              <a:t>Problem and my Solution</a:t>
+            </a:r>
+            <a:endParaRPr lang="en-GB" dirty="0"/>
+          </a:p>
+        </p:txBody>
+      </p:sp>
+      <p:sp>
+        <p:nvSpPr>
+          <p:cNvPr id="9" name="Textfeld 8"/>
+          <p:cNvSpPr txBox="1"/>
+          <p:nvPr/>
+        </p:nvSpPr>
+        <p:spPr>
+          <a:xfrm>
+            <a:off x="7033054" y="5430265"/>
+            <a:ext cx="2754280" cy="1200329"/>
+          </a:xfrm>
+          <a:prstGeom prst="rect">
+            <a:avLst/>
+          </a:prstGeom>
+          <a:noFill/>
+        </p:spPr>
+        <p:txBody>
+          <a:bodyPr wrap="none" rtlCol="0">
+            <a:spAutoFit/>
+          </a:bodyPr>
+          <a:lstStyle/>
+          <a:p>
+            <a:pPr algn="ctr"/>
+            <a:r>
+              <a:rPr lang="en-GB" sz="3600" dirty="0" smtClean="0"/>
+              <a:t>Sparse Starlet</a:t>
+            </a:r>
+          </a:p>
+          <a:p>
+            <a:pPr algn="ctr"/>
+            <a:r>
+              <a:rPr lang="en-GB" sz="3600" dirty="0" smtClean="0"/>
+              <a:t>Space</a:t>
+            </a:r>
+            <a:endParaRPr lang="en-GB" sz="3600" dirty="0" smtClean="0"/>
+          </a:p>
+        </p:txBody>
+      </p:sp>
+      <p:cxnSp>
+        <p:nvCxnSpPr>
+          <p:cNvPr id="11" name="Gerade Verbindung mit Pfeil 10"/>
+          <p:cNvCxnSpPr>
+            <a:stCxn id="9" idx="0"/>
+          </p:cNvCxnSpPr>
+          <p:nvPr/>
+        </p:nvCxnSpPr>
+        <p:spPr>
+          <a:xfrm flipV="1">
+            <a:off x="8410194" y="4810672"/>
+            <a:ext cx="1191008" cy="619593"/>
+          </a:xfrm>
+          <a:prstGeom prst="straightConnector1">
+            <a:avLst/>
+          </a:prstGeom>
+          <a:ln w="85725">
+            <a:tailEnd type="triangle"/>
+          </a:ln>
+        </p:spPr>
+        <p:style>
+          <a:lnRef idx="1">
+            <a:schemeClr val="accent1"/>
+          </a:lnRef>
+          <a:fillRef idx="0">
+            <a:schemeClr val="accent1"/>
+          </a:fillRef>
+          <a:effectRef idx="0">
+            <a:schemeClr val="accent1"/>
+          </a:effectRef>
+          <a:fontRef idx="minor">
+            <a:schemeClr val="tx1"/>
+          </a:fontRef>
+        </p:style>
+      </p:cxnSp>
+      <p:cxnSp>
+        <p:nvCxnSpPr>
+          <p:cNvPr id="12" name="Gerade Verbindung mit Pfeil 11"/>
+          <p:cNvCxnSpPr>
+            <a:stCxn id="9" idx="0"/>
+          </p:cNvCxnSpPr>
+          <p:nvPr/>
+        </p:nvCxnSpPr>
+        <p:spPr>
+          <a:xfrm flipH="1" flipV="1">
+            <a:off x="7182856" y="4810672"/>
+            <a:ext cx="1227338" cy="619593"/>
+          </a:xfrm>
+          <a:prstGeom prst="straightConnector1">
+            <a:avLst/>
+          </a:prstGeom>
+          <a:ln w="85725">
+            <a:tailEnd type="triangle"/>
+          </a:ln>
+        </p:spPr>
+        <p:style>
+          <a:lnRef idx="1">
+            <a:schemeClr val="accent1"/>
+          </a:lnRef>
+          <a:fillRef idx="0">
+            <a:schemeClr val="accent1"/>
+          </a:fillRef>
+          <a:effectRef idx="0">
+            <a:schemeClr val="accent1"/>
+          </a:effectRef>
+          <a:fontRef idx="minor">
+            <a:schemeClr val="tx1"/>
+          </a:fontRef>
+        </p:style>
+      </p:cxnSp>
+      <p:pic>
+        <p:nvPicPr>
+          <p:cNvPr id="14" name="Inhaltsplatzhalter 3"/>
           <p:cNvPicPr>
             <a:picLocks noChangeAspect="1"/>
           </p:cNvPicPr>
           <p:nvPr/>
         </p:nvPicPr>
         <p:blipFill>
-          <a:blip r:embed="rId2" cstate="print">
+          <a:blip r:embed="rId4">
             <a:extLst>
               <a:ext uri="{28A0092B-C50C-407E-A947-70E740481C1C}">
                 <a14:useLocalDpi xmlns:a14="http://schemas.microsoft.com/office/drawing/2010/main" val="0"/>
@@ -9193,8 +9664,8 @@
         </p:blipFill>
         <p:spPr>
           <a:xfrm>
-            <a:off x="640012" y="2338777"/>
-            <a:ext cx="3686504" cy="3686504"/>
+            <a:off x="1300162" y="3955456"/>
+            <a:ext cx="9153525" cy="1047750"/>
           </a:xfrm>
           <a:prstGeom prst="rect">
             <a:avLst/>
@@ -9203,14 +9674,14 @@
       </p:pic>
       <p:pic>
         <p:nvPicPr>
-          <p:cNvPr id="6" name="Grafik 5"/>
+          <p:cNvPr id="22" name="Grafik 21"/>
           <p:cNvPicPr>
             <a:picLocks noChangeAspect="1"/>
           </p:cNvPicPr>
           <p:nvPr/>
         </p:nvPicPr>
         <p:blipFill>
-          <a:blip r:embed="rId3" cstate="print">
+          <a:blip r:embed="rId5">
             <a:extLst>
               <a:ext uri="{28A0092B-C50C-407E-A947-70E740481C1C}">
                 <a14:useLocalDpi xmlns:a14="http://schemas.microsoft.com/office/drawing/2010/main" val="0"/>
@@ -9223,138 +9694,18 @@
         </p:blipFill>
         <p:spPr>
           <a:xfrm>
-            <a:off x="7986739" y="2367681"/>
-            <a:ext cx="3657600" cy="3657600"/>
+            <a:off x="3795389" y="5697054"/>
+            <a:ext cx="2486025" cy="333375"/>
           </a:xfrm>
           <a:prstGeom prst="rect">
             <a:avLst/>
           </a:prstGeom>
         </p:spPr>
       </p:pic>
-      <p:sp>
-        <p:nvSpPr>
-          <p:cNvPr id="8" name="Textfeld 7"/>
-          <p:cNvSpPr txBox="1"/>
-          <p:nvPr/>
-        </p:nvSpPr>
-        <p:spPr>
-          <a:xfrm>
-            <a:off x="1443324" y="2115547"/>
-            <a:ext cx="2249205" cy="369332"/>
-          </a:xfrm>
-          <a:prstGeom prst="rect">
-            <a:avLst/>
-          </a:prstGeom>
-          <a:noFill/>
-        </p:spPr>
-        <p:txBody>
-          <a:bodyPr wrap="none" rtlCol="0">
-            <a:spAutoFit/>
-          </a:bodyPr>
-          <a:lstStyle/>
-          <a:p>
-            <a:r>
-              <a:rPr lang="en-GB" dirty="0" smtClean="0"/>
-              <a:t>Point Spread Function</a:t>
-            </a:r>
-            <a:endParaRPr lang="en-GB" dirty="0"/>
-          </a:p>
-        </p:txBody>
-      </p:sp>
-      <p:sp>
-        <p:nvSpPr>
-          <p:cNvPr id="9" name="Textfeld 8"/>
-          <p:cNvSpPr txBox="1"/>
-          <p:nvPr/>
-        </p:nvSpPr>
-        <p:spPr>
-          <a:xfrm>
-            <a:off x="9387376" y="2115547"/>
-            <a:ext cx="856325" cy="369332"/>
-          </a:xfrm>
-          <a:prstGeom prst="rect">
-            <a:avLst/>
-          </a:prstGeom>
-          <a:noFill/>
-        </p:spPr>
-        <p:txBody>
-          <a:bodyPr wrap="none" rtlCol="0">
-            <a:spAutoFit/>
-          </a:bodyPr>
-          <a:lstStyle/>
-          <a:p>
-            <a:r>
-              <a:rPr lang="en-GB" dirty="0" smtClean="0"/>
-              <a:t>Output</a:t>
-            </a:r>
-            <a:endParaRPr lang="en-GB" dirty="0"/>
-          </a:p>
-        </p:txBody>
-      </p:sp>
-      <p:pic>
-        <p:nvPicPr>
-          <p:cNvPr id="10" name="Grafik 9"/>
-          <p:cNvPicPr>
-            <a:picLocks noChangeAspect="1"/>
-          </p:cNvPicPr>
-          <p:nvPr/>
-        </p:nvPicPr>
-        <p:blipFill>
-          <a:blip r:embed="rId4" cstate="print">
-            <a:extLst>
-              <a:ext uri="{28A0092B-C50C-407E-A947-70E740481C1C}">
-                <a14:useLocalDpi xmlns:a14="http://schemas.microsoft.com/office/drawing/2010/main" val="0"/>
-              </a:ext>
-            </a:extLst>
-          </a:blip>
-          <a:stretch>
-            <a:fillRect/>
-          </a:stretch>
-        </p:blipFill>
-        <p:spPr>
-          <a:xfrm>
-            <a:off x="4326516" y="2367681"/>
-            <a:ext cx="3657600" cy="3657600"/>
-          </a:xfrm>
-          <a:prstGeom prst="rect">
-            <a:avLst/>
-          </a:prstGeom>
-        </p:spPr>
-      </p:pic>
-      <p:sp>
-        <p:nvSpPr>
-          <p:cNvPr id="11" name="Textfeld 10"/>
-          <p:cNvSpPr txBox="1"/>
-          <p:nvPr/>
-        </p:nvSpPr>
-        <p:spPr>
-          <a:xfrm>
-            <a:off x="5241659" y="2092464"/>
-            <a:ext cx="1560043" cy="415498"/>
-          </a:xfrm>
-          <a:prstGeom prst="rect">
-            <a:avLst/>
-          </a:prstGeom>
-          <a:noFill/>
-        </p:spPr>
-        <p:txBody>
-          <a:bodyPr wrap="none" rtlCol="0">
-            <a:spAutoFit/>
-          </a:bodyPr>
-          <a:lstStyle/>
-          <a:p>
-            <a:r>
-              <a:rPr lang="en-GB" dirty="0" smtClean="0"/>
-              <a:t>Dirty Image</a:t>
-            </a:r>
-            <a:endParaRPr lang="en-GB" dirty="0"/>
-          </a:p>
-        </p:txBody>
-      </p:sp>
     </p:spTree>
     <p:extLst>
       <p:ext uri="{BB962C8B-B14F-4D97-AF65-F5344CB8AC3E}">
-        <p14:creationId xmlns:p14="http://schemas.microsoft.com/office/powerpoint/2010/main" val="1191296742"/>
+        <p14:creationId xmlns:p14="http://schemas.microsoft.com/office/powerpoint/2010/main" val="2355015493"/>
       </p:ext>
     </p:extLst>
   </p:cSld>

--- a/pp8.pptx
+++ b/pp8.pptx
@@ -5,7 +5,7 @@
     <p:sldMasterId id="2147483648" r:id="rId1"/>
   </p:sldMasterIdLst>
   <p:notesMasterIdLst>
-    <p:notesMasterId r:id="rId40"/>
+    <p:notesMasterId r:id="rId39"/>
   </p:notesMasterIdLst>
   <p:sldIdLst>
     <p:sldId id="259" r:id="rId2"/>
@@ -20,32 +20,31 @@
     <p:sldId id="302" r:id="rId11"/>
     <p:sldId id="322" r:id="rId12"/>
     <p:sldId id="338" r:id="rId13"/>
-    <p:sldId id="351" r:id="rId14"/>
-    <p:sldId id="340" r:id="rId15"/>
-    <p:sldId id="311" r:id="rId16"/>
-    <p:sldId id="341" r:id="rId17"/>
-    <p:sldId id="277" r:id="rId18"/>
-    <p:sldId id="305" r:id="rId19"/>
-    <p:sldId id="278" r:id="rId20"/>
-    <p:sldId id="344" r:id="rId21"/>
-    <p:sldId id="343" r:id="rId22"/>
-    <p:sldId id="279" r:id="rId23"/>
-    <p:sldId id="359" r:id="rId24"/>
-    <p:sldId id="360" r:id="rId25"/>
-    <p:sldId id="355" r:id="rId26"/>
-    <p:sldId id="327" r:id="rId27"/>
-    <p:sldId id="361" r:id="rId28"/>
-    <p:sldId id="281" r:id="rId29"/>
-    <p:sldId id="326" r:id="rId30"/>
-    <p:sldId id="283" r:id="rId31"/>
-    <p:sldId id="284" r:id="rId32"/>
-    <p:sldId id="324" r:id="rId33"/>
-    <p:sldId id="276" r:id="rId34"/>
-    <p:sldId id="306" r:id="rId35"/>
-    <p:sldId id="290" r:id="rId36"/>
-    <p:sldId id="294" r:id="rId37"/>
-    <p:sldId id="296" r:id="rId38"/>
-    <p:sldId id="292" r:id="rId39"/>
+    <p:sldId id="340" r:id="rId14"/>
+    <p:sldId id="311" r:id="rId15"/>
+    <p:sldId id="341" r:id="rId16"/>
+    <p:sldId id="277" r:id="rId17"/>
+    <p:sldId id="305" r:id="rId18"/>
+    <p:sldId id="278" r:id="rId19"/>
+    <p:sldId id="344" r:id="rId20"/>
+    <p:sldId id="343" r:id="rId21"/>
+    <p:sldId id="279" r:id="rId22"/>
+    <p:sldId id="362" r:id="rId23"/>
+    <p:sldId id="360" r:id="rId24"/>
+    <p:sldId id="355" r:id="rId25"/>
+    <p:sldId id="327" r:id="rId26"/>
+    <p:sldId id="361" r:id="rId27"/>
+    <p:sldId id="281" r:id="rId28"/>
+    <p:sldId id="326" r:id="rId29"/>
+    <p:sldId id="283" r:id="rId30"/>
+    <p:sldId id="284" r:id="rId31"/>
+    <p:sldId id="324" r:id="rId32"/>
+    <p:sldId id="276" r:id="rId33"/>
+    <p:sldId id="306" r:id="rId34"/>
+    <p:sldId id="290" r:id="rId35"/>
+    <p:sldId id="294" r:id="rId36"/>
+    <p:sldId id="296" r:id="rId37"/>
+    <p:sldId id="292" r:id="rId38"/>
   </p:sldIdLst>
   <p:sldSz cx="12192000" cy="6858000"/>
   <p:notesSz cx="6858000" cy="9144000"/>
@@ -160,12 +159,11 @@
             <p14:sldId id="297"/>
             <p14:sldId id="302"/>
             <p14:sldId id="322"/>
-            <p14:sldId id="338"/>
           </p14:sldIdLst>
         </p14:section>
         <p14:section name="solution" id="{B1AE1B11-EB4C-463A-84FE-3586096A7B61}">
           <p14:sldIdLst>
-            <p14:sldId id="351"/>
+            <p14:sldId id="338"/>
             <p14:sldId id="340"/>
             <p14:sldId id="311"/>
             <p14:sldId id="341"/>
@@ -175,7 +173,7 @@
             <p14:sldId id="344"/>
             <p14:sldId id="343"/>
             <p14:sldId id="279"/>
-            <p14:sldId id="359"/>
+            <p14:sldId id="362"/>
             <p14:sldId id="360"/>
             <p14:sldId id="355"/>
             <p14:sldId id="327"/>
@@ -4382,52 +4380,186 @@
       </p:grpSpPr>
       <p:sp>
         <p:nvSpPr>
-          <p:cNvPr id="4" name="Rechteck 3"/>
-          <p:cNvSpPr/>
+          <p:cNvPr id="2" name="Titel 1"/>
+          <p:cNvSpPr>
+            <a:spLocks noGrp="1"/>
+          </p:cNvSpPr>
+          <p:nvPr>
+            <p:ph type="title"/>
+          </p:nvPr>
+        </p:nvSpPr>
+        <p:spPr/>
+        <p:txBody>
+          <a:bodyPr/>
+          <a:lstStyle/>
+          <a:p>
+            <a:r>
+              <a:rPr lang="en-GB" dirty="0" smtClean="0"/>
+              <a:t>My Solution</a:t>
+            </a:r>
+            <a:endParaRPr lang="en-GB" dirty="0"/>
+          </a:p>
+        </p:txBody>
+      </p:sp>
+      <p:sp>
+        <p:nvSpPr>
+          <p:cNvPr id="3" name="Inhaltsplatzhalter 2"/>
+          <p:cNvSpPr>
+            <a:spLocks noGrp="1"/>
+          </p:cNvSpPr>
+          <p:nvPr>
+            <p:ph idx="1"/>
+          </p:nvPr>
+        </p:nvSpPr>
+        <p:spPr/>
+        <p:txBody>
+          <a:bodyPr/>
+          <a:lstStyle/>
+          <a:p>
+            <a:endParaRPr lang="en-GB" dirty="0" smtClean="0"/>
+          </a:p>
+          <a:p>
+            <a:endParaRPr lang="en-GB" dirty="0"/>
+          </a:p>
+          <a:p>
+            <a:endParaRPr lang="en-GB" dirty="0" smtClean="0"/>
+          </a:p>
+          <a:p>
+            <a:endParaRPr lang="en-GB" dirty="0"/>
+          </a:p>
+        </p:txBody>
+      </p:sp>
+      <p:sp>
+        <p:nvSpPr>
+          <p:cNvPr id="6" name="Textfeld 5"/>
+          <p:cNvSpPr txBox="1"/>
           <p:nvPr/>
         </p:nvSpPr>
         <p:spPr>
           <a:xfrm>
-            <a:off x="5593372" y="1711143"/>
-            <a:ext cx="514350" cy="834231"/>
+            <a:off x="6018541" y="3216995"/>
+            <a:ext cx="4752904" cy="646331"/>
           </a:xfrm>
           <a:prstGeom prst="rect">
             <a:avLst/>
           </a:prstGeom>
-          <a:solidFill>
-            <a:schemeClr val="accent2">
-              <a:lumMod val="75000"/>
-            </a:schemeClr>
-          </a:solidFill>
+          <a:noFill/>
+        </p:spPr>
+        <p:txBody>
+          <a:bodyPr wrap="none" rtlCol="0">
+            <a:spAutoFit/>
+          </a:bodyPr>
+          <a:lstStyle/>
+          <a:p>
+            <a:pPr algn="ctr"/>
+            <a:r>
+              <a:rPr lang="en-GB" sz="3600" dirty="0" smtClean="0"/>
+              <a:t>Direct Fourier Transform</a:t>
+            </a:r>
+            <a:endParaRPr lang="en-GB" sz="3600" dirty="0"/>
+          </a:p>
+        </p:txBody>
+      </p:sp>
+      <p:cxnSp>
+        <p:nvCxnSpPr>
+          <p:cNvPr id="7" name="Gerade Verbindung mit Pfeil 6"/>
+          <p:cNvCxnSpPr/>
+          <p:nvPr/>
+        </p:nvCxnSpPr>
+        <p:spPr>
+          <a:xfrm flipV="1">
+            <a:off x="6249670" y="2535181"/>
+            <a:ext cx="0" cy="744350"/>
+          </a:xfrm>
+          <a:prstGeom prst="straightConnector1">
+            <a:avLst/>
+          </a:prstGeom>
+          <a:ln w="85725">
+            <a:tailEnd type="triangle"/>
+          </a:ln>
         </p:spPr>
         <p:style>
-          <a:lnRef idx="2">
-            <a:schemeClr val="accent1">
-              <a:shade val="50000"/>
-            </a:schemeClr>
+          <a:lnRef idx="1">
+            <a:schemeClr val="accent1"/>
           </a:lnRef>
-          <a:fillRef idx="1">
+          <a:fillRef idx="0">
             <a:schemeClr val="accent1"/>
           </a:fillRef>
           <a:effectRef idx="0">
             <a:schemeClr val="accent1"/>
           </a:effectRef>
           <a:fontRef idx="minor">
-            <a:schemeClr val="lt1"/>
+            <a:schemeClr val="tx1"/>
           </a:fontRef>
         </p:style>
-        <p:txBody>
-          <a:bodyPr rtlCol="0" anchor="ctr"/>
+      </p:cxnSp>
+      <p:sp>
+        <p:nvSpPr>
+          <p:cNvPr id="9" name="Textfeld 8"/>
+          <p:cNvSpPr txBox="1"/>
+          <p:nvPr/>
+        </p:nvSpPr>
+        <p:spPr>
+          <a:xfrm>
+            <a:off x="2611133" y="3780693"/>
+            <a:ext cx="3407408" cy="646331"/>
+          </a:xfrm>
+          <a:prstGeom prst="rect">
+            <a:avLst/>
+          </a:prstGeom>
+          <a:noFill/>
+        </p:spPr>
+        <p:txBody>
+          <a:bodyPr wrap="none" rtlCol="0">
+            <a:spAutoFit/>
+          </a:bodyPr>
           <a:lstStyle/>
           <a:p>
             <a:pPr algn="ctr"/>
-            <a:endParaRPr lang="en-GB"/>
-          </a:p>
-        </p:txBody>
-      </p:sp>
+            <a:r>
+              <a:rPr lang="en-GB" sz="3600" dirty="0" smtClean="0"/>
+              <a:t>Starlet Transform</a:t>
+            </a:r>
+            <a:endParaRPr lang="en-GB" sz="3600" dirty="0"/>
+          </a:p>
+        </p:txBody>
+      </p:sp>
+      <p:cxnSp>
+        <p:nvCxnSpPr>
+          <p:cNvPr id="10" name="Gerade Verbindung mit Pfeil 9"/>
+          <p:cNvCxnSpPr/>
+          <p:nvPr/>
+        </p:nvCxnSpPr>
+        <p:spPr>
+          <a:xfrm flipV="1">
+            <a:off x="5785338" y="2535181"/>
+            <a:ext cx="5866" cy="1245512"/>
+          </a:xfrm>
+          <a:prstGeom prst="straightConnector1">
+            <a:avLst/>
+          </a:prstGeom>
+          <a:ln w="85725">
+            <a:tailEnd type="triangle"/>
+          </a:ln>
+        </p:spPr>
+        <p:style>
+          <a:lnRef idx="1">
+            <a:schemeClr val="accent1"/>
+          </a:lnRef>
+          <a:fillRef idx="0">
+            <a:schemeClr val="accent1"/>
+          </a:fillRef>
+          <a:effectRef idx="0">
+            <a:schemeClr val="accent1"/>
+          </a:effectRef>
+          <a:fontRef idx="minor">
+            <a:schemeClr val="tx1"/>
+          </a:fontRef>
+        </p:style>
+      </p:cxnSp>
       <p:pic>
         <p:nvPicPr>
-          <p:cNvPr id="5" name="Inhaltsplatzhalter 5"/>
+          <p:cNvPr id="16" name="Grafik 15"/>
           <p:cNvPicPr>
             <a:picLocks noChangeAspect="1"/>
           </p:cNvPicPr>
@@ -4447,90 +4579,14 @@
         </p:blipFill>
         <p:spPr>
           <a:xfrm>
-            <a:off x="930884" y="1711143"/>
-            <a:ext cx="9591675" cy="1047750"/>
+            <a:off x="838200" y="1498985"/>
+            <a:ext cx="9344025" cy="1362075"/>
           </a:xfrm>
           <a:prstGeom prst="rect">
             <a:avLst/>
           </a:prstGeom>
         </p:spPr>
       </p:pic>
-      <p:sp>
-        <p:nvSpPr>
-          <p:cNvPr id="2" name="Titel 1"/>
-          <p:cNvSpPr>
-            <a:spLocks noGrp="1"/>
-          </p:cNvSpPr>
-          <p:nvPr>
-            <p:ph type="title"/>
-          </p:nvPr>
-        </p:nvSpPr>
-        <p:spPr/>
-        <p:txBody>
-          <a:bodyPr/>
-          <a:lstStyle/>
-          <a:p>
-            <a:r>
-              <a:rPr lang="en-GB" dirty="0" smtClean="0"/>
-              <a:t>Replacing the non-uniform FFT</a:t>
-            </a:r>
-            <a:endParaRPr lang="en-GB" dirty="0"/>
-          </a:p>
-        </p:txBody>
-      </p:sp>
-      <p:sp>
-        <p:nvSpPr>
-          <p:cNvPr id="3" name="Inhaltsplatzhalter 2"/>
-          <p:cNvSpPr>
-            <a:spLocks noGrp="1"/>
-          </p:cNvSpPr>
-          <p:nvPr>
-            <p:ph idx="1"/>
-          </p:nvPr>
-        </p:nvSpPr>
-        <p:spPr/>
-        <p:txBody>
-          <a:bodyPr/>
-          <a:lstStyle/>
-          <a:p>
-            <a:endParaRPr lang="en-GB" dirty="0" smtClean="0"/>
-          </a:p>
-          <a:p>
-            <a:endParaRPr lang="en-GB" dirty="0"/>
-          </a:p>
-          <a:p>
-            <a:endParaRPr lang="en-GB" dirty="0" smtClean="0"/>
-          </a:p>
-          <a:p>
-            <a:r>
-              <a:rPr lang="en-GB" dirty="0" smtClean="0"/>
-              <a:t>Direct Fourier Transform</a:t>
-            </a:r>
-            <a:endParaRPr lang="en-GB" dirty="0"/>
-          </a:p>
-          <a:p>
-            <a:r>
-              <a:rPr lang="en-GB" dirty="0" smtClean="0"/>
-              <a:t>Projection on a uniform grid</a:t>
-            </a:r>
-          </a:p>
-          <a:p>
-            <a:r>
-              <a:rPr lang="en-GB" dirty="0" smtClean="0"/>
-              <a:t>Spherical Wave Harmonics</a:t>
-            </a:r>
-          </a:p>
-          <a:p>
-            <a:r>
-              <a:rPr lang="en-GB" dirty="0" smtClean="0"/>
-              <a:t>…</a:t>
-            </a:r>
-          </a:p>
-          <a:p>
-            <a:endParaRPr lang="en-GB" dirty="0"/>
-          </a:p>
-        </p:txBody>
-      </p:sp>
     </p:spTree>
     <p:extLst>
       <p:ext uri="{BB962C8B-B14F-4D97-AF65-F5344CB8AC3E}">
@@ -4570,6 +4626,55 @@
       </p:grpSpPr>
       <p:sp>
         <p:nvSpPr>
+          <p:cNvPr id="3" name="Inhaltsplatzhalter 2"/>
+          <p:cNvSpPr>
+            <a:spLocks noGrp="1"/>
+          </p:cNvSpPr>
+          <p:nvPr>
+            <p:ph idx="1"/>
+          </p:nvPr>
+        </p:nvSpPr>
+        <p:spPr/>
+        <p:txBody>
+          <a:bodyPr/>
+          <a:lstStyle/>
+          <a:p>
+            <a:endParaRPr lang="en-GB" dirty="0"/>
+          </a:p>
+        </p:txBody>
+      </p:sp>
+      <p:pic>
+        <p:nvPicPr>
+          <p:cNvPr id="5" name="Inhaltsplatzhalter 4"/>
+          <p:cNvPicPr>
+            <a:picLocks noChangeAspect="1"/>
+          </p:cNvPicPr>
+          <p:nvPr/>
+        </p:nvPicPr>
+        <p:blipFill>
+          <a:blip r:embed="rId2">
+            <a:extLst>
+              <a:ext uri="{28A0092B-C50C-407E-A947-70E740481C1C}">
+                <a14:useLocalDpi xmlns:a14="http://schemas.microsoft.com/office/drawing/2010/main" val="0"/>
+              </a:ext>
+            </a:extLst>
+          </a:blip>
+          <a:stretch>
+            <a:fillRect/>
+          </a:stretch>
+        </p:blipFill>
+        <p:spPr>
+          <a:xfrm>
+            <a:off x="838200" y="1816066"/>
+            <a:ext cx="8629650" cy="1047750"/>
+          </a:xfrm>
+          <a:prstGeom prst="rect">
+            <a:avLst/>
+          </a:prstGeom>
+        </p:spPr>
+      </p:pic>
+      <p:sp>
+        <p:nvSpPr>
           <p:cNvPr id="2" name="Titel 1"/>
           <p:cNvSpPr>
             <a:spLocks noGrp="1"/>
@@ -4578,76 +4683,27 @@
             <p:ph type="title"/>
           </p:nvPr>
         </p:nvSpPr>
-        <p:spPr/>
+        <p:spPr>
+          <a:xfrm>
+            <a:off x="838200" y="371694"/>
+            <a:ext cx="10515600" cy="1325563"/>
+          </a:xfrm>
+        </p:spPr>
         <p:txBody>
           <a:bodyPr/>
           <a:lstStyle/>
           <a:p>
             <a:r>
-              <a:rPr lang="en-GB" dirty="0" smtClean="0"/>
-              <a:t>My Solution</a:t>
-            </a:r>
-            <a:endParaRPr lang="en-GB" dirty="0"/>
-          </a:p>
-        </p:txBody>
-      </p:sp>
-      <p:sp>
-        <p:nvSpPr>
-          <p:cNvPr id="3" name="Inhaltsplatzhalter 2"/>
-          <p:cNvSpPr>
-            <a:spLocks noGrp="1"/>
-          </p:cNvSpPr>
-          <p:nvPr>
-            <p:ph idx="1"/>
-          </p:nvPr>
-        </p:nvSpPr>
-        <p:spPr/>
-        <p:txBody>
-          <a:bodyPr/>
-          <a:lstStyle/>
-          <a:p>
-            <a:r>
-              <a:rPr lang="en-GB" dirty="0" smtClean="0"/>
-              <a:t>FT: </a:t>
-            </a:r>
-            <a:r>
-              <a:rPr lang="en-GB" b="1" dirty="0" smtClean="0"/>
-              <a:t>Direct Fourier Transform</a:t>
-            </a:r>
-            <a:endParaRPr lang="en-GB" dirty="0"/>
-          </a:p>
-          <a:p>
-            <a:r>
-              <a:rPr lang="en-GB" dirty="0" smtClean="0"/>
-              <a:t>Optimization Algorithm: </a:t>
-            </a:r>
-            <a:r>
-              <a:rPr lang="en-GB" b="1" dirty="0" smtClean="0"/>
+              <a:rPr lang="en-GB" dirty="0"/>
               <a:t>Coordinate Descent</a:t>
             </a:r>
-          </a:p>
-          <a:p>
-            <a:r>
-              <a:rPr lang="en-GB" dirty="0" smtClean="0"/>
-              <a:t>Regularization</a:t>
-            </a:r>
-            <a:r>
-              <a:rPr lang="en-GB" b="1" dirty="0" smtClean="0"/>
-              <a:t>: Starlet Transform</a:t>
-            </a:r>
-          </a:p>
-          <a:p>
-            <a:endParaRPr lang="en-GB" dirty="0"/>
-          </a:p>
-          <a:p>
-            <a:endParaRPr lang="en-GB" dirty="0"/>
           </a:p>
         </p:txBody>
       </p:sp>
     </p:spTree>
     <p:extLst>
       <p:ext uri="{BB962C8B-B14F-4D97-AF65-F5344CB8AC3E}">
-        <p14:creationId xmlns:p14="http://schemas.microsoft.com/office/powerpoint/2010/main" val="28997590"/>
+        <p14:creationId xmlns:p14="http://schemas.microsoft.com/office/powerpoint/2010/main" val="3693283190"/>
       </p:ext>
     </p:extLst>
   </p:cSld>
@@ -4683,12 +4739,12 @@
       </p:grpSpPr>
       <p:sp>
         <p:nvSpPr>
-          <p:cNvPr id="3" name="Inhaltsplatzhalter 2"/>
-          <p:cNvSpPr>
-            <a:spLocks noGrp="1"/>
-          </p:cNvSpPr>
-          <p:nvPr>
-            <p:ph idx="1"/>
+          <p:cNvPr id="2" name="Titel 1"/>
+          <p:cNvSpPr>
+            <a:spLocks noGrp="1"/>
+          </p:cNvSpPr>
+          <p:nvPr>
+            <p:ph type="title"/>
           </p:nvPr>
         </p:nvSpPr>
         <p:spPr/>
@@ -4696,7 +4752,10 @@
           <a:bodyPr/>
           <a:lstStyle/>
           <a:p>
-            <a:endParaRPr lang="en-GB" dirty="0"/>
+            <a:r>
+              <a:rPr lang="en-GB" dirty="0"/>
+              <a:t>Coordinate Descent</a:t>
+            </a:r>
           </a:p>
         </p:txBody>
       </p:sp>
@@ -4722,7 +4781,7 @@
         </p:blipFill>
         <p:spPr>
           <a:xfrm>
-            <a:off x="838200" y="1816066"/>
+            <a:off x="838200" y="1817016"/>
             <a:ext cx="8629650" cy="1047750"/>
           </a:xfrm>
           <a:prstGeom prst="rect">
@@ -4732,35 +4791,67 @@
       </p:pic>
       <p:sp>
         <p:nvSpPr>
-          <p:cNvPr id="2" name="Titel 1"/>
-          <p:cNvSpPr>
-            <a:spLocks noGrp="1"/>
-          </p:cNvSpPr>
-          <p:nvPr>
-            <p:ph type="title"/>
-          </p:nvPr>
-        </p:nvSpPr>
-        <p:spPr>
-          <a:xfrm>
-            <a:off x="838200" y="371694"/>
-            <a:ext cx="10515600" cy="1325563"/>
-          </a:xfrm>
-        </p:spPr>
-        <p:txBody>
-          <a:bodyPr/>
-          <a:lstStyle/>
-          <a:p>
-            <a:r>
-              <a:rPr lang="en-GB" dirty="0"/>
-              <a:t>Coordinate Descent</a:t>
-            </a:r>
-          </a:p>
-        </p:txBody>
-      </p:sp>
+          <p:cNvPr id="7" name="Textfeld 6"/>
+          <p:cNvSpPr txBox="1"/>
+          <p:nvPr/>
+        </p:nvSpPr>
+        <p:spPr>
+          <a:xfrm>
+            <a:off x="5396642" y="2925183"/>
+            <a:ext cx="1560043" cy="415498"/>
+          </a:xfrm>
+          <a:prstGeom prst="rect">
+            <a:avLst/>
+          </a:prstGeom>
+          <a:noFill/>
+        </p:spPr>
+        <p:txBody>
+          <a:bodyPr wrap="none" rtlCol="0">
+            <a:spAutoFit/>
+          </a:bodyPr>
+          <a:lstStyle/>
+          <a:p>
+            <a:r>
+              <a:rPr lang="en-GB" dirty="0" smtClean="0"/>
+              <a:t>Dirty Image</a:t>
+            </a:r>
+            <a:endParaRPr lang="en-GB" dirty="0"/>
+          </a:p>
+        </p:txBody>
+      </p:sp>
+      <p:pic>
+        <p:nvPicPr>
+          <p:cNvPr id="11" name="Inhaltsplatzhalter 10"/>
+          <p:cNvPicPr>
+            <a:picLocks noGrp="1" noChangeAspect="1"/>
+          </p:cNvPicPr>
+          <p:nvPr>
+            <p:ph idx="1"/>
+          </p:nvPr>
+        </p:nvPicPr>
+        <p:blipFill>
+          <a:blip r:embed="rId3" cstate="print">
+            <a:extLst>
+              <a:ext uri="{28A0092B-C50C-407E-A947-70E740481C1C}">
+                <a14:useLocalDpi xmlns:a14="http://schemas.microsoft.com/office/drawing/2010/main" val="0"/>
+              </a:ext>
+            </a:extLst>
+          </a:blip>
+          <a:stretch>
+            <a:fillRect/>
+          </a:stretch>
+        </p:blipFill>
+        <p:spPr>
+          <a:xfrm>
+            <a:off x="4537148" y="3383514"/>
+            <a:ext cx="3117703" cy="3111071"/>
+          </a:xfrm>
+        </p:spPr>
+      </p:pic>
     </p:spTree>
     <p:extLst>
       <p:ext uri="{BB962C8B-B14F-4D97-AF65-F5344CB8AC3E}">
-        <p14:creationId xmlns:p14="http://schemas.microsoft.com/office/powerpoint/2010/main" val="3693283190"/>
+        <p14:creationId xmlns:p14="http://schemas.microsoft.com/office/powerpoint/2010/main" val="1892083147"/>
       </p:ext>
     </p:extLst>
   </p:cSld>
@@ -4811,18 +4902,25 @@
           <a:p>
             <a:r>
               <a:rPr lang="en-GB" dirty="0"/>
-              <a:t>Coordinate Descent</a:t>
-            </a:r>
+              <a:t>Coordinate </a:t>
+            </a:r>
+            <a:r>
+              <a:rPr lang="en-GB" dirty="0" smtClean="0"/>
+              <a:t>Descent + Starlets</a:t>
+            </a:r>
+            <a:endParaRPr lang="en-GB" dirty="0"/>
           </a:p>
         </p:txBody>
       </p:sp>
       <p:pic>
         <p:nvPicPr>
-          <p:cNvPr id="5" name="Inhaltsplatzhalter 4"/>
+          <p:cNvPr id="4" name="Inhaltsplatzhalter 3"/>
           <p:cNvPicPr>
-            <a:picLocks noChangeAspect="1"/>
+            <a:picLocks noGrp="1" noChangeAspect="1"/>
           </p:cNvPicPr>
-          <p:nvPr/>
+          <p:nvPr>
+            <p:ph idx="1"/>
+          </p:nvPr>
         </p:nvPicPr>
         <p:blipFill>
           <a:blip r:embed="rId2">
@@ -4838,56 +4936,21 @@
         </p:blipFill>
         <p:spPr>
           <a:xfrm>
-            <a:off x="838200" y="1817016"/>
-            <a:ext cx="8629650" cy="1047750"/>
-          </a:xfrm>
-          <a:prstGeom prst="rect">
-            <a:avLst/>
-          </a:prstGeom>
+            <a:off x="853699" y="4880948"/>
+            <a:ext cx="2133600" cy="447675"/>
+          </a:xfrm>
         </p:spPr>
       </p:pic>
-      <p:sp>
-        <p:nvSpPr>
-          <p:cNvPr id="7" name="Textfeld 6"/>
-          <p:cNvSpPr txBox="1"/>
-          <p:nvPr/>
-        </p:nvSpPr>
-        <p:spPr>
-          <a:xfrm>
-            <a:off x="5396642" y="2925183"/>
-            <a:ext cx="1560043" cy="415498"/>
-          </a:xfrm>
-          <a:prstGeom prst="rect">
-            <a:avLst/>
-          </a:prstGeom>
-          <a:noFill/>
-        </p:spPr>
-        <p:txBody>
-          <a:bodyPr wrap="none" rtlCol="0">
-            <a:spAutoFit/>
-          </a:bodyPr>
-          <a:lstStyle/>
-          <a:p>
-            <a:r>
-              <a:rPr lang="en-GB" dirty="0" smtClean="0"/>
-              <a:t>Dirty Image</a:t>
-            </a:r>
-            <a:endParaRPr lang="en-GB" dirty="0"/>
-          </a:p>
-        </p:txBody>
-      </p:sp>
       <p:pic>
         <p:nvPicPr>
-          <p:cNvPr id="11" name="Inhaltsplatzhalter 10"/>
+          <p:cNvPr id="5" name="Inhaltsplatzhalter 4"/>
           <p:cNvPicPr>
-            <a:picLocks noGrp="1" noChangeAspect="1"/>
+            <a:picLocks noChangeAspect="1"/>
           </p:cNvPicPr>
-          <p:nvPr>
-            <p:ph idx="1"/>
-          </p:nvPr>
+          <p:nvPr/>
         </p:nvPicPr>
         <p:blipFill>
-          <a:blip r:embed="rId3" cstate="print">
+          <a:blip r:embed="rId3">
             <a:extLst>
               <a:ext uri="{28A0092B-C50C-407E-A947-70E740481C1C}">
                 <a14:useLocalDpi xmlns:a14="http://schemas.microsoft.com/office/drawing/2010/main" val="0"/>
@@ -4900,15 +4963,78 @@
         </p:blipFill>
         <p:spPr>
           <a:xfrm>
-            <a:off x="4537148" y="3383514"/>
-            <a:ext cx="3117703" cy="3111071"/>
-          </a:xfrm>
+            <a:off x="838200" y="1834600"/>
+            <a:ext cx="8629650" cy="1047750"/>
+          </a:xfrm>
+          <a:prstGeom prst="rect">
+            <a:avLst/>
+          </a:prstGeom>
+        </p:spPr>
+      </p:pic>
+      <p:pic>
+        <p:nvPicPr>
+          <p:cNvPr id="9" name="Grafik 8"/>
+          <p:cNvPicPr>
+            <a:picLocks noChangeAspect="1"/>
+          </p:cNvPicPr>
+          <p:nvPr/>
+        </p:nvPicPr>
+        <p:blipFill>
+          <a:blip r:embed="rId4">
+            <a:extLst>
+              <a:ext uri="{28A0092B-C50C-407E-A947-70E740481C1C}">
+                <a14:useLocalDpi xmlns:a14="http://schemas.microsoft.com/office/drawing/2010/main" val="0"/>
+              </a:ext>
+            </a:extLst>
+          </a:blip>
+          <a:stretch>
+            <a:fillRect/>
+          </a:stretch>
+        </p:blipFill>
+        <p:spPr>
+          <a:xfrm>
+            <a:off x="4443090" y="4680923"/>
+            <a:ext cx="2809875" cy="647700"/>
+          </a:xfrm>
+          <a:prstGeom prst="rect">
+            <a:avLst/>
+          </a:prstGeom>
+        </p:spPr>
+      </p:pic>
+      <p:pic>
+        <p:nvPicPr>
+          <p:cNvPr id="11" name="Grafik 10"/>
+          <p:cNvPicPr>
+            <a:picLocks noChangeAspect="1"/>
+          </p:cNvPicPr>
+          <p:nvPr/>
+        </p:nvPicPr>
+        <p:blipFill>
+          <a:blip r:embed="rId5">
+            <a:extLst>
+              <a:ext uri="{28A0092B-C50C-407E-A947-70E740481C1C}">
+                <a14:useLocalDpi xmlns:a14="http://schemas.microsoft.com/office/drawing/2010/main" val="0"/>
+              </a:ext>
+            </a:extLst>
+          </a:blip>
+          <a:stretch>
+            <a:fillRect/>
+          </a:stretch>
+        </p:blipFill>
+        <p:spPr>
+          <a:xfrm>
+            <a:off x="838200" y="2882350"/>
+            <a:ext cx="9344025" cy="1362075"/>
+          </a:xfrm>
+          <a:prstGeom prst="rect">
+            <a:avLst/>
+          </a:prstGeom>
         </p:spPr>
       </p:pic>
     </p:spTree>
     <p:extLst>
       <p:ext uri="{BB962C8B-B14F-4D97-AF65-F5344CB8AC3E}">
-        <p14:creationId xmlns:p14="http://schemas.microsoft.com/office/powerpoint/2010/main" val="1892083147"/>
+        <p14:creationId xmlns:p14="http://schemas.microsoft.com/office/powerpoint/2010/main" val="522208804"/>
       </p:ext>
     </p:extLst>
   </p:cSld>
@@ -4942,33 +5068,6 @@
           <a:chExt cx="0" cy="0"/>
         </a:xfrm>
       </p:grpSpPr>
-      <p:sp>
-        <p:nvSpPr>
-          <p:cNvPr id="2" name="Titel 1"/>
-          <p:cNvSpPr>
-            <a:spLocks noGrp="1"/>
-          </p:cNvSpPr>
-          <p:nvPr>
-            <p:ph type="title"/>
-          </p:nvPr>
-        </p:nvSpPr>
-        <p:spPr/>
-        <p:txBody>
-          <a:bodyPr/>
-          <a:lstStyle/>
-          <a:p>
-            <a:r>
-              <a:rPr lang="en-GB" dirty="0"/>
-              <a:t>Coordinate </a:t>
-            </a:r>
-            <a:r>
-              <a:rPr lang="en-GB" dirty="0" smtClean="0"/>
-              <a:t>Descent + Starlets</a:t>
-            </a:r>
-            <a:endParaRPr lang="en-GB" dirty="0"/>
-          </a:p>
-        </p:txBody>
-      </p:sp>
       <p:pic>
         <p:nvPicPr>
           <p:cNvPr id="4" name="Inhaltsplatzhalter 3"/>
@@ -4980,7 +5079,7 @@
           </p:nvPr>
         </p:nvPicPr>
         <p:blipFill>
-          <a:blip r:embed="rId2">
+          <a:blip r:embed="rId2" cstate="print">
             <a:extLst>
               <a:ext uri="{28A0092B-C50C-407E-A947-70E740481C1C}">
                 <a14:useLocalDpi xmlns:a14="http://schemas.microsoft.com/office/drawing/2010/main" val="0"/>
@@ -4993,105 +5092,38 @@
         </p:blipFill>
         <p:spPr>
           <a:xfrm>
-            <a:off x="853699" y="4880948"/>
-            <a:ext cx="2133600" cy="447675"/>
+            <a:off x="2763494" y="628593"/>
+            <a:ext cx="6665012" cy="6665012"/>
           </a:xfrm>
         </p:spPr>
       </p:pic>
-      <p:pic>
-        <p:nvPicPr>
-          <p:cNvPr id="5" name="Inhaltsplatzhalter 4"/>
-          <p:cNvPicPr>
-            <a:picLocks noChangeAspect="1"/>
-          </p:cNvPicPr>
-          <p:nvPr/>
-        </p:nvPicPr>
-        <p:blipFill>
-          <a:blip r:embed="rId3">
-            <a:extLst>
-              <a:ext uri="{28A0092B-C50C-407E-A947-70E740481C1C}">
-                <a14:useLocalDpi xmlns:a14="http://schemas.microsoft.com/office/drawing/2010/main" val="0"/>
-              </a:ext>
-            </a:extLst>
-          </a:blip>
-          <a:stretch>
-            <a:fillRect/>
-          </a:stretch>
-        </p:blipFill>
-        <p:spPr>
-          <a:xfrm>
-            <a:off x="838200" y="1834600"/>
-            <a:ext cx="8629650" cy="1047750"/>
-          </a:xfrm>
-          <a:prstGeom prst="rect">
-            <a:avLst/>
-          </a:prstGeom>
-        </p:spPr>
-      </p:pic>
-      <p:pic>
-        <p:nvPicPr>
-          <p:cNvPr id="9" name="Grafik 8"/>
-          <p:cNvPicPr>
-            <a:picLocks noChangeAspect="1"/>
-          </p:cNvPicPr>
-          <p:nvPr/>
-        </p:nvPicPr>
-        <p:blipFill>
-          <a:blip r:embed="rId4">
-            <a:extLst>
-              <a:ext uri="{28A0092B-C50C-407E-A947-70E740481C1C}">
-                <a14:useLocalDpi xmlns:a14="http://schemas.microsoft.com/office/drawing/2010/main" val="0"/>
-              </a:ext>
-            </a:extLst>
-          </a:blip>
-          <a:stretch>
-            <a:fillRect/>
-          </a:stretch>
-        </p:blipFill>
-        <p:spPr>
-          <a:xfrm>
-            <a:off x="4443090" y="4680923"/>
-            <a:ext cx="2809875" cy="647700"/>
-          </a:xfrm>
-          <a:prstGeom prst="rect">
-            <a:avLst/>
-          </a:prstGeom>
-        </p:spPr>
-      </p:pic>
-      <p:pic>
-        <p:nvPicPr>
-          <p:cNvPr id="11" name="Grafik 10"/>
-          <p:cNvPicPr>
-            <a:picLocks noChangeAspect="1"/>
-          </p:cNvPicPr>
-          <p:nvPr/>
-        </p:nvPicPr>
-        <p:blipFill>
-          <a:blip r:embed="rId5">
-            <a:extLst>
-              <a:ext uri="{28A0092B-C50C-407E-A947-70E740481C1C}">
-                <a14:useLocalDpi xmlns:a14="http://schemas.microsoft.com/office/drawing/2010/main" val="0"/>
-              </a:ext>
-            </a:extLst>
-          </a:blip>
-          <a:stretch>
-            <a:fillRect/>
-          </a:stretch>
-        </p:blipFill>
-        <p:spPr>
-          <a:xfrm>
-            <a:off x="838200" y="2882350"/>
-            <a:ext cx="9344025" cy="1362075"/>
-          </a:xfrm>
-          <a:prstGeom prst="rect">
-            <a:avLst/>
-          </a:prstGeom>
-        </p:spPr>
-      </p:pic>
+      <p:sp>
+        <p:nvSpPr>
+          <p:cNvPr id="2" name="Titel 1"/>
+          <p:cNvSpPr>
+            <a:spLocks noGrp="1"/>
+          </p:cNvSpPr>
+          <p:nvPr>
+            <p:ph type="title"/>
+          </p:nvPr>
+        </p:nvSpPr>
+        <p:spPr/>
+        <p:txBody>
+          <a:bodyPr/>
+          <a:lstStyle/>
+          <a:p>
+            <a:r>
+              <a:rPr lang="en-GB" dirty="0" smtClean="0"/>
+              <a:t>Test on simulated data</a:t>
+            </a:r>
+            <a:endParaRPr lang="en-GB" dirty="0"/>
+          </a:p>
+        </p:txBody>
+      </p:sp>
     </p:spTree>
     <p:extLst>
       <p:ext uri="{BB962C8B-B14F-4D97-AF65-F5344CB8AC3E}">
-        <p14:creationId xmlns:p14="http://schemas.microsoft.com/office/powerpoint/2010/main" val="522208804"/>
+        <p14:creationId xmlns:p14="http://schemas.microsoft.com/office/powerpoint/2010/main" val="4065287532"/>
       </p:ext>
     </p:extLst>
   </p:cSld>
@@ -5125,15 +5157,35 @@
           <a:chExt cx="0" cy="0"/>
         </a:xfrm>
       </p:grpSpPr>
+      <p:sp>
+        <p:nvSpPr>
+          <p:cNvPr id="2" name="Titel 1"/>
+          <p:cNvSpPr>
+            <a:spLocks noGrp="1"/>
+          </p:cNvSpPr>
+          <p:nvPr>
+            <p:ph type="title"/>
+          </p:nvPr>
+        </p:nvSpPr>
+        <p:spPr/>
+        <p:txBody>
+          <a:bodyPr/>
+          <a:lstStyle/>
+          <a:p>
+            <a:r>
+              <a:rPr lang="en-GB" dirty="0"/>
+              <a:t>Test on simulated data</a:t>
+            </a:r>
+          </a:p>
+        </p:txBody>
+      </p:sp>
       <p:pic>
         <p:nvPicPr>
-          <p:cNvPr id="4" name="Inhaltsplatzhalter 3"/>
+          <p:cNvPr id="5" name="Grafik 4"/>
           <p:cNvPicPr>
-            <a:picLocks noGrp="1" noChangeAspect="1"/>
+            <a:picLocks noChangeAspect="1"/>
           </p:cNvPicPr>
-          <p:nvPr>
-            <p:ph idx="1"/>
-          </p:nvPr>
+          <p:nvPr/>
         </p:nvPicPr>
         <p:blipFill>
           <a:blip r:embed="rId2" cstate="print">
@@ -5149,29 +5201,133 @@
         </p:blipFill>
         <p:spPr>
           <a:xfrm>
-            <a:off x="2763494" y="628593"/>
-            <a:ext cx="6665012" cy="6665012"/>
-          </a:xfrm>
+            <a:off x="503339" y="1329543"/>
+            <a:ext cx="5425294" cy="5425294"/>
+          </a:xfrm>
+          <a:prstGeom prst="rect">
+            <a:avLst/>
+          </a:prstGeom>
         </p:spPr>
       </p:pic>
-      <p:sp>
-        <p:nvSpPr>
-          <p:cNvPr id="2" name="Titel 1"/>
-          <p:cNvSpPr>
-            <a:spLocks noGrp="1"/>
-          </p:cNvSpPr>
-          <p:nvPr>
-            <p:ph type="title"/>
-          </p:nvPr>
-        </p:nvSpPr>
-        <p:spPr/>
-        <p:txBody>
-          <a:bodyPr/>
+      <p:pic>
+        <p:nvPicPr>
+          <p:cNvPr id="6" name="Grafik 5"/>
+          <p:cNvPicPr>
+            <a:picLocks noChangeAspect="1"/>
+          </p:cNvPicPr>
+          <p:nvPr/>
+        </p:nvPicPr>
+        <p:blipFill>
+          <a:blip r:embed="rId3" cstate="print">
+            <a:extLst>
+              <a:ext uri="{28A0092B-C50C-407E-A947-70E740481C1C}">
+                <a14:useLocalDpi xmlns:a14="http://schemas.microsoft.com/office/drawing/2010/main" val="0"/>
+              </a:ext>
+            </a:extLst>
+          </a:blip>
+          <a:stretch>
+            <a:fillRect/>
+          </a:stretch>
+        </p:blipFill>
+        <p:spPr>
+          <a:xfrm>
+            <a:off x="5928633" y="1329670"/>
+            <a:ext cx="5425167" cy="5425167"/>
+          </a:xfrm>
+          <a:prstGeom prst="rect">
+            <a:avLst/>
+          </a:prstGeom>
+        </p:spPr>
+      </p:pic>
+      <p:sp>
+        <p:nvSpPr>
+          <p:cNvPr id="3" name="Textfeld 2"/>
+          <p:cNvSpPr txBox="1"/>
+          <p:nvPr/>
+        </p:nvSpPr>
+        <p:spPr>
+          <a:xfrm>
+            <a:off x="2418267" y="1506022"/>
+            <a:ext cx="797719" cy="369332"/>
+          </a:xfrm>
+          <a:prstGeom prst="rect">
+            <a:avLst/>
+          </a:prstGeom>
+          <a:noFill/>
+        </p:spPr>
+        <p:txBody>
+          <a:bodyPr wrap="none" rtlCol="0">
+            <a:spAutoFit/>
+          </a:bodyPr>
           <a:lstStyle/>
           <a:p>
             <a:r>
               <a:rPr lang="en-GB" dirty="0" smtClean="0"/>
-              <a:t>Test on simulated data</a:t>
+              <a:t>CLEAN</a:t>
+            </a:r>
+            <a:endParaRPr lang="en-GB" dirty="0"/>
+          </a:p>
+        </p:txBody>
+      </p:sp>
+      <p:sp>
+        <p:nvSpPr>
+          <p:cNvPr id="7" name="Textfeld 6"/>
+          <p:cNvSpPr txBox="1"/>
+          <p:nvPr/>
+        </p:nvSpPr>
+        <p:spPr>
+          <a:xfrm>
+            <a:off x="7508700" y="1497280"/>
+            <a:ext cx="2034275" cy="369332"/>
+          </a:xfrm>
+          <a:prstGeom prst="rect">
+            <a:avLst/>
+          </a:prstGeom>
+          <a:noFill/>
+        </p:spPr>
+        <p:txBody>
+          <a:bodyPr wrap="none" rtlCol="0">
+            <a:spAutoFit/>
+          </a:bodyPr>
+          <a:lstStyle/>
+          <a:p>
+            <a:r>
+              <a:rPr lang="en-GB" dirty="0" smtClean="0"/>
+              <a:t>Coordinate Descent</a:t>
+            </a:r>
+            <a:endParaRPr lang="en-GB" dirty="0"/>
+          </a:p>
+        </p:txBody>
+      </p:sp>
+      <p:sp>
+        <p:nvSpPr>
+          <p:cNvPr id="4" name="Textfeld 3"/>
+          <p:cNvSpPr txBox="1"/>
+          <p:nvPr/>
+        </p:nvSpPr>
+        <p:spPr>
+          <a:xfrm rot="16200000">
+            <a:off x="10932085" y="3888301"/>
+            <a:ext cx="1151208" cy="307777"/>
+          </a:xfrm>
+          <a:prstGeom prst="rect">
+            <a:avLst/>
+          </a:prstGeom>
+          <a:noFill/>
+        </p:spPr>
+        <p:txBody>
+          <a:bodyPr wrap="square" rtlCol="0">
+            <a:spAutoFit/>
+          </a:bodyPr>
+          <a:lstStyle/>
+          <a:p>
+            <a:r>
+              <a:rPr lang="en-GB" sz="1400" dirty="0" err="1" smtClean="0"/>
+              <a:t>Jansky</a:t>
+            </a:r>
+            <a:r>
+              <a:rPr lang="en-GB" sz="1400" dirty="0" smtClean="0"/>
+              <a:t>/Beam</a:t>
             </a:r>
             <a:endParaRPr lang="en-GB" dirty="0"/>
           </a:p>
@@ -5180,7 +5336,7 @@
     </p:spTree>
     <p:extLst>
       <p:ext uri="{BB962C8B-B14F-4D97-AF65-F5344CB8AC3E}">
-        <p14:creationId xmlns:p14="http://schemas.microsoft.com/office/powerpoint/2010/main" val="4065287532"/>
+        <p14:creationId xmlns:p14="http://schemas.microsoft.com/office/powerpoint/2010/main" val="98619472"/>
       </p:ext>
     </p:extLst>
   </p:cSld>
@@ -5238,11 +5394,13 @@
       </p:sp>
       <p:pic>
         <p:nvPicPr>
-          <p:cNvPr id="5" name="Grafik 4"/>
+          <p:cNvPr id="4" name="Inhaltsplatzhalter 3"/>
           <p:cNvPicPr>
-            <a:picLocks noChangeAspect="1"/>
+            <a:picLocks noGrp="1" noChangeAspect="1"/>
           </p:cNvPicPr>
-          <p:nvPr/>
+          <p:nvPr>
+            <p:ph idx="1"/>
+          </p:nvPr>
         </p:nvPicPr>
         <p:blipFill>
           <a:blip r:embed="rId2" cstate="print">
@@ -5258,23 +5416,20 @@
         </p:blipFill>
         <p:spPr>
           <a:xfrm>
-            <a:off x="503339" y="1329543"/>
-            <a:ext cx="5425294" cy="5425294"/>
-          </a:xfrm>
-          <a:prstGeom prst="rect">
-            <a:avLst/>
-          </a:prstGeom>
+            <a:off x="604434" y="1428579"/>
+            <a:ext cx="10600841" cy="5300419"/>
+          </a:xfrm>
         </p:spPr>
       </p:pic>
       <p:pic>
         <p:nvPicPr>
-          <p:cNvPr id="6" name="Grafik 5"/>
+          <p:cNvPr id="6" name="Inhaltsplatzhalter 3"/>
           <p:cNvPicPr>
             <a:picLocks noChangeAspect="1"/>
           </p:cNvPicPr>
           <p:nvPr/>
         </p:nvPicPr>
-        <p:blipFill>
+        <p:blipFill rotWithShape="1">
           <a:blip r:embed="rId3" cstate="print">
             <a:extLst>
               <a:ext uri="{28A0092B-C50C-407E-A947-70E740481C1C}">
@@ -5282,118 +5437,23 @@
               </a:ext>
             </a:extLst>
           </a:blip>
-          <a:stretch>
-            <a:fillRect/>
-          </a:stretch>
+          <a:srcRect l="9520" t="12232" r="19004" b="16761"/>
+          <a:stretch/>
         </p:blipFill>
         <p:spPr>
           <a:xfrm>
-            <a:off x="5928633" y="1329670"/>
-            <a:ext cx="5425167" cy="5425167"/>
+            <a:off x="9179084" y="0"/>
+            <a:ext cx="3012916" cy="2993180"/>
           </a:xfrm>
           <a:prstGeom prst="rect">
             <a:avLst/>
           </a:prstGeom>
         </p:spPr>
       </p:pic>
-      <p:sp>
-        <p:nvSpPr>
-          <p:cNvPr id="3" name="Textfeld 2"/>
-          <p:cNvSpPr txBox="1"/>
-          <p:nvPr/>
-        </p:nvSpPr>
-        <p:spPr>
-          <a:xfrm>
-            <a:off x="2418267" y="1506022"/>
-            <a:ext cx="797719" cy="369332"/>
-          </a:xfrm>
-          <a:prstGeom prst="rect">
-            <a:avLst/>
-          </a:prstGeom>
-          <a:noFill/>
-        </p:spPr>
-        <p:txBody>
-          <a:bodyPr wrap="none" rtlCol="0">
-            <a:spAutoFit/>
-          </a:bodyPr>
-          <a:lstStyle/>
-          <a:p>
-            <a:r>
-              <a:rPr lang="en-GB" dirty="0" smtClean="0"/>
-              <a:t>CLEAN</a:t>
-            </a:r>
-            <a:endParaRPr lang="en-GB" dirty="0"/>
-          </a:p>
-        </p:txBody>
-      </p:sp>
-      <p:sp>
-        <p:nvSpPr>
-          <p:cNvPr id="7" name="Textfeld 6"/>
-          <p:cNvSpPr txBox="1"/>
-          <p:nvPr/>
-        </p:nvSpPr>
-        <p:spPr>
-          <a:xfrm>
-            <a:off x="7508700" y="1497280"/>
-            <a:ext cx="2034275" cy="369332"/>
-          </a:xfrm>
-          <a:prstGeom prst="rect">
-            <a:avLst/>
-          </a:prstGeom>
-          <a:noFill/>
-        </p:spPr>
-        <p:txBody>
-          <a:bodyPr wrap="none" rtlCol="0">
-            <a:spAutoFit/>
-          </a:bodyPr>
-          <a:lstStyle/>
-          <a:p>
-            <a:r>
-              <a:rPr lang="en-GB" dirty="0" smtClean="0"/>
-              <a:t>Coordinate Descent</a:t>
-            </a:r>
-            <a:endParaRPr lang="en-GB" dirty="0"/>
-          </a:p>
-        </p:txBody>
-      </p:sp>
-      <p:sp>
-        <p:nvSpPr>
-          <p:cNvPr id="4" name="Textfeld 3"/>
-          <p:cNvSpPr txBox="1"/>
-          <p:nvPr/>
-        </p:nvSpPr>
-        <p:spPr>
-          <a:xfrm rot="16200000">
-            <a:off x="10932085" y="3888301"/>
-            <a:ext cx="1151208" cy="307777"/>
-          </a:xfrm>
-          <a:prstGeom prst="rect">
-            <a:avLst/>
-          </a:prstGeom>
-          <a:noFill/>
-        </p:spPr>
-        <p:txBody>
-          <a:bodyPr wrap="square" rtlCol="0">
-            <a:spAutoFit/>
-          </a:bodyPr>
-          <a:lstStyle/>
-          <a:p>
-            <a:r>
-              <a:rPr lang="en-GB" sz="1400" dirty="0" err="1" smtClean="0"/>
-              <a:t>Jansky</a:t>
-            </a:r>
-            <a:r>
-              <a:rPr lang="en-GB" sz="1400" dirty="0" smtClean="0"/>
-              <a:t>/Beam</a:t>
-            </a:r>
-            <a:endParaRPr lang="en-GB" dirty="0"/>
-          </a:p>
-        </p:txBody>
-      </p:sp>
     </p:spTree>
     <p:extLst>
       <p:ext uri="{BB962C8B-B14F-4D97-AF65-F5344CB8AC3E}">
-        <p14:creationId xmlns:p14="http://schemas.microsoft.com/office/powerpoint/2010/main" val="98619472"/>
+        <p14:creationId xmlns:p14="http://schemas.microsoft.com/office/powerpoint/2010/main" val="2006460899"/>
       </p:ext>
     </p:extLst>
   </p:cSld>
@@ -5429,6 +5489,70 @@
       </p:grpSpPr>
       <p:sp>
         <p:nvSpPr>
+          <p:cNvPr id="8" name="Rechteck 7"/>
+          <p:cNvSpPr/>
+          <p:nvPr/>
+        </p:nvSpPr>
+        <p:spPr>
+          <a:xfrm>
+            <a:off x="6096000" y="1861026"/>
+            <a:ext cx="506278" cy="834231"/>
+          </a:xfrm>
+          <a:prstGeom prst="rect">
+            <a:avLst/>
+          </a:prstGeom>
+          <a:solidFill>
+            <a:schemeClr val="accent2">
+              <a:lumMod val="75000"/>
+            </a:schemeClr>
+          </a:solidFill>
+        </p:spPr>
+        <p:style>
+          <a:lnRef idx="2">
+            <a:schemeClr val="accent1">
+              <a:shade val="50000"/>
+            </a:schemeClr>
+          </a:lnRef>
+          <a:fillRef idx="1">
+            <a:schemeClr val="accent1"/>
+          </a:fillRef>
+          <a:effectRef idx="0">
+            <a:schemeClr val="accent1"/>
+          </a:effectRef>
+          <a:fontRef idx="minor">
+            <a:schemeClr val="lt1"/>
+          </a:fontRef>
+        </p:style>
+        <p:txBody>
+          <a:bodyPr rtlCol="0" anchor="ctr"/>
+          <a:lstStyle/>
+          <a:p>
+            <a:pPr algn="ctr"/>
+            <a:endParaRPr lang="en-GB"/>
+          </a:p>
+        </p:txBody>
+      </p:sp>
+      <p:sp>
+        <p:nvSpPr>
+          <p:cNvPr id="3" name="Inhaltsplatzhalter 2"/>
+          <p:cNvSpPr>
+            <a:spLocks noGrp="1"/>
+          </p:cNvSpPr>
+          <p:nvPr>
+            <p:ph idx="1"/>
+          </p:nvPr>
+        </p:nvSpPr>
+        <p:spPr/>
+        <p:txBody>
+          <a:bodyPr/>
+          <a:lstStyle/>
+          <a:p>
+            <a:endParaRPr lang="en-GB" dirty="0"/>
+          </a:p>
+        </p:txBody>
+      </p:sp>
+      <p:sp>
+        <p:nvSpPr>
           <p:cNvPr id="2" name="Titel 1"/>
           <p:cNvSpPr>
             <a:spLocks noGrp="1"/>
@@ -5449,18 +5573,94 @@
           </a:p>
         </p:txBody>
       </p:sp>
+      <p:sp>
+        <p:nvSpPr>
+          <p:cNvPr id="11" name="Textfeld 10"/>
+          <p:cNvSpPr txBox="1"/>
+          <p:nvPr/>
+        </p:nvSpPr>
+        <p:spPr>
+          <a:xfrm>
+            <a:off x="3918906" y="3555979"/>
+            <a:ext cx="3823484" cy="2123658"/>
+          </a:xfrm>
+          <a:prstGeom prst="rect">
+            <a:avLst/>
+          </a:prstGeom>
+          <a:noFill/>
+        </p:spPr>
+        <p:txBody>
+          <a:bodyPr wrap="none" rtlCol="0">
+            <a:spAutoFit/>
+          </a:bodyPr>
+          <a:lstStyle/>
+          <a:p>
+            <a:pPr algn="ctr"/>
+            <a:r>
+              <a:rPr lang="en-GB" sz="4400" dirty="0" smtClean="0"/>
+              <a:t>3300/1’100’000</a:t>
+            </a:r>
+          </a:p>
+          <a:p>
+            <a:pPr algn="ctr"/>
+            <a:endParaRPr lang="en-GB" sz="4400" dirty="0" smtClean="0"/>
+          </a:p>
+          <a:p>
+            <a:pPr algn="ctr"/>
+            <a:r>
+              <a:rPr lang="en-GB" sz="4400" dirty="0" smtClean="0"/>
+              <a:t>~0.3%</a:t>
+            </a:r>
+            <a:endParaRPr lang="en-GB" sz="4400" dirty="0"/>
+          </a:p>
+        </p:txBody>
+      </p:sp>
+      <p:cxnSp>
+        <p:nvCxnSpPr>
+          <p:cNvPr id="12" name="Gerade Verbindung mit Pfeil 11"/>
+          <p:cNvCxnSpPr/>
+          <p:nvPr/>
+        </p:nvCxnSpPr>
+        <p:spPr>
+          <a:xfrm flipH="1">
+            <a:off x="6333641" y="2731394"/>
+            <a:ext cx="15498" cy="839087"/>
+          </a:xfrm>
+          <a:prstGeom prst="straightConnector1">
+            <a:avLst/>
+          </a:prstGeom>
+          <a:ln w="85725">
+            <a:solidFill>
+              <a:schemeClr val="tx1"/>
+            </a:solidFill>
+            <a:tailEnd type="triangle"/>
+          </a:ln>
+        </p:spPr>
+        <p:style>
+          <a:lnRef idx="1">
+            <a:schemeClr val="accent1"/>
+          </a:lnRef>
+          <a:fillRef idx="0">
+            <a:schemeClr val="accent1"/>
+          </a:fillRef>
+          <a:effectRef idx="0">
+            <a:schemeClr val="accent1"/>
+          </a:effectRef>
+          <a:fontRef idx="minor">
+            <a:schemeClr val="tx1"/>
+          </a:fontRef>
+        </p:style>
+      </p:cxnSp>
       <p:pic>
         <p:nvPicPr>
-          <p:cNvPr id="4" name="Inhaltsplatzhalter 3"/>
+          <p:cNvPr id="9" name="Grafik 8"/>
           <p:cNvPicPr>
-            <a:picLocks noGrp="1" noChangeAspect="1"/>
+            <a:picLocks noChangeAspect="1"/>
           </p:cNvPicPr>
-          <p:nvPr>
-            <p:ph idx="1"/>
-          </p:nvPr>
+          <p:nvPr/>
         </p:nvPicPr>
         <p:blipFill>
-          <a:blip r:embed="rId2" cstate="print">
+          <a:blip r:embed="rId2">
             <a:extLst>
               <a:ext uri="{28A0092B-C50C-407E-A947-70E740481C1C}">
                 <a14:useLocalDpi xmlns:a14="http://schemas.microsoft.com/office/drawing/2010/main" val="0"/>
@@ -5473,34 +5673,8 @@
         </p:blipFill>
         <p:spPr>
           <a:xfrm>
-            <a:off x="604434" y="1428579"/>
-            <a:ext cx="10600841" cy="5300419"/>
-          </a:xfrm>
-        </p:spPr>
-      </p:pic>
-      <p:pic>
-        <p:nvPicPr>
-          <p:cNvPr id="6" name="Inhaltsplatzhalter 3"/>
-          <p:cNvPicPr>
-            <a:picLocks noChangeAspect="1"/>
-          </p:cNvPicPr>
-          <p:nvPr/>
-        </p:nvPicPr>
-        <p:blipFill rotWithShape="1">
-          <a:blip r:embed="rId3" cstate="print">
-            <a:extLst>
-              <a:ext uri="{28A0092B-C50C-407E-A947-70E740481C1C}">
-                <a14:useLocalDpi xmlns:a14="http://schemas.microsoft.com/office/drawing/2010/main" val="0"/>
-              </a:ext>
-            </a:extLst>
-          </a:blip>
-          <a:srcRect l="9520" t="12232" r="19004" b="16761"/>
-          <a:stretch/>
-        </p:blipFill>
-        <p:spPr>
-          <a:xfrm>
-            <a:off x="9179084" y="0"/>
-            <a:ext cx="3012916" cy="2993180"/>
+            <a:off x="838200" y="1607472"/>
+            <a:ext cx="9344025" cy="1362075"/>
           </a:xfrm>
           <a:prstGeom prst="rect">
             <a:avLst/>
@@ -5510,20 +5684,13 @@
     </p:spTree>
     <p:extLst>
       <p:ext uri="{BB962C8B-B14F-4D97-AF65-F5344CB8AC3E}">
-        <p14:creationId xmlns:p14="http://schemas.microsoft.com/office/powerpoint/2010/main" val="2006460899"/>
+        <p14:creationId xmlns:p14="http://schemas.microsoft.com/office/powerpoint/2010/main" val="3073166351"/>
       </p:ext>
     </p:extLst>
   </p:cSld>
   <p:clrMapOvr>
     <a:masterClrMapping/>
   </p:clrMapOvr>
-  <p:timing>
-    <p:tnLst>
-      <p:par>
-        <p:cTn id="1" dur="indefinite" restart="never" nodeType="tmRoot"/>
-      </p:par>
-    </p:tnLst>
-  </p:timing>
 </p:sld>
 </file>
 
@@ -5726,9 +5893,202 @@
           </a:p>
         </p:txBody>
       </p:sp>
+      <p:sp>
+        <p:nvSpPr>
+          <p:cNvPr id="2" name="Titel 1"/>
+          <p:cNvSpPr>
+            <a:spLocks noGrp="1"/>
+          </p:cNvSpPr>
+          <p:nvPr>
+            <p:ph type="title"/>
+          </p:nvPr>
+        </p:nvSpPr>
+        <p:spPr/>
+        <p:txBody>
+          <a:bodyPr/>
+          <a:lstStyle/>
+          <a:p>
+            <a:r>
+              <a:rPr lang="en-GB" dirty="0"/>
+              <a:t>Test on simulated data</a:t>
+            </a:r>
+          </a:p>
+        </p:txBody>
+      </p:sp>
+      <p:sp>
+        <p:nvSpPr>
+          <p:cNvPr id="11" name="Textfeld 10"/>
+          <p:cNvSpPr txBox="1"/>
+          <p:nvPr/>
+        </p:nvSpPr>
+        <p:spPr>
+          <a:xfrm>
+            <a:off x="3918906" y="3555979"/>
+            <a:ext cx="3823484" cy="2123658"/>
+          </a:xfrm>
+          <a:prstGeom prst="rect">
+            <a:avLst/>
+          </a:prstGeom>
+          <a:noFill/>
+        </p:spPr>
+        <p:txBody>
+          <a:bodyPr wrap="none" rtlCol="0">
+            <a:spAutoFit/>
+          </a:bodyPr>
+          <a:lstStyle/>
+          <a:p>
+            <a:pPr algn="ctr"/>
+            <a:r>
+              <a:rPr lang="en-GB" sz="4400" dirty="0" smtClean="0">
+                <a:solidFill>
+                  <a:schemeClr val="bg1">
+                    <a:lumMod val="50000"/>
+                  </a:schemeClr>
+                </a:solidFill>
+              </a:rPr>
+              <a:t>3300/1’100’000</a:t>
+            </a:r>
+          </a:p>
+          <a:p>
+            <a:pPr algn="ctr"/>
+            <a:endParaRPr lang="en-GB" sz="4400" dirty="0" smtClean="0">
+              <a:solidFill>
+                <a:schemeClr val="bg1">
+                  <a:lumMod val="50000"/>
+                </a:schemeClr>
+              </a:solidFill>
+            </a:endParaRPr>
+          </a:p>
+          <a:p>
+            <a:pPr algn="ctr"/>
+            <a:r>
+              <a:rPr lang="en-GB" sz="4400" dirty="0" smtClean="0">
+                <a:solidFill>
+                  <a:schemeClr val="bg1">
+                    <a:lumMod val="50000"/>
+                  </a:schemeClr>
+                </a:solidFill>
+              </a:rPr>
+              <a:t>~0.3%</a:t>
+            </a:r>
+            <a:endParaRPr lang="en-GB" sz="4400" dirty="0">
+              <a:solidFill>
+                <a:schemeClr val="bg1">
+                  <a:lumMod val="50000"/>
+                </a:schemeClr>
+              </a:solidFill>
+            </a:endParaRPr>
+          </a:p>
+        </p:txBody>
+      </p:sp>
+      <p:cxnSp>
+        <p:nvCxnSpPr>
+          <p:cNvPr id="12" name="Gerade Verbindung mit Pfeil 11"/>
+          <p:cNvCxnSpPr/>
+          <p:nvPr/>
+        </p:nvCxnSpPr>
+        <p:spPr>
+          <a:xfrm flipH="1">
+            <a:off x="6333641" y="2731394"/>
+            <a:ext cx="15498" cy="839087"/>
+          </a:xfrm>
+          <a:prstGeom prst="straightConnector1">
+            <a:avLst/>
+          </a:prstGeom>
+          <a:ln w="85725">
+            <a:solidFill>
+              <a:schemeClr val="bg1">
+                <a:lumMod val="50000"/>
+              </a:schemeClr>
+            </a:solidFill>
+            <a:tailEnd type="triangle"/>
+          </a:ln>
+        </p:spPr>
+        <p:style>
+          <a:lnRef idx="1">
+            <a:schemeClr val="accent1"/>
+          </a:lnRef>
+          <a:fillRef idx="0">
+            <a:schemeClr val="accent1"/>
+          </a:fillRef>
+          <a:effectRef idx="0">
+            <a:schemeClr val="accent1"/>
+          </a:effectRef>
+          <a:fontRef idx="minor">
+            <a:schemeClr val="tx1"/>
+          </a:fontRef>
+        </p:style>
+      </p:cxnSp>
+      <p:cxnSp>
+        <p:nvCxnSpPr>
+          <p:cNvPr id="15" name="Gerade Verbindung mit Pfeil 14"/>
+          <p:cNvCxnSpPr/>
+          <p:nvPr/>
+        </p:nvCxnSpPr>
+        <p:spPr>
+          <a:xfrm flipH="1">
+            <a:off x="9404890" y="2658716"/>
+            <a:ext cx="15498" cy="839087"/>
+          </a:xfrm>
+          <a:prstGeom prst="straightConnector1">
+            <a:avLst/>
+          </a:prstGeom>
+          <a:ln w="85725">
+            <a:solidFill>
+              <a:schemeClr val="tx1"/>
+            </a:solidFill>
+            <a:tailEnd type="triangle"/>
+          </a:ln>
+        </p:spPr>
+        <p:style>
+          <a:lnRef idx="1">
+            <a:schemeClr val="accent1"/>
+          </a:lnRef>
+          <a:fillRef idx="0">
+            <a:schemeClr val="accent1"/>
+          </a:fillRef>
+          <a:effectRef idx="0">
+            <a:schemeClr val="accent1"/>
+          </a:effectRef>
+          <a:fontRef idx="minor">
+            <a:schemeClr val="tx1"/>
+          </a:fontRef>
+        </p:style>
+      </p:cxnSp>
+      <p:sp>
+        <p:nvSpPr>
+          <p:cNvPr id="16" name="Textfeld 15"/>
+          <p:cNvSpPr txBox="1"/>
+          <p:nvPr/>
+        </p:nvSpPr>
+        <p:spPr>
+          <a:xfrm>
+            <a:off x="8609667" y="3421719"/>
+            <a:ext cx="1321196" cy="769441"/>
+          </a:xfrm>
+          <a:prstGeom prst="rect">
+            <a:avLst/>
+          </a:prstGeom>
+          <a:noFill/>
+        </p:spPr>
+        <p:txBody>
+          <a:bodyPr wrap="none" rtlCol="0">
+            <a:spAutoFit/>
+          </a:bodyPr>
+          <a:lstStyle/>
+          <a:p>
+            <a:pPr algn="ctr"/>
+            <a:r>
+              <a:rPr lang="en-GB" sz="4400" dirty="0" smtClean="0"/>
+              <a:t>~250</a:t>
+            </a:r>
+            <a:endParaRPr lang="en-GB" sz="4400" dirty="0"/>
+          </a:p>
+        </p:txBody>
+      </p:sp>
       <p:pic>
         <p:nvPicPr>
-          <p:cNvPr id="10" name="Grafik 9"/>
+          <p:cNvPr id="13" name="Grafik 12"/>
           <p:cNvPicPr>
             <a:picLocks noChangeAspect="1"/>
           </p:cNvPicPr>
@@ -5748,7 +6108,7 @@
         </p:blipFill>
         <p:spPr>
           <a:xfrm>
-            <a:off x="838200" y="1597105"/>
+            <a:off x="838200" y="1607472"/>
             <a:ext cx="9344025" cy="1362075"/>
           </a:xfrm>
           <a:prstGeom prst="rect">
@@ -5756,110 +6116,10 @@
           </a:prstGeom>
         </p:spPr>
       </p:pic>
-      <p:sp>
-        <p:nvSpPr>
-          <p:cNvPr id="2" name="Titel 1"/>
-          <p:cNvSpPr>
-            <a:spLocks noGrp="1"/>
-          </p:cNvSpPr>
-          <p:nvPr>
-            <p:ph type="title"/>
-          </p:nvPr>
-        </p:nvSpPr>
-        <p:spPr/>
-        <p:txBody>
-          <a:bodyPr/>
-          <a:lstStyle/>
-          <a:p>
-            <a:r>
-              <a:rPr lang="en-GB" dirty="0"/>
-              <a:t>Test on simulated data</a:t>
-            </a:r>
-          </a:p>
-        </p:txBody>
-      </p:sp>
-      <p:sp>
-        <p:nvSpPr>
-          <p:cNvPr id="11" name="Textfeld 10"/>
-          <p:cNvSpPr txBox="1"/>
-          <p:nvPr/>
-        </p:nvSpPr>
-        <p:spPr>
-          <a:xfrm>
-            <a:off x="3918906" y="3555979"/>
-            <a:ext cx="3823484" cy="2123658"/>
-          </a:xfrm>
-          <a:prstGeom prst="rect">
-            <a:avLst/>
-          </a:prstGeom>
-          <a:noFill/>
-        </p:spPr>
-        <p:txBody>
-          <a:bodyPr wrap="none" rtlCol="0">
-            <a:spAutoFit/>
-          </a:bodyPr>
-          <a:lstStyle/>
-          <a:p>
-            <a:pPr algn="ctr"/>
-            <a:r>
-              <a:rPr lang="en-GB" sz="4400" dirty="0" smtClean="0"/>
-              <a:t>3300/1’100’000</a:t>
-            </a:r>
-          </a:p>
-          <a:p>
-            <a:pPr algn="ctr"/>
-            <a:endParaRPr lang="en-GB" sz="4400" dirty="0" smtClean="0"/>
-          </a:p>
-          <a:p>
-            <a:pPr algn="ctr"/>
-            <a:r>
-              <a:rPr lang="en-GB" sz="4400" dirty="0" smtClean="0"/>
-              <a:t>~0.3%</a:t>
-            </a:r>
-            <a:endParaRPr lang="en-GB" sz="4400" dirty="0"/>
-          </a:p>
-        </p:txBody>
-      </p:sp>
-      <p:cxnSp>
-        <p:nvCxnSpPr>
-          <p:cNvPr id="12" name="Gerade Verbindung mit Pfeil 11"/>
-          <p:cNvCxnSpPr/>
-          <p:nvPr/>
-        </p:nvCxnSpPr>
-        <p:spPr>
-          <a:xfrm flipH="1">
-            <a:off x="6333641" y="2731394"/>
-            <a:ext cx="15498" cy="839087"/>
-          </a:xfrm>
-          <a:prstGeom prst="straightConnector1">
-            <a:avLst/>
-          </a:prstGeom>
-          <a:ln w="85725">
-            <a:solidFill>
-              <a:schemeClr val="tx1"/>
-            </a:solidFill>
-            <a:tailEnd type="triangle"/>
-          </a:ln>
-        </p:spPr>
-        <p:style>
-          <a:lnRef idx="1">
-            <a:schemeClr val="accent1"/>
-          </a:lnRef>
-          <a:fillRef idx="0">
-            <a:schemeClr val="accent1"/>
-          </a:fillRef>
-          <a:effectRef idx="0">
-            <a:schemeClr val="accent1"/>
-          </a:effectRef>
-          <a:fontRef idx="minor">
-            <a:schemeClr val="tx1"/>
-          </a:fontRef>
-        </p:style>
-      </p:cxnSp>
     </p:spTree>
     <p:extLst>
       <p:ext uri="{BB962C8B-B14F-4D97-AF65-F5344CB8AC3E}">
-        <p14:creationId xmlns:p14="http://schemas.microsoft.com/office/powerpoint/2010/main" val="3073166351"/>
+        <p14:creationId xmlns:p14="http://schemas.microsoft.com/office/powerpoint/2010/main" val="1788122410"/>
       </p:ext>
     </p:extLst>
   </p:cSld>
@@ -5886,80 +6146,18 @@
           <a:chExt cx="0" cy="0"/>
         </a:xfrm>
       </p:grpSpPr>
-      <p:sp>
-        <p:nvSpPr>
-          <p:cNvPr id="8" name="Rechteck 7"/>
-          <p:cNvSpPr/>
-          <p:nvPr/>
-        </p:nvSpPr>
-        <p:spPr>
-          <a:xfrm>
-            <a:off x="6096000" y="1861026"/>
-            <a:ext cx="506278" cy="834231"/>
-          </a:xfrm>
-          <a:prstGeom prst="rect">
-            <a:avLst/>
-          </a:prstGeom>
-          <a:solidFill>
-            <a:schemeClr val="accent2">
-              <a:lumMod val="75000"/>
-            </a:schemeClr>
-          </a:solidFill>
-        </p:spPr>
-        <p:style>
-          <a:lnRef idx="2">
-            <a:schemeClr val="accent1">
-              <a:shade val="50000"/>
-            </a:schemeClr>
-          </a:lnRef>
-          <a:fillRef idx="1">
-            <a:schemeClr val="accent1"/>
-          </a:fillRef>
-          <a:effectRef idx="0">
-            <a:schemeClr val="accent1"/>
-          </a:effectRef>
-          <a:fontRef idx="minor">
-            <a:schemeClr val="lt1"/>
-          </a:fontRef>
-        </p:style>
-        <p:txBody>
-          <a:bodyPr rtlCol="0" anchor="ctr"/>
-          <a:lstStyle/>
-          <a:p>
-            <a:pPr algn="ctr"/>
-            <a:endParaRPr lang="en-GB"/>
-          </a:p>
-        </p:txBody>
-      </p:sp>
-      <p:sp>
-        <p:nvSpPr>
-          <p:cNvPr id="3" name="Inhaltsplatzhalter 2"/>
-          <p:cNvSpPr>
-            <a:spLocks noGrp="1"/>
-          </p:cNvSpPr>
-          <p:nvPr>
-            <p:ph idx="1"/>
-          </p:nvPr>
-        </p:nvSpPr>
-        <p:spPr/>
-        <p:txBody>
-          <a:bodyPr/>
-          <a:lstStyle/>
-          <a:p>
-            <a:endParaRPr lang="en-GB" dirty="0"/>
-          </a:p>
-        </p:txBody>
-      </p:sp>
       <p:pic>
         <p:nvPicPr>
-          <p:cNvPr id="10" name="Grafik 9"/>
+          <p:cNvPr id="3" name="Inhaltsplatzhalter 4"/>
           <p:cNvPicPr>
-            <a:picLocks noChangeAspect="1"/>
+            <a:picLocks noGrp="1" noChangeAspect="1"/>
           </p:cNvPicPr>
-          <p:nvPr/>
+          <p:nvPr>
+            <p:ph idx="1"/>
+          </p:nvPr>
         </p:nvPicPr>
         <p:blipFill>
-          <a:blip r:embed="rId2">
+          <a:blip r:embed="rId2" cstate="print">
             <a:extLst>
               <a:ext uri="{28A0092B-C50C-407E-A947-70E740481C1C}">
                 <a14:useLocalDpi xmlns:a14="http://schemas.microsoft.com/office/drawing/2010/main" val="0"/>
@@ -5972,12 +6170,9 @@
         </p:blipFill>
         <p:spPr>
           <a:xfrm>
-            <a:off x="838200" y="1597105"/>
-            <a:ext cx="9344025" cy="1362075"/>
-          </a:xfrm>
-          <a:prstGeom prst="rect">
-            <a:avLst/>
-          </a:prstGeom>
+            <a:off x="2757188" y="808971"/>
+            <a:ext cx="6433307" cy="6433307"/>
+          </a:xfrm>
         </p:spPr>
       </p:pic>
       <p:sp>
@@ -5996,187 +6191,17 @@
           <a:lstStyle/>
           <a:p>
             <a:r>
-              <a:rPr lang="en-GB" dirty="0"/>
-              <a:t>Test on simulated data</a:t>
-            </a:r>
-          </a:p>
-        </p:txBody>
-      </p:sp>
-      <p:sp>
-        <p:nvSpPr>
-          <p:cNvPr id="11" name="Textfeld 10"/>
-          <p:cNvSpPr txBox="1"/>
-          <p:nvPr/>
-        </p:nvSpPr>
-        <p:spPr>
-          <a:xfrm>
-            <a:off x="3918906" y="3555979"/>
-            <a:ext cx="3823484" cy="2123658"/>
-          </a:xfrm>
-          <a:prstGeom prst="rect">
-            <a:avLst/>
-          </a:prstGeom>
-          <a:noFill/>
-        </p:spPr>
-        <p:txBody>
-          <a:bodyPr wrap="none" rtlCol="0">
-            <a:spAutoFit/>
-          </a:bodyPr>
-          <a:lstStyle/>
-          <a:p>
-            <a:pPr algn="ctr"/>
-            <a:r>
-              <a:rPr lang="en-GB" sz="4400" dirty="0" smtClean="0">
-                <a:solidFill>
-                  <a:schemeClr val="bg1">
-                    <a:lumMod val="50000"/>
-                  </a:schemeClr>
-                </a:solidFill>
-              </a:rPr>
-              <a:t>3300/1’100’000</a:t>
-            </a:r>
-          </a:p>
-          <a:p>
-            <a:pPr algn="ctr"/>
-            <a:endParaRPr lang="en-GB" sz="4400" dirty="0" smtClean="0">
-              <a:solidFill>
-                <a:schemeClr val="bg1">
-                  <a:lumMod val="50000"/>
-                </a:schemeClr>
-              </a:solidFill>
-            </a:endParaRPr>
-          </a:p>
-          <a:p>
-            <a:pPr algn="ctr"/>
-            <a:r>
-              <a:rPr lang="en-GB" sz="4400" dirty="0" smtClean="0">
-                <a:solidFill>
-                  <a:schemeClr val="bg1">
-                    <a:lumMod val="50000"/>
-                  </a:schemeClr>
-                </a:solidFill>
-              </a:rPr>
-              <a:t>~0.3%</a:t>
-            </a:r>
-            <a:endParaRPr lang="en-GB" sz="4400" dirty="0">
-              <a:solidFill>
-                <a:schemeClr val="bg1">
-                  <a:lumMod val="50000"/>
-                </a:schemeClr>
-              </a:solidFill>
-            </a:endParaRPr>
-          </a:p>
-        </p:txBody>
-      </p:sp>
-      <p:cxnSp>
-        <p:nvCxnSpPr>
-          <p:cNvPr id="12" name="Gerade Verbindung mit Pfeil 11"/>
-          <p:cNvCxnSpPr/>
-          <p:nvPr/>
-        </p:nvCxnSpPr>
-        <p:spPr>
-          <a:xfrm flipH="1">
-            <a:off x="6333641" y="2731394"/>
-            <a:ext cx="15498" cy="839087"/>
-          </a:xfrm>
-          <a:prstGeom prst="straightConnector1">
-            <a:avLst/>
-          </a:prstGeom>
-          <a:ln w="85725">
-            <a:solidFill>
-              <a:schemeClr val="bg1">
-                <a:lumMod val="50000"/>
-              </a:schemeClr>
-            </a:solidFill>
-            <a:tailEnd type="triangle"/>
-          </a:ln>
-        </p:spPr>
-        <p:style>
-          <a:lnRef idx="1">
-            <a:schemeClr val="accent1"/>
-          </a:lnRef>
-          <a:fillRef idx="0">
-            <a:schemeClr val="accent1"/>
-          </a:fillRef>
-          <a:effectRef idx="0">
-            <a:schemeClr val="accent1"/>
-          </a:effectRef>
-          <a:fontRef idx="minor">
-            <a:schemeClr val="tx1"/>
-          </a:fontRef>
-        </p:style>
-      </p:cxnSp>
-      <p:cxnSp>
-        <p:nvCxnSpPr>
-          <p:cNvPr id="15" name="Gerade Verbindung mit Pfeil 14"/>
-          <p:cNvCxnSpPr/>
-          <p:nvPr/>
-        </p:nvCxnSpPr>
-        <p:spPr>
-          <a:xfrm flipH="1">
-            <a:off x="9404890" y="2658716"/>
-            <a:ext cx="15498" cy="839087"/>
-          </a:xfrm>
-          <a:prstGeom prst="straightConnector1">
-            <a:avLst/>
-          </a:prstGeom>
-          <a:ln w="85725">
-            <a:solidFill>
-              <a:schemeClr val="tx1"/>
-            </a:solidFill>
-            <a:tailEnd type="triangle"/>
-          </a:ln>
-        </p:spPr>
-        <p:style>
-          <a:lnRef idx="1">
-            <a:schemeClr val="accent1"/>
-          </a:lnRef>
-          <a:fillRef idx="0">
-            <a:schemeClr val="accent1"/>
-          </a:fillRef>
-          <a:effectRef idx="0">
-            <a:schemeClr val="accent1"/>
-          </a:effectRef>
-          <a:fontRef idx="minor">
-            <a:schemeClr val="tx1"/>
-          </a:fontRef>
-        </p:style>
-      </p:cxnSp>
-      <p:sp>
-        <p:nvSpPr>
-          <p:cNvPr id="16" name="Textfeld 15"/>
-          <p:cNvSpPr txBox="1"/>
-          <p:nvPr/>
-        </p:nvSpPr>
-        <p:spPr>
-          <a:xfrm>
-            <a:off x="8609667" y="3421719"/>
-            <a:ext cx="1321196" cy="769441"/>
-          </a:xfrm>
-          <a:prstGeom prst="rect">
-            <a:avLst/>
-          </a:prstGeom>
-          <a:noFill/>
-        </p:spPr>
-        <p:txBody>
-          <a:bodyPr wrap="none" rtlCol="0">
-            <a:spAutoFit/>
-          </a:bodyPr>
-          <a:lstStyle/>
-          <a:p>
-            <a:pPr algn="ctr"/>
-            <a:r>
-              <a:rPr lang="en-GB" sz="4400" dirty="0" smtClean="0"/>
-              <a:t>~250</a:t>
-            </a:r>
-            <a:endParaRPr lang="en-GB" sz="4400" dirty="0"/>
+              <a:rPr lang="en-GB" dirty="0" smtClean="0"/>
+              <a:t>Coordinate Descent for MeerKAT?</a:t>
+            </a:r>
+            <a:endParaRPr lang="en-GB" dirty="0"/>
           </a:p>
         </p:txBody>
       </p:sp>
     </p:spTree>
     <p:extLst>
       <p:ext uri="{BB962C8B-B14F-4D97-AF65-F5344CB8AC3E}">
-        <p14:creationId xmlns:p14="http://schemas.microsoft.com/office/powerpoint/2010/main" val="1788122410"/>
+        <p14:creationId xmlns:p14="http://schemas.microsoft.com/office/powerpoint/2010/main" val="2851100580"/>
       </p:ext>
     </p:extLst>
   </p:cSld>
@@ -6203,44 +6228,37 @@
           <a:chExt cx="0" cy="0"/>
         </a:xfrm>
       </p:grpSpPr>
-      <p:pic>
-        <p:nvPicPr>
-          <p:cNvPr id="3" name="Inhaltsplatzhalter 4"/>
-          <p:cNvPicPr>
-            <a:picLocks noGrp="1" noChangeAspect="1"/>
-          </p:cNvPicPr>
+      <p:sp>
+        <p:nvSpPr>
+          <p:cNvPr id="2" name="Titel 1"/>
+          <p:cNvSpPr>
+            <a:spLocks noGrp="1"/>
+          </p:cNvSpPr>
+          <p:nvPr>
+            <p:ph type="title"/>
+          </p:nvPr>
+        </p:nvSpPr>
+        <p:spPr/>
+        <p:txBody>
+          <a:bodyPr/>
+          <a:lstStyle/>
+          <a:p>
+            <a:r>
+              <a:rPr lang="en-GB" dirty="0"/>
+              <a:t>Coordinate Descent for MeerKAT?</a:t>
+            </a:r>
+          </a:p>
+        </p:txBody>
+      </p:sp>
+      <p:sp>
+        <p:nvSpPr>
+          <p:cNvPr id="3" name="Inhaltsplatzhalter 2"/>
+          <p:cNvSpPr>
+            <a:spLocks noGrp="1"/>
+          </p:cNvSpPr>
           <p:nvPr>
             <p:ph idx="1"/>
           </p:nvPr>
-        </p:nvPicPr>
-        <p:blipFill>
-          <a:blip r:embed="rId2" cstate="print">
-            <a:extLst>
-              <a:ext uri="{28A0092B-C50C-407E-A947-70E740481C1C}">
-                <a14:useLocalDpi xmlns:a14="http://schemas.microsoft.com/office/drawing/2010/main" val="0"/>
-              </a:ext>
-            </a:extLst>
-          </a:blip>
-          <a:stretch>
-            <a:fillRect/>
-          </a:stretch>
-        </p:blipFill>
-        <p:spPr>
-          <a:xfrm>
-            <a:off x="2757188" y="808971"/>
-            <a:ext cx="6433307" cy="6433307"/>
-          </a:xfrm>
-        </p:spPr>
-      </p:pic>
-      <p:sp>
-        <p:nvSpPr>
-          <p:cNvPr id="2" name="Titel 1"/>
-          <p:cNvSpPr>
-            <a:spLocks noGrp="1"/>
-          </p:cNvSpPr>
-          <p:nvPr>
-            <p:ph type="title"/>
-          </p:nvPr>
         </p:nvSpPr>
         <p:spPr/>
         <p:txBody>
@@ -6249,8 +6267,22 @@
           <a:p>
             <a:r>
               <a:rPr lang="en-GB" dirty="0" smtClean="0"/>
-              <a:t>Coordinate Descent for MeerKAT?</a:t>
-            </a:r>
+              <a:t>“small” Dataset 88gb</a:t>
+            </a:r>
+          </a:p>
+          <a:p>
+            <a:r>
+              <a:rPr lang="en-GB" dirty="0" smtClean="0"/>
+              <a:t>4000 Million Visibilities</a:t>
+            </a:r>
+          </a:p>
+          <a:p>
+            <a:r>
+              <a:rPr lang="en-GB" dirty="0" smtClean="0"/>
+              <a:t>60 Million Pixels</a:t>
+            </a:r>
+          </a:p>
+          <a:p>
             <a:endParaRPr lang="en-GB" dirty="0"/>
           </a:p>
         </p:txBody>
@@ -6258,7 +6290,7 @@
     </p:spTree>
     <p:extLst>
       <p:ext uri="{BB962C8B-B14F-4D97-AF65-F5344CB8AC3E}">
-        <p14:creationId xmlns:p14="http://schemas.microsoft.com/office/powerpoint/2010/main" val="2851100580"/>
+        <p14:creationId xmlns:p14="http://schemas.microsoft.com/office/powerpoint/2010/main" val="2777220465"/>
       </p:ext>
     </p:extLst>
   </p:cSld>
@@ -6382,9 +6414,133 @@
           </a:prstGeom>
         </p:spPr>
       </p:pic>
+      <p:sp>
+        <p:nvSpPr>
+          <p:cNvPr id="11" name="Inhaltsplatzhalter 2"/>
+          <p:cNvSpPr>
+            <a:spLocks noGrp="1"/>
+          </p:cNvSpPr>
+          <p:nvPr>
+            <p:ph idx="1"/>
+          </p:nvPr>
+        </p:nvSpPr>
+        <p:spPr>
+          <a:xfrm>
+            <a:off x="838200" y="1825625"/>
+            <a:ext cx="5977676" cy="4351338"/>
+          </a:xfrm>
+        </p:spPr>
+        <p:txBody>
+          <a:bodyPr>
+            <a:normAutofit lnSpcReduction="10000"/>
+          </a:bodyPr>
+          <a:lstStyle/>
+          <a:p>
+            <a:endParaRPr lang="en-GB" dirty="0" smtClean="0"/>
+          </a:p>
+          <a:p>
+            <a:endParaRPr lang="en-GB" dirty="0"/>
+          </a:p>
+          <a:p>
+            <a:endParaRPr lang="en-GB" dirty="0" smtClean="0"/>
+          </a:p>
+          <a:p>
+            <a:endParaRPr lang="en-GB" dirty="0"/>
+          </a:p>
+          <a:p>
+            <a:endParaRPr lang="en-GB" dirty="0" smtClean="0"/>
+          </a:p>
+          <a:p>
+            <a:endParaRPr lang="en-GB" dirty="0" smtClean="0"/>
+          </a:p>
+          <a:p>
+            <a:endParaRPr lang="en-GB" dirty="0"/>
+          </a:p>
+          <a:p>
+            <a:r>
+              <a:rPr lang="en-GB" dirty="0" smtClean="0"/>
+              <a:t>4000 Million Visibilities </a:t>
+            </a:r>
+            <a:r>
+              <a:rPr lang="en-GB" dirty="0" smtClean="0">
+                <a:sym typeface="Wingdings" panose="05000000000000000000" pitchFamily="2" charset="2"/>
+              </a:rPr>
+              <a:t> </a:t>
+            </a:r>
+            <a:r>
+              <a:rPr lang="en-GB" b="1" dirty="0" smtClean="0">
+                <a:sym typeface="Wingdings" panose="05000000000000000000" pitchFamily="2" charset="2"/>
+              </a:rPr>
+              <a:t>M	</a:t>
+            </a:r>
+            <a:endParaRPr lang="en-GB" b="1" dirty="0">
+              <a:sym typeface="Wingdings" panose="05000000000000000000" pitchFamily="2" charset="2"/>
+            </a:endParaRPr>
+          </a:p>
+          <a:p>
+            <a:r>
+              <a:rPr lang="en-GB" dirty="0" smtClean="0"/>
+              <a:t>60 Million Pixels </a:t>
+            </a:r>
+            <a:r>
+              <a:rPr lang="en-GB" dirty="0" smtClean="0">
+                <a:sym typeface="Wingdings" panose="05000000000000000000" pitchFamily="2" charset="2"/>
+              </a:rPr>
+              <a:t> </a:t>
+            </a:r>
+            <a:r>
+              <a:rPr lang="en-GB" b="1" dirty="0" smtClean="0">
+                <a:sym typeface="Wingdings" panose="05000000000000000000" pitchFamily="2" charset="2"/>
+              </a:rPr>
+              <a:t>N</a:t>
+            </a:r>
+          </a:p>
+        </p:txBody>
+      </p:sp>
+      <p:sp>
+        <p:nvSpPr>
+          <p:cNvPr id="12" name="Rechteck 11"/>
+          <p:cNvSpPr/>
+          <p:nvPr/>
+        </p:nvSpPr>
+        <p:spPr>
+          <a:xfrm>
+            <a:off x="7224267" y="5096580"/>
+            <a:ext cx="4269567" cy="480131"/>
+          </a:xfrm>
+          <a:prstGeom prst="rect">
+            <a:avLst/>
+          </a:prstGeom>
+        </p:spPr>
+        <p:txBody>
+          <a:bodyPr wrap="none">
+            <a:spAutoFit/>
+          </a:bodyPr>
+          <a:lstStyle/>
+          <a:p>
+            <a:pPr marL="228600" indent="-228600">
+              <a:lnSpc>
+                <a:spcPct val="90000"/>
+              </a:lnSpc>
+              <a:spcBef>
+                <a:spcPts val="1000"/>
+              </a:spcBef>
+              <a:buFont typeface="Arial" panose="020B0604020202020204" pitchFamily="34" charset="0"/>
+              <a:buChar char="•"/>
+            </a:pPr>
+            <a:r>
+              <a:rPr lang="en-GB" sz="2800" dirty="0">
+                <a:sym typeface="Wingdings" panose="05000000000000000000" pitchFamily="2" charset="2"/>
+              </a:rPr>
+              <a:t>250+ non-zero entries  s</a:t>
+            </a:r>
+            <a:endParaRPr lang="en-GB" sz="2800" dirty="0"/>
+          </a:p>
+        </p:txBody>
+      </p:sp>
       <p:pic>
         <p:nvPicPr>
-          <p:cNvPr id="26" name="Grafik 25"/>
+          <p:cNvPr id="13" name="Grafik 12"/>
           <p:cNvPicPr>
             <a:picLocks noChangeAspect="1"/>
           </p:cNvPicPr>
@@ -6414,7 +6570,7 @@
       </p:pic>
       <p:pic>
         <p:nvPicPr>
-          <p:cNvPr id="27" name="Grafik 26"/>
+          <p:cNvPr id="14" name="Grafik 13"/>
           <p:cNvPicPr>
             <a:picLocks noChangeAspect="1"/>
           </p:cNvPicPr>
@@ -6444,7 +6600,7 @@
       </p:pic>
       <p:sp>
         <p:nvSpPr>
-          <p:cNvPr id="28" name="Freihandform 27"/>
+          <p:cNvPr id="15" name="Freihandform 14"/>
           <p:cNvSpPr/>
           <p:nvPr/>
         </p:nvSpPr>
@@ -6531,7 +6687,7 @@
       </p:sp>
       <p:sp>
         <p:nvSpPr>
-          <p:cNvPr id="29" name="Freihandform 28"/>
+          <p:cNvPr id="16" name="Freihandform 15"/>
           <p:cNvSpPr/>
           <p:nvPr/>
         </p:nvSpPr>
@@ -6619,7 +6775,7 @@
     </p:spTree>
     <p:extLst>
       <p:ext uri="{BB962C8B-B14F-4D97-AF65-F5344CB8AC3E}">
-        <p14:creationId xmlns:p14="http://schemas.microsoft.com/office/powerpoint/2010/main" val="3444250353"/>
+        <p14:creationId xmlns:p14="http://schemas.microsoft.com/office/powerpoint/2010/main" val="36641275"/>
       </p:ext>
     </p:extLst>
   </p:cSld>
@@ -6648,74 +6804,153 @@
       </p:grpSpPr>
       <p:sp>
         <p:nvSpPr>
-          <p:cNvPr id="20" name="Rechteck 19"/>
+          <p:cNvPr id="3" name="Inhaltsplatzhalter 2"/>
+          <p:cNvSpPr>
+            <a:spLocks noGrp="1"/>
+          </p:cNvSpPr>
+          <p:nvPr>
+            <p:ph idx="1"/>
+          </p:nvPr>
+        </p:nvSpPr>
+        <p:spPr>
+          <a:xfrm>
+            <a:off x="838200" y="1825625"/>
+            <a:ext cx="5977676" cy="4351338"/>
+          </a:xfrm>
+        </p:spPr>
+        <p:txBody>
+          <a:bodyPr>
+            <a:normAutofit lnSpcReduction="10000"/>
+          </a:bodyPr>
+          <a:lstStyle/>
+          <a:p>
+            <a:endParaRPr lang="en-GB" dirty="0" smtClean="0"/>
+          </a:p>
+          <a:p>
+            <a:endParaRPr lang="en-GB" dirty="0"/>
+          </a:p>
+          <a:p>
+            <a:endParaRPr lang="en-GB" dirty="0" smtClean="0"/>
+          </a:p>
+          <a:p>
+            <a:endParaRPr lang="en-GB" dirty="0"/>
+          </a:p>
+          <a:p>
+            <a:endParaRPr lang="en-GB" dirty="0" smtClean="0"/>
+          </a:p>
+          <a:p>
+            <a:endParaRPr lang="en-GB" dirty="0" smtClean="0"/>
+          </a:p>
+          <a:p>
+            <a:endParaRPr lang="en-GB" dirty="0"/>
+          </a:p>
+          <a:p>
+            <a:r>
+              <a:rPr lang="en-GB" dirty="0" smtClean="0"/>
+              <a:t>4000 Million Visibilities </a:t>
+            </a:r>
+            <a:r>
+              <a:rPr lang="en-GB" dirty="0" smtClean="0">
+                <a:sym typeface="Wingdings" panose="05000000000000000000" pitchFamily="2" charset="2"/>
+              </a:rPr>
+              <a:t> </a:t>
+            </a:r>
+            <a:r>
+              <a:rPr lang="en-GB" b="1" dirty="0" smtClean="0">
+                <a:sym typeface="Wingdings" panose="05000000000000000000" pitchFamily="2" charset="2"/>
+              </a:rPr>
+              <a:t>M	</a:t>
+            </a:r>
+            <a:endParaRPr lang="en-GB" b="1" dirty="0">
+              <a:sym typeface="Wingdings" panose="05000000000000000000" pitchFamily="2" charset="2"/>
+            </a:endParaRPr>
+          </a:p>
+          <a:p>
+            <a:r>
+              <a:rPr lang="en-GB" dirty="0" smtClean="0"/>
+              <a:t>60 Million Pixels </a:t>
+            </a:r>
+            <a:r>
+              <a:rPr lang="en-GB" dirty="0" smtClean="0">
+                <a:sym typeface="Wingdings" panose="05000000000000000000" pitchFamily="2" charset="2"/>
+              </a:rPr>
+              <a:t> </a:t>
+            </a:r>
+            <a:r>
+              <a:rPr lang="en-GB" b="1" dirty="0" smtClean="0">
+                <a:sym typeface="Wingdings" panose="05000000000000000000" pitchFamily="2" charset="2"/>
+              </a:rPr>
+              <a:t>N</a:t>
+            </a:r>
+          </a:p>
+        </p:txBody>
+      </p:sp>
+      <p:sp>
+        <p:nvSpPr>
+          <p:cNvPr id="2" name="Titel 1"/>
+          <p:cNvSpPr>
+            <a:spLocks noGrp="1"/>
+          </p:cNvSpPr>
+          <p:nvPr>
+            <p:ph type="title"/>
+          </p:nvPr>
+        </p:nvSpPr>
+        <p:spPr/>
+        <p:txBody>
+          <a:bodyPr/>
+          <a:lstStyle/>
+          <a:p>
+            <a:r>
+              <a:rPr lang="en-GB" dirty="0"/>
+              <a:t>Coordinate Descent for MeerKAT?</a:t>
+            </a:r>
+          </a:p>
+        </p:txBody>
+      </p:sp>
+      <p:sp>
+        <p:nvSpPr>
+          <p:cNvPr id="4" name="Rechteck 3"/>
           <p:cNvSpPr/>
           <p:nvPr/>
         </p:nvSpPr>
         <p:spPr>
           <a:xfrm>
-            <a:off x="8829662" y="2650210"/>
-            <a:ext cx="529389" cy="684349"/>
+            <a:off x="7224267" y="5096580"/>
+            <a:ext cx="4269567" cy="480131"/>
           </a:xfrm>
           <a:prstGeom prst="rect">
             <a:avLst/>
           </a:prstGeom>
-          <a:solidFill>
-            <a:schemeClr val="accent2">
-              <a:lumMod val="75000"/>
-            </a:schemeClr>
-          </a:solidFill>
-        </p:spPr>
-        <p:style>
-          <a:lnRef idx="2">
-            <a:schemeClr val="accent1">
-              <a:shade val="50000"/>
-            </a:schemeClr>
-          </a:lnRef>
-          <a:fillRef idx="1">
-            <a:schemeClr val="accent1"/>
-          </a:fillRef>
-          <a:effectRef idx="0">
-            <a:schemeClr val="accent1"/>
-          </a:effectRef>
-          <a:fontRef idx="minor">
-            <a:schemeClr val="lt1"/>
-          </a:fontRef>
-        </p:style>
-        <p:txBody>
-          <a:bodyPr rtlCol="0" anchor="ctr"/>
-          <a:lstStyle/>
-          <a:p>
-            <a:pPr algn="ctr"/>
-            <a:endParaRPr lang="en-GB"/>
-          </a:p>
-        </p:txBody>
-      </p:sp>
-      <p:sp>
-        <p:nvSpPr>
-          <p:cNvPr id="2" name="Titel 1"/>
-          <p:cNvSpPr>
-            <a:spLocks noGrp="1"/>
-          </p:cNvSpPr>
-          <p:nvPr>
-            <p:ph type="title"/>
-          </p:nvPr>
-        </p:nvSpPr>
-        <p:spPr/>
-        <p:txBody>
-          <a:bodyPr/>
-          <a:lstStyle/>
-          <a:p>
-            <a:r>
-              <a:rPr lang="en-GB" dirty="0"/>
-              <a:t>Coordinate Descent for MeerKAT?</a:t>
-            </a:r>
+        </p:spPr>
+        <p:txBody>
+          <a:bodyPr wrap="none">
+            <a:spAutoFit/>
+          </a:bodyPr>
+          <a:lstStyle/>
+          <a:p>
+            <a:pPr marL="228600" indent="-228600">
+              <a:lnSpc>
+                <a:spcPct val="90000"/>
+              </a:lnSpc>
+              <a:spcBef>
+                <a:spcPts val="1000"/>
+              </a:spcBef>
+              <a:buFont typeface="Arial" panose="020B0604020202020204" pitchFamily="34" charset="0"/>
+              <a:buChar char="•"/>
+            </a:pPr>
+            <a:r>
+              <a:rPr lang="en-GB" sz="2800" dirty="0">
+                <a:sym typeface="Wingdings" panose="05000000000000000000" pitchFamily="2" charset="2"/>
+              </a:rPr>
+              <a:t>250+ non-zero entries  s</a:t>
+            </a:r>
+            <a:endParaRPr lang="en-GB" sz="2800" dirty="0"/>
           </a:p>
         </p:txBody>
       </p:sp>
       <p:pic>
         <p:nvPicPr>
-          <p:cNvPr id="17" name="Grafik 16"/>
+          <p:cNvPr id="13" name="Grafik 12"/>
           <p:cNvPicPr>
             <a:picLocks noChangeAspect="1"/>
           </p:cNvPicPr>
@@ -6735,141 +6970,17 @@
         </p:blipFill>
         <p:spPr>
           <a:xfrm>
-            <a:off x="8046204" y="2734041"/>
-            <a:ext cx="2543175" cy="457200"/>
+            <a:off x="838200" y="2697040"/>
+            <a:ext cx="4619625" cy="666750"/>
           </a:xfrm>
           <a:prstGeom prst="rect">
             <a:avLst/>
           </a:prstGeom>
         </p:spPr>
       </p:pic>
-      <p:sp>
-        <p:nvSpPr>
-          <p:cNvPr id="11" name="Inhaltsplatzhalter 2"/>
-          <p:cNvSpPr>
-            <a:spLocks noGrp="1"/>
-          </p:cNvSpPr>
-          <p:nvPr>
-            <p:ph idx="1"/>
-          </p:nvPr>
-        </p:nvSpPr>
-        <p:spPr>
-          <a:xfrm>
-            <a:off x="838200" y="1825625"/>
-            <a:ext cx="5977676" cy="4351338"/>
-          </a:xfrm>
-        </p:spPr>
-        <p:txBody>
-          <a:bodyPr>
-            <a:normAutofit lnSpcReduction="10000"/>
-          </a:bodyPr>
-          <a:lstStyle/>
-          <a:p>
-            <a:endParaRPr lang="en-GB" dirty="0" smtClean="0"/>
-          </a:p>
-          <a:p>
-            <a:endParaRPr lang="en-GB" dirty="0"/>
-          </a:p>
-          <a:p>
-            <a:endParaRPr lang="en-GB" dirty="0" smtClean="0"/>
-          </a:p>
-          <a:p>
-            <a:endParaRPr lang="en-GB" dirty="0"/>
-          </a:p>
-          <a:p>
-            <a:endParaRPr lang="en-GB" dirty="0" smtClean="0"/>
-          </a:p>
-          <a:p>
-            <a:endParaRPr lang="en-GB" dirty="0" smtClean="0"/>
-          </a:p>
-          <a:p>
-            <a:endParaRPr lang="en-GB" dirty="0"/>
-          </a:p>
-          <a:p>
-            <a:r>
-              <a:rPr lang="en-GB" dirty="0" smtClean="0"/>
-              <a:t>4000 Million Visibilities </a:t>
-            </a:r>
-            <a:r>
-              <a:rPr lang="en-GB" dirty="0" smtClean="0">
-                <a:sym typeface="Wingdings" panose="05000000000000000000" pitchFamily="2" charset="2"/>
-              </a:rPr>
-              <a:t> </a:t>
-            </a:r>
-            <a:r>
-              <a:rPr lang="en-GB" b="1" dirty="0" smtClean="0">
-                <a:sym typeface="Wingdings" panose="05000000000000000000" pitchFamily="2" charset="2"/>
-              </a:rPr>
-              <a:t>M	</a:t>
-            </a:r>
-            <a:endParaRPr lang="en-GB" b="1" dirty="0">
-              <a:sym typeface="Wingdings" panose="05000000000000000000" pitchFamily="2" charset="2"/>
-            </a:endParaRPr>
-          </a:p>
-          <a:p>
-            <a:r>
-              <a:rPr lang="en-GB" dirty="0" smtClean="0"/>
-              <a:t>60 Million Pixels </a:t>
-            </a:r>
-            <a:r>
-              <a:rPr lang="en-GB" dirty="0" smtClean="0">
-                <a:sym typeface="Wingdings" panose="05000000000000000000" pitchFamily="2" charset="2"/>
-              </a:rPr>
-              <a:t> </a:t>
-            </a:r>
-            <a:r>
-              <a:rPr lang="en-GB" b="1" dirty="0" smtClean="0">
-                <a:sym typeface="Wingdings" panose="05000000000000000000" pitchFamily="2" charset="2"/>
-              </a:rPr>
-              <a:t>N</a:t>
-            </a:r>
-          </a:p>
-        </p:txBody>
-      </p:sp>
-      <p:sp>
-        <p:nvSpPr>
-          <p:cNvPr id="12" name="Rechteck 11"/>
-          <p:cNvSpPr/>
-          <p:nvPr/>
-        </p:nvSpPr>
-        <p:spPr>
-          <a:xfrm>
-            <a:off x="7224267" y="5096580"/>
-            <a:ext cx="4269567" cy="480131"/>
-          </a:xfrm>
-          <a:prstGeom prst="rect">
-            <a:avLst/>
-          </a:prstGeom>
-        </p:spPr>
-        <p:txBody>
-          <a:bodyPr wrap="none">
-            <a:spAutoFit/>
-          </a:bodyPr>
-          <a:lstStyle/>
-          <a:p>
-            <a:pPr marL="228600" indent="-228600">
-              <a:lnSpc>
-                <a:spcPct val="90000"/>
-              </a:lnSpc>
-              <a:spcBef>
-                <a:spcPts val="1000"/>
-              </a:spcBef>
-              <a:buFont typeface="Arial" panose="020B0604020202020204" pitchFamily="34" charset="0"/>
-              <a:buChar char="•"/>
-            </a:pPr>
-            <a:r>
-              <a:rPr lang="en-GB" sz="2800" dirty="0">
-                <a:sym typeface="Wingdings" panose="05000000000000000000" pitchFamily="2" charset="2"/>
-              </a:rPr>
-              <a:t>250+ non-zero entries  s</a:t>
-            </a:r>
-            <a:endParaRPr lang="en-GB" sz="2800" dirty="0"/>
-          </a:p>
-        </p:txBody>
-      </p:sp>
       <p:pic>
         <p:nvPicPr>
-          <p:cNvPr id="13" name="Grafik 12"/>
+          <p:cNvPr id="5" name="Grafik 4"/>
           <p:cNvPicPr>
             <a:picLocks noChangeAspect="1"/>
           </p:cNvPicPr>
@@ -6889,24 +7000,56 @@
         </p:blipFill>
         <p:spPr>
           <a:xfrm>
-            <a:off x="3613637" y="1938532"/>
-            <a:ext cx="457200" cy="581134"/>
+            <a:off x="8582762" y="2826896"/>
+            <a:ext cx="1552575" cy="447675"/>
           </a:xfrm>
           <a:prstGeom prst="rect">
             <a:avLst/>
           </a:prstGeom>
         </p:spPr>
       </p:pic>
+    </p:spTree>
+    <p:extLst>
+      <p:ext uri="{BB962C8B-B14F-4D97-AF65-F5344CB8AC3E}">
+        <p14:creationId xmlns:p14="http://schemas.microsoft.com/office/powerpoint/2010/main" val="2111745990"/>
+      </p:ext>
+    </p:extLst>
+  </p:cSld>
+  <p:clrMapOvr>
+    <a:masterClrMapping/>
+  </p:clrMapOvr>
+</p:sld>
+</file>
+
+<file path=ppt/slides/slide25.xml><?xml version="1.0" encoding="utf-8"?>
+<p:sld xmlns:a="http://schemas.openxmlformats.org/drawingml/2006/main" xmlns:r="http://schemas.openxmlformats.org/officeDocument/2006/relationships" xmlns:p="http://schemas.openxmlformats.org/presentationml/2006/main">
+  <p:cSld>
+    <p:spTree>
+      <p:nvGrpSpPr>
+        <p:cNvPr id="1" name=""/>
+        <p:cNvGrpSpPr/>
+        <p:nvPr/>
+      </p:nvGrpSpPr>
+      <p:grpSpPr>
+        <a:xfrm>
+          <a:off x="0" y="0"/>
+          <a:ext cx="0" cy="0"/>
+          <a:chOff x="0" y="0"/>
+          <a:chExt cx="0" cy="0"/>
+        </a:xfrm>
+      </p:grpSpPr>
       <p:pic>
         <p:nvPicPr>
-          <p:cNvPr id="14" name="Grafik 13"/>
+          <p:cNvPr id="5" name="Inhaltsplatzhalter 4"/>
           <p:cNvPicPr>
-            <a:picLocks noChangeAspect="1"/>
+            <a:picLocks noGrp="1" noChangeAspect="1"/>
           </p:cNvPicPr>
-          <p:nvPr/>
+          <p:nvPr>
+            <p:ph idx="1"/>
+          </p:nvPr>
         </p:nvPicPr>
         <p:blipFill>
-          <a:blip r:embed="rId4">
+          <a:blip r:embed="rId2" cstate="print">
             <a:extLst>
               <a:ext uri="{28A0092B-C50C-407E-A947-70E740481C1C}">
                 <a14:useLocalDpi xmlns:a14="http://schemas.microsoft.com/office/drawing/2010/main" val="0"/>
@@ -6919,7 +7062,188 @@
         </p:blipFill>
         <p:spPr>
           <a:xfrm>
-            <a:off x="3445014" y="3769412"/>
+            <a:off x="5391900" y="1118937"/>
+            <a:ext cx="5649077" cy="5649077"/>
+          </a:xfrm>
+        </p:spPr>
+      </p:pic>
+      <p:sp>
+        <p:nvSpPr>
+          <p:cNvPr id="2" name="Titel 1"/>
+          <p:cNvSpPr>
+            <a:spLocks noGrp="1"/>
+          </p:cNvSpPr>
+          <p:nvPr>
+            <p:ph type="title"/>
+          </p:nvPr>
+        </p:nvSpPr>
+        <p:spPr/>
+        <p:txBody>
+          <a:bodyPr/>
+          <a:lstStyle/>
+          <a:p>
+            <a:r>
+              <a:rPr lang="en-GB" dirty="0"/>
+              <a:t>Coordinate Descent for MeerKAT?</a:t>
+            </a:r>
+            <a:endParaRPr lang="en-GB" dirty="0"/>
+          </a:p>
+        </p:txBody>
+      </p:sp>
+      <p:pic>
+        <p:nvPicPr>
+          <p:cNvPr id="6" name="Grafik 5"/>
+          <p:cNvPicPr>
+            <a:picLocks noChangeAspect="1"/>
+          </p:cNvPicPr>
+          <p:nvPr/>
+        </p:nvPicPr>
+        <p:blipFill rotWithShape="1">
+          <a:blip r:embed="rId3" cstate="print">
+            <a:extLst>
+              <a:ext uri="{28A0092B-C50C-407E-A947-70E740481C1C}">
+                <a14:useLocalDpi xmlns:a14="http://schemas.microsoft.com/office/drawing/2010/main" val="0"/>
+              </a:ext>
+            </a:extLst>
+          </a:blip>
+          <a:srcRect l="19272" t="9824" r="18139" b="4737"/>
+          <a:stretch/>
+        </p:blipFill>
+        <p:spPr>
+          <a:xfrm>
+            <a:off x="613021" y="1871908"/>
+            <a:ext cx="4644779" cy="4212748"/>
+          </a:xfrm>
+          <a:prstGeom prst="rect">
+            <a:avLst/>
+          </a:prstGeom>
+        </p:spPr>
+      </p:pic>
+    </p:spTree>
+    <p:extLst>
+      <p:ext uri="{BB962C8B-B14F-4D97-AF65-F5344CB8AC3E}">
+        <p14:creationId xmlns:p14="http://schemas.microsoft.com/office/powerpoint/2010/main" val="3004362158"/>
+      </p:ext>
+    </p:extLst>
+  </p:cSld>
+  <p:clrMapOvr>
+    <a:masterClrMapping/>
+  </p:clrMapOvr>
+</p:sld>
+</file>
+
+<file path=ppt/slides/slide26.xml><?xml version="1.0" encoding="utf-8"?>
+<p:sld xmlns:a="http://schemas.openxmlformats.org/drawingml/2006/main" xmlns:r="http://schemas.openxmlformats.org/officeDocument/2006/relationships" xmlns:p="http://schemas.openxmlformats.org/presentationml/2006/main">
+  <p:cSld>
+    <p:spTree>
+      <p:nvGrpSpPr>
+        <p:cNvPr id="1" name=""/>
+        <p:cNvGrpSpPr/>
+        <p:nvPr/>
+      </p:nvGrpSpPr>
+      <p:grpSpPr>
+        <a:xfrm>
+          <a:off x="0" y="0"/>
+          <a:ext cx="0" cy="0"/>
+          <a:chOff x="0" y="0"/>
+          <a:chExt cx="0" cy="0"/>
+        </a:xfrm>
+      </p:grpSpPr>
+      <p:sp>
+        <p:nvSpPr>
+          <p:cNvPr id="2" name="Titel 1"/>
+          <p:cNvSpPr>
+            <a:spLocks noGrp="1"/>
+          </p:cNvSpPr>
+          <p:nvPr>
+            <p:ph type="title"/>
+          </p:nvPr>
+        </p:nvSpPr>
+        <p:spPr/>
+        <p:txBody>
+          <a:bodyPr/>
+          <a:lstStyle/>
+          <a:p>
+            <a:r>
+              <a:rPr lang="en-GB" dirty="0" smtClean="0"/>
+              <a:t>Future of MeerKAT</a:t>
+            </a:r>
+            <a:endParaRPr lang="en-GB" dirty="0"/>
+          </a:p>
+        </p:txBody>
+      </p:sp>
+      <p:sp>
+        <p:nvSpPr>
+          <p:cNvPr id="3" name="Inhaltsplatzhalter 2"/>
+          <p:cNvSpPr>
+            <a:spLocks noGrp="1"/>
+          </p:cNvSpPr>
+          <p:nvPr>
+            <p:ph idx="1"/>
+          </p:nvPr>
+        </p:nvSpPr>
+        <p:spPr/>
+        <p:txBody>
+          <a:bodyPr/>
+          <a:lstStyle/>
+          <a:p>
+            <a:endParaRPr lang="en-GB"/>
+          </a:p>
+        </p:txBody>
+      </p:sp>
+      <p:pic>
+        <p:nvPicPr>
+          <p:cNvPr id="4" name="Grafik 3"/>
+          <p:cNvPicPr>
+            <a:picLocks noChangeAspect="1"/>
+          </p:cNvPicPr>
+          <p:nvPr/>
+        </p:nvPicPr>
+        <p:blipFill>
+          <a:blip r:embed="rId2">
+            <a:extLst>
+              <a:ext uri="{28A0092B-C50C-407E-A947-70E740481C1C}">
+                <a14:useLocalDpi xmlns:a14="http://schemas.microsoft.com/office/drawing/2010/main" val="0"/>
+              </a:ext>
+            </a:extLst>
+          </a:blip>
+          <a:stretch>
+            <a:fillRect/>
+          </a:stretch>
+        </p:blipFill>
+        <p:spPr>
+          <a:xfrm>
+            <a:off x="5794127" y="2729839"/>
+            <a:ext cx="457200" cy="581134"/>
+          </a:xfrm>
+          <a:prstGeom prst="rect">
+            <a:avLst/>
+          </a:prstGeom>
+        </p:spPr>
+      </p:pic>
+      <p:pic>
+        <p:nvPicPr>
+          <p:cNvPr id="5" name="Grafik 4"/>
+          <p:cNvPicPr>
+            <a:picLocks noChangeAspect="1"/>
+          </p:cNvPicPr>
+          <p:nvPr/>
+        </p:nvPicPr>
+        <p:blipFill>
+          <a:blip r:embed="rId3">
+            <a:extLst>
+              <a:ext uri="{28A0092B-C50C-407E-A947-70E740481C1C}">
+                <a14:useLocalDpi xmlns:a14="http://schemas.microsoft.com/office/drawing/2010/main" val="0"/>
+              </a:ext>
+            </a:extLst>
+          </a:blip>
+          <a:stretch>
+            <a:fillRect/>
+          </a:stretch>
+        </p:blipFill>
+        <p:spPr>
+          <a:xfrm>
+            <a:off x="5625504" y="4560719"/>
             <a:ext cx="1038479" cy="638175"/>
           </a:xfrm>
           <a:prstGeom prst="rect">
@@ -6929,13 +7253,13 @@
       </p:pic>
       <p:sp>
         <p:nvSpPr>
-          <p:cNvPr id="15" name="Freihandform 14"/>
+          <p:cNvPr id="6" name="Freihandform 5"/>
           <p:cNvSpPr/>
           <p:nvPr/>
         </p:nvSpPr>
         <p:spPr>
           <a:xfrm>
-            <a:off x="2611314" y="3174205"/>
+            <a:off x="4791804" y="3965512"/>
             <a:ext cx="2461847" cy="500733"/>
           </a:xfrm>
           <a:custGeom>
@@ -7016,13 +7340,13 @@
       </p:sp>
       <p:sp>
         <p:nvSpPr>
-          <p:cNvPr id="16" name="Freihandform 15"/>
+          <p:cNvPr id="7" name="Freihandform 6"/>
           <p:cNvSpPr/>
           <p:nvPr/>
         </p:nvSpPr>
         <p:spPr>
           <a:xfrm>
-            <a:off x="2611314" y="2654001"/>
+            <a:off x="4791804" y="3445308"/>
             <a:ext cx="2461847" cy="439079"/>
           </a:xfrm>
           <a:custGeom>
@@ -7104,354 +7428,7 @@
     </p:spTree>
     <p:extLst>
       <p:ext uri="{BB962C8B-B14F-4D97-AF65-F5344CB8AC3E}">
-        <p14:creationId xmlns:p14="http://schemas.microsoft.com/office/powerpoint/2010/main" val="36641275"/>
-      </p:ext>
-    </p:extLst>
-  </p:cSld>
-  <p:clrMapOvr>
-    <a:masterClrMapping/>
-  </p:clrMapOvr>
-</p:sld>
-</file>
-
-<file path=ppt/slides/slide25.xml><?xml version="1.0" encoding="utf-8"?>
-<p:sld xmlns:a="http://schemas.openxmlformats.org/drawingml/2006/main" xmlns:r="http://schemas.openxmlformats.org/officeDocument/2006/relationships" xmlns:p="http://schemas.openxmlformats.org/presentationml/2006/main">
-  <p:cSld>
-    <p:spTree>
-      <p:nvGrpSpPr>
-        <p:cNvPr id="1" name=""/>
-        <p:cNvGrpSpPr/>
-        <p:nvPr/>
-      </p:nvGrpSpPr>
-      <p:grpSpPr>
-        <a:xfrm>
-          <a:off x="0" y="0"/>
-          <a:ext cx="0" cy="0"/>
-          <a:chOff x="0" y="0"/>
-          <a:chExt cx="0" cy="0"/>
-        </a:xfrm>
-      </p:grpSpPr>
-      <p:sp>
-        <p:nvSpPr>
-          <p:cNvPr id="3" name="Inhaltsplatzhalter 2"/>
-          <p:cNvSpPr>
-            <a:spLocks noGrp="1"/>
-          </p:cNvSpPr>
-          <p:nvPr>
-            <p:ph idx="1"/>
-          </p:nvPr>
-        </p:nvSpPr>
-        <p:spPr>
-          <a:xfrm>
-            <a:off x="838200" y="1825625"/>
-            <a:ext cx="5977676" cy="4351338"/>
-          </a:xfrm>
-        </p:spPr>
-        <p:txBody>
-          <a:bodyPr>
-            <a:normAutofit lnSpcReduction="10000"/>
-          </a:bodyPr>
-          <a:lstStyle/>
-          <a:p>
-            <a:endParaRPr lang="en-GB" dirty="0" smtClean="0"/>
-          </a:p>
-          <a:p>
-            <a:endParaRPr lang="en-GB" dirty="0"/>
-          </a:p>
-          <a:p>
-            <a:endParaRPr lang="en-GB" dirty="0" smtClean="0"/>
-          </a:p>
-          <a:p>
-            <a:endParaRPr lang="en-GB" dirty="0"/>
-          </a:p>
-          <a:p>
-            <a:endParaRPr lang="en-GB" dirty="0" smtClean="0"/>
-          </a:p>
-          <a:p>
-            <a:endParaRPr lang="en-GB" dirty="0" smtClean="0"/>
-          </a:p>
-          <a:p>
-            <a:endParaRPr lang="en-GB" dirty="0"/>
-          </a:p>
-          <a:p>
-            <a:r>
-              <a:rPr lang="en-GB" dirty="0" smtClean="0"/>
-              <a:t>4000 Million Visibilities </a:t>
-            </a:r>
-            <a:r>
-              <a:rPr lang="en-GB" dirty="0" smtClean="0">
-                <a:sym typeface="Wingdings" panose="05000000000000000000" pitchFamily="2" charset="2"/>
-              </a:rPr>
-              <a:t> </a:t>
-            </a:r>
-            <a:r>
-              <a:rPr lang="en-GB" b="1" dirty="0" smtClean="0">
-                <a:sym typeface="Wingdings" panose="05000000000000000000" pitchFamily="2" charset="2"/>
-              </a:rPr>
-              <a:t>M	</a:t>
-            </a:r>
-            <a:endParaRPr lang="en-GB" b="1" dirty="0">
-              <a:sym typeface="Wingdings" panose="05000000000000000000" pitchFamily="2" charset="2"/>
-            </a:endParaRPr>
-          </a:p>
-          <a:p>
-            <a:r>
-              <a:rPr lang="en-GB" dirty="0" smtClean="0"/>
-              <a:t>60 Million Pixels </a:t>
-            </a:r>
-            <a:r>
-              <a:rPr lang="en-GB" dirty="0" smtClean="0">
-                <a:sym typeface="Wingdings" panose="05000000000000000000" pitchFamily="2" charset="2"/>
-              </a:rPr>
-              <a:t> </a:t>
-            </a:r>
-            <a:r>
-              <a:rPr lang="en-GB" b="1" dirty="0" smtClean="0">
-                <a:sym typeface="Wingdings" panose="05000000000000000000" pitchFamily="2" charset="2"/>
-              </a:rPr>
-              <a:t>N</a:t>
-            </a:r>
-          </a:p>
-        </p:txBody>
-      </p:sp>
-      <p:sp>
-        <p:nvSpPr>
-          <p:cNvPr id="2" name="Titel 1"/>
-          <p:cNvSpPr>
-            <a:spLocks noGrp="1"/>
-          </p:cNvSpPr>
-          <p:nvPr>
-            <p:ph type="title"/>
-          </p:nvPr>
-        </p:nvSpPr>
-        <p:spPr/>
-        <p:txBody>
-          <a:bodyPr/>
-          <a:lstStyle/>
-          <a:p>
-            <a:r>
-              <a:rPr lang="en-GB" dirty="0"/>
-              <a:t>Coordinate Descent for MeerKAT?</a:t>
-            </a:r>
-          </a:p>
-        </p:txBody>
-      </p:sp>
-      <p:sp>
-        <p:nvSpPr>
-          <p:cNvPr id="4" name="Rechteck 3"/>
-          <p:cNvSpPr/>
-          <p:nvPr/>
-        </p:nvSpPr>
-        <p:spPr>
-          <a:xfrm>
-            <a:off x="7224267" y="5096580"/>
-            <a:ext cx="4269567" cy="480131"/>
-          </a:xfrm>
-          <a:prstGeom prst="rect">
-            <a:avLst/>
-          </a:prstGeom>
-        </p:spPr>
-        <p:txBody>
-          <a:bodyPr wrap="none">
-            <a:spAutoFit/>
-          </a:bodyPr>
-          <a:lstStyle/>
-          <a:p>
-            <a:pPr marL="228600" indent="-228600">
-              <a:lnSpc>
-                <a:spcPct val="90000"/>
-              </a:lnSpc>
-              <a:spcBef>
-                <a:spcPts val="1000"/>
-              </a:spcBef>
-              <a:buFont typeface="Arial" panose="020B0604020202020204" pitchFamily="34" charset="0"/>
-              <a:buChar char="•"/>
-            </a:pPr>
-            <a:r>
-              <a:rPr lang="en-GB" sz="2800" dirty="0">
-                <a:sym typeface="Wingdings" panose="05000000000000000000" pitchFamily="2" charset="2"/>
-              </a:rPr>
-              <a:t>250+ non-zero entries  s</a:t>
-            </a:r>
-            <a:endParaRPr lang="en-GB" sz="2800" dirty="0"/>
-          </a:p>
-        </p:txBody>
-      </p:sp>
-      <p:pic>
-        <p:nvPicPr>
-          <p:cNvPr id="13" name="Grafik 12"/>
-          <p:cNvPicPr>
-            <a:picLocks noChangeAspect="1"/>
-          </p:cNvPicPr>
-          <p:nvPr/>
-        </p:nvPicPr>
-        <p:blipFill>
-          <a:blip r:embed="rId2">
-            <a:extLst>
-              <a:ext uri="{28A0092B-C50C-407E-A947-70E740481C1C}">
-                <a14:useLocalDpi xmlns:a14="http://schemas.microsoft.com/office/drawing/2010/main" val="0"/>
-              </a:ext>
-            </a:extLst>
-          </a:blip>
-          <a:stretch>
-            <a:fillRect/>
-          </a:stretch>
-        </p:blipFill>
-        <p:spPr>
-          <a:xfrm>
-            <a:off x="838200" y="2697040"/>
-            <a:ext cx="4619625" cy="666750"/>
-          </a:xfrm>
-          <a:prstGeom prst="rect">
-            <a:avLst/>
-          </a:prstGeom>
-        </p:spPr>
-      </p:pic>
-      <p:pic>
-        <p:nvPicPr>
-          <p:cNvPr id="5" name="Grafik 4"/>
-          <p:cNvPicPr>
-            <a:picLocks noChangeAspect="1"/>
-          </p:cNvPicPr>
-          <p:nvPr/>
-        </p:nvPicPr>
-        <p:blipFill>
-          <a:blip r:embed="rId3">
-            <a:extLst>
-              <a:ext uri="{28A0092B-C50C-407E-A947-70E740481C1C}">
-                <a14:useLocalDpi xmlns:a14="http://schemas.microsoft.com/office/drawing/2010/main" val="0"/>
-              </a:ext>
-            </a:extLst>
-          </a:blip>
-          <a:stretch>
-            <a:fillRect/>
-          </a:stretch>
-        </p:blipFill>
-        <p:spPr>
-          <a:xfrm>
-            <a:off x="8582762" y="2826896"/>
-            <a:ext cx="1552575" cy="447675"/>
-          </a:xfrm>
-          <a:prstGeom prst="rect">
-            <a:avLst/>
-          </a:prstGeom>
-        </p:spPr>
-      </p:pic>
-    </p:spTree>
-    <p:extLst>
-      <p:ext uri="{BB962C8B-B14F-4D97-AF65-F5344CB8AC3E}">
-        <p14:creationId xmlns:p14="http://schemas.microsoft.com/office/powerpoint/2010/main" val="2111745990"/>
-      </p:ext>
-    </p:extLst>
-  </p:cSld>
-  <p:clrMapOvr>
-    <a:masterClrMapping/>
-  </p:clrMapOvr>
-</p:sld>
-</file>
-
-<file path=ppt/slides/slide26.xml><?xml version="1.0" encoding="utf-8"?>
-<p:sld xmlns:a="http://schemas.openxmlformats.org/drawingml/2006/main" xmlns:r="http://schemas.openxmlformats.org/officeDocument/2006/relationships" xmlns:p="http://schemas.openxmlformats.org/presentationml/2006/main">
-  <p:cSld>
-    <p:spTree>
-      <p:nvGrpSpPr>
-        <p:cNvPr id="1" name=""/>
-        <p:cNvGrpSpPr/>
-        <p:nvPr/>
-      </p:nvGrpSpPr>
-      <p:grpSpPr>
-        <a:xfrm>
-          <a:off x="0" y="0"/>
-          <a:ext cx="0" cy="0"/>
-          <a:chOff x="0" y="0"/>
-          <a:chExt cx="0" cy="0"/>
-        </a:xfrm>
-      </p:grpSpPr>
-      <p:pic>
-        <p:nvPicPr>
-          <p:cNvPr id="5" name="Inhaltsplatzhalter 4"/>
-          <p:cNvPicPr>
-            <a:picLocks noGrp="1" noChangeAspect="1"/>
-          </p:cNvPicPr>
-          <p:nvPr>
-            <p:ph idx="1"/>
-          </p:nvPr>
-        </p:nvPicPr>
-        <p:blipFill>
-          <a:blip r:embed="rId2" cstate="print">
-            <a:extLst>
-              <a:ext uri="{28A0092B-C50C-407E-A947-70E740481C1C}">
-                <a14:useLocalDpi xmlns:a14="http://schemas.microsoft.com/office/drawing/2010/main" val="0"/>
-              </a:ext>
-            </a:extLst>
-          </a:blip>
-          <a:stretch>
-            <a:fillRect/>
-          </a:stretch>
-        </p:blipFill>
-        <p:spPr>
-          <a:xfrm>
-            <a:off x="5391900" y="1118937"/>
-            <a:ext cx="5649077" cy="5649077"/>
-          </a:xfrm>
-        </p:spPr>
-      </p:pic>
-      <p:sp>
-        <p:nvSpPr>
-          <p:cNvPr id="2" name="Titel 1"/>
-          <p:cNvSpPr>
-            <a:spLocks noGrp="1"/>
-          </p:cNvSpPr>
-          <p:nvPr>
-            <p:ph type="title"/>
-          </p:nvPr>
-        </p:nvSpPr>
-        <p:spPr/>
-        <p:txBody>
-          <a:bodyPr/>
-          <a:lstStyle/>
-          <a:p>
-            <a:r>
-              <a:rPr lang="en-GB" dirty="0"/>
-              <a:t>Coordinate Descent for MeerKAT?</a:t>
-            </a:r>
-            <a:endParaRPr lang="en-GB" dirty="0"/>
-          </a:p>
-        </p:txBody>
-      </p:sp>
-      <p:pic>
-        <p:nvPicPr>
-          <p:cNvPr id="6" name="Grafik 5"/>
-          <p:cNvPicPr>
-            <a:picLocks noChangeAspect="1"/>
-          </p:cNvPicPr>
-          <p:nvPr/>
-        </p:nvPicPr>
-        <p:blipFill rotWithShape="1">
-          <a:blip r:embed="rId3" cstate="print">
-            <a:extLst>
-              <a:ext uri="{28A0092B-C50C-407E-A947-70E740481C1C}">
-                <a14:useLocalDpi xmlns:a14="http://schemas.microsoft.com/office/drawing/2010/main" val="0"/>
-              </a:ext>
-            </a:extLst>
-          </a:blip>
-          <a:srcRect l="19272" t="9824" r="18139" b="4737"/>
-          <a:stretch/>
-        </p:blipFill>
-        <p:spPr>
-          <a:xfrm>
-            <a:off x="613021" y="1871908"/>
-            <a:ext cx="4644779" cy="4212748"/>
-          </a:xfrm>
-          <a:prstGeom prst="rect">
-            <a:avLst/>
-          </a:prstGeom>
-        </p:spPr>
-      </p:pic>
-    </p:spTree>
-    <p:extLst>
-      <p:ext uri="{BB962C8B-B14F-4D97-AF65-F5344CB8AC3E}">
-        <p14:creationId xmlns:p14="http://schemas.microsoft.com/office/powerpoint/2010/main" val="3004362158"/>
+        <p14:creationId xmlns:p14="http://schemas.microsoft.com/office/powerpoint/2010/main" val="618414293"/>
       </p:ext>
     </p:extLst>
   </p:cSld>
@@ -7494,36 +7471,145 @@
           <a:lstStyle/>
           <a:p>
             <a:r>
+              <a:rPr lang="en-GB" dirty="0"/>
+              <a:t>Future of MeerKAT</a:t>
+            </a:r>
+            <a:endParaRPr lang="en-GB" dirty="0"/>
+          </a:p>
+        </p:txBody>
+      </p:sp>
+      <p:sp>
+        <p:nvSpPr>
+          <p:cNvPr id="3" name="Inhaltsplatzhalter 2"/>
+          <p:cNvSpPr>
+            <a:spLocks noGrp="1"/>
+          </p:cNvSpPr>
+          <p:nvPr>
+            <p:ph idx="1"/>
+          </p:nvPr>
+        </p:nvSpPr>
+        <p:spPr/>
+        <p:txBody>
+          <a:bodyPr/>
+          <a:lstStyle/>
+          <a:p>
+            <a:endParaRPr lang="en-GB" dirty="0" smtClean="0"/>
+          </a:p>
+          <a:p>
+            <a:endParaRPr lang="en-GB" dirty="0"/>
+          </a:p>
+          <a:p>
+            <a:endParaRPr lang="en-GB" dirty="0" smtClean="0"/>
+          </a:p>
+          <a:p>
+            <a:r>
               <a:rPr lang="en-GB" dirty="0" smtClean="0"/>
-              <a:t>Future of MeerKAT</a:t>
+              <a:t>Direct Fourier Transform</a:t>
             </a:r>
             <a:endParaRPr lang="en-GB" dirty="0"/>
           </a:p>
-        </p:txBody>
-      </p:sp>
-      <p:sp>
-        <p:nvSpPr>
-          <p:cNvPr id="3" name="Inhaltsplatzhalter 2"/>
-          <p:cNvSpPr>
-            <a:spLocks noGrp="1"/>
-          </p:cNvSpPr>
-          <p:nvPr>
-            <p:ph idx="1"/>
-          </p:nvPr>
-        </p:nvSpPr>
-        <p:spPr/>
-        <p:txBody>
-          <a:bodyPr/>
-          <a:lstStyle/>
-          <a:p>
+          <a:p>
+            <a:r>
+              <a:rPr lang="en-GB" dirty="0" smtClean="0"/>
+              <a:t>Projection on a uniform grid</a:t>
+            </a:r>
+          </a:p>
+          <a:p>
+            <a:r>
+              <a:rPr lang="en-GB" dirty="0" smtClean="0"/>
+              <a:t>Spherical Wave Harmonics</a:t>
+            </a:r>
+          </a:p>
+          <a:p>
+            <a:r>
+              <a:rPr lang="en-GB" dirty="0" smtClean="0"/>
+              <a:t>…</a:t>
+            </a:r>
+          </a:p>
+          <a:p>
+            <a:endParaRPr lang="en-GB" dirty="0"/>
+          </a:p>
+        </p:txBody>
+      </p:sp>
+      <p:sp>
+        <p:nvSpPr>
+          <p:cNvPr id="4" name="Rechteck 3"/>
+          <p:cNvSpPr/>
+          <p:nvPr/>
+        </p:nvSpPr>
+        <p:spPr>
+          <a:xfrm>
+            <a:off x="5593372" y="1711143"/>
+            <a:ext cx="514350" cy="834231"/>
+          </a:xfrm>
+          <a:prstGeom prst="rect">
+            <a:avLst/>
+          </a:prstGeom>
+          <a:solidFill>
+            <a:schemeClr val="accent2">
+              <a:lumMod val="75000"/>
+            </a:schemeClr>
+          </a:solidFill>
+        </p:spPr>
+        <p:style>
+          <a:lnRef idx="2">
+            <a:schemeClr val="accent1">
+              <a:shade val="50000"/>
+            </a:schemeClr>
+          </a:lnRef>
+          <a:fillRef idx="1">
+            <a:schemeClr val="accent1"/>
+          </a:fillRef>
+          <a:effectRef idx="0">
+            <a:schemeClr val="accent1"/>
+          </a:effectRef>
+          <a:fontRef idx="minor">
+            <a:schemeClr val="lt1"/>
+          </a:fontRef>
+        </p:style>
+        <p:txBody>
+          <a:bodyPr rtlCol="0" anchor="ctr"/>
+          <a:lstStyle/>
+          <a:p>
+            <a:pPr algn="ctr"/>
             <a:endParaRPr lang="en-GB"/>
           </a:p>
         </p:txBody>
       </p:sp>
+      <p:pic>
+        <p:nvPicPr>
+          <p:cNvPr id="5" name="Inhaltsplatzhalter 5"/>
+          <p:cNvPicPr>
+            <a:picLocks noChangeAspect="1"/>
+          </p:cNvPicPr>
+          <p:nvPr/>
+        </p:nvPicPr>
+        <p:blipFill>
+          <a:blip r:embed="rId2">
+            <a:extLst>
+              <a:ext uri="{28A0092B-C50C-407E-A947-70E740481C1C}">
+                <a14:useLocalDpi xmlns:a14="http://schemas.microsoft.com/office/drawing/2010/main" val="0"/>
+              </a:ext>
+            </a:extLst>
+          </a:blip>
+          <a:stretch>
+            <a:fillRect/>
+          </a:stretch>
+        </p:blipFill>
+        <p:spPr>
+          <a:xfrm>
+            <a:off x="930884" y="1711143"/>
+            <a:ext cx="9591675" cy="1047750"/>
+          </a:xfrm>
+          <a:prstGeom prst="rect">
+            <a:avLst/>
+          </a:prstGeom>
+        </p:spPr>
+      </p:pic>
     </p:spTree>
     <p:extLst>
       <p:ext uri="{BB962C8B-B14F-4D97-AF65-F5344CB8AC3E}">
-        <p14:creationId xmlns:p14="http://schemas.microsoft.com/office/powerpoint/2010/main" val="618414293"/>
+        <p14:creationId xmlns:p14="http://schemas.microsoft.com/office/powerpoint/2010/main" val="1485467411"/>
       </p:ext>
     </p:extLst>
   </p:cSld>
@@ -7566,7 +7652,7 @@
           <a:lstStyle/>
           <a:p>
             <a:r>
-              <a:rPr lang="en-GB" dirty="0"/>
+              <a:rPr lang="en-GB" dirty="0" smtClean="0"/>
               <a:t>Future of MeerKAT</a:t>
             </a:r>
             <a:endParaRPr lang="en-GB" dirty="0"/>
@@ -7585,126 +7671,50 @@
         </p:nvSpPr>
         <p:spPr/>
         <p:txBody>
-          <a:bodyPr/>
-          <a:lstStyle/>
-          <a:p>
-            <a:endParaRPr lang="en-GB" dirty="0" smtClean="0"/>
-          </a:p>
-          <a:p>
-            <a:endParaRPr lang="en-GB" dirty="0"/>
-          </a:p>
-          <a:p>
-            <a:endParaRPr lang="en-GB" dirty="0" smtClean="0"/>
-          </a:p>
-          <a:p>
-            <a:r>
-              <a:rPr lang="en-GB" dirty="0" smtClean="0"/>
-              <a:t>Direct Fourier Transform</a:t>
-            </a:r>
-            <a:endParaRPr lang="en-GB" dirty="0"/>
-          </a:p>
-          <a:p>
-            <a:r>
-              <a:rPr lang="en-GB" dirty="0" smtClean="0"/>
-              <a:t>Projection on a uniform grid</a:t>
-            </a:r>
-          </a:p>
-          <a:p>
-            <a:r>
-              <a:rPr lang="en-GB" dirty="0" smtClean="0"/>
-              <a:t>Spherical Wave Harmonics</a:t>
-            </a:r>
-          </a:p>
-          <a:p>
-            <a:r>
-              <a:rPr lang="en-GB" dirty="0" smtClean="0"/>
-              <a:t>…</a:t>
-            </a:r>
-          </a:p>
-          <a:p>
-            <a:endParaRPr lang="en-GB" dirty="0"/>
-          </a:p>
-        </p:txBody>
-      </p:sp>
-      <p:sp>
-        <p:nvSpPr>
-          <p:cNvPr id="4" name="Rechteck 3"/>
-          <p:cNvSpPr/>
-          <p:nvPr/>
-        </p:nvSpPr>
-        <p:spPr>
-          <a:xfrm>
-            <a:off x="5593372" y="1711143"/>
-            <a:ext cx="514350" cy="834231"/>
-          </a:xfrm>
-          <a:prstGeom prst="rect">
-            <a:avLst/>
-          </a:prstGeom>
-          <a:solidFill>
-            <a:schemeClr val="accent2">
-              <a:lumMod val="75000"/>
-            </a:schemeClr>
-          </a:solidFill>
-        </p:spPr>
-        <p:style>
-          <a:lnRef idx="2">
-            <a:schemeClr val="accent1">
-              <a:shade val="50000"/>
-            </a:schemeClr>
-          </a:lnRef>
-          <a:fillRef idx="1">
-            <a:schemeClr val="accent1"/>
-          </a:fillRef>
-          <a:effectRef idx="0">
-            <a:schemeClr val="accent1"/>
-          </a:effectRef>
-          <a:fontRef idx="minor">
-            <a:schemeClr val="lt1"/>
-          </a:fontRef>
-        </p:style>
-        <p:txBody>
-          <a:bodyPr rtlCol="0" anchor="ctr"/>
-          <a:lstStyle/>
-          <a:p>
-            <a:pPr algn="ctr"/>
-            <a:endParaRPr lang="en-GB"/>
-          </a:p>
-        </p:txBody>
-      </p:sp>
-      <p:pic>
-        <p:nvPicPr>
-          <p:cNvPr id="5" name="Inhaltsplatzhalter 5"/>
-          <p:cNvPicPr>
-            <a:picLocks noChangeAspect="1"/>
-          </p:cNvPicPr>
-          <p:nvPr/>
-        </p:nvPicPr>
-        <p:blipFill>
-          <a:blip r:embed="rId2">
-            <a:extLst>
-              <a:ext uri="{28A0092B-C50C-407E-A947-70E740481C1C}">
-                <a14:useLocalDpi xmlns:a14="http://schemas.microsoft.com/office/drawing/2010/main" val="0"/>
-              </a:ext>
-            </a:extLst>
-          </a:blip>
-          <a:stretch>
-            <a:fillRect/>
-          </a:stretch>
-        </p:blipFill>
-        <p:spPr>
-          <a:xfrm>
-            <a:off x="930884" y="1711143"/>
-            <a:ext cx="9591675" cy="1047750"/>
-          </a:xfrm>
-          <a:prstGeom prst="rect">
-            <a:avLst/>
-          </a:prstGeom>
-        </p:spPr>
-      </p:pic>
+          <a:bodyPr>
+            <a:normAutofit/>
+          </a:bodyPr>
+          <a:lstStyle/>
+          <a:p>
+            <a:pPr marL="0" indent="0" algn="ctr">
+              <a:buNone/>
+            </a:pPr>
+            <a:endParaRPr lang="en-GB" sz="4800" dirty="0" smtClean="0"/>
+          </a:p>
+          <a:p>
+            <a:pPr marL="0" indent="0" algn="ctr">
+              <a:buNone/>
+            </a:pPr>
+            <a:endParaRPr lang="en-GB" sz="4800" dirty="0"/>
+          </a:p>
+          <a:p>
+            <a:pPr marL="0" indent="0" algn="ctr">
+              <a:buNone/>
+            </a:pPr>
+            <a:r>
+              <a:rPr lang="en-GB" sz="4800" dirty="0" smtClean="0"/>
+              <a:t>10 </a:t>
+            </a:r>
+            <a:r>
+              <a:rPr lang="en-GB" sz="4800" dirty="0" err="1"/>
+              <a:t>t</a:t>
+            </a:r>
+            <a:r>
+              <a:rPr lang="en-GB" sz="4800" dirty="0" err="1" smtClean="0"/>
+              <a:t>b</a:t>
+            </a:r>
+            <a:r>
+              <a:rPr lang="en-GB" sz="4800" dirty="0" smtClean="0"/>
+              <a:t>/s</a:t>
+            </a:r>
+            <a:endParaRPr lang="en-GB" sz="4800" dirty="0"/>
+          </a:p>
+        </p:txBody>
+      </p:sp>
     </p:spTree>
     <p:extLst>
       <p:ext uri="{BB962C8B-B14F-4D97-AF65-F5344CB8AC3E}">
-        <p14:creationId xmlns:p14="http://schemas.microsoft.com/office/powerpoint/2010/main" val="1485467411"/>
+        <p14:creationId xmlns:p14="http://schemas.microsoft.com/office/powerpoint/2010/main" val="537581457"/>
       </p:ext>
     </p:extLst>
   </p:cSld>
@@ -7748,68 +7758,135 @@
           <a:p>
             <a:r>
               <a:rPr lang="en-GB" dirty="0" smtClean="0"/>
-              <a:t>Future of MeerKAT</a:t>
+              <a:t>Wide Field of View</a:t>
             </a:r>
             <a:endParaRPr lang="en-GB" dirty="0"/>
           </a:p>
         </p:txBody>
       </p:sp>
-      <p:sp>
-        <p:nvSpPr>
-          <p:cNvPr id="3" name="Inhaltsplatzhalter 2"/>
-          <p:cNvSpPr>
-            <a:spLocks noGrp="1"/>
-          </p:cNvSpPr>
+      <p:pic>
+        <p:nvPicPr>
+          <p:cNvPr id="4" name="Inhaltsplatzhalter 3"/>
+          <p:cNvPicPr>
+            <a:picLocks noGrp="1" noChangeAspect="1"/>
+          </p:cNvPicPr>
           <p:nvPr>
             <p:ph idx="1"/>
           </p:nvPr>
-        </p:nvSpPr>
-        <p:spPr/>
-        <p:txBody>
-          <a:bodyPr>
-            <a:normAutofit/>
+        </p:nvPicPr>
+        <p:blipFill>
+          <a:blip r:embed="rId2" cstate="print">
+            <a:extLst>
+              <a:ext uri="{28A0092B-C50C-407E-A947-70E740481C1C}">
+                <a14:useLocalDpi xmlns:a14="http://schemas.microsoft.com/office/drawing/2010/main" val="0"/>
+              </a:ext>
+            </a:extLst>
+          </a:blip>
+          <a:stretch>
+            <a:fillRect/>
+          </a:stretch>
+        </p:blipFill>
+        <p:spPr>
+          <a:xfrm>
+            <a:off x="6079067" y="1581679"/>
+            <a:ext cx="4392600" cy="4351338"/>
+          </a:xfrm>
+        </p:spPr>
+      </p:pic>
+      <p:pic>
+        <p:nvPicPr>
+          <p:cNvPr id="5" name="Grafik 4"/>
+          <p:cNvPicPr>
+            <a:picLocks noChangeAspect="1"/>
+          </p:cNvPicPr>
+          <p:nvPr/>
+        </p:nvPicPr>
+        <p:blipFill>
+          <a:blip r:embed="rId3" cstate="print">
+            <a:extLst>
+              <a:ext uri="{28A0092B-C50C-407E-A947-70E740481C1C}">
+                <a14:useLocalDpi xmlns:a14="http://schemas.microsoft.com/office/drawing/2010/main" val="0"/>
+              </a:ext>
+            </a:extLst>
+          </a:blip>
+          <a:stretch>
+            <a:fillRect/>
+          </a:stretch>
+        </p:blipFill>
+        <p:spPr>
+          <a:xfrm>
+            <a:off x="1261533" y="1581679"/>
+            <a:ext cx="4377267" cy="4392361"/>
+          </a:xfrm>
+          <a:prstGeom prst="rect">
+            <a:avLst/>
+          </a:prstGeom>
+        </p:spPr>
+      </p:pic>
+      <p:sp>
+        <p:nvSpPr>
+          <p:cNvPr id="6" name="Textfeld 5"/>
+          <p:cNvSpPr txBox="1"/>
+          <p:nvPr/>
+        </p:nvSpPr>
+        <p:spPr>
+          <a:xfrm>
+            <a:off x="1983762" y="5974040"/>
+            <a:ext cx="3271473" cy="523220"/>
+          </a:xfrm>
+          <a:prstGeom prst="rect">
+            <a:avLst/>
+          </a:prstGeom>
+          <a:noFill/>
+        </p:spPr>
+        <p:txBody>
+          <a:bodyPr wrap="none" rtlCol="0">
+            <a:spAutoFit/>
           </a:bodyPr>
           <a:lstStyle/>
           <a:p>
-            <a:pPr marL="0" indent="0" algn="ctr">
-              <a:buNone/>
-            </a:pPr>
-            <a:endParaRPr lang="en-GB" sz="4800" dirty="0" smtClean="0"/>
-          </a:p>
-          <a:p>
-            <a:pPr marL="0" indent="0" algn="ctr">
-              <a:buNone/>
-            </a:pPr>
-            <a:endParaRPr lang="en-GB" sz="4800" dirty="0"/>
-          </a:p>
-          <a:p>
-            <a:pPr marL="0" indent="0" algn="ctr">
-              <a:buNone/>
-            </a:pPr>
-            <a:r>
-              <a:rPr lang="en-GB" sz="4800" dirty="0" smtClean="0"/>
-              <a:t>10 </a:t>
-            </a:r>
-            <a:r>
-              <a:rPr lang="en-GB" sz="4800" dirty="0" err="1"/>
-              <a:t>t</a:t>
-            </a:r>
-            <a:r>
-              <a:rPr lang="en-GB" sz="4800" dirty="0" err="1" smtClean="0"/>
-              <a:t>b</a:t>
-            </a:r>
-            <a:r>
-              <a:rPr lang="en-GB" sz="4800" dirty="0" smtClean="0"/>
-              <a:t>/s</a:t>
-            </a:r>
-            <a:endParaRPr lang="en-GB" sz="4800" dirty="0"/>
+            <a:r>
+              <a:rPr lang="en-GB" sz="2800" dirty="0" smtClean="0"/>
+              <a:t>2D Fourier Transform</a:t>
+            </a:r>
+            <a:endParaRPr lang="en-GB" sz="2800" dirty="0"/>
+          </a:p>
+        </p:txBody>
+      </p:sp>
+      <p:sp>
+        <p:nvSpPr>
+          <p:cNvPr id="7" name="Textfeld 6"/>
+          <p:cNvSpPr txBox="1"/>
+          <p:nvPr/>
+        </p:nvSpPr>
+        <p:spPr>
+          <a:xfrm>
+            <a:off x="7147630" y="5974040"/>
+            <a:ext cx="2837956" cy="523220"/>
+          </a:xfrm>
+          <a:prstGeom prst="rect">
+            <a:avLst/>
+          </a:prstGeom>
+          <a:noFill/>
+        </p:spPr>
+        <p:txBody>
+          <a:bodyPr wrap="none" rtlCol="0">
+            <a:spAutoFit/>
+          </a:bodyPr>
+          <a:lstStyle/>
+          <a:p>
+            <a:r>
+              <a:rPr lang="en-GB" sz="2800" dirty="0" smtClean="0"/>
+              <a:t>With w-correction</a:t>
+            </a:r>
+            <a:endParaRPr lang="en-GB" sz="2800" dirty="0"/>
           </a:p>
         </p:txBody>
       </p:sp>
     </p:spTree>
     <p:extLst>
       <p:ext uri="{BB962C8B-B14F-4D97-AF65-F5344CB8AC3E}">
-        <p14:creationId xmlns:p14="http://schemas.microsoft.com/office/powerpoint/2010/main" val="537581457"/>
+        <p14:creationId xmlns:p14="http://schemas.microsoft.com/office/powerpoint/2010/main" val="405049423"/>
       </p:ext>
     </p:extLst>
   </p:cSld>
@@ -8115,16 +8192,14 @@
       </p:sp>
       <p:pic>
         <p:nvPicPr>
-          <p:cNvPr id="4" name="Inhaltsplatzhalter 3"/>
+          <p:cNvPr id="10" name="Grafik 9"/>
           <p:cNvPicPr>
-            <a:picLocks noGrp="1" noChangeAspect="1"/>
+            <a:picLocks noChangeAspect="1"/>
           </p:cNvPicPr>
-          <p:nvPr>
-            <p:ph idx="1"/>
-          </p:nvPr>
+          <p:nvPr/>
         </p:nvPicPr>
         <p:blipFill>
-          <a:blip r:embed="rId2" cstate="print">
+          <a:blip r:embed="rId2">
             <a:extLst>
               <a:ext uri="{28A0092B-C50C-407E-A947-70E740481C1C}">
                 <a14:useLocalDpi xmlns:a14="http://schemas.microsoft.com/office/drawing/2010/main" val="0"/>
@@ -8137,21 +8212,26 @@
         </p:blipFill>
         <p:spPr>
           <a:xfrm>
-            <a:off x="6079067" y="1581679"/>
-            <a:ext cx="4392600" cy="4351338"/>
-          </a:xfrm>
+            <a:off x="2484966" y="2180798"/>
+            <a:ext cx="7222067" cy="1025068"/>
+          </a:xfrm>
+          <a:prstGeom prst="rect">
+            <a:avLst/>
+          </a:prstGeom>
         </p:spPr>
       </p:pic>
       <p:pic>
         <p:nvPicPr>
-          <p:cNvPr id="5" name="Grafik 4"/>
+          <p:cNvPr id="12" name="Inhaltsplatzhalter 11"/>
           <p:cNvPicPr>
-            <a:picLocks noChangeAspect="1"/>
+            <a:picLocks noGrp="1" noChangeAspect="1"/>
           </p:cNvPicPr>
-          <p:nvPr/>
+          <p:nvPr>
+            <p:ph idx="1"/>
+          </p:nvPr>
         </p:nvPicPr>
         <p:blipFill>
-          <a:blip r:embed="rId3" cstate="print">
+          <a:blip r:embed="rId3">
             <a:extLst>
               <a:ext uri="{28A0092B-C50C-407E-A947-70E740481C1C}">
                 <a14:useLocalDpi xmlns:a14="http://schemas.microsoft.com/office/drawing/2010/main" val="0"/>
@@ -8164,78 +8244,15 @@
         </p:blipFill>
         <p:spPr>
           <a:xfrm>
-            <a:off x="1261533" y="1581679"/>
-            <a:ext cx="4377267" cy="4392361"/>
-          </a:xfrm>
-          <a:prstGeom prst="rect">
-            <a:avLst/>
-          </a:prstGeom>
+            <a:off x="747712" y="3695977"/>
+            <a:ext cx="10515600" cy="915433"/>
+          </a:xfrm>
         </p:spPr>
       </p:pic>
-      <p:sp>
-        <p:nvSpPr>
-          <p:cNvPr id="6" name="Textfeld 5"/>
-          <p:cNvSpPr txBox="1"/>
-          <p:nvPr/>
-        </p:nvSpPr>
-        <p:spPr>
-          <a:xfrm>
-            <a:off x="1983762" y="5974040"/>
-            <a:ext cx="3271473" cy="523220"/>
-          </a:xfrm>
-          <a:prstGeom prst="rect">
-            <a:avLst/>
-          </a:prstGeom>
-          <a:noFill/>
-        </p:spPr>
-        <p:txBody>
-          <a:bodyPr wrap="none" rtlCol="0">
-            <a:spAutoFit/>
-          </a:bodyPr>
-          <a:lstStyle/>
-          <a:p>
-            <a:r>
-              <a:rPr lang="en-GB" sz="2800" dirty="0" smtClean="0"/>
-              <a:t>2D Fourier Transform</a:t>
-            </a:r>
-            <a:endParaRPr lang="en-GB" sz="2800" dirty="0"/>
-          </a:p>
-        </p:txBody>
-      </p:sp>
-      <p:sp>
-        <p:nvSpPr>
-          <p:cNvPr id="7" name="Textfeld 6"/>
-          <p:cNvSpPr txBox="1"/>
-          <p:nvPr/>
-        </p:nvSpPr>
-        <p:spPr>
-          <a:xfrm>
-            <a:off x="7147630" y="5974040"/>
-            <a:ext cx="2837956" cy="523220"/>
-          </a:xfrm>
-          <a:prstGeom prst="rect">
-            <a:avLst/>
-          </a:prstGeom>
-          <a:noFill/>
-        </p:spPr>
-        <p:txBody>
-          <a:bodyPr wrap="none" rtlCol="0">
-            <a:spAutoFit/>
-          </a:bodyPr>
-          <a:lstStyle/>
-          <a:p>
-            <a:r>
-              <a:rPr lang="en-GB" sz="2800" dirty="0" smtClean="0"/>
-              <a:t>With w-correction</a:t>
-            </a:r>
-            <a:endParaRPr lang="en-GB" sz="2800" dirty="0"/>
-          </a:p>
-        </p:txBody>
-      </p:sp>
     </p:spTree>
     <p:extLst>
       <p:ext uri="{BB962C8B-B14F-4D97-AF65-F5344CB8AC3E}">
-        <p14:creationId xmlns:p14="http://schemas.microsoft.com/office/powerpoint/2010/main" val="405049423"/>
+        <p14:creationId xmlns:p14="http://schemas.microsoft.com/office/powerpoint/2010/main" val="2316829888"/>
       </p:ext>
     </p:extLst>
   </p:cSld>
@@ -8279,7 +8296,7 @@
           <a:p>
             <a:r>
               <a:rPr lang="en-GB" dirty="0" smtClean="0"/>
-              <a:t>Wide Field of View</a:t>
+              <a:t>Calibration</a:t>
             </a:r>
             <a:endParaRPr lang="en-GB" dirty="0"/>
           </a:p>
@@ -8287,7 +8304,7 @@
       </p:sp>
       <p:pic>
         <p:nvPicPr>
-          <p:cNvPr id="10" name="Grafik 9"/>
+          <p:cNvPr id="6" name="Inhaltsplatzhalter 3"/>
           <p:cNvPicPr>
             <a:picLocks noChangeAspect="1"/>
           </p:cNvPicPr>
@@ -8307,8 +8324,8 @@
         </p:blipFill>
         <p:spPr>
           <a:xfrm>
-            <a:off x="2484966" y="2180798"/>
-            <a:ext cx="7222067" cy="1025068"/>
+            <a:off x="1214436" y="3561039"/>
+            <a:ext cx="9763125" cy="1238250"/>
           </a:xfrm>
           <a:prstGeom prst="rect">
             <a:avLst/>
@@ -8317,7 +8334,7 @@
       </p:pic>
       <p:pic>
         <p:nvPicPr>
-          <p:cNvPr id="12" name="Inhaltsplatzhalter 11"/>
+          <p:cNvPr id="7" name="Inhaltsplatzhalter 5"/>
           <p:cNvPicPr>
             <a:picLocks noGrp="1" noChangeAspect="1"/>
           </p:cNvPicPr>
@@ -8339,15 +8356,15 @@
         </p:blipFill>
         <p:spPr>
           <a:xfrm>
-            <a:off x="747712" y="3695977"/>
-            <a:ext cx="10515600" cy="915433"/>
+            <a:off x="1083185" y="2272470"/>
+            <a:ext cx="9591675" cy="1047750"/>
           </a:xfrm>
         </p:spPr>
       </p:pic>
     </p:spTree>
     <p:extLst>
       <p:ext uri="{BB962C8B-B14F-4D97-AF65-F5344CB8AC3E}">
-        <p14:creationId xmlns:p14="http://schemas.microsoft.com/office/powerpoint/2010/main" val="2316829888"/>
+        <p14:creationId xmlns:p14="http://schemas.microsoft.com/office/powerpoint/2010/main" val="1106582319"/>
       </p:ext>
     </p:extLst>
   </p:cSld>
@@ -8391,7 +8408,7 @@
           <a:p>
             <a:r>
               <a:rPr lang="en-GB" dirty="0" smtClean="0"/>
-              <a:t>Calibration</a:t>
+              <a:t>Starlet</a:t>
             </a:r>
             <a:endParaRPr lang="en-GB" dirty="0"/>
           </a:p>
@@ -8399,11 +8416,13 @@
       </p:sp>
       <p:pic>
         <p:nvPicPr>
-          <p:cNvPr id="6" name="Inhaltsplatzhalter 3"/>
+          <p:cNvPr id="4" name="Inhaltsplatzhalter 3"/>
           <p:cNvPicPr>
-            <a:picLocks noChangeAspect="1"/>
+            <a:picLocks noGrp="1" noChangeAspect="1"/>
           </p:cNvPicPr>
-          <p:nvPr/>
+          <p:nvPr>
+            <p:ph idx="1"/>
+          </p:nvPr>
         </p:nvPicPr>
         <p:blipFill>
           <a:blip r:embed="rId2">
@@ -8419,47 +8438,15 @@
         </p:blipFill>
         <p:spPr>
           <a:xfrm>
-            <a:off x="1214436" y="3561039"/>
-            <a:ext cx="9763125" cy="1238250"/>
-          </a:xfrm>
-          <a:prstGeom prst="rect">
-            <a:avLst/>
-          </a:prstGeom>
-        </p:spPr>
-      </p:pic>
-      <p:pic>
-        <p:nvPicPr>
-          <p:cNvPr id="7" name="Inhaltsplatzhalter 5"/>
-          <p:cNvPicPr>
-            <a:picLocks noGrp="1" noChangeAspect="1"/>
-          </p:cNvPicPr>
-          <p:nvPr>
-            <p:ph idx="1"/>
-          </p:nvPr>
-        </p:nvPicPr>
-        <p:blipFill>
-          <a:blip r:embed="rId3">
-            <a:extLst>
-              <a:ext uri="{28A0092B-C50C-407E-A947-70E740481C1C}">
-                <a14:useLocalDpi xmlns:a14="http://schemas.microsoft.com/office/drawing/2010/main" val="0"/>
-              </a:ext>
-            </a:extLst>
-          </a:blip>
-          <a:stretch>
-            <a:fillRect/>
-          </a:stretch>
-        </p:blipFill>
-        <p:spPr>
-          <a:xfrm>
-            <a:off x="1083185" y="2272470"/>
-            <a:ext cx="9591675" cy="1047750"/>
+            <a:off x="3490548" y="1964931"/>
+            <a:ext cx="5344535" cy="3986417"/>
           </a:xfrm>
         </p:spPr>
       </p:pic>
     </p:spTree>
     <p:extLst>
       <p:ext uri="{BB962C8B-B14F-4D97-AF65-F5344CB8AC3E}">
-        <p14:creationId xmlns:p14="http://schemas.microsoft.com/office/powerpoint/2010/main" val="1106582319"/>
+        <p14:creationId xmlns:p14="http://schemas.microsoft.com/office/powerpoint/2010/main" val="3175454009"/>
       </p:ext>
     </p:extLst>
   </p:cSld>
@@ -8503,7 +8490,7 @@
           <a:p>
             <a:r>
               <a:rPr lang="en-GB" dirty="0" smtClean="0"/>
-              <a:t>Starlet</a:t>
+              <a:t>Super Resolution (but)</a:t>
             </a:r>
             <a:endParaRPr lang="en-GB" dirty="0"/>
           </a:p>
@@ -8533,15 +8520,105 @@
         </p:blipFill>
         <p:spPr>
           <a:xfrm>
-            <a:off x="3490548" y="1964931"/>
-            <a:ext cx="5344535" cy="3986417"/>
-          </a:xfrm>
+            <a:off x="3562404" y="2223389"/>
+            <a:ext cx="2797064" cy="2797064"/>
+          </a:xfrm>
+        </p:spPr>
+      </p:pic>
+      <p:pic>
+        <p:nvPicPr>
+          <p:cNvPr id="5" name="Grafik 4"/>
+          <p:cNvPicPr>
+            <a:picLocks noChangeAspect="1"/>
+          </p:cNvPicPr>
+          <p:nvPr/>
+        </p:nvPicPr>
+        <p:blipFill>
+          <a:blip r:embed="rId3">
+            <a:extLst>
+              <a:ext uri="{28A0092B-C50C-407E-A947-70E740481C1C}">
+                <a14:useLocalDpi xmlns:a14="http://schemas.microsoft.com/office/drawing/2010/main" val="0"/>
+              </a:ext>
+            </a:extLst>
+          </a:blip>
+          <a:stretch>
+            <a:fillRect/>
+          </a:stretch>
+        </p:blipFill>
+        <p:spPr>
+          <a:xfrm>
+            <a:off x="722011" y="2223389"/>
+            <a:ext cx="2797064" cy="2797064"/>
+          </a:xfrm>
+          <a:prstGeom prst="rect">
+            <a:avLst/>
+          </a:prstGeom>
+        </p:spPr>
+      </p:pic>
+      <p:pic>
+        <p:nvPicPr>
+          <p:cNvPr id="6" name="Grafik 5"/>
+          <p:cNvPicPr>
+            <a:picLocks noChangeAspect="1"/>
+          </p:cNvPicPr>
+          <p:nvPr/>
+        </p:nvPicPr>
+        <p:blipFill>
+          <a:blip r:embed="rId4">
+            <a:extLst>
+              <a:ext uri="{28A0092B-C50C-407E-A947-70E740481C1C}">
+                <a14:useLocalDpi xmlns:a14="http://schemas.microsoft.com/office/drawing/2010/main" val="0"/>
+              </a:ext>
+            </a:extLst>
+          </a:blip>
+          <a:stretch>
+            <a:fillRect/>
+          </a:stretch>
+        </p:blipFill>
+        <p:spPr>
+          <a:xfrm>
+            <a:off x="6402797" y="2223389"/>
+            <a:ext cx="2797064" cy="2797064"/>
+          </a:xfrm>
+          <a:prstGeom prst="rect">
+            <a:avLst/>
+          </a:prstGeom>
+        </p:spPr>
+      </p:pic>
+      <p:pic>
+        <p:nvPicPr>
+          <p:cNvPr id="7" name="Grafik 6"/>
+          <p:cNvPicPr>
+            <a:picLocks noChangeAspect="1"/>
+          </p:cNvPicPr>
+          <p:nvPr/>
+        </p:nvPicPr>
+        <p:blipFill>
+          <a:blip r:embed="rId5">
+            <a:extLst>
+              <a:ext uri="{28A0092B-C50C-407E-A947-70E740481C1C}">
+                <a14:useLocalDpi xmlns:a14="http://schemas.microsoft.com/office/drawing/2010/main" val="0"/>
+              </a:ext>
+            </a:extLst>
+          </a:blip>
+          <a:stretch>
+            <a:fillRect/>
+          </a:stretch>
+        </p:blipFill>
+        <p:spPr>
+          <a:xfrm>
+            <a:off x="9243190" y="2223389"/>
+            <a:ext cx="2797064" cy="2797064"/>
+          </a:xfrm>
+          <a:prstGeom prst="rect">
+            <a:avLst/>
+          </a:prstGeom>
         </p:spPr>
       </p:pic>
     </p:spTree>
     <p:extLst>
       <p:ext uri="{BB962C8B-B14F-4D97-AF65-F5344CB8AC3E}">
-        <p14:creationId xmlns:p14="http://schemas.microsoft.com/office/powerpoint/2010/main" val="3175454009"/>
+        <p14:creationId xmlns:p14="http://schemas.microsoft.com/office/powerpoint/2010/main" val="714275184"/>
       </p:ext>
     </p:extLst>
   </p:cSld>
@@ -8585,141 +8662,56 @@
           <a:p>
             <a:r>
               <a:rPr lang="en-GB" dirty="0" smtClean="0"/>
-              <a:t>Super Resolution (but)</a:t>
+              <a:t>Compressed Sensing</a:t>
             </a:r>
             <a:endParaRPr lang="en-GB" dirty="0"/>
           </a:p>
         </p:txBody>
       </p:sp>
-      <p:pic>
-        <p:nvPicPr>
-          <p:cNvPr id="4" name="Inhaltsplatzhalter 3"/>
-          <p:cNvPicPr>
-            <a:picLocks noGrp="1" noChangeAspect="1"/>
-          </p:cNvPicPr>
+      <p:sp>
+        <p:nvSpPr>
+          <p:cNvPr id="3" name="Inhaltsplatzhalter 2"/>
+          <p:cNvSpPr>
+            <a:spLocks noGrp="1"/>
+          </p:cNvSpPr>
           <p:nvPr>
             <p:ph idx="1"/>
           </p:nvPr>
-        </p:nvPicPr>
-        <p:blipFill>
-          <a:blip r:embed="rId2">
-            <a:extLst>
-              <a:ext uri="{28A0092B-C50C-407E-A947-70E740481C1C}">
-                <a14:useLocalDpi xmlns:a14="http://schemas.microsoft.com/office/drawing/2010/main" val="0"/>
-              </a:ext>
-            </a:extLst>
-          </a:blip>
-          <a:stretch>
-            <a:fillRect/>
-          </a:stretch>
-        </p:blipFill>
-        <p:spPr>
-          <a:xfrm>
-            <a:off x="3562404" y="2223389"/>
-            <a:ext cx="2797064" cy="2797064"/>
-          </a:xfrm>
-        </p:spPr>
-      </p:pic>
-      <p:pic>
-        <p:nvPicPr>
-          <p:cNvPr id="5" name="Grafik 4"/>
-          <p:cNvPicPr>
-            <a:picLocks noChangeAspect="1"/>
-          </p:cNvPicPr>
-          <p:nvPr/>
-        </p:nvPicPr>
-        <p:blipFill>
-          <a:blip r:embed="rId3">
-            <a:extLst>
-              <a:ext uri="{28A0092B-C50C-407E-A947-70E740481C1C}">
-                <a14:useLocalDpi xmlns:a14="http://schemas.microsoft.com/office/drawing/2010/main" val="0"/>
-              </a:ext>
-            </a:extLst>
-          </a:blip>
-          <a:stretch>
-            <a:fillRect/>
-          </a:stretch>
-        </p:blipFill>
-        <p:spPr>
-          <a:xfrm>
-            <a:off x="722011" y="2223389"/>
-            <a:ext cx="2797064" cy="2797064"/>
-          </a:xfrm>
-          <a:prstGeom prst="rect">
-            <a:avLst/>
-          </a:prstGeom>
-        </p:spPr>
-      </p:pic>
-      <p:pic>
-        <p:nvPicPr>
-          <p:cNvPr id="6" name="Grafik 5"/>
-          <p:cNvPicPr>
-            <a:picLocks noChangeAspect="1"/>
-          </p:cNvPicPr>
-          <p:nvPr/>
-        </p:nvPicPr>
-        <p:blipFill>
-          <a:blip r:embed="rId4">
-            <a:extLst>
-              <a:ext uri="{28A0092B-C50C-407E-A947-70E740481C1C}">
-                <a14:useLocalDpi xmlns:a14="http://schemas.microsoft.com/office/drawing/2010/main" val="0"/>
-              </a:ext>
-            </a:extLst>
-          </a:blip>
-          <a:stretch>
-            <a:fillRect/>
-          </a:stretch>
-        </p:blipFill>
-        <p:spPr>
-          <a:xfrm>
-            <a:off x="6402797" y="2223389"/>
-            <a:ext cx="2797064" cy="2797064"/>
-          </a:xfrm>
-          <a:prstGeom prst="rect">
-            <a:avLst/>
-          </a:prstGeom>
-        </p:spPr>
-      </p:pic>
-      <p:pic>
-        <p:nvPicPr>
-          <p:cNvPr id="7" name="Grafik 6"/>
-          <p:cNvPicPr>
-            <a:picLocks noChangeAspect="1"/>
-          </p:cNvPicPr>
-          <p:nvPr/>
-        </p:nvPicPr>
-        <p:blipFill>
-          <a:blip r:embed="rId5">
-            <a:extLst>
-              <a:ext uri="{28A0092B-C50C-407E-A947-70E740481C1C}">
-                <a14:useLocalDpi xmlns:a14="http://schemas.microsoft.com/office/drawing/2010/main" val="0"/>
-              </a:ext>
-            </a:extLst>
-          </a:blip>
-          <a:stretch>
-            <a:fillRect/>
-          </a:stretch>
-        </p:blipFill>
-        <p:spPr>
-          <a:xfrm>
-            <a:off x="9243190" y="2223389"/>
-            <a:ext cx="2797064" cy="2797064"/>
-          </a:xfrm>
-          <a:prstGeom prst="rect">
-            <a:avLst/>
-          </a:prstGeom>
-        </p:spPr>
-      </p:pic>
+        </p:nvSpPr>
+        <p:spPr/>
+        <p:txBody>
+          <a:bodyPr/>
+          <a:lstStyle/>
+          <a:p>
+            <a:endParaRPr lang="en-GB"/>
+          </a:p>
+        </p:txBody>
+      </p:sp>
     </p:spTree>
     <p:extLst>
       <p:ext uri="{BB962C8B-B14F-4D97-AF65-F5344CB8AC3E}">
-        <p14:creationId xmlns:p14="http://schemas.microsoft.com/office/powerpoint/2010/main" val="714275184"/>
+        <p14:creationId xmlns:p14="http://schemas.microsoft.com/office/powerpoint/2010/main" val="2111302720"/>
       </p:ext>
     </p:extLst>
   </p:cSld>
   <p:clrMapOvr>
     <a:masterClrMapping/>
   </p:clrMapOvr>
+  <mc:AlternateContent xmlns:mc="http://schemas.openxmlformats.org/markup-compatibility/2006" xmlns:p14="http://schemas.microsoft.com/office/powerpoint/2010/main">
+    <mc:Choice Requires="p14">
+      <p:transition spd="slow" p14:dur="2000"/>
+    </mc:Choice>
+    <mc:Fallback xmlns="">
+      <p:transition spd="slow"/>
+    </mc:Fallback>
+  </mc:AlternateContent>
+  <p:timing>
+    <p:tnLst>
+      <p:par>
+        <p:cTn id="1" dur="indefinite" restart="never" nodeType="tmRoot"/>
+      </p:par>
+    </p:tnLst>
+  </p:timing>
 </p:sld>
 </file>
 
@@ -8757,35 +8749,223 @@
           <a:p>
             <a:r>
               <a:rPr lang="en-GB" dirty="0" smtClean="0"/>
-              <a:t>Compressed Sensing</a:t>
+              <a:t>Compressed Sensing (approx.)</a:t>
             </a:r>
             <a:endParaRPr lang="en-GB" dirty="0"/>
           </a:p>
         </p:txBody>
       </p:sp>
-      <p:sp>
-        <p:nvSpPr>
-          <p:cNvPr id="3" name="Inhaltsplatzhalter 2"/>
-          <p:cNvSpPr>
-            <a:spLocks noGrp="1"/>
-          </p:cNvSpPr>
-          <p:nvPr>
-            <p:ph idx="1"/>
-          </p:nvPr>
-        </p:nvSpPr>
-        <p:spPr/>
-        <p:txBody>
-          <a:bodyPr/>
-          <a:lstStyle/>
-          <a:p>
-            <a:endParaRPr lang="en-GB"/>
-          </a:p>
-        </p:txBody>
-      </p:sp>
+      <p:pic>
+        <p:nvPicPr>
+          <p:cNvPr id="9" name="Inhaltsplatzhalter 6"/>
+          <p:cNvPicPr>
+            <a:picLocks noChangeAspect="1"/>
+          </p:cNvPicPr>
+          <p:nvPr/>
+        </p:nvPicPr>
+        <p:blipFill>
+          <a:blip r:embed="rId2">
+            <a:extLst>
+              <a:ext uri="{28A0092B-C50C-407E-A947-70E740481C1C}">
+                <a14:useLocalDpi xmlns:a14="http://schemas.microsoft.com/office/drawing/2010/main" val="0"/>
+              </a:ext>
+            </a:extLst>
+          </a:blip>
+          <a:stretch>
+            <a:fillRect/>
+          </a:stretch>
+        </p:blipFill>
+        <p:spPr>
+          <a:xfrm>
+            <a:off x="1218818" y="1573736"/>
+            <a:ext cx="4962525" cy="904875"/>
+          </a:xfrm>
+          <a:prstGeom prst="rect">
+            <a:avLst/>
+          </a:prstGeom>
+        </p:spPr>
+      </p:pic>
+      <p:pic>
+        <p:nvPicPr>
+          <p:cNvPr id="11" name="Grafik 10"/>
+          <p:cNvPicPr>
+            <a:picLocks noChangeAspect="1"/>
+          </p:cNvPicPr>
+          <p:nvPr/>
+        </p:nvPicPr>
+        <p:blipFill>
+          <a:blip r:embed="rId3">
+            <a:extLst>
+              <a:ext uri="{28A0092B-C50C-407E-A947-70E740481C1C}">
+                <a14:useLocalDpi xmlns:a14="http://schemas.microsoft.com/office/drawing/2010/main" val="0"/>
+              </a:ext>
+            </a:extLst>
+          </a:blip>
+          <a:stretch>
+            <a:fillRect/>
+          </a:stretch>
+        </p:blipFill>
+        <p:spPr>
+          <a:xfrm>
+            <a:off x="1218818" y="4299703"/>
+            <a:ext cx="4467225" cy="866775"/>
+          </a:xfrm>
+          <a:prstGeom prst="rect">
+            <a:avLst/>
+          </a:prstGeom>
+        </p:spPr>
+      </p:pic>
+      <p:pic>
+        <p:nvPicPr>
+          <p:cNvPr id="6" name="Inhaltsplatzhalter 5"/>
+          <p:cNvPicPr>
+            <a:picLocks noChangeAspect="1"/>
+          </p:cNvPicPr>
+          <p:nvPr/>
+        </p:nvPicPr>
+        <p:blipFill>
+          <a:blip r:embed="rId4">
+            <a:extLst>
+              <a:ext uri="{BEBA8EAE-BF5A-486C-A8C5-ECC9F3942E4B}">
+                <a14:imgProps xmlns:a14="http://schemas.microsoft.com/office/drawing/2010/main">
+                  <a14:imgLayer r:embed="rId5">
+                    <a14:imgEffect>
+                      <a14:brightnessContrast contrast="-100000"/>
+                    </a14:imgEffect>
+                  </a14:imgLayer>
+                </a14:imgProps>
+              </a:ext>
+              <a:ext uri="{28A0092B-C50C-407E-A947-70E740481C1C}">
+                <a14:useLocalDpi xmlns:a14="http://schemas.microsoft.com/office/drawing/2010/main" val="0"/>
+              </a:ext>
+            </a:extLst>
+          </a:blip>
+          <a:stretch>
+            <a:fillRect/>
+          </a:stretch>
+        </p:blipFill>
+        <p:spPr>
+          <a:xfrm>
+            <a:off x="8787003" y="3357563"/>
+            <a:ext cx="647700" cy="66675"/>
+          </a:xfrm>
+          <a:prstGeom prst="rect">
+            <a:avLst/>
+          </a:prstGeom>
+        </p:spPr>
+      </p:pic>
+      <p:pic>
+        <p:nvPicPr>
+          <p:cNvPr id="7" name="Grafik 6"/>
+          <p:cNvPicPr>
+            <a:picLocks noChangeAspect="1"/>
+          </p:cNvPicPr>
+          <p:nvPr/>
+        </p:nvPicPr>
+        <p:blipFill>
+          <a:blip r:embed="rId6">
+            <a:extLst>
+              <a:ext uri="{BEBA8EAE-BF5A-486C-A8C5-ECC9F3942E4B}">
+                <a14:imgProps xmlns:a14="http://schemas.microsoft.com/office/drawing/2010/main">
+                  <a14:imgLayer r:embed="rId7">
+                    <a14:imgEffect>
+                      <a14:brightnessContrast contrast="-100000"/>
+                    </a14:imgEffect>
+                  </a14:imgLayer>
+                </a14:imgProps>
+              </a:ext>
+              <a:ext uri="{28A0092B-C50C-407E-A947-70E740481C1C}">
+                <a14:useLocalDpi xmlns:a14="http://schemas.microsoft.com/office/drawing/2010/main" val="0"/>
+              </a:ext>
+            </a:extLst>
+          </a:blip>
+          <a:stretch>
+            <a:fillRect/>
+          </a:stretch>
+        </p:blipFill>
+        <p:spPr>
+          <a:xfrm>
+            <a:off x="7124891" y="1690688"/>
+            <a:ext cx="4171950" cy="895350"/>
+          </a:xfrm>
+          <a:prstGeom prst="rect">
+            <a:avLst/>
+          </a:prstGeom>
+        </p:spPr>
+      </p:pic>
+      <p:pic>
+        <p:nvPicPr>
+          <p:cNvPr id="8" name="Grafik 7"/>
+          <p:cNvPicPr>
+            <a:picLocks noChangeAspect="1"/>
+          </p:cNvPicPr>
+          <p:nvPr/>
+        </p:nvPicPr>
+        <p:blipFill>
+          <a:blip r:embed="rId8">
+            <a:extLst>
+              <a:ext uri="{BEBA8EAE-BF5A-486C-A8C5-ECC9F3942E4B}">
+                <a14:imgProps xmlns:a14="http://schemas.microsoft.com/office/drawing/2010/main">
+                  <a14:imgLayer r:embed="rId9">
+                    <a14:imgEffect>
+                      <a14:brightnessContrast contrast="-100000"/>
+                    </a14:imgEffect>
+                  </a14:imgLayer>
+                </a14:imgProps>
+              </a:ext>
+              <a:ext uri="{28A0092B-C50C-407E-A947-70E740481C1C}">
+                <a14:useLocalDpi xmlns:a14="http://schemas.microsoft.com/office/drawing/2010/main" val="0"/>
+              </a:ext>
+            </a:extLst>
+          </a:blip>
+          <a:stretch>
+            <a:fillRect/>
+          </a:stretch>
+        </p:blipFill>
+        <p:spPr>
+          <a:xfrm>
+            <a:off x="7201091" y="4195763"/>
+            <a:ext cx="4467225" cy="866775"/>
+          </a:xfrm>
+          <a:prstGeom prst="rect">
+            <a:avLst/>
+          </a:prstGeom>
+        </p:spPr>
+      </p:pic>
+      <p:pic>
+        <p:nvPicPr>
+          <p:cNvPr id="12" name="Inhaltsplatzhalter 5"/>
+          <p:cNvPicPr>
+            <a:picLocks noChangeAspect="1"/>
+          </p:cNvPicPr>
+          <p:nvPr/>
+        </p:nvPicPr>
+        <p:blipFill>
+          <a:blip r:embed="rId10">
+            <a:extLst>
+              <a:ext uri="{28A0092B-C50C-407E-A947-70E740481C1C}">
+                <a14:useLocalDpi xmlns:a14="http://schemas.microsoft.com/office/drawing/2010/main" val="0"/>
+              </a:ext>
+            </a:extLst>
+          </a:blip>
+          <a:stretch>
+            <a:fillRect/>
+          </a:stretch>
+        </p:blipFill>
+        <p:spPr>
+          <a:xfrm>
+            <a:off x="3376230" y="3355819"/>
+            <a:ext cx="647700" cy="66675"/>
+          </a:xfrm>
+          <a:prstGeom prst="rect">
+            <a:avLst/>
+          </a:prstGeom>
+        </p:spPr>
+      </p:pic>
     </p:spTree>
     <p:extLst>
       <p:ext uri="{BB962C8B-B14F-4D97-AF65-F5344CB8AC3E}">
-        <p14:creationId xmlns:p14="http://schemas.microsoft.com/office/powerpoint/2010/main" val="2111302720"/>
+        <p14:creationId xmlns:p14="http://schemas.microsoft.com/office/powerpoint/2010/main" val="1138021922"/>
       </p:ext>
     </p:extLst>
   </p:cSld>
@@ -8912,281 +9092,6 @@
       </p:pic>
       <p:pic>
         <p:nvPicPr>
-          <p:cNvPr id="6" name="Inhaltsplatzhalter 5"/>
-          <p:cNvPicPr>
-            <a:picLocks noChangeAspect="1"/>
-          </p:cNvPicPr>
-          <p:nvPr/>
-        </p:nvPicPr>
-        <p:blipFill>
-          <a:blip r:embed="rId4">
-            <a:extLst>
-              <a:ext uri="{BEBA8EAE-BF5A-486C-A8C5-ECC9F3942E4B}">
-                <a14:imgProps xmlns:a14="http://schemas.microsoft.com/office/drawing/2010/main">
-                  <a14:imgLayer r:embed="rId5">
-                    <a14:imgEffect>
-                      <a14:brightnessContrast contrast="-100000"/>
-                    </a14:imgEffect>
-                  </a14:imgLayer>
-                </a14:imgProps>
-              </a:ext>
-              <a:ext uri="{28A0092B-C50C-407E-A947-70E740481C1C}">
-                <a14:useLocalDpi xmlns:a14="http://schemas.microsoft.com/office/drawing/2010/main" val="0"/>
-              </a:ext>
-            </a:extLst>
-          </a:blip>
-          <a:stretch>
-            <a:fillRect/>
-          </a:stretch>
-        </p:blipFill>
-        <p:spPr>
-          <a:xfrm>
-            <a:off x="8787003" y="3357563"/>
-            <a:ext cx="647700" cy="66675"/>
-          </a:xfrm>
-          <a:prstGeom prst="rect">
-            <a:avLst/>
-          </a:prstGeom>
-        </p:spPr>
-      </p:pic>
-      <p:pic>
-        <p:nvPicPr>
-          <p:cNvPr id="7" name="Grafik 6"/>
-          <p:cNvPicPr>
-            <a:picLocks noChangeAspect="1"/>
-          </p:cNvPicPr>
-          <p:nvPr/>
-        </p:nvPicPr>
-        <p:blipFill>
-          <a:blip r:embed="rId6">
-            <a:extLst>
-              <a:ext uri="{BEBA8EAE-BF5A-486C-A8C5-ECC9F3942E4B}">
-                <a14:imgProps xmlns:a14="http://schemas.microsoft.com/office/drawing/2010/main">
-                  <a14:imgLayer r:embed="rId7">
-                    <a14:imgEffect>
-                      <a14:brightnessContrast contrast="-100000"/>
-                    </a14:imgEffect>
-                  </a14:imgLayer>
-                </a14:imgProps>
-              </a:ext>
-              <a:ext uri="{28A0092B-C50C-407E-A947-70E740481C1C}">
-                <a14:useLocalDpi xmlns:a14="http://schemas.microsoft.com/office/drawing/2010/main" val="0"/>
-              </a:ext>
-            </a:extLst>
-          </a:blip>
-          <a:stretch>
-            <a:fillRect/>
-          </a:stretch>
-        </p:blipFill>
-        <p:spPr>
-          <a:xfrm>
-            <a:off x="7124891" y="1690688"/>
-            <a:ext cx="4171950" cy="895350"/>
-          </a:xfrm>
-          <a:prstGeom prst="rect">
-            <a:avLst/>
-          </a:prstGeom>
-        </p:spPr>
-      </p:pic>
-      <p:pic>
-        <p:nvPicPr>
-          <p:cNvPr id="8" name="Grafik 7"/>
-          <p:cNvPicPr>
-            <a:picLocks noChangeAspect="1"/>
-          </p:cNvPicPr>
-          <p:nvPr/>
-        </p:nvPicPr>
-        <p:blipFill>
-          <a:blip r:embed="rId8">
-            <a:extLst>
-              <a:ext uri="{BEBA8EAE-BF5A-486C-A8C5-ECC9F3942E4B}">
-                <a14:imgProps xmlns:a14="http://schemas.microsoft.com/office/drawing/2010/main">
-                  <a14:imgLayer r:embed="rId9">
-                    <a14:imgEffect>
-                      <a14:brightnessContrast contrast="-100000"/>
-                    </a14:imgEffect>
-                  </a14:imgLayer>
-                </a14:imgProps>
-              </a:ext>
-              <a:ext uri="{28A0092B-C50C-407E-A947-70E740481C1C}">
-                <a14:useLocalDpi xmlns:a14="http://schemas.microsoft.com/office/drawing/2010/main" val="0"/>
-              </a:ext>
-            </a:extLst>
-          </a:blip>
-          <a:stretch>
-            <a:fillRect/>
-          </a:stretch>
-        </p:blipFill>
-        <p:spPr>
-          <a:xfrm>
-            <a:off x="7201091" y="4195763"/>
-            <a:ext cx="4467225" cy="866775"/>
-          </a:xfrm>
-          <a:prstGeom prst="rect">
-            <a:avLst/>
-          </a:prstGeom>
-        </p:spPr>
-      </p:pic>
-      <p:pic>
-        <p:nvPicPr>
-          <p:cNvPr id="12" name="Inhaltsplatzhalter 5"/>
-          <p:cNvPicPr>
-            <a:picLocks noChangeAspect="1"/>
-          </p:cNvPicPr>
-          <p:nvPr/>
-        </p:nvPicPr>
-        <p:blipFill>
-          <a:blip r:embed="rId10">
-            <a:extLst>
-              <a:ext uri="{28A0092B-C50C-407E-A947-70E740481C1C}">
-                <a14:useLocalDpi xmlns:a14="http://schemas.microsoft.com/office/drawing/2010/main" val="0"/>
-              </a:ext>
-            </a:extLst>
-          </a:blip>
-          <a:stretch>
-            <a:fillRect/>
-          </a:stretch>
-        </p:blipFill>
-        <p:spPr>
-          <a:xfrm>
-            <a:off x="3376230" y="3355819"/>
-            <a:ext cx="647700" cy="66675"/>
-          </a:xfrm>
-          <a:prstGeom prst="rect">
-            <a:avLst/>
-          </a:prstGeom>
-        </p:spPr>
-      </p:pic>
-    </p:spTree>
-    <p:extLst>
-      <p:ext uri="{BB962C8B-B14F-4D97-AF65-F5344CB8AC3E}">
-        <p14:creationId xmlns:p14="http://schemas.microsoft.com/office/powerpoint/2010/main" val="1138021922"/>
-      </p:ext>
-    </p:extLst>
-  </p:cSld>
-  <p:clrMapOvr>
-    <a:masterClrMapping/>
-  </p:clrMapOvr>
-  <mc:AlternateContent xmlns:mc="http://schemas.openxmlformats.org/markup-compatibility/2006" xmlns:p14="http://schemas.microsoft.com/office/powerpoint/2010/main">
-    <mc:Choice Requires="p14">
-      <p:transition spd="slow" p14:dur="2000"/>
-    </mc:Choice>
-    <mc:Fallback xmlns="">
-      <p:transition spd="slow"/>
-    </mc:Fallback>
-  </mc:AlternateContent>
-  <p:timing>
-    <p:tnLst>
-      <p:par>
-        <p:cTn id="1" dur="indefinite" restart="never" nodeType="tmRoot"/>
-      </p:par>
-    </p:tnLst>
-  </p:timing>
-</p:sld>
-</file>
-
-<file path=ppt/slides/slide37.xml><?xml version="1.0" encoding="utf-8"?>
-<p:sld xmlns:a="http://schemas.openxmlformats.org/drawingml/2006/main" xmlns:r="http://schemas.openxmlformats.org/officeDocument/2006/relationships" xmlns:p="http://schemas.openxmlformats.org/presentationml/2006/main">
-  <p:cSld>
-    <p:spTree>
-      <p:nvGrpSpPr>
-        <p:cNvPr id="1" name=""/>
-        <p:cNvGrpSpPr/>
-        <p:nvPr/>
-      </p:nvGrpSpPr>
-      <p:grpSpPr>
-        <a:xfrm>
-          <a:off x="0" y="0"/>
-          <a:ext cx="0" cy="0"/>
-          <a:chOff x="0" y="0"/>
-          <a:chExt cx="0" cy="0"/>
-        </a:xfrm>
-      </p:grpSpPr>
-      <p:sp>
-        <p:nvSpPr>
-          <p:cNvPr id="2" name="Titel 1"/>
-          <p:cNvSpPr>
-            <a:spLocks noGrp="1"/>
-          </p:cNvSpPr>
-          <p:nvPr>
-            <p:ph type="title"/>
-          </p:nvPr>
-        </p:nvSpPr>
-        <p:spPr/>
-        <p:txBody>
-          <a:bodyPr/>
-          <a:lstStyle/>
-          <a:p>
-            <a:r>
-              <a:rPr lang="en-GB" dirty="0" smtClean="0"/>
-              <a:t>Compressed Sensing (approx.)</a:t>
-            </a:r>
-            <a:endParaRPr lang="en-GB" dirty="0"/>
-          </a:p>
-        </p:txBody>
-      </p:sp>
-      <p:pic>
-        <p:nvPicPr>
-          <p:cNvPr id="9" name="Inhaltsplatzhalter 6"/>
-          <p:cNvPicPr>
-            <a:picLocks noChangeAspect="1"/>
-          </p:cNvPicPr>
-          <p:nvPr/>
-        </p:nvPicPr>
-        <p:blipFill>
-          <a:blip r:embed="rId2">
-            <a:extLst>
-              <a:ext uri="{28A0092B-C50C-407E-A947-70E740481C1C}">
-                <a14:useLocalDpi xmlns:a14="http://schemas.microsoft.com/office/drawing/2010/main" val="0"/>
-              </a:ext>
-            </a:extLst>
-          </a:blip>
-          <a:stretch>
-            <a:fillRect/>
-          </a:stretch>
-        </p:blipFill>
-        <p:spPr>
-          <a:xfrm>
-            <a:off x="1218818" y="1573736"/>
-            <a:ext cx="4962525" cy="904875"/>
-          </a:xfrm>
-          <a:prstGeom prst="rect">
-            <a:avLst/>
-          </a:prstGeom>
-        </p:spPr>
-      </p:pic>
-      <p:pic>
-        <p:nvPicPr>
-          <p:cNvPr id="11" name="Grafik 10"/>
-          <p:cNvPicPr>
-            <a:picLocks noChangeAspect="1"/>
-          </p:cNvPicPr>
-          <p:nvPr/>
-        </p:nvPicPr>
-        <p:blipFill>
-          <a:blip r:embed="rId3">
-            <a:extLst>
-              <a:ext uri="{28A0092B-C50C-407E-A947-70E740481C1C}">
-                <a14:useLocalDpi xmlns:a14="http://schemas.microsoft.com/office/drawing/2010/main" val="0"/>
-              </a:ext>
-            </a:extLst>
-          </a:blip>
-          <a:stretch>
-            <a:fillRect/>
-          </a:stretch>
-        </p:blipFill>
-        <p:spPr>
-          <a:xfrm>
-            <a:off x="1218818" y="4299703"/>
-            <a:ext cx="4467225" cy="866775"/>
-          </a:xfrm>
-          <a:prstGeom prst="rect">
-            <a:avLst/>
-          </a:prstGeom>
-        </p:spPr>
-      </p:pic>
-      <p:pic>
-        <p:nvPicPr>
           <p:cNvPr id="7" name="Grafik 6"/>
           <p:cNvPicPr>
             <a:picLocks noChangeAspect="1"/>
@@ -9323,7 +9228,7 @@
 </p:sld>
 </file>
 
-<file path=ppt/slides/slide38.xml><?xml version="1.0" encoding="utf-8"?>
+<file path=ppt/slides/slide37.xml><?xml version="1.0" encoding="utf-8"?>
 <p:sld xmlns:a="http://schemas.openxmlformats.org/drawingml/2006/main" xmlns:r="http://schemas.openxmlformats.org/officeDocument/2006/relationships" xmlns:p="http://schemas.openxmlformats.org/presentationml/2006/main">
   <p:cSld>
     <p:spTree>

--- a/pp8.pptx
+++ b/pp8.pptx
@@ -14,33 +14,33 @@
     <p:sldId id="339" r:id="rId5"/>
     <p:sldId id="353" r:id="rId6"/>
     <p:sldId id="357" r:id="rId7"/>
-    <p:sldId id="358" r:id="rId8"/>
-    <p:sldId id="299" r:id="rId9"/>
-    <p:sldId id="297" r:id="rId10"/>
-    <p:sldId id="302" r:id="rId11"/>
-    <p:sldId id="322" r:id="rId12"/>
-    <p:sldId id="338" r:id="rId13"/>
-    <p:sldId id="340" r:id="rId14"/>
-    <p:sldId id="311" r:id="rId15"/>
-    <p:sldId id="341" r:id="rId16"/>
-    <p:sldId id="277" r:id="rId17"/>
-    <p:sldId id="305" r:id="rId18"/>
-    <p:sldId id="278" r:id="rId19"/>
-    <p:sldId id="344" r:id="rId20"/>
-    <p:sldId id="343" r:id="rId21"/>
-    <p:sldId id="279" r:id="rId22"/>
-    <p:sldId id="362" r:id="rId23"/>
-    <p:sldId id="360" r:id="rId24"/>
-    <p:sldId id="355" r:id="rId25"/>
-    <p:sldId id="327" r:id="rId26"/>
-    <p:sldId id="361" r:id="rId27"/>
-    <p:sldId id="281" r:id="rId28"/>
-    <p:sldId id="326" r:id="rId29"/>
-    <p:sldId id="283" r:id="rId30"/>
-    <p:sldId id="284" r:id="rId31"/>
-    <p:sldId id="324" r:id="rId32"/>
-    <p:sldId id="276" r:id="rId33"/>
-    <p:sldId id="306" r:id="rId34"/>
+    <p:sldId id="322" r:id="rId8"/>
+    <p:sldId id="338" r:id="rId9"/>
+    <p:sldId id="340" r:id="rId10"/>
+    <p:sldId id="311" r:id="rId11"/>
+    <p:sldId id="341" r:id="rId12"/>
+    <p:sldId id="277" r:id="rId13"/>
+    <p:sldId id="305" r:id="rId14"/>
+    <p:sldId id="278" r:id="rId15"/>
+    <p:sldId id="344" r:id="rId16"/>
+    <p:sldId id="279" r:id="rId17"/>
+    <p:sldId id="362" r:id="rId18"/>
+    <p:sldId id="360" r:id="rId19"/>
+    <p:sldId id="355" r:id="rId20"/>
+    <p:sldId id="327" r:id="rId21"/>
+    <p:sldId id="361" r:id="rId22"/>
+    <p:sldId id="281" r:id="rId23"/>
+    <p:sldId id="326" r:id="rId24"/>
+    <p:sldId id="363" r:id="rId25"/>
+    <p:sldId id="283" r:id="rId26"/>
+    <p:sldId id="284" r:id="rId27"/>
+    <p:sldId id="324" r:id="rId28"/>
+    <p:sldId id="276" r:id="rId29"/>
+    <p:sldId id="306" r:id="rId30"/>
+    <p:sldId id="358" r:id="rId31"/>
+    <p:sldId id="299" r:id="rId32"/>
+    <p:sldId id="297" r:id="rId33"/>
+    <p:sldId id="302" r:id="rId34"/>
     <p:sldId id="290" r:id="rId35"/>
     <p:sldId id="294" r:id="rId36"/>
     <p:sldId id="296" r:id="rId37"/>
@@ -146,32 +146,35 @@
   <p:extLst>
     <p:ext uri="{521415D9-36F7-43E2-AB2F-B90AF26B5E84}">
       <p14:sectionLst xmlns:p14="http://schemas.microsoft.com/office/powerpoint/2010/main">
-        <p14:section name="Standardabschnitt" id="{951BC0A2-7394-4EED-8E92-08B80B40ECC7}">
+        <p14:section name="intro" id="{951BC0A2-7394-4EED-8E92-08B80B40ECC7}">
           <p14:sldIdLst>
             <p14:sldId id="259"/>
             <p14:sldId id="285"/>
             <p14:sldId id="264"/>
             <p14:sldId id="339"/>
+          </p14:sldIdLst>
+        </p14:section>
+        <p14:section name="state of the art" id="{6C37F9F6-CD46-4B5F-93D8-208EAB05AC49}">
+          <p14:sldIdLst>
             <p14:sldId id="353"/>
             <p14:sldId id="357"/>
-            <p14:sldId id="358"/>
-            <p14:sldId id="299"/>
-            <p14:sldId id="297"/>
-            <p14:sldId id="302"/>
-            <p14:sldId id="322"/>
           </p14:sldIdLst>
         </p14:section>
         <p14:section name="solution" id="{B1AE1B11-EB4C-463A-84FE-3586096A7B61}">
           <p14:sldIdLst>
+            <p14:sldId id="322"/>
             <p14:sldId id="338"/>
             <p14:sldId id="340"/>
             <p14:sldId id="311"/>
             <p14:sldId id="341"/>
+          </p14:sldIdLst>
+        </p14:section>
+        <p14:section name="data" id="{B77BA50F-27A9-4B5D-9F67-E37BCD14D625}">
+          <p14:sldIdLst>
             <p14:sldId id="277"/>
             <p14:sldId id="305"/>
             <p14:sldId id="278"/>
             <p14:sldId id="344"/>
-            <p14:sldId id="343"/>
             <p14:sldId id="279"/>
             <p14:sldId id="362"/>
             <p14:sldId id="360"/>
@@ -184,6 +187,7 @@
             <p14:sldId id="361"/>
             <p14:sldId id="281"/>
             <p14:sldId id="326"/>
+            <p14:sldId id="363"/>
           </p14:sldIdLst>
         </p14:section>
         <p14:section name="Anhang" id="{7B6C4666-9541-415C-AFAA-195DBCE20305}">
@@ -193,6 +197,10 @@
             <p14:sldId id="324"/>
             <p14:sldId id="276"/>
             <p14:sldId id="306"/>
+            <p14:sldId id="358"/>
+            <p14:sldId id="299"/>
+            <p14:sldId id="297"/>
+            <p14:sldId id="302"/>
             <p14:sldId id="290"/>
             <p14:sldId id="294"/>
             <p14:sldId id="296"/>
@@ -3830,7 +3838,4302 @@
 </file>
 
 <file path=ppt/slides/slide10.xml><?xml version="1.0" encoding="utf-8"?>
+<p:sld xmlns:a="http://schemas.openxmlformats.org/drawingml/2006/main" xmlns:r="http://schemas.openxmlformats.org/officeDocument/2006/relationships" xmlns:p="http://schemas.openxmlformats.org/presentationml/2006/main">
+  <p:cSld>
+    <p:spTree>
+      <p:nvGrpSpPr>
+        <p:cNvPr id="1" name=""/>
+        <p:cNvGrpSpPr/>
+        <p:nvPr/>
+      </p:nvGrpSpPr>
+      <p:grpSpPr>
+        <a:xfrm>
+          <a:off x="0" y="0"/>
+          <a:ext cx="0" cy="0"/>
+          <a:chOff x="0" y="0"/>
+          <a:chExt cx="0" cy="0"/>
+        </a:xfrm>
+      </p:grpSpPr>
+      <p:sp>
+        <p:nvSpPr>
+          <p:cNvPr id="2" name="Titel 1"/>
+          <p:cNvSpPr>
+            <a:spLocks noGrp="1"/>
+          </p:cNvSpPr>
+          <p:nvPr>
+            <p:ph type="title"/>
+          </p:nvPr>
+        </p:nvSpPr>
+        <p:spPr/>
+        <p:txBody>
+          <a:bodyPr/>
+          <a:lstStyle/>
+          <a:p>
+            <a:r>
+              <a:rPr lang="en-GB" dirty="0"/>
+              <a:t>Coordinate Descent</a:t>
+            </a:r>
+          </a:p>
+        </p:txBody>
+      </p:sp>
+      <p:pic>
+        <p:nvPicPr>
+          <p:cNvPr id="5" name="Inhaltsplatzhalter 4"/>
+          <p:cNvPicPr>
+            <a:picLocks noChangeAspect="1"/>
+          </p:cNvPicPr>
+          <p:nvPr/>
+        </p:nvPicPr>
+        <p:blipFill>
+          <a:blip r:embed="rId2">
+            <a:extLst>
+              <a:ext uri="{28A0092B-C50C-407E-A947-70E740481C1C}">
+                <a14:useLocalDpi xmlns:a14="http://schemas.microsoft.com/office/drawing/2010/main" val="0"/>
+              </a:ext>
+            </a:extLst>
+          </a:blip>
+          <a:stretch>
+            <a:fillRect/>
+          </a:stretch>
+        </p:blipFill>
+        <p:spPr>
+          <a:xfrm>
+            <a:off x="838200" y="1817016"/>
+            <a:ext cx="8629650" cy="1047750"/>
+          </a:xfrm>
+          <a:prstGeom prst="rect">
+            <a:avLst/>
+          </a:prstGeom>
+        </p:spPr>
+      </p:pic>
+      <p:sp>
+        <p:nvSpPr>
+          <p:cNvPr id="7" name="Textfeld 6"/>
+          <p:cNvSpPr txBox="1"/>
+          <p:nvPr/>
+        </p:nvSpPr>
+        <p:spPr>
+          <a:xfrm>
+            <a:off x="5396642" y="2925183"/>
+            <a:ext cx="1560043" cy="415498"/>
+          </a:xfrm>
+          <a:prstGeom prst="rect">
+            <a:avLst/>
+          </a:prstGeom>
+          <a:noFill/>
+        </p:spPr>
+        <p:txBody>
+          <a:bodyPr wrap="none" rtlCol="0">
+            <a:spAutoFit/>
+          </a:bodyPr>
+          <a:lstStyle/>
+          <a:p>
+            <a:r>
+              <a:rPr lang="en-GB" dirty="0" smtClean="0"/>
+              <a:t>Dirty Image</a:t>
+            </a:r>
+            <a:endParaRPr lang="en-GB" dirty="0"/>
+          </a:p>
+        </p:txBody>
+      </p:sp>
+      <p:pic>
+        <p:nvPicPr>
+          <p:cNvPr id="11" name="Inhaltsplatzhalter 10"/>
+          <p:cNvPicPr>
+            <a:picLocks noGrp="1" noChangeAspect="1"/>
+          </p:cNvPicPr>
+          <p:nvPr>
+            <p:ph idx="1"/>
+          </p:nvPr>
+        </p:nvPicPr>
+        <p:blipFill>
+          <a:blip r:embed="rId3" cstate="print">
+            <a:extLst>
+              <a:ext uri="{28A0092B-C50C-407E-A947-70E740481C1C}">
+                <a14:useLocalDpi xmlns:a14="http://schemas.microsoft.com/office/drawing/2010/main" val="0"/>
+              </a:ext>
+            </a:extLst>
+          </a:blip>
+          <a:stretch>
+            <a:fillRect/>
+          </a:stretch>
+        </p:blipFill>
+        <p:spPr>
+          <a:xfrm>
+            <a:off x="4537148" y="3383514"/>
+            <a:ext cx="3117703" cy="3111071"/>
+          </a:xfrm>
+        </p:spPr>
+      </p:pic>
+    </p:spTree>
+    <p:extLst>
+      <p:ext uri="{BB962C8B-B14F-4D97-AF65-F5344CB8AC3E}">
+        <p14:creationId xmlns:p14="http://schemas.microsoft.com/office/powerpoint/2010/main" val="1892083147"/>
+      </p:ext>
+    </p:extLst>
+  </p:cSld>
+  <p:clrMapOvr>
+    <a:masterClrMapping/>
+  </p:clrMapOvr>
+  <p:timing>
+    <p:tnLst>
+      <p:par>
+        <p:cTn id="1" dur="indefinite" restart="never" nodeType="tmRoot"/>
+      </p:par>
+    </p:tnLst>
+  </p:timing>
+</p:sld>
+</file>
+
+<file path=ppt/slides/slide11.xml><?xml version="1.0" encoding="utf-8"?>
 <p:sld xmlns:a="http://schemas.openxmlformats.org/drawingml/2006/main" xmlns:r="http://schemas.openxmlformats.org/officeDocument/2006/relationships" xmlns:p="http://schemas.openxmlformats.org/presentationml/2006/main" show="0">
+  <p:cSld>
+    <p:spTree>
+      <p:nvGrpSpPr>
+        <p:cNvPr id="1" name=""/>
+        <p:cNvGrpSpPr/>
+        <p:nvPr/>
+      </p:nvGrpSpPr>
+      <p:grpSpPr>
+        <a:xfrm>
+          <a:off x="0" y="0"/>
+          <a:ext cx="0" cy="0"/>
+          <a:chOff x="0" y="0"/>
+          <a:chExt cx="0" cy="0"/>
+        </a:xfrm>
+      </p:grpSpPr>
+      <p:sp>
+        <p:nvSpPr>
+          <p:cNvPr id="2" name="Titel 1"/>
+          <p:cNvSpPr>
+            <a:spLocks noGrp="1"/>
+          </p:cNvSpPr>
+          <p:nvPr>
+            <p:ph type="title"/>
+          </p:nvPr>
+        </p:nvSpPr>
+        <p:spPr/>
+        <p:txBody>
+          <a:bodyPr/>
+          <a:lstStyle/>
+          <a:p>
+            <a:r>
+              <a:rPr lang="en-GB" dirty="0"/>
+              <a:t>Coordinate </a:t>
+            </a:r>
+            <a:r>
+              <a:rPr lang="en-GB" dirty="0" smtClean="0"/>
+              <a:t>Descent + Starlets</a:t>
+            </a:r>
+            <a:endParaRPr lang="en-GB" dirty="0"/>
+          </a:p>
+        </p:txBody>
+      </p:sp>
+      <p:pic>
+        <p:nvPicPr>
+          <p:cNvPr id="4" name="Inhaltsplatzhalter 3"/>
+          <p:cNvPicPr>
+            <a:picLocks noGrp="1" noChangeAspect="1"/>
+          </p:cNvPicPr>
+          <p:nvPr>
+            <p:ph idx="1"/>
+          </p:nvPr>
+        </p:nvPicPr>
+        <p:blipFill>
+          <a:blip r:embed="rId2">
+            <a:extLst>
+              <a:ext uri="{28A0092B-C50C-407E-A947-70E740481C1C}">
+                <a14:useLocalDpi xmlns:a14="http://schemas.microsoft.com/office/drawing/2010/main" val="0"/>
+              </a:ext>
+            </a:extLst>
+          </a:blip>
+          <a:stretch>
+            <a:fillRect/>
+          </a:stretch>
+        </p:blipFill>
+        <p:spPr>
+          <a:xfrm>
+            <a:off x="853699" y="4880948"/>
+            <a:ext cx="2133600" cy="447675"/>
+          </a:xfrm>
+        </p:spPr>
+      </p:pic>
+      <p:pic>
+        <p:nvPicPr>
+          <p:cNvPr id="5" name="Inhaltsplatzhalter 4"/>
+          <p:cNvPicPr>
+            <a:picLocks noChangeAspect="1"/>
+          </p:cNvPicPr>
+          <p:nvPr/>
+        </p:nvPicPr>
+        <p:blipFill>
+          <a:blip r:embed="rId3">
+            <a:extLst>
+              <a:ext uri="{28A0092B-C50C-407E-A947-70E740481C1C}">
+                <a14:useLocalDpi xmlns:a14="http://schemas.microsoft.com/office/drawing/2010/main" val="0"/>
+              </a:ext>
+            </a:extLst>
+          </a:blip>
+          <a:stretch>
+            <a:fillRect/>
+          </a:stretch>
+        </p:blipFill>
+        <p:spPr>
+          <a:xfrm>
+            <a:off x="838200" y="1834600"/>
+            <a:ext cx="8629650" cy="1047750"/>
+          </a:xfrm>
+          <a:prstGeom prst="rect">
+            <a:avLst/>
+          </a:prstGeom>
+        </p:spPr>
+      </p:pic>
+      <p:pic>
+        <p:nvPicPr>
+          <p:cNvPr id="9" name="Grafik 8"/>
+          <p:cNvPicPr>
+            <a:picLocks noChangeAspect="1"/>
+          </p:cNvPicPr>
+          <p:nvPr/>
+        </p:nvPicPr>
+        <p:blipFill>
+          <a:blip r:embed="rId4">
+            <a:extLst>
+              <a:ext uri="{28A0092B-C50C-407E-A947-70E740481C1C}">
+                <a14:useLocalDpi xmlns:a14="http://schemas.microsoft.com/office/drawing/2010/main" val="0"/>
+              </a:ext>
+            </a:extLst>
+          </a:blip>
+          <a:stretch>
+            <a:fillRect/>
+          </a:stretch>
+        </p:blipFill>
+        <p:spPr>
+          <a:xfrm>
+            <a:off x="4443090" y="4680923"/>
+            <a:ext cx="2809875" cy="647700"/>
+          </a:xfrm>
+          <a:prstGeom prst="rect">
+            <a:avLst/>
+          </a:prstGeom>
+        </p:spPr>
+      </p:pic>
+      <p:pic>
+        <p:nvPicPr>
+          <p:cNvPr id="11" name="Grafik 10"/>
+          <p:cNvPicPr>
+            <a:picLocks noChangeAspect="1"/>
+          </p:cNvPicPr>
+          <p:nvPr/>
+        </p:nvPicPr>
+        <p:blipFill>
+          <a:blip r:embed="rId5">
+            <a:extLst>
+              <a:ext uri="{28A0092B-C50C-407E-A947-70E740481C1C}">
+                <a14:useLocalDpi xmlns:a14="http://schemas.microsoft.com/office/drawing/2010/main" val="0"/>
+              </a:ext>
+            </a:extLst>
+          </a:blip>
+          <a:stretch>
+            <a:fillRect/>
+          </a:stretch>
+        </p:blipFill>
+        <p:spPr>
+          <a:xfrm>
+            <a:off x="838200" y="2882350"/>
+            <a:ext cx="9344025" cy="1362075"/>
+          </a:xfrm>
+          <a:prstGeom prst="rect">
+            <a:avLst/>
+          </a:prstGeom>
+        </p:spPr>
+      </p:pic>
+    </p:spTree>
+    <p:extLst>
+      <p:ext uri="{BB962C8B-B14F-4D97-AF65-F5344CB8AC3E}">
+        <p14:creationId xmlns:p14="http://schemas.microsoft.com/office/powerpoint/2010/main" val="522208804"/>
+      </p:ext>
+    </p:extLst>
+  </p:cSld>
+  <p:clrMapOvr>
+    <a:masterClrMapping/>
+  </p:clrMapOvr>
+  <mc:AlternateContent xmlns:mc="http://schemas.openxmlformats.org/markup-compatibility/2006">
+    <mc:Choice xmlns:p14="http://schemas.microsoft.com/office/powerpoint/2010/main" Requires="p14">
+      <p:transition spd="slow" p14:dur="2000"/>
+    </mc:Choice>
+    <mc:Fallback>
+      <p:transition spd="slow"/>
+    </mc:Fallback>
+  </mc:AlternateContent>
+  <p:timing>
+    <p:tnLst>
+      <p:par>
+        <p:cTn id="1" dur="indefinite" restart="never" nodeType="tmRoot"/>
+      </p:par>
+    </p:tnLst>
+  </p:timing>
+</p:sld>
+</file>
+
+<file path=ppt/slides/slide12.xml><?xml version="1.0" encoding="utf-8"?>
+<p:sld xmlns:a="http://schemas.openxmlformats.org/drawingml/2006/main" xmlns:r="http://schemas.openxmlformats.org/officeDocument/2006/relationships" xmlns:p="http://schemas.openxmlformats.org/presentationml/2006/main">
+  <p:cSld>
+    <p:spTree>
+      <p:nvGrpSpPr>
+        <p:cNvPr id="1" name=""/>
+        <p:cNvGrpSpPr/>
+        <p:nvPr/>
+      </p:nvGrpSpPr>
+      <p:grpSpPr>
+        <a:xfrm>
+          <a:off x="0" y="0"/>
+          <a:ext cx="0" cy="0"/>
+          <a:chOff x="0" y="0"/>
+          <a:chExt cx="0" cy="0"/>
+        </a:xfrm>
+      </p:grpSpPr>
+      <p:pic>
+        <p:nvPicPr>
+          <p:cNvPr id="4" name="Inhaltsplatzhalter 3"/>
+          <p:cNvPicPr>
+            <a:picLocks noGrp="1" noChangeAspect="1"/>
+          </p:cNvPicPr>
+          <p:nvPr>
+            <p:ph idx="1"/>
+          </p:nvPr>
+        </p:nvPicPr>
+        <p:blipFill>
+          <a:blip r:embed="rId2" cstate="print">
+            <a:extLst>
+              <a:ext uri="{28A0092B-C50C-407E-A947-70E740481C1C}">
+                <a14:useLocalDpi xmlns:a14="http://schemas.microsoft.com/office/drawing/2010/main" val="0"/>
+              </a:ext>
+            </a:extLst>
+          </a:blip>
+          <a:stretch>
+            <a:fillRect/>
+          </a:stretch>
+        </p:blipFill>
+        <p:spPr>
+          <a:xfrm>
+            <a:off x="2763494" y="628593"/>
+            <a:ext cx="6665012" cy="6665012"/>
+          </a:xfrm>
+        </p:spPr>
+      </p:pic>
+      <p:sp>
+        <p:nvSpPr>
+          <p:cNvPr id="2" name="Titel 1"/>
+          <p:cNvSpPr>
+            <a:spLocks noGrp="1"/>
+          </p:cNvSpPr>
+          <p:nvPr>
+            <p:ph type="title"/>
+          </p:nvPr>
+        </p:nvSpPr>
+        <p:spPr/>
+        <p:txBody>
+          <a:bodyPr/>
+          <a:lstStyle/>
+          <a:p>
+            <a:r>
+              <a:rPr lang="en-GB" dirty="0" smtClean="0"/>
+              <a:t>Test on simulated data</a:t>
+            </a:r>
+            <a:endParaRPr lang="en-GB" dirty="0"/>
+          </a:p>
+        </p:txBody>
+      </p:sp>
+    </p:spTree>
+    <p:extLst>
+      <p:ext uri="{BB962C8B-B14F-4D97-AF65-F5344CB8AC3E}">
+        <p14:creationId xmlns:p14="http://schemas.microsoft.com/office/powerpoint/2010/main" val="4065287532"/>
+      </p:ext>
+    </p:extLst>
+  </p:cSld>
+  <p:clrMapOvr>
+    <a:masterClrMapping/>
+  </p:clrMapOvr>
+  <p:timing>
+    <p:tnLst>
+      <p:par>
+        <p:cTn id="1" dur="indefinite" restart="never" nodeType="tmRoot"/>
+      </p:par>
+    </p:tnLst>
+  </p:timing>
+</p:sld>
+</file>
+
+<file path=ppt/slides/slide13.xml><?xml version="1.0" encoding="utf-8"?>
+<p:sld xmlns:a="http://schemas.openxmlformats.org/drawingml/2006/main" xmlns:r="http://schemas.openxmlformats.org/officeDocument/2006/relationships" xmlns:p="http://schemas.openxmlformats.org/presentationml/2006/main">
+  <p:cSld>
+    <p:spTree>
+      <p:nvGrpSpPr>
+        <p:cNvPr id="1" name=""/>
+        <p:cNvGrpSpPr/>
+        <p:nvPr/>
+      </p:nvGrpSpPr>
+      <p:grpSpPr>
+        <a:xfrm>
+          <a:off x="0" y="0"/>
+          <a:ext cx="0" cy="0"/>
+          <a:chOff x="0" y="0"/>
+          <a:chExt cx="0" cy="0"/>
+        </a:xfrm>
+      </p:grpSpPr>
+      <p:sp>
+        <p:nvSpPr>
+          <p:cNvPr id="2" name="Titel 1"/>
+          <p:cNvSpPr>
+            <a:spLocks noGrp="1"/>
+          </p:cNvSpPr>
+          <p:nvPr>
+            <p:ph type="title"/>
+          </p:nvPr>
+        </p:nvSpPr>
+        <p:spPr/>
+        <p:txBody>
+          <a:bodyPr/>
+          <a:lstStyle/>
+          <a:p>
+            <a:r>
+              <a:rPr lang="en-GB" dirty="0"/>
+              <a:t>Test on simulated data</a:t>
+            </a:r>
+          </a:p>
+        </p:txBody>
+      </p:sp>
+      <p:pic>
+        <p:nvPicPr>
+          <p:cNvPr id="5" name="Grafik 4"/>
+          <p:cNvPicPr>
+            <a:picLocks noChangeAspect="1"/>
+          </p:cNvPicPr>
+          <p:nvPr/>
+        </p:nvPicPr>
+        <p:blipFill>
+          <a:blip r:embed="rId2" cstate="print">
+            <a:extLst>
+              <a:ext uri="{28A0092B-C50C-407E-A947-70E740481C1C}">
+                <a14:useLocalDpi xmlns:a14="http://schemas.microsoft.com/office/drawing/2010/main" val="0"/>
+              </a:ext>
+            </a:extLst>
+          </a:blip>
+          <a:stretch>
+            <a:fillRect/>
+          </a:stretch>
+        </p:blipFill>
+        <p:spPr>
+          <a:xfrm>
+            <a:off x="503339" y="1329543"/>
+            <a:ext cx="5425294" cy="5425294"/>
+          </a:xfrm>
+          <a:prstGeom prst="rect">
+            <a:avLst/>
+          </a:prstGeom>
+        </p:spPr>
+      </p:pic>
+      <p:pic>
+        <p:nvPicPr>
+          <p:cNvPr id="6" name="Grafik 5"/>
+          <p:cNvPicPr>
+            <a:picLocks noChangeAspect="1"/>
+          </p:cNvPicPr>
+          <p:nvPr/>
+        </p:nvPicPr>
+        <p:blipFill>
+          <a:blip r:embed="rId3" cstate="print">
+            <a:extLst>
+              <a:ext uri="{28A0092B-C50C-407E-A947-70E740481C1C}">
+                <a14:useLocalDpi xmlns:a14="http://schemas.microsoft.com/office/drawing/2010/main" val="0"/>
+              </a:ext>
+            </a:extLst>
+          </a:blip>
+          <a:stretch>
+            <a:fillRect/>
+          </a:stretch>
+        </p:blipFill>
+        <p:spPr>
+          <a:xfrm>
+            <a:off x="5928633" y="1329670"/>
+            <a:ext cx="5425167" cy="5425167"/>
+          </a:xfrm>
+          <a:prstGeom prst="rect">
+            <a:avLst/>
+          </a:prstGeom>
+        </p:spPr>
+      </p:pic>
+      <p:sp>
+        <p:nvSpPr>
+          <p:cNvPr id="3" name="Textfeld 2"/>
+          <p:cNvSpPr txBox="1"/>
+          <p:nvPr/>
+        </p:nvSpPr>
+        <p:spPr>
+          <a:xfrm>
+            <a:off x="2418267" y="1506022"/>
+            <a:ext cx="797719" cy="369332"/>
+          </a:xfrm>
+          <a:prstGeom prst="rect">
+            <a:avLst/>
+          </a:prstGeom>
+          <a:noFill/>
+        </p:spPr>
+        <p:txBody>
+          <a:bodyPr wrap="none" rtlCol="0">
+            <a:spAutoFit/>
+          </a:bodyPr>
+          <a:lstStyle/>
+          <a:p>
+            <a:r>
+              <a:rPr lang="en-GB" dirty="0" smtClean="0"/>
+              <a:t>CLEAN</a:t>
+            </a:r>
+            <a:endParaRPr lang="en-GB" dirty="0"/>
+          </a:p>
+        </p:txBody>
+      </p:sp>
+      <p:sp>
+        <p:nvSpPr>
+          <p:cNvPr id="7" name="Textfeld 6"/>
+          <p:cNvSpPr txBox="1"/>
+          <p:nvPr/>
+        </p:nvSpPr>
+        <p:spPr>
+          <a:xfrm>
+            <a:off x="7508700" y="1497280"/>
+            <a:ext cx="2034275" cy="369332"/>
+          </a:xfrm>
+          <a:prstGeom prst="rect">
+            <a:avLst/>
+          </a:prstGeom>
+          <a:noFill/>
+        </p:spPr>
+        <p:txBody>
+          <a:bodyPr wrap="none" rtlCol="0">
+            <a:spAutoFit/>
+          </a:bodyPr>
+          <a:lstStyle/>
+          <a:p>
+            <a:r>
+              <a:rPr lang="en-GB" dirty="0" smtClean="0"/>
+              <a:t>Coordinate Descent</a:t>
+            </a:r>
+            <a:endParaRPr lang="en-GB" dirty="0"/>
+          </a:p>
+        </p:txBody>
+      </p:sp>
+      <p:sp>
+        <p:nvSpPr>
+          <p:cNvPr id="4" name="Textfeld 3"/>
+          <p:cNvSpPr txBox="1"/>
+          <p:nvPr/>
+        </p:nvSpPr>
+        <p:spPr>
+          <a:xfrm rot="16200000">
+            <a:off x="10932085" y="3888301"/>
+            <a:ext cx="1151208" cy="307777"/>
+          </a:xfrm>
+          <a:prstGeom prst="rect">
+            <a:avLst/>
+          </a:prstGeom>
+          <a:noFill/>
+        </p:spPr>
+        <p:txBody>
+          <a:bodyPr wrap="square" rtlCol="0">
+            <a:spAutoFit/>
+          </a:bodyPr>
+          <a:lstStyle/>
+          <a:p>
+            <a:r>
+              <a:rPr lang="en-GB" sz="1400" dirty="0" err="1" smtClean="0"/>
+              <a:t>Jansky</a:t>
+            </a:r>
+            <a:r>
+              <a:rPr lang="en-GB" sz="1400" dirty="0" smtClean="0"/>
+              <a:t>/Beam</a:t>
+            </a:r>
+            <a:endParaRPr lang="en-GB" dirty="0"/>
+          </a:p>
+        </p:txBody>
+      </p:sp>
+    </p:spTree>
+    <p:extLst>
+      <p:ext uri="{BB962C8B-B14F-4D97-AF65-F5344CB8AC3E}">
+        <p14:creationId xmlns:p14="http://schemas.microsoft.com/office/powerpoint/2010/main" val="98619472"/>
+      </p:ext>
+    </p:extLst>
+  </p:cSld>
+  <p:clrMapOvr>
+    <a:masterClrMapping/>
+  </p:clrMapOvr>
+  <p:timing>
+    <p:tnLst>
+      <p:par>
+        <p:cTn id="1" dur="indefinite" restart="never" nodeType="tmRoot"/>
+      </p:par>
+    </p:tnLst>
+  </p:timing>
+</p:sld>
+</file>
+
+<file path=ppt/slides/slide14.xml><?xml version="1.0" encoding="utf-8"?>
+<p:sld xmlns:a="http://schemas.openxmlformats.org/drawingml/2006/main" xmlns:r="http://schemas.openxmlformats.org/officeDocument/2006/relationships" xmlns:p="http://schemas.openxmlformats.org/presentationml/2006/main">
+  <p:cSld>
+    <p:spTree>
+      <p:nvGrpSpPr>
+        <p:cNvPr id="1" name=""/>
+        <p:cNvGrpSpPr/>
+        <p:nvPr/>
+      </p:nvGrpSpPr>
+      <p:grpSpPr>
+        <a:xfrm>
+          <a:off x="0" y="0"/>
+          <a:ext cx="0" cy="0"/>
+          <a:chOff x="0" y="0"/>
+          <a:chExt cx="0" cy="0"/>
+        </a:xfrm>
+      </p:grpSpPr>
+      <p:sp>
+        <p:nvSpPr>
+          <p:cNvPr id="2" name="Titel 1"/>
+          <p:cNvSpPr>
+            <a:spLocks noGrp="1"/>
+          </p:cNvSpPr>
+          <p:nvPr>
+            <p:ph type="title"/>
+          </p:nvPr>
+        </p:nvSpPr>
+        <p:spPr/>
+        <p:txBody>
+          <a:bodyPr/>
+          <a:lstStyle/>
+          <a:p>
+            <a:r>
+              <a:rPr lang="en-GB" dirty="0"/>
+              <a:t>Test on simulated data</a:t>
+            </a:r>
+          </a:p>
+        </p:txBody>
+      </p:sp>
+      <p:pic>
+        <p:nvPicPr>
+          <p:cNvPr id="4" name="Inhaltsplatzhalter 3"/>
+          <p:cNvPicPr>
+            <a:picLocks noGrp="1" noChangeAspect="1"/>
+          </p:cNvPicPr>
+          <p:nvPr>
+            <p:ph idx="1"/>
+          </p:nvPr>
+        </p:nvPicPr>
+        <p:blipFill>
+          <a:blip r:embed="rId2" cstate="print">
+            <a:extLst>
+              <a:ext uri="{28A0092B-C50C-407E-A947-70E740481C1C}">
+                <a14:useLocalDpi xmlns:a14="http://schemas.microsoft.com/office/drawing/2010/main" val="0"/>
+              </a:ext>
+            </a:extLst>
+          </a:blip>
+          <a:stretch>
+            <a:fillRect/>
+          </a:stretch>
+        </p:blipFill>
+        <p:spPr>
+          <a:xfrm>
+            <a:off x="604434" y="1428579"/>
+            <a:ext cx="10600841" cy="5300419"/>
+          </a:xfrm>
+        </p:spPr>
+      </p:pic>
+      <p:pic>
+        <p:nvPicPr>
+          <p:cNvPr id="6" name="Inhaltsplatzhalter 3"/>
+          <p:cNvPicPr>
+            <a:picLocks noChangeAspect="1"/>
+          </p:cNvPicPr>
+          <p:nvPr/>
+        </p:nvPicPr>
+        <p:blipFill rotWithShape="1">
+          <a:blip r:embed="rId3" cstate="print">
+            <a:extLst>
+              <a:ext uri="{28A0092B-C50C-407E-A947-70E740481C1C}">
+                <a14:useLocalDpi xmlns:a14="http://schemas.microsoft.com/office/drawing/2010/main" val="0"/>
+              </a:ext>
+            </a:extLst>
+          </a:blip>
+          <a:srcRect l="9520" t="12232" r="19004" b="16761"/>
+          <a:stretch/>
+        </p:blipFill>
+        <p:spPr>
+          <a:xfrm>
+            <a:off x="9179084" y="0"/>
+            <a:ext cx="3012916" cy="2993180"/>
+          </a:xfrm>
+          <a:prstGeom prst="rect">
+            <a:avLst/>
+          </a:prstGeom>
+        </p:spPr>
+      </p:pic>
+    </p:spTree>
+    <p:extLst>
+      <p:ext uri="{BB962C8B-B14F-4D97-AF65-F5344CB8AC3E}">
+        <p14:creationId xmlns:p14="http://schemas.microsoft.com/office/powerpoint/2010/main" val="2006460899"/>
+      </p:ext>
+    </p:extLst>
+  </p:cSld>
+  <p:clrMapOvr>
+    <a:masterClrMapping/>
+  </p:clrMapOvr>
+  <p:timing>
+    <p:tnLst>
+      <p:par>
+        <p:cTn id="1" dur="indefinite" restart="never" nodeType="tmRoot"/>
+      </p:par>
+    </p:tnLst>
+  </p:timing>
+</p:sld>
+</file>
+
+<file path=ppt/slides/slide15.xml><?xml version="1.0" encoding="utf-8"?>
+<p:sld xmlns:a="http://schemas.openxmlformats.org/drawingml/2006/main" xmlns:r="http://schemas.openxmlformats.org/officeDocument/2006/relationships" xmlns:p="http://schemas.openxmlformats.org/presentationml/2006/main">
+  <p:cSld>
+    <p:spTree>
+      <p:nvGrpSpPr>
+        <p:cNvPr id="1" name=""/>
+        <p:cNvGrpSpPr/>
+        <p:nvPr/>
+      </p:nvGrpSpPr>
+      <p:grpSpPr>
+        <a:xfrm>
+          <a:off x="0" y="0"/>
+          <a:ext cx="0" cy="0"/>
+          <a:chOff x="0" y="0"/>
+          <a:chExt cx="0" cy="0"/>
+        </a:xfrm>
+      </p:grpSpPr>
+      <p:sp>
+        <p:nvSpPr>
+          <p:cNvPr id="8" name="Rechteck 7"/>
+          <p:cNvSpPr/>
+          <p:nvPr/>
+        </p:nvSpPr>
+        <p:spPr>
+          <a:xfrm>
+            <a:off x="6096000" y="1861026"/>
+            <a:ext cx="506278" cy="834231"/>
+          </a:xfrm>
+          <a:prstGeom prst="rect">
+            <a:avLst/>
+          </a:prstGeom>
+          <a:solidFill>
+            <a:schemeClr val="accent2">
+              <a:lumMod val="75000"/>
+            </a:schemeClr>
+          </a:solidFill>
+        </p:spPr>
+        <p:style>
+          <a:lnRef idx="2">
+            <a:schemeClr val="accent1">
+              <a:shade val="50000"/>
+            </a:schemeClr>
+          </a:lnRef>
+          <a:fillRef idx="1">
+            <a:schemeClr val="accent1"/>
+          </a:fillRef>
+          <a:effectRef idx="0">
+            <a:schemeClr val="accent1"/>
+          </a:effectRef>
+          <a:fontRef idx="minor">
+            <a:schemeClr val="lt1"/>
+          </a:fontRef>
+        </p:style>
+        <p:txBody>
+          <a:bodyPr rtlCol="0" anchor="ctr"/>
+          <a:lstStyle/>
+          <a:p>
+            <a:pPr algn="ctr"/>
+            <a:endParaRPr lang="en-GB"/>
+          </a:p>
+        </p:txBody>
+      </p:sp>
+      <p:sp>
+        <p:nvSpPr>
+          <p:cNvPr id="3" name="Inhaltsplatzhalter 2"/>
+          <p:cNvSpPr>
+            <a:spLocks noGrp="1"/>
+          </p:cNvSpPr>
+          <p:nvPr>
+            <p:ph idx="1"/>
+          </p:nvPr>
+        </p:nvSpPr>
+        <p:spPr/>
+        <p:txBody>
+          <a:bodyPr/>
+          <a:lstStyle/>
+          <a:p>
+            <a:endParaRPr lang="en-GB" dirty="0"/>
+          </a:p>
+        </p:txBody>
+      </p:sp>
+      <p:sp>
+        <p:nvSpPr>
+          <p:cNvPr id="2" name="Titel 1"/>
+          <p:cNvSpPr>
+            <a:spLocks noGrp="1"/>
+          </p:cNvSpPr>
+          <p:nvPr>
+            <p:ph type="title"/>
+          </p:nvPr>
+        </p:nvSpPr>
+        <p:spPr/>
+        <p:txBody>
+          <a:bodyPr/>
+          <a:lstStyle/>
+          <a:p>
+            <a:r>
+              <a:rPr lang="en-GB" dirty="0"/>
+              <a:t>Test on simulated data</a:t>
+            </a:r>
+          </a:p>
+        </p:txBody>
+      </p:sp>
+      <p:sp>
+        <p:nvSpPr>
+          <p:cNvPr id="11" name="Textfeld 10"/>
+          <p:cNvSpPr txBox="1"/>
+          <p:nvPr/>
+        </p:nvSpPr>
+        <p:spPr>
+          <a:xfrm>
+            <a:off x="3918906" y="3555979"/>
+            <a:ext cx="3823483" cy="1446550"/>
+          </a:xfrm>
+          <a:prstGeom prst="rect">
+            <a:avLst/>
+          </a:prstGeom>
+          <a:noFill/>
+        </p:spPr>
+        <p:txBody>
+          <a:bodyPr wrap="none" rtlCol="0">
+            <a:spAutoFit/>
+          </a:bodyPr>
+          <a:lstStyle/>
+          <a:p>
+            <a:pPr algn="ctr"/>
+            <a:r>
+              <a:rPr lang="en-GB" sz="4400" dirty="0" smtClean="0"/>
+              <a:t>3300/1’100’000</a:t>
+            </a:r>
+            <a:endParaRPr lang="en-GB" sz="4400" dirty="0" smtClean="0"/>
+          </a:p>
+          <a:p>
+            <a:pPr algn="ctr"/>
+            <a:r>
+              <a:rPr lang="en-GB" sz="4400" dirty="0" smtClean="0"/>
+              <a:t>~0.3%</a:t>
+            </a:r>
+            <a:endParaRPr lang="en-GB" sz="4400" dirty="0"/>
+          </a:p>
+        </p:txBody>
+      </p:sp>
+      <p:cxnSp>
+        <p:nvCxnSpPr>
+          <p:cNvPr id="12" name="Gerade Verbindung mit Pfeil 11"/>
+          <p:cNvCxnSpPr/>
+          <p:nvPr/>
+        </p:nvCxnSpPr>
+        <p:spPr>
+          <a:xfrm flipH="1">
+            <a:off x="6333641" y="2731394"/>
+            <a:ext cx="15498" cy="839087"/>
+          </a:xfrm>
+          <a:prstGeom prst="straightConnector1">
+            <a:avLst/>
+          </a:prstGeom>
+          <a:ln w="85725">
+            <a:solidFill>
+              <a:schemeClr val="tx1"/>
+            </a:solidFill>
+            <a:tailEnd type="triangle"/>
+          </a:ln>
+        </p:spPr>
+        <p:style>
+          <a:lnRef idx="1">
+            <a:schemeClr val="accent1"/>
+          </a:lnRef>
+          <a:fillRef idx="0">
+            <a:schemeClr val="accent1"/>
+          </a:fillRef>
+          <a:effectRef idx="0">
+            <a:schemeClr val="accent1"/>
+          </a:effectRef>
+          <a:fontRef idx="minor">
+            <a:schemeClr val="tx1"/>
+          </a:fontRef>
+        </p:style>
+      </p:cxnSp>
+      <p:pic>
+        <p:nvPicPr>
+          <p:cNvPr id="9" name="Grafik 8"/>
+          <p:cNvPicPr>
+            <a:picLocks noChangeAspect="1"/>
+          </p:cNvPicPr>
+          <p:nvPr/>
+        </p:nvPicPr>
+        <p:blipFill>
+          <a:blip r:embed="rId2">
+            <a:extLst>
+              <a:ext uri="{28A0092B-C50C-407E-A947-70E740481C1C}">
+                <a14:useLocalDpi xmlns:a14="http://schemas.microsoft.com/office/drawing/2010/main" val="0"/>
+              </a:ext>
+            </a:extLst>
+          </a:blip>
+          <a:stretch>
+            <a:fillRect/>
+          </a:stretch>
+        </p:blipFill>
+        <p:spPr>
+          <a:xfrm>
+            <a:off x="838200" y="1607472"/>
+            <a:ext cx="9344025" cy="1362075"/>
+          </a:xfrm>
+          <a:prstGeom prst="rect">
+            <a:avLst/>
+          </a:prstGeom>
+        </p:spPr>
+      </p:pic>
+      <p:cxnSp>
+        <p:nvCxnSpPr>
+          <p:cNvPr id="13" name="Gerade Verbindung mit Pfeil 12"/>
+          <p:cNvCxnSpPr/>
+          <p:nvPr/>
+        </p:nvCxnSpPr>
+        <p:spPr>
+          <a:xfrm flipH="1">
+            <a:off x="9404890" y="2658716"/>
+            <a:ext cx="15498" cy="839087"/>
+          </a:xfrm>
+          <a:prstGeom prst="straightConnector1">
+            <a:avLst/>
+          </a:prstGeom>
+          <a:ln w="85725">
+            <a:solidFill>
+              <a:schemeClr val="tx1"/>
+            </a:solidFill>
+            <a:tailEnd type="triangle"/>
+          </a:ln>
+        </p:spPr>
+        <p:style>
+          <a:lnRef idx="1">
+            <a:schemeClr val="accent1"/>
+          </a:lnRef>
+          <a:fillRef idx="0">
+            <a:schemeClr val="accent1"/>
+          </a:fillRef>
+          <a:effectRef idx="0">
+            <a:schemeClr val="accent1"/>
+          </a:effectRef>
+          <a:fontRef idx="minor">
+            <a:schemeClr val="tx1"/>
+          </a:fontRef>
+        </p:style>
+      </p:cxnSp>
+      <p:sp>
+        <p:nvSpPr>
+          <p:cNvPr id="14" name="Textfeld 13"/>
+          <p:cNvSpPr txBox="1"/>
+          <p:nvPr/>
+        </p:nvSpPr>
+        <p:spPr>
+          <a:xfrm>
+            <a:off x="8609667" y="3421719"/>
+            <a:ext cx="1321196" cy="769441"/>
+          </a:xfrm>
+          <a:prstGeom prst="rect">
+            <a:avLst/>
+          </a:prstGeom>
+          <a:noFill/>
+        </p:spPr>
+        <p:txBody>
+          <a:bodyPr wrap="none" rtlCol="0">
+            <a:spAutoFit/>
+          </a:bodyPr>
+          <a:lstStyle/>
+          <a:p>
+            <a:pPr algn="ctr"/>
+            <a:r>
+              <a:rPr lang="en-GB" sz="4400" dirty="0" smtClean="0"/>
+              <a:t>~250</a:t>
+            </a:r>
+            <a:endParaRPr lang="en-GB" sz="4400" dirty="0"/>
+          </a:p>
+        </p:txBody>
+      </p:sp>
+    </p:spTree>
+    <p:extLst>
+      <p:ext uri="{BB962C8B-B14F-4D97-AF65-F5344CB8AC3E}">
+        <p14:creationId xmlns:p14="http://schemas.microsoft.com/office/powerpoint/2010/main" val="3073166351"/>
+      </p:ext>
+    </p:extLst>
+  </p:cSld>
+  <p:clrMapOvr>
+    <a:masterClrMapping/>
+  </p:clrMapOvr>
+  <p:timing>
+    <p:tnLst>
+      <p:par>
+        <p:cTn id="1" dur="indefinite" restart="never" nodeType="tmRoot"/>
+      </p:par>
+    </p:tnLst>
+  </p:timing>
+</p:sld>
+</file>
+
+<file path=ppt/slides/slide16.xml><?xml version="1.0" encoding="utf-8"?>
+<p:sld xmlns:a="http://schemas.openxmlformats.org/drawingml/2006/main" xmlns:r="http://schemas.openxmlformats.org/officeDocument/2006/relationships" xmlns:p="http://schemas.openxmlformats.org/presentationml/2006/main">
+  <p:cSld>
+    <p:spTree>
+      <p:nvGrpSpPr>
+        <p:cNvPr id="1" name=""/>
+        <p:cNvGrpSpPr/>
+        <p:nvPr/>
+      </p:nvGrpSpPr>
+      <p:grpSpPr>
+        <a:xfrm>
+          <a:off x="0" y="0"/>
+          <a:ext cx="0" cy="0"/>
+          <a:chOff x="0" y="0"/>
+          <a:chExt cx="0" cy="0"/>
+        </a:xfrm>
+      </p:grpSpPr>
+      <p:pic>
+        <p:nvPicPr>
+          <p:cNvPr id="3" name="Inhaltsplatzhalter 4"/>
+          <p:cNvPicPr>
+            <a:picLocks noGrp="1" noChangeAspect="1"/>
+          </p:cNvPicPr>
+          <p:nvPr>
+            <p:ph idx="1"/>
+          </p:nvPr>
+        </p:nvPicPr>
+        <p:blipFill>
+          <a:blip r:embed="rId2" cstate="print">
+            <a:extLst>
+              <a:ext uri="{28A0092B-C50C-407E-A947-70E740481C1C}">
+                <a14:useLocalDpi xmlns:a14="http://schemas.microsoft.com/office/drawing/2010/main" val="0"/>
+              </a:ext>
+            </a:extLst>
+          </a:blip>
+          <a:stretch>
+            <a:fillRect/>
+          </a:stretch>
+        </p:blipFill>
+        <p:spPr>
+          <a:xfrm>
+            <a:off x="2757188" y="808971"/>
+            <a:ext cx="6433307" cy="6433307"/>
+          </a:xfrm>
+        </p:spPr>
+      </p:pic>
+      <p:sp>
+        <p:nvSpPr>
+          <p:cNvPr id="2" name="Titel 1"/>
+          <p:cNvSpPr>
+            <a:spLocks noGrp="1"/>
+          </p:cNvSpPr>
+          <p:nvPr>
+            <p:ph type="title"/>
+          </p:nvPr>
+        </p:nvSpPr>
+        <p:spPr/>
+        <p:txBody>
+          <a:bodyPr/>
+          <a:lstStyle/>
+          <a:p>
+            <a:r>
+              <a:rPr lang="en-GB" dirty="0" smtClean="0"/>
+              <a:t>Coordinate Descent for MeerKAT?</a:t>
+            </a:r>
+            <a:endParaRPr lang="en-GB" dirty="0"/>
+          </a:p>
+        </p:txBody>
+      </p:sp>
+    </p:spTree>
+    <p:extLst>
+      <p:ext uri="{BB962C8B-B14F-4D97-AF65-F5344CB8AC3E}">
+        <p14:creationId xmlns:p14="http://schemas.microsoft.com/office/powerpoint/2010/main" val="2851100580"/>
+      </p:ext>
+    </p:extLst>
+  </p:cSld>
+  <p:clrMapOvr>
+    <a:masterClrMapping/>
+  </p:clrMapOvr>
+  <p:timing>
+    <p:tnLst>
+      <p:par>
+        <p:cTn id="1" dur="indefinite" restart="never" nodeType="tmRoot"/>
+      </p:par>
+    </p:tnLst>
+  </p:timing>
+</p:sld>
+</file>
+
+<file path=ppt/slides/slide17.xml><?xml version="1.0" encoding="utf-8"?>
+<p:sld xmlns:a="http://schemas.openxmlformats.org/drawingml/2006/main" xmlns:r="http://schemas.openxmlformats.org/officeDocument/2006/relationships" xmlns:p="http://schemas.openxmlformats.org/presentationml/2006/main">
+  <p:cSld>
+    <p:spTree>
+      <p:nvGrpSpPr>
+        <p:cNvPr id="1" name=""/>
+        <p:cNvGrpSpPr/>
+        <p:nvPr/>
+      </p:nvGrpSpPr>
+      <p:grpSpPr>
+        <a:xfrm>
+          <a:off x="0" y="0"/>
+          <a:ext cx="0" cy="0"/>
+          <a:chOff x="0" y="0"/>
+          <a:chExt cx="0" cy="0"/>
+        </a:xfrm>
+      </p:grpSpPr>
+      <p:sp>
+        <p:nvSpPr>
+          <p:cNvPr id="2" name="Titel 1"/>
+          <p:cNvSpPr>
+            <a:spLocks noGrp="1"/>
+          </p:cNvSpPr>
+          <p:nvPr>
+            <p:ph type="title"/>
+          </p:nvPr>
+        </p:nvSpPr>
+        <p:spPr/>
+        <p:txBody>
+          <a:bodyPr/>
+          <a:lstStyle/>
+          <a:p>
+            <a:r>
+              <a:rPr lang="en-GB" dirty="0"/>
+              <a:t>Coordinate Descent for MeerKAT?</a:t>
+            </a:r>
+          </a:p>
+        </p:txBody>
+      </p:sp>
+      <p:sp>
+        <p:nvSpPr>
+          <p:cNvPr id="3" name="Inhaltsplatzhalter 2"/>
+          <p:cNvSpPr>
+            <a:spLocks noGrp="1"/>
+          </p:cNvSpPr>
+          <p:nvPr>
+            <p:ph idx="1"/>
+          </p:nvPr>
+        </p:nvSpPr>
+        <p:spPr/>
+        <p:txBody>
+          <a:bodyPr/>
+          <a:lstStyle/>
+          <a:p>
+            <a:r>
+              <a:rPr lang="en-GB" dirty="0" smtClean="0"/>
+              <a:t>“small” Dataset 88gb</a:t>
+            </a:r>
+          </a:p>
+          <a:p>
+            <a:r>
+              <a:rPr lang="en-GB" dirty="0" smtClean="0"/>
+              <a:t>4000 Million Visibilities</a:t>
+            </a:r>
+          </a:p>
+          <a:p>
+            <a:r>
+              <a:rPr lang="en-GB" dirty="0" smtClean="0"/>
+              <a:t>60 Million Pixels</a:t>
+            </a:r>
+          </a:p>
+          <a:p>
+            <a:endParaRPr lang="en-GB" dirty="0"/>
+          </a:p>
+        </p:txBody>
+      </p:sp>
+    </p:spTree>
+    <p:extLst>
+      <p:ext uri="{BB962C8B-B14F-4D97-AF65-F5344CB8AC3E}">
+        <p14:creationId xmlns:p14="http://schemas.microsoft.com/office/powerpoint/2010/main" val="2777220465"/>
+      </p:ext>
+    </p:extLst>
+  </p:cSld>
+  <p:clrMapOvr>
+    <a:masterClrMapping/>
+  </p:clrMapOvr>
+  <p:timing>
+    <p:tnLst>
+      <p:par>
+        <p:cTn id="1" dur="indefinite" restart="never" nodeType="tmRoot"/>
+      </p:par>
+    </p:tnLst>
+  </p:timing>
+</p:sld>
+</file>
+
+<file path=ppt/slides/slide18.xml><?xml version="1.0" encoding="utf-8"?>
+<p:sld xmlns:a="http://schemas.openxmlformats.org/drawingml/2006/main" xmlns:r="http://schemas.openxmlformats.org/officeDocument/2006/relationships" xmlns:p="http://schemas.openxmlformats.org/presentationml/2006/main">
+  <p:cSld>
+    <p:spTree>
+      <p:nvGrpSpPr>
+        <p:cNvPr id="1" name=""/>
+        <p:cNvGrpSpPr/>
+        <p:nvPr/>
+      </p:nvGrpSpPr>
+      <p:grpSpPr>
+        <a:xfrm>
+          <a:off x="0" y="0"/>
+          <a:ext cx="0" cy="0"/>
+          <a:chOff x="0" y="0"/>
+          <a:chExt cx="0" cy="0"/>
+        </a:xfrm>
+      </p:grpSpPr>
+      <p:sp>
+        <p:nvSpPr>
+          <p:cNvPr id="20" name="Rechteck 19"/>
+          <p:cNvSpPr/>
+          <p:nvPr/>
+        </p:nvSpPr>
+        <p:spPr>
+          <a:xfrm>
+            <a:off x="8829662" y="2650210"/>
+            <a:ext cx="529389" cy="684349"/>
+          </a:xfrm>
+          <a:prstGeom prst="rect">
+            <a:avLst/>
+          </a:prstGeom>
+          <a:solidFill>
+            <a:schemeClr val="accent2">
+              <a:lumMod val="75000"/>
+            </a:schemeClr>
+          </a:solidFill>
+        </p:spPr>
+        <p:style>
+          <a:lnRef idx="2">
+            <a:schemeClr val="accent1">
+              <a:shade val="50000"/>
+            </a:schemeClr>
+          </a:lnRef>
+          <a:fillRef idx="1">
+            <a:schemeClr val="accent1"/>
+          </a:fillRef>
+          <a:effectRef idx="0">
+            <a:schemeClr val="accent1"/>
+          </a:effectRef>
+          <a:fontRef idx="minor">
+            <a:schemeClr val="lt1"/>
+          </a:fontRef>
+        </p:style>
+        <p:txBody>
+          <a:bodyPr rtlCol="0" anchor="ctr"/>
+          <a:lstStyle/>
+          <a:p>
+            <a:pPr algn="ctr"/>
+            <a:endParaRPr lang="en-GB"/>
+          </a:p>
+        </p:txBody>
+      </p:sp>
+      <p:sp>
+        <p:nvSpPr>
+          <p:cNvPr id="2" name="Titel 1"/>
+          <p:cNvSpPr>
+            <a:spLocks noGrp="1"/>
+          </p:cNvSpPr>
+          <p:nvPr>
+            <p:ph type="title"/>
+          </p:nvPr>
+        </p:nvSpPr>
+        <p:spPr/>
+        <p:txBody>
+          <a:bodyPr/>
+          <a:lstStyle/>
+          <a:p>
+            <a:r>
+              <a:rPr lang="en-GB" dirty="0"/>
+              <a:t>Coordinate Descent for MeerKAT?</a:t>
+            </a:r>
+          </a:p>
+        </p:txBody>
+      </p:sp>
+      <p:pic>
+        <p:nvPicPr>
+          <p:cNvPr id="17" name="Grafik 16"/>
+          <p:cNvPicPr>
+            <a:picLocks noChangeAspect="1"/>
+          </p:cNvPicPr>
+          <p:nvPr/>
+        </p:nvPicPr>
+        <p:blipFill>
+          <a:blip r:embed="rId2">
+            <a:extLst>
+              <a:ext uri="{28A0092B-C50C-407E-A947-70E740481C1C}">
+                <a14:useLocalDpi xmlns:a14="http://schemas.microsoft.com/office/drawing/2010/main" val="0"/>
+              </a:ext>
+            </a:extLst>
+          </a:blip>
+          <a:stretch>
+            <a:fillRect/>
+          </a:stretch>
+        </p:blipFill>
+        <p:spPr>
+          <a:xfrm>
+            <a:off x="8046204" y="2734041"/>
+            <a:ext cx="2543175" cy="457200"/>
+          </a:xfrm>
+          <a:prstGeom prst="rect">
+            <a:avLst/>
+          </a:prstGeom>
+        </p:spPr>
+      </p:pic>
+      <p:sp>
+        <p:nvSpPr>
+          <p:cNvPr id="11" name="Inhaltsplatzhalter 2"/>
+          <p:cNvSpPr>
+            <a:spLocks noGrp="1"/>
+          </p:cNvSpPr>
+          <p:nvPr>
+            <p:ph idx="1"/>
+          </p:nvPr>
+        </p:nvSpPr>
+        <p:spPr>
+          <a:xfrm>
+            <a:off x="838200" y="1825625"/>
+            <a:ext cx="5977676" cy="4351338"/>
+          </a:xfrm>
+        </p:spPr>
+        <p:txBody>
+          <a:bodyPr>
+            <a:normAutofit lnSpcReduction="10000"/>
+          </a:bodyPr>
+          <a:lstStyle/>
+          <a:p>
+            <a:endParaRPr lang="en-GB" dirty="0" smtClean="0"/>
+          </a:p>
+          <a:p>
+            <a:endParaRPr lang="en-GB" dirty="0"/>
+          </a:p>
+          <a:p>
+            <a:endParaRPr lang="en-GB" dirty="0" smtClean="0"/>
+          </a:p>
+          <a:p>
+            <a:endParaRPr lang="en-GB" dirty="0"/>
+          </a:p>
+          <a:p>
+            <a:endParaRPr lang="en-GB" dirty="0" smtClean="0"/>
+          </a:p>
+          <a:p>
+            <a:endParaRPr lang="en-GB" dirty="0" smtClean="0"/>
+          </a:p>
+          <a:p>
+            <a:endParaRPr lang="en-GB" dirty="0"/>
+          </a:p>
+          <a:p>
+            <a:r>
+              <a:rPr lang="en-GB" dirty="0" smtClean="0"/>
+              <a:t>4000 Million Visibilities </a:t>
+            </a:r>
+            <a:r>
+              <a:rPr lang="en-GB" dirty="0" smtClean="0">
+                <a:sym typeface="Wingdings" panose="05000000000000000000" pitchFamily="2" charset="2"/>
+              </a:rPr>
+              <a:t> </a:t>
+            </a:r>
+            <a:r>
+              <a:rPr lang="en-GB" b="1" dirty="0" smtClean="0">
+                <a:sym typeface="Wingdings" panose="05000000000000000000" pitchFamily="2" charset="2"/>
+              </a:rPr>
+              <a:t>M	</a:t>
+            </a:r>
+            <a:endParaRPr lang="en-GB" b="1" dirty="0">
+              <a:sym typeface="Wingdings" panose="05000000000000000000" pitchFamily="2" charset="2"/>
+            </a:endParaRPr>
+          </a:p>
+          <a:p>
+            <a:r>
+              <a:rPr lang="en-GB" dirty="0" smtClean="0"/>
+              <a:t>60 Million Pixels </a:t>
+            </a:r>
+            <a:r>
+              <a:rPr lang="en-GB" dirty="0" smtClean="0">
+                <a:sym typeface="Wingdings" panose="05000000000000000000" pitchFamily="2" charset="2"/>
+              </a:rPr>
+              <a:t> </a:t>
+            </a:r>
+            <a:r>
+              <a:rPr lang="en-GB" b="1" dirty="0" smtClean="0">
+                <a:sym typeface="Wingdings" panose="05000000000000000000" pitchFamily="2" charset="2"/>
+              </a:rPr>
+              <a:t>N</a:t>
+            </a:r>
+          </a:p>
+        </p:txBody>
+      </p:sp>
+      <p:sp>
+        <p:nvSpPr>
+          <p:cNvPr id="12" name="Rechteck 11"/>
+          <p:cNvSpPr/>
+          <p:nvPr/>
+        </p:nvSpPr>
+        <p:spPr>
+          <a:xfrm>
+            <a:off x="7224267" y="5096580"/>
+            <a:ext cx="4269567" cy="480131"/>
+          </a:xfrm>
+          <a:prstGeom prst="rect">
+            <a:avLst/>
+          </a:prstGeom>
+        </p:spPr>
+        <p:txBody>
+          <a:bodyPr wrap="none">
+            <a:spAutoFit/>
+          </a:bodyPr>
+          <a:lstStyle/>
+          <a:p>
+            <a:pPr marL="228600" indent="-228600">
+              <a:lnSpc>
+                <a:spcPct val="90000"/>
+              </a:lnSpc>
+              <a:spcBef>
+                <a:spcPts val="1000"/>
+              </a:spcBef>
+              <a:buFont typeface="Arial" panose="020B0604020202020204" pitchFamily="34" charset="0"/>
+              <a:buChar char="•"/>
+            </a:pPr>
+            <a:r>
+              <a:rPr lang="en-GB" sz="2800" dirty="0">
+                <a:sym typeface="Wingdings" panose="05000000000000000000" pitchFamily="2" charset="2"/>
+              </a:rPr>
+              <a:t>250+ non-zero entries  s</a:t>
+            </a:r>
+            <a:endParaRPr lang="en-GB" sz="2800" dirty="0"/>
+          </a:p>
+        </p:txBody>
+      </p:sp>
+      <p:pic>
+        <p:nvPicPr>
+          <p:cNvPr id="13" name="Grafik 12"/>
+          <p:cNvPicPr>
+            <a:picLocks noChangeAspect="1"/>
+          </p:cNvPicPr>
+          <p:nvPr/>
+        </p:nvPicPr>
+        <p:blipFill>
+          <a:blip r:embed="rId3">
+            <a:extLst>
+              <a:ext uri="{28A0092B-C50C-407E-A947-70E740481C1C}">
+                <a14:useLocalDpi xmlns:a14="http://schemas.microsoft.com/office/drawing/2010/main" val="0"/>
+              </a:ext>
+            </a:extLst>
+          </a:blip>
+          <a:stretch>
+            <a:fillRect/>
+          </a:stretch>
+        </p:blipFill>
+        <p:spPr>
+          <a:xfrm>
+            <a:off x="3613637" y="1938532"/>
+            <a:ext cx="457200" cy="581134"/>
+          </a:xfrm>
+          <a:prstGeom prst="rect">
+            <a:avLst/>
+          </a:prstGeom>
+        </p:spPr>
+      </p:pic>
+      <p:pic>
+        <p:nvPicPr>
+          <p:cNvPr id="14" name="Grafik 13"/>
+          <p:cNvPicPr>
+            <a:picLocks noChangeAspect="1"/>
+          </p:cNvPicPr>
+          <p:nvPr/>
+        </p:nvPicPr>
+        <p:blipFill>
+          <a:blip r:embed="rId4">
+            <a:extLst>
+              <a:ext uri="{28A0092B-C50C-407E-A947-70E740481C1C}">
+                <a14:useLocalDpi xmlns:a14="http://schemas.microsoft.com/office/drawing/2010/main" val="0"/>
+              </a:ext>
+            </a:extLst>
+          </a:blip>
+          <a:stretch>
+            <a:fillRect/>
+          </a:stretch>
+        </p:blipFill>
+        <p:spPr>
+          <a:xfrm>
+            <a:off x="3445014" y="3769412"/>
+            <a:ext cx="1038479" cy="638175"/>
+          </a:xfrm>
+          <a:prstGeom prst="rect">
+            <a:avLst/>
+          </a:prstGeom>
+        </p:spPr>
+      </p:pic>
+      <p:sp>
+        <p:nvSpPr>
+          <p:cNvPr id="15" name="Freihandform 14"/>
+          <p:cNvSpPr/>
+          <p:nvPr/>
+        </p:nvSpPr>
+        <p:spPr>
+          <a:xfrm>
+            <a:off x="2611314" y="3174205"/>
+            <a:ext cx="2461847" cy="500733"/>
+          </a:xfrm>
+          <a:custGeom>
+            <a:avLst/>
+            <a:gdLst>
+              <a:gd name="connsiteX0" fmla="*/ 0 w 3909848"/>
+              <a:gd name="connsiteY0" fmla="*/ 15766 h 1103596"/>
+              <a:gd name="connsiteX1" fmla="*/ 1718441 w 3909848"/>
+              <a:gd name="connsiteY1" fmla="*/ 1103587 h 1103596"/>
+              <a:gd name="connsiteX2" fmla="*/ 3909848 w 3909848"/>
+              <a:gd name="connsiteY2" fmla="*/ 0 h 1103596"/>
+            </a:gdLst>
+            <a:ahLst/>
+            <a:cxnLst>
+              <a:cxn ang="0">
+                <a:pos x="connsiteX0" y="connsiteY0"/>
+              </a:cxn>
+              <a:cxn ang="0">
+                <a:pos x="connsiteX1" y="connsiteY1"/>
+              </a:cxn>
+              <a:cxn ang="0">
+                <a:pos x="connsiteX2" y="connsiteY2"/>
+              </a:cxn>
+            </a:cxnLst>
+            <a:rect l="l" t="t" r="r" b="b"/>
+            <a:pathLst>
+              <a:path w="3909848" h="1103596">
+                <a:moveTo>
+                  <a:pt x="0" y="15766"/>
+                </a:moveTo>
+                <a:cubicBezTo>
+                  <a:pt x="533400" y="560990"/>
+                  <a:pt x="1066800" y="1106215"/>
+                  <a:pt x="1718441" y="1103587"/>
+                </a:cubicBezTo>
+                <a:cubicBezTo>
+                  <a:pt x="2370082" y="1100959"/>
+                  <a:pt x="3536731" y="155028"/>
+                  <a:pt x="3909848" y="0"/>
+                </a:cubicBezTo>
+              </a:path>
+            </a:pathLst>
+          </a:custGeom>
+          <a:noFill/>
+          <a:ln w="63500">
+            <a:solidFill>
+              <a:schemeClr val="accent2">
+                <a:lumMod val="75000"/>
+              </a:schemeClr>
+            </a:solidFill>
+            <a:tailEnd type="triangle"/>
+          </a:ln>
+        </p:spPr>
+        <p:style>
+          <a:lnRef idx="2">
+            <a:schemeClr val="accent1">
+              <a:shade val="50000"/>
+            </a:schemeClr>
+          </a:lnRef>
+          <a:fillRef idx="1">
+            <a:schemeClr val="accent1"/>
+          </a:fillRef>
+          <a:effectRef idx="0">
+            <a:schemeClr val="accent1"/>
+          </a:effectRef>
+          <a:fontRef idx="minor">
+            <a:schemeClr val="lt1"/>
+          </a:fontRef>
+        </p:style>
+        <p:txBody>
+          <a:bodyPr rtlCol="0" anchor="ctr"/>
+          <a:lstStyle/>
+          <a:p>
+            <a:pPr algn="ctr"/>
+            <a:endParaRPr lang="en-GB"/>
+          </a:p>
+        </p:txBody>
+      </p:sp>
+      <p:sp>
+        <p:nvSpPr>
+          <p:cNvPr id="16" name="Freihandform 15"/>
+          <p:cNvSpPr/>
+          <p:nvPr/>
+        </p:nvSpPr>
+        <p:spPr>
+          <a:xfrm>
+            <a:off x="2611314" y="2654001"/>
+            <a:ext cx="2461847" cy="439079"/>
+          </a:xfrm>
+          <a:custGeom>
+            <a:avLst/>
+            <a:gdLst>
+              <a:gd name="connsiteX0" fmla="*/ 3799490 w 3799490"/>
+              <a:gd name="connsiteY0" fmla="*/ 1056685 h 1056685"/>
+              <a:gd name="connsiteX1" fmla="*/ 1781503 w 3799490"/>
+              <a:gd name="connsiteY1" fmla="*/ 395 h 1056685"/>
+              <a:gd name="connsiteX2" fmla="*/ 0 w 3799490"/>
+              <a:gd name="connsiteY2" fmla="*/ 930561 h 1056685"/>
+            </a:gdLst>
+            <a:ahLst/>
+            <a:cxnLst>
+              <a:cxn ang="0">
+                <a:pos x="connsiteX0" y="connsiteY0"/>
+              </a:cxn>
+              <a:cxn ang="0">
+                <a:pos x="connsiteX1" y="connsiteY1"/>
+              </a:cxn>
+              <a:cxn ang="0">
+                <a:pos x="connsiteX2" y="connsiteY2"/>
+              </a:cxn>
+            </a:cxnLst>
+            <a:rect l="l" t="t" r="r" b="b"/>
+            <a:pathLst>
+              <a:path w="3799490" h="1056685">
+                <a:moveTo>
+                  <a:pt x="3799490" y="1056685"/>
+                </a:moveTo>
+                <a:cubicBezTo>
+                  <a:pt x="3107120" y="539050"/>
+                  <a:pt x="2414751" y="21416"/>
+                  <a:pt x="1781503" y="395"/>
+                </a:cubicBezTo>
+                <a:cubicBezTo>
+                  <a:pt x="1148255" y="-20626"/>
+                  <a:pt x="236483" y="801809"/>
+                  <a:pt x="0" y="930561"/>
+                </a:cubicBezTo>
+              </a:path>
+            </a:pathLst>
+          </a:custGeom>
+          <a:noFill/>
+          <a:ln w="63500">
+            <a:solidFill>
+              <a:schemeClr val="accent2">
+                <a:lumMod val="75000"/>
+              </a:schemeClr>
+            </a:solidFill>
+            <a:tailEnd type="triangle"/>
+          </a:ln>
+        </p:spPr>
+        <p:style>
+          <a:lnRef idx="2">
+            <a:schemeClr val="accent1">
+              <a:shade val="50000"/>
+            </a:schemeClr>
+          </a:lnRef>
+          <a:fillRef idx="1">
+            <a:schemeClr val="accent1"/>
+          </a:fillRef>
+          <a:effectRef idx="0">
+            <a:schemeClr val="accent1"/>
+          </a:effectRef>
+          <a:fontRef idx="minor">
+            <a:schemeClr val="lt1"/>
+          </a:fontRef>
+        </p:style>
+        <p:txBody>
+          <a:bodyPr rtlCol="0" anchor="ctr"/>
+          <a:lstStyle/>
+          <a:p>
+            <a:pPr algn="ctr"/>
+            <a:endParaRPr lang="en-GB"/>
+          </a:p>
+        </p:txBody>
+      </p:sp>
+    </p:spTree>
+    <p:extLst>
+      <p:ext uri="{BB962C8B-B14F-4D97-AF65-F5344CB8AC3E}">
+        <p14:creationId xmlns:p14="http://schemas.microsoft.com/office/powerpoint/2010/main" val="36641275"/>
+      </p:ext>
+    </p:extLst>
+  </p:cSld>
+  <p:clrMapOvr>
+    <a:masterClrMapping/>
+  </p:clrMapOvr>
+  <p:timing>
+    <p:tnLst>
+      <p:par>
+        <p:cTn id="1" dur="indefinite" restart="never" nodeType="tmRoot"/>
+      </p:par>
+    </p:tnLst>
+  </p:timing>
+</p:sld>
+</file>
+
+<file path=ppt/slides/slide19.xml><?xml version="1.0" encoding="utf-8"?>
+<p:sld xmlns:a="http://schemas.openxmlformats.org/drawingml/2006/main" xmlns:r="http://schemas.openxmlformats.org/officeDocument/2006/relationships" xmlns:p="http://schemas.openxmlformats.org/presentationml/2006/main">
+  <p:cSld>
+    <p:spTree>
+      <p:nvGrpSpPr>
+        <p:cNvPr id="1" name=""/>
+        <p:cNvGrpSpPr/>
+        <p:nvPr/>
+      </p:nvGrpSpPr>
+      <p:grpSpPr>
+        <a:xfrm>
+          <a:off x="0" y="0"/>
+          <a:ext cx="0" cy="0"/>
+          <a:chOff x="0" y="0"/>
+          <a:chExt cx="0" cy="0"/>
+        </a:xfrm>
+      </p:grpSpPr>
+      <p:sp>
+        <p:nvSpPr>
+          <p:cNvPr id="3" name="Inhaltsplatzhalter 2"/>
+          <p:cNvSpPr>
+            <a:spLocks noGrp="1"/>
+          </p:cNvSpPr>
+          <p:nvPr>
+            <p:ph idx="1"/>
+          </p:nvPr>
+        </p:nvSpPr>
+        <p:spPr>
+          <a:xfrm>
+            <a:off x="838200" y="1825625"/>
+            <a:ext cx="5977676" cy="4351338"/>
+          </a:xfrm>
+        </p:spPr>
+        <p:txBody>
+          <a:bodyPr>
+            <a:normAutofit lnSpcReduction="10000"/>
+          </a:bodyPr>
+          <a:lstStyle/>
+          <a:p>
+            <a:endParaRPr lang="en-GB" dirty="0" smtClean="0"/>
+          </a:p>
+          <a:p>
+            <a:endParaRPr lang="en-GB" dirty="0"/>
+          </a:p>
+          <a:p>
+            <a:endParaRPr lang="en-GB" dirty="0" smtClean="0"/>
+          </a:p>
+          <a:p>
+            <a:endParaRPr lang="en-GB" dirty="0"/>
+          </a:p>
+          <a:p>
+            <a:endParaRPr lang="en-GB" dirty="0" smtClean="0"/>
+          </a:p>
+          <a:p>
+            <a:endParaRPr lang="en-GB" dirty="0" smtClean="0"/>
+          </a:p>
+          <a:p>
+            <a:endParaRPr lang="en-GB" dirty="0"/>
+          </a:p>
+          <a:p>
+            <a:r>
+              <a:rPr lang="en-GB" dirty="0" smtClean="0"/>
+              <a:t>4000 Million Visibilities </a:t>
+            </a:r>
+            <a:r>
+              <a:rPr lang="en-GB" dirty="0" smtClean="0">
+                <a:sym typeface="Wingdings" panose="05000000000000000000" pitchFamily="2" charset="2"/>
+              </a:rPr>
+              <a:t> </a:t>
+            </a:r>
+            <a:r>
+              <a:rPr lang="en-GB" b="1" dirty="0" smtClean="0">
+                <a:sym typeface="Wingdings" panose="05000000000000000000" pitchFamily="2" charset="2"/>
+              </a:rPr>
+              <a:t>M	</a:t>
+            </a:r>
+            <a:endParaRPr lang="en-GB" b="1" dirty="0">
+              <a:sym typeface="Wingdings" panose="05000000000000000000" pitchFamily="2" charset="2"/>
+            </a:endParaRPr>
+          </a:p>
+          <a:p>
+            <a:r>
+              <a:rPr lang="en-GB" dirty="0" smtClean="0"/>
+              <a:t>60 Million Pixels </a:t>
+            </a:r>
+            <a:r>
+              <a:rPr lang="en-GB" dirty="0" smtClean="0">
+                <a:sym typeface="Wingdings" panose="05000000000000000000" pitchFamily="2" charset="2"/>
+              </a:rPr>
+              <a:t> </a:t>
+            </a:r>
+            <a:r>
+              <a:rPr lang="en-GB" b="1" dirty="0" smtClean="0">
+                <a:sym typeface="Wingdings" panose="05000000000000000000" pitchFamily="2" charset="2"/>
+              </a:rPr>
+              <a:t>N</a:t>
+            </a:r>
+          </a:p>
+        </p:txBody>
+      </p:sp>
+      <p:sp>
+        <p:nvSpPr>
+          <p:cNvPr id="2" name="Titel 1"/>
+          <p:cNvSpPr>
+            <a:spLocks noGrp="1"/>
+          </p:cNvSpPr>
+          <p:nvPr>
+            <p:ph type="title"/>
+          </p:nvPr>
+        </p:nvSpPr>
+        <p:spPr/>
+        <p:txBody>
+          <a:bodyPr/>
+          <a:lstStyle/>
+          <a:p>
+            <a:r>
+              <a:rPr lang="en-GB" dirty="0"/>
+              <a:t>Coordinate Descent for MeerKAT?</a:t>
+            </a:r>
+          </a:p>
+        </p:txBody>
+      </p:sp>
+      <p:sp>
+        <p:nvSpPr>
+          <p:cNvPr id="4" name="Rechteck 3"/>
+          <p:cNvSpPr/>
+          <p:nvPr/>
+        </p:nvSpPr>
+        <p:spPr>
+          <a:xfrm>
+            <a:off x="7224267" y="5096580"/>
+            <a:ext cx="4269567" cy="480131"/>
+          </a:xfrm>
+          <a:prstGeom prst="rect">
+            <a:avLst/>
+          </a:prstGeom>
+        </p:spPr>
+        <p:txBody>
+          <a:bodyPr wrap="none">
+            <a:spAutoFit/>
+          </a:bodyPr>
+          <a:lstStyle/>
+          <a:p>
+            <a:pPr marL="228600" indent="-228600">
+              <a:lnSpc>
+                <a:spcPct val="90000"/>
+              </a:lnSpc>
+              <a:spcBef>
+                <a:spcPts val="1000"/>
+              </a:spcBef>
+              <a:buFont typeface="Arial" panose="020B0604020202020204" pitchFamily="34" charset="0"/>
+              <a:buChar char="•"/>
+            </a:pPr>
+            <a:r>
+              <a:rPr lang="en-GB" sz="2800" dirty="0">
+                <a:sym typeface="Wingdings" panose="05000000000000000000" pitchFamily="2" charset="2"/>
+              </a:rPr>
+              <a:t>250+ non-zero entries  s</a:t>
+            </a:r>
+            <a:endParaRPr lang="en-GB" sz="2800" dirty="0"/>
+          </a:p>
+        </p:txBody>
+      </p:sp>
+      <p:pic>
+        <p:nvPicPr>
+          <p:cNvPr id="13" name="Grafik 12"/>
+          <p:cNvPicPr>
+            <a:picLocks noChangeAspect="1"/>
+          </p:cNvPicPr>
+          <p:nvPr/>
+        </p:nvPicPr>
+        <p:blipFill>
+          <a:blip r:embed="rId2">
+            <a:extLst>
+              <a:ext uri="{28A0092B-C50C-407E-A947-70E740481C1C}">
+                <a14:useLocalDpi xmlns:a14="http://schemas.microsoft.com/office/drawing/2010/main" val="0"/>
+              </a:ext>
+            </a:extLst>
+          </a:blip>
+          <a:stretch>
+            <a:fillRect/>
+          </a:stretch>
+        </p:blipFill>
+        <p:spPr>
+          <a:xfrm>
+            <a:off x="838200" y="2697040"/>
+            <a:ext cx="4619625" cy="666750"/>
+          </a:xfrm>
+          <a:prstGeom prst="rect">
+            <a:avLst/>
+          </a:prstGeom>
+        </p:spPr>
+      </p:pic>
+      <p:pic>
+        <p:nvPicPr>
+          <p:cNvPr id="5" name="Grafik 4"/>
+          <p:cNvPicPr>
+            <a:picLocks noChangeAspect="1"/>
+          </p:cNvPicPr>
+          <p:nvPr/>
+        </p:nvPicPr>
+        <p:blipFill>
+          <a:blip r:embed="rId3">
+            <a:extLst>
+              <a:ext uri="{28A0092B-C50C-407E-A947-70E740481C1C}">
+                <a14:useLocalDpi xmlns:a14="http://schemas.microsoft.com/office/drawing/2010/main" val="0"/>
+              </a:ext>
+            </a:extLst>
+          </a:blip>
+          <a:stretch>
+            <a:fillRect/>
+          </a:stretch>
+        </p:blipFill>
+        <p:spPr>
+          <a:xfrm>
+            <a:off x="8582762" y="2826896"/>
+            <a:ext cx="1552575" cy="447675"/>
+          </a:xfrm>
+          <a:prstGeom prst="rect">
+            <a:avLst/>
+          </a:prstGeom>
+        </p:spPr>
+      </p:pic>
+    </p:spTree>
+    <p:extLst>
+      <p:ext uri="{BB962C8B-B14F-4D97-AF65-F5344CB8AC3E}">
+        <p14:creationId xmlns:p14="http://schemas.microsoft.com/office/powerpoint/2010/main" val="2111745990"/>
+      </p:ext>
+    </p:extLst>
+  </p:cSld>
+  <p:clrMapOvr>
+    <a:masterClrMapping/>
+  </p:clrMapOvr>
+  <p:timing>
+    <p:tnLst>
+      <p:par>
+        <p:cTn id="1" dur="indefinite" restart="never" nodeType="tmRoot"/>
+      </p:par>
+    </p:tnLst>
+  </p:timing>
+</p:sld>
+</file>
+
+<file path=ppt/slides/slide2.xml><?xml version="1.0" encoding="utf-8"?>
+<p:sld xmlns:a="http://schemas.openxmlformats.org/drawingml/2006/main" xmlns:r="http://schemas.openxmlformats.org/officeDocument/2006/relationships" xmlns:p="http://schemas.openxmlformats.org/presentationml/2006/main">
+  <p:cSld>
+    <p:spTree>
+      <p:nvGrpSpPr>
+        <p:cNvPr id="1" name=""/>
+        <p:cNvGrpSpPr/>
+        <p:nvPr/>
+      </p:nvGrpSpPr>
+      <p:grpSpPr>
+        <a:xfrm>
+          <a:off x="0" y="0"/>
+          <a:ext cx="0" cy="0"/>
+          <a:chOff x="0" y="0"/>
+          <a:chExt cx="0" cy="0"/>
+        </a:xfrm>
+      </p:grpSpPr>
+      <p:pic>
+        <p:nvPicPr>
+          <p:cNvPr id="5" name="Inhaltsplatzhalter 4"/>
+          <p:cNvPicPr>
+            <a:picLocks noGrp="1" noChangeAspect="1"/>
+          </p:cNvPicPr>
+          <p:nvPr>
+            <p:ph idx="1"/>
+          </p:nvPr>
+        </p:nvPicPr>
+        <p:blipFill>
+          <a:blip r:embed="rId2" cstate="print">
+            <a:extLst>
+              <a:ext uri="{28A0092B-C50C-407E-A947-70E740481C1C}">
+                <a14:useLocalDpi xmlns:a14="http://schemas.microsoft.com/office/drawing/2010/main" val="0"/>
+              </a:ext>
+            </a:extLst>
+          </a:blip>
+          <a:stretch>
+            <a:fillRect/>
+          </a:stretch>
+        </p:blipFill>
+        <p:spPr>
+          <a:xfrm>
+            <a:off x="5391900" y="1118937"/>
+            <a:ext cx="5649077" cy="5649077"/>
+          </a:xfrm>
+        </p:spPr>
+      </p:pic>
+      <p:sp>
+        <p:nvSpPr>
+          <p:cNvPr id="2" name="Titel 1"/>
+          <p:cNvSpPr>
+            <a:spLocks noGrp="1"/>
+          </p:cNvSpPr>
+          <p:nvPr>
+            <p:ph type="title"/>
+          </p:nvPr>
+        </p:nvSpPr>
+        <p:spPr/>
+        <p:txBody>
+          <a:bodyPr/>
+          <a:lstStyle/>
+          <a:p>
+            <a:r>
+              <a:rPr lang="en-GB" dirty="0" smtClean="0"/>
+              <a:t> MeerKAT Radio Interferometer</a:t>
+            </a:r>
+            <a:endParaRPr lang="en-GB" dirty="0"/>
+          </a:p>
+        </p:txBody>
+      </p:sp>
+      <p:pic>
+        <p:nvPicPr>
+          <p:cNvPr id="6" name="Grafik 5"/>
+          <p:cNvPicPr>
+            <a:picLocks noChangeAspect="1"/>
+          </p:cNvPicPr>
+          <p:nvPr/>
+        </p:nvPicPr>
+        <p:blipFill rotWithShape="1">
+          <a:blip r:embed="rId3" cstate="print">
+            <a:extLst>
+              <a:ext uri="{28A0092B-C50C-407E-A947-70E740481C1C}">
+                <a14:useLocalDpi xmlns:a14="http://schemas.microsoft.com/office/drawing/2010/main" val="0"/>
+              </a:ext>
+            </a:extLst>
+          </a:blip>
+          <a:srcRect l="19272" t="9824" r="18139" b="4737"/>
+          <a:stretch/>
+        </p:blipFill>
+        <p:spPr>
+          <a:xfrm>
+            <a:off x="613021" y="1871908"/>
+            <a:ext cx="4644779" cy="4212748"/>
+          </a:xfrm>
+          <a:prstGeom prst="rect">
+            <a:avLst/>
+          </a:prstGeom>
+        </p:spPr>
+      </p:pic>
+    </p:spTree>
+    <p:extLst>
+      <p:ext uri="{BB962C8B-B14F-4D97-AF65-F5344CB8AC3E}">
+        <p14:creationId xmlns:p14="http://schemas.microsoft.com/office/powerpoint/2010/main" val="709558783"/>
+      </p:ext>
+    </p:extLst>
+  </p:cSld>
+  <p:clrMapOvr>
+    <a:masterClrMapping/>
+  </p:clrMapOvr>
+  <p:timing>
+    <p:tnLst>
+      <p:par>
+        <p:cTn id="1" dur="indefinite" restart="never" nodeType="tmRoot"/>
+      </p:par>
+    </p:tnLst>
+  </p:timing>
+</p:sld>
+</file>
+
+<file path=ppt/slides/slide20.xml><?xml version="1.0" encoding="utf-8"?>
+<p:sld xmlns:a="http://schemas.openxmlformats.org/drawingml/2006/main" xmlns:r="http://schemas.openxmlformats.org/officeDocument/2006/relationships" xmlns:p="http://schemas.openxmlformats.org/presentationml/2006/main">
+  <p:cSld>
+    <p:spTree>
+      <p:nvGrpSpPr>
+        <p:cNvPr id="1" name=""/>
+        <p:cNvGrpSpPr/>
+        <p:nvPr/>
+      </p:nvGrpSpPr>
+      <p:grpSpPr>
+        <a:xfrm>
+          <a:off x="0" y="0"/>
+          <a:ext cx="0" cy="0"/>
+          <a:chOff x="0" y="0"/>
+          <a:chExt cx="0" cy="0"/>
+        </a:xfrm>
+      </p:grpSpPr>
+      <p:pic>
+        <p:nvPicPr>
+          <p:cNvPr id="5" name="Inhaltsplatzhalter 4"/>
+          <p:cNvPicPr>
+            <a:picLocks noGrp="1" noChangeAspect="1"/>
+          </p:cNvPicPr>
+          <p:nvPr>
+            <p:ph idx="1"/>
+          </p:nvPr>
+        </p:nvPicPr>
+        <p:blipFill>
+          <a:blip r:embed="rId2" cstate="print">
+            <a:extLst>
+              <a:ext uri="{28A0092B-C50C-407E-A947-70E740481C1C}">
+                <a14:useLocalDpi xmlns:a14="http://schemas.microsoft.com/office/drawing/2010/main" val="0"/>
+              </a:ext>
+            </a:extLst>
+          </a:blip>
+          <a:stretch>
+            <a:fillRect/>
+          </a:stretch>
+        </p:blipFill>
+        <p:spPr>
+          <a:xfrm>
+            <a:off x="5391900" y="1118937"/>
+            <a:ext cx="5649077" cy="5649077"/>
+          </a:xfrm>
+        </p:spPr>
+      </p:pic>
+      <p:sp>
+        <p:nvSpPr>
+          <p:cNvPr id="2" name="Titel 1"/>
+          <p:cNvSpPr>
+            <a:spLocks noGrp="1"/>
+          </p:cNvSpPr>
+          <p:nvPr>
+            <p:ph type="title"/>
+          </p:nvPr>
+        </p:nvSpPr>
+        <p:spPr/>
+        <p:txBody>
+          <a:bodyPr/>
+          <a:lstStyle/>
+          <a:p>
+            <a:r>
+              <a:rPr lang="en-GB" dirty="0"/>
+              <a:t>Coordinate Descent for MeerKAT?</a:t>
+            </a:r>
+            <a:endParaRPr lang="en-GB" dirty="0"/>
+          </a:p>
+        </p:txBody>
+      </p:sp>
+      <p:pic>
+        <p:nvPicPr>
+          <p:cNvPr id="6" name="Grafik 5"/>
+          <p:cNvPicPr>
+            <a:picLocks noChangeAspect="1"/>
+          </p:cNvPicPr>
+          <p:nvPr/>
+        </p:nvPicPr>
+        <p:blipFill rotWithShape="1">
+          <a:blip r:embed="rId3" cstate="print">
+            <a:extLst>
+              <a:ext uri="{28A0092B-C50C-407E-A947-70E740481C1C}">
+                <a14:useLocalDpi xmlns:a14="http://schemas.microsoft.com/office/drawing/2010/main" val="0"/>
+              </a:ext>
+            </a:extLst>
+          </a:blip>
+          <a:srcRect l="19272" t="9824" r="18139" b="4737"/>
+          <a:stretch/>
+        </p:blipFill>
+        <p:spPr>
+          <a:xfrm>
+            <a:off x="613021" y="1871908"/>
+            <a:ext cx="4644779" cy="4212748"/>
+          </a:xfrm>
+          <a:prstGeom prst="rect">
+            <a:avLst/>
+          </a:prstGeom>
+        </p:spPr>
+      </p:pic>
+    </p:spTree>
+    <p:extLst>
+      <p:ext uri="{BB962C8B-B14F-4D97-AF65-F5344CB8AC3E}">
+        <p14:creationId xmlns:p14="http://schemas.microsoft.com/office/powerpoint/2010/main" val="3004362158"/>
+      </p:ext>
+    </p:extLst>
+  </p:cSld>
+  <p:clrMapOvr>
+    <a:masterClrMapping/>
+  </p:clrMapOvr>
+  <p:timing>
+    <p:tnLst>
+      <p:par>
+        <p:cTn id="1" dur="indefinite" restart="never" nodeType="tmRoot"/>
+      </p:par>
+    </p:tnLst>
+  </p:timing>
+</p:sld>
+</file>
+
+<file path=ppt/slides/slide21.xml><?xml version="1.0" encoding="utf-8"?>
+<p:sld xmlns:a="http://schemas.openxmlformats.org/drawingml/2006/main" xmlns:r="http://schemas.openxmlformats.org/officeDocument/2006/relationships" xmlns:p="http://schemas.openxmlformats.org/presentationml/2006/main">
+  <p:cSld>
+    <p:spTree>
+      <p:nvGrpSpPr>
+        <p:cNvPr id="1" name=""/>
+        <p:cNvGrpSpPr/>
+        <p:nvPr/>
+      </p:nvGrpSpPr>
+      <p:grpSpPr>
+        <a:xfrm>
+          <a:off x="0" y="0"/>
+          <a:ext cx="0" cy="0"/>
+          <a:chOff x="0" y="0"/>
+          <a:chExt cx="0" cy="0"/>
+        </a:xfrm>
+      </p:grpSpPr>
+      <p:sp>
+        <p:nvSpPr>
+          <p:cNvPr id="2" name="Titel 1"/>
+          <p:cNvSpPr>
+            <a:spLocks noGrp="1"/>
+          </p:cNvSpPr>
+          <p:nvPr>
+            <p:ph type="title"/>
+          </p:nvPr>
+        </p:nvSpPr>
+        <p:spPr/>
+        <p:txBody>
+          <a:bodyPr/>
+          <a:lstStyle/>
+          <a:p>
+            <a:r>
+              <a:rPr lang="en-GB" dirty="0" smtClean="0"/>
+              <a:t>Future of MeerKAT</a:t>
+            </a:r>
+            <a:endParaRPr lang="en-GB" dirty="0"/>
+          </a:p>
+        </p:txBody>
+      </p:sp>
+      <p:sp>
+        <p:nvSpPr>
+          <p:cNvPr id="3" name="Inhaltsplatzhalter 2"/>
+          <p:cNvSpPr>
+            <a:spLocks noGrp="1"/>
+          </p:cNvSpPr>
+          <p:nvPr>
+            <p:ph idx="1"/>
+          </p:nvPr>
+        </p:nvSpPr>
+        <p:spPr/>
+        <p:txBody>
+          <a:bodyPr/>
+          <a:lstStyle/>
+          <a:p>
+            <a:endParaRPr lang="en-GB"/>
+          </a:p>
+        </p:txBody>
+      </p:sp>
+      <p:pic>
+        <p:nvPicPr>
+          <p:cNvPr id="4" name="Grafik 3"/>
+          <p:cNvPicPr>
+            <a:picLocks noChangeAspect="1"/>
+          </p:cNvPicPr>
+          <p:nvPr/>
+        </p:nvPicPr>
+        <p:blipFill>
+          <a:blip r:embed="rId2">
+            <a:extLst>
+              <a:ext uri="{28A0092B-C50C-407E-A947-70E740481C1C}">
+                <a14:useLocalDpi xmlns:a14="http://schemas.microsoft.com/office/drawing/2010/main" val="0"/>
+              </a:ext>
+            </a:extLst>
+          </a:blip>
+          <a:stretch>
+            <a:fillRect/>
+          </a:stretch>
+        </p:blipFill>
+        <p:spPr>
+          <a:xfrm>
+            <a:off x="5794127" y="2729839"/>
+            <a:ext cx="457200" cy="581134"/>
+          </a:xfrm>
+          <a:prstGeom prst="rect">
+            <a:avLst/>
+          </a:prstGeom>
+        </p:spPr>
+      </p:pic>
+      <p:pic>
+        <p:nvPicPr>
+          <p:cNvPr id="5" name="Grafik 4"/>
+          <p:cNvPicPr>
+            <a:picLocks noChangeAspect="1"/>
+          </p:cNvPicPr>
+          <p:nvPr/>
+        </p:nvPicPr>
+        <p:blipFill>
+          <a:blip r:embed="rId3">
+            <a:extLst>
+              <a:ext uri="{28A0092B-C50C-407E-A947-70E740481C1C}">
+                <a14:useLocalDpi xmlns:a14="http://schemas.microsoft.com/office/drawing/2010/main" val="0"/>
+              </a:ext>
+            </a:extLst>
+          </a:blip>
+          <a:stretch>
+            <a:fillRect/>
+          </a:stretch>
+        </p:blipFill>
+        <p:spPr>
+          <a:xfrm>
+            <a:off x="5625504" y="4560719"/>
+            <a:ext cx="1038479" cy="638175"/>
+          </a:xfrm>
+          <a:prstGeom prst="rect">
+            <a:avLst/>
+          </a:prstGeom>
+        </p:spPr>
+      </p:pic>
+      <p:sp>
+        <p:nvSpPr>
+          <p:cNvPr id="6" name="Freihandform 5"/>
+          <p:cNvSpPr/>
+          <p:nvPr/>
+        </p:nvSpPr>
+        <p:spPr>
+          <a:xfrm>
+            <a:off x="4791804" y="3965512"/>
+            <a:ext cx="2461847" cy="500733"/>
+          </a:xfrm>
+          <a:custGeom>
+            <a:avLst/>
+            <a:gdLst>
+              <a:gd name="connsiteX0" fmla="*/ 0 w 3909848"/>
+              <a:gd name="connsiteY0" fmla="*/ 15766 h 1103596"/>
+              <a:gd name="connsiteX1" fmla="*/ 1718441 w 3909848"/>
+              <a:gd name="connsiteY1" fmla="*/ 1103587 h 1103596"/>
+              <a:gd name="connsiteX2" fmla="*/ 3909848 w 3909848"/>
+              <a:gd name="connsiteY2" fmla="*/ 0 h 1103596"/>
+            </a:gdLst>
+            <a:ahLst/>
+            <a:cxnLst>
+              <a:cxn ang="0">
+                <a:pos x="connsiteX0" y="connsiteY0"/>
+              </a:cxn>
+              <a:cxn ang="0">
+                <a:pos x="connsiteX1" y="connsiteY1"/>
+              </a:cxn>
+              <a:cxn ang="0">
+                <a:pos x="connsiteX2" y="connsiteY2"/>
+              </a:cxn>
+            </a:cxnLst>
+            <a:rect l="l" t="t" r="r" b="b"/>
+            <a:pathLst>
+              <a:path w="3909848" h="1103596">
+                <a:moveTo>
+                  <a:pt x="0" y="15766"/>
+                </a:moveTo>
+                <a:cubicBezTo>
+                  <a:pt x="533400" y="560990"/>
+                  <a:pt x="1066800" y="1106215"/>
+                  <a:pt x="1718441" y="1103587"/>
+                </a:cubicBezTo>
+                <a:cubicBezTo>
+                  <a:pt x="2370082" y="1100959"/>
+                  <a:pt x="3536731" y="155028"/>
+                  <a:pt x="3909848" y="0"/>
+                </a:cubicBezTo>
+              </a:path>
+            </a:pathLst>
+          </a:custGeom>
+          <a:noFill/>
+          <a:ln w="63500">
+            <a:solidFill>
+              <a:schemeClr val="accent2">
+                <a:lumMod val="75000"/>
+              </a:schemeClr>
+            </a:solidFill>
+            <a:tailEnd type="triangle"/>
+          </a:ln>
+        </p:spPr>
+        <p:style>
+          <a:lnRef idx="2">
+            <a:schemeClr val="accent1">
+              <a:shade val="50000"/>
+            </a:schemeClr>
+          </a:lnRef>
+          <a:fillRef idx="1">
+            <a:schemeClr val="accent1"/>
+          </a:fillRef>
+          <a:effectRef idx="0">
+            <a:schemeClr val="accent1"/>
+          </a:effectRef>
+          <a:fontRef idx="minor">
+            <a:schemeClr val="lt1"/>
+          </a:fontRef>
+        </p:style>
+        <p:txBody>
+          <a:bodyPr rtlCol="0" anchor="ctr"/>
+          <a:lstStyle/>
+          <a:p>
+            <a:pPr algn="ctr"/>
+            <a:endParaRPr lang="en-GB"/>
+          </a:p>
+        </p:txBody>
+      </p:sp>
+      <p:sp>
+        <p:nvSpPr>
+          <p:cNvPr id="7" name="Freihandform 6"/>
+          <p:cNvSpPr/>
+          <p:nvPr/>
+        </p:nvSpPr>
+        <p:spPr>
+          <a:xfrm>
+            <a:off x="4791804" y="3445308"/>
+            <a:ext cx="2461847" cy="439079"/>
+          </a:xfrm>
+          <a:custGeom>
+            <a:avLst/>
+            <a:gdLst>
+              <a:gd name="connsiteX0" fmla="*/ 3799490 w 3799490"/>
+              <a:gd name="connsiteY0" fmla="*/ 1056685 h 1056685"/>
+              <a:gd name="connsiteX1" fmla="*/ 1781503 w 3799490"/>
+              <a:gd name="connsiteY1" fmla="*/ 395 h 1056685"/>
+              <a:gd name="connsiteX2" fmla="*/ 0 w 3799490"/>
+              <a:gd name="connsiteY2" fmla="*/ 930561 h 1056685"/>
+            </a:gdLst>
+            <a:ahLst/>
+            <a:cxnLst>
+              <a:cxn ang="0">
+                <a:pos x="connsiteX0" y="connsiteY0"/>
+              </a:cxn>
+              <a:cxn ang="0">
+                <a:pos x="connsiteX1" y="connsiteY1"/>
+              </a:cxn>
+              <a:cxn ang="0">
+                <a:pos x="connsiteX2" y="connsiteY2"/>
+              </a:cxn>
+            </a:cxnLst>
+            <a:rect l="l" t="t" r="r" b="b"/>
+            <a:pathLst>
+              <a:path w="3799490" h="1056685">
+                <a:moveTo>
+                  <a:pt x="3799490" y="1056685"/>
+                </a:moveTo>
+                <a:cubicBezTo>
+                  <a:pt x="3107120" y="539050"/>
+                  <a:pt x="2414751" y="21416"/>
+                  <a:pt x="1781503" y="395"/>
+                </a:cubicBezTo>
+                <a:cubicBezTo>
+                  <a:pt x="1148255" y="-20626"/>
+                  <a:pt x="236483" y="801809"/>
+                  <a:pt x="0" y="930561"/>
+                </a:cubicBezTo>
+              </a:path>
+            </a:pathLst>
+          </a:custGeom>
+          <a:noFill/>
+          <a:ln w="63500">
+            <a:solidFill>
+              <a:schemeClr val="accent2">
+                <a:lumMod val="75000"/>
+              </a:schemeClr>
+            </a:solidFill>
+            <a:tailEnd type="triangle"/>
+          </a:ln>
+        </p:spPr>
+        <p:style>
+          <a:lnRef idx="2">
+            <a:schemeClr val="accent1">
+              <a:shade val="50000"/>
+            </a:schemeClr>
+          </a:lnRef>
+          <a:fillRef idx="1">
+            <a:schemeClr val="accent1"/>
+          </a:fillRef>
+          <a:effectRef idx="0">
+            <a:schemeClr val="accent1"/>
+          </a:effectRef>
+          <a:fontRef idx="minor">
+            <a:schemeClr val="lt1"/>
+          </a:fontRef>
+        </p:style>
+        <p:txBody>
+          <a:bodyPr rtlCol="0" anchor="ctr"/>
+          <a:lstStyle/>
+          <a:p>
+            <a:pPr algn="ctr"/>
+            <a:endParaRPr lang="en-GB"/>
+          </a:p>
+        </p:txBody>
+      </p:sp>
+    </p:spTree>
+    <p:extLst>
+      <p:ext uri="{BB962C8B-B14F-4D97-AF65-F5344CB8AC3E}">
+        <p14:creationId xmlns:p14="http://schemas.microsoft.com/office/powerpoint/2010/main" val="618414293"/>
+      </p:ext>
+    </p:extLst>
+  </p:cSld>
+  <p:clrMapOvr>
+    <a:masterClrMapping/>
+  </p:clrMapOvr>
+  <p:timing>
+    <p:tnLst>
+      <p:par>
+        <p:cTn id="1" dur="indefinite" restart="never" nodeType="tmRoot"/>
+      </p:par>
+    </p:tnLst>
+  </p:timing>
+</p:sld>
+</file>
+
+<file path=ppt/slides/slide22.xml><?xml version="1.0" encoding="utf-8"?>
+<p:sld xmlns:a="http://schemas.openxmlformats.org/drawingml/2006/main" xmlns:r="http://schemas.openxmlformats.org/officeDocument/2006/relationships" xmlns:p="http://schemas.openxmlformats.org/presentationml/2006/main">
+  <p:cSld>
+    <p:spTree>
+      <p:nvGrpSpPr>
+        <p:cNvPr id="1" name=""/>
+        <p:cNvGrpSpPr/>
+        <p:nvPr/>
+      </p:nvGrpSpPr>
+      <p:grpSpPr>
+        <a:xfrm>
+          <a:off x="0" y="0"/>
+          <a:ext cx="0" cy="0"/>
+          <a:chOff x="0" y="0"/>
+          <a:chExt cx="0" cy="0"/>
+        </a:xfrm>
+      </p:grpSpPr>
+      <p:sp>
+        <p:nvSpPr>
+          <p:cNvPr id="2" name="Titel 1"/>
+          <p:cNvSpPr>
+            <a:spLocks noGrp="1"/>
+          </p:cNvSpPr>
+          <p:nvPr>
+            <p:ph type="title"/>
+          </p:nvPr>
+        </p:nvSpPr>
+        <p:spPr/>
+        <p:txBody>
+          <a:bodyPr/>
+          <a:lstStyle/>
+          <a:p>
+            <a:r>
+              <a:rPr lang="en-GB" dirty="0"/>
+              <a:t>Future of MeerKAT</a:t>
+            </a:r>
+            <a:endParaRPr lang="en-GB" dirty="0"/>
+          </a:p>
+        </p:txBody>
+      </p:sp>
+      <p:sp>
+        <p:nvSpPr>
+          <p:cNvPr id="3" name="Inhaltsplatzhalter 2"/>
+          <p:cNvSpPr>
+            <a:spLocks noGrp="1"/>
+          </p:cNvSpPr>
+          <p:nvPr>
+            <p:ph idx="1"/>
+          </p:nvPr>
+        </p:nvSpPr>
+        <p:spPr/>
+        <p:txBody>
+          <a:bodyPr/>
+          <a:lstStyle/>
+          <a:p>
+            <a:endParaRPr lang="en-GB" dirty="0" smtClean="0"/>
+          </a:p>
+          <a:p>
+            <a:endParaRPr lang="en-GB" dirty="0"/>
+          </a:p>
+          <a:p>
+            <a:endParaRPr lang="en-GB" dirty="0" smtClean="0"/>
+          </a:p>
+          <a:p>
+            <a:r>
+              <a:rPr lang="en-GB" dirty="0" smtClean="0"/>
+              <a:t>Direct Fourier Transform</a:t>
+            </a:r>
+            <a:endParaRPr lang="en-GB" dirty="0"/>
+          </a:p>
+          <a:p>
+            <a:r>
+              <a:rPr lang="en-GB" dirty="0" smtClean="0"/>
+              <a:t>Projection on a uniform grid</a:t>
+            </a:r>
+          </a:p>
+          <a:p>
+            <a:r>
+              <a:rPr lang="en-GB" dirty="0" smtClean="0"/>
+              <a:t>Spherical Wave Harmonics</a:t>
+            </a:r>
+          </a:p>
+          <a:p>
+            <a:r>
+              <a:rPr lang="en-GB" dirty="0" smtClean="0"/>
+              <a:t>…</a:t>
+            </a:r>
+          </a:p>
+          <a:p>
+            <a:endParaRPr lang="en-GB" dirty="0"/>
+          </a:p>
+        </p:txBody>
+      </p:sp>
+      <p:sp>
+        <p:nvSpPr>
+          <p:cNvPr id="4" name="Rechteck 3"/>
+          <p:cNvSpPr/>
+          <p:nvPr/>
+        </p:nvSpPr>
+        <p:spPr>
+          <a:xfrm>
+            <a:off x="5593372" y="1711143"/>
+            <a:ext cx="514350" cy="834231"/>
+          </a:xfrm>
+          <a:prstGeom prst="rect">
+            <a:avLst/>
+          </a:prstGeom>
+          <a:solidFill>
+            <a:schemeClr val="accent2">
+              <a:lumMod val="75000"/>
+            </a:schemeClr>
+          </a:solidFill>
+        </p:spPr>
+        <p:style>
+          <a:lnRef idx="2">
+            <a:schemeClr val="accent1">
+              <a:shade val="50000"/>
+            </a:schemeClr>
+          </a:lnRef>
+          <a:fillRef idx="1">
+            <a:schemeClr val="accent1"/>
+          </a:fillRef>
+          <a:effectRef idx="0">
+            <a:schemeClr val="accent1"/>
+          </a:effectRef>
+          <a:fontRef idx="minor">
+            <a:schemeClr val="lt1"/>
+          </a:fontRef>
+        </p:style>
+        <p:txBody>
+          <a:bodyPr rtlCol="0" anchor="ctr"/>
+          <a:lstStyle/>
+          <a:p>
+            <a:pPr algn="ctr"/>
+            <a:endParaRPr lang="en-GB"/>
+          </a:p>
+        </p:txBody>
+      </p:sp>
+      <p:pic>
+        <p:nvPicPr>
+          <p:cNvPr id="5" name="Inhaltsplatzhalter 5"/>
+          <p:cNvPicPr>
+            <a:picLocks noChangeAspect="1"/>
+          </p:cNvPicPr>
+          <p:nvPr/>
+        </p:nvPicPr>
+        <p:blipFill>
+          <a:blip r:embed="rId2">
+            <a:extLst>
+              <a:ext uri="{28A0092B-C50C-407E-A947-70E740481C1C}">
+                <a14:useLocalDpi xmlns:a14="http://schemas.microsoft.com/office/drawing/2010/main" val="0"/>
+              </a:ext>
+            </a:extLst>
+          </a:blip>
+          <a:stretch>
+            <a:fillRect/>
+          </a:stretch>
+        </p:blipFill>
+        <p:spPr>
+          <a:xfrm>
+            <a:off x="930884" y="1711143"/>
+            <a:ext cx="9591675" cy="1047750"/>
+          </a:xfrm>
+          <a:prstGeom prst="rect">
+            <a:avLst/>
+          </a:prstGeom>
+        </p:spPr>
+      </p:pic>
+    </p:spTree>
+    <p:extLst>
+      <p:ext uri="{BB962C8B-B14F-4D97-AF65-F5344CB8AC3E}">
+        <p14:creationId xmlns:p14="http://schemas.microsoft.com/office/powerpoint/2010/main" val="1485467411"/>
+      </p:ext>
+    </p:extLst>
+  </p:cSld>
+  <p:clrMapOvr>
+    <a:masterClrMapping/>
+  </p:clrMapOvr>
+  <p:timing>
+    <p:tnLst>
+      <p:par>
+        <p:cTn id="1" dur="indefinite" restart="never" nodeType="tmRoot"/>
+      </p:par>
+    </p:tnLst>
+  </p:timing>
+</p:sld>
+</file>
+
+<file path=ppt/slides/slide23.xml><?xml version="1.0" encoding="utf-8"?>
+<p:sld xmlns:a="http://schemas.openxmlformats.org/drawingml/2006/main" xmlns:r="http://schemas.openxmlformats.org/officeDocument/2006/relationships" xmlns:p="http://schemas.openxmlformats.org/presentationml/2006/main">
+  <p:cSld>
+    <p:spTree>
+      <p:nvGrpSpPr>
+        <p:cNvPr id="1" name=""/>
+        <p:cNvGrpSpPr/>
+        <p:nvPr/>
+      </p:nvGrpSpPr>
+      <p:grpSpPr>
+        <a:xfrm>
+          <a:off x="0" y="0"/>
+          <a:ext cx="0" cy="0"/>
+          <a:chOff x="0" y="0"/>
+          <a:chExt cx="0" cy="0"/>
+        </a:xfrm>
+      </p:grpSpPr>
+      <p:sp>
+        <p:nvSpPr>
+          <p:cNvPr id="2" name="Titel 1"/>
+          <p:cNvSpPr>
+            <a:spLocks noGrp="1"/>
+          </p:cNvSpPr>
+          <p:nvPr>
+            <p:ph type="title"/>
+          </p:nvPr>
+        </p:nvSpPr>
+        <p:spPr/>
+        <p:txBody>
+          <a:bodyPr/>
+          <a:lstStyle/>
+          <a:p>
+            <a:r>
+              <a:rPr lang="en-GB" dirty="0" smtClean="0"/>
+              <a:t>Future of MeerKAT</a:t>
+            </a:r>
+            <a:endParaRPr lang="en-GB" dirty="0"/>
+          </a:p>
+        </p:txBody>
+      </p:sp>
+      <p:sp>
+        <p:nvSpPr>
+          <p:cNvPr id="3" name="Inhaltsplatzhalter 2"/>
+          <p:cNvSpPr>
+            <a:spLocks noGrp="1"/>
+          </p:cNvSpPr>
+          <p:nvPr>
+            <p:ph idx="1"/>
+          </p:nvPr>
+        </p:nvSpPr>
+        <p:spPr/>
+        <p:txBody>
+          <a:bodyPr>
+            <a:normAutofit/>
+          </a:bodyPr>
+          <a:lstStyle/>
+          <a:p>
+            <a:pPr marL="0" indent="0" algn="ctr">
+              <a:buNone/>
+            </a:pPr>
+            <a:endParaRPr lang="en-GB" sz="4800" dirty="0" smtClean="0"/>
+          </a:p>
+          <a:p>
+            <a:pPr marL="0" indent="0" algn="ctr">
+              <a:buNone/>
+            </a:pPr>
+            <a:endParaRPr lang="en-GB" sz="4800" dirty="0"/>
+          </a:p>
+          <a:p>
+            <a:pPr marL="0" indent="0" algn="ctr">
+              <a:buNone/>
+            </a:pPr>
+            <a:r>
+              <a:rPr lang="en-GB" sz="4800" dirty="0" smtClean="0"/>
+              <a:t>~10 Terabytes/s</a:t>
+            </a:r>
+            <a:endParaRPr lang="en-GB" sz="4800" dirty="0"/>
+          </a:p>
+        </p:txBody>
+      </p:sp>
+    </p:spTree>
+    <p:extLst>
+      <p:ext uri="{BB962C8B-B14F-4D97-AF65-F5344CB8AC3E}">
+        <p14:creationId xmlns:p14="http://schemas.microsoft.com/office/powerpoint/2010/main" val="537581457"/>
+      </p:ext>
+    </p:extLst>
+  </p:cSld>
+  <p:clrMapOvr>
+    <a:masterClrMapping/>
+  </p:clrMapOvr>
+  <p:timing>
+    <p:tnLst>
+      <p:par>
+        <p:cTn id="1" dur="indefinite" restart="never" nodeType="tmRoot"/>
+      </p:par>
+    </p:tnLst>
+  </p:timing>
+</p:sld>
+</file>
+
+<file path=ppt/slides/slide24.xml><?xml version="1.0" encoding="utf-8"?>
+<p:sld xmlns:a="http://schemas.openxmlformats.org/drawingml/2006/main" xmlns:r="http://schemas.openxmlformats.org/officeDocument/2006/relationships" xmlns:p="http://schemas.openxmlformats.org/presentationml/2006/main">
+  <p:cSld>
+    <p:spTree>
+      <p:nvGrpSpPr>
+        <p:cNvPr id="1" name=""/>
+        <p:cNvGrpSpPr/>
+        <p:nvPr/>
+      </p:nvGrpSpPr>
+      <p:grpSpPr>
+        <a:xfrm>
+          <a:off x="0" y="0"/>
+          <a:ext cx="0" cy="0"/>
+          <a:chOff x="0" y="0"/>
+          <a:chExt cx="0" cy="0"/>
+        </a:xfrm>
+      </p:grpSpPr>
+      <p:sp>
+        <p:nvSpPr>
+          <p:cNvPr id="2" name="Titel 1"/>
+          <p:cNvSpPr>
+            <a:spLocks noGrp="1"/>
+          </p:cNvSpPr>
+          <p:nvPr>
+            <p:ph type="title"/>
+          </p:nvPr>
+        </p:nvSpPr>
+        <p:spPr/>
+        <p:txBody>
+          <a:bodyPr/>
+          <a:lstStyle/>
+          <a:p>
+            <a:endParaRPr lang="en-GB" dirty="0"/>
+          </a:p>
+        </p:txBody>
+      </p:sp>
+      <p:sp>
+        <p:nvSpPr>
+          <p:cNvPr id="3" name="Inhaltsplatzhalter 2"/>
+          <p:cNvSpPr>
+            <a:spLocks noGrp="1"/>
+          </p:cNvSpPr>
+          <p:nvPr>
+            <p:ph idx="1"/>
+          </p:nvPr>
+        </p:nvSpPr>
+        <p:spPr/>
+        <p:txBody>
+          <a:bodyPr>
+            <a:normAutofit/>
+          </a:bodyPr>
+          <a:lstStyle/>
+          <a:p>
+            <a:pPr marL="0" indent="0" algn="ctr">
+              <a:buNone/>
+            </a:pPr>
+            <a:endParaRPr lang="en-GB" sz="4800" dirty="0" smtClean="0"/>
+          </a:p>
+          <a:p>
+            <a:pPr marL="0" indent="0" algn="ctr">
+              <a:buNone/>
+            </a:pPr>
+            <a:endParaRPr lang="en-GB" sz="4800" dirty="0"/>
+          </a:p>
+          <a:p>
+            <a:pPr marL="0" indent="0" algn="ctr">
+              <a:buNone/>
+            </a:pPr>
+            <a:r>
+              <a:rPr lang="en-GB" sz="4800" dirty="0" smtClean="0"/>
+              <a:t>Questions?</a:t>
+            </a:r>
+          </a:p>
+        </p:txBody>
+      </p:sp>
+    </p:spTree>
+    <p:extLst>
+      <p:ext uri="{BB962C8B-B14F-4D97-AF65-F5344CB8AC3E}">
+        <p14:creationId xmlns:p14="http://schemas.microsoft.com/office/powerpoint/2010/main" val="3680735113"/>
+      </p:ext>
+    </p:extLst>
+  </p:cSld>
+  <p:clrMapOvr>
+    <a:masterClrMapping/>
+  </p:clrMapOvr>
+  <p:timing>
+    <p:tnLst>
+      <p:par>
+        <p:cTn id="1" dur="indefinite" restart="never" nodeType="tmRoot"/>
+      </p:par>
+    </p:tnLst>
+  </p:timing>
+</p:sld>
+</file>
+
+<file path=ppt/slides/slide25.xml><?xml version="1.0" encoding="utf-8"?>
+<p:sld xmlns:a="http://schemas.openxmlformats.org/drawingml/2006/main" xmlns:r="http://schemas.openxmlformats.org/officeDocument/2006/relationships" xmlns:p="http://schemas.openxmlformats.org/presentationml/2006/main">
+  <p:cSld>
+    <p:spTree>
+      <p:nvGrpSpPr>
+        <p:cNvPr id="1" name=""/>
+        <p:cNvGrpSpPr/>
+        <p:nvPr/>
+      </p:nvGrpSpPr>
+      <p:grpSpPr>
+        <a:xfrm>
+          <a:off x="0" y="0"/>
+          <a:ext cx="0" cy="0"/>
+          <a:chOff x="0" y="0"/>
+          <a:chExt cx="0" cy="0"/>
+        </a:xfrm>
+      </p:grpSpPr>
+      <p:sp>
+        <p:nvSpPr>
+          <p:cNvPr id="2" name="Titel 1"/>
+          <p:cNvSpPr>
+            <a:spLocks noGrp="1"/>
+          </p:cNvSpPr>
+          <p:nvPr>
+            <p:ph type="title"/>
+          </p:nvPr>
+        </p:nvSpPr>
+        <p:spPr/>
+        <p:txBody>
+          <a:bodyPr/>
+          <a:lstStyle/>
+          <a:p>
+            <a:r>
+              <a:rPr lang="en-GB" dirty="0" smtClean="0"/>
+              <a:t>Wide Field of View</a:t>
+            </a:r>
+            <a:endParaRPr lang="en-GB" dirty="0"/>
+          </a:p>
+        </p:txBody>
+      </p:sp>
+      <p:pic>
+        <p:nvPicPr>
+          <p:cNvPr id="4" name="Inhaltsplatzhalter 3"/>
+          <p:cNvPicPr>
+            <a:picLocks noGrp="1" noChangeAspect="1"/>
+          </p:cNvPicPr>
+          <p:nvPr>
+            <p:ph idx="1"/>
+          </p:nvPr>
+        </p:nvPicPr>
+        <p:blipFill>
+          <a:blip r:embed="rId2" cstate="print">
+            <a:extLst>
+              <a:ext uri="{28A0092B-C50C-407E-A947-70E740481C1C}">
+                <a14:useLocalDpi xmlns:a14="http://schemas.microsoft.com/office/drawing/2010/main" val="0"/>
+              </a:ext>
+            </a:extLst>
+          </a:blip>
+          <a:stretch>
+            <a:fillRect/>
+          </a:stretch>
+        </p:blipFill>
+        <p:spPr>
+          <a:xfrm>
+            <a:off x="6079067" y="1581679"/>
+            <a:ext cx="4392600" cy="4351338"/>
+          </a:xfrm>
+        </p:spPr>
+      </p:pic>
+      <p:pic>
+        <p:nvPicPr>
+          <p:cNvPr id="5" name="Grafik 4"/>
+          <p:cNvPicPr>
+            <a:picLocks noChangeAspect="1"/>
+          </p:cNvPicPr>
+          <p:nvPr/>
+        </p:nvPicPr>
+        <p:blipFill>
+          <a:blip r:embed="rId3" cstate="print">
+            <a:extLst>
+              <a:ext uri="{28A0092B-C50C-407E-A947-70E740481C1C}">
+                <a14:useLocalDpi xmlns:a14="http://schemas.microsoft.com/office/drawing/2010/main" val="0"/>
+              </a:ext>
+            </a:extLst>
+          </a:blip>
+          <a:stretch>
+            <a:fillRect/>
+          </a:stretch>
+        </p:blipFill>
+        <p:spPr>
+          <a:xfrm>
+            <a:off x="1261533" y="1581679"/>
+            <a:ext cx="4377267" cy="4392361"/>
+          </a:xfrm>
+          <a:prstGeom prst="rect">
+            <a:avLst/>
+          </a:prstGeom>
+        </p:spPr>
+      </p:pic>
+      <p:sp>
+        <p:nvSpPr>
+          <p:cNvPr id="6" name="Textfeld 5"/>
+          <p:cNvSpPr txBox="1"/>
+          <p:nvPr/>
+        </p:nvSpPr>
+        <p:spPr>
+          <a:xfrm>
+            <a:off x="1983762" y="5974040"/>
+            <a:ext cx="3271473" cy="523220"/>
+          </a:xfrm>
+          <a:prstGeom prst="rect">
+            <a:avLst/>
+          </a:prstGeom>
+          <a:noFill/>
+        </p:spPr>
+        <p:txBody>
+          <a:bodyPr wrap="none" rtlCol="0">
+            <a:spAutoFit/>
+          </a:bodyPr>
+          <a:lstStyle/>
+          <a:p>
+            <a:r>
+              <a:rPr lang="en-GB" sz="2800" dirty="0" smtClean="0"/>
+              <a:t>2D Fourier Transform</a:t>
+            </a:r>
+            <a:endParaRPr lang="en-GB" sz="2800" dirty="0"/>
+          </a:p>
+        </p:txBody>
+      </p:sp>
+      <p:sp>
+        <p:nvSpPr>
+          <p:cNvPr id="7" name="Textfeld 6"/>
+          <p:cNvSpPr txBox="1"/>
+          <p:nvPr/>
+        </p:nvSpPr>
+        <p:spPr>
+          <a:xfrm>
+            <a:off x="7147630" y="5974040"/>
+            <a:ext cx="2837956" cy="523220"/>
+          </a:xfrm>
+          <a:prstGeom prst="rect">
+            <a:avLst/>
+          </a:prstGeom>
+          <a:noFill/>
+        </p:spPr>
+        <p:txBody>
+          <a:bodyPr wrap="none" rtlCol="0">
+            <a:spAutoFit/>
+          </a:bodyPr>
+          <a:lstStyle/>
+          <a:p>
+            <a:r>
+              <a:rPr lang="en-GB" sz="2800" dirty="0" smtClean="0"/>
+              <a:t>With w-correction</a:t>
+            </a:r>
+            <a:endParaRPr lang="en-GB" sz="2800" dirty="0"/>
+          </a:p>
+        </p:txBody>
+      </p:sp>
+    </p:spTree>
+    <p:extLst>
+      <p:ext uri="{BB962C8B-B14F-4D97-AF65-F5344CB8AC3E}">
+        <p14:creationId xmlns:p14="http://schemas.microsoft.com/office/powerpoint/2010/main" val="405049423"/>
+      </p:ext>
+    </p:extLst>
+  </p:cSld>
+  <p:clrMapOvr>
+    <a:masterClrMapping/>
+  </p:clrMapOvr>
+  <p:timing>
+    <p:tnLst>
+      <p:par>
+        <p:cTn id="1" dur="indefinite" restart="never" nodeType="tmRoot"/>
+      </p:par>
+    </p:tnLst>
+  </p:timing>
+</p:sld>
+</file>
+
+<file path=ppt/slides/slide26.xml><?xml version="1.0" encoding="utf-8"?>
+<p:sld xmlns:a="http://schemas.openxmlformats.org/drawingml/2006/main" xmlns:r="http://schemas.openxmlformats.org/officeDocument/2006/relationships" xmlns:p="http://schemas.openxmlformats.org/presentationml/2006/main">
+  <p:cSld>
+    <p:spTree>
+      <p:nvGrpSpPr>
+        <p:cNvPr id="1" name=""/>
+        <p:cNvGrpSpPr/>
+        <p:nvPr/>
+      </p:nvGrpSpPr>
+      <p:grpSpPr>
+        <a:xfrm>
+          <a:off x="0" y="0"/>
+          <a:ext cx="0" cy="0"/>
+          <a:chOff x="0" y="0"/>
+          <a:chExt cx="0" cy="0"/>
+        </a:xfrm>
+      </p:grpSpPr>
+      <p:sp>
+        <p:nvSpPr>
+          <p:cNvPr id="2" name="Titel 1"/>
+          <p:cNvSpPr>
+            <a:spLocks noGrp="1"/>
+          </p:cNvSpPr>
+          <p:nvPr>
+            <p:ph type="title"/>
+          </p:nvPr>
+        </p:nvSpPr>
+        <p:spPr/>
+        <p:txBody>
+          <a:bodyPr/>
+          <a:lstStyle/>
+          <a:p>
+            <a:r>
+              <a:rPr lang="en-GB" dirty="0" smtClean="0"/>
+              <a:t>Wide Field of View</a:t>
+            </a:r>
+            <a:endParaRPr lang="en-GB" dirty="0"/>
+          </a:p>
+        </p:txBody>
+      </p:sp>
+      <p:pic>
+        <p:nvPicPr>
+          <p:cNvPr id="10" name="Grafik 9"/>
+          <p:cNvPicPr>
+            <a:picLocks noChangeAspect="1"/>
+          </p:cNvPicPr>
+          <p:nvPr/>
+        </p:nvPicPr>
+        <p:blipFill>
+          <a:blip r:embed="rId2">
+            <a:extLst>
+              <a:ext uri="{28A0092B-C50C-407E-A947-70E740481C1C}">
+                <a14:useLocalDpi xmlns:a14="http://schemas.microsoft.com/office/drawing/2010/main" val="0"/>
+              </a:ext>
+            </a:extLst>
+          </a:blip>
+          <a:stretch>
+            <a:fillRect/>
+          </a:stretch>
+        </p:blipFill>
+        <p:spPr>
+          <a:xfrm>
+            <a:off x="2484966" y="2180798"/>
+            <a:ext cx="7222067" cy="1025068"/>
+          </a:xfrm>
+          <a:prstGeom prst="rect">
+            <a:avLst/>
+          </a:prstGeom>
+        </p:spPr>
+      </p:pic>
+      <p:pic>
+        <p:nvPicPr>
+          <p:cNvPr id="12" name="Inhaltsplatzhalter 11"/>
+          <p:cNvPicPr>
+            <a:picLocks noGrp="1" noChangeAspect="1"/>
+          </p:cNvPicPr>
+          <p:nvPr>
+            <p:ph idx="1"/>
+          </p:nvPr>
+        </p:nvPicPr>
+        <p:blipFill>
+          <a:blip r:embed="rId3">
+            <a:extLst>
+              <a:ext uri="{28A0092B-C50C-407E-A947-70E740481C1C}">
+                <a14:useLocalDpi xmlns:a14="http://schemas.microsoft.com/office/drawing/2010/main" val="0"/>
+              </a:ext>
+            </a:extLst>
+          </a:blip>
+          <a:stretch>
+            <a:fillRect/>
+          </a:stretch>
+        </p:blipFill>
+        <p:spPr>
+          <a:xfrm>
+            <a:off x="747712" y="3695977"/>
+            <a:ext cx="10515600" cy="915433"/>
+          </a:xfrm>
+        </p:spPr>
+      </p:pic>
+    </p:spTree>
+    <p:extLst>
+      <p:ext uri="{BB962C8B-B14F-4D97-AF65-F5344CB8AC3E}">
+        <p14:creationId xmlns:p14="http://schemas.microsoft.com/office/powerpoint/2010/main" val="2316829888"/>
+      </p:ext>
+    </p:extLst>
+  </p:cSld>
+  <p:clrMapOvr>
+    <a:masterClrMapping/>
+  </p:clrMapOvr>
+</p:sld>
+</file>
+
+<file path=ppt/slides/slide27.xml><?xml version="1.0" encoding="utf-8"?>
+<p:sld xmlns:a="http://schemas.openxmlformats.org/drawingml/2006/main" xmlns:r="http://schemas.openxmlformats.org/officeDocument/2006/relationships" xmlns:p="http://schemas.openxmlformats.org/presentationml/2006/main">
+  <p:cSld>
+    <p:spTree>
+      <p:nvGrpSpPr>
+        <p:cNvPr id="1" name=""/>
+        <p:cNvGrpSpPr/>
+        <p:nvPr/>
+      </p:nvGrpSpPr>
+      <p:grpSpPr>
+        <a:xfrm>
+          <a:off x="0" y="0"/>
+          <a:ext cx="0" cy="0"/>
+          <a:chOff x="0" y="0"/>
+          <a:chExt cx="0" cy="0"/>
+        </a:xfrm>
+      </p:grpSpPr>
+      <p:sp>
+        <p:nvSpPr>
+          <p:cNvPr id="2" name="Titel 1"/>
+          <p:cNvSpPr>
+            <a:spLocks noGrp="1"/>
+          </p:cNvSpPr>
+          <p:nvPr>
+            <p:ph type="title"/>
+          </p:nvPr>
+        </p:nvSpPr>
+        <p:spPr/>
+        <p:txBody>
+          <a:bodyPr/>
+          <a:lstStyle/>
+          <a:p>
+            <a:r>
+              <a:rPr lang="en-GB" dirty="0" smtClean="0"/>
+              <a:t>Calibration</a:t>
+            </a:r>
+            <a:endParaRPr lang="en-GB" dirty="0"/>
+          </a:p>
+        </p:txBody>
+      </p:sp>
+      <p:pic>
+        <p:nvPicPr>
+          <p:cNvPr id="6" name="Inhaltsplatzhalter 3"/>
+          <p:cNvPicPr>
+            <a:picLocks noChangeAspect="1"/>
+          </p:cNvPicPr>
+          <p:nvPr/>
+        </p:nvPicPr>
+        <p:blipFill>
+          <a:blip r:embed="rId2">
+            <a:extLst>
+              <a:ext uri="{28A0092B-C50C-407E-A947-70E740481C1C}">
+                <a14:useLocalDpi xmlns:a14="http://schemas.microsoft.com/office/drawing/2010/main" val="0"/>
+              </a:ext>
+            </a:extLst>
+          </a:blip>
+          <a:stretch>
+            <a:fillRect/>
+          </a:stretch>
+        </p:blipFill>
+        <p:spPr>
+          <a:xfrm>
+            <a:off x="1214436" y="3561039"/>
+            <a:ext cx="9763125" cy="1238250"/>
+          </a:xfrm>
+          <a:prstGeom prst="rect">
+            <a:avLst/>
+          </a:prstGeom>
+        </p:spPr>
+      </p:pic>
+      <p:pic>
+        <p:nvPicPr>
+          <p:cNvPr id="7" name="Inhaltsplatzhalter 5"/>
+          <p:cNvPicPr>
+            <a:picLocks noGrp="1" noChangeAspect="1"/>
+          </p:cNvPicPr>
+          <p:nvPr>
+            <p:ph idx="1"/>
+          </p:nvPr>
+        </p:nvPicPr>
+        <p:blipFill>
+          <a:blip r:embed="rId3">
+            <a:extLst>
+              <a:ext uri="{28A0092B-C50C-407E-A947-70E740481C1C}">
+                <a14:useLocalDpi xmlns:a14="http://schemas.microsoft.com/office/drawing/2010/main" val="0"/>
+              </a:ext>
+            </a:extLst>
+          </a:blip>
+          <a:stretch>
+            <a:fillRect/>
+          </a:stretch>
+        </p:blipFill>
+        <p:spPr>
+          <a:xfrm>
+            <a:off x="1083185" y="2272470"/>
+            <a:ext cx="9591675" cy="1047750"/>
+          </a:xfrm>
+        </p:spPr>
+      </p:pic>
+    </p:spTree>
+    <p:extLst>
+      <p:ext uri="{BB962C8B-B14F-4D97-AF65-F5344CB8AC3E}">
+        <p14:creationId xmlns:p14="http://schemas.microsoft.com/office/powerpoint/2010/main" val="1106582319"/>
+      </p:ext>
+    </p:extLst>
+  </p:cSld>
+  <p:clrMapOvr>
+    <a:masterClrMapping/>
+  </p:clrMapOvr>
+</p:sld>
+</file>
+
+<file path=ppt/slides/slide28.xml><?xml version="1.0" encoding="utf-8"?>
+<p:sld xmlns:a="http://schemas.openxmlformats.org/drawingml/2006/main" xmlns:r="http://schemas.openxmlformats.org/officeDocument/2006/relationships" xmlns:p="http://schemas.openxmlformats.org/presentationml/2006/main">
+  <p:cSld>
+    <p:spTree>
+      <p:nvGrpSpPr>
+        <p:cNvPr id="1" name=""/>
+        <p:cNvGrpSpPr/>
+        <p:nvPr/>
+      </p:nvGrpSpPr>
+      <p:grpSpPr>
+        <a:xfrm>
+          <a:off x="0" y="0"/>
+          <a:ext cx="0" cy="0"/>
+          <a:chOff x="0" y="0"/>
+          <a:chExt cx="0" cy="0"/>
+        </a:xfrm>
+      </p:grpSpPr>
+      <p:sp>
+        <p:nvSpPr>
+          <p:cNvPr id="2" name="Titel 1"/>
+          <p:cNvSpPr>
+            <a:spLocks noGrp="1"/>
+          </p:cNvSpPr>
+          <p:nvPr>
+            <p:ph type="title"/>
+          </p:nvPr>
+        </p:nvSpPr>
+        <p:spPr/>
+        <p:txBody>
+          <a:bodyPr/>
+          <a:lstStyle/>
+          <a:p>
+            <a:r>
+              <a:rPr lang="en-GB" dirty="0" smtClean="0"/>
+              <a:t>Starlet</a:t>
+            </a:r>
+            <a:endParaRPr lang="en-GB" dirty="0"/>
+          </a:p>
+        </p:txBody>
+      </p:sp>
+      <p:pic>
+        <p:nvPicPr>
+          <p:cNvPr id="4" name="Inhaltsplatzhalter 3"/>
+          <p:cNvPicPr>
+            <a:picLocks noGrp="1" noChangeAspect="1"/>
+          </p:cNvPicPr>
+          <p:nvPr>
+            <p:ph idx="1"/>
+          </p:nvPr>
+        </p:nvPicPr>
+        <p:blipFill>
+          <a:blip r:embed="rId2">
+            <a:extLst>
+              <a:ext uri="{28A0092B-C50C-407E-A947-70E740481C1C}">
+                <a14:useLocalDpi xmlns:a14="http://schemas.microsoft.com/office/drawing/2010/main" val="0"/>
+              </a:ext>
+            </a:extLst>
+          </a:blip>
+          <a:stretch>
+            <a:fillRect/>
+          </a:stretch>
+        </p:blipFill>
+        <p:spPr>
+          <a:xfrm>
+            <a:off x="3490548" y="1964931"/>
+            <a:ext cx="5344535" cy="3986417"/>
+          </a:xfrm>
+        </p:spPr>
+      </p:pic>
+    </p:spTree>
+    <p:extLst>
+      <p:ext uri="{BB962C8B-B14F-4D97-AF65-F5344CB8AC3E}">
+        <p14:creationId xmlns:p14="http://schemas.microsoft.com/office/powerpoint/2010/main" val="3175454009"/>
+      </p:ext>
+    </p:extLst>
+  </p:cSld>
+  <p:clrMapOvr>
+    <a:masterClrMapping/>
+  </p:clrMapOvr>
+</p:sld>
+</file>
+
+<file path=ppt/slides/slide29.xml><?xml version="1.0" encoding="utf-8"?>
+<p:sld xmlns:a="http://schemas.openxmlformats.org/drawingml/2006/main" xmlns:r="http://schemas.openxmlformats.org/officeDocument/2006/relationships" xmlns:p="http://schemas.openxmlformats.org/presentationml/2006/main">
+  <p:cSld>
+    <p:spTree>
+      <p:nvGrpSpPr>
+        <p:cNvPr id="1" name=""/>
+        <p:cNvGrpSpPr/>
+        <p:nvPr/>
+      </p:nvGrpSpPr>
+      <p:grpSpPr>
+        <a:xfrm>
+          <a:off x="0" y="0"/>
+          <a:ext cx="0" cy="0"/>
+          <a:chOff x="0" y="0"/>
+          <a:chExt cx="0" cy="0"/>
+        </a:xfrm>
+      </p:grpSpPr>
+      <p:sp>
+        <p:nvSpPr>
+          <p:cNvPr id="2" name="Titel 1"/>
+          <p:cNvSpPr>
+            <a:spLocks noGrp="1"/>
+          </p:cNvSpPr>
+          <p:nvPr>
+            <p:ph type="title"/>
+          </p:nvPr>
+        </p:nvSpPr>
+        <p:spPr/>
+        <p:txBody>
+          <a:bodyPr/>
+          <a:lstStyle/>
+          <a:p>
+            <a:r>
+              <a:rPr lang="en-GB" dirty="0" smtClean="0"/>
+              <a:t>Super Resolution (but)</a:t>
+            </a:r>
+            <a:endParaRPr lang="en-GB" dirty="0"/>
+          </a:p>
+        </p:txBody>
+      </p:sp>
+      <p:pic>
+        <p:nvPicPr>
+          <p:cNvPr id="4" name="Inhaltsplatzhalter 3"/>
+          <p:cNvPicPr>
+            <a:picLocks noGrp="1" noChangeAspect="1"/>
+          </p:cNvPicPr>
+          <p:nvPr>
+            <p:ph idx="1"/>
+          </p:nvPr>
+        </p:nvPicPr>
+        <p:blipFill>
+          <a:blip r:embed="rId2">
+            <a:extLst>
+              <a:ext uri="{28A0092B-C50C-407E-A947-70E740481C1C}">
+                <a14:useLocalDpi xmlns:a14="http://schemas.microsoft.com/office/drawing/2010/main" val="0"/>
+              </a:ext>
+            </a:extLst>
+          </a:blip>
+          <a:stretch>
+            <a:fillRect/>
+          </a:stretch>
+        </p:blipFill>
+        <p:spPr>
+          <a:xfrm>
+            <a:off x="3562404" y="2223389"/>
+            <a:ext cx="2797064" cy="2797064"/>
+          </a:xfrm>
+        </p:spPr>
+      </p:pic>
+      <p:pic>
+        <p:nvPicPr>
+          <p:cNvPr id="5" name="Grafik 4"/>
+          <p:cNvPicPr>
+            <a:picLocks noChangeAspect="1"/>
+          </p:cNvPicPr>
+          <p:nvPr/>
+        </p:nvPicPr>
+        <p:blipFill>
+          <a:blip r:embed="rId3">
+            <a:extLst>
+              <a:ext uri="{28A0092B-C50C-407E-A947-70E740481C1C}">
+                <a14:useLocalDpi xmlns:a14="http://schemas.microsoft.com/office/drawing/2010/main" val="0"/>
+              </a:ext>
+            </a:extLst>
+          </a:blip>
+          <a:stretch>
+            <a:fillRect/>
+          </a:stretch>
+        </p:blipFill>
+        <p:spPr>
+          <a:xfrm>
+            <a:off x="722011" y="2223389"/>
+            <a:ext cx="2797064" cy="2797064"/>
+          </a:xfrm>
+          <a:prstGeom prst="rect">
+            <a:avLst/>
+          </a:prstGeom>
+        </p:spPr>
+      </p:pic>
+      <p:pic>
+        <p:nvPicPr>
+          <p:cNvPr id="6" name="Grafik 5"/>
+          <p:cNvPicPr>
+            <a:picLocks noChangeAspect="1"/>
+          </p:cNvPicPr>
+          <p:nvPr/>
+        </p:nvPicPr>
+        <p:blipFill>
+          <a:blip r:embed="rId4">
+            <a:extLst>
+              <a:ext uri="{28A0092B-C50C-407E-A947-70E740481C1C}">
+                <a14:useLocalDpi xmlns:a14="http://schemas.microsoft.com/office/drawing/2010/main" val="0"/>
+              </a:ext>
+            </a:extLst>
+          </a:blip>
+          <a:stretch>
+            <a:fillRect/>
+          </a:stretch>
+        </p:blipFill>
+        <p:spPr>
+          <a:xfrm>
+            <a:off x="6402797" y="2223389"/>
+            <a:ext cx="2797064" cy="2797064"/>
+          </a:xfrm>
+          <a:prstGeom prst="rect">
+            <a:avLst/>
+          </a:prstGeom>
+        </p:spPr>
+      </p:pic>
+      <p:pic>
+        <p:nvPicPr>
+          <p:cNvPr id="7" name="Grafik 6"/>
+          <p:cNvPicPr>
+            <a:picLocks noChangeAspect="1"/>
+          </p:cNvPicPr>
+          <p:nvPr/>
+        </p:nvPicPr>
+        <p:blipFill>
+          <a:blip r:embed="rId5">
+            <a:extLst>
+              <a:ext uri="{28A0092B-C50C-407E-A947-70E740481C1C}">
+                <a14:useLocalDpi xmlns:a14="http://schemas.microsoft.com/office/drawing/2010/main" val="0"/>
+              </a:ext>
+            </a:extLst>
+          </a:blip>
+          <a:stretch>
+            <a:fillRect/>
+          </a:stretch>
+        </p:blipFill>
+        <p:spPr>
+          <a:xfrm>
+            <a:off x="9243190" y="2223389"/>
+            <a:ext cx="2797064" cy="2797064"/>
+          </a:xfrm>
+          <a:prstGeom prst="rect">
+            <a:avLst/>
+          </a:prstGeom>
+        </p:spPr>
+      </p:pic>
+    </p:spTree>
+    <p:extLst>
+      <p:ext uri="{BB962C8B-B14F-4D97-AF65-F5344CB8AC3E}">
+        <p14:creationId xmlns:p14="http://schemas.microsoft.com/office/powerpoint/2010/main" val="714275184"/>
+      </p:ext>
+    </p:extLst>
+  </p:cSld>
+  <p:clrMapOvr>
+    <a:masterClrMapping/>
+  </p:clrMapOvr>
+</p:sld>
+</file>
+
+<file path=ppt/slides/slide3.xml><?xml version="1.0" encoding="utf-8"?>
+<p:sld xmlns:a="http://schemas.openxmlformats.org/drawingml/2006/main" xmlns:r="http://schemas.openxmlformats.org/officeDocument/2006/relationships" xmlns:p="http://schemas.openxmlformats.org/presentationml/2006/main">
+  <p:cSld>
+    <p:spTree>
+      <p:nvGrpSpPr>
+        <p:cNvPr id="1" name=""/>
+        <p:cNvGrpSpPr/>
+        <p:nvPr/>
+      </p:nvGrpSpPr>
+      <p:grpSpPr>
+        <a:xfrm>
+          <a:off x="0" y="0"/>
+          <a:ext cx="0" cy="0"/>
+          <a:chOff x="0" y="0"/>
+          <a:chExt cx="0" cy="0"/>
+        </a:xfrm>
+      </p:grpSpPr>
+      <p:pic>
+        <p:nvPicPr>
+          <p:cNvPr id="6" name="Inhaltsplatzhalter 5"/>
+          <p:cNvPicPr>
+            <a:picLocks noGrp="1" noChangeAspect="1"/>
+          </p:cNvPicPr>
+          <p:nvPr>
+            <p:ph idx="1"/>
+          </p:nvPr>
+        </p:nvPicPr>
+        <p:blipFill>
+          <a:blip r:embed="rId2">
+            <a:extLst>
+              <a:ext uri="{28A0092B-C50C-407E-A947-70E740481C1C}">
+                <a14:useLocalDpi xmlns:a14="http://schemas.microsoft.com/office/drawing/2010/main" val="0"/>
+              </a:ext>
+            </a:extLst>
+          </a:blip>
+          <a:stretch>
+            <a:fillRect/>
+          </a:stretch>
+        </p:blipFill>
+        <p:spPr>
+          <a:xfrm>
+            <a:off x="1300162" y="2766219"/>
+            <a:ext cx="9591675" cy="1047750"/>
+          </a:xfrm>
+        </p:spPr>
+      </p:pic>
+      <p:sp>
+        <p:nvSpPr>
+          <p:cNvPr id="2" name="Titel 1"/>
+          <p:cNvSpPr>
+            <a:spLocks noGrp="1"/>
+          </p:cNvSpPr>
+          <p:nvPr>
+            <p:ph type="title"/>
+          </p:nvPr>
+        </p:nvSpPr>
+        <p:spPr/>
+        <p:txBody>
+          <a:bodyPr/>
+          <a:lstStyle/>
+          <a:p>
+            <a:r>
+              <a:rPr lang="en-GB" dirty="0"/>
+              <a:t>Reconstruction Problem</a:t>
+            </a:r>
+          </a:p>
+        </p:txBody>
+      </p:sp>
+      <p:sp>
+        <p:nvSpPr>
+          <p:cNvPr id="8" name="Textfeld 7"/>
+          <p:cNvSpPr txBox="1"/>
+          <p:nvPr/>
+        </p:nvSpPr>
+        <p:spPr>
+          <a:xfrm>
+            <a:off x="3359035" y="4454632"/>
+            <a:ext cx="3006785" cy="646331"/>
+          </a:xfrm>
+          <a:prstGeom prst="rect">
+            <a:avLst/>
+          </a:prstGeom>
+          <a:noFill/>
+        </p:spPr>
+        <p:txBody>
+          <a:bodyPr wrap="none" rtlCol="0">
+            <a:spAutoFit/>
+          </a:bodyPr>
+          <a:lstStyle/>
+          <a:p>
+            <a:pPr algn="ctr"/>
+            <a:r>
+              <a:rPr lang="en-GB" sz="3600" dirty="0" smtClean="0"/>
+              <a:t>Measurements</a:t>
+            </a:r>
+            <a:endParaRPr lang="en-GB" sz="3600" dirty="0"/>
+          </a:p>
+        </p:txBody>
+      </p:sp>
+      <p:sp>
+        <p:nvSpPr>
+          <p:cNvPr id="9" name="Textfeld 8"/>
+          <p:cNvSpPr txBox="1"/>
+          <p:nvPr/>
+        </p:nvSpPr>
+        <p:spPr>
+          <a:xfrm>
+            <a:off x="7619999" y="1582122"/>
+            <a:ext cx="1334981" cy="646331"/>
+          </a:xfrm>
+          <a:prstGeom prst="rect">
+            <a:avLst/>
+          </a:prstGeom>
+          <a:noFill/>
+        </p:spPr>
+        <p:txBody>
+          <a:bodyPr wrap="none" rtlCol="0">
+            <a:spAutoFit/>
+          </a:bodyPr>
+          <a:lstStyle/>
+          <a:p>
+            <a:r>
+              <a:rPr lang="en-GB" sz="3600" dirty="0" smtClean="0"/>
+              <a:t>Image</a:t>
+            </a:r>
+            <a:endParaRPr lang="en-GB" sz="3600" dirty="0"/>
+          </a:p>
+        </p:txBody>
+      </p:sp>
+      <p:cxnSp>
+        <p:nvCxnSpPr>
+          <p:cNvPr id="11" name="Gerade Verbindung mit Pfeil 10"/>
+          <p:cNvCxnSpPr>
+            <a:stCxn id="9" idx="3"/>
+          </p:cNvCxnSpPr>
+          <p:nvPr/>
+        </p:nvCxnSpPr>
+        <p:spPr>
+          <a:xfrm>
+            <a:off x="8954980" y="1905289"/>
+            <a:ext cx="934087" cy="957823"/>
+          </a:xfrm>
+          <a:prstGeom prst="straightConnector1">
+            <a:avLst/>
+          </a:prstGeom>
+          <a:ln w="85725">
+            <a:tailEnd type="triangle"/>
+          </a:ln>
+        </p:spPr>
+        <p:style>
+          <a:lnRef idx="1">
+            <a:schemeClr val="accent1"/>
+          </a:lnRef>
+          <a:fillRef idx="0">
+            <a:schemeClr val="accent1"/>
+          </a:fillRef>
+          <a:effectRef idx="0">
+            <a:schemeClr val="accent1"/>
+          </a:effectRef>
+          <a:fontRef idx="minor">
+            <a:schemeClr val="tx1"/>
+          </a:fontRef>
+        </p:style>
+      </p:cxnSp>
+      <p:cxnSp>
+        <p:nvCxnSpPr>
+          <p:cNvPr id="12" name="Gerade Verbindung mit Pfeil 11"/>
+          <p:cNvCxnSpPr>
+            <a:stCxn id="9" idx="1"/>
+          </p:cNvCxnSpPr>
+          <p:nvPr/>
+        </p:nvCxnSpPr>
+        <p:spPr>
+          <a:xfrm flipH="1">
+            <a:off x="6718987" y="1905288"/>
+            <a:ext cx="901012" cy="1002397"/>
+          </a:xfrm>
+          <a:prstGeom prst="straightConnector1">
+            <a:avLst/>
+          </a:prstGeom>
+          <a:ln w="85725">
+            <a:tailEnd type="triangle"/>
+          </a:ln>
+        </p:spPr>
+        <p:style>
+          <a:lnRef idx="1">
+            <a:schemeClr val="accent1"/>
+          </a:lnRef>
+          <a:fillRef idx="0">
+            <a:schemeClr val="accent1"/>
+          </a:fillRef>
+          <a:effectRef idx="0">
+            <a:schemeClr val="accent1"/>
+          </a:effectRef>
+          <a:fontRef idx="minor">
+            <a:schemeClr val="tx1"/>
+          </a:fontRef>
+        </p:style>
+      </p:cxnSp>
+      <p:cxnSp>
+        <p:nvCxnSpPr>
+          <p:cNvPr id="10" name="Gerade Verbindung mit Pfeil 9"/>
+          <p:cNvCxnSpPr>
+            <a:stCxn id="8" idx="0"/>
+          </p:cNvCxnSpPr>
+          <p:nvPr/>
+        </p:nvCxnSpPr>
+        <p:spPr>
+          <a:xfrm flipH="1" flipV="1">
+            <a:off x="4856205" y="3600450"/>
+            <a:ext cx="6223" cy="854182"/>
+          </a:xfrm>
+          <a:prstGeom prst="straightConnector1">
+            <a:avLst/>
+          </a:prstGeom>
+          <a:ln w="85725">
+            <a:tailEnd type="triangle"/>
+          </a:ln>
+        </p:spPr>
+        <p:style>
+          <a:lnRef idx="1">
+            <a:schemeClr val="accent1"/>
+          </a:lnRef>
+          <a:fillRef idx="0">
+            <a:schemeClr val="accent1"/>
+          </a:fillRef>
+          <a:effectRef idx="0">
+            <a:schemeClr val="accent1"/>
+          </a:effectRef>
+          <a:fontRef idx="minor">
+            <a:schemeClr val="tx1"/>
+          </a:fontRef>
+        </p:style>
+      </p:cxnSp>
+    </p:spTree>
+    <p:extLst>
+      <p:ext uri="{BB962C8B-B14F-4D97-AF65-F5344CB8AC3E}">
+        <p14:creationId xmlns:p14="http://schemas.microsoft.com/office/powerpoint/2010/main" val="2110733321"/>
+      </p:ext>
+    </p:extLst>
+  </p:cSld>
+  <p:clrMapOvr>
+    <a:masterClrMapping/>
+  </p:clrMapOvr>
+  <p:timing>
+    <p:tnLst>
+      <p:par>
+        <p:cTn id="1" dur="indefinite" restart="never" nodeType="tmRoot"/>
+      </p:par>
+    </p:tnLst>
+  </p:timing>
+</p:sld>
+</file>
+
+<file path=ppt/slides/slide30.xml><?xml version="1.0" encoding="utf-8"?>
+<p:sld xmlns:a="http://schemas.openxmlformats.org/drawingml/2006/main" xmlns:r="http://schemas.openxmlformats.org/officeDocument/2006/relationships" xmlns:p="http://schemas.openxmlformats.org/presentationml/2006/main">
+  <p:cSld>
+    <p:spTree>
+      <p:nvGrpSpPr>
+        <p:cNvPr id="1" name=""/>
+        <p:cNvGrpSpPr/>
+        <p:nvPr/>
+      </p:nvGrpSpPr>
+      <p:grpSpPr>
+        <a:xfrm>
+          <a:off x="0" y="0"/>
+          <a:ext cx="0" cy="0"/>
+          <a:chOff x="0" y="0"/>
+          <a:chExt cx="0" cy="0"/>
+        </a:xfrm>
+      </p:grpSpPr>
+      <p:pic>
+        <p:nvPicPr>
+          <p:cNvPr id="5" name="Grafik 4"/>
+          <p:cNvPicPr>
+            <a:picLocks noChangeAspect="1"/>
+          </p:cNvPicPr>
+          <p:nvPr/>
+        </p:nvPicPr>
+        <p:blipFill>
+          <a:blip r:embed="rId2">
+            <a:extLst>
+              <a:ext uri="{28A0092B-C50C-407E-A947-70E740481C1C}">
+                <a14:useLocalDpi xmlns:a14="http://schemas.microsoft.com/office/drawing/2010/main" val="0"/>
+              </a:ext>
+            </a:extLst>
+          </a:blip>
+          <a:stretch>
+            <a:fillRect/>
+          </a:stretch>
+        </p:blipFill>
+        <p:spPr>
+          <a:xfrm>
+            <a:off x="838200" y="1841103"/>
+            <a:ext cx="4171950" cy="895350"/>
+          </a:xfrm>
+          <a:prstGeom prst="rect">
+            <a:avLst/>
+          </a:prstGeom>
+        </p:spPr>
+      </p:pic>
+      <p:sp>
+        <p:nvSpPr>
+          <p:cNvPr id="2" name="Titel 1"/>
+          <p:cNvSpPr>
+            <a:spLocks noGrp="1"/>
+          </p:cNvSpPr>
+          <p:nvPr>
+            <p:ph type="title"/>
+          </p:nvPr>
+        </p:nvSpPr>
+        <p:spPr/>
+        <p:txBody>
+          <a:bodyPr/>
+          <a:lstStyle/>
+          <a:p>
+            <a:r>
+              <a:rPr lang="en-GB" dirty="0"/>
+              <a:t>CLEAN and the non-uniform FFT</a:t>
+            </a:r>
+          </a:p>
+        </p:txBody>
+      </p:sp>
+      <p:sp>
+        <p:nvSpPr>
+          <p:cNvPr id="3" name="Inhaltsplatzhalter 2"/>
+          <p:cNvSpPr>
+            <a:spLocks noGrp="1"/>
+          </p:cNvSpPr>
+          <p:nvPr>
+            <p:ph idx="1"/>
+          </p:nvPr>
+        </p:nvSpPr>
+        <p:spPr/>
+        <p:txBody>
+          <a:bodyPr/>
+          <a:lstStyle/>
+          <a:p>
+            <a:endParaRPr lang="en-GB" dirty="0"/>
+          </a:p>
+        </p:txBody>
+      </p:sp>
+    </p:spTree>
+    <p:extLst>
+      <p:ext uri="{BB962C8B-B14F-4D97-AF65-F5344CB8AC3E}">
+        <p14:creationId xmlns:p14="http://schemas.microsoft.com/office/powerpoint/2010/main" val="2254098732"/>
+      </p:ext>
+    </p:extLst>
+  </p:cSld>
+  <p:clrMapOvr>
+    <a:masterClrMapping/>
+  </p:clrMapOvr>
+  <mc:AlternateContent xmlns:mc="http://schemas.openxmlformats.org/markup-compatibility/2006">
+    <mc:Choice xmlns:p14="http://schemas.microsoft.com/office/powerpoint/2010/main" Requires="p14">
+      <p:transition spd="slow" p14:dur="2000"/>
+    </mc:Choice>
+    <mc:Fallback>
+      <p:transition spd="slow"/>
+    </mc:Fallback>
+  </mc:AlternateContent>
+  <p:timing>
+    <p:tnLst>
+      <p:par>
+        <p:cTn id="1" dur="indefinite" restart="never" nodeType="tmRoot"/>
+      </p:par>
+    </p:tnLst>
+  </p:timing>
+</p:sld>
+</file>
+
+<file path=ppt/slides/slide31.xml><?xml version="1.0" encoding="utf-8"?>
+<p:sld xmlns:a="http://schemas.openxmlformats.org/drawingml/2006/main" xmlns:r="http://schemas.openxmlformats.org/officeDocument/2006/relationships" xmlns:p="http://schemas.openxmlformats.org/presentationml/2006/main">
+  <p:cSld>
+    <p:spTree>
+      <p:nvGrpSpPr>
+        <p:cNvPr id="1" name=""/>
+        <p:cNvGrpSpPr/>
+        <p:nvPr/>
+      </p:nvGrpSpPr>
+      <p:grpSpPr>
+        <a:xfrm>
+          <a:off x="0" y="0"/>
+          <a:ext cx="0" cy="0"/>
+          <a:chOff x="0" y="0"/>
+          <a:chExt cx="0" cy="0"/>
+        </a:xfrm>
+      </p:grpSpPr>
+      <p:pic>
+        <p:nvPicPr>
+          <p:cNvPr id="5" name="Grafik 4"/>
+          <p:cNvPicPr>
+            <a:picLocks noChangeAspect="1"/>
+          </p:cNvPicPr>
+          <p:nvPr/>
+        </p:nvPicPr>
+        <p:blipFill>
+          <a:blip r:embed="rId2">
+            <a:extLst>
+              <a:ext uri="{28A0092B-C50C-407E-A947-70E740481C1C}">
+                <a14:useLocalDpi xmlns:a14="http://schemas.microsoft.com/office/drawing/2010/main" val="0"/>
+              </a:ext>
+            </a:extLst>
+          </a:blip>
+          <a:stretch>
+            <a:fillRect/>
+          </a:stretch>
+        </p:blipFill>
+        <p:spPr>
+          <a:xfrm>
+            <a:off x="838200" y="1841103"/>
+            <a:ext cx="4171950" cy="895350"/>
+          </a:xfrm>
+          <a:prstGeom prst="rect">
+            <a:avLst/>
+          </a:prstGeom>
+        </p:spPr>
+      </p:pic>
+      <p:pic>
+        <p:nvPicPr>
+          <p:cNvPr id="6" name="Grafik 5"/>
+          <p:cNvPicPr>
+            <a:picLocks noChangeAspect="1"/>
+          </p:cNvPicPr>
+          <p:nvPr/>
+        </p:nvPicPr>
+        <p:blipFill>
+          <a:blip r:embed="rId3">
+            <a:extLst>
+              <a:ext uri="{28A0092B-C50C-407E-A947-70E740481C1C}">
+                <a14:useLocalDpi xmlns:a14="http://schemas.microsoft.com/office/drawing/2010/main" val="0"/>
+              </a:ext>
+            </a:extLst>
+          </a:blip>
+          <a:stretch>
+            <a:fillRect/>
+          </a:stretch>
+        </p:blipFill>
+        <p:spPr>
+          <a:xfrm>
+            <a:off x="838200" y="2886869"/>
+            <a:ext cx="10963275" cy="1114425"/>
+          </a:xfrm>
+          <a:prstGeom prst="rect">
+            <a:avLst/>
+          </a:prstGeom>
+        </p:spPr>
+      </p:pic>
+      <p:sp>
+        <p:nvSpPr>
+          <p:cNvPr id="2" name="Titel 1"/>
+          <p:cNvSpPr>
+            <a:spLocks noGrp="1"/>
+          </p:cNvSpPr>
+          <p:nvPr>
+            <p:ph type="title"/>
+          </p:nvPr>
+        </p:nvSpPr>
+        <p:spPr/>
+        <p:txBody>
+          <a:bodyPr/>
+          <a:lstStyle/>
+          <a:p>
+            <a:r>
+              <a:rPr lang="en-GB" dirty="0"/>
+              <a:t>CLEAN and the non-uniform FFT</a:t>
+            </a:r>
+          </a:p>
+        </p:txBody>
+      </p:sp>
+      <p:sp>
+        <p:nvSpPr>
+          <p:cNvPr id="3" name="Inhaltsplatzhalter 2"/>
+          <p:cNvSpPr>
+            <a:spLocks noGrp="1"/>
+          </p:cNvSpPr>
+          <p:nvPr>
+            <p:ph idx="1"/>
+          </p:nvPr>
+        </p:nvSpPr>
+        <p:spPr/>
+        <p:txBody>
+          <a:bodyPr/>
+          <a:lstStyle/>
+          <a:p>
+            <a:endParaRPr lang="en-GB"/>
+          </a:p>
+        </p:txBody>
+      </p:sp>
+    </p:spTree>
+    <p:extLst>
+      <p:ext uri="{BB962C8B-B14F-4D97-AF65-F5344CB8AC3E}">
+        <p14:creationId xmlns:p14="http://schemas.microsoft.com/office/powerpoint/2010/main" val="64983413"/>
+      </p:ext>
+    </p:extLst>
+  </p:cSld>
+  <p:clrMapOvr>
+    <a:masterClrMapping/>
+  </p:clrMapOvr>
+  <mc:AlternateContent xmlns:mc="http://schemas.openxmlformats.org/markup-compatibility/2006">
+    <mc:Choice xmlns:p14="http://schemas.microsoft.com/office/powerpoint/2010/main" Requires="p14">
+      <p:transition spd="slow" p14:dur="2000"/>
+    </mc:Choice>
+    <mc:Fallback>
+      <p:transition spd="slow"/>
+    </mc:Fallback>
+  </mc:AlternateContent>
+  <p:timing>
+    <p:tnLst>
+      <p:par>
+        <p:cTn id="1" dur="indefinite" restart="never" nodeType="tmRoot"/>
+      </p:par>
+    </p:tnLst>
+  </p:timing>
+</p:sld>
+</file>
+
+<file path=ppt/slides/slide32.xml><?xml version="1.0" encoding="utf-8"?>
+<p:sld xmlns:a="http://schemas.openxmlformats.org/drawingml/2006/main" xmlns:r="http://schemas.openxmlformats.org/officeDocument/2006/relationships" xmlns:p="http://schemas.openxmlformats.org/presentationml/2006/main">
+  <p:cSld>
+    <p:spTree>
+      <p:nvGrpSpPr>
+        <p:cNvPr id="1" name=""/>
+        <p:cNvGrpSpPr/>
+        <p:nvPr/>
+      </p:nvGrpSpPr>
+      <p:grpSpPr>
+        <a:xfrm>
+          <a:off x="0" y="0"/>
+          <a:ext cx="0" cy="0"/>
+          <a:chOff x="0" y="0"/>
+          <a:chExt cx="0" cy="0"/>
+        </a:xfrm>
+      </p:grpSpPr>
+      <p:sp>
+        <p:nvSpPr>
+          <p:cNvPr id="4" name="Rechteck 3"/>
+          <p:cNvSpPr/>
+          <p:nvPr/>
+        </p:nvSpPr>
+        <p:spPr>
+          <a:xfrm>
+            <a:off x="3302128" y="1841103"/>
+            <a:ext cx="1219200" cy="771271"/>
+          </a:xfrm>
+          <a:prstGeom prst="rect">
+            <a:avLst/>
+          </a:prstGeom>
+          <a:solidFill>
+            <a:schemeClr val="accent2">
+              <a:lumMod val="75000"/>
+            </a:schemeClr>
+          </a:solidFill>
+        </p:spPr>
+        <p:style>
+          <a:lnRef idx="2">
+            <a:schemeClr val="accent1">
+              <a:shade val="50000"/>
+            </a:schemeClr>
+          </a:lnRef>
+          <a:fillRef idx="1">
+            <a:schemeClr val="accent1"/>
+          </a:fillRef>
+          <a:effectRef idx="0">
+            <a:schemeClr val="accent1"/>
+          </a:effectRef>
+          <a:fontRef idx="minor">
+            <a:schemeClr val="lt1"/>
+          </a:fontRef>
+        </p:style>
+        <p:txBody>
+          <a:bodyPr rtlCol="0" anchor="ctr"/>
+          <a:lstStyle/>
+          <a:p>
+            <a:pPr algn="ctr"/>
+            <a:endParaRPr lang="en-GB"/>
+          </a:p>
+        </p:txBody>
+      </p:sp>
+      <p:pic>
+        <p:nvPicPr>
+          <p:cNvPr id="5" name="Grafik 4"/>
+          <p:cNvPicPr>
+            <a:picLocks noChangeAspect="1"/>
+          </p:cNvPicPr>
+          <p:nvPr/>
+        </p:nvPicPr>
+        <p:blipFill>
+          <a:blip r:embed="rId2">
+            <a:extLst>
+              <a:ext uri="{28A0092B-C50C-407E-A947-70E740481C1C}">
+                <a14:useLocalDpi xmlns:a14="http://schemas.microsoft.com/office/drawing/2010/main" val="0"/>
+              </a:ext>
+            </a:extLst>
+          </a:blip>
+          <a:stretch>
+            <a:fillRect/>
+          </a:stretch>
+        </p:blipFill>
+        <p:spPr>
+          <a:xfrm>
+            <a:off x="838200" y="1841103"/>
+            <a:ext cx="4171950" cy="895350"/>
+          </a:xfrm>
+          <a:prstGeom prst="rect">
+            <a:avLst/>
+          </a:prstGeom>
+        </p:spPr>
+      </p:pic>
+      <p:sp>
+        <p:nvSpPr>
+          <p:cNvPr id="7" name="Rechteck 6"/>
+          <p:cNvSpPr/>
+          <p:nvPr/>
+        </p:nvSpPr>
+        <p:spPr>
+          <a:xfrm>
+            <a:off x="7485888" y="3021806"/>
+            <a:ext cx="1511808" cy="771271"/>
+          </a:xfrm>
+          <a:prstGeom prst="rect">
+            <a:avLst/>
+          </a:prstGeom>
+          <a:solidFill>
+            <a:schemeClr val="accent2">
+              <a:lumMod val="75000"/>
+            </a:schemeClr>
+          </a:solidFill>
+        </p:spPr>
+        <p:style>
+          <a:lnRef idx="2">
+            <a:schemeClr val="accent1">
+              <a:shade val="50000"/>
+            </a:schemeClr>
+          </a:lnRef>
+          <a:fillRef idx="1">
+            <a:schemeClr val="accent1"/>
+          </a:fillRef>
+          <a:effectRef idx="0">
+            <a:schemeClr val="accent1"/>
+          </a:effectRef>
+          <a:fontRef idx="minor">
+            <a:schemeClr val="lt1"/>
+          </a:fontRef>
+        </p:style>
+        <p:txBody>
+          <a:bodyPr rtlCol="0" anchor="ctr"/>
+          <a:lstStyle/>
+          <a:p>
+            <a:pPr algn="ctr"/>
+            <a:endParaRPr lang="en-GB"/>
+          </a:p>
+        </p:txBody>
+      </p:sp>
+      <p:pic>
+        <p:nvPicPr>
+          <p:cNvPr id="6" name="Grafik 5"/>
+          <p:cNvPicPr>
+            <a:picLocks noChangeAspect="1"/>
+          </p:cNvPicPr>
+          <p:nvPr/>
+        </p:nvPicPr>
+        <p:blipFill>
+          <a:blip r:embed="rId3">
+            <a:extLst>
+              <a:ext uri="{28A0092B-C50C-407E-A947-70E740481C1C}">
+                <a14:useLocalDpi xmlns:a14="http://schemas.microsoft.com/office/drawing/2010/main" val="0"/>
+              </a:ext>
+            </a:extLst>
+          </a:blip>
+          <a:stretch>
+            <a:fillRect/>
+          </a:stretch>
+        </p:blipFill>
+        <p:spPr>
+          <a:xfrm>
+            <a:off x="838200" y="2886869"/>
+            <a:ext cx="10963275" cy="1114425"/>
+          </a:xfrm>
+          <a:prstGeom prst="rect">
+            <a:avLst/>
+          </a:prstGeom>
+        </p:spPr>
+      </p:pic>
+      <p:sp>
+        <p:nvSpPr>
+          <p:cNvPr id="2" name="Titel 1"/>
+          <p:cNvSpPr>
+            <a:spLocks noGrp="1"/>
+          </p:cNvSpPr>
+          <p:nvPr>
+            <p:ph type="title"/>
+          </p:nvPr>
+        </p:nvSpPr>
+        <p:spPr/>
+        <p:txBody>
+          <a:bodyPr/>
+          <a:lstStyle/>
+          <a:p>
+            <a:r>
+              <a:rPr lang="en-GB" dirty="0"/>
+              <a:t>CLEAN and the non-uniform FFT</a:t>
+            </a:r>
+          </a:p>
+        </p:txBody>
+      </p:sp>
+    </p:spTree>
+    <p:extLst>
+      <p:ext uri="{BB962C8B-B14F-4D97-AF65-F5344CB8AC3E}">
+        <p14:creationId xmlns:p14="http://schemas.microsoft.com/office/powerpoint/2010/main" val="853479234"/>
+      </p:ext>
+    </p:extLst>
+  </p:cSld>
+  <p:clrMapOvr>
+    <a:masterClrMapping/>
+  </p:clrMapOvr>
+  <mc:AlternateContent xmlns:mc="http://schemas.openxmlformats.org/markup-compatibility/2006">
+    <mc:Choice xmlns:p14="http://schemas.microsoft.com/office/powerpoint/2010/main" Requires="p14">
+      <p:transition spd="slow" p14:dur="2000"/>
+    </mc:Choice>
+    <mc:Fallback>
+      <p:transition spd="slow"/>
+    </mc:Fallback>
+  </mc:AlternateContent>
+  <p:timing>
+    <p:tnLst>
+      <p:par>
+        <p:cTn id="1" dur="indefinite" restart="never" nodeType="tmRoot"/>
+      </p:par>
+    </p:tnLst>
+  </p:timing>
+</p:sld>
+</file>
+
+<file path=ppt/slides/slide33.xml><?xml version="1.0" encoding="utf-8"?>
+<p:sld xmlns:a="http://schemas.openxmlformats.org/drawingml/2006/main" xmlns:r="http://schemas.openxmlformats.org/officeDocument/2006/relationships" xmlns:p="http://schemas.openxmlformats.org/presentationml/2006/main">
   <p:cSld>
     <p:spTree>
       <p:nvGrpSpPr>
@@ -4225,11 +8528,11 @@
   <p:clrMapOvr>
     <a:masterClrMapping/>
   </p:clrMapOvr>
-  <mc:AlternateContent xmlns:mc="http://schemas.openxmlformats.org/markup-compatibility/2006" xmlns:p14="http://schemas.microsoft.com/office/powerpoint/2010/main">
-    <mc:Choice Requires="p14">
+  <mc:AlternateContent xmlns:mc="http://schemas.openxmlformats.org/markup-compatibility/2006">
+    <mc:Choice xmlns:p14="http://schemas.microsoft.com/office/powerpoint/2010/main" Requires="p14">
       <p:transition spd="slow" p14:dur="2000"/>
     </mc:Choice>
-    <mc:Fallback xmlns="">
+    <mc:Fallback>
       <p:transition spd="slow"/>
     </mc:Fallback>
   </mc:AlternateContent>
@@ -4240,4391 +8543,6 @@
       </p:par>
     </p:tnLst>
   </p:timing>
-</p:sld>
-</file>
-
-<file path=ppt/slides/slide11.xml><?xml version="1.0" encoding="utf-8"?>
-<p:sld xmlns:a="http://schemas.openxmlformats.org/drawingml/2006/main" xmlns:r="http://schemas.openxmlformats.org/officeDocument/2006/relationships" xmlns:p="http://schemas.openxmlformats.org/presentationml/2006/main">
-  <p:cSld>
-    <p:spTree>
-      <p:nvGrpSpPr>
-        <p:cNvPr id="1" name=""/>
-        <p:cNvGrpSpPr/>
-        <p:nvPr/>
-      </p:nvGrpSpPr>
-      <p:grpSpPr>
-        <a:xfrm>
-          <a:off x="0" y="0"/>
-          <a:ext cx="0" cy="0"/>
-          <a:chOff x="0" y="0"/>
-          <a:chExt cx="0" cy="0"/>
-        </a:xfrm>
-      </p:grpSpPr>
-      <p:pic>
-        <p:nvPicPr>
-          <p:cNvPr id="5" name="Inhaltsplatzhalter 4"/>
-          <p:cNvPicPr>
-            <a:picLocks noGrp="1" noChangeAspect="1"/>
-          </p:cNvPicPr>
-          <p:nvPr>
-            <p:ph idx="1"/>
-          </p:nvPr>
-        </p:nvPicPr>
-        <p:blipFill>
-          <a:blip r:embed="rId2" cstate="print">
-            <a:extLst>
-              <a:ext uri="{28A0092B-C50C-407E-A947-70E740481C1C}">
-                <a14:useLocalDpi xmlns:a14="http://schemas.microsoft.com/office/drawing/2010/main" val="0"/>
-              </a:ext>
-            </a:extLst>
-          </a:blip>
-          <a:stretch>
-            <a:fillRect/>
-          </a:stretch>
-        </p:blipFill>
-        <p:spPr>
-          <a:xfrm>
-            <a:off x="5391900" y="1121551"/>
-            <a:ext cx="5649077" cy="5649077"/>
-          </a:xfrm>
-        </p:spPr>
-      </p:pic>
-      <p:sp>
-        <p:nvSpPr>
-          <p:cNvPr id="2" name="Titel 1"/>
-          <p:cNvSpPr>
-            <a:spLocks noGrp="1"/>
-          </p:cNvSpPr>
-          <p:nvPr>
-            <p:ph type="title"/>
-          </p:nvPr>
-        </p:nvSpPr>
-        <p:spPr/>
-        <p:txBody>
-          <a:bodyPr/>
-          <a:lstStyle/>
-          <a:p>
-            <a:r>
-              <a:rPr lang="en-GB" dirty="0" smtClean="0"/>
-              <a:t>Redundancy and Noise</a:t>
-            </a:r>
-            <a:endParaRPr lang="en-GB" dirty="0"/>
-          </a:p>
-        </p:txBody>
-      </p:sp>
-      <p:pic>
-        <p:nvPicPr>
-          <p:cNvPr id="6" name="Grafik 5"/>
-          <p:cNvPicPr>
-            <a:picLocks noChangeAspect="1"/>
-          </p:cNvPicPr>
-          <p:nvPr/>
-        </p:nvPicPr>
-        <p:blipFill rotWithShape="1">
-          <a:blip r:embed="rId3" cstate="print">
-            <a:extLst>
-              <a:ext uri="{28A0092B-C50C-407E-A947-70E740481C1C}">
-                <a14:useLocalDpi xmlns:a14="http://schemas.microsoft.com/office/drawing/2010/main" val="0"/>
-              </a:ext>
-            </a:extLst>
-          </a:blip>
-          <a:srcRect l="19272" t="9824" r="18139" b="4737"/>
-          <a:stretch/>
-        </p:blipFill>
-        <p:spPr>
-          <a:xfrm>
-            <a:off x="613021" y="1871908"/>
-            <a:ext cx="4644779" cy="4212748"/>
-          </a:xfrm>
-          <a:prstGeom prst="rect">
-            <a:avLst/>
-          </a:prstGeom>
-        </p:spPr>
-      </p:pic>
-    </p:spTree>
-    <p:extLst>
-      <p:ext uri="{BB962C8B-B14F-4D97-AF65-F5344CB8AC3E}">
-        <p14:creationId xmlns:p14="http://schemas.microsoft.com/office/powerpoint/2010/main" val="1528309351"/>
-      </p:ext>
-    </p:extLst>
-  </p:cSld>
-  <p:clrMapOvr>
-    <a:masterClrMapping/>
-  </p:clrMapOvr>
-  <p:timing>
-    <p:tnLst>
-      <p:par>
-        <p:cTn id="1" dur="indefinite" restart="never" nodeType="tmRoot"/>
-      </p:par>
-    </p:tnLst>
-  </p:timing>
-</p:sld>
-</file>
-
-<file path=ppt/slides/slide12.xml><?xml version="1.0" encoding="utf-8"?>
-<p:sld xmlns:a="http://schemas.openxmlformats.org/drawingml/2006/main" xmlns:r="http://schemas.openxmlformats.org/officeDocument/2006/relationships" xmlns:p="http://schemas.openxmlformats.org/presentationml/2006/main">
-  <p:cSld>
-    <p:spTree>
-      <p:nvGrpSpPr>
-        <p:cNvPr id="1" name=""/>
-        <p:cNvGrpSpPr/>
-        <p:nvPr/>
-      </p:nvGrpSpPr>
-      <p:grpSpPr>
-        <a:xfrm>
-          <a:off x="0" y="0"/>
-          <a:ext cx="0" cy="0"/>
-          <a:chOff x="0" y="0"/>
-          <a:chExt cx="0" cy="0"/>
-        </a:xfrm>
-      </p:grpSpPr>
-      <p:sp>
-        <p:nvSpPr>
-          <p:cNvPr id="2" name="Titel 1"/>
-          <p:cNvSpPr>
-            <a:spLocks noGrp="1"/>
-          </p:cNvSpPr>
-          <p:nvPr>
-            <p:ph type="title"/>
-          </p:nvPr>
-        </p:nvSpPr>
-        <p:spPr/>
-        <p:txBody>
-          <a:bodyPr/>
-          <a:lstStyle/>
-          <a:p>
-            <a:r>
-              <a:rPr lang="en-GB" dirty="0" smtClean="0"/>
-              <a:t>My Solution</a:t>
-            </a:r>
-            <a:endParaRPr lang="en-GB" dirty="0"/>
-          </a:p>
-        </p:txBody>
-      </p:sp>
-      <p:sp>
-        <p:nvSpPr>
-          <p:cNvPr id="3" name="Inhaltsplatzhalter 2"/>
-          <p:cNvSpPr>
-            <a:spLocks noGrp="1"/>
-          </p:cNvSpPr>
-          <p:nvPr>
-            <p:ph idx="1"/>
-          </p:nvPr>
-        </p:nvSpPr>
-        <p:spPr/>
-        <p:txBody>
-          <a:bodyPr/>
-          <a:lstStyle/>
-          <a:p>
-            <a:endParaRPr lang="en-GB" dirty="0" smtClean="0"/>
-          </a:p>
-          <a:p>
-            <a:endParaRPr lang="en-GB" dirty="0"/>
-          </a:p>
-          <a:p>
-            <a:endParaRPr lang="en-GB" dirty="0" smtClean="0"/>
-          </a:p>
-          <a:p>
-            <a:endParaRPr lang="en-GB" dirty="0"/>
-          </a:p>
-        </p:txBody>
-      </p:sp>
-      <p:sp>
-        <p:nvSpPr>
-          <p:cNvPr id="6" name="Textfeld 5"/>
-          <p:cNvSpPr txBox="1"/>
-          <p:nvPr/>
-        </p:nvSpPr>
-        <p:spPr>
-          <a:xfrm>
-            <a:off x="6018541" y="3216995"/>
-            <a:ext cx="4752904" cy="646331"/>
-          </a:xfrm>
-          <a:prstGeom prst="rect">
-            <a:avLst/>
-          </a:prstGeom>
-          <a:noFill/>
-        </p:spPr>
-        <p:txBody>
-          <a:bodyPr wrap="none" rtlCol="0">
-            <a:spAutoFit/>
-          </a:bodyPr>
-          <a:lstStyle/>
-          <a:p>
-            <a:pPr algn="ctr"/>
-            <a:r>
-              <a:rPr lang="en-GB" sz="3600" dirty="0" smtClean="0"/>
-              <a:t>Direct Fourier Transform</a:t>
-            </a:r>
-            <a:endParaRPr lang="en-GB" sz="3600" dirty="0"/>
-          </a:p>
-        </p:txBody>
-      </p:sp>
-      <p:cxnSp>
-        <p:nvCxnSpPr>
-          <p:cNvPr id="7" name="Gerade Verbindung mit Pfeil 6"/>
-          <p:cNvCxnSpPr/>
-          <p:nvPr/>
-        </p:nvCxnSpPr>
-        <p:spPr>
-          <a:xfrm flipV="1">
-            <a:off x="6249670" y="2535181"/>
-            <a:ext cx="0" cy="744350"/>
-          </a:xfrm>
-          <a:prstGeom prst="straightConnector1">
-            <a:avLst/>
-          </a:prstGeom>
-          <a:ln w="85725">
-            <a:tailEnd type="triangle"/>
-          </a:ln>
-        </p:spPr>
-        <p:style>
-          <a:lnRef idx="1">
-            <a:schemeClr val="accent1"/>
-          </a:lnRef>
-          <a:fillRef idx="0">
-            <a:schemeClr val="accent1"/>
-          </a:fillRef>
-          <a:effectRef idx="0">
-            <a:schemeClr val="accent1"/>
-          </a:effectRef>
-          <a:fontRef idx="minor">
-            <a:schemeClr val="tx1"/>
-          </a:fontRef>
-        </p:style>
-      </p:cxnSp>
-      <p:sp>
-        <p:nvSpPr>
-          <p:cNvPr id="9" name="Textfeld 8"/>
-          <p:cNvSpPr txBox="1"/>
-          <p:nvPr/>
-        </p:nvSpPr>
-        <p:spPr>
-          <a:xfrm>
-            <a:off x="2611133" y="3780693"/>
-            <a:ext cx="3407408" cy="646331"/>
-          </a:xfrm>
-          <a:prstGeom prst="rect">
-            <a:avLst/>
-          </a:prstGeom>
-          <a:noFill/>
-        </p:spPr>
-        <p:txBody>
-          <a:bodyPr wrap="none" rtlCol="0">
-            <a:spAutoFit/>
-          </a:bodyPr>
-          <a:lstStyle/>
-          <a:p>
-            <a:pPr algn="ctr"/>
-            <a:r>
-              <a:rPr lang="en-GB" sz="3600" dirty="0" smtClean="0"/>
-              <a:t>Starlet Transform</a:t>
-            </a:r>
-            <a:endParaRPr lang="en-GB" sz="3600" dirty="0"/>
-          </a:p>
-        </p:txBody>
-      </p:sp>
-      <p:cxnSp>
-        <p:nvCxnSpPr>
-          <p:cNvPr id="10" name="Gerade Verbindung mit Pfeil 9"/>
-          <p:cNvCxnSpPr/>
-          <p:nvPr/>
-        </p:nvCxnSpPr>
-        <p:spPr>
-          <a:xfrm flipV="1">
-            <a:off x="5785338" y="2535181"/>
-            <a:ext cx="5866" cy="1245512"/>
-          </a:xfrm>
-          <a:prstGeom prst="straightConnector1">
-            <a:avLst/>
-          </a:prstGeom>
-          <a:ln w="85725">
-            <a:tailEnd type="triangle"/>
-          </a:ln>
-        </p:spPr>
-        <p:style>
-          <a:lnRef idx="1">
-            <a:schemeClr val="accent1"/>
-          </a:lnRef>
-          <a:fillRef idx="0">
-            <a:schemeClr val="accent1"/>
-          </a:fillRef>
-          <a:effectRef idx="0">
-            <a:schemeClr val="accent1"/>
-          </a:effectRef>
-          <a:fontRef idx="minor">
-            <a:schemeClr val="tx1"/>
-          </a:fontRef>
-        </p:style>
-      </p:cxnSp>
-      <p:pic>
-        <p:nvPicPr>
-          <p:cNvPr id="16" name="Grafik 15"/>
-          <p:cNvPicPr>
-            <a:picLocks noChangeAspect="1"/>
-          </p:cNvPicPr>
-          <p:nvPr/>
-        </p:nvPicPr>
-        <p:blipFill>
-          <a:blip r:embed="rId2">
-            <a:extLst>
-              <a:ext uri="{28A0092B-C50C-407E-A947-70E740481C1C}">
-                <a14:useLocalDpi xmlns:a14="http://schemas.microsoft.com/office/drawing/2010/main" val="0"/>
-              </a:ext>
-            </a:extLst>
-          </a:blip>
-          <a:stretch>
-            <a:fillRect/>
-          </a:stretch>
-        </p:blipFill>
-        <p:spPr>
-          <a:xfrm>
-            <a:off x="838200" y="1498985"/>
-            <a:ext cx="9344025" cy="1362075"/>
-          </a:xfrm>
-          <a:prstGeom prst="rect">
-            <a:avLst/>
-          </a:prstGeom>
-        </p:spPr>
-      </p:pic>
-    </p:spTree>
-    <p:extLst>
-      <p:ext uri="{BB962C8B-B14F-4D97-AF65-F5344CB8AC3E}">
-        <p14:creationId xmlns:p14="http://schemas.microsoft.com/office/powerpoint/2010/main" val="2252155210"/>
-      </p:ext>
-    </p:extLst>
-  </p:cSld>
-  <p:clrMapOvr>
-    <a:masterClrMapping/>
-  </p:clrMapOvr>
-  <p:timing>
-    <p:tnLst>
-      <p:par>
-        <p:cTn id="1" dur="indefinite" restart="never" nodeType="tmRoot"/>
-      </p:par>
-    </p:tnLst>
-  </p:timing>
-</p:sld>
-</file>
-
-<file path=ppt/slides/slide13.xml><?xml version="1.0" encoding="utf-8"?>
-<p:sld xmlns:a="http://schemas.openxmlformats.org/drawingml/2006/main" xmlns:r="http://schemas.openxmlformats.org/officeDocument/2006/relationships" xmlns:p="http://schemas.openxmlformats.org/presentationml/2006/main">
-  <p:cSld>
-    <p:spTree>
-      <p:nvGrpSpPr>
-        <p:cNvPr id="1" name=""/>
-        <p:cNvGrpSpPr/>
-        <p:nvPr/>
-      </p:nvGrpSpPr>
-      <p:grpSpPr>
-        <a:xfrm>
-          <a:off x="0" y="0"/>
-          <a:ext cx="0" cy="0"/>
-          <a:chOff x="0" y="0"/>
-          <a:chExt cx="0" cy="0"/>
-        </a:xfrm>
-      </p:grpSpPr>
-      <p:sp>
-        <p:nvSpPr>
-          <p:cNvPr id="3" name="Inhaltsplatzhalter 2"/>
-          <p:cNvSpPr>
-            <a:spLocks noGrp="1"/>
-          </p:cNvSpPr>
-          <p:nvPr>
-            <p:ph idx="1"/>
-          </p:nvPr>
-        </p:nvSpPr>
-        <p:spPr/>
-        <p:txBody>
-          <a:bodyPr/>
-          <a:lstStyle/>
-          <a:p>
-            <a:endParaRPr lang="en-GB" dirty="0"/>
-          </a:p>
-        </p:txBody>
-      </p:sp>
-      <p:pic>
-        <p:nvPicPr>
-          <p:cNvPr id="5" name="Inhaltsplatzhalter 4"/>
-          <p:cNvPicPr>
-            <a:picLocks noChangeAspect="1"/>
-          </p:cNvPicPr>
-          <p:nvPr/>
-        </p:nvPicPr>
-        <p:blipFill>
-          <a:blip r:embed="rId2">
-            <a:extLst>
-              <a:ext uri="{28A0092B-C50C-407E-A947-70E740481C1C}">
-                <a14:useLocalDpi xmlns:a14="http://schemas.microsoft.com/office/drawing/2010/main" val="0"/>
-              </a:ext>
-            </a:extLst>
-          </a:blip>
-          <a:stretch>
-            <a:fillRect/>
-          </a:stretch>
-        </p:blipFill>
-        <p:spPr>
-          <a:xfrm>
-            <a:off x="838200" y="1816066"/>
-            <a:ext cx="8629650" cy="1047750"/>
-          </a:xfrm>
-          <a:prstGeom prst="rect">
-            <a:avLst/>
-          </a:prstGeom>
-        </p:spPr>
-      </p:pic>
-      <p:sp>
-        <p:nvSpPr>
-          <p:cNvPr id="2" name="Titel 1"/>
-          <p:cNvSpPr>
-            <a:spLocks noGrp="1"/>
-          </p:cNvSpPr>
-          <p:nvPr>
-            <p:ph type="title"/>
-          </p:nvPr>
-        </p:nvSpPr>
-        <p:spPr>
-          <a:xfrm>
-            <a:off x="838200" y="371694"/>
-            <a:ext cx="10515600" cy="1325563"/>
-          </a:xfrm>
-        </p:spPr>
-        <p:txBody>
-          <a:bodyPr/>
-          <a:lstStyle/>
-          <a:p>
-            <a:r>
-              <a:rPr lang="en-GB" dirty="0"/>
-              <a:t>Coordinate Descent</a:t>
-            </a:r>
-          </a:p>
-        </p:txBody>
-      </p:sp>
-    </p:spTree>
-    <p:extLst>
-      <p:ext uri="{BB962C8B-B14F-4D97-AF65-F5344CB8AC3E}">
-        <p14:creationId xmlns:p14="http://schemas.microsoft.com/office/powerpoint/2010/main" val="3693283190"/>
-      </p:ext>
-    </p:extLst>
-  </p:cSld>
-  <p:clrMapOvr>
-    <a:masterClrMapping/>
-  </p:clrMapOvr>
-  <p:timing>
-    <p:tnLst>
-      <p:par>
-        <p:cTn id="1" dur="indefinite" restart="never" nodeType="tmRoot"/>
-      </p:par>
-    </p:tnLst>
-  </p:timing>
-</p:sld>
-</file>
-
-<file path=ppt/slides/slide14.xml><?xml version="1.0" encoding="utf-8"?>
-<p:sld xmlns:a="http://schemas.openxmlformats.org/drawingml/2006/main" xmlns:r="http://schemas.openxmlformats.org/officeDocument/2006/relationships" xmlns:p="http://schemas.openxmlformats.org/presentationml/2006/main">
-  <p:cSld>
-    <p:spTree>
-      <p:nvGrpSpPr>
-        <p:cNvPr id="1" name=""/>
-        <p:cNvGrpSpPr/>
-        <p:nvPr/>
-      </p:nvGrpSpPr>
-      <p:grpSpPr>
-        <a:xfrm>
-          <a:off x="0" y="0"/>
-          <a:ext cx="0" cy="0"/>
-          <a:chOff x="0" y="0"/>
-          <a:chExt cx="0" cy="0"/>
-        </a:xfrm>
-      </p:grpSpPr>
-      <p:sp>
-        <p:nvSpPr>
-          <p:cNvPr id="2" name="Titel 1"/>
-          <p:cNvSpPr>
-            <a:spLocks noGrp="1"/>
-          </p:cNvSpPr>
-          <p:nvPr>
-            <p:ph type="title"/>
-          </p:nvPr>
-        </p:nvSpPr>
-        <p:spPr/>
-        <p:txBody>
-          <a:bodyPr/>
-          <a:lstStyle/>
-          <a:p>
-            <a:r>
-              <a:rPr lang="en-GB" dirty="0"/>
-              <a:t>Coordinate Descent</a:t>
-            </a:r>
-          </a:p>
-        </p:txBody>
-      </p:sp>
-      <p:pic>
-        <p:nvPicPr>
-          <p:cNvPr id="5" name="Inhaltsplatzhalter 4"/>
-          <p:cNvPicPr>
-            <a:picLocks noChangeAspect="1"/>
-          </p:cNvPicPr>
-          <p:nvPr/>
-        </p:nvPicPr>
-        <p:blipFill>
-          <a:blip r:embed="rId2">
-            <a:extLst>
-              <a:ext uri="{28A0092B-C50C-407E-A947-70E740481C1C}">
-                <a14:useLocalDpi xmlns:a14="http://schemas.microsoft.com/office/drawing/2010/main" val="0"/>
-              </a:ext>
-            </a:extLst>
-          </a:blip>
-          <a:stretch>
-            <a:fillRect/>
-          </a:stretch>
-        </p:blipFill>
-        <p:spPr>
-          <a:xfrm>
-            <a:off x="838200" y="1817016"/>
-            <a:ext cx="8629650" cy="1047750"/>
-          </a:xfrm>
-          <a:prstGeom prst="rect">
-            <a:avLst/>
-          </a:prstGeom>
-        </p:spPr>
-      </p:pic>
-      <p:sp>
-        <p:nvSpPr>
-          <p:cNvPr id="7" name="Textfeld 6"/>
-          <p:cNvSpPr txBox="1"/>
-          <p:nvPr/>
-        </p:nvSpPr>
-        <p:spPr>
-          <a:xfrm>
-            <a:off x="5396642" y="2925183"/>
-            <a:ext cx="1560043" cy="415498"/>
-          </a:xfrm>
-          <a:prstGeom prst="rect">
-            <a:avLst/>
-          </a:prstGeom>
-          <a:noFill/>
-        </p:spPr>
-        <p:txBody>
-          <a:bodyPr wrap="none" rtlCol="0">
-            <a:spAutoFit/>
-          </a:bodyPr>
-          <a:lstStyle/>
-          <a:p>
-            <a:r>
-              <a:rPr lang="en-GB" dirty="0" smtClean="0"/>
-              <a:t>Dirty Image</a:t>
-            </a:r>
-            <a:endParaRPr lang="en-GB" dirty="0"/>
-          </a:p>
-        </p:txBody>
-      </p:sp>
-      <p:pic>
-        <p:nvPicPr>
-          <p:cNvPr id="11" name="Inhaltsplatzhalter 10"/>
-          <p:cNvPicPr>
-            <a:picLocks noGrp="1" noChangeAspect="1"/>
-          </p:cNvPicPr>
-          <p:nvPr>
-            <p:ph idx="1"/>
-          </p:nvPr>
-        </p:nvPicPr>
-        <p:blipFill>
-          <a:blip r:embed="rId3" cstate="print">
-            <a:extLst>
-              <a:ext uri="{28A0092B-C50C-407E-A947-70E740481C1C}">
-                <a14:useLocalDpi xmlns:a14="http://schemas.microsoft.com/office/drawing/2010/main" val="0"/>
-              </a:ext>
-            </a:extLst>
-          </a:blip>
-          <a:stretch>
-            <a:fillRect/>
-          </a:stretch>
-        </p:blipFill>
-        <p:spPr>
-          <a:xfrm>
-            <a:off x="4537148" y="3383514"/>
-            <a:ext cx="3117703" cy="3111071"/>
-          </a:xfrm>
-        </p:spPr>
-      </p:pic>
-    </p:spTree>
-    <p:extLst>
-      <p:ext uri="{BB962C8B-B14F-4D97-AF65-F5344CB8AC3E}">
-        <p14:creationId xmlns:p14="http://schemas.microsoft.com/office/powerpoint/2010/main" val="1892083147"/>
-      </p:ext>
-    </p:extLst>
-  </p:cSld>
-  <p:clrMapOvr>
-    <a:masterClrMapping/>
-  </p:clrMapOvr>
-  <p:timing>
-    <p:tnLst>
-      <p:par>
-        <p:cTn id="1" dur="indefinite" restart="never" nodeType="tmRoot"/>
-      </p:par>
-    </p:tnLst>
-  </p:timing>
-</p:sld>
-</file>
-
-<file path=ppt/slides/slide15.xml><?xml version="1.0" encoding="utf-8"?>
-<p:sld xmlns:a="http://schemas.openxmlformats.org/drawingml/2006/main" xmlns:r="http://schemas.openxmlformats.org/officeDocument/2006/relationships" xmlns:p="http://schemas.openxmlformats.org/presentationml/2006/main">
-  <p:cSld>
-    <p:spTree>
-      <p:nvGrpSpPr>
-        <p:cNvPr id="1" name=""/>
-        <p:cNvGrpSpPr/>
-        <p:nvPr/>
-      </p:nvGrpSpPr>
-      <p:grpSpPr>
-        <a:xfrm>
-          <a:off x="0" y="0"/>
-          <a:ext cx="0" cy="0"/>
-          <a:chOff x="0" y="0"/>
-          <a:chExt cx="0" cy="0"/>
-        </a:xfrm>
-      </p:grpSpPr>
-      <p:sp>
-        <p:nvSpPr>
-          <p:cNvPr id="2" name="Titel 1"/>
-          <p:cNvSpPr>
-            <a:spLocks noGrp="1"/>
-          </p:cNvSpPr>
-          <p:nvPr>
-            <p:ph type="title"/>
-          </p:nvPr>
-        </p:nvSpPr>
-        <p:spPr/>
-        <p:txBody>
-          <a:bodyPr/>
-          <a:lstStyle/>
-          <a:p>
-            <a:r>
-              <a:rPr lang="en-GB" dirty="0"/>
-              <a:t>Coordinate </a:t>
-            </a:r>
-            <a:r>
-              <a:rPr lang="en-GB" dirty="0" smtClean="0"/>
-              <a:t>Descent + Starlets</a:t>
-            </a:r>
-            <a:endParaRPr lang="en-GB" dirty="0"/>
-          </a:p>
-        </p:txBody>
-      </p:sp>
-      <p:pic>
-        <p:nvPicPr>
-          <p:cNvPr id="4" name="Inhaltsplatzhalter 3"/>
-          <p:cNvPicPr>
-            <a:picLocks noGrp="1" noChangeAspect="1"/>
-          </p:cNvPicPr>
-          <p:nvPr>
-            <p:ph idx="1"/>
-          </p:nvPr>
-        </p:nvPicPr>
-        <p:blipFill>
-          <a:blip r:embed="rId2">
-            <a:extLst>
-              <a:ext uri="{28A0092B-C50C-407E-A947-70E740481C1C}">
-                <a14:useLocalDpi xmlns:a14="http://schemas.microsoft.com/office/drawing/2010/main" val="0"/>
-              </a:ext>
-            </a:extLst>
-          </a:blip>
-          <a:stretch>
-            <a:fillRect/>
-          </a:stretch>
-        </p:blipFill>
-        <p:spPr>
-          <a:xfrm>
-            <a:off x="853699" y="4880948"/>
-            <a:ext cx="2133600" cy="447675"/>
-          </a:xfrm>
-        </p:spPr>
-      </p:pic>
-      <p:pic>
-        <p:nvPicPr>
-          <p:cNvPr id="5" name="Inhaltsplatzhalter 4"/>
-          <p:cNvPicPr>
-            <a:picLocks noChangeAspect="1"/>
-          </p:cNvPicPr>
-          <p:nvPr/>
-        </p:nvPicPr>
-        <p:blipFill>
-          <a:blip r:embed="rId3">
-            <a:extLst>
-              <a:ext uri="{28A0092B-C50C-407E-A947-70E740481C1C}">
-                <a14:useLocalDpi xmlns:a14="http://schemas.microsoft.com/office/drawing/2010/main" val="0"/>
-              </a:ext>
-            </a:extLst>
-          </a:blip>
-          <a:stretch>
-            <a:fillRect/>
-          </a:stretch>
-        </p:blipFill>
-        <p:spPr>
-          <a:xfrm>
-            <a:off x="838200" y="1834600"/>
-            <a:ext cx="8629650" cy="1047750"/>
-          </a:xfrm>
-          <a:prstGeom prst="rect">
-            <a:avLst/>
-          </a:prstGeom>
-        </p:spPr>
-      </p:pic>
-      <p:pic>
-        <p:nvPicPr>
-          <p:cNvPr id="9" name="Grafik 8"/>
-          <p:cNvPicPr>
-            <a:picLocks noChangeAspect="1"/>
-          </p:cNvPicPr>
-          <p:nvPr/>
-        </p:nvPicPr>
-        <p:blipFill>
-          <a:blip r:embed="rId4">
-            <a:extLst>
-              <a:ext uri="{28A0092B-C50C-407E-A947-70E740481C1C}">
-                <a14:useLocalDpi xmlns:a14="http://schemas.microsoft.com/office/drawing/2010/main" val="0"/>
-              </a:ext>
-            </a:extLst>
-          </a:blip>
-          <a:stretch>
-            <a:fillRect/>
-          </a:stretch>
-        </p:blipFill>
-        <p:spPr>
-          <a:xfrm>
-            <a:off x="4443090" y="4680923"/>
-            <a:ext cx="2809875" cy="647700"/>
-          </a:xfrm>
-          <a:prstGeom prst="rect">
-            <a:avLst/>
-          </a:prstGeom>
-        </p:spPr>
-      </p:pic>
-      <p:pic>
-        <p:nvPicPr>
-          <p:cNvPr id="11" name="Grafik 10"/>
-          <p:cNvPicPr>
-            <a:picLocks noChangeAspect="1"/>
-          </p:cNvPicPr>
-          <p:nvPr/>
-        </p:nvPicPr>
-        <p:blipFill>
-          <a:blip r:embed="rId5">
-            <a:extLst>
-              <a:ext uri="{28A0092B-C50C-407E-A947-70E740481C1C}">
-                <a14:useLocalDpi xmlns:a14="http://schemas.microsoft.com/office/drawing/2010/main" val="0"/>
-              </a:ext>
-            </a:extLst>
-          </a:blip>
-          <a:stretch>
-            <a:fillRect/>
-          </a:stretch>
-        </p:blipFill>
-        <p:spPr>
-          <a:xfrm>
-            <a:off x="838200" y="2882350"/>
-            <a:ext cx="9344025" cy="1362075"/>
-          </a:xfrm>
-          <a:prstGeom prst="rect">
-            <a:avLst/>
-          </a:prstGeom>
-        </p:spPr>
-      </p:pic>
-    </p:spTree>
-    <p:extLst>
-      <p:ext uri="{BB962C8B-B14F-4D97-AF65-F5344CB8AC3E}">
-        <p14:creationId xmlns:p14="http://schemas.microsoft.com/office/powerpoint/2010/main" val="522208804"/>
-      </p:ext>
-    </p:extLst>
-  </p:cSld>
-  <p:clrMapOvr>
-    <a:masterClrMapping/>
-  </p:clrMapOvr>
-  <p:timing>
-    <p:tnLst>
-      <p:par>
-        <p:cTn id="1" dur="indefinite" restart="never" nodeType="tmRoot"/>
-      </p:par>
-    </p:tnLst>
-  </p:timing>
-</p:sld>
-</file>
-
-<file path=ppt/slides/slide16.xml><?xml version="1.0" encoding="utf-8"?>
-<p:sld xmlns:a="http://schemas.openxmlformats.org/drawingml/2006/main" xmlns:r="http://schemas.openxmlformats.org/officeDocument/2006/relationships" xmlns:p="http://schemas.openxmlformats.org/presentationml/2006/main">
-  <p:cSld>
-    <p:spTree>
-      <p:nvGrpSpPr>
-        <p:cNvPr id="1" name=""/>
-        <p:cNvGrpSpPr/>
-        <p:nvPr/>
-      </p:nvGrpSpPr>
-      <p:grpSpPr>
-        <a:xfrm>
-          <a:off x="0" y="0"/>
-          <a:ext cx="0" cy="0"/>
-          <a:chOff x="0" y="0"/>
-          <a:chExt cx="0" cy="0"/>
-        </a:xfrm>
-      </p:grpSpPr>
-      <p:pic>
-        <p:nvPicPr>
-          <p:cNvPr id="4" name="Inhaltsplatzhalter 3"/>
-          <p:cNvPicPr>
-            <a:picLocks noGrp="1" noChangeAspect="1"/>
-          </p:cNvPicPr>
-          <p:nvPr>
-            <p:ph idx="1"/>
-          </p:nvPr>
-        </p:nvPicPr>
-        <p:blipFill>
-          <a:blip r:embed="rId2" cstate="print">
-            <a:extLst>
-              <a:ext uri="{28A0092B-C50C-407E-A947-70E740481C1C}">
-                <a14:useLocalDpi xmlns:a14="http://schemas.microsoft.com/office/drawing/2010/main" val="0"/>
-              </a:ext>
-            </a:extLst>
-          </a:blip>
-          <a:stretch>
-            <a:fillRect/>
-          </a:stretch>
-        </p:blipFill>
-        <p:spPr>
-          <a:xfrm>
-            <a:off x="2763494" y="628593"/>
-            <a:ext cx="6665012" cy="6665012"/>
-          </a:xfrm>
-        </p:spPr>
-      </p:pic>
-      <p:sp>
-        <p:nvSpPr>
-          <p:cNvPr id="2" name="Titel 1"/>
-          <p:cNvSpPr>
-            <a:spLocks noGrp="1"/>
-          </p:cNvSpPr>
-          <p:nvPr>
-            <p:ph type="title"/>
-          </p:nvPr>
-        </p:nvSpPr>
-        <p:spPr/>
-        <p:txBody>
-          <a:bodyPr/>
-          <a:lstStyle/>
-          <a:p>
-            <a:r>
-              <a:rPr lang="en-GB" dirty="0" smtClean="0"/>
-              <a:t>Test on simulated data</a:t>
-            </a:r>
-            <a:endParaRPr lang="en-GB" dirty="0"/>
-          </a:p>
-        </p:txBody>
-      </p:sp>
-    </p:spTree>
-    <p:extLst>
-      <p:ext uri="{BB962C8B-B14F-4D97-AF65-F5344CB8AC3E}">
-        <p14:creationId xmlns:p14="http://schemas.microsoft.com/office/powerpoint/2010/main" val="4065287532"/>
-      </p:ext>
-    </p:extLst>
-  </p:cSld>
-  <p:clrMapOvr>
-    <a:masterClrMapping/>
-  </p:clrMapOvr>
-  <p:timing>
-    <p:tnLst>
-      <p:par>
-        <p:cTn id="1" dur="indefinite" restart="never" nodeType="tmRoot"/>
-      </p:par>
-    </p:tnLst>
-  </p:timing>
-</p:sld>
-</file>
-
-<file path=ppt/slides/slide17.xml><?xml version="1.0" encoding="utf-8"?>
-<p:sld xmlns:a="http://schemas.openxmlformats.org/drawingml/2006/main" xmlns:r="http://schemas.openxmlformats.org/officeDocument/2006/relationships" xmlns:p="http://schemas.openxmlformats.org/presentationml/2006/main">
-  <p:cSld>
-    <p:spTree>
-      <p:nvGrpSpPr>
-        <p:cNvPr id="1" name=""/>
-        <p:cNvGrpSpPr/>
-        <p:nvPr/>
-      </p:nvGrpSpPr>
-      <p:grpSpPr>
-        <a:xfrm>
-          <a:off x="0" y="0"/>
-          <a:ext cx="0" cy="0"/>
-          <a:chOff x="0" y="0"/>
-          <a:chExt cx="0" cy="0"/>
-        </a:xfrm>
-      </p:grpSpPr>
-      <p:sp>
-        <p:nvSpPr>
-          <p:cNvPr id="2" name="Titel 1"/>
-          <p:cNvSpPr>
-            <a:spLocks noGrp="1"/>
-          </p:cNvSpPr>
-          <p:nvPr>
-            <p:ph type="title"/>
-          </p:nvPr>
-        </p:nvSpPr>
-        <p:spPr/>
-        <p:txBody>
-          <a:bodyPr/>
-          <a:lstStyle/>
-          <a:p>
-            <a:r>
-              <a:rPr lang="en-GB" dirty="0"/>
-              <a:t>Test on simulated data</a:t>
-            </a:r>
-          </a:p>
-        </p:txBody>
-      </p:sp>
-      <p:pic>
-        <p:nvPicPr>
-          <p:cNvPr id="5" name="Grafik 4"/>
-          <p:cNvPicPr>
-            <a:picLocks noChangeAspect="1"/>
-          </p:cNvPicPr>
-          <p:nvPr/>
-        </p:nvPicPr>
-        <p:blipFill>
-          <a:blip r:embed="rId2" cstate="print">
-            <a:extLst>
-              <a:ext uri="{28A0092B-C50C-407E-A947-70E740481C1C}">
-                <a14:useLocalDpi xmlns:a14="http://schemas.microsoft.com/office/drawing/2010/main" val="0"/>
-              </a:ext>
-            </a:extLst>
-          </a:blip>
-          <a:stretch>
-            <a:fillRect/>
-          </a:stretch>
-        </p:blipFill>
-        <p:spPr>
-          <a:xfrm>
-            <a:off x="503339" y="1329543"/>
-            <a:ext cx="5425294" cy="5425294"/>
-          </a:xfrm>
-          <a:prstGeom prst="rect">
-            <a:avLst/>
-          </a:prstGeom>
-        </p:spPr>
-      </p:pic>
-      <p:pic>
-        <p:nvPicPr>
-          <p:cNvPr id="6" name="Grafik 5"/>
-          <p:cNvPicPr>
-            <a:picLocks noChangeAspect="1"/>
-          </p:cNvPicPr>
-          <p:nvPr/>
-        </p:nvPicPr>
-        <p:blipFill>
-          <a:blip r:embed="rId3" cstate="print">
-            <a:extLst>
-              <a:ext uri="{28A0092B-C50C-407E-A947-70E740481C1C}">
-                <a14:useLocalDpi xmlns:a14="http://schemas.microsoft.com/office/drawing/2010/main" val="0"/>
-              </a:ext>
-            </a:extLst>
-          </a:blip>
-          <a:stretch>
-            <a:fillRect/>
-          </a:stretch>
-        </p:blipFill>
-        <p:spPr>
-          <a:xfrm>
-            <a:off x="5928633" y="1329670"/>
-            <a:ext cx="5425167" cy="5425167"/>
-          </a:xfrm>
-          <a:prstGeom prst="rect">
-            <a:avLst/>
-          </a:prstGeom>
-        </p:spPr>
-      </p:pic>
-      <p:sp>
-        <p:nvSpPr>
-          <p:cNvPr id="3" name="Textfeld 2"/>
-          <p:cNvSpPr txBox="1"/>
-          <p:nvPr/>
-        </p:nvSpPr>
-        <p:spPr>
-          <a:xfrm>
-            <a:off x="2418267" y="1506022"/>
-            <a:ext cx="797719" cy="369332"/>
-          </a:xfrm>
-          <a:prstGeom prst="rect">
-            <a:avLst/>
-          </a:prstGeom>
-          <a:noFill/>
-        </p:spPr>
-        <p:txBody>
-          <a:bodyPr wrap="none" rtlCol="0">
-            <a:spAutoFit/>
-          </a:bodyPr>
-          <a:lstStyle/>
-          <a:p>
-            <a:r>
-              <a:rPr lang="en-GB" dirty="0" smtClean="0"/>
-              <a:t>CLEAN</a:t>
-            </a:r>
-            <a:endParaRPr lang="en-GB" dirty="0"/>
-          </a:p>
-        </p:txBody>
-      </p:sp>
-      <p:sp>
-        <p:nvSpPr>
-          <p:cNvPr id="7" name="Textfeld 6"/>
-          <p:cNvSpPr txBox="1"/>
-          <p:nvPr/>
-        </p:nvSpPr>
-        <p:spPr>
-          <a:xfrm>
-            <a:off x="7508700" y="1497280"/>
-            <a:ext cx="2034275" cy="369332"/>
-          </a:xfrm>
-          <a:prstGeom prst="rect">
-            <a:avLst/>
-          </a:prstGeom>
-          <a:noFill/>
-        </p:spPr>
-        <p:txBody>
-          <a:bodyPr wrap="none" rtlCol="0">
-            <a:spAutoFit/>
-          </a:bodyPr>
-          <a:lstStyle/>
-          <a:p>
-            <a:r>
-              <a:rPr lang="en-GB" dirty="0" smtClean="0"/>
-              <a:t>Coordinate Descent</a:t>
-            </a:r>
-            <a:endParaRPr lang="en-GB" dirty="0"/>
-          </a:p>
-        </p:txBody>
-      </p:sp>
-      <p:sp>
-        <p:nvSpPr>
-          <p:cNvPr id="4" name="Textfeld 3"/>
-          <p:cNvSpPr txBox="1"/>
-          <p:nvPr/>
-        </p:nvSpPr>
-        <p:spPr>
-          <a:xfrm rot="16200000">
-            <a:off x="10932085" y="3888301"/>
-            <a:ext cx="1151208" cy="307777"/>
-          </a:xfrm>
-          <a:prstGeom prst="rect">
-            <a:avLst/>
-          </a:prstGeom>
-          <a:noFill/>
-        </p:spPr>
-        <p:txBody>
-          <a:bodyPr wrap="square" rtlCol="0">
-            <a:spAutoFit/>
-          </a:bodyPr>
-          <a:lstStyle/>
-          <a:p>
-            <a:r>
-              <a:rPr lang="en-GB" sz="1400" dirty="0" err="1" smtClean="0"/>
-              <a:t>Jansky</a:t>
-            </a:r>
-            <a:r>
-              <a:rPr lang="en-GB" sz="1400" dirty="0" smtClean="0"/>
-              <a:t>/Beam</a:t>
-            </a:r>
-            <a:endParaRPr lang="en-GB" dirty="0"/>
-          </a:p>
-        </p:txBody>
-      </p:sp>
-    </p:spTree>
-    <p:extLst>
-      <p:ext uri="{BB962C8B-B14F-4D97-AF65-F5344CB8AC3E}">
-        <p14:creationId xmlns:p14="http://schemas.microsoft.com/office/powerpoint/2010/main" val="98619472"/>
-      </p:ext>
-    </p:extLst>
-  </p:cSld>
-  <p:clrMapOvr>
-    <a:masterClrMapping/>
-  </p:clrMapOvr>
-  <p:timing>
-    <p:tnLst>
-      <p:par>
-        <p:cTn id="1" dur="indefinite" restart="never" nodeType="tmRoot"/>
-      </p:par>
-    </p:tnLst>
-  </p:timing>
-</p:sld>
-</file>
-
-<file path=ppt/slides/slide18.xml><?xml version="1.0" encoding="utf-8"?>
-<p:sld xmlns:a="http://schemas.openxmlformats.org/drawingml/2006/main" xmlns:r="http://schemas.openxmlformats.org/officeDocument/2006/relationships" xmlns:p="http://schemas.openxmlformats.org/presentationml/2006/main">
-  <p:cSld>
-    <p:spTree>
-      <p:nvGrpSpPr>
-        <p:cNvPr id="1" name=""/>
-        <p:cNvGrpSpPr/>
-        <p:nvPr/>
-      </p:nvGrpSpPr>
-      <p:grpSpPr>
-        <a:xfrm>
-          <a:off x="0" y="0"/>
-          <a:ext cx="0" cy="0"/>
-          <a:chOff x="0" y="0"/>
-          <a:chExt cx="0" cy="0"/>
-        </a:xfrm>
-      </p:grpSpPr>
-      <p:sp>
-        <p:nvSpPr>
-          <p:cNvPr id="2" name="Titel 1"/>
-          <p:cNvSpPr>
-            <a:spLocks noGrp="1"/>
-          </p:cNvSpPr>
-          <p:nvPr>
-            <p:ph type="title"/>
-          </p:nvPr>
-        </p:nvSpPr>
-        <p:spPr/>
-        <p:txBody>
-          <a:bodyPr/>
-          <a:lstStyle/>
-          <a:p>
-            <a:r>
-              <a:rPr lang="en-GB" dirty="0"/>
-              <a:t>Test on simulated data</a:t>
-            </a:r>
-          </a:p>
-        </p:txBody>
-      </p:sp>
-      <p:pic>
-        <p:nvPicPr>
-          <p:cNvPr id="4" name="Inhaltsplatzhalter 3"/>
-          <p:cNvPicPr>
-            <a:picLocks noGrp="1" noChangeAspect="1"/>
-          </p:cNvPicPr>
-          <p:nvPr>
-            <p:ph idx="1"/>
-          </p:nvPr>
-        </p:nvPicPr>
-        <p:blipFill>
-          <a:blip r:embed="rId2" cstate="print">
-            <a:extLst>
-              <a:ext uri="{28A0092B-C50C-407E-A947-70E740481C1C}">
-                <a14:useLocalDpi xmlns:a14="http://schemas.microsoft.com/office/drawing/2010/main" val="0"/>
-              </a:ext>
-            </a:extLst>
-          </a:blip>
-          <a:stretch>
-            <a:fillRect/>
-          </a:stretch>
-        </p:blipFill>
-        <p:spPr>
-          <a:xfrm>
-            <a:off x="604434" y="1428579"/>
-            <a:ext cx="10600841" cy="5300419"/>
-          </a:xfrm>
-        </p:spPr>
-      </p:pic>
-      <p:pic>
-        <p:nvPicPr>
-          <p:cNvPr id="6" name="Inhaltsplatzhalter 3"/>
-          <p:cNvPicPr>
-            <a:picLocks noChangeAspect="1"/>
-          </p:cNvPicPr>
-          <p:nvPr/>
-        </p:nvPicPr>
-        <p:blipFill rotWithShape="1">
-          <a:blip r:embed="rId3" cstate="print">
-            <a:extLst>
-              <a:ext uri="{28A0092B-C50C-407E-A947-70E740481C1C}">
-                <a14:useLocalDpi xmlns:a14="http://schemas.microsoft.com/office/drawing/2010/main" val="0"/>
-              </a:ext>
-            </a:extLst>
-          </a:blip>
-          <a:srcRect l="9520" t="12232" r="19004" b="16761"/>
-          <a:stretch/>
-        </p:blipFill>
-        <p:spPr>
-          <a:xfrm>
-            <a:off x="9179084" y="0"/>
-            <a:ext cx="3012916" cy="2993180"/>
-          </a:xfrm>
-          <a:prstGeom prst="rect">
-            <a:avLst/>
-          </a:prstGeom>
-        </p:spPr>
-      </p:pic>
-    </p:spTree>
-    <p:extLst>
-      <p:ext uri="{BB962C8B-B14F-4D97-AF65-F5344CB8AC3E}">
-        <p14:creationId xmlns:p14="http://schemas.microsoft.com/office/powerpoint/2010/main" val="2006460899"/>
-      </p:ext>
-    </p:extLst>
-  </p:cSld>
-  <p:clrMapOvr>
-    <a:masterClrMapping/>
-  </p:clrMapOvr>
-  <p:timing>
-    <p:tnLst>
-      <p:par>
-        <p:cTn id="1" dur="indefinite" restart="never" nodeType="tmRoot"/>
-      </p:par>
-    </p:tnLst>
-  </p:timing>
-</p:sld>
-</file>
-
-<file path=ppt/slides/slide19.xml><?xml version="1.0" encoding="utf-8"?>
-<p:sld xmlns:a="http://schemas.openxmlformats.org/drawingml/2006/main" xmlns:r="http://schemas.openxmlformats.org/officeDocument/2006/relationships" xmlns:p="http://schemas.openxmlformats.org/presentationml/2006/main">
-  <p:cSld>
-    <p:spTree>
-      <p:nvGrpSpPr>
-        <p:cNvPr id="1" name=""/>
-        <p:cNvGrpSpPr/>
-        <p:nvPr/>
-      </p:nvGrpSpPr>
-      <p:grpSpPr>
-        <a:xfrm>
-          <a:off x="0" y="0"/>
-          <a:ext cx="0" cy="0"/>
-          <a:chOff x="0" y="0"/>
-          <a:chExt cx="0" cy="0"/>
-        </a:xfrm>
-      </p:grpSpPr>
-      <p:sp>
-        <p:nvSpPr>
-          <p:cNvPr id="8" name="Rechteck 7"/>
-          <p:cNvSpPr/>
-          <p:nvPr/>
-        </p:nvSpPr>
-        <p:spPr>
-          <a:xfrm>
-            <a:off x="6096000" y="1861026"/>
-            <a:ext cx="506278" cy="834231"/>
-          </a:xfrm>
-          <a:prstGeom prst="rect">
-            <a:avLst/>
-          </a:prstGeom>
-          <a:solidFill>
-            <a:schemeClr val="accent2">
-              <a:lumMod val="75000"/>
-            </a:schemeClr>
-          </a:solidFill>
-        </p:spPr>
-        <p:style>
-          <a:lnRef idx="2">
-            <a:schemeClr val="accent1">
-              <a:shade val="50000"/>
-            </a:schemeClr>
-          </a:lnRef>
-          <a:fillRef idx="1">
-            <a:schemeClr val="accent1"/>
-          </a:fillRef>
-          <a:effectRef idx="0">
-            <a:schemeClr val="accent1"/>
-          </a:effectRef>
-          <a:fontRef idx="minor">
-            <a:schemeClr val="lt1"/>
-          </a:fontRef>
-        </p:style>
-        <p:txBody>
-          <a:bodyPr rtlCol="0" anchor="ctr"/>
-          <a:lstStyle/>
-          <a:p>
-            <a:pPr algn="ctr"/>
-            <a:endParaRPr lang="en-GB"/>
-          </a:p>
-        </p:txBody>
-      </p:sp>
-      <p:sp>
-        <p:nvSpPr>
-          <p:cNvPr id="3" name="Inhaltsplatzhalter 2"/>
-          <p:cNvSpPr>
-            <a:spLocks noGrp="1"/>
-          </p:cNvSpPr>
-          <p:nvPr>
-            <p:ph idx="1"/>
-          </p:nvPr>
-        </p:nvSpPr>
-        <p:spPr/>
-        <p:txBody>
-          <a:bodyPr/>
-          <a:lstStyle/>
-          <a:p>
-            <a:endParaRPr lang="en-GB" dirty="0"/>
-          </a:p>
-        </p:txBody>
-      </p:sp>
-      <p:sp>
-        <p:nvSpPr>
-          <p:cNvPr id="2" name="Titel 1"/>
-          <p:cNvSpPr>
-            <a:spLocks noGrp="1"/>
-          </p:cNvSpPr>
-          <p:nvPr>
-            <p:ph type="title"/>
-          </p:nvPr>
-        </p:nvSpPr>
-        <p:spPr/>
-        <p:txBody>
-          <a:bodyPr/>
-          <a:lstStyle/>
-          <a:p>
-            <a:r>
-              <a:rPr lang="en-GB" dirty="0"/>
-              <a:t>Test on simulated data</a:t>
-            </a:r>
-          </a:p>
-        </p:txBody>
-      </p:sp>
-      <p:sp>
-        <p:nvSpPr>
-          <p:cNvPr id="11" name="Textfeld 10"/>
-          <p:cNvSpPr txBox="1"/>
-          <p:nvPr/>
-        </p:nvSpPr>
-        <p:spPr>
-          <a:xfrm>
-            <a:off x="3918906" y="3555979"/>
-            <a:ext cx="3823484" cy="2123658"/>
-          </a:xfrm>
-          <a:prstGeom prst="rect">
-            <a:avLst/>
-          </a:prstGeom>
-          <a:noFill/>
-        </p:spPr>
-        <p:txBody>
-          <a:bodyPr wrap="none" rtlCol="0">
-            <a:spAutoFit/>
-          </a:bodyPr>
-          <a:lstStyle/>
-          <a:p>
-            <a:pPr algn="ctr"/>
-            <a:r>
-              <a:rPr lang="en-GB" sz="4400" dirty="0" smtClean="0"/>
-              <a:t>3300/1’100’000</a:t>
-            </a:r>
-          </a:p>
-          <a:p>
-            <a:pPr algn="ctr"/>
-            <a:endParaRPr lang="en-GB" sz="4400" dirty="0" smtClean="0"/>
-          </a:p>
-          <a:p>
-            <a:pPr algn="ctr"/>
-            <a:r>
-              <a:rPr lang="en-GB" sz="4400" dirty="0" smtClean="0"/>
-              <a:t>~0.3%</a:t>
-            </a:r>
-            <a:endParaRPr lang="en-GB" sz="4400" dirty="0"/>
-          </a:p>
-        </p:txBody>
-      </p:sp>
-      <p:cxnSp>
-        <p:nvCxnSpPr>
-          <p:cNvPr id="12" name="Gerade Verbindung mit Pfeil 11"/>
-          <p:cNvCxnSpPr/>
-          <p:nvPr/>
-        </p:nvCxnSpPr>
-        <p:spPr>
-          <a:xfrm flipH="1">
-            <a:off x="6333641" y="2731394"/>
-            <a:ext cx="15498" cy="839087"/>
-          </a:xfrm>
-          <a:prstGeom prst="straightConnector1">
-            <a:avLst/>
-          </a:prstGeom>
-          <a:ln w="85725">
-            <a:solidFill>
-              <a:schemeClr val="tx1"/>
-            </a:solidFill>
-            <a:tailEnd type="triangle"/>
-          </a:ln>
-        </p:spPr>
-        <p:style>
-          <a:lnRef idx="1">
-            <a:schemeClr val="accent1"/>
-          </a:lnRef>
-          <a:fillRef idx="0">
-            <a:schemeClr val="accent1"/>
-          </a:fillRef>
-          <a:effectRef idx="0">
-            <a:schemeClr val="accent1"/>
-          </a:effectRef>
-          <a:fontRef idx="minor">
-            <a:schemeClr val="tx1"/>
-          </a:fontRef>
-        </p:style>
-      </p:cxnSp>
-      <p:pic>
-        <p:nvPicPr>
-          <p:cNvPr id="9" name="Grafik 8"/>
-          <p:cNvPicPr>
-            <a:picLocks noChangeAspect="1"/>
-          </p:cNvPicPr>
-          <p:nvPr/>
-        </p:nvPicPr>
-        <p:blipFill>
-          <a:blip r:embed="rId2">
-            <a:extLst>
-              <a:ext uri="{28A0092B-C50C-407E-A947-70E740481C1C}">
-                <a14:useLocalDpi xmlns:a14="http://schemas.microsoft.com/office/drawing/2010/main" val="0"/>
-              </a:ext>
-            </a:extLst>
-          </a:blip>
-          <a:stretch>
-            <a:fillRect/>
-          </a:stretch>
-        </p:blipFill>
-        <p:spPr>
-          <a:xfrm>
-            <a:off x="838200" y="1607472"/>
-            <a:ext cx="9344025" cy="1362075"/>
-          </a:xfrm>
-          <a:prstGeom prst="rect">
-            <a:avLst/>
-          </a:prstGeom>
-        </p:spPr>
-      </p:pic>
-    </p:spTree>
-    <p:extLst>
-      <p:ext uri="{BB962C8B-B14F-4D97-AF65-F5344CB8AC3E}">
-        <p14:creationId xmlns:p14="http://schemas.microsoft.com/office/powerpoint/2010/main" val="3073166351"/>
-      </p:ext>
-    </p:extLst>
-  </p:cSld>
-  <p:clrMapOvr>
-    <a:masterClrMapping/>
-  </p:clrMapOvr>
-</p:sld>
-</file>
-
-<file path=ppt/slides/slide2.xml><?xml version="1.0" encoding="utf-8"?>
-<p:sld xmlns:a="http://schemas.openxmlformats.org/drawingml/2006/main" xmlns:r="http://schemas.openxmlformats.org/officeDocument/2006/relationships" xmlns:p="http://schemas.openxmlformats.org/presentationml/2006/main">
-  <p:cSld>
-    <p:spTree>
-      <p:nvGrpSpPr>
-        <p:cNvPr id="1" name=""/>
-        <p:cNvGrpSpPr/>
-        <p:nvPr/>
-      </p:nvGrpSpPr>
-      <p:grpSpPr>
-        <a:xfrm>
-          <a:off x="0" y="0"/>
-          <a:ext cx="0" cy="0"/>
-          <a:chOff x="0" y="0"/>
-          <a:chExt cx="0" cy="0"/>
-        </a:xfrm>
-      </p:grpSpPr>
-      <p:pic>
-        <p:nvPicPr>
-          <p:cNvPr id="5" name="Inhaltsplatzhalter 4"/>
-          <p:cNvPicPr>
-            <a:picLocks noGrp="1" noChangeAspect="1"/>
-          </p:cNvPicPr>
-          <p:nvPr>
-            <p:ph idx="1"/>
-          </p:nvPr>
-        </p:nvPicPr>
-        <p:blipFill>
-          <a:blip r:embed="rId2" cstate="print">
-            <a:extLst>
-              <a:ext uri="{28A0092B-C50C-407E-A947-70E740481C1C}">
-                <a14:useLocalDpi xmlns:a14="http://schemas.microsoft.com/office/drawing/2010/main" val="0"/>
-              </a:ext>
-            </a:extLst>
-          </a:blip>
-          <a:stretch>
-            <a:fillRect/>
-          </a:stretch>
-        </p:blipFill>
-        <p:spPr>
-          <a:xfrm>
-            <a:off x="5391900" y="1118937"/>
-            <a:ext cx="5649077" cy="5649077"/>
-          </a:xfrm>
-        </p:spPr>
-      </p:pic>
-      <p:sp>
-        <p:nvSpPr>
-          <p:cNvPr id="2" name="Titel 1"/>
-          <p:cNvSpPr>
-            <a:spLocks noGrp="1"/>
-          </p:cNvSpPr>
-          <p:nvPr>
-            <p:ph type="title"/>
-          </p:nvPr>
-        </p:nvSpPr>
-        <p:spPr/>
-        <p:txBody>
-          <a:bodyPr/>
-          <a:lstStyle/>
-          <a:p>
-            <a:r>
-              <a:rPr lang="en-GB" dirty="0" smtClean="0"/>
-              <a:t> MeerKAT Radio Interferometer</a:t>
-            </a:r>
-            <a:endParaRPr lang="en-GB" dirty="0"/>
-          </a:p>
-        </p:txBody>
-      </p:sp>
-      <p:pic>
-        <p:nvPicPr>
-          <p:cNvPr id="6" name="Grafik 5"/>
-          <p:cNvPicPr>
-            <a:picLocks noChangeAspect="1"/>
-          </p:cNvPicPr>
-          <p:nvPr/>
-        </p:nvPicPr>
-        <p:blipFill rotWithShape="1">
-          <a:blip r:embed="rId3" cstate="print">
-            <a:extLst>
-              <a:ext uri="{28A0092B-C50C-407E-A947-70E740481C1C}">
-                <a14:useLocalDpi xmlns:a14="http://schemas.microsoft.com/office/drawing/2010/main" val="0"/>
-              </a:ext>
-            </a:extLst>
-          </a:blip>
-          <a:srcRect l="19272" t="9824" r="18139" b="4737"/>
-          <a:stretch/>
-        </p:blipFill>
-        <p:spPr>
-          <a:xfrm>
-            <a:off x="613021" y="1871908"/>
-            <a:ext cx="4644779" cy="4212748"/>
-          </a:xfrm>
-          <a:prstGeom prst="rect">
-            <a:avLst/>
-          </a:prstGeom>
-        </p:spPr>
-      </p:pic>
-    </p:spTree>
-    <p:extLst>
-      <p:ext uri="{BB962C8B-B14F-4D97-AF65-F5344CB8AC3E}">
-        <p14:creationId xmlns:p14="http://schemas.microsoft.com/office/powerpoint/2010/main" val="709558783"/>
-      </p:ext>
-    </p:extLst>
-  </p:cSld>
-  <p:clrMapOvr>
-    <a:masterClrMapping/>
-  </p:clrMapOvr>
-  <p:timing>
-    <p:tnLst>
-      <p:par>
-        <p:cTn id="1" dur="indefinite" restart="never" nodeType="tmRoot"/>
-      </p:par>
-    </p:tnLst>
-  </p:timing>
-</p:sld>
-</file>
-
-<file path=ppt/slides/slide20.xml><?xml version="1.0" encoding="utf-8"?>
-<p:sld xmlns:a="http://schemas.openxmlformats.org/drawingml/2006/main" xmlns:r="http://schemas.openxmlformats.org/officeDocument/2006/relationships" xmlns:p="http://schemas.openxmlformats.org/presentationml/2006/main">
-  <p:cSld>
-    <p:spTree>
-      <p:nvGrpSpPr>
-        <p:cNvPr id="1" name=""/>
-        <p:cNvGrpSpPr/>
-        <p:nvPr/>
-      </p:nvGrpSpPr>
-      <p:grpSpPr>
-        <a:xfrm>
-          <a:off x="0" y="0"/>
-          <a:ext cx="0" cy="0"/>
-          <a:chOff x="0" y="0"/>
-          <a:chExt cx="0" cy="0"/>
-        </a:xfrm>
-      </p:grpSpPr>
-      <p:sp>
-        <p:nvSpPr>
-          <p:cNvPr id="8" name="Rechteck 7"/>
-          <p:cNvSpPr/>
-          <p:nvPr/>
-        </p:nvSpPr>
-        <p:spPr>
-          <a:xfrm>
-            <a:off x="6096000" y="1861026"/>
-            <a:ext cx="506278" cy="834231"/>
-          </a:xfrm>
-          <a:prstGeom prst="rect">
-            <a:avLst/>
-          </a:prstGeom>
-          <a:solidFill>
-            <a:schemeClr val="accent2">
-              <a:lumMod val="75000"/>
-            </a:schemeClr>
-          </a:solidFill>
-        </p:spPr>
-        <p:style>
-          <a:lnRef idx="2">
-            <a:schemeClr val="accent1">
-              <a:shade val="50000"/>
-            </a:schemeClr>
-          </a:lnRef>
-          <a:fillRef idx="1">
-            <a:schemeClr val="accent1"/>
-          </a:fillRef>
-          <a:effectRef idx="0">
-            <a:schemeClr val="accent1"/>
-          </a:effectRef>
-          <a:fontRef idx="minor">
-            <a:schemeClr val="lt1"/>
-          </a:fontRef>
-        </p:style>
-        <p:txBody>
-          <a:bodyPr rtlCol="0" anchor="ctr"/>
-          <a:lstStyle/>
-          <a:p>
-            <a:pPr algn="ctr"/>
-            <a:endParaRPr lang="en-GB"/>
-          </a:p>
-        </p:txBody>
-      </p:sp>
-      <p:sp>
-        <p:nvSpPr>
-          <p:cNvPr id="3" name="Inhaltsplatzhalter 2"/>
-          <p:cNvSpPr>
-            <a:spLocks noGrp="1"/>
-          </p:cNvSpPr>
-          <p:nvPr>
-            <p:ph idx="1"/>
-          </p:nvPr>
-        </p:nvSpPr>
-        <p:spPr/>
-        <p:txBody>
-          <a:bodyPr/>
-          <a:lstStyle/>
-          <a:p>
-            <a:endParaRPr lang="en-GB" dirty="0"/>
-          </a:p>
-        </p:txBody>
-      </p:sp>
-      <p:sp>
-        <p:nvSpPr>
-          <p:cNvPr id="2" name="Titel 1"/>
-          <p:cNvSpPr>
-            <a:spLocks noGrp="1"/>
-          </p:cNvSpPr>
-          <p:nvPr>
-            <p:ph type="title"/>
-          </p:nvPr>
-        </p:nvSpPr>
-        <p:spPr/>
-        <p:txBody>
-          <a:bodyPr/>
-          <a:lstStyle/>
-          <a:p>
-            <a:r>
-              <a:rPr lang="en-GB" dirty="0"/>
-              <a:t>Test on simulated data</a:t>
-            </a:r>
-          </a:p>
-        </p:txBody>
-      </p:sp>
-      <p:sp>
-        <p:nvSpPr>
-          <p:cNvPr id="11" name="Textfeld 10"/>
-          <p:cNvSpPr txBox="1"/>
-          <p:nvPr/>
-        </p:nvSpPr>
-        <p:spPr>
-          <a:xfrm>
-            <a:off x="3918906" y="3555979"/>
-            <a:ext cx="3823484" cy="2123658"/>
-          </a:xfrm>
-          <a:prstGeom prst="rect">
-            <a:avLst/>
-          </a:prstGeom>
-          <a:noFill/>
-        </p:spPr>
-        <p:txBody>
-          <a:bodyPr wrap="none" rtlCol="0">
-            <a:spAutoFit/>
-          </a:bodyPr>
-          <a:lstStyle/>
-          <a:p>
-            <a:pPr algn="ctr"/>
-            <a:r>
-              <a:rPr lang="en-GB" sz="4400" dirty="0" smtClean="0">
-                <a:solidFill>
-                  <a:schemeClr val="bg1">
-                    <a:lumMod val="50000"/>
-                  </a:schemeClr>
-                </a:solidFill>
-              </a:rPr>
-              <a:t>3300/1’100’000</a:t>
-            </a:r>
-          </a:p>
-          <a:p>
-            <a:pPr algn="ctr"/>
-            <a:endParaRPr lang="en-GB" sz="4400" dirty="0" smtClean="0">
-              <a:solidFill>
-                <a:schemeClr val="bg1">
-                  <a:lumMod val="50000"/>
-                </a:schemeClr>
-              </a:solidFill>
-            </a:endParaRPr>
-          </a:p>
-          <a:p>
-            <a:pPr algn="ctr"/>
-            <a:r>
-              <a:rPr lang="en-GB" sz="4400" dirty="0" smtClean="0">
-                <a:solidFill>
-                  <a:schemeClr val="bg1">
-                    <a:lumMod val="50000"/>
-                  </a:schemeClr>
-                </a:solidFill>
-              </a:rPr>
-              <a:t>~0.3%</a:t>
-            </a:r>
-            <a:endParaRPr lang="en-GB" sz="4400" dirty="0">
-              <a:solidFill>
-                <a:schemeClr val="bg1">
-                  <a:lumMod val="50000"/>
-                </a:schemeClr>
-              </a:solidFill>
-            </a:endParaRPr>
-          </a:p>
-        </p:txBody>
-      </p:sp>
-      <p:cxnSp>
-        <p:nvCxnSpPr>
-          <p:cNvPr id="12" name="Gerade Verbindung mit Pfeil 11"/>
-          <p:cNvCxnSpPr/>
-          <p:nvPr/>
-        </p:nvCxnSpPr>
-        <p:spPr>
-          <a:xfrm flipH="1">
-            <a:off x="6333641" y="2731394"/>
-            <a:ext cx="15498" cy="839087"/>
-          </a:xfrm>
-          <a:prstGeom prst="straightConnector1">
-            <a:avLst/>
-          </a:prstGeom>
-          <a:ln w="85725">
-            <a:solidFill>
-              <a:schemeClr val="bg1">
-                <a:lumMod val="50000"/>
-              </a:schemeClr>
-            </a:solidFill>
-            <a:tailEnd type="triangle"/>
-          </a:ln>
-        </p:spPr>
-        <p:style>
-          <a:lnRef idx="1">
-            <a:schemeClr val="accent1"/>
-          </a:lnRef>
-          <a:fillRef idx="0">
-            <a:schemeClr val="accent1"/>
-          </a:fillRef>
-          <a:effectRef idx="0">
-            <a:schemeClr val="accent1"/>
-          </a:effectRef>
-          <a:fontRef idx="minor">
-            <a:schemeClr val="tx1"/>
-          </a:fontRef>
-        </p:style>
-      </p:cxnSp>
-      <p:cxnSp>
-        <p:nvCxnSpPr>
-          <p:cNvPr id="15" name="Gerade Verbindung mit Pfeil 14"/>
-          <p:cNvCxnSpPr/>
-          <p:nvPr/>
-        </p:nvCxnSpPr>
-        <p:spPr>
-          <a:xfrm flipH="1">
-            <a:off x="9404890" y="2658716"/>
-            <a:ext cx="15498" cy="839087"/>
-          </a:xfrm>
-          <a:prstGeom prst="straightConnector1">
-            <a:avLst/>
-          </a:prstGeom>
-          <a:ln w="85725">
-            <a:solidFill>
-              <a:schemeClr val="tx1"/>
-            </a:solidFill>
-            <a:tailEnd type="triangle"/>
-          </a:ln>
-        </p:spPr>
-        <p:style>
-          <a:lnRef idx="1">
-            <a:schemeClr val="accent1"/>
-          </a:lnRef>
-          <a:fillRef idx="0">
-            <a:schemeClr val="accent1"/>
-          </a:fillRef>
-          <a:effectRef idx="0">
-            <a:schemeClr val="accent1"/>
-          </a:effectRef>
-          <a:fontRef idx="minor">
-            <a:schemeClr val="tx1"/>
-          </a:fontRef>
-        </p:style>
-      </p:cxnSp>
-      <p:sp>
-        <p:nvSpPr>
-          <p:cNvPr id="16" name="Textfeld 15"/>
-          <p:cNvSpPr txBox="1"/>
-          <p:nvPr/>
-        </p:nvSpPr>
-        <p:spPr>
-          <a:xfrm>
-            <a:off x="8609667" y="3421719"/>
-            <a:ext cx="1321196" cy="769441"/>
-          </a:xfrm>
-          <a:prstGeom prst="rect">
-            <a:avLst/>
-          </a:prstGeom>
-          <a:noFill/>
-        </p:spPr>
-        <p:txBody>
-          <a:bodyPr wrap="none" rtlCol="0">
-            <a:spAutoFit/>
-          </a:bodyPr>
-          <a:lstStyle/>
-          <a:p>
-            <a:pPr algn="ctr"/>
-            <a:r>
-              <a:rPr lang="en-GB" sz="4400" dirty="0" smtClean="0"/>
-              <a:t>~250</a:t>
-            </a:r>
-            <a:endParaRPr lang="en-GB" sz="4400" dirty="0"/>
-          </a:p>
-        </p:txBody>
-      </p:sp>
-      <p:pic>
-        <p:nvPicPr>
-          <p:cNvPr id="13" name="Grafik 12"/>
-          <p:cNvPicPr>
-            <a:picLocks noChangeAspect="1"/>
-          </p:cNvPicPr>
-          <p:nvPr/>
-        </p:nvPicPr>
-        <p:blipFill>
-          <a:blip r:embed="rId2">
-            <a:extLst>
-              <a:ext uri="{28A0092B-C50C-407E-A947-70E740481C1C}">
-                <a14:useLocalDpi xmlns:a14="http://schemas.microsoft.com/office/drawing/2010/main" val="0"/>
-              </a:ext>
-            </a:extLst>
-          </a:blip>
-          <a:stretch>
-            <a:fillRect/>
-          </a:stretch>
-        </p:blipFill>
-        <p:spPr>
-          <a:xfrm>
-            <a:off x="838200" y="1607472"/>
-            <a:ext cx="9344025" cy="1362075"/>
-          </a:xfrm>
-          <a:prstGeom prst="rect">
-            <a:avLst/>
-          </a:prstGeom>
-        </p:spPr>
-      </p:pic>
-    </p:spTree>
-    <p:extLst>
-      <p:ext uri="{BB962C8B-B14F-4D97-AF65-F5344CB8AC3E}">
-        <p14:creationId xmlns:p14="http://schemas.microsoft.com/office/powerpoint/2010/main" val="1788122410"/>
-      </p:ext>
-    </p:extLst>
-  </p:cSld>
-  <p:clrMapOvr>
-    <a:masterClrMapping/>
-  </p:clrMapOvr>
-</p:sld>
-</file>
-
-<file path=ppt/slides/slide21.xml><?xml version="1.0" encoding="utf-8"?>
-<p:sld xmlns:a="http://schemas.openxmlformats.org/drawingml/2006/main" xmlns:r="http://schemas.openxmlformats.org/officeDocument/2006/relationships" xmlns:p="http://schemas.openxmlformats.org/presentationml/2006/main">
-  <p:cSld>
-    <p:spTree>
-      <p:nvGrpSpPr>
-        <p:cNvPr id="1" name=""/>
-        <p:cNvGrpSpPr/>
-        <p:nvPr/>
-      </p:nvGrpSpPr>
-      <p:grpSpPr>
-        <a:xfrm>
-          <a:off x="0" y="0"/>
-          <a:ext cx="0" cy="0"/>
-          <a:chOff x="0" y="0"/>
-          <a:chExt cx="0" cy="0"/>
-        </a:xfrm>
-      </p:grpSpPr>
-      <p:pic>
-        <p:nvPicPr>
-          <p:cNvPr id="3" name="Inhaltsplatzhalter 4"/>
-          <p:cNvPicPr>
-            <a:picLocks noGrp="1" noChangeAspect="1"/>
-          </p:cNvPicPr>
-          <p:nvPr>
-            <p:ph idx="1"/>
-          </p:nvPr>
-        </p:nvPicPr>
-        <p:blipFill>
-          <a:blip r:embed="rId2" cstate="print">
-            <a:extLst>
-              <a:ext uri="{28A0092B-C50C-407E-A947-70E740481C1C}">
-                <a14:useLocalDpi xmlns:a14="http://schemas.microsoft.com/office/drawing/2010/main" val="0"/>
-              </a:ext>
-            </a:extLst>
-          </a:blip>
-          <a:stretch>
-            <a:fillRect/>
-          </a:stretch>
-        </p:blipFill>
-        <p:spPr>
-          <a:xfrm>
-            <a:off x="2757188" y="808971"/>
-            <a:ext cx="6433307" cy="6433307"/>
-          </a:xfrm>
-        </p:spPr>
-      </p:pic>
-      <p:sp>
-        <p:nvSpPr>
-          <p:cNvPr id="2" name="Titel 1"/>
-          <p:cNvSpPr>
-            <a:spLocks noGrp="1"/>
-          </p:cNvSpPr>
-          <p:nvPr>
-            <p:ph type="title"/>
-          </p:nvPr>
-        </p:nvSpPr>
-        <p:spPr/>
-        <p:txBody>
-          <a:bodyPr/>
-          <a:lstStyle/>
-          <a:p>
-            <a:r>
-              <a:rPr lang="en-GB" dirty="0" smtClean="0"/>
-              <a:t>Coordinate Descent for MeerKAT?</a:t>
-            </a:r>
-            <a:endParaRPr lang="en-GB" dirty="0"/>
-          </a:p>
-        </p:txBody>
-      </p:sp>
-    </p:spTree>
-    <p:extLst>
-      <p:ext uri="{BB962C8B-B14F-4D97-AF65-F5344CB8AC3E}">
-        <p14:creationId xmlns:p14="http://schemas.microsoft.com/office/powerpoint/2010/main" val="2851100580"/>
-      </p:ext>
-    </p:extLst>
-  </p:cSld>
-  <p:clrMapOvr>
-    <a:masterClrMapping/>
-  </p:clrMapOvr>
-</p:sld>
-</file>
-
-<file path=ppt/slides/slide22.xml><?xml version="1.0" encoding="utf-8"?>
-<p:sld xmlns:a="http://schemas.openxmlformats.org/drawingml/2006/main" xmlns:r="http://schemas.openxmlformats.org/officeDocument/2006/relationships" xmlns:p="http://schemas.openxmlformats.org/presentationml/2006/main">
-  <p:cSld>
-    <p:spTree>
-      <p:nvGrpSpPr>
-        <p:cNvPr id="1" name=""/>
-        <p:cNvGrpSpPr/>
-        <p:nvPr/>
-      </p:nvGrpSpPr>
-      <p:grpSpPr>
-        <a:xfrm>
-          <a:off x="0" y="0"/>
-          <a:ext cx="0" cy="0"/>
-          <a:chOff x="0" y="0"/>
-          <a:chExt cx="0" cy="0"/>
-        </a:xfrm>
-      </p:grpSpPr>
-      <p:sp>
-        <p:nvSpPr>
-          <p:cNvPr id="2" name="Titel 1"/>
-          <p:cNvSpPr>
-            <a:spLocks noGrp="1"/>
-          </p:cNvSpPr>
-          <p:nvPr>
-            <p:ph type="title"/>
-          </p:nvPr>
-        </p:nvSpPr>
-        <p:spPr/>
-        <p:txBody>
-          <a:bodyPr/>
-          <a:lstStyle/>
-          <a:p>
-            <a:r>
-              <a:rPr lang="en-GB" dirty="0"/>
-              <a:t>Coordinate Descent for MeerKAT?</a:t>
-            </a:r>
-          </a:p>
-        </p:txBody>
-      </p:sp>
-      <p:sp>
-        <p:nvSpPr>
-          <p:cNvPr id="3" name="Inhaltsplatzhalter 2"/>
-          <p:cNvSpPr>
-            <a:spLocks noGrp="1"/>
-          </p:cNvSpPr>
-          <p:nvPr>
-            <p:ph idx="1"/>
-          </p:nvPr>
-        </p:nvSpPr>
-        <p:spPr/>
-        <p:txBody>
-          <a:bodyPr/>
-          <a:lstStyle/>
-          <a:p>
-            <a:r>
-              <a:rPr lang="en-GB" dirty="0" smtClean="0"/>
-              <a:t>“small” Dataset 88gb</a:t>
-            </a:r>
-          </a:p>
-          <a:p>
-            <a:r>
-              <a:rPr lang="en-GB" dirty="0" smtClean="0"/>
-              <a:t>4000 Million Visibilities</a:t>
-            </a:r>
-          </a:p>
-          <a:p>
-            <a:r>
-              <a:rPr lang="en-GB" dirty="0" smtClean="0"/>
-              <a:t>60 Million Pixels</a:t>
-            </a:r>
-          </a:p>
-          <a:p>
-            <a:endParaRPr lang="en-GB" dirty="0"/>
-          </a:p>
-        </p:txBody>
-      </p:sp>
-    </p:spTree>
-    <p:extLst>
-      <p:ext uri="{BB962C8B-B14F-4D97-AF65-F5344CB8AC3E}">
-        <p14:creationId xmlns:p14="http://schemas.microsoft.com/office/powerpoint/2010/main" val="2777220465"/>
-      </p:ext>
-    </p:extLst>
-  </p:cSld>
-  <p:clrMapOvr>
-    <a:masterClrMapping/>
-  </p:clrMapOvr>
-</p:sld>
-</file>
-
-<file path=ppt/slides/slide23.xml><?xml version="1.0" encoding="utf-8"?>
-<p:sld xmlns:a="http://schemas.openxmlformats.org/drawingml/2006/main" xmlns:r="http://schemas.openxmlformats.org/officeDocument/2006/relationships" xmlns:p="http://schemas.openxmlformats.org/presentationml/2006/main">
-  <p:cSld>
-    <p:spTree>
-      <p:nvGrpSpPr>
-        <p:cNvPr id="1" name=""/>
-        <p:cNvGrpSpPr/>
-        <p:nvPr/>
-      </p:nvGrpSpPr>
-      <p:grpSpPr>
-        <a:xfrm>
-          <a:off x="0" y="0"/>
-          <a:ext cx="0" cy="0"/>
-          <a:chOff x="0" y="0"/>
-          <a:chExt cx="0" cy="0"/>
-        </a:xfrm>
-      </p:grpSpPr>
-      <p:sp>
-        <p:nvSpPr>
-          <p:cNvPr id="20" name="Rechteck 19"/>
-          <p:cNvSpPr/>
-          <p:nvPr/>
-        </p:nvSpPr>
-        <p:spPr>
-          <a:xfrm>
-            <a:off x="8829662" y="2650210"/>
-            <a:ext cx="529389" cy="684349"/>
-          </a:xfrm>
-          <a:prstGeom prst="rect">
-            <a:avLst/>
-          </a:prstGeom>
-          <a:solidFill>
-            <a:schemeClr val="accent2">
-              <a:lumMod val="75000"/>
-            </a:schemeClr>
-          </a:solidFill>
-        </p:spPr>
-        <p:style>
-          <a:lnRef idx="2">
-            <a:schemeClr val="accent1">
-              <a:shade val="50000"/>
-            </a:schemeClr>
-          </a:lnRef>
-          <a:fillRef idx="1">
-            <a:schemeClr val="accent1"/>
-          </a:fillRef>
-          <a:effectRef idx="0">
-            <a:schemeClr val="accent1"/>
-          </a:effectRef>
-          <a:fontRef idx="minor">
-            <a:schemeClr val="lt1"/>
-          </a:fontRef>
-        </p:style>
-        <p:txBody>
-          <a:bodyPr rtlCol="0" anchor="ctr"/>
-          <a:lstStyle/>
-          <a:p>
-            <a:pPr algn="ctr"/>
-            <a:endParaRPr lang="en-GB"/>
-          </a:p>
-        </p:txBody>
-      </p:sp>
-      <p:sp>
-        <p:nvSpPr>
-          <p:cNvPr id="2" name="Titel 1"/>
-          <p:cNvSpPr>
-            <a:spLocks noGrp="1"/>
-          </p:cNvSpPr>
-          <p:nvPr>
-            <p:ph type="title"/>
-          </p:nvPr>
-        </p:nvSpPr>
-        <p:spPr/>
-        <p:txBody>
-          <a:bodyPr/>
-          <a:lstStyle/>
-          <a:p>
-            <a:r>
-              <a:rPr lang="en-GB" dirty="0"/>
-              <a:t>Coordinate Descent for MeerKAT?</a:t>
-            </a:r>
-          </a:p>
-        </p:txBody>
-      </p:sp>
-      <p:pic>
-        <p:nvPicPr>
-          <p:cNvPr id="17" name="Grafik 16"/>
-          <p:cNvPicPr>
-            <a:picLocks noChangeAspect="1"/>
-          </p:cNvPicPr>
-          <p:nvPr/>
-        </p:nvPicPr>
-        <p:blipFill>
-          <a:blip r:embed="rId2">
-            <a:extLst>
-              <a:ext uri="{28A0092B-C50C-407E-A947-70E740481C1C}">
-                <a14:useLocalDpi xmlns:a14="http://schemas.microsoft.com/office/drawing/2010/main" val="0"/>
-              </a:ext>
-            </a:extLst>
-          </a:blip>
-          <a:stretch>
-            <a:fillRect/>
-          </a:stretch>
-        </p:blipFill>
-        <p:spPr>
-          <a:xfrm>
-            <a:off x="8046204" y="2734041"/>
-            <a:ext cx="2543175" cy="457200"/>
-          </a:xfrm>
-          <a:prstGeom prst="rect">
-            <a:avLst/>
-          </a:prstGeom>
-        </p:spPr>
-      </p:pic>
-      <p:sp>
-        <p:nvSpPr>
-          <p:cNvPr id="11" name="Inhaltsplatzhalter 2"/>
-          <p:cNvSpPr>
-            <a:spLocks noGrp="1"/>
-          </p:cNvSpPr>
-          <p:nvPr>
-            <p:ph idx="1"/>
-          </p:nvPr>
-        </p:nvSpPr>
-        <p:spPr>
-          <a:xfrm>
-            <a:off x="838200" y="1825625"/>
-            <a:ext cx="5977676" cy="4351338"/>
-          </a:xfrm>
-        </p:spPr>
-        <p:txBody>
-          <a:bodyPr>
-            <a:normAutofit lnSpcReduction="10000"/>
-          </a:bodyPr>
-          <a:lstStyle/>
-          <a:p>
-            <a:endParaRPr lang="en-GB" dirty="0" smtClean="0"/>
-          </a:p>
-          <a:p>
-            <a:endParaRPr lang="en-GB" dirty="0"/>
-          </a:p>
-          <a:p>
-            <a:endParaRPr lang="en-GB" dirty="0" smtClean="0"/>
-          </a:p>
-          <a:p>
-            <a:endParaRPr lang="en-GB" dirty="0"/>
-          </a:p>
-          <a:p>
-            <a:endParaRPr lang="en-GB" dirty="0" smtClean="0"/>
-          </a:p>
-          <a:p>
-            <a:endParaRPr lang="en-GB" dirty="0" smtClean="0"/>
-          </a:p>
-          <a:p>
-            <a:endParaRPr lang="en-GB" dirty="0"/>
-          </a:p>
-          <a:p>
-            <a:r>
-              <a:rPr lang="en-GB" dirty="0" smtClean="0"/>
-              <a:t>4000 Million Visibilities </a:t>
-            </a:r>
-            <a:r>
-              <a:rPr lang="en-GB" dirty="0" smtClean="0">
-                <a:sym typeface="Wingdings" panose="05000000000000000000" pitchFamily="2" charset="2"/>
-              </a:rPr>
-              <a:t> </a:t>
-            </a:r>
-            <a:r>
-              <a:rPr lang="en-GB" b="1" dirty="0" smtClean="0">
-                <a:sym typeface="Wingdings" panose="05000000000000000000" pitchFamily="2" charset="2"/>
-              </a:rPr>
-              <a:t>M	</a:t>
-            </a:r>
-            <a:endParaRPr lang="en-GB" b="1" dirty="0">
-              <a:sym typeface="Wingdings" panose="05000000000000000000" pitchFamily="2" charset="2"/>
-            </a:endParaRPr>
-          </a:p>
-          <a:p>
-            <a:r>
-              <a:rPr lang="en-GB" dirty="0" smtClean="0"/>
-              <a:t>60 Million Pixels </a:t>
-            </a:r>
-            <a:r>
-              <a:rPr lang="en-GB" dirty="0" smtClean="0">
-                <a:sym typeface="Wingdings" panose="05000000000000000000" pitchFamily="2" charset="2"/>
-              </a:rPr>
-              <a:t> </a:t>
-            </a:r>
-            <a:r>
-              <a:rPr lang="en-GB" b="1" dirty="0" smtClean="0">
-                <a:sym typeface="Wingdings" panose="05000000000000000000" pitchFamily="2" charset="2"/>
-              </a:rPr>
-              <a:t>N</a:t>
-            </a:r>
-          </a:p>
-        </p:txBody>
-      </p:sp>
-      <p:sp>
-        <p:nvSpPr>
-          <p:cNvPr id="12" name="Rechteck 11"/>
-          <p:cNvSpPr/>
-          <p:nvPr/>
-        </p:nvSpPr>
-        <p:spPr>
-          <a:xfrm>
-            <a:off x="7224267" y="5096580"/>
-            <a:ext cx="4269567" cy="480131"/>
-          </a:xfrm>
-          <a:prstGeom prst="rect">
-            <a:avLst/>
-          </a:prstGeom>
-        </p:spPr>
-        <p:txBody>
-          <a:bodyPr wrap="none">
-            <a:spAutoFit/>
-          </a:bodyPr>
-          <a:lstStyle/>
-          <a:p>
-            <a:pPr marL="228600" indent="-228600">
-              <a:lnSpc>
-                <a:spcPct val="90000"/>
-              </a:lnSpc>
-              <a:spcBef>
-                <a:spcPts val="1000"/>
-              </a:spcBef>
-              <a:buFont typeface="Arial" panose="020B0604020202020204" pitchFamily="34" charset="0"/>
-              <a:buChar char="•"/>
-            </a:pPr>
-            <a:r>
-              <a:rPr lang="en-GB" sz="2800" dirty="0">
-                <a:sym typeface="Wingdings" panose="05000000000000000000" pitchFamily="2" charset="2"/>
-              </a:rPr>
-              <a:t>250+ non-zero entries  s</a:t>
-            </a:r>
-            <a:endParaRPr lang="en-GB" sz="2800" dirty="0"/>
-          </a:p>
-        </p:txBody>
-      </p:sp>
-      <p:pic>
-        <p:nvPicPr>
-          <p:cNvPr id="13" name="Grafik 12"/>
-          <p:cNvPicPr>
-            <a:picLocks noChangeAspect="1"/>
-          </p:cNvPicPr>
-          <p:nvPr/>
-        </p:nvPicPr>
-        <p:blipFill>
-          <a:blip r:embed="rId3">
-            <a:extLst>
-              <a:ext uri="{28A0092B-C50C-407E-A947-70E740481C1C}">
-                <a14:useLocalDpi xmlns:a14="http://schemas.microsoft.com/office/drawing/2010/main" val="0"/>
-              </a:ext>
-            </a:extLst>
-          </a:blip>
-          <a:stretch>
-            <a:fillRect/>
-          </a:stretch>
-        </p:blipFill>
-        <p:spPr>
-          <a:xfrm>
-            <a:off x="3613637" y="1938532"/>
-            <a:ext cx="457200" cy="581134"/>
-          </a:xfrm>
-          <a:prstGeom prst="rect">
-            <a:avLst/>
-          </a:prstGeom>
-        </p:spPr>
-      </p:pic>
-      <p:pic>
-        <p:nvPicPr>
-          <p:cNvPr id="14" name="Grafik 13"/>
-          <p:cNvPicPr>
-            <a:picLocks noChangeAspect="1"/>
-          </p:cNvPicPr>
-          <p:nvPr/>
-        </p:nvPicPr>
-        <p:blipFill>
-          <a:blip r:embed="rId4">
-            <a:extLst>
-              <a:ext uri="{28A0092B-C50C-407E-A947-70E740481C1C}">
-                <a14:useLocalDpi xmlns:a14="http://schemas.microsoft.com/office/drawing/2010/main" val="0"/>
-              </a:ext>
-            </a:extLst>
-          </a:blip>
-          <a:stretch>
-            <a:fillRect/>
-          </a:stretch>
-        </p:blipFill>
-        <p:spPr>
-          <a:xfrm>
-            <a:off x="3445014" y="3769412"/>
-            <a:ext cx="1038479" cy="638175"/>
-          </a:xfrm>
-          <a:prstGeom prst="rect">
-            <a:avLst/>
-          </a:prstGeom>
-        </p:spPr>
-      </p:pic>
-      <p:sp>
-        <p:nvSpPr>
-          <p:cNvPr id="15" name="Freihandform 14"/>
-          <p:cNvSpPr/>
-          <p:nvPr/>
-        </p:nvSpPr>
-        <p:spPr>
-          <a:xfrm>
-            <a:off x="2611314" y="3174205"/>
-            <a:ext cx="2461847" cy="500733"/>
-          </a:xfrm>
-          <a:custGeom>
-            <a:avLst/>
-            <a:gdLst>
-              <a:gd name="connsiteX0" fmla="*/ 0 w 3909848"/>
-              <a:gd name="connsiteY0" fmla="*/ 15766 h 1103596"/>
-              <a:gd name="connsiteX1" fmla="*/ 1718441 w 3909848"/>
-              <a:gd name="connsiteY1" fmla="*/ 1103587 h 1103596"/>
-              <a:gd name="connsiteX2" fmla="*/ 3909848 w 3909848"/>
-              <a:gd name="connsiteY2" fmla="*/ 0 h 1103596"/>
-            </a:gdLst>
-            <a:ahLst/>
-            <a:cxnLst>
-              <a:cxn ang="0">
-                <a:pos x="connsiteX0" y="connsiteY0"/>
-              </a:cxn>
-              <a:cxn ang="0">
-                <a:pos x="connsiteX1" y="connsiteY1"/>
-              </a:cxn>
-              <a:cxn ang="0">
-                <a:pos x="connsiteX2" y="connsiteY2"/>
-              </a:cxn>
-            </a:cxnLst>
-            <a:rect l="l" t="t" r="r" b="b"/>
-            <a:pathLst>
-              <a:path w="3909848" h="1103596">
-                <a:moveTo>
-                  <a:pt x="0" y="15766"/>
-                </a:moveTo>
-                <a:cubicBezTo>
-                  <a:pt x="533400" y="560990"/>
-                  <a:pt x="1066800" y="1106215"/>
-                  <a:pt x="1718441" y="1103587"/>
-                </a:cubicBezTo>
-                <a:cubicBezTo>
-                  <a:pt x="2370082" y="1100959"/>
-                  <a:pt x="3536731" y="155028"/>
-                  <a:pt x="3909848" y="0"/>
-                </a:cubicBezTo>
-              </a:path>
-            </a:pathLst>
-          </a:custGeom>
-          <a:noFill/>
-          <a:ln w="63500">
-            <a:solidFill>
-              <a:schemeClr val="accent2">
-                <a:lumMod val="75000"/>
-              </a:schemeClr>
-            </a:solidFill>
-            <a:tailEnd type="triangle"/>
-          </a:ln>
-        </p:spPr>
-        <p:style>
-          <a:lnRef idx="2">
-            <a:schemeClr val="accent1">
-              <a:shade val="50000"/>
-            </a:schemeClr>
-          </a:lnRef>
-          <a:fillRef idx="1">
-            <a:schemeClr val="accent1"/>
-          </a:fillRef>
-          <a:effectRef idx="0">
-            <a:schemeClr val="accent1"/>
-          </a:effectRef>
-          <a:fontRef idx="minor">
-            <a:schemeClr val="lt1"/>
-          </a:fontRef>
-        </p:style>
-        <p:txBody>
-          <a:bodyPr rtlCol="0" anchor="ctr"/>
-          <a:lstStyle/>
-          <a:p>
-            <a:pPr algn="ctr"/>
-            <a:endParaRPr lang="en-GB"/>
-          </a:p>
-        </p:txBody>
-      </p:sp>
-      <p:sp>
-        <p:nvSpPr>
-          <p:cNvPr id="16" name="Freihandform 15"/>
-          <p:cNvSpPr/>
-          <p:nvPr/>
-        </p:nvSpPr>
-        <p:spPr>
-          <a:xfrm>
-            <a:off x="2611314" y="2654001"/>
-            <a:ext cx="2461847" cy="439079"/>
-          </a:xfrm>
-          <a:custGeom>
-            <a:avLst/>
-            <a:gdLst>
-              <a:gd name="connsiteX0" fmla="*/ 3799490 w 3799490"/>
-              <a:gd name="connsiteY0" fmla="*/ 1056685 h 1056685"/>
-              <a:gd name="connsiteX1" fmla="*/ 1781503 w 3799490"/>
-              <a:gd name="connsiteY1" fmla="*/ 395 h 1056685"/>
-              <a:gd name="connsiteX2" fmla="*/ 0 w 3799490"/>
-              <a:gd name="connsiteY2" fmla="*/ 930561 h 1056685"/>
-            </a:gdLst>
-            <a:ahLst/>
-            <a:cxnLst>
-              <a:cxn ang="0">
-                <a:pos x="connsiteX0" y="connsiteY0"/>
-              </a:cxn>
-              <a:cxn ang="0">
-                <a:pos x="connsiteX1" y="connsiteY1"/>
-              </a:cxn>
-              <a:cxn ang="0">
-                <a:pos x="connsiteX2" y="connsiteY2"/>
-              </a:cxn>
-            </a:cxnLst>
-            <a:rect l="l" t="t" r="r" b="b"/>
-            <a:pathLst>
-              <a:path w="3799490" h="1056685">
-                <a:moveTo>
-                  <a:pt x="3799490" y="1056685"/>
-                </a:moveTo>
-                <a:cubicBezTo>
-                  <a:pt x="3107120" y="539050"/>
-                  <a:pt x="2414751" y="21416"/>
-                  <a:pt x="1781503" y="395"/>
-                </a:cubicBezTo>
-                <a:cubicBezTo>
-                  <a:pt x="1148255" y="-20626"/>
-                  <a:pt x="236483" y="801809"/>
-                  <a:pt x="0" y="930561"/>
-                </a:cubicBezTo>
-              </a:path>
-            </a:pathLst>
-          </a:custGeom>
-          <a:noFill/>
-          <a:ln w="63500">
-            <a:solidFill>
-              <a:schemeClr val="accent2">
-                <a:lumMod val="75000"/>
-              </a:schemeClr>
-            </a:solidFill>
-            <a:tailEnd type="triangle"/>
-          </a:ln>
-        </p:spPr>
-        <p:style>
-          <a:lnRef idx="2">
-            <a:schemeClr val="accent1">
-              <a:shade val="50000"/>
-            </a:schemeClr>
-          </a:lnRef>
-          <a:fillRef idx="1">
-            <a:schemeClr val="accent1"/>
-          </a:fillRef>
-          <a:effectRef idx="0">
-            <a:schemeClr val="accent1"/>
-          </a:effectRef>
-          <a:fontRef idx="minor">
-            <a:schemeClr val="lt1"/>
-          </a:fontRef>
-        </p:style>
-        <p:txBody>
-          <a:bodyPr rtlCol="0" anchor="ctr"/>
-          <a:lstStyle/>
-          <a:p>
-            <a:pPr algn="ctr"/>
-            <a:endParaRPr lang="en-GB"/>
-          </a:p>
-        </p:txBody>
-      </p:sp>
-    </p:spTree>
-    <p:extLst>
-      <p:ext uri="{BB962C8B-B14F-4D97-AF65-F5344CB8AC3E}">
-        <p14:creationId xmlns:p14="http://schemas.microsoft.com/office/powerpoint/2010/main" val="36641275"/>
-      </p:ext>
-    </p:extLst>
-  </p:cSld>
-  <p:clrMapOvr>
-    <a:masterClrMapping/>
-  </p:clrMapOvr>
-</p:sld>
-</file>
-
-<file path=ppt/slides/slide24.xml><?xml version="1.0" encoding="utf-8"?>
-<p:sld xmlns:a="http://schemas.openxmlformats.org/drawingml/2006/main" xmlns:r="http://schemas.openxmlformats.org/officeDocument/2006/relationships" xmlns:p="http://schemas.openxmlformats.org/presentationml/2006/main">
-  <p:cSld>
-    <p:spTree>
-      <p:nvGrpSpPr>
-        <p:cNvPr id="1" name=""/>
-        <p:cNvGrpSpPr/>
-        <p:nvPr/>
-      </p:nvGrpSpPr>
-      <p:grpSpPr>
-        <a:xfrm>
-          <a:off x="0" y="0"/>
-          <a:ext cx="0" cy="0"/>
-          <a:chOff x="0" y="0"/>
-          <a:chExt cx="0" cy="0"/>
-        </a:xfrm>
-      </p:grpSpPr>
-      <p:sp>
-        <p:nvSpPr>
-          <p:cNvPr id="3" name="Inhaltsplatzhalter 2"/>
-          <p:cNvSpPr>
-            <a:spLocks noGrp="1"/>
-          </p:cNvSpPr>
-          <p:nvPr>
-            <p:ph idx="1"/>
-          </p:nvPr>
-        </p:nvSpPr>
-        <p:spPr>
-          <a:xfrm>
-            <a:off x="838200" y="1825625"/>
-            <a:ext cx="5977676" cy="4351338"/>
-          </a:xfrm>
-        </p:spPr>
-        <p:txBody>
-          <a:bodyPr>
-            <a:normAutofit lnSpcReduction="10000"/>
-          </a:bodyPr>
-          <a:lstStyle/>
-          <a:p>
-            <a:endParaRPr lang="en-GB" dirty="0" smtClean="0"/>
-          </a:p>
-          <a:p>
-            <a:endParaRPr lang="en-GB" dirty="0"/>
-          </a:p>
-          <a:p>
-            <a:endParaRPr lang="en-GB" dirty="0" smtClean="0"/>
-          </a:p>
-          <a:p>
-            <a:endParaRPr lang="en-GB" dirty="0"/>
-          </a:p>
-          <a:p>
-            <a:endParaRPr lang="en-GB" dirty="0" smtClean="0"/>
-          </a:p>
-          <a:p>
-            <a:endParaRPr lang="en-GB" dirty="0" smtClean="0"/>
-          </a:p>
-          <a:p>
-            <a:endParaRPr lang="en-GB" dirty="0"/>
-          </a:p>
-          <a:p>
-            <a:r>
-              <a:rPr lang="en-GB" dirty="0" smtClean="0"/>
-              <a:t>4000 Million Visibilities </a:t>
-            </a:r>
-            <a:r>
-              <a:rPr lang="en-GB" dirty="0" smtClean="0">
-                <a:sym typeface="Wingdings" panose="05000000000000000000" pitchFamily="2" charset="2"/>
-              </a:rPr>
-              <a:t> </a:t>
-            </a:r>
-            <a:r>
-              <a:rPr lang="en-GB" b="1" dirty="0" smtClean="0">
-                <a:sym typeface="Wingdings" panose="05000000000000000000" pitchFamily="2" charset="2"/>
-              </a:rPr>
-              <a:t>M	</a:t>
-            </a:r>
-            <a:endParaRPr lang="en-GB" b="1" dirty="0">
-              <a:sym typeface="Wingdings" panose="05000000000000000000" pitchFamily="2" charset="2"/>
-            </a:endParaRPr>
-          </a:p>
-          <a:p>
-            <a:r>
-              <a:rPr lang="en-GB" dirty="0" smtClean="0"/>
-              <a:t>60 Million Pixels </a:t>
-            </a:r>
-            <a:r>
-              <a:rPr lang="en-GB" dirty="0" smtClean="0">
-                <a:sym typeface="Wingdings" panose="05000000000000000000" pitchFamily="2" charset="2"/>
-              </a:rPr>
-              <a:t> </a:t>
-            </a:r>
-            <a:r>
-              <a:rPr lang="en-GB" b="1" dirty="0" smtClean="0">
-                <a:sym typeface="Wingdings" panose="05000000000000000000" pitchFamily="2" charset="2"/>
-              </a:rPr>
-              <a:t>N</a:t>
-            </a:r>
-          </a:p>
-        </p:txBody>
-      </p:sp>
-      <p:sp>
-        <p:nvSpPr>
-          <p:cNvPr id="2" name="Titel 1"/>
-          <p:cNvSpPr>
-            <a:spLocks noGrp="1"/>
-          </p:cNvSpPr>
-          <p:nvPr>
-            <p:ph type="title"/>
-          </p:nvPr>
-        </p:nvSpPr>
-        <p:spPr/>
-        <p:txBody>
-          <a:bodyPr/>
-          <a:lstStyle/>
-          <a:p>
-            <a:r>
-              <a:rPr lang="en-GB" dirty="0"/>
-              <a:t>Coordinate Descent for MeerKAT?</a:t>
-            </a:r>
-          </a:p>
-        </p:txBody>
-      </p:sp>
-      <p:sp>
-        <p:nvSpPr>
-          <p:cNvPr id="4" name="Rechteck 3"/>
-          <p:cNvSpPr/>
-          <p:nvPr/>
-        </p:nvSpPr>
-        <p:spPr>
-          <a:xfrm>
-            <a:off x="7224267" y="5096580"/>
-            <a:ext cx="4269567" cy="480131"/>
-          </a:xfrm>
-          <a:prstGeom prst="rect">
-            <a:avLst/>
-          </a:prstGeom>
-        </p:spPr>
-        <p:txBody>
-          <a:bodyPr wrap="none">
-            <a:spAutoFit/>
-          </a:bodyPr>
-          <a:lstStyle/>
-          <a:p>
-            <a:pPr marL="228600" indent="-228600">
-              <a:lnSpc>
-                <a:spcPct val="90000"/>
-              </a:lnSpc>
-              <a:spcBef>
-                <a:spcPts val="1000"/>
-              </a:spcBef>
-              <a:buFont typeface="Arial" panose="020B0604020202020204" pitchFamily="34" charset="0"/>
-              <a:buChar char="•"/>
-            </a:pPr>
-            <a:r>
-              <a:rPr lang="en-GB" sz="2800" dirty="0">
-                <a:sym typeface="Wingdings" panose="05000000000000000000" pitchFamily="2" charset="2"/>
-              </a:rPr>
-              <a:t>250+ non-zero entries  s</a:t>
-            </a:r>
-            <a:endParaRPr lang="en-GB" sz="2800" dirty="0"/>
-          </a:p>
-        </p:txBody>
-      </p:sp>
-      <p:pic>
-        <p:nvPicPr>
-          <p:cNvPr id="13" name="Grafik 12"/>
-          <p:cNvPicPr>
-            <a:picLocks noChangeAspect="1"/>
-          </p:cNvPicPr>
-          <p:nvPr/>
-        </p:nvPicPr>
-        <p:blipFill>
-          <a:blip r:embed="rId2">
-            <a:extLst>
-              <a:ext uri="{28A0092B-C50C-407E-A947-70E740481C1C}">
-                <a14:useLocalDpi xmlns:a14="http://schemas.microsoft.com/office/drawing/2010/main" val="0"/>
-              </a:ext>
-            </a:extLst>
-          </a:blip>
-          <a:stretch>
-            <a:fillRect/>
-          </a:stretch>
-        </p:blipFill>
-        <p:spPr>
-          <a:xfrm>
-            <a:off x="838200" y="2697040"/>
-            <a:ext cx="4619625" cy="666750"/>
-          </a:xfrm>
-          <a:prstGeom prst="rect">
-            <a:avLst/>
-          </a:prstGeom>
-        </p:spPr>
-      </p:pic>
-      <p:pic>
-        <p:nvPicPr>
-          <p:cNvPr id="5" name="Grafik 4"/>
-          <p:cNvPicPr>
-            <a:picLocks noChangeAspect="1"/>
-          </p:cNvPicPr>
-          <p:nvPr/>
-        </p:nvPicPr>
-        <p:blipFill>
-          <a:blip r:embed="rId3">
-            <a:extLst>
-              <a:ext uri="{28A0092B-C50C-407E-A947-70E740481C1C}">
-                <a14:useLocalDpi xmlns:a14="http://schemas.microsoft.com/office/drawing/2010/main" val="0"/>
-              </a:ext>
-            </a:extLst>
-          </a:blip>
-          <a:stretch>
-            <a:fillRect/>
-          </a:stretch>
-        </p:blipFill>
-        <p:spPr>
-          <a:xfrm>
-            <a:off x="8582762" y="2826896"/>
-            <a:ext cx="1552575" cy="447675"/>
-          </a:xfrm>
-          <a:prstGeom prst="rect">
-            <a:avLst/>
-          </a:prstGeom>
-        </p:spPr>
-      </p:pic>
-    </p:spTree>
-    <p:extLst>
-      <p:ext uri="{BB962C8B-B14F-4D97-AF65-F5344CB8AC3E}">
-        <p14:creationId xmlns:p14="http://schemas.microsoft.com/office/powerpoint/2010/main" val="2111745990"/>
-      </p:ext>
-    </p:extLst>
-  </p:cSld>
-  <p:clrMapOvr>
-    <a:masterClrMapping/>
-  </p:clrMapOvr>
-</p:sld>
-</file>
-
-<file path=ppt/slides/slide25.xml><?xml version="1.0" encoding="utf-8"?>
-<p:sld xmlns:a="http://schemas.openxmlformats.org/drawingml/2006/main" xmlns:r="http://schemas.openxmlformats.org/officeDocument/2006/relationships" xmlns:p="http://schemas.openxmlformats.org/presentationml/2006/main">
-  <p:cSld>
-    <p:spTree>
-      <p:nvGrpSpPr>
-        <p:cNvPr id="1" name=""/>
-        <p:cNvGrpSpPr/>
-        <p:nvPr/>
-      </p:nvGrpSpPr>
-      <p:grpSpPr>
-        <a:xfrm>
-          <a:off x="0" y="0"/>
-          <a:ext cx="0" cy="0"/>
-          <a:chOff x="0" y="0"/>
-          <a:chExt cx="0" cy="0"/>
-        </a:xfrm>
-      </p:grpSpPr>
-      <p:pic>
-        <p:nvPicPr>
-          <p:cNvPr id="5" name="Inhaltsplatzhalter 4"/>
-          <p:cNvPicPr>
-            <a:picLocks noGrp="1" noChangeAspect="1"/>
-          </p:cNvPicPr>
-          <p:nvPr>
-            <p:ph idx="1"/>
-          </p:nvPr>
-        </p:nvPicPr>
-        <p:blipFill>
-          <a:blip r:embed="rId2" cstate="print">
-            <a:extLst>
-              <a:ext uri="{28A0092B-C50C-407E-A947-70E740481C1C}">
-                <a14:useLocalDpi xmlns:a14="http://schemas.microsoft.com/office/drawing/2010/main" val="0"/>
-              </a:ext>
-            </a:extLst>
-          </a:blip>
-          <a:stretch>
-            <a:fillRect/>
-          </a:stretch>
-        </p:blipFill>
-        <p:spPr>
-          <a:xfrm>
-            <a:off x="5391900" y="1118937"/>
-            <a:ext cx="5649077" cy="5649077"/>
-          </a:xfrm>
-        </p:spPr>
-      </p:pic>
-      <p:sp>
-        <p:nvSpPr>
-          <p:cNvPr id="2" name="Titel 1"/>
-          <p:cNvSpPr>
-            <a:spLocks noGrp="1"/>
-          </p:cNvSpPr>
-          <p:nvPr>
-            <p:ph type="title"/>
-          </p:nvPr>
-        </p:nvSpPr>
-        <p:spPr/>
-        <p:txBody>
-          <a:bodyPr/>
-          <a:lstStyle/>
-          <a:p>
-            <a:r>
-              <a:rPr lang="en-GB" dirty="0"/>
-              <a:t>Coordinate Descent for MeerKAT?</a:t>
-            </a:r>
-            <a:endParaRPr lang="en-GB" dirty="0"/>
-          </a:p>
-        </p:txBody>
-      </p:sp>
-      <p:pic>
-        <p:nvPicPr>
-          <p:cNvPr id="6" name="Grafik 5"/>
-          <p:cNvPicPr>
-            <a:picLocks noChangeAspect="1"/>
-          </p:cNvPicPr>
-          <p:nvPr/>
-        </p:nvPicPr>
-        <p:blipFill rotWithShape="1">
-          <a:blip r:embed="rId3" cstate="print">
-            <a:extLst>
-              <a:ext uri="{28A0092B-C50C-407E-A947-70E740481C1C}">
-                <a14:useLocalDpi xmlns:a14="http://schemas.microsoft.com/office/drawing/2010/main" val="0"/>
-              </a:ext>
-            </a:extLst>
-          </a:blip>
-          <a:srcRect l="19272" t="9824" r="18139" b="4737"/>
-          <a:stretch/>
-        </p:blipFill>
-        <p:spPr>
-          <a:xfrm>
-            <a:off x="613021" y="1871908"/>
-            <a:ext cx="4644779" cy="4212748"/>
-          </a:xfrm>
-          <a:prstGeom prst="rect">
-            <a:avLst/>
-          </a:prstGeom>
-        </p:spPr>
-      </p:pic>
-    </p:spTree>
-    <p:extLst>
-      <p:ext uri="{BB962C8B-B14F-4D97-AF65-F5344CB8AC3E}">
-        <p14:creationId xmlns:p14="http://schemas.microsoft.com/office/powerpoint/2010/main" val="3004362158"/>
-      </p:ext>
-    </p:extLst>
-  </p:cSld>
-  <p:clrMapOvr>
-    <a:masterClrMapping/>
-  </p:clrMapOvr>
-</p:sld>
-</file>
-
-<file path=ppt/slides/slide26.xml><?xml version="1.0" encoding="utf-8"?>
-<p:sld xmlns:a="http://schemas.openxmlformats.org/drawingml/2006/main" xmlns:r="http://schemas.openxmlformats.org/officeDocument/2006/relationships" xmlns:p="http://schemas.openxmlformats.org/presentationml/2006/main">
-  <p:cSld>
-    <p:spTree>
-      <p:nvGrpSpPr>
-        <p:cNvPr id="1" name=""/>
-        <p:cNvGrpSpPr/>
-        <p:nvPr/>
-      </p:nvGrpSpPr>
-      <p:grpSpPr>
-        <a:xfrm>
-          <a:off x="0" y="0"/>
-          <a:ext cx="0" cy="0"/>
-          <a:chOff x="0" y="0"/>
-          <a:chExt cx="0" cy="0"/>
-        </a:xfrm>
-      </p:grpSpPr>
-      <p:sp>
-        <p:nvSpPr>
-          <p:cNvPr id="2" name="Titel 1"/>
-          <p:cNvSpPr>
-            <a:spLocks noGrp="1"/>
-          </p:cNvSpPr>
-          <p:nvPr>
-            <p:ph type="title"/>
-          </p:nvPr>
-        </p:nvSpPr>
-        <p:spPr/>
-        <p:txBody>
-          <a:bodyPr/>
-          <a:lstStyle/>
-          <a:p>
-            <a:r>
-              <a:rPr lang="en-GB" dirty="0" smtClean="0"/>
-              <a:t>Future of MeerKAT</a:t>
-            </a:r>
-            <a:endParaRPr lang="en-GB" dirty="0"/>
-          </a:p>
-        </p:txBody>
-      </p:sp>
-      <p:sp>
-        <p:nvSpPr>
-          <p:cNvPr id="3" name="Inhaltsplatzhalter 2"/>
-          <p:cNvSpPr>
-            <a:spLocks noGrp="1"/>
-          </p:cNvSpPr>
-          <p:nvPr>
-            <p:ph idx="1"/>
-          </p:nvPr>
-        </p:nvSpPr>
-        <p:spPr/>
-        <p:txBody>
-          <a:bodyPr/>
-          <a:lstStyle/>
-          <a:p>
-            <a:endParaRPr lang="en-GB"/>
-          </a:p>
-        </p:txBody>
-      </p:sp>
-      <p:pic>
-        <p:nvPicPr>
-          <p:cNvPr id="4" name="Grafik 3"/>
-          <p:cNvPicPr>
-            <a:picLocks noChangeAspect="1"/>
-          </p:cNvPicPr>
-          <p:nvPr/>
-        </p:nvPicPr>
-        <p:blipFill>
-          <a:blip r:embed="rId2">
-            <a:extLst>
-              <a:ext uri="{28A0092B-C50C-407E-A947-70E740481C1C}">
-                <a14:useLocalDpi xmlns:a14="http://schemas.microsoft.com/office/drawing/2010/main" val="0"/>
-              </a:ext>
-            </a:extLst>
-          </a:blip>
-          <a:stretch>
-            <a:fillRect/>
-          </a:stretch>
-        </p:blipFill>
-        <p:spPr>
-          <a:xfrm>
-            <a:off x="5794127" y="2729839"/>
-            <a:ext cx="457200" cy="581134"/>
-          </a:xfrm>
-          <a:prstGeom prst="rect">
-            <a:avLst/>
-          </a:prstGeom>
-        </p:spPr>
-      </p:pic>
-      <p:pic>
-        <p:nvPicPr>
-          <p:cNvPr id="5" name="Grafik 4"/>
-          <p:cNvPicPr>
-            <a:picLocks noChangeAspect="1"/>
-          </p:cNvPicPr>
-          <p:nvPr/>
-        </p:nvPicPr>
-        <p:blipFill>
-          <a:blip r:embed="rId3">
-            <a:extLst>
-              <a:ext uri="{28A0092B-C50C-407E-A947-70E740481C1C}">
-                <a14:useLocalDpi xmlns:a14="http://schemas.microsoft.com/office/drawing/2010/main" val="0"/>
-              </a:ext>
-            </a:extLst>
-          </a:blip>
-          <a:stretch>
-            <a:fillRect/>
-          </a:stretch>
-        </p:blipFill>
-        <p:spPr>
-          <a:xfrm>
-            <a:off x="5625504" y="4560719"/>
-            <a:ext cx="1038479" cy="638175"/>
-          </a:xfrm>
-          <a:prstGeom prst="rect">
-            <a:avLst/>
-          </a:prstGeom>
-        </p:spPr>
-      </p:pic>
-      <p:sp>
-        <p:nvSpPr>
-          <p:cNvPr id="6" name="Freihandform 5"/>
-          <p:cNvSpPr/>
-          <p:nvPr/>
-        </p:nvSpPr>
-        <p:spPr>
-          <a:xfrm>
-            <a:off x="4791804" y="3965512"/>
-            <a:ext cx="2461847" cy="500733"/>
-          </a:xfrm>
-          <a:custGeom>
-            <a:avLst/>
-            <a:gdLst>
-              <a:gd name="connsiteX0" fmla="*/ 0 w 3909848"/>
-              <a:gd name="connsiteY0" fmla="*/ 15766 h 1103596"/>
-              <a:gd name="connsiteX1" fmla="*/ 1718441 w 3909848"/>
-              <a:gd name="connsiteY1" fmla="*/ 1103587 h 1103596"/>
-              <a:gd name="connsiteX2" fmla="*/ 3909848 w 3909848"/>
-              <a:gd name="connsiteY2" fmla="*/ 0 h 1103596"/>
-            </a:gdLst>
-            <a:ahLst/>
-            <a:cxnLst>
-              <a:cxn ang="0">
-                <a:pos x="connsiteX0" y="connsiteY0"/>
-              </a:cxn>
-              <a:cxn ang="0">
-                <a:pos x="connsiteX1" y="connsiteY1"/>
-              </a:cxn>
-              <a:cxn ang="0">
-                <a:pos x="connsiteX2" y="connsiteY2"/>
-              </a:cxn>
-            </a:cxnLst>
-            <a:rect l="l" t="t" r="r" b="b"/>
-            <a:pathLst>
-              <a:path w="3909848" h="1103596">
-                <a:moveTo>
-                  <a:pt x="0" y="15766"/>
-                </a:moveTo>
-                <a:cubicBezTo>
-                  <a:pt x="533400" y="560990"/>
-                  <a:pt x="1066800" y="1106215"/>
-                  <a:pt x="1718441" y="1103587"/>
-                </a:cubicBezTo>
-                <a:cubicBezTo>
-                  <a:pt x="2370082" y="1100959"/>
-                  <a:pt x="3536731" y="155028"/>
-                  <a:pt x="3909848" y="0"/>
-                </a:cubicBezTo>
-              </a:path>
-            </a:pathLst>
-          </a:custGeom>
-          <a:noFill/>
-          <a:ln w="63500">
-            <a:solidFill>
-              <a:schemeClr val="accent2">
-                <a:lumMod val="75000"/>
-              </a:schemeClr>
-            </a:solidFill>
-            <a:tailEnd type="triangle"/>
-          </a:ln>
-        </p:spPr>
-        <p:style>
-          <a:lnRef idx="2">
-            <a:schemeClr val="accent1">
-              <a:shade val="50000"/>
-            </a:schemeClr>
-          </a:lnRef>
-          <a:fillRef idx="1">
-            <a:schemeClr val="accent1"/>
-          </a:fillRef>
-          <a:effectRef idx="0">
-            <a:schemeClr val="accent1"/>
-          </a:effectRef>
-          <a:fontRef idx="minor">
-            <a:schemeClr val="lt1"/>
-          </a:fontRef>
-        </p:style>
-        <p:txBody>
-          <a:bodyPr rtlCol="0" anchor="ctr"/>
-          <a:lstStyle/>
-          <a:p>
-            <a:pPr algn="ctr"/>
-            <a:endParaRPr lang="en-GB"/>
-          </a:p>
-        </p:txBody>
-      </p:sp>
-      <p:sp>
-        <p:nvSpPr>
-          <p:cNvPr id="7" name="Freihandform 6"/>
-          <p:cNvSpPr/>
-          <p:nvPr/>
-        </p:nvSpPr>
-        <p:spPr>
-          <a:xfrm>
-            <a:off x="4791804" y="3445308"/>
-            <a:ext cx="2461847" cy="439079"/>
-          </a:xfrm>
-          <a:custGeom>
-            <a:avLst/>
-            <a:gdLst>
-              <a:gd name="connsiteX0" fmla="*/ 3799490 w 3799490"/>
-              <a:gd name="connsiteY0" fmla="*/ 1056685 h 1056685"/>
-              <a:gd name="connsiteX1" fmla="*/ 1781503 w 3799490"/>
-              <a:gd name="connsiteY1" fmla="*/ 395 h 1056685"/>
-              <a:gd name="connsiteX2" fmla="*/ 0 w 3799490"/>
-              <a:gd name="connsiteY2" fmla="*/ 930561 h 1056685"/>
-            </a:gdLst>
-            <a:ahLst/>
-            <a:cxnLst>
-              <a:cxn ang="0">
-                <a:pos x="connsiteX0" y="connsiteY0"/>
-              </a:cxn>
-              <a:cxn ang="0">
-                <a:pos x="connsiteX1" y="connsiteY1"/>
-              </a:cxn>
-              <a:cxn ang="0">
-                <a:pos x="connsiteX2" y="connsiteY2"/>
-              </a:cxn>
-            </a:cxnLst>
-            <a:rect l="l" t="t" r="r" b="b"/>
-            <a:pathLst>
-              <a:path w="3799490" h="1056685">
-                <a:moveTo>
-                  <a:pt x="3799490" y="1056685"/>
-                </a:moveTo>
-                <a:cubicBezTo>
-                  <a:pt x="3107120" y="539050"/>
-                  <a:pt x="2414751" y="21416"/>
-                  <a:pt x="1781503" y="395"/>
-                </a:cubicBezTo>
-                <a:cubicBezTo>
-                  <a:pt x="1148255" y="-20626"/>
-                  <a:pt x="236483" y="801809"/>
-                  <a:pt x="0" y="930561"/>
-                </a:cubicBezTo>
-              </a:path>
-            </a:pathLst>
-          </a:custGeom>
-          <a:noFill/>
-          <a:ln w="63500">
-            <a:solidFill>
-              <a:schemeClr val="accent2">
-                <a:lumMod val="75000"/>
-              </a:schemeClr>
-            </a:solidFill>
-            <a:tailEnd type="triangle"/>
-          </a:ln>
-        </p:spPr>
-        <p:style>
-          <a:lnRef idx="2">
-            <a:schemeClr val="accent1">
-              <a:shade val="50000"/>
-            </a:schemeClr>
-          </a:lnRef>
-          <a:fillRef idx="1">
-            <a:schemeClr val="accent1"/>
-          </a:fillRef>
-          <a:effectRef idx="0">
-            <a:schemeClr val="accent1"/>
-          </a:effectRef>
-          <a:fontRef idx="minor">
-            <a:schemeClr val="lt1"/>
-          </a:fontRef>
-        </p:style>
-        <p:txBody>
-          <a:bodyPr rtlCol="0" anchor="ctr"/>
-          <a:lstStyle/>
-          <a:p>
-            <a:pPr algn="ctr"/>
-            <a:endParaRPr lang="en-GB"/>
-          </a:p>
-        </p:txBody>
-      </p:sp>
-    </p:spTree>
-    <p:extLst>
-      <p:ext uri="{BB962C8B-B14F-4D97-AF65-F5344CB8AC3E}">
-        <p14:creationId xmlns:p14="http://schemas.microsoft.com/office/powerpoint/2010/main" val="618414293"/>
-      </p:ext>
-    </p:extLst>
-  </p:cSld>
-  <p:clrMapOvr>
-    <a:masterClrMapping/>
-  </p:clrMapOvr>
-</p:sld>
-</file>
-
-<file path=ppt/slides/slide27.xml><?xml version="1.0" encoding="utf-8"?>
-<p:sld xmlns:a="http://schemas.openxmlformats.org/drawingml/2006/main" xmlns:r="http://schemas.openxmlformats.org/officeDocument/2006/relationships" xmlns:p="http://schemas.openxmlformats.org/presentationml/2006/main">
-  <p:cSld>
-    <p:spTree>
-      <p:nvGrpSpPr>
-        <p:cNvPr id="1" name=""/>
-        <p:cNvGrpSpPr/>
-        <p:nvPr/>
-      </p:nvGrpSpPr>
-      <p:grpSpPr>
-        <a:xfrm>
-          <a:off x="0" y="0"/>
-          <a:ext cx="0" cy="0"/>
-          <a:chOff x="0" y="0"/>
-          <a:chExt cx="0" cy="0"/>
-        </a:xfrm>
-      </p:grpSpPr>
-      <p:sp>
-        <p:nvSpPr>
-          <p:cNvPr id="2" name="Titel 1"/>
-          <p:cNvSpPr>
-            <a:spLocks noGrp="1"/>
-          </p:cNvSpPr>
-          <p:nvPr>
-            <p:ph type="title"/>
-          </p:nvPr>
-        </p:nvSpPr>
-        <p:spPr/>
-        <p:txBody>
-          <a:bodyPr/>
-          <a:lstStyle/>
-          <a:p>
-            <a:r>
-              <a:rPr lang="en-GB" dirty="0"/>
-              <a:t>Future of MeerKAT</a:t>
-            </a:r>
-            <a:endParaRPr lang="en-GB" dirty="0"/>
-          </a:p>
-        </p:txBody>
-      </p:sp>
-      <p:sp>
-        <p:nvSpPr>
-          <p:cNvPr id="3" name="Inhaltsplatzhalter 2"/>
-          <p:cNvSpPr>
-            <a:spLocks noGrp="1"/>
-          </p:cNvSpPr>
-          <p:nvPr>
-            <p:ph idx="1"/>
-          </p:nvPr>
-        </p:nvSpPr>
-        <p:spPr/>
-        <p:txBody>
-          <a:bodyPr/>
-          <a:lstStyle/>
-          <a:p>
-            <a:endParaRPr lang="en-GB" dirty="0" smtClean="0"/>
-          </a:p>
-          <a:p>
-            <a:endParaRPr lang="en-GB" dirty="0"/>
-          </a:p>
-          <a:p>
-            <a:endParaRPr lang="en-GB" dirty="0" smtClean="0"/>
-          </a:p>
-          <a:p>
-            <a:r>
-              <a:rPr lang="en-GB" dirty="0" smtClean="0"/>
-              <a:t>Direct Fourier Transform</a:t>
-            </a:r>
-            <a:endParaRPr lang="en-GB" dirty="0"/>
-          </a:p>
-          <a:p>
-            <a:r>
-              <a:rPr lang="en-GB" dirty="0" smtClean="0"/>
-              <a:t>Projection on a uniform grid</a:t>
-            </a:r>
-          </a:p>
-          <a:p>
-            <a:r>
-              <a:rPr lang="en-GB" dirty="0" smtClean="0"/>
-              <a:t>Spherical Wave Harmonics</a:t>
-            </a:r>
-          </a:p>
-          <a:p>
-            <a:r>
-              <a:rPr lang="en-GB" dirty="0" smtClean="0"/>
-              <a:t>…</a:t>
-            </a:r>
-          </a:p>
-          <a:p>
-            <a:endParaRPr lang="en-GB" dirty="0"/>
-          </a:p>
-        </p:txBody>
-      </p:sp>
-      <p:sp>
-        <p:nvSpPr>
-          <p:cNvPr id="4" name="Rechteck 3"/>
-          <p:cNvSpPr/>
-          <p:nvPr/>
-        </p:nvSpPr>
-        <p:spPr>
-          <a:xfrm>
-            <a:off x="5593372" y="1711143"/>
-            <a:ext cx="514350" cy="834231"/>
-          </a:xfrm>
-          <a:prstGeom prst="rect">
-            <a:avLst/>
-          </a:prstGeom>
-          <a:solidFill>
-            <a:schemeClr val="accent2">
-              <a:lumMod val="75000"/>
-            </a:schemeClr>
-          </a:solidFill>
-        </p:spPr>
-        <p:style>
-          <a:lnRef idx="2">
-            <a:schemeClr val="accent1">
-              <a:shade val="50000"/>
-            </a:schemeClr>
-          </a:lnRef>
-          <a:fillRef idx="1">
-            <a:schemeClr val="accent1"/>
-          </a:fillRef>
-          <a:effectRef idx="0">
-            <a:schemeClr val="accent1"/>
-          </a:effectRef>
-          <a:fontRef idx="minor">
-            <a:schemeClr val="lt1"/>
-          </a:fontRef>
-        </p:style>
-        <p:txBody>
-          <a:bodyPr rtlCol="0" anchor="ctr"/>
-          <a:lstStyle/>
-          <a:p>
-            <a:pPr algn="ctr"/>
-            <a:endParaRPr lang="en-GB"/>
-          </a:p>
-        </p:txBody>
-      </p:sp>
-      <p:pic>
-        <p:nvPicPr>
-          <p:cNvPr id="5" name="Inhaltsplatzhalter 5"/>
-          <p:cNvPicPr>
-            <a:picLocks noChangeAspect="1"/>
-          </p:cNvPicPr>
-          <p:nvPr/>
-        </p:nvPicPr>
-        <p:blipFill>
-          <a:blip r:embed="rId2">
-            <a:extLst>
-              <a:ext uri="{28A0092B-C50C-407E-A947-70E740481C1C}">
-                <a14:useLocalDpi xmlns:a14="http://schemas.microsoft.com/office/drawing/2010/main" val="0"/>
-              </a:ext>
-            </a:extLst>
-          </a:blip>
-          <a:stretch>
-            <a:fillRect/>
-          </a:stretch>
-        </p:blipFill>
-        <p:spPr>
-          <a:xfrm>
-            <a:off x="930884" y="1711143"/>
-            <a:ext cx="9591675" cy="1047750"/>
-          </a:xfrm>
-          <a:prstGeom prst="rect">
-            <a:avLst/>
-          </a:prstGeom>
-        </p:spPr>
-      </p:pic>
-    </p:spTree>
-    <p:extLst>
-      <p:ext uri="{BB962C8B-B14F-4D97-AF65-F5344CB8AC3E}">
-        <p14:creationId xmlns:p14="http://schemas.microsoft.com/office/powerpoint/2010/main" val="1485467411"/>
-      </p:ext>
-    </p:extLst>
-  </p:cSld>
-  <p:clrMapOvr>
-    <a:masterClrMapping/>
-  </p:clrMapOvr>
-</p:sld>
-</file>
-
-<file path=ppt/slides/slide28.xml><?xml version="1.0" encoding="utf-8"?>
-<p:sld xmlns:a="http://schemas.openxmlformats.org/drawingml/2006/main" xmlns:r="http://schemas.openxmlformats.org/officeDocument/2006/relationships" xmlns:p="http://schemas.openxmlformats.org/presentationml/2006/main">
-  <p:cSld>
-    <p:spTree>
-      <p:nvGrpSpPr>
-        <p:cNvPr id="1" name=""/>
-        <p:cNvGrpSpPr/>
-        <p:nvPr/>
-      </p:nvGrpSpPr>
-      <p:grpSpPr>
-        <a:xfrm>
-          <a:off x="0" y="0"/>
-          <a:ext cx="0" cy="0"/>
-          <a:chOff x="0" y="0"/>
-          <a:chExt cx="0" cy="0"/>
-        </a:xfrm>
-      </p:grpSpPr>
-      <p:sp>
-        <p:nvSpPr>
-          <p:cNvPr id="2" name="Titel 1"/>
-          <p:cNvSpPr>
-            <a:spLocks noGrp="1"/>
-          </p:cNvSpPr>
-          <p:nvPr>
-            <p:ph type="title"/>
-          </p:nvPr>
-        </p:nvSpPr>
-        <p:spPr/>
-        <p:txBody>
-          <a:bodyPr/>
-          <a:lstStyle/>
-          <a:p>
-            <a:r>
-              <a:rPr lang="en-GB" dirty="0" smtClean="0"/>
-              <a:t>Future of MeerKAT</a:t>
-            </a:r>
-            <a:endParaRPr lang="en-GB" dirty="0"/>
-          </a:p>
-        </p:txBody>
-      </p:sp>
-      <p:sp>
-        <p:nvSpPr>
-          <p:cNvPr id="3" name="Inhaltsplatzhalter 2"/>
-          <p:cNvSpPr>
-            <a:spLocks noGrp="1"/>
-          </p:cNvSpPr>
-          <p:nvPr>
-            <p:ph idx="1"/>
-          </p:nvPr>
-        </p:nvSpPr>
-        <p:spPr/>
-        <p:txBody>
-          <a:bodyPr>
-            <a:normAutofit/>
-          </a:bodyPr>
-          <a:lstStyle/>
-          <a:p>
-            <a:pPr marL="0" indent="0" algn="ctr">
-              <a:buNone/>
-            </a:pPr>
-            <a:endParaRPr lang="en-GB" sz="4800" dirty="0" smtClean="0"/>
-          </a:p>
-          <a:p>
-            <a:pPr marL="0" indent="0" algn="ctr">
-              <a:buNone/>
-            </a:pPr>
-            <a:endParaRPr lang="en-GB" sz="4800" dirty="0"/>
-          </a:p>
-          <a:p>
-            <a:pPr marL="0" indent="0" algn="ctr">
-              <a:buNone/>
-            </a:pPr>
-            <a:r>
-              <a:rPr lang="en-GB" sz="4800" dirty="0" smtClean="0"/>
-              <a:t>10 </a:t>
-            </a:r>
-            <a:r>
-              <a:rPr lang="en-GB" sz="4800" dirty="0" err="1"/>
-              <a:t>t</a:t>
-            </a:r>
-            <a:r>
-              <a:rPr lang="en-GB" sz="4800" dirty="0" err="1" smtClean="0"/>
-              <a:t>b</a:t>
-            </a:r>
-            <a:r>
-              <a:rPr lang="en-GB" sz="4800" dirty="0" smtClean="0"/>
-              <a:t>/s</a:t>
-            </a:r>
-            <a:endParaRPr lang="en-GB" sz="4800" dirty="0"/>
-          </a:p>
-        </p:txBody>
-      </p:sp>
-    </p:spTree>
-    <p:extLst>
-      <p:ext uri="{BB962C8B-B14F-4D97-AF65-F5344CB8AC3E}">
-        <p14:creationId xmlns:p14="http://schemas.microsoft.com/office/powerpoint/2010/main" val="537581457"/>
-      </p:ext>
-    </p:extLst>
-  </p:cSld>
-  <p:clrMapOvr>
-    <a:masterClrMapping/>
-  </p:clrMapOvr>
-</p:sld>
-</file>
-
-<file path=ppt/slides/slide29.xml><?xml version="1.0" encoding="utf-8"?>
-<p:sld xmlns:a="http://schemas.openxmlformats.org/drawingml/2006/main" xmlns:r="http://schemas.openxmlformats.org/officeDocument/2006/relationships" xmlns:p="http://schemas.openxmlformats.org/presentationml/2006/main">
-  <p:cSld>
-    <p:spTree>
-      <p:nvGrpSpPr>
-        <p:cNvPr id="1" name=""/>
-        <p:cNvGrpSpPr/>
-        <p:nvPr/>
-      </p:nvGrpSpPr>
-      <p:grpSpPr>
-        <a:xfrm>
-          <a:off x="0" y="0"/>
-          <a:ext cx="0" cy="0"/>
-          <a:chOff x="0" y="0"/>
-          <a:chExt cx="0" cy="0"/>
-        </a:xfrm>
-      </p:grpSpPr>
-      <p:sp>
-        <p:nvSpPr>
-          <p:cNvPr id="2" name="Titel 1"/>
-          <p:cNvSpPr>
-            <a:spLocks noGrp="1"/>
-          </p:cNvSpPr>
-          <p:nvPr>
-            <p:ph type="title"/>
-          </p:nvPr>
-        </p:nvSpPr>
-        <p:spPr/>
-        <p:txBody>
-          <a:bodyPr/>
-          <a:lstStyle/>
-          <a:p>
-            <a:r>
-              <a:rPr lang="en-GB" dirty="0" smtClean="0"/>
-              <a:t>Wide Field of View</a:t>
-            </a:r>
-            <a:endParaRPr lang="en-GB" dirty="0"/>
-          </a:p>
-        </p:txBody>
-      </p:sp>
-      <p:pic>
-        <p:nvPicPr>
-          <p:cNvPr id="4" name="Inhaltsplatzhalter 3"/>
-          <p:cNvPicPr>
-            <a:picLocks noGrp="1" noChangeAspect="1"/>
-          </p:cNvPicPr>
-          <p:nvPr>
-            <p:ph idx="1"/>
-          </p:nvPr>
-        </p:nvPicPr>
-        <p:blipFill>
-          <a:blip r:embed="rId2" cstate="print">
-            <a:extLst>
-              <a:ext uri="{28A0092B-C50C-407E-A947-70E740481C1C}">
-                <a14:useLocalDpi xmlns:a14="http://schemas.microsoft.com/office/drawing/2010/main" val="0"/>
-              </a:ext>
-            </a:extLst>
-          </a:blip>
-          <a:stretch>
-            <a:fillRect/>
-          </a:stretch>
-        </p:blipFill>
-        <p:spPr>
-          <a:xfrm>
-            <a:off x="6079067" y="1581679"/>
-            <a:ext cx="4392600" cy="4351338"/>
-          </a:xfrm>
-        </p:spPr>
-      </p:pic>
-      <p:pic>
-        <p:nvPicPr>
-          <p:cNvPr id="5" name="Grafik 4"/>
-          <p:cNvPicPr>
-            <a:picLocks noChangeAspect="1"/>
-          </p:cNvPicPr>
-          <p:nvPr/>
-        </p:nvPicPr>
-        <p:blipFill>
-          <a:blip r:embed="rId3" cstate="print">
-            <a:extLst>
-              <a:ext uri="{28A0092B-C50C-407E-A947-70E740481C1C}">
-                <a14:useLocalDpi xmlns:a14="http://schemas.microsoft.com/office/drawing/2010/main" val="0"/>
-              </a:ext>
-            </a:extLst>
-          </a:blip>
-          <a:stretch>
-            <a:fillRect/>
-          </a:stretch>
-        </p:blipFill>
-        <p:spPr>
-          <a:xfrm>
-            <a:off x="1261533" y="1581679"/>
-            <a:ext cx="4377267" cy="4392361"/>
-          </a:xfrm>
-          <a:prstGeom prst="rect">
-            <a:avLst/>
-          </a:prstGeom>
-        </p:spPr>
-      </p:pic>
-      <p:sp>
-        <p:nvSpPr>
-          <p:cNvPr id="6" name="Textfeld 5"/>
-          <p:cNvSpPr txBox="1"/>
-          <p:nvPr/>
-        </p:nvSpPr>
-        <p:spPr>
-          <a:xfrm>
-            <a:off x="1983762" y="5974040"/>
-            <a:ext cx="3271473" cy="523220"/>
-          </a:xfrm>
-          <a:prstGeom prst="rect">
-            <a:avLst/>
-          </a:prstGeom>
-          <a:noFill/>
-        </p:spPr>
-        <p:txBody>
-          <a:bodyPr wrap="none" rtlCol="0">
-            <a:spAutoFit/>
-          </a:bodyPr>
-          <a:lstStyle/>
-          <a:p>
-            <a:r>
-              <a:rPr lang="en-GB" sz="2800" dirty="0" smtClean="0"/>
-              <a:t>2D Fourier Transform</a:t>
-            </a:r>
-            <a:endParaRPr lang="en-GB" sz="2800" dirty="0"/>
-          </a:p>
-        </p:txBody>
-      </p:sp>
-      <p:sp>
-        <p:nvSpPr>
-          <p:cNvPr id="7" name="Textfeld 6"/>
-          <p:cNvSpPr txBox="1"/>
-          <p:nvPr/>
-        </p:nvSpPr>
-        <p:spPr>
-          <a:xfrm>
-            <a:off x="7147630" y="5974040"/>
-            <a:ext cx="2837956" cy="523220"/>
-          </a:xfrm>
-          <a:prstGeom prst="rect">
-            <a:avLst/>
-          </a:prstGeom>
-          <a:noFill/>
-        </p:spPr>
-        <p:txBody>
-          <a:bodyPr wrap="none" rtlCol="0">
-            <a:spAutoFit/>
-          </a:bodyPr>
-          <a:lstStyle/>
-          <a:p>
-            <a:r>
-              <a:rPr lang="en-GB" sz="2800" dirty="0" smtClean="0"/>
-              <a:t>With w-correction</a:t>
-            </a:r>
-            <a:endParaRPr lang="en-GB" sz="2800" dirty="0"/>
-          </a:p>
-        </p:txBody>
-      </p:sp>
-    </p:spTree>
-    <p:extLst>
-      <p:ext uri="{BB962C8B-B14F-4D97-AF65-F5344CB8AC3E}">
-        <p14:creationId xmlns:p14="http://schemas.microsoft.com/office/powerpoint/2010/main" val="405049423"/>
-      </p:ext>
-    </p:extLst>
-  </p:cSld>
-  <p:clrMapOvr>
-    <a:masterClrMapping/>
-  </p:clrMapOvr>
-</p:sld>
-</file>
-
-<file path=ppt/slides/slide3.xml><?xml version="1.0" encoding="utf-8"?>
-<p:sld xmlns:a="http://schemas.openxmlformats.org/drawingml/2006/main" xmlns:r="http://schemas.openxmlformats.org/officeDocument/2006/relationships" xmlns:p="http://schemas.openxmlformats.org/presentationml/2006/main">
-  <p:cSld>
-    <p:spTree>
-      <p:nvGrpSpPr>
-        <p:cNvPr id="1" name=""/>
-        <p:cNvGrpSpPr/>
-        <p:nvPr/>
-      </p:nvGrpSpPr>
-      <p:grpSpPr>
-        <a:xfrm>
-          <a:off x="0" y="0"/>
-          <a:ext cx="0" cy="0"/>
-          <a:chOff x="0" y="0"/>
-          <a:chExt cx="0" cy="0"/>
-        </a:xfrm>
-      </p:grpSpPr>
-      <p:pic>
-        <p:nvPicPr>
-          <p:cNvPr id="6" name="Inhaltsplatzhalter 5"/>
-          <p:cNvPicPr>
-            <a:picLocks noGrp="1" noChangeAspect="1"/>
-          </p:cNvPicPr>
-          <p:nvPr>
-            <p:ph idx="1"/>
-          </p:nvPr>
-        </p:nvPicPr>
-        <p:blipFill>
-          <a:blip r:embed="rId2">
-            <a:extLst>
-              <a:ext uri="{28A0092B-C50C-407E-A947-70E740481C1C}">
-                <a14:useLocalDpi xmlns:a14="http://schemas.microsoft.com/office/drawing/2010/main" val="0"/>
-              </a:ext>
-            </a:extLst>
-          </a:blip>
-          <a:stretch>
-            <a:fillRect/>
-          </a:stretch>
-        </p:blipFill>
-        <p:spPr>
-          <a:xfrm>
-            <a:off x="1300162" y="2766219"/>
-            <a:ext cx="9591675" cy="1047750"/>
-          </a:xfrm>
-        </p:spPr>
-      </p:pic>
-      <p:sp>
-        <p:nvSpPr>
-          <p:cNvPr id="2" name="Titel 1"/>
-          <p:cNvSpPr>
-            <a:spLocks noGrp="1"/>
-          </p:cNvSpPr>
-          <p:nvPr>
-            <p:ph type="title"/>
-          </p:nvPr>
-        </p:nvSpPr>
-        <p:spPr/>
-        <p:txBody>
-          <a:bodyPr/>
-          <a:lstStyle/>
-          <a:p>
-            <a:r>
-              <a:rPr lang="en-GB" dirty="0"/>
-              <a:t>Reconstruction Problem</a:t>
-            </a:r>
-          </a:p>
-        </p:txBody>
-      </p:sp>
-      <p:sp>
-        <p:nvSpPr>
-          <p:cNvPr id="8" name="Textfeld 7"/>
-          <p:cNvSpPr txBox="1"/>
-          <p:nvPr/>
-        </p:nvSpPr>
-        <p:spPr>
-          <a:xfrm>
-            <a:off x="3359035" y="4454632"/>
-            <a:ext cx="3006785" cy="646331"/>
-          </a:xfrm>
-          <a:prstGeom prst="rect">
-            <a:avLst/>
-          </a:prstGeom>
-          <a:noFill/>
-        </p:spPr>
-        <p:txBody>
-          <a:bodyPr wrap="none" rtlCol="0">
-            <a:spAutoFit/>
-          </a:bodyPr>
-          <a:lstStyle/>
-          <a:p>
-            <a:pPr algn="ctr"/>
-            <a:r>
-              <a:rPr lang="en-GB" sz="3600" dirty="0" smtClean="0"/>
-              <a:t>Measurements</a:t>
-            </a:r>
-            <a:endParaRPr lang="en-GB" sz="3600" dirty="0"/>
-          </a:p>
-        </p:txBody>
-      </p:sp>
-      <p:sp>
-        <p:nvSpPr>
-          <p:cNvPr id="9" name="Textfeld 8"/>
-          <p:cNvSpPr txBox="1"/>
-          <p:nvPr/>
-        </p:nvSpPr>
-        <p:spPr>
-          <a:xfrm>
-            <a:off x="7619999" y="1582122"/>
-            <a:ext cx="1334981" cy="646331"/>
-          </a:xfrm>
-          <a:prstGeom prst="rect">
-            <a:avLst/>
-          </a:prstGeom>
-          <a:noFill/>
-        </p:spPr>
-        <p:txBody>
-          <a:bodyPr wrap="none" rtlCol="0">
-            <a:spAutoFit/>
-          </a:bodyPr>
-          <a:lstStyle/>
-          <a:p>
-            <a:r>
-              <a:rPr lang="en-GB" sz="3600" dirty="0" smtClean="0"/>
-              <a:t>Image</a:t>
-            </a:r>
-            <a:endParaRPr lang="en-GB" sz="3600" dirty="0"/>
-          </a:p>
-        </p:txBody>
-      </p:sp>
-      <p:cxnSp>
-        <p:nvCxnSpPr>
-          <p:cNvPr id="11" name="Gerade Verbindung mit Pfeil 10"/>
-          <p:cNvCxnSpPr>
-            <a:stCxn id="9" idx="3"/>
-          </p:cNvCxnSpPr>
-          <p:nvPr/>
-        </p:nvCxnSpPr>
-        <p:spPr>
-          <a:xfrm>
-            <a:off x="8954980" y="1905289"/>
-            <a:ext cx="934087" cy="957823"/>
-          </a:xfrm>
-          <a:prstGeom prst="straightConnector1">
-            <a:avLst/>
-          </a:prstGeom>
-          <a:ln w="85725">
-            <a:tailEnd type="triangle"/>
-          </a:ln>
-        </p:spPr>
-        <p:style>
-          <a:lnRef idx="1">
-            <a:schemeClr val="accent1"/>
-          </a:lnRef>
-          <a:fillRef idx="0">
-            <a:schemeClr val="accent1"/>
-          </a:fillRef>
-          <a:effectRef idx="0">
-            <a:schemeClr val="accent1"/>
-          </a:effectRef>
-          <a:fontRef idx="minor">
-            <a:schemeClr val="tx1"/>
-          </a:fontRef>
-        </p:style>
-      </p:cxnSp>
-      <p:cxnSp>
-        <p:nvCxnSpPr>
-          <p:cNvPr id="12" name="Gerade Verbindung mit Pfeil 11"/>
-          <p:cNvCxnSpPr>
-            <a:stCxn id="9" idx="1"/>
-          </p:cNvCxnSpPr>
-          <p:nvPr/>
-        </p:nvCxnSpPr>
-        <p:spPr>
-          <a:xfrm flipH="1">
-            <a:off x="6718987" y="1905288"/>
-            <a:ext cx="901012" cy="1002397"/>
-          </a:xfrm>
-          <a:prstGeom prst="straightConnector1">
-            <a:avLst/>
-          </a:prstGeom>
-          <a:ln w="85725">
-            <a:tailEnd type="triangle"/>
-          </a:ln>
-        </p:spPr>
-        <p:style>
-          <a:lnRef idx="1">
-            <a:schemeClr val="accent1"/>
-          </a:lnRef>
-          <a:fillRef idx="0">
-            <a:schemeClr val="accent1"/>
-          </a:fillRef>
-          <a:effectRef idx="0">
-            <a:schemeClr val="accent1"/>
-          </a:effectRef>
-          <a:fontRef idx="minor">
-            <a:schemeClr val="tx1"/>
-          </a:fontRef>
-        </p:style>
-      </p:cxnSp>
-      <p:cxnSp>
-        <p:nvCxnSpPr>
-          <p:cNvPr id="10" name="Gerade Verbindung mit Pfeil 9"/>
-          <p:cNvCxnSpPr>
-            <a:stCxn id="8" idx="0"/>
-          </p:cNvCxnSpPr>
-          <p:nvPr/>
-        </p:nvCxnSpPr>
-        <p:spPr>
-          <a:xfrm flipH="1" flipV="1">
-            <a:off x="4856205" y="3600450"/>
-            <a:ext cx="6223" cy="854182"/>
-          </a:xfrm>
-          <a:prstGeom prst="straightConnector1">
-            <a:avLst/>
-          </a:prstGeom>
-          <a:ln w="85725">
-            <a:tailEnd type="triangle"/>
-          </a:ln>
-        </p:spPr>
-        <p:style>
-          <a:lnRef idx="1">
-            <a:schemeClr val="accent1"/>
-          </a:lnRef>
-          <a:fillRef idx="0">
-            <a:schemeClr val="accent1"/>
-          </a:fillRef>
-          <a:effectRef idx="0">
-            <a:schemeClr val="accent1"/>
-          </a:effectRef>
-          <a:fontRef idx="minor">
-            <a:schemeClr val="tx1"/>
-          </a:fontRef>
-        </p:style>
-      </p:cxnSp>
-    </p:spTree>
-    <p:extLst>
-      <p:ext uri="{BB962C8B-B14F-4D97-AF65-F5344CB8AC3E}">
-        <p14:creationId xmlns:p14="http://schemas.microsoft.com/office/powerpoint/2010/main" val="2110733321"/>
-      </p:ext>
-    </p:extLst>
-  </p:cSld>
-  <p:clrMapOvr>
-    <a:masterClrMapping/>
-  </p:clrMapOvr>
-  <p:timing>
-    <p:tnLst>
-      <p:par>
-        <p:cTn id="1" dur="indefinite" restart="never" nodeType="tmRoot"/>
-      </p:par>
-    </p:tnLst>
-  </p:timing>
-</p:sld>
-</file>
-
-<file path=ppt/slides/slide30.xml><?xml version="1.0" encoding="utf-8"?>
-<p:sld xmlns:a="http://schemas.openxmlformats.org/drawingml/2006/main" xmlns:r="http://schemas.openxmlformats.org/officeDocument/2006/relationships" xmlns:p="http://schemas.openxmlformats.org/presentationml/2006/main">
-  <p:cSld>
-    <p:spTree>
-      <p:nvGrpSpPr>
-        <p:cNvPr id="1" name=""/>
-        <p:cNvGrpSpPr/>
-        <p:nvPr/>
-      </p:nvGrpSpPr>
-      <p:grpSpPr>
-        <a:xfrm>
-          <a:off x="0" y="0"/>
-          <a:ext cx="0" cy="0"/>
-          <a:chOff x="0" y="0"/>
-          <a:chExt cx="0" cy="0"/>
-        </a:xfrm>
-      </p:grpSpPr>
-      <p:sp>
-        <p:nvSpPr>
-          <p:cNvPr id="2" name="Titel 1"/>
-          <p:cNvSpPr>
-            <a:spLocks noGrp="1"/>
-          </p:cNvSpPr>
-          <p:nvPr>
-            <p:ph type="title"/>
-          </p:nvPr>
-        </p:nvSpPr>
-        <p:spPr/>
-        <p:txBody>
-          <a:bodyPr/>
-          <a:lstStyle/>
-          <a:p>
-            <a:r>
-              <a:rPr lang="en-GB" dirty="0" smtClean="0"/>
-              <a:t>Wide Field of View</a:t>
-            </a:r>
-            <a:endParaRPr lang="en-GB" dirty="0"/>
-          </a:p>
-        </p:txBody>
-      </p:sp>
-      <p:pic>
-        <p:nvPicPr>
-          <p:cNvPr id="10" name="Grafik 9"/>
-          <p:cNvPicPr>
-            <a:picLocks noChangeAspect="1"/>
-          </p:cNvPicPr>
-          <p:nvPr/>
-        </p:nvPicPr>
-        <p:blipFill>
-          <a:blip r:embed="rId2">
-            <a:extLst>
-              <a:ext uri="{28A0092B-C50C-407E-A947-70E740481C1C}">
-                <a14:useLocalDpi xmlns:a14="http://schemas.microsoft.com/office/drawing/2010/main" val="0"/>
-              </a:ext>
-            </a:extLst>
-          </a:blip>
-          <a:stretch>
-            <a:fillRect/>
-          </a:stretch>
-        </p:blipFill>
-        <p:spPr>
-          <a:xfrm>
-            <a:off x="2484966" y="2180798"/>
-            <a:ext cx="7222067" cy="1025068"/>
-          </a:xfrm>
-          <a:prstGeom prst="rect">
-            <a:avLst/>
-          </a:prstGeom>
-        </p:spPr>
-      </p:pic>
-      <p:pic>
-        <p:nvPicPr>
-          <p:cNvPr id="12" name="Inhaltsplatzhalter 11"/>
-          <p:cNvPicPr>
-            <a:picLocks noGrp="1" noChangeAspect="1"/>
-          </p:cNvPicPr>
-          <p:nvPr>
-            <p:ph idx="1"/>
-          </p:nvPr>
-        </p:nvPicPr>
-        <p:blipFill>
-          <a:blip r:embed="rId3">
-            <a:extLst>
-              <a:ext uri="{28A0092B-C50C-407E-A947-70E740481C1C}">
-                <a14:useLocalDpi xmlns:a14="http://schemas.microsoft.com/office/drawing/2010/main" val="0"/>
-              </a:ext>
-            </a:extLst>
-          </a:blip>
-          <a:stretch>
-            <a:fillRect/>
-          </a:stretch>
-        </p:blipFill>
-        <p:spPr>
-          <a:xfrm>
-            <a:off x="747712" y="3695977"/>
-            <a:ext cx="10515600" cy="915433"/>
-          </a:xfrm>
-        </p:spPr>
-      </p:pic>
-    </p:spTree>
-    <p:extLst>
-      <p:ext uri="{BB962C8B-B14F-4D97-AF65-F5344CB8AC3E}">
-        <p14:creationId xmlns:p14="http://schemas.microsoft.com/office/powerpoint/2010/main" val="2316829888"/>
-      </p:ext>
-    </p:extLst>
-  </p:cSld>
-  <p:clrMapOvr>
-    <a:masterClrMapping/>
-  </p:clrMapOvr>
-</p:sld>
-</file>
-
-<file path=ppt/slides/slide31.xml><?xml version="1.0" encoding="utf-8"?>
-<p:sld xmlns:a="http://schemas.openxmlformats.org/drawingml/2006/main" xmlns:r="http://schemas.openxmlformats.org/officeDocument/2006/relationships" xmlns:p="http://schemas.openxmlformats.org/presentationml/2006/main">
-  <p:cSld>
-    <p:spTree>
-      <p:nvGrpSpPr>
-        <p:cNvPr id="1" name=""/>
-        <p:cNvGrpSpPr/>
-        <p:nvPr/>
-      </p:nvGrpSpPr>
-      <p:grpSpPr>
-        <a:xfrm>
-          <a:off x="0" y="0"/>
-          <a:ext cx="0" cy="0"/>
-          <a:chOff x="0" y="0"/>
-          <a:chExt cx="0" cy="0"/>
-        </a:xfrm>
-      </p:grpSpPr>
-      <p:sp>
-        <p:nvSpPr>
-          <p:cNvPr id="2" name="Titel 1"/>
-          <p:cNvSpPr>
-            <a:spLocks noGrp="1"/>
-          </p:cNvSpPr>
-          <p:nvPr>
-            <p:ph type="title"/>
-          </p:nvPr>
-        </p:nvSpPr>
-        <p:spPr/>
-        <p:txBody>
-          <a:bodyPr/>
-          <a:lstStyle/>
-          <a:p>
-            <a:r>
-              <a:rPr lang="en-GB" dirty="0" smtClean="0"/>
-              <a:t>Calibration</a:t>
-            </a:r>
-            <a:endParaRPr lang="en-GB" dirty="0"/>
-          </a:p>
-        </p:txBody>
-      </p:sp>
-      <p:pic>
-        <p:nvPicPr>
-          <p:cNvPr id="6" name="Inhaltsplatzhalter 3"/>
-          <p:cNvPicPr>
-            <a:picLocks noChangeAspect="1"/>
-          </p:cNvPicPr>
-          <p:nvPr/>
-        </p:nvPicPr>
-        <p:blipFill>
-          <a:blip r:embed="rId2">
-            <a:extLst>
-              <a:ext uri="{28A0092B-C50C-407E-A947-70E740481C1C}">
-                <a14:useLocalDpi xmlns:a14="http://schemas.microsoft.com/office/drawing/2010/main" val="0"/>
-              </a:ext>
-            </a:extLst>
-          </a:blip>
-          <a:stretch>
-            <a:fillRect/>
-          </a:stretch>
-        </p:blipFill>
-        <p:spPr>
-          <a:xfrm>
-            <a:off x="1214436" y="3561039"/>
-            <a:ext cx="9763125" cy="1238250"/>
-          </a:xfrm>
-          <a:prstGeom prst="rect">
-            <a:avLst/>
-          </a:prstGeom>
-        </p:spPr>
-      </p:pic>
-      <p:pic>
-        <p:nvPicPr>
-          <p:cNvPr id="7" name="Inhaltsplatzhalter 5"/>
-          <p:cNvPicPr>
-            <a:picLocks noGrp="1" noChangeAspect="1"/>
-          </p:cNvPicPr>
-          <p:nvPr>
-            <p:ph idx="1"/>
-          </p:nvPr>
-        </p:nvPicPr>
-        <p:blipFill>
-          <a:blip r:embed="rId3">
-            <a:extLst>
-              <a:ext uri="{28A0092B-C50C-407E-A947-70E740481C1C}">
-                <a14:useLocalDpi xmlns:a14="http://schemas.microsoft.com/office/drawing/2010/main" val="0"/>
-              </a:ext>
-            </a:extLst>
-          </a:blip>
-          <a:stretch>
-            <a:fillRect/>
-          </a:stretch>
-        </p:blipFill>
-        <p:spPr>
-          <a:xfrm>
-            <a:off x="1083185" y="2272470"/>
-            <a:ext cx="9591675" cy="1047750"/>
-          </a:xfrm>
-        </p:spPr>
-      </p:pic>
-    </p:spTree>
-    <p:extLst>
-      <p:ext uri="{BB962C8B-B14F-4D97-AF65-F5344CB8AC3E}">
-        <p14:creationId xmlns:p14="http://schemas.microsoft.com/office/powerpoint/2010/main" val="1106582319"/>
-      </p:ext>
-    </p:extLst>
-  </p:cSld>
-  <p:clrMapOvr>
-    <a:masterClrMapping/>
-  </p:clrMapOvr>
-</p:sld>
-</file>
-
-<file path=ppt/slides/slide32.xml><?xml version="1.0" encoding="utf-8"?>
-<p:sld xmlns:a="http://schemas.openxmlformats.org/drawingml/2006/main" xmlns:r="http://schemas.openxmlformats.org/officeDocument/2006/relationships" xmlns:p="http://schemas.openxmlformats.org/presentationml/2006/main">
-  <p:cSld>
-    <p:spTree>
-      <p:nvGrpSpPr>
-        <p:cNvPr id="1" name=""/>
-        <p:cNvGrpSpPr/>
-        <p:nvPr/>
-      </p:nvGrpSpPr>
-      <p:grpSpPr>
-        <a:xfrm>
-          <a:off x="0" y="0"/>
-          <a:ext cx="0" cy="0"/>
-          <a:chOff x="0" y="0"/>
-          <a:chExt cx="0" cy="0"/>
-        </a:xfrm>
-      </p:grpSpPr>
-      <p:sp>
-        <p:nvSpPr>
-          <p:cNvPr id="2" name="Titel 1"/>
-          <p:cNvSpPr>
-            <a:spLocks noGrp="1"/>
-          </p:cNvSpPr>
-          <p:nvPr>
-            <p:ph type="title"/>
-          </p:nvPr>
-        </p:nvSpPr>
-        <p:spPr/>
-        <p:txBody>
-          <a:bodyPr/>
-          <a:lstStyle/>
-          <a:p>
-            <a:r>
-              <a:rPr lang="en-GB" dirty="0" smtClean="0"/>
-              <a:t>Starlet</a:t>
-            </a:r>
-            <a:endParaRPr lang="en-GB" dirty="0"/>
-          </a:p>
-        </p:txBody>
-      </p:sp>
-      <p:pic>
-        <p:nvPicPr>
-          <p:cNvPr id="4" name="Inhaltsplatzhalter 3"/>
-          <p:cNvPicPr>
-            <a:picLocks noGrp="1" noChangeAspect="1"/>
-          </p:cNvPicPr>
-          <p:nvPr>
-            <p:ph idx="1"/>
-          </p:nvPr>
-        </p:nvPicPr>
-        <p:blipFill>
-          <a:blip r:embed="rId2">
-            <a:extLst>
-              <a:ext uri="{28A0092B-C50C-407E-A947-70E740481C1C}">
-                <a14:useLocalDpi xmlns:a14="http://schemas.microsoft.com/office/drawing/2010/main" val="0"/>
-              </a:ext>
-            </a:extLst>
-          </a:blip>
-          <a:stretch>
-            <a:fillRect/>
-          </a:stretch>
-        </p:blipFill>
-        <p:spPr>
-          <a:xfrm>
-            <a:off x="3490548" y="1964931"/>
-            <a:ext cx="5344535" cy="3986417"/>
-          </a:xfrm>
-        </p:spPr>
-      </p:pic>
-    </p:spTree>
-    <p:extLst>
-      <p:ext uri="{BB962C8B-B14F-4D97-AF65-F5344CB8AC3E}">
-        <p14:creationId xmlns:p14="http://schemas.microsoft.com/office/powerpoint/2010/main" val="3175454009"/>
-      </p:ext>
-    </p:extLst>
-  </p:cSld>
-  <p:clrMapOvr>
-    <a:masterClrMapping/>
-  </p:clrMapOvr>
-</p:sld>
-</file>
-
-<file path=ppt/slides/slide33.xml><?xml version="1.0" encoding="utf-8"?>
-<p:sld xmlns:a="http://schemas.openxmlformats.org/drawingml/2006/main" xmlns:r="http://schemas.openxmlformats.org/officeDocument/2006/relationships" xmlns:p="http://schemas.openxmlformats.org/presentationml/2006/main">
-  <p:cSld>
-    <p:spTree>
-      <p:nvGrpSpPr>
-        <p:cNvPr id="1" name=""/>
-        <p:cNvGrpSpPr/>
-        <p:nvPr/>
-      </p:nvGrpSpPr>
-      <p:grpSpPr>
-        <a:xfrm>
-          <a:off x="0" y="0"/>
-          <a:ext cx="0" cy="0"/>
-          <a:chOff x="0" y="0"/>
-          <a:chExt cx="0" cy="0"/>
-        </a:xfrm>
-      </p:grpSpPr>
-      <p:sp>
-        <p:nvSpPr>
-          <p:cNvPr id="2" name="Titel 1"/>
-          <p:cNvSpPr>
-            <a:spLocks noGrp="1"/>
-          </p:cNvSpPr>
-          <p:nvPr>
-            <p:ph type="title"/>
-          </p:nvPr>
-        </p:nvSpPr>
-        <p:spPr/>
-        <p:txBody>
-          <a:bodyPr/>
-          <a:lstStyle/>
-          <a:p>
-            <a:r>
-              <a:rPr lang="en-GB" dirty="0" smtClean="0"/>
-              <a:t>Super Resolution (but)</a:t>
-            </a:r>
-            <a:endParaRPr lang="en-GB" dirty="0"/>
-          </a:p>
-        </p:txBody>
-      </p:sp>
-      <p:pic>
-        <p:nvPicPr>
-          <p:cNvPr id="4" name="Inhaltsplatzhalter 3"/>
-          <p:cNvPicPr>
-            <a:picLocks noGrp="1" noChangeAspect="1"/>
-          </p:cNvPicPr>
-          <p:nvPr>
-            <p:ph idx="1"/>
-          </p:nvPr>
-        </p:nvPicPr>
-        <p:blipFill>
-          <a:blip r:embed="rId2">
-            <a:extLst>
-              <a:ext uri="{28A0092B-C50C-407E-A947-70E740481C1C}">
-                <a14:useLocalDpi xmlns:a14="http://schemas.microsoft.com/office/drawing/2010/main" val="0"/>
-              </a:ext>
-            </a:extLst>
-          </a:blip>
-          <a:stretch>
-            <a:fillRect/>
-          </a:stretch>
-        </p:blipFill>
-        <p:spPr>
-          <a:xfrm>
-            <a:off x="3562404" y="2223389"/>
-            <a:ext cx="2797064" cy="2797064"/>
-          </a:xfrm>
-        </p:spPr>
-      </p:pic>
-      <p:pic>
-        <p:nvPicPr>
-          <p:cNvPr id="5" name="Grafik 4"/>
-          <p:cNvPicPr>
-            <a:picLocks noChangeAspect="1"/>
-          </p:cNvPicPr>
-          <p:nvPr/>
-        </p:nvPicPr>
-        <p:blipFill>
-          <a:blip r:embed="rId3">
-            <a:extLst>
-              <a:ext uri="{28A0092B-C50C-407E-A947-70E740481C1C}">
-                <a14:useLocalDpi xmlns:a14="http://schemas.microsoft.com/office/drawing/2010/main" val="0"/>
-              </a:ext>
-            </a:extLst>
-          </a:blip>
-          <a:stretch>
-            <a:fillRect/>
-          </a:stretch>
-        </p:blipFill>
-        <p:spPr>
-          <a:xfrm>
-            <a:off x="722011" y="2223389"/>
-            <a:ext cx="2797064" cy="2797064"/>
-          </a:xfrm>
-          <a:prstGeom prst="rect">
-            <a:avLst/>
-          </a:prstGeom>
-        </p:spPr>
-      </p:pic>
-      <p:pic>
-        <p:nvPicPr>
-          <p:cNvPr id="6" name="Grafik 5"/>
-          <p:cNvPicPr>
-            <a:picLocks noChangeAspect="1"/>
-          </p:cNvPicPr>
-          <p:nvPr/>
-        </p:nvPicPr>
-        <p:blipFill>
-          <a:blip r:embed="rId4">
-            <a:extLst>
-              <a:ext uri="{28A0092B-C50C-407E-A947-70E740481C1C}">
-                <a14:useLocalDpi xmlns:a14="http://schemas.microsoft.com/office/drawing/2010/main" val="0"/>
-              </a:ext>
-            </a:extLst>
-          </a:blip>
-          <a:stretch>
-            <a:fillRect/>
-          </a:stretch>
-        </p:blipFill>
-        <p:spPr>
-          <a:xfrm>
-            <a:off x="6402797" y="2223389"/>
-            <a:ext cx="2797064" cy="2797064"/>
-          </a:xfrm>
-          <a:prstGeom prst="rect">
-            <a:avLst/>
-          </a:prstGeom>
-        </p:spPr>
-      </p:pic>
-      <p:pic>
-        <p:nvPicPr>
-          <p:cNvPr id="7" name="Grafik 6"/>
-          <p:cNvPicPr>
-            <a:picLocks noChangeAspect="1"/>
-          </p:cNvPicPr>
-          <p:nvPr/>
-        </p:nvPicPr>
-        <p:blipFill>
-          <a:blip r:embed="rId5">
-            <a:extLst>
-              <a:ext uri="{28A0092B-C50C-407E-A947-70E740481C1C}">
-                <a14:useLocalDpi xmlns:a14="http://schemas.microsoft.com/office/drawing/2010/main" val="0"/>
-              </a:ext>
-            </a:extLst>
-          </a:blip>
-          <a:stretch>
-            <a:fillRect/>
-          </a:stretch>
-        </p:blipFill>
-        <p:spPr>
-          <a:xfrm>
-            <a:off x="9243190" y="2223389"/>
-            <a:ext cx="2797064" cy="2797064"/>
-          </a:xfrm>
-          <a:prstGeom prst="rect">
-            <a:avLst/>
-          </a:prstGeom>
-        </p:spPr>
-      </p:pic>
-    </p:spTree>
-    <p:extLst>
-      <p:ext uri="{BB962C8B-B14F-4D97-AF65-F5344CB8AC3E}">
-        <p14:creationId xmlns:p14="http://schemas.microsoft.com/office/powerpoint/2010/main" val="714275184"/>
-      </p:ext>
-    </p:extLst>
-  </p:cSld>
-  <p:clrMapOvr>
-    <a:masterClrMapping/>
-  </p:clrMapOvr>
 </p:sld>
 </file>
 
@@ -10243,7 +10161,7 @@
 </file>
 
 <file path=ppt/slides/slide7.xml><?xml version="1.0" encoding="utf-8"?>
-<p:sld xmlns:a="http://schemas.openxmlformats.org/drawingml/2006/main" xmlns:r="http://schemas.openxmlformats.org/officeDocument/2006/relationships" xmlns:p="http://schemas.openxmlformats.org/presentationml/2006/main" show="0">
+<p:sld xmlns:a="http://schemas.openxmlformats.org/drawingml/2006/main" xmlns:r="http://schemas.openxmlformats.org/officeDocument/2006/relationships" xmlns:p="http://schemas.openxmlformats.org/presentationml/2006/main">
   <p:cSld>
     <p:spTree>
       <p:nvGrpSpPr>
@@ -10261,7 +10179,304 @@
       </p:grpSpPr>
       <p:pic>
         <p:nvPicPr>
-          <p:cNvPr id="5" name="Grafik 4"/>
+          <p:cNvPr id="5" name="Inhaltsplatzhalter 4"/>
+          <p:cNvPicPr>
+            <a:picLocks noGrp="1" noChangeAspect="1"/>
+          </p:cNvPicPr>
+          <p:nvPr>
+            <p:ph idx="1"/>
+          </p:nvPr>
+        </p:nvPicPr>
+        <p:blipFill>
+          <a:blip r:embed="rId2" cstate="print">
+            <a:extLst>
+              <a:ext uri="{28A0092B-C50C-407E-A947-70E740481C1C}">
+                <a14:useLocalDpi xmlns:a14="http://schemas.microsoft.com/office/drawing/2010/main" val="0"/>
+              </a:ext>
+            </a:extLst>
+          </a:blip>
+          <a:stretch>
+            <a:fillRect/>
+          </a:stretch>
+        </p:blipFill>
+        <p:spPr>
+          <a:xfrm>
+            <a:off x="5391900" y="1121551"/>
+            <a:ext cx="5649077" cy="5649077"/>
+          </a:xfrm>
+        </p:spPr>
+      </p:pic>
+      <p:sp>
+        <p:nvSpPr>
+          <p:cNvPr id="2" name="Titel 1"/>
+          <p:cNvSpPr>
+            <a:spLocks noGrp="1"/>
+          </p:cNvSpPr>
+          <p:nvPr>
+            <p:ph type="title"/>
+          </p:nvPr>
+        </p:nvSpPr>
+        <p:spPr/>
+        <p:txBody>
+          <a:bodyPr/>
+          <a:lstStyle/>
+          <a:p>
+            <a:r>
+              <a:rPr lang="en-GB" dirty="0" smtClean="0"/>
+              <a:t>Redundancy and Noise</a:t>
+            </a:r>
+            <a:endParaRPr lang="en-GB" dirty="0"/>
+          </a:p>
+        </p:txBody>
+      </p:sp>
+      <p:pic>
+        <p:nvPicPr>
+          <p:cNvPr id="6" name="Grafik 5"/>
+          <p:cNvPicPr>
+            <a:picLocks noChangeAspect="1"/>
+          </p:cNvPicPr>
+          <p:nvPr/>
+        </p:nvPicPr>
+        <p:blipFill rotWithShape="1">
+          <a:blip r:embed="rId3" cstate="print">
+            <a:extLst>
+              <a:ext uri="{28A0092B-C50C-407E-A947-70E740481C1C}">
+                <a14:useLocalDpi xmlns:a14="http://schemas.microsoft.com/office/drawing/2010/main" val="0"/>
+              </a:ext>
+            </a:extLst>
+          </a:blip>
+          <a:srcRect l="19272" t="9824" r="18139" b="4737"/>
+          <a:stretch/>
+        </p:blipFill>
+        <p:spPr>
+          <a:xfrm>
+            <a:off x="613021" y="1871908"/>
+            <a:ext cx="4644779" cy="4212748"/>
+          </a:xfrm>
+          <a:prstGeom prst="rect">
+            <a:avLst/>
+          </a:prstGeom>
+        </p:spPr>
+      </p:pic>
+    </p:spTree>
+    <p:extLst>
+      <p:ext uri="{BB962C8B-B14F-4D97-AF65-F5344CB8AC3E}">
+        <p14:creationId xmlns:p14="http://schemas.microsoft.com/office/powerpoint/2010/main" val="1528309351"/>
+      </p:ext>
+    </p:extLst>
+  </p:cSld>
+  <p:clrMapOvr>
+    <a:masterClrMapping/>
+  </p:clrMapOvr>
+  <p:timing>
+    <p:tnLst>
+      <p:par>
+        <p:cTn id="1" dur="indefinite" restart="never" nodeType="tmRoot"/>
+      </p:par>
+    </p:tnLst>
+  </p:timing>
+</p:sld>
+</file>
+
+<file path=ppt/slides/slide8.xml><?xml version="1.0" encoding="utf-8"?>
+<p:sld xmlns:a="http://schemas.openxmlformats.org/drawingml/2006/main" xmlns:r="http://schemas.openxmlformats.org/officeDocument/2006/relationships" xmlns:p="http://schemas.openxmlformats.org/presentationml/2006/main">
+  <p:cSld>
+    <p:spTree>
+      <p:nvGrpSpPr>
+        <p:cNvPr id="1" name=""/>
+        <p:cNvGrpSpPr/>
+        <p:nvPr/>
+      </p:nvGrpSpPr>
+      <p:grpSpPr>
+        <a:xfrm>
+          <a:off x="0" y="0"/>
+          <a:ext cx="0" cy="0"/>
+          <a:chOff x="0" y="0"/>
+          <a:chExt cx="0" cy="0"/>
+        </a:xfrm>
+      </p:grpSpPr>
+      <p:sp>
+        <p:nvSpPr>
+          <p:cNvPr id="2" name="Titel 1"/>
+          <p:cNvSpPr>
+            <a:spLocks noGrp="1"/>
+          </p:cNvSpPr>
+          <p:nvPr>
+            <p:ph type="title"/>
+          </p:nvPr>
+        </p:nvSpPr>
+        <p:spPr/>
+        <p:txBody>
+          <a:bodyPr/>
+          <a:lstStyle/>
+          <a:p>
+            <a:r>
+              <a:rPr lang="en-GB" dirty="0" smtClean="0"/>
+              <a:t>My Solution</a:t>
+            </a:r>
+            <a:endParaRPr lang="en-GB" dirty="0"/>
+          </a:p>
+        </p:txBody>
+      </p:sp>
+      <p:sp>
+        <p:nvSpPr>
+          <p:cNvPr id="3" name="Inhaltsplatzhalter 2"/>
+          <p:cNvSpPr>
+            <a:spLocks noGrp="1"/>
+          </p:cNvSpPr>
+          <p:nvPr>
+            <p:ph idx="1"/>
+          </p:nvPr>
+        </p:nvSpPr>
+        <p:spPr/>
+        <p:txBody>
+          <a:bodyPr/>
+          <a:lstStyle/>
+          <a:p>
+            <a:endParaRPr lang="en-GB" dirty="0" smtClean="0"/>
+          </a:p>
+          <a:p>
+            <a:endParaRPr lang="en-GB" dirty="0"/>
+          </a:p>
+          <a:p>
+            <a:endParaRPr lang="en-GB" dirty="0" smtClean="0"/>
+          </a:p>
+          <a:p>
+            <a:endParaRPr lang="en-GB" dirty="0"/>
+          </a:p>
+        </p:txBody>
+      </p:sp>
+      <p:sp>
+        <p:nvSpPr>
+          <p:cNvPr id="6" name="Textfeld 5"/>
+          <p:cNvSpPr txBox="1"/>
+          <p:nvPr/>
+        </p:nvSpPr>
+        <p:spPr>
+          <a:xfrm>
+            <a:off x="6088878" y="4386371"/>
+            <a:ext cx="4752904" cy="646331"/>
+          </a:xfrm>
+          <a:prstGeom prst="rect">
+            <a:avLst/>
+          </a:prstGeom>
+          <a:noFill/>
+        </p:spPr>
+        <p:txBody>
+          <a:bodyPr wrap="none" rtlCol="0">
+            <a:spAutoFit/>
+          </a:bodyPr>
+          <a:lstStyle/>
+          <a:p>
+            <a:pPr algn="ctr"/>
+            <a:r>
+              <a:rPr lang="en-GB" sz="3600" dirty="0" smtClean="0"/>
+              <a:t>Direct Fourier Transform</a:t>
+            </a:r>
+            <a:endParaRPr lang="en-GB" sz="3600" dirty="0"/>
+          </a:p>
+        </p:txBody>
+      </p:sp>
+      <p:cxnSp>
+        <p:nvCxnSpPr>
+          <p:cNvPr id="7" name="Gerade Verbindung mit Pfeil 6"/>
+          <p:cNvCxnSpPr/>
+          <p:nvPr/>
+        </p:nvCxnSpPr>
+        <p:spPr>
+          <a:xfrm flipV="1">
+            <a:off x="6320007" y="3704557"/>
+            <a:ext cx="0" cy="744350"/>
+          </a:xfrm>
+          <a:prstGeom prst="straightConnector1">
+            <a:avLst/>
+          </a:prstGeom>
+          <a:ln w="85725">
+            <a:tailEnd type="triangle"/>
+          </a:ln>
+        </p:spPr>
+        <p:style>
+          <a:lnRef idx="1">
+            <a:schemeClr val="accent1"/>
+          </a:lnRef>
+          <a:fillRef idx="0">
+            <a:schemeClr val="accent1"/>
+          </a:fillRef>
+          <a:effectRef idx="0">
+            <a:schemeClr val="accent1"/>
+          </a:effectRef>
+          <a:fontRef idx="minor">
+            <a:schemeClr val="tx1"/>
+          </a:fontRef>
+        </p:style>
+      </p:cxnSp>
+      <p:sp>
+        <p:nvSpPr>
+          <p:cNvPr id="9" name="Textfeld 8"/>
+          <p:cNvSpPr txBox="1"/>
+          <p:nvPr/>
+        </p:nvSpPr>
+        <p:spPr>
+          <a:xfrm>
+            <a:off x="2681470" y="4950069"/>
+            <a:ext cx="3407408" cy="646331"/>
+          </a:xfrm>
+          <a:prstGeom prst="rect">
+            <a:avLst/>
+          </a:prstGeom>
+          <a:noFill/>
+        </p:spPr>
+        <p:txBody>
+          <a:bodyPr wrap="none" rtlCol="0">
+            <a:spAutoFit/>
+          </a:bodyPr>
+          <a:lstStyle/>
+          <a:p>
+            <a:pPr algn="ctr"/>
+            <a:r>
+              <a:rPr lang="en-GB" sz="3600" dirty="0" smtClean="0"/>
+              <a:t>Starlet Transform</a:t>
+            </a:r>
+            <a:endParaRPr lang="en-GB" sz="3600" dirty="0"/>
+          </a:p>
+        </p:txBody>
+      </p:sp>
+      <p:cxnSp>
+        <p:nvCxnSpPr>
+          <p:cNvPr id="10" name="Gerade Verbindung mit Pfeil 9"/>
+          <p:cNvCxnSpPr/>
+          <p:nvPr/>
+        </p:nvCxnSpPr>
+        <p:spPr>
+          <a:xfrm flipV="1">
+            <a:off x="5855675" y="3704557"/>
+            <a:ext cx="5866" cy="1245512"/>
+          </a:xfrm>
+          <a:prstGeom prst="straightConnector1">
+            <a:avLst/>
+          </a:prstGeom>
+          <a:ln w="85725">
+            <a:tailEnd type="triangle"/>
+          </a:ln>
+        </p:spPr>
+        <p:style>
+          <a:lnRef idx="1">
+            <a:schemeClr val="accent1"/>
+          </a:lnRef>
+          <a:fillRef idx="0">
+            <a:schemeClr val="accent1"/>
+          </a:fillRef>
+          <a:effectRef idx="0">
+            <a:schemeClr val="accent1"/>
+          </a:effectRef>
+          <a:fontRef idx="minor">
+            <a:schemeClr val="tx1"/>
+          </a:fontRef>
+        </p:style>
+      </p:cxnSp>
+      <p:pic>
+        <p:nvPicPr>
+          <p:cNvPr id="16" name="Grafik 15"/>
           <p:cNvPicPr>
             <a:picLocks noChangeAspect="1"/>
           </p:cNvPicPr>
@@ -10281,73 +10496,63 @@
         </p:blipFill>
         <p:spPr>
           <a:xfrm>
-            <a:off x="838200" y="1841103"/>
-            <a:ext cx="4171950" cy="895350"/>
+            <a:off x="908537" y="2668361"/>
+            <a:ext cx="9344025" cy="1362075"/>
           </a:xfrm>
           <a:prstGeom prst="rect">
             <a:avLst/>
           </a:prstGeom>
         </p:spPr>
       </p:pic>
-      <p:sp>
-        <p:nvSpPr>
-          <p:cNvPr id="2" name="Titel 1"/>
-          <p:cNvSpPr>
-            <a:spLocks noGrp="1"/>
-          </p:cNvSpPr>
-          <p:nvPr>
-            <p:ph type="title"/>
-          </p:nvPr>
-        </p:nvSpPr>
-        <p:spPr/>
-        <p:txBody>
-          <a:bodyPr/>
-          <a:lstStyle/>
-          <a:p>
-            <a:r>
-              <a:rPr lang="en-GB" dirty="0"/>
-              <a:t>CLEAN and the non-uniform FFT</a:t>
-            </a:r>
-          </a:p>
-        </p:txBody>
-      </p:sp>
-      <p:sp>
-        <p:nvSpPr>
-          <p:cNvPr id="3" name="Inhaltsplatzhalter 2"/>
-          <p:cNvSpPr>
-            <a:spLocks noGrp="1"/>
-          </p:cNvSpPr>
-          <p:nvPr>
-            <p:ph idx="1"/>
-          </p:nvPr>
-        </p:nvSpPr>
-        <p:spPr/>
-        <p:txBody>
-          <a:bodyPr/>
-          <a:lstStyle/>
-          <a:p>
-            <a:endParaRPr lang="en-GB" dirty="0"/>
-          </a:p>
-        </p:txBody>
-      </p:sp>
+      <p:pic>
+        <p:nvPicPr>
+          <p:cNvPr id="18" name="Inhaltsplatzhalter 5"/>
+          <p:cNvPicPr>
+            <a:picLocks noChangeAspect="1"/>
+          </p:cNvPicPr>
+          <p:nvPr/>
+        </p:nvPicPr>
+        <p:blipFill>
+          <a:blip r:embed="rId3">
+            <a:extLst>
+              <a:ext uri="{BEBA8EAE-BF5A-486C-A8C5-ECC9F3942E4B}">
+                <a14:imgProps xmlns:a14="http://schemas.microsoft.com/office/drawing/2010/main">
+                  <a14:imgLayer r:embed="rId4">
+                    <a14:imgEffect>
+                      <a14:brightnessContrast contrast="-100000"/>
+                    </a14:imgEffect>
+                  </a14:imgLayer>
+                </a14:imgProps>
+              </a:ext>
+              <a:ext uri="{28A0092B-C50C-407E-A947-70E740481C1C}">
+                <a14:useLocalDpi xmlns:a14="http://schemas.microsoft.com/office/drawing/2010/main" val="0"/>
+              </a:ext>
+            </a:extLst>
+          </a:blip>
+          <a:stretch>
+            <a:fillRect/>
+          </a:stretch>
+        </p:blipFill>
+        <p:spPr>
+          <a:xfrm>
+            <a:off x="838200" y="1580788"/>
+            <a:ext cx="9591675" cy="1047750"/>
+          </a:xfrm>
+          <a:prstGeom prst="rect">
+            <a:avLst/>
+          </a:prstGeom>
+        </p:spPr>
+      </p:pic>
     </p:spTree>
     <p:extLst>
       <p:ext uri="{BB962C8B-B14F-4D97-AF65-F5344CB8AC3E}">
-        <p14:creationId xmlns:p14="http://schemas.microsoft.com/office/powerpoint/2010/main" val="2254098732"/>
+        <p14:creationId xmlns:p14="http://schemas.microsoft.com/office/powerpoint/2010/main" val="2252155210"/>
       </p:ext>
     </p:extLst>
   </p:cSld>
   <p:clrMapOvr>
     <a:masterClrMapping/>
   </p:clrMapOvr>
-  <mc:AlternateContent xmlns:mc="http://schemas.openxmlformats.org/markup-compatibility/2006" xmlns:p14="http://schemas.microsoft.com/office/powerpoint/2010/main">
-    <mc:Choice Requires="p14">
-      <p:transition spd="slow" p14:dur="2000"/>
-    </mc:Choice>
-    <mc:Fallback xmlns="">
-      <p:transition spd="slow"/>
-    </mc:Fallback>
-  </mc:AlternateContent>
   <p:timing>
     <p:tnLst>
       <p:par>
@@ -10358,8 +10563,8 @@
 </p:sld>
 </file>
 
-<file path=ppt/slides/slide8.xml><?xml version="1.0" encoding="utf-8"?>
-<p:sld xmlns:a="http://schemas.openxmlformats.org/drawingml/2006/main" xmlns:r="http://schemas.openxmlformats.org/officeDocument/2006/relationships" xmlns:p="http://schemas.openxmlformats.org/presentationml/2006/main" show="0">
+<file path=ppt/slides/slide9.xml><?xml version="1.0" encoding="utf-8"?>
+<p:sld xmlns:a="http://schemas.openxmlformats.org/drawingml/2006/main" xmlns:r="http://schemas.openxmlformats.org/officeDocument/2006/relationships" xmlns:p="http://schemas.openxmlformats.org/presentationml/2006/main">
   <p:cSld>
     <p:spTree>
       <p:nvGrpSpPr>
@@ -10375,9 +10580,28 @@
           <a:chExt cx="0" cy="0"/>
         </a:xfrm>
       </p:grpSpPr>
+      <p:sp>
+        <p:nvSpPr>
+          <p:cNvPr id="3" name="Inhaltsplatzhalter 2"/>
+          <p:cNvSpPr>
+            <a:spLocks noGrp="1"/>
+          </p:cNvSpPr>
+          <p:nvPr>
+            <p:ph idx="1"/>
+          </p:nvPr>
+        </p:nvSpPr>
+        <p:spPr/>
+        <p:txBody>
+          <a:bodyPr/>
+          <a:lstStyle/>
+          <a:p>
+            <a:endParaRPr lang="en-GB" dirty="0"/>
+          </a:p>
+        </p:txBody>
+      </p:sp>
       <p:pic>
         <p:nvPicPr>
-          <p:cNvPr id="5" name="Grafik 4"/>
+          <p:cNvPr id="5" name="Inhaltsplatzhalter 4"/>
           <p:cNvPicPr>
             <a:picLocks noChangeAspect="1"/>
           </p:cNvPicPr>
@@ -10397,44 +10621,14 @@
         </p:blipFill>
         <p:spPr>
           <a:xfrm>
-            <a:off x="838200" y="1841103"/>
-            <a:ext cx="4171950" cy="895350"/>
+            <a:off x="838200" y="1816066"/>
+            <a:ext cx="8629650" cy="1047750"/>
           </a:xfrm>
           <a:prstGeom prst="rect">
             <a:avLst/>
           </a:prstGeom>
         </p:spPr>
       </p:pic>
-      <p:pic>
-        <p:nvPicPr>
-          <p:cNvPr id="6" name="Grafik 5"/>
-          <p:cNvPicPr>
-            <a:picLocks noChangeAspect="1"/>
-          </p:cNvPicPr>
-          <p:nvPr/>
-        </p:nvPicPr>
-        <p:blipFill>
-          <a:blip r:embed="rId3">
-            <a:extLst>
-              <a:ext uri="{28A0092B-C50C-407E-A947-70E740481C1C}">
-                <a14:useLocalDpi xmlns:a14="http://schemas.microsoft.com/office/drawing/2010/main" val="0"/>
-              </a:ext>
-            </a:extLst>
-          </a:blip>
-          <a:stretch>
-            <a:fillRect/>
-          </a:stretch>
-        </p:blipFill>
-        <p:spPr>
-          <a:xfrm>
-            <a:off x="838200" y="2886869"/>
-            <a:ext cx="10963275" cy="1114425"/>
-          </a:xfrm>
-          <a:prstGeom prst="rect">
-            <a:avLst/>
-          </a:prstGeom>
-        </p:spPr>
-      </p:pic>
       <p:sp>
         <p:nvSpPr>
           <p:cNvPr id="2" name="Titel 1"/>
@@ -10445,272 +10639,33 @@
             <p:ph type="title"/>
           </p:nvPr>
         </p:nvSpPr>
-        <p:spPr/>
+        <p:spPr>
+          <a:xfrm>
+            <a:off x="838200" y="371694"/>
+            <a:ext cx="10515600" cy="1325563"/>
+          </a:xfrm>
+        </p:spPr>
         <p:txBody>
           <a:bodyPr/>
           <a:lstStyle/>
           <a:p>
             <a:r>
               <a:rPr lang="en-GB" dirty="0"/>
-              <a:t>CLEAN and the non-uniform FFT</a:t>
-            </a:r>
-          </a:p>
-        </p:txBody>
-      </p:sp>
-      <p:sp>
-        <p:nvSpPr>
-          <p:cNvPr id="3" name="Inhaltsplatzhalter 2"/>
-          <p:cNvSpPr>
-            <a:spLocks noGrp="1"/>
-          </p:cNvSpPr>
-          <p:nvPr>
-            <p:ph idx="1"/>
-          </p:nvPr>
-        </p:nvSpPr>
-        <p:spPr/>
-        <p:txBody>
-          <a:bodyPr/>
-          <a:lstStyle/>
-          <a:p>
-            <a:endParaRPr lang="en-GB"/>
+              <a:t>Coordinate Descent</a:t>
+            </a:r>
           </a:p>
         </p:txBody>
       </p:sp>
     </p:spTree>
     <p:extLst>
       <p:ext uri="{BB962C8B-B14F-4D97-AF65-F5344CB8AC3E}">
-        <p14:creationId xmlns:p14="http://schemas.microsoft.com/office/powerpoint/2010/main" val="64983413"/>
+        <p14:creationId xmlns:p14="http://schemas.microsoft.com/office/powerpoint/2010/main" val="3693283190"/>
       </p:ext>
     </p:extLst>
   </p:cSld>
   <p:clrMapOvr>
     <a:masterClrMapping/>
   </p:clrMapOvr>
-  <mc:AlternateContent xmlns:mc="http://schemas.openxmlformats.org/markup-compatibility/2006" xmlns:p14="http://schemas.microsoft.com/office/powerpoint/2010/main">
-    <mc:Choice Requires="p14">
-      <p:transition spd="slow" p14:dur="2000"/>
-    </mc:Choice>
-    <mc:Fallback xmlns="">
-      <p:transition spd="slow"/>
-    </mc:Fallback>
-  </mc:AlternateContent>
-  <p:timing>
-    <p:tnLst>
-      <p:par>
-        <p:cTn id="1" dur="indefinite" restart="never" nodeType="tmRoot"/>
-      </p:par>
-    </p:tnLst>
-  </p:timing>
-</p:sld>
-</file>
-
-<file path=ppt/slides/slide9.xml><?xml version="1.0" encoding="utf-8"?>
-<p:sld xmlns:a="http://schemas.openxmlformats.org/drawingml/2006/main" xmlns:r="http://schemas.openxmlformats.org/officeDocument/2006/relationships" xmlns:p="http://schemas.openxmlformats.org/presentationml/2006/main" show="0">
-  <p:cSld>
-    <p:spTree>
-      <p:nvGrpSpPr>
-        <p:cNvPr id="1" name=""/>
-        <p:cNvGrpSpPr/>
-        <p:nvPr/>
-      </p:nvGrpSpPr>
-      <p:grpSpPr>
-        <a:xfrm>
-          <a:off x="0" y="0"/>
-          <a:ext cx="0" cy="0"/>
-          <a:chOff x="0" y="0"/>
-          <a:chExt cx="0" cy="0"/>
-        </a:xfrm>
-      </p:grpSpPr>
-      <p:sp>
-        <p:nvSpPr>
-          <p:cNvPr id="4" name="Rechteck 3"/>
-          <p:cNvSpPr/>
-          <p:nvPr/>
-        </p:nvSpPr>
-        <p:spPr>
-          <a:xfrm>
-            <a:off x="3302128" y="1841103"/>
-            <a:ext cx="1219200" cy="771271"/>
-          </a:xfrm>
-          <a:prstGeom prst="rect">
-            <a:avLst/>
-          </a:prstGeom>
-          <a:solidFill>
-            <a:schemeClr val="accent2">
-              <a:lumMod val="75000"/>
-            </a:schemeClr>
-          </a:solidFill>
-        </p:spPr>
-        <p:style>
-          <a:lnRef idx="2">
-            <a:schemeClr val="accent1">
-              <a:shade val="50000"/>
-            </a:schemeClr>
-          </a:lnRef>
-          <a:fillRef idx="1">
-            <a:schemeClr val="accent1"/>
-          </a:fillRef>
-          <a:effectRef idx="0">
-            <a:schemeClr val="accent1"/>
-          </a:effectRef>
-          <a:fontRef idx="minor">
-            <a:schemeClr val="lt1"/>
-          </a:fontRef>
-        </p:style>
-        <p:txBody>
-          <a:bodyPr rtlCol="0" anchor="ctr"/>
-          <a:lstStyle/>
-          <a:p>
-            <a:pPr algn="ctr"/>
-            <a:endParaRPr lang="en-GB"/>
-          </a:p>
-        </p:txBody>
-      </p:sp>
-      <p:pic>
-        <p:nvPicPr>
-          <p:cNvPr id="5" name="Grafik 4"/>
-          <p:cNvPicPr>
-            <a:picLocks noChangeAspect="1"/>
-          </p:cNvPicPr>
-          <p:nvPr/>
-        </p:nvPicPr>
-        <p:blipFill>
-          <a:blip r:embed="rId2">
-            <a:extLst>
-              <a:ext uri="{28A0092B-C50C-407E-A947-70E740481C1C}">
-                <a14:useLocalDpi xmlns:a14="http://schemas.microsoft.com/office/drawing/2010/main" val="0"/>
-              </a:ext>
-            </a:extLst>
-          </a:blip>
-          <a:stretch>
-            <a:fillRect/>
-          </a:stretch>
-        </p:blipFill>
-        <p:spPr>
-          <a:xfrm>
-            <a:off x="838200" y="1841103"/>
-            <a:ext cx="4171950" cy="895350"/>
-          </a:xfrm>
-          <a:prstGeom prst="rect">
-            <a:avLst/>
-          </a:prstGeom>
-        </p:spPr>
-      </p:pic>
-      <p:sp>
-        <p:nvSpPr>
-          <p:cNvPr id="7" name="Rechteck 6"/>
-          <p:cNvSpPr/>
-          <p:nvPr/>
-        </p:nvSpPr>
-        <p:spPr>
-          <a:xfrm>
-            <a:off x="7485888" y="3021806"/>
-            <a:ext cx="1511808" cy="771271"/>
-          </a:xfrm>
-          <a:prstGeom prst="rect">
-            <a:avLst/>
-          </a:prstGeom>
-          <a:solidFill>
-            <a:schemeClr val="accent2">
-              <a:lumMod val="75000"/>
-            </a:schemeClr>
-          </a:solidFill>
-        </p:spPr>
-        <p:style>
-          <a:lnRef idx="2">
-            <a:schemeClr val="accent1">
-              <a:shade val="50000"/>
-            </a:schemeClr>
-          </a:lnRef>
-          <a:fillRef idx="1">
-            <a:schemeClr val="accent1"/>
-          </a:fillRef>
-          <a:effectRef idx="0">
-            <a:schemeClr val="accent1"/>
-          </a:effectRef>
-          <a:fontRef idx="minor">
-            <a:schemeClr val="lt1"/>
-          </a:fontRef>
-        </p:style>
-        <p:txBody>
-          <a:bodyPr rtlCol="0" anchor="ctr"/>
-          <a:lstStyle/>
-          <a:p>
-            <a:pPr algn="ctr"/>
-            <a:endParaRPr lang="en-GB"/>
-          </a:p>
-        </p:txBody>
-      </p:sp>
-      <p:pic>
-        <p:nvPicPr>
-          <p:cNvPr id="6" name="Grafik 5"/>
-          <p:cNvPicPr>
-            <a:picLocks noChangeAspect="1"/>
-          </p:cNvPicPr>
-          <p:nvPr/>
-        </p:nvPicPr>
-        <p:blipFill>
-          <a:blip r:embed="rId3">
-            <a:extLst>
-              <a:ext uri="{28A0092B-C50C-407E-A947-70E740481C1C}">
-                <a14:useLocalDpi xmlns:a14="http://schemas.microsoft.com/office/drawing/2010/main" val="0"/>
-              </a:ext>
-            </a:extLst>
-          </a:blip>
-          <a:stretch>
-            <a:fillRect/>
-          </a:stretch>
-        </p:blipFill>
-        <p:spPr>
-          <a:xfrm>
-            <a:off x="838200" y="2886869"/>
-            <a:ext cx="10963275" cy="1114425"/>
-          </a:xfrm>
-          <a:prstGeom prst="rect">
-            <a:avLst/>
-          </a:prstGeom>
-        </p:spPr>
-      </p:pic>
-      <p:sp>
-        <p:nvSpPr>
-          <p:cNvPr id="2" name="Titel 1"/>
-          <p:cNvSpPr>
-            <a:spLocks noGrp="1"/>
-          </p:cNvSpPr>
-          <p:nvPr>
-            <p:ph type="title"/>
-          </p:nvPr>
-        </p:nvSpPr>
-        <p:spPr/>
-        <p:txBody>
-          <a:bodyPr/>
-          <a:lstStyle/>
-          <a:p>
-            <a:r>
-              <a:rPr lang="en-GB" dirty="0"/>
-              <a:t>CLEAN and the non-uniform FFT</a:t>
-            </a:r>
-          </a:p>
-        </p:txBody>
-      </p:sp>
-    </p:spTree>
-    <p:extLst>
-      <p:ext uri="{BB962C8B-B14F-4D97-AF65-F5344CB8AC3E}">
-        <p14:creationId xmlns:p14="http://schemas.microsoft.com/office/powerpoint/2010/main" val="853479234"/>
-      </p:ext>
-    </p:extLst>
-  </p:cSld>
-  <p:clrMapOvr>
-    <a:masterClrMapping/>
-  </p:clrMapOvr>
-  <mc:AlternateContent xmlns:mc="http://schemas.openxmlformats.org/markup-compatibility/2006" xmlns:p14="http://schemas.microsoft.com/office/powerpoint/2010/main">
-    <mc:Choice Requires="p14">
-      <p:transition spd="slow" p14:dur="2000"/>
-    </mc:Choice>
-    <mc:Fallback xmlns="">
-      <p:transition spd="slow"/>
-    </mc:Fallback>
-  </mc:AlternateContent>
   <p:timing>
     <p:tnLst>
       <p:par>
